--- a/GenAI-Powered Food Delivery Sentiment Analysis/Project Presentation - Business Applications of GenAI - John Buczkowski.pptx
+++ b/GenAI-Powered Food Delivery Sentiment Analysis/Project Presentation - Business Applications of GenAI - John Buczkowski.pptx
@@ -7,61 +7,66 @@
     <p:sldMasterId id="2147483681" r:id="rId3"/>
   </p:sldMasterIdLst>
   <p:notesMasterIdLst>
-    <p:notesMasterId r:id="rId27"/>
+    <p:notesMasterId r:id="rId32"/>
   </p:notesMasterIdLst>
   <p:sldIdLst>
     <p:sldId id="256" r:id="rId4"/>
     <p:sldId id="257" r:id="rId5"/>
     <p:sldId id="258" r:id="rId6"/>
-    <p:sldId id="286" r:id="rId7"/>
-    <p:sldId id="287" r:id="rId8"/>
-    <p:sldId id="267" r:id="rId9"/>
-    <p:sldId id="260" r:id="rId10"/>
-    <p:sldId id="293" r:id="rId11"/>
-    <p:sldId id="290" r:id="rId12"/>
-    <p:sldId id="294" r:id="rId13"/>
-    <p:sldId id="291" r:id="rId14"/>
-    <p:sldId id="295" r:id="rId15"/>
-    <p:sldId id="292" r:id="rId16"/>
-    <p:sldId id="296" r:id="rId17"/>
-    <p:sldId id="261" r:id="rId18"/>
-    <p:sldId id="297" r:id="rId19"/>
-    <p:sldId id="298" r:id="rId20"/>
-    <p:sldId id="289" r:id="rId21"/>
-    <p:sldId id="262" r:id="rId22"/>
-    <p:sldId id="263" r:id="rId23"/>
-    <p:sldId id="264" r:id="rId24"/>
-    <p:sldId id="265" r:id="rId25"/>
-    <p:sldId id="266" r:id="rId26"/>
+    <p:sldId id="299" r:id="rId7"/>
+    <p:sldId id="300" r:id="rId8"/>
+    <p:sldId id="286" r:id="rId9"/>
+    <p:sldId id="301" r:id="rId10"/>
+    <p:sldId id="287" r:id="rId11"/>
+    <p:sldId id="303" r:id="rId12"/>
+    <p:sldId id="267" r:id="rId13"/>
+    <p:sldId id="302" r:id="rId14"/>
+    <p:sldId id="260" r:id="rId15"/>
+    <p:sldId id="293" r:id="rId16"/>
+    <p:sldId id="290" r:id="rId17"/>
+    <p:sldId id="294" r:id="rId18"/>
+    <p:sldId id="291" r:id="rId19"/>
+    <p:sldId id="295" r:id="rId20"/>
+    <p:sldId id="292" r:id="rId21"/>
+    <p:sldId id="296" r:id="rId22"/>
+    <p:sldId id="261" r:id="rId23"/>
+    <p:sldId id="297" r:id="rId24"/>
+    <p:sldId id="298" r:id="rId25"/>
+    <p:sldId id="289" r:id="rId26"/>
+    <p:sldId id="262" r:id="rId27"/>
+    <p:sldId id="263" r:id="rId28"/>
+    <p:sldId id="264" r:id="rId29"/>
+    <p:sldId id="265" r:id="rId30"/>
+    <p:sldId id="266" r:id="rId31"/>
   </p:sldIdLst>
   <p:sldSz cx="9144000" cy="5143500" type="screen16x9"/>
   <p:notesSz cx="6858000" cy="9144000"/>
   <p:embeddedFontLst>
     <p:embeddedFont>
       <p:font typeface="Century Gothic" panose="020B0502020202020204" pitchFamily="34" charset="0"/>
-      <p:regular r:id="rId28"/>
-      <p:bold r:id="rId29"/>
-      <p:italic r:id="rId30"/>
-      <p:boldItalic r:id="rId31"/>
+      <p:regular r:id="rId33"/>
+      <p:bold r:id="rId34"/>
+      <p:italic r:id="rId35"/>
+      <p:boldItalic r:id="rId36"/>
     </p:embeddedFont>
     <p:embeddedFont>
       <p:font typeface="Nunito" pitchFamily="2" charset="0"/>
-      <p:regular r:id="rId32"/>
-      <p:bold r:id="rId33"/>
-      <p:italic r:id="rId34"/>
-      <p:boldItalic r:id="rId35"/>
+      <p:regular r:id="rId37"/>
+      <p:bold r:id="rId38"/>
+      <p:italic r:id="rId39"/>
+      <p:boldItalic r:id="rId40"/>
     </p:embeddedFont>
     <p:embeddedFont>
       <p:font typeface="Nunito ExtraBold" pitchFamily="2" charset="0"/>
-      <p:bold r:id="rId36"/>
-      <p:boldItalic r:id="rId37"/>
+      <p:bold r:id="rId41"/>
+      <p:boldItalic r:id="rId42"/>
     </p:embeddedFont>
     <p:embeddedFont>
       <p:font typeface="Nunito SemiBold" pitchFamily="2" charset="0"/>
-      <p:regular r:id="rId38"/>
-      <p:bold r:id="rId39"/>
-      <p:italic r:id="rId40"/>
-      <p:boldItalic r:id="rId41"/>
+      <p:regular r:id="rId43"/>
+      <p:bold r:id="rId44"/>
+      <p:italic r:id="rId45"/>
+      <p:boldItalic r:id="rId46"/>
     </p:embeddedFont>
   </p:embeddedFontLst>
   <p:defaultTextStyle>
@@ -883,6 +888,586 @@
         <p:cNvPr id="1" name="Shape 171">
           <a:extLst>
             <a:ext uri="{FF2B5EF4-FFF2-40B4-BE49-F238E27FC236}">
+              <a16:creationId xmlns:a16="http://schemas.microsoft.com/office/drawing/2014/main" id="{35BD528E-CF3E-A594-77CA-0CCA52D09465}"/>
+            </a:ext>
+          </a:extLst>
+        </p:cNvPr>
+        <p:cNvGrpSpPr/>
+        <p:nvPr/>
+      </p:nvGrpSpPr>
+      <p:grpSpPr>
+        <a:xfrm>
+          <a:off x="0" y="0"/>
+          <a:ext cx="0" cy="0"/>
+          <a:chOff x="0" y="0"/>
+          <a:chExt cx="0" cy="0"/>
+        </a:xfrm>
+      </p:grpSpPr>
+      <p:sp>
+        <p:nvSpPr>
+          <p:cNvPr id="172" name="Google Shape;172;g2cd30dbf4aa_0_267:notes">
+            <a:extLst>
+              <a:ext uri="{FF2B5EF4-FFF2-40B4-BE49-F238E27FC236}">
+                <a16:creationId xmlns:a16="http://schemas.microsoft.com/office/drawing/2014/main" id="{71ED37C7-28F3-DF3E-DE5D-B6F860BF944C}"/>
+              </a:ext>
+            </a:extLst>
+          </p:cNvPr>
+          <p:cNvSpPr>
+            <a:spLocks noGrp="1" noRot="1" noChangeAspect="1"/>
+          </p:cNvSpPr>
+          <p:nvPr>
+            <p:ph type="sldImg" idx="2"/>
+          </p:nvPr>
+        </p:nvSpPr>
+        <p:spPr>
+          <a:xfrm>
+            <a:off x="381000" y="685800"/>
+            <a:ext cx="6096000" cy="3429000"/>
+          </a:xfrm>
+          <a:custGeom>
+            <a:avLst/>
+            <a:gdLst/>
+            <a:ahLst/>
+            <a:cxnLst/>
+            <a:rect l="l" t="t" r="r" b="b"/>
+            <a:pathLst>
+              <a:path w="120000" h="120000" extrusionOk="0">
+                <a:moveTo>
+                  <a:pt x="0" y="0"/>
+                </a:moveTo>
+                <a:lnTo>
+                  <a:pt x="120000" y="0"/>
+                </a:lnTo>
+                <a:lnTo>
+                  <a:pt x="120000" y="120000"/>
+                </a:lnTo>
+                <a:lnTo>
+                  <a:pt x="0" y="120000"/>
+                </a:lnTo>
+                <a:close/>
+              </a:path>
+            </a:pathLst>
+          </a:custGeom>
+          <a:noFill/>
+          <a:ln w="9525" cap="flat" cmpd="sng">
+            <a:solidFill>
+              <a:srgbClr val="000000"/>
+            </a:solidFill>
+            <a:prstDash val="solid"/>
+            <a:round/>
+            <a:headEnd type="none" w="sm" len="sm"/>
+            <a:tailEnd type="none" w="sm" len="sm"/>
+          </a:ln>
+        </p:spPr>
+      </p:sp>
+      <p:sp>
+        <p:nvSpPr>
+          <p:cNvPr id="173" name="Google Shape;173;g2cd30dbf4aa_0_267:notes">
+            <a:extLst>
+              <a:ext uri="{FF2B5EF4-FFF2-40B4-BE49-F238E27FC236}">
+                <a16:creationId xmlns:a16="http://schemas.microsoft.com/office/drawing/2014/main" id="{48FAFB0F-BCFC-9124-9848-487B1D27995B}"/>
+              </a:ext>
+            </a:extLst>
+          </p:cNvPr>
+          <p:cNvSpPr txBox="1">
+            <a:spLocks noGrp="1"/>
+          </p:cNvSpPr>
+          <p:nvPr>
+            <p:ph type="body" idx="1"/>
+          </p:nvPr>
+        </p:nvSpPr>
+        <p:spPr>
+          <a:xfrm>
+            <a:off x="685800" y="4343400"/>
+            <a:ext cx="5486400" cy="4114800"/>
+          </a:xfrm>
+          <a:prstGeom prst="rect">
+            <a:avLst/>
+          </a:prstGeom>
+          <a:noFill/>
+          <a:ln>
+            <a:noFill/>
+          </a:ln>
+        </p:spPr>
+        <p:txBody>
+          <a:bodyPr spcFirstLastPara="1" wrap="square" lIns="91425" tIns="91425" rIns="91425" bIns="91425" anchor="t" anchorCtr="0">
+            <a:noAutofit/>
+          </a:bodyPr>
+          <a:lstStyle/>
+          <a:p>
+            <a:pPr marL="0" lvl="0" indent="0" algn="l" rtl="0">
+              <a:lnSpc>
+                <a:spcPct val="100000"/>
+              </a:lnSpc>
+              <a:spcBef>
+                <a:spcPts val="0"/>
+              </a:spcBef>
+              <a:spcAft>
+                <a:spcPts val="0"/>
+              </a:spcAft>
+              <a:buSzPts val="1100"/>
+              <a:buNone/>
+            </a:pPr>
+            <a:endParaRPr/>
+          </a:p>
+        </p:txBody>
+      </p:sp>
+    </p:spTree>
+    <p:extLst>
+      <p:ext uri="{BB962C8B-B14F-4D97-AF65-F5344CB8AC3E}">
+        <p14:creationId xmlns:p14="http://schemas.microsoft.com/office/powerpoint/2010/main" val="2008906127"/>
+      </p:ext>
+    </p:extLst>
+  </p:cSld>
+  <p:clrMapOvr>
+    <a:masterClrMapping/>
+  </p:clrMapOvr>
+</p:notes>
+</file>
+
+<file path=ppt/notesSlides/notesSlide11.xml><?xml version="1.0" encoding="utf-8"?>
+<p:notes xmlns:a="http://schemas.openxmlformats.org/drawingml/2006/main" xmlns:r="http://schemas.openxmlformats.org/officeDocument/2006/relationships" xmlns:p="http://schemas.openxmlformats.org/presentationml/2006/main" showMasterSp="0" showMasterPhAnim="0">
+  <p:cSld>
+    <p:spTree>
+      <p:nvGrpSpPr>
+        <p:cNvPr id="1" name="Shape 171">
+          <a:extLst>
+            <a:ext uri="{FF2B5EF4-FFF2-40B4-BE49-F238E27FC236}">
+              <a16:creationId xmlns:a16="http://schemas.microsoft.com/office/drawing/2014/main" id="{8A339D07-5667-489B-3DEF-A947E01EE421}"/>
+            </a:ext>
+          </a:extLst>
+        </p:cNvPr>
+        <p:cNvGrpSpPr/>
+        <p:nvPr/>
+      </p:nvGrpSpPr>
+      <p:grpSpPr>
+        <a:xfrm>
+          <a:off x="0" y="0"/>
+          <a:ext cx="0" cy="0"/>
+          <a:chOff x="0" y="0"/>
+          <a:chExt cx="0" cy="0"/>
+        </a:xfrm>
+      </p:grpSpPr>
+      <p:sp>
+        <p:nvSpPr>
+          <p:cNvPr id="172" name="Google Shape;172;g2cd30dbf4aa_0_267:notes">
+            <a:extLst>
+              <a:ext uri="{FF2B5EF4-FFF2-40B4-BE49-F238E27FC236}">
+                <a16:creationId xmlns:a16="http://schemas.microsoft.com/office/drawing/2014/main" id="{76D8CD84-A2C7-1E5C-AD97-5B1F2B6A196C}"/>
+              </a:ext>
+            </a:extLst>
+          </p:cNvPr>
+          <p:cNvSpPr>
+            <a:spLocks noGrp="1" noRot="1" noChangeAspect="1"/>
+          </p:cNvSpPr>
+          <p:nvPr>
+            <p:ph type="sldImg" idx="2"/>
+          </p:nvPr>
+        </p:nvSpPr>
+        <p:spPr>
+          <a:xfrm>
+            <a:off x="381000" y="685800"/>
+            <a:ext cx="6096000" cy="3429000"/>
+          </a:xfrm>
+          <a:custGeom>
+            <a:avLst/>
+            <a:gdLst/>
+            <a:ahLst/>
+            <a:cxnLst/>
+            <a:rect l="l" t="t" r="r" b="b"/>
+            <a:pathLst>
+              <a:path w="120000" h="120000" extrusionOk="0">
+                <a:moveTo>
+                  <a:pt x="0" y="0"/>
+                </a:moveTo>
+                <a:lnTo>
+                  <a:pt x="120000" y="0"/>
+                </a:lnTo>
+                <a:lnTo>
+                  <a:pt x="120000" y="120000"/>
+                </a:lnTo>
+                <a:lnTo>
+                  <a:pt x="0" y="120000"/>
+                </a:lnTo>
+                <a:close/>
+              </a:path>
+            </a:pathLst>
+          </a:custGeom>
+          <a:noFill/>
+          <a:ln w="9525" cap="flat" cmpd="sng">
+            <a:solidFill>
+              <a:srgbClr val="000000"/>
+            </a:solidFill>
+            <a:prstDash val="solid"/>
+            <a:round/>
+            <a:headEnd type="none" w="sm" len="sm"/>
+            <a:tailEnd type="none" w="sm" len="sm"/>
+          </a:ln>
+        </p:spPr>
+      </p:sp>
+      <p:sp>
+        <p:nvSpPr>
+          <p:cNvPr id="173" name="Google Shape;173;g2cd30dbf4aa_0_267:notes">
+            <a:extLst>
+              <a:ext uri="{FF2B5EF4-FFF2-40B4-BE49-F238E27FC236}">
+                <a16:creationId xmlns:a16="http://schemas.microsoft.com/office/drawing/2014/main" id="{EBB12DBA-E390-9FBA-E079-4181EE389BC6}"/>
+              </a:ext>
+            </a:extLst>
+          </p:cNvPr>
+          <p:cNvSpPr txBox="1">
+            <a:spLocks noGrp="1"/>
+          </p:cNvSpPr>
+          <p:nvPr>
+            <p:ph type="body" idx="1"/>
+          </p:nvPr>
+        </p:nvSpPr>
+        <p:spPr>
+          <a:xfrm>
+            <a:off x="685800" y="4343400"/>
+            <a:ext cx="5486400" cy="4114800"/>
+          </a:xfrm>
+          <a:prstGeom prst="rect">
+            <a:avLst/>
+          </a:prstGeom>
+          <a:noFill/>
+          <a:ln>
+            <a:noFill/>
+          </a:ln>
+        </p:spPr>
+        <p:txBody>
+          <a:bodyPr spcFirstLastPara="1" wrap="square" lIns="91425" tIns="91425" rIns="91425" bIns="91425" anchor="t" anchorCtr="0">
+            <a:noAutofit/>
+          </a:bodyPr>
+          <a:lstStyle/>
+          <a:p>
+            <a:pPr marL="0" lvl="0" indent="0" algn="l" rtl="0">
+              <a:lnSpc>
+                <a:spcPct val="100000"/>
+              </a:lnSpc>
+              <a:spcBef>
+                <a:spcPts val="0"/>
+              </a:spcBef>
+              <a:spcAft>
+                <a:spcPts val="0"/>
+              </a:spcAft>
+              <a:buSzPts val="1100"/>
+              <a:buNone/>
+            </a:pPr>
+            <a:endParaRPr/>
+          </a:p>
+        </p:txBody>
+      </p:sp>
+    </p:spTree>
+    <p:extLst>
+      <p:ext uri="{BB962C8B-B14F-4D97-AF65-F5344CB8AC3E}">
+        <p14:creationId xmlns:p14="http://schemas.microsoft.com/office/powerpoint/2010/main" val="3886973258"/>
+      </p:ext>
+    </p:extLst>
+  </p:cSld>
+  <p:clrMapOvr>
+    <a:masterClrMapping/>
+  </p:clrMapOvr>
+</p:notes>
+</file>
+
+<file path=ppt/notesSlides/notesSlide12.xml><?xml version="1.0" encoding="utf-8"?>
+<p:notes xmlns:a="http://schemas.openxmlformats.org/drawingml/2006/main" xmlns:r="http://schemas.openxmlformats.org/officeDocument/2006/relationships" xmlns:p="http://schemas.openxmlformats.org/presentationml/2006/main" showMasterSp="0" showMasterPhAnim="0">
+  <p:cSld>
+    <p:spTree>
+      <p:nvGrpSpPr>
+        <p:cNvPr id="1" name="Shape 171">
+          <a:extLst>
+            <a:ext uri="{FF2B5EF4-FFF2-40B4-BE49-F238E27FC236}">
+              <a16:creationId xmlns:a16="http://schemas.microsoft.com/office/drawing/2014/main" id="{F6ED8C84-08DC-550F-E5E0-87B2DB2C6706}"/>
+            </a:ext>
+          </a:extLst>
+        </p:cNvPr>
+        <p:cNvGrpSpPr/>
+        <p:nvPr/>
+      </p:nvGrpSpPr>
+      <p:grpSpPr>
+        <a:xfrm>
+          <a:off x="0" y="0"/>
+          <a:ext cx="0" cy="0"/>
+          <a:chOff x="0" y="0"/>
+          <a:chExt cx="0" cy="0"/>
+        </a:xfrm>
+      </p:grpSpPr>
+      <p:sp>
+        <p:nvSpPr>
+          <p:cNvPr id="172" name="Google Shape;172;g2cd30dbf4aa_0_267:notes">
+            <a:extLst>
+              <a:ext uri="{FF2B5EF4-FFF2-40B4-BE49-F238E27FC236}">
+                <a16:creationId xmlns:a16="http://schemas.microsoft.com/office/drawing/2014/main" id="{5091C032-081C-7C17-42B7-6F9C46279812}"/>
+              </a:ext>
+            </a:extLst>
+          </p:cNvPr>
+          <p:cNvSpPr>
+            <a:spLocks noGrp="1" noRot="1" noChangeAspect="1"/>
+          </p:cNvSpPr>
+          <p:nvPr>
+            <p:ph type="sldImg" idx="2"/>
+          </p:nvPr>
+        </p:nvSpPr>
+        <p:spPr>
+          <a:xfrm>
+            <a:off x="381000" y="685800"/>
+            <a:ext cx="6096000" cy="3429000"/>
+          </a:xfrm>
+          <a:custGeom>
+            <a:avLst/>
+            <a:gdLst/>
+            <a:ahLst/>
+            <a:cxnLst/>
+            <a:rect l="l" t="t" r="r" b="b"/>
+            <a:pathLst>
+              <a:path w="120000" h="120000" extrusionOk="0">
+                <a:moveTo>
+                  <a:pt x="0" y="0"/>
+                </a:moveTo>
+                <a:lnTo>
+                  <a:pt x="120000" y="0"/>
+                </a:lnTo>
+                <a:lnTo>
+                  <a:pt x="120000" y="120000"/>
+                </a:lnTo>
+                <a:lnTo>
+                  <a:pt x="0" y="120000"/>
+                </a:lnTo>
+                <a:close/>
+              </a:path>
+            </a:pathLst>
+          </a:custGeom>
+          <a:noFill/>
+          <a:ln w="9525" cap="flat" cmpd="sng">
+            <a:solidFill>
+              <a:srgbClr val="000000"/>
+            </a:solidFill>
+            <a:prstDash val="solid"/>
+            <a:round/>
+            <a:headEnd type="none" w="sm" len="sm"/>
+            <a:tailEnd type="none" w="sm" len="sm"/>
+          </a:ln>
+        </p:spPr>
+      </p:sp>
+      <p:sp>
+        <p:nvSpPr>
+          <p:cNvPr id="173" name="Google Shape;173;g2cd30dbf4aa_0_267:notes">
+            <a:extLst>
+              <a:ext uri="{FF2B5EF4-FFF2-40B4-BE49-F238E27FC236}">
+                <a16:creationId xmlns:a16="http://schemas.microsoft.com/office/drawing/2014/main" id="{31670564-23E2-CC60-B96E-3C18542C9EFE}"/>
+              </a:ext>
+            </a:extLst>
+          </p:cNvPr>
+          <p:cNvSpPr txBox="1">
+            <a:spLocks noGrp="1"/>
+          </p:cNvSpPr>
+          <p:nvPr>
+            <p:ph type="body" idx="1"/>
+          </p:nvPr>
+        </p:nvSpPr>
+        <p:spPr>
+          <a:xfrm>
+            <a:off x="685800" y="4343400"/>
+            <a:ext cx="5486400" cy="4114800"/>
+          </a:xfrm>
+          <a:prstGeom prst="rect">
+            <a:avLst/>
+          </a:prstGeom>
+          <a:noFill/>
+          <a:ln>
+            <a:noFill/>
+          </a:ln>
+        </p:spPr>
+        <p:txBody>
+          <a:bodyPr spcFirstLastPara="1" wrap="square" lIns="91425" tIns="91425" rIns="91425" bIns="91425" anchor="t" anchorCtr="0">
+            <a:noAutofit/>
+          </a:bodyPr>
+          <a:lstStyle/>
+          <a:p>
+            <a:pPr marL="0" lvl="0" indent="0" algn="l" rtl="0">
+              <a:lnSpc>
+                <a:spcPct val="100000"/>
+              </a:lnSpc>
+              <a:spcBef>
+                <a:spcPts val="0"/>
+              </a:spcBef>
+              <a:spcAft>
+                <a:spcPts val="0"/>
+              </a:spcAft>
+              <a:buSzPts val="1100"/>
+              <a:buNone/>
+            </a:pPr>
+            <a:endParaRPr/>
+          </a:p>
+        </p:txBody>
+      </p:sp>
+    </p:spTree>
+    <p:extLst>
+      <p:ext uri="{BB962C8B-B14F-4D97-AF65-F5344CB8AC3E}">
+        <p14:creationId xmlns:p14="http://schemas.microsoft.com/office/powerpoint/2010/main" val="1466791362"/>
+      </p:ext>
+    </p:extLst>
+  </p:cSld>
+  <p:clrMapOvr>
+    <a:masterClrMapping/>
+  </p:clrMapOvr>
+</p:notes>
+</file>
+
+<file path=ppt/notesSlides/notesSlide13.xml><?xml version="1.0" encoding="utf-8"?>
+<p:notes xmlns:a="http://schemas.openxmlformats.org/drawingml/2006/main" xmlns:r="http://schemas.openxmlformats.org/officeDocument/2006/relationships" xmlns:p="http://schemas.openxmlformats.org/presentationml/2006/main" showMasterSp="0" showMasterPhAnim="0">
+  <p:cSld>
+    <p:spTree>
+      <p:nvGrpSpPr>
+        <p:cNvPr id="1" name="Shape 171">
+          <a:extLst>
+            <a:ext uri="{FF2B5EF4-FFF2-40B4-BE49-F238E27FC236}">
+              <a16:creationId xmlns:a16="http://schemas.microsoft.com/office/drawing/2014/main" id="{79A3AAF2-8064-A56D-30F2-7B0D42887A08}"/>
+            </a:ext>
+          </a:extLst>
+        </p:cNvPr>
+        <p:cNvGrpSpPr/>
+        <p:nvPr/>
+      </p:nvGrpSpPr>
+      <p:grpSpPr>
+        <a:xfrm>
+          <a:off x="0" y="0"/>
+          <a:ext cx="0" cy="0"/>
+          <a:chOff x="0" y="0"/>
+          <a:chExt cx="0" cy="0"/>
+        </a:xfrm>
+      </p:grpSpPr>
+      <p:sp>
+        <p:nvSpPr>
+          <p:cNvPr id="172" name="Google Shape;172;g2cd30dbf4aa_0_267:notes">
+            <a:extLst>
+              <a:ext uri="{FF2B5EF4-FFF2-40B4-BE49-F238E27FC236}">
+                <a16:creationId xmlns:a16="http://schemas.microsoft.com/office/drawing/2014/main" id="{9217FC5D-3044-5F99-0618-C751FABC9E77}"/>
+              </a:ext>
+            </a:extLst>
+          </p:cNvPr>
+          <p:cNvSpPr>
+            <a:spLocks noGrp="1" noRot="1" noChangeAspect="1"/>
+          </p:cNvSpPr>
+          <p:nvPr>
+            <p:ph type="sldImg" idx="2"/>
+          </p:nvPr>
+        </p:nvSpPr>
+        <p:spPr>
+          <a:xfrm>
+            <a:off x="381000" y="685800"/>
+            <a:ext cx="6096000" cy="3429000"/>
+          </a:xfrm>
+          <a:custGeom>
+            <a:avLst/>
+            <a:gdLst/>
+            <a:ahLst/>
+            <a:cxnLst/>
+            <a:rect l="l" t="t" r="r" b="b"/>
+            <a:pathLst>
+              <a:path w="120000" h="120000" extrusionOk="0">
+                <a:moveTo>
+                  <a:pt x="0" y="0"/>
+                </a:moveTo>
+                <a:lnTo>
+                  <a:pt x="120000" y="0"/>
+                </a:lnTo>
+                <a:lnTo>
+                  <a:pt x="120000" y="120000"/>
+                </a:lnTo>
+                <a:lnTo>
+                  <a:pt x="0" y="120000"/>
+                </a:lnTo>
+                <a:close/>
+              </a:path>
+            </a:pathLst>
+          </a:custGeom>
+          <a:noFill/>
+          <a:ln w="9525" cap="flat" cmpd="sng">
+            <a:solidFill>
+              <a:srgbClr val="000000"/>
+            </a:solidFill>
+            <a:prstDash val="solid"/>
+            <a:round/>
+            <a:headEnd type="none" w="sm" len="sm"/>
+            <a:tailEnd type="none" w="sm" len="sm"/>
+          </a:ln>
+        </p:spPr>
+      </p:sp>
+      <p:sp>
+        <p:nvSpPr>
+          <p:cNvPr id="173" name="Google Shape;173;g2cd30dbf4aa_0_267:notes">
+            <a:extLst>
+              <a:ext uri="{FF2B5EF4-FFF2-40B4-BE49-F238E27FC236}">
+                <a16:creationId xmlns:a16="http://schemas.microsoft.com/office/drawing/2014/main" id="{F3C006A3-4928-DAEE-6EA3-8948BF23B2AF}"/>
+              </a:ext>
+            </a:extLst>
+          </p:cNvPr>
+          <p:cNvSpPr txBox="1">
+            <a:spLocks noGrp="1"/>
+          </p:cNvSpPr>
+          <p:nvPr>
+            <p:ph type="body" idx="1"/>
+          </p:nvPr>
+        </p:nvSpPr>
+        <p:spPr>
+          <a:xfrm>
+            <a:off x="685800" y="4343400"/>
+            <a:ext cx="5486400" cy="4114800"/>
+          </a:xfrm>
+          <a:prstGeom prst="rect">
+            <a:avLst/>
+          </a:prstGeom>
+          <a:noFill/>
+          <a:ln>
+            <a:noFill/>
+          </a:ln>
+        </p:spPr>
+        <p:txBody>
+          <a:bodyPr spcFirstLastPara="1" wrap="square" lIns="91425" tIns="91425" rIns="91425" bIns="91425" anchor="t" anchorCtr="0">
+            <a:noAutofit/>
+          </a:bodyPr>
+          <a:lstStyle/>
+          <a:p>
+            <a:pPr marL="0" lvl="0" indent="0" algn="l" rtl="0">
+              <a:lnSpc>
+                <a:spcPct val="100000"/>
+              </a:lnSpc>
+              <a:spcBef>
+                <a:spcPts val="0"/>
+              </a:spcBef>
+              <a:spcAft>
+                <a:spcPts val="0"/>
+              </a:spcAft>
+              <a:buSzPts val="1100"/>
+              <a:buNone/>
+            </a:pPr>
+            <a:endParaRPr/>
+          </a:p>
+        </p:txBody>
+      </p:sp>
+    </p:spTree>
+    <p:extLst>
+      <p:ext uri="{BB962C8B-B14F-4D97-AF65-F5344CB8AC3E}">
+        <p14:creationId xmlns:p14="http://schemas.microsoft.com/office/powerpoint/2010/main" val="1924044501"/>
+      </p:ext>
+    </p:extLst>
+  </p:cSld>
+  <p:clrMapOvr>
+    <a:masterClrMapping/>
+  </p:clrMapOvr>
+</p:notes>
+</file>
+
+<file path=ppt/notesSlides/notesSlide14.xml><?xml version="1.0" encoding="utf-8"?>
+<p:notes xmlns:a="http://schemas.openxmlformats.org/drawingml/2006/main" xmlns:r="http://schemas.openxmlformats.org/officeDocument/2006/relationships" xmlns:p="http://schemas.openxmlformats.org/presentationml/2006/main" showMasterSp="0" showMasterPhAnim="0">
+  <p:cSld>
+    <p:spTree>
+      <p:nvGrpSpPr>
+        <p:cNvPr id="1" name="Shape 171">
+          <a:extLst>
+            <a:ext uri="{FF2B5EF4-FFF2-40B4-BE49-F238E27FC236}">
               <a16:creationId xmlns:a16="http://schemas.microsoft.com/office/drawing/2014/main" id="{835F41C2-9450-E84D-7EB2-DEFD531056A8}"/>
             </a:ext>
           </a:extLst>
@@ -1020,7 +1605,7 @@
 </p:notes>
 </file>
 
-<file path=ppt/notesSlides/notesSlide11.xml><?xml version="1.0" encoding="utf-8"?>
+<file path=ppt/notesSlides/notesSlide15.xml><?xml version="1.0" encoding="utf-8"?>
 <p:notes xmlns:a="http://schemas.openxmlformats.org/drawingml/2006/main" xmlns:r="http://schemas.openxmlformats.org/officeDocument/2006/relationships" xmlns:p="http://schemas.openxmlformats.org/presentationml/2006/main" showMasterSp="0" showMasterPhAnim="0">
   <p:cSld>
     <p:spTree>
@@ -1165,7 +1750,7 @@
 </p:notes>
 </file>
 
-<file path=ppt/notesSlides/notesSlide12.xml><?xml version="1.0" encoding="utf-8"?>
+<file path=ppt/notesSlides/notesSlide16.xml><?xml version="1.0" encoding="utf-8"?>
 <p:notes xmlns:a="http://schemas.openxmlformats.org/drawingml/2006/main" xmlns:r="http://schemas.openxmlformats.org/officeDocument/2006/relationships" xmlns:p="http://schemas.openxmlformats.org/presentationml/2006/main" showMasterSp="0" showMasterPhAnim="0">
   <p:cSld>
     <p:spTree>
@@ -1310,7 +1895,7 @@
 </p:notes>
 </file>
 
-<file path=ppt/notesSlides/notesSlide13.xml><?xml version="1.0" encoding="utf-8"?>
+<file path=ppt/notesSlides/notesSlide17.xml><?xml version="1.0" encoding="utf-8"?>
 <p:notes xmlns:a="http://schemas.openxmlformats.org/drawingml/2006/main" xmlns:r="http://schemas.openxmlformats.org/officeDocument/2006/relationships" xmlns:p="http://schemas.openxmlformats.org/presentationml/2006/main" showMasterSp="0" showMasterPhAnim="0">
   <p:cSld>
     <p:spTree>
@@ -1432,7 +2017,7 @@
 </p:notes>
 </file>
 
-<file path=ppt/notesSlides/notesSlide14.xml><?xml version="1.0" encoding="utf-8"?>
+<file path=ppt/notesSlides/notesSlide18.xml><?xml version="1.0" encoding="utf-8"?>
 <p:notes xmlns:a="http://schemas.openxmlformats.org/drawingml/2006/main" xmlns:r="http://schemas.openxmlformats.org/officeDocument/2006/relationships" xmlns:p="http://schemas.openxmlformats.org/presentationml/2006/main" showMasterSp="0" showMasterPhAnim="0">
   <p:cSld>
     <p:spTree>
@@ -1577,7 +2162,7 @@
 </p:notes>
 </file>
 
-<file path=ppt/notesSlides/notesSlide15.xml><?xml version="1.0" encoding="utf-8"?>
+<file path=ppt/notesSlides/notesSlide19.xml><?xml version="1.0" encoding="utf-8"?>
 <p:notes xmlns:a="http://schemas.openxmlformats.org/drawingml/2006/main" xmlns:r="http://schemas.openxmlformats.org/officeDocument/2006/relationships" xmlns:p="http://schemas.openxmlformats.org/presentationml/2006/main" showMasterSp="0" showMasterPhAnim="0">
   <p:cSld>
     <p:spTree>
@@ -1722,7 +2307,129 @@
 </p:notes>
 </file>
 
-<file path=ppt/notesSlides/notesSlide16.xml><?xml version="1.0" encoding="utf-8"?>
+<file path=ppt/notesSlides/notesSlide2.xml><?xml version="1.0" encoding="utf-8"?>
+<p:notes xmlns:a="http://schemas.openxmlformats.org/drawingml/2006/main" xmlns:r="http://schemas.openxmlformats.org/officeDocument/2006/relationships" xmlns:p="http://schemas.openxmlformats.org/presentationml/2006/main" showMasterSp="0" showMasterPhAnim="0">
+  <p:cSld>
+    <p:spTree>
+      <p:nvGrpSpPr>
+        <p:cNvPr id="1" name="Shape 153"/>
+        <p:cNvGrpSpPr/>
+        <p:nvPr/>
+      </p:nvGrpSpPr>
+      <p:grpSpPr>
+        <a:xfrm>
+          <a:off x="0" y="0"/>
+          <a:ext cx="0" cy="0"/>
+          <a:chOff x="0" y="0"/>
+          <a:chExt cx="0" cy="0"/>
+        </a:xfrm>
+      </p:grpSpPr>
+      <p:sp>
+        <p:nvSpPr>
+          <p:cNvPr id="154" name="Google Shape;154;g2cd30dbf4aa_0_257:notes"/>
+          <p:cNvSpPr>
+            <a:spLocks noGrp="1" noRot="1" noChangeAspect="1"/>
+          </p:cNvSpPr>
+          <p:nvPr>
+            <p:ph type="sldImg" idx="2"/>
+          </p:nvPr>
+        </p:nvSpPr>
+        <p:spPr>
+          <a:xfrm>
+            <a:off x="381300" y="685800"/>
+            <a:ext cx="6096000" cy="3429000"/>
+          </a:xfrm>
+          <a:custGeom>
+            <a:avLst/>
+            <a:gdLst/>
+            <a:ahLst/>
+            <a:cxnLst/>
+            <a:rect l="l" t="t" r="r" b="b"/>
+            <a:pathLst>
+              <a:path w="120000" h="120000" extrusionOk="0">
+                <a:moveTo>
+                  <a:pt x="0" y="0"/>
+                </a:moveTo>
+                <a:lnTo>
+                  <a:pt x="120000" y="0"/>
+                </a:lnTo>
+                <a:lnTo>
+                  <a:pt x="120000" y="120000"/>
+                </a:lnTo>
+                <a:lnTo>
+                  <a:pt x="0" y="120000"/>
+                </a:lnTo>
+                <a:close/>
+              </a:path>
+            </a:pathLst>
+          </a:custGeom>
+          <a:noFill/>
+          <a:ln w="9525" cap="flat" cmpd="sng">
+            <a:solidFill>
+              <a:srgbClr val="000000"/>
+            </a:solidFill>
+            <a:prstDash val="solid"/>
+            <a:round/>
+            <a:headEnd type="none" w="sm" len="sm"/>
+            <a:tailEnd type="none" w="sm" len="sm"/>
+          </a:ln>
+        </p:spPr>
+      </p:sp>
+      <p:sp>
+        <p:nvSpPr>
+          <p:cNvPr id="155" name="Google Shape;155;g2cd30dbf4aa_0_257:notes"/>
+          <p:cNvSpPr txBox="1">
+            <a:spLocks noGrp="1"/>
+          </p:cNvSpPr>
+          <p:nvPr>
+            <p:ph type="body" idx="1"/>
+          </p:nvPr>
+        </p:nvSpPr>
+        <p:spPr>
+          <a:xfrm>
+            <a:off x="685800" y="4343400"/>
+            <a:ext cx="5486400" cy="4114800"/>
+          </a:xfrm>
+          <a:prstGeom prst="rect">
+            <a:avLst/>
+          </a:prstGeom>
+          <a:noFill/>
+          <a:ln>
+            <a:noFill/>
+          </a:ln>
+        </p:spPr>
+        <p:txBody>
+          <a:bodyPr spcFirstLastPara="1" wrap="square" lIns="91425" tIns="91425" rIns="91425" bIns="91425" anchor="t" anchorCtr="0">
+            <a:noAutofit/>
+          </a:bodyPr>
+          <a:lstStyle/>
+          <a:p>
+            <a:pPr marL="0" lvl="0" indent="0" algn="l" rtl="0">
+              <a:lnSpc>
+                <a:spcPct val="100000"/>
+              </a:lnSpc>
+              <a:spcBef>
+                <a:spcPts val="0"/>
+              </a:spcBef>
+              <a:spcAft>
+                <a:spcPts val="0"/>
+              </a:spcAft>
+              <a:buSzPts val="1100"/>
+              <a:buNone/>
+            </a:pPr>
+            <a:endParaRPr/>
+          </a:p>
+        </p:txBody>
+      </p:sp>
+    </p:spTree>
+  </p:cSld>
+  <p:clrMapOvr>
+    <a:masterClrMapping/>
+  </p:clrMapOvr>
+</p:notes>
+</file>
+
+<file path=ppt/notesSlides/notesSlide20.xml><?xml version="1.0" encoding="utf-8"?>
 <p:notes xmlns:a="http://schemas.openxmlformats.org/drawingml/2006/main" xmlns:r="http://schemas.openxmlformats.org/officeDocument/2006/relationships" xmlns:p="http://schemas.openxmlformats.org/presentationml/2006/main" showMasterSp="0" showMasterPhAnim="0">
   <p:cSld>
     <p:spTree>
@@ -1867,7 +2574,7 @@
 </p:notes>
 </file>
 
-<file path=ppt/notesSlides/notesSlide17.xml><?xml version="1.0" encoding="utf-8"?>
+<file path=ppt/notesSlides/notesSlide21.xml><?xml version="1.0" encoding="utf-8"?>
 <p:notes xmlns:a="http://schemas.openxmlformats.org/drawingml/2006/main" xmlns:r="http://schemas.openxmlformats.org/officeDocument/2006/relationships" xmlns:p="http://schemas.openxmlformats.org/presentationml/2006/main" showMasterSp="0" showMasterPhAnim="0">
   <p:cSld>
     <p:spTree>
@@ -1989,7 +2696,7 @@
 </p:notes>
 </file>
 
-<file path=ppt/notesSlides/notesSlide18.xml><?xml version="1.0" encoding="utf-8"?>
+<file path=ppt/notesSlides/notesSlide22.xml><?xml version="1.0" encoding="utf-8"?>
 <p:notes xmlns:a="http://schemas.openxmlformats.org/drawingml/2006/main" xmlns:r="http://schemas.openxmlformats.org/officeDocument/2006/relationships" xmlns:p="http://schemas.openxmlformats.org/presentationml/2006/main" showMasterSp="0" showMasterPhAnim="0">
   <p:cSld>
     <p:spTree>
@@ -2111,7 +2818,7 @@
 </p:notes>
 </file>
 
-<file path=ppt/notesSlides/notesSlide19.xml><?xml version="1.0" encoding="utf-8"?>
+<file path=ppt/notesSlides/notesSlide23.xml><?xml version="1.0" encoding="utf-8"?>
 <p:notes xmlns:a="http://schemas.openxmlformats.org/drawingml/2006/main" xmlns:r="http://schemas.openxmlformats.org/officeDocument/2006/relationships" xmlns:p="http://schemas.openxmlformats.org/presentationml/2006/main" showMasterSp="0" showMasterPhAnim="0">
   <p:cSld>
     <p:spTree>
@@ -2233,129 +2940,7 @@
 </p:notes>
 </file>
 
-<file path=ppt/notesSlides/notesSlide2.xml><?xml version="1.0" encoding="utf-8"?>
-<p:notes xmlns:a="http://schemas.openxmlformats.org/drawingml/2006/main" xmlns:r="http://schemas.openxmlformats.org/officeDocument/2006/relationships" xmlns:p="http://schemas.openxmlformats.org/presentationml/2006/main" showMasterSp="0" showMasterPhAnim="0">
-  <p:cSld>
-    <p:spTree>
-      <p:nvGrpSpPr>
-        <p:cNvPr id="1" name="Shape 153"/>
-        <p:cNvGrpSpPr/>
-        <p:nvPr/>
-      </p:nvGrpSpPr>
-      <p:grpSpPr>
-        <a:xfrm>
-          <a:off x="0" y="0"/>
-          <a:ext cx="0" cy="0"/>
-          <a:chOff x="0" y="0"/>
-          <a:chExt cx="0" cy="0"/>
-        </a:xfrm>
-      </p:grpSpPr>
-      <p:sp>
-        <p:nvSpPr>
-          <p:cNvPr id="154" name="Google Shape;154;g2cd30dbf4aa_0_257:notes"/>
-          <p:cNvSpPr>
-            <a:spLocks noGrp="1" noRot="1" noChangeAspect="1"/>
-          </p:cNvSpPr>
-          <p:nvPr>
-            <p:ph type="sldImg" idx="2"/>
-          </p:nvPr>
-        </p:nvSpPr>
-        <p:spPr>
-          <a:xfrm>
-            <a:off x="381300" y="685800"/>
-            <a:ext cx="6096000" cy="3429000"/>
-          </a:xfrm>
-          <a:custGeom>
-            <a:avLst/>
-            <a:gdLst/>
-            <a:ahLst/>
-            <a:cxnLst/>
-            <a:rect l="l" t="t" r="r" b="b"/>
-            <a:pathLst>
-              <a:path w="120000" h="120000" extrusionOk="0">
-                <a:moveTo>
-                  <a:pt x="0" y="0"/>
-                </a:moveTo>
-                <a:lnTo>
-                  <a:pt x="120000" y="0"/>
-                </a:lnTo>
-                <a:lnTo>
-                  <a:pt x="120000" y="120000"/>
-                </a:lnTo>
-                <a:lnTo>
-                  <a:pt x="0" y="120000"/>
-                </a:lnTo>
-                <a:close/>
-              </a:path>
-            </a:pathLst>
-          </a:custGeom>
-          <a:noFill/>
-          <a:ln w="9525" cap="flat" cmpd="sng">
-            <a:solidFill>
-              <a:srgbClr val="000000"/>
-            </a:solidFill>
-            <a:prstDash val="solid"/>
-            <a:round/>
-            <a:headEnd type="none" w="sm" len="sm"/>
-            <a:tailEnd type="none" w="sm" len="sm"/>
-          </a:ln>
-        </p:spPr>
-      </p:sp>
-      <p:sp>
-        <p:nvSpPr>
-          <p:cNvPr id="155" name="Google Shape;155;g2cd30dbf4aa_0_257:notes"/>
-          <p:cNvSpPr txBox="1">
-            <a:spLocks noGrp="1"/>
-          </p:cNvSpPr>
-          <p:nvPr>
-            <p:ph type="body" idx="1"/>
-          </p:nvPr>
-        </p:nvSpPr>
-        <p:spPr>
-          <a:xfrm>
-            <a:off x="685800" y="4343400"/>
-            <a:ext cx="5486400" cy="4114800"/>
-          </a:xfrm>
-          <a:prstGeom prst="rect">
-            <a:avLst/>
-          </a:prstGeom>
-          <a:noFill/>
-          <a:ln>
-            <a:noFill/>
-          </a:ln>
-        </p:spPr>
-        <p:txBody>
-          <a:bodyPr spcFirstLastPara="1" wrap="square" lIns="91425" tIns="91425" rIns="91425" bIns="91425" anchor="t" anchorCtr="0">
-            <a:noAutofit/>
-          </a:bodyPr>
-          <a:lstStyle/>
-          <a:p>
-            <a:pPr marL="0" lvl="0" indent="0" algn="l" rtl="0">
-              <a:lnSpc>
-                <a:spcPct val="100000"/>
-              </a:lnSpc>
-              <a:spcBef>
-                <a:spcPts val="0"/>
-              </a:spcBef>
-              <a:spcAft>
-                <a:spcPts val="0"/>
-              </a:spcAft>
-              <a:buSzPts val="1100"/>
-              <a:buNone/>
-            </a:pPr>
-            <a:endParaRPr/>
-          </a:p>
-        </p:txBody>
-      </p:sp>
-    </p:spTree>
-  </p:cSld>
-  <p:clrMapOvr>
-    <a:masterClrMapping/>
-  </p:clrMapOvr>
-</p:notes>
-</file>
-
-<file path=ppt/notesSlides/notesSlide20.xml><?xml version="1.0" encoding="utf-8"?>
+<file path=ppt/notesSlides/notesSlide24.xml><?xml version="1.0" encoding="utf-8"?>
 <p:notes xmlns:a="http://schemas.openxmlformats.org/drawingml/2006/main" xmlns:r="http://schemas.openxmlformats.org/officeDocument/2006/relationships" xmlns:p="http://schemas.openxmlformats.org/presentationml/2006/main" showMasterSp="0" showMasterPhAnim="0">
   <p:cSld>
     <p:spTree>
@@ -2477,7 +3062,7 @@
 </p:notes>
 </file>
 
-<file path=ppt/notesSlides/notesSlide21.xml><?xml version="1.0" encoding="utf-8"?>
+<file path=ppt/notesSlides/notesSlide25.xml><?xml version="1.0" encoding="utf-8"?>
 <p:notes xmlns:a="http://schemas.openxmlformats.org/drawingml/2006/main" xmlns:r="http://schemas.openxmlformats.org/officeDocument/2006/relationships" xmlns:p="http://schemas.openxmlformats.org/presentationml/2006/main" showMasterSp="0" showMasterPhAnim="0">
   <p:cSld>
     <p:spTree>
@@ -2647,7 +3232,7 @@
                 <a:cs typeface="Calibri"/>
                 <a:sym typeface="Calibri"/>
               </a:rPr>
-              <a:t>23</a:t>
+              <a:t>28</a:t>
             </a:fld>
             <a:endParaRPr sz="1200" b="0" i="0" u="none" strike="noStrike" cap="none">
               <a:solidFill>
@@ -2869,6 +3454,418 @@
         <p:cNvPr id="1" name="Shape 159">
           <a:extLst>
             <a:ext uri="{FF2B5EF4-FFF2-40B4-BE49-F238E27FC236}">
+              <a16:creationId xmlns:a16="http://schemas.microsoft.com/office/drawing/2014/main" id="{391F1B0F-C79A-D441-F238-734BDE62F56C}"/>
+            </a:ext>
+          </a:extLst>
+        </p:cNvPr>
+        <p:cNvGrpSpPr/>
+        <p:nvPr/>
+      </p:nvGrpSpPr>
+      <p:grpSpPr>
+        <a:xfrm>
+          <a:off x="0" y="0"/>
+          <a:ext cx="0" cy="0"/>
+          <a:chOff x="0" y="0"/>
+          <a:chExt cx="0" cy="0"/>
+        </a:xfrm>
+      </p:grpSpPr>
+      <p:sp>
+        <p:nvSpPr>
+          <p:cNvPr id="160" name="Google Shape;160;g2cd30dbf4aa_0_262:notes">
+            <a:extLst>
+              <a:ext uri="{FF2B5EF4-FFF2-40B4-BE49-F238E27FC236}">
+                <a16:creationId xmlns:a16="http://schemas.microsoft.com/office/drawing/2014/main" id="{182F6093-C7FC-B49C-25E5-C299C6F1BBD9}"/>
+              </a:ext>
+            </a:extLst>
+          </p:cNvPr>
+          <p:cNvSpPr>
+            <a:spLocks noGrp="1" noRot="1" noChangeAspect="1"/>
+          </p:cNvSpPr>
+          <p:nvPr>
+            <p:ph type="sldImg" idx="2"/>
+          </p:nvPr>
+        </p:nvSpPr>
+        <p:spPr>
+          <a:xfrm>
+            <a:off x="381000" y="685800"/>
+            <a:ext cx="6096000" cy="3429000"/>
+          </a:xfrm>
+          <a:custGeom>
+            <a:avLst/>
+            <a:gdLst/>
+            <a:ahLst/>
+            <a:cxnLst/>
+            <a:rect l="l" t="t" r="r" b="b"/>
+            <a:pathLst>
+              <a:path w="120000" h="120000" extrusionOk="0">
+                <a:moveTo>
+                  <a:pt x="0" y="0"/>
+                </a:moveTo>
+                <a:lnTo>
+                  <a:pt x="120000" y="0"/>
+                </a:lnTo>
+                <a:lnTo>
+                  <a:pt x="120000" y="120000"/>
+                </a:lnTo>
+                <a:lnTo>
+                  <a:pt x="0" y="120000"/>
+                </a:lnTo>
+                <a:close/>
+              </a:path>
+            </a:pathLst>
+          </a:custGeom>
+          <a:noFill/>
+          <a:ln w="9525" cap="flat" cmpd="sng">
+            <a:solidFill>
+              <a:srgbClr val="000000"/>
+            </a:solidFill>
+            <a:prstDash val="solid"/>
+            <a:round/>
+            <a:headEnd type="none" w="sm" len="sm"/>
+            <a:tailEnd type="none" w="sm" len="sm"/>
+          </a:ln>
+        </p:spPr>
+      </p:sp>
+      <p:sp>
+        <p:nvSpPr>
+          <p:cNvPr id="161" name="Google Shape;161;g2cd30dbf4aa_0_262:notes">
+            <a:extLst>
+              <a:ext uri="{FF2B5EF4-FFF2-40B4-BE49-F238E27FC236}">
+                <a16:creationId xmlns:a16="http://schemas.microsoft.com/office/drawing/2014/main" id="{12FEE23A-6879-A275-78A5-153CCDEED13B}"/>
+              </a:ext>
+            </a:extLst>
+          </p:cNvPr>
+          <p:cNvSpPr txBox="1">
+            <a:spLocks noGrp="1"/>
+          </p:cNvSpPr>
+          <p:nvPr>
+            <p:ph type="body" idx="1"/>
+          </p:nvPr>
+        </p:nvSpPr>
+        <p:spPr>
+          <a:xfrm>
+            <a:off x="685800" y="4343400"/>
+            <a:ext cx="5486400" cy="4114800"/>
+          </a:xfrm>
+          <a:prstGeom prst="rect">
+            <a:avLst/>
+          </a:prstGeom>
+          <a:noFill/>
+          <a:ln>
+            <a:noFill/>
+          </a:ln>
+        </p:spPr>
+        <p:txBody>
+          <a:bodyPr spcFirstLastPara="1" wrap="square" lIns="91425" tIns="91425" rIns="91425" bIns="91425" anchor="t" anchorCtr="0">
+            <a:noAutofit/>
+          </a:bodyPr>
+          <a:lstStyle/>
+          <a:p>
+            <a:pPr marL="0" lvl="0" indent="0" algn="l" rtl="0">
+              <a:lnSpc>
+                <a:spcPct val="100000"/>
+              </a:lnSpc>
+              <a:spcBef>
+                <a:spcPts val="0"/>
+              </a:spcBef>
+              <a:spcAft>
+                <a:spcPts val="0"/>
+              </a:spcAft>
+              <a:buSzPts val="1100"/>
+              <a:buNone/>
+            </a:pPr>
+            <a:endParaRPr/>
+          </a:p>
+        </p:txBody>
+      </p:sp>
+    </p:spTree>
+    <p:extLst>
+      <p:ext uri="{BB962C8B-B14F-4D97-AF65-F5344CB8AC3E}">
+        <p14:creationId xmlns:p14="http://schemas.microsoft.com/office/powerpoint/2010/main" val="2667333366"/>
+      </p:ext>
+    </p:extLst>
+  </p:cSld>
+  <p:clrMapOvr>
+    <a:masterClrMapping/>
+  </p:clrMapOvr>
+</p:notes>
+</file>
+
+<file path=ppt/notesSlides/notesSlide5.xml><?xml version="1.0" encoding="utf-8"?>
+<p:notes xmlns:a="http://schemas.openxmlformats.org/drawingml/2006/main" xmlns:r="http://schemas.openxmlformats.org/officeDocument/2006/relationships" xmlns:p="http://schemas.openxmlformats.org/presentationml/2006/main" showMasterSp="0" showMasterPhAnim="0">
+  <p:cSld>
+    <p:spTree>
+      <p:nvGrpSpPr>
+        <p:cNvPr id="1" name="Shape 159">
+          <a:extLst>
+            <a:ext uri="{FF2B5EF4-FFF2-40B4-BE49-F238E27FC236}">
+              <a16:creationId xmlns:a16="http://schemas.microsoft.com/office/drawing/2014/main" id="{4E3702E5-802A-E303-0633-BA5961F795EB}"/>
+            </a:ext>
+          </a:extLst>
+        </p:cNvPr>
+        <p:cNvGrpSpPr/>
+        <p:nvPr/>
+      </p:nvGrpSpPr>
+      <p:grpSpPr>
+        <a:xfrm>
+          <a:off x="0" y="0"/>
+          <a:ext cx="0" cy="0"/>
+          <a:chOff x="0" y="0"/>
+          <a:chExt cx="0" cy="0"/>
+        </a:xfrm>
+      </p:grpSpPr>
+      <p:sp>
+        <p:nvSpPr>
+          <p:cNvPr id="160" name="Google Shape;160;g2cd30dbf4aa_0_262:notes">
+            <a:extLst>
+              <a:ext uri="{FF2B5EF4-FFF2-40B4-BE49-F238E27FC236}">
+                <a16:creationId xmlns:a16="http://schemas.microsoft.com/office/drawing/2014/main" id="{09149CE2-6FB5-A7C9-2885-6F4ED7D0BFF5}"/>
+              </a:ext>
+            </a:extLst>
+          </p:cNvPr>
+          <p:cNvSpPr>
+            <a:spLocks noGrp="1" noRot="1" noChangeAspect="1"/>
+          </p:cNvSpPr>
+          <p:nvPr>
+            <p:ph type="sldImg" idx="2"/>
+          </p:nvPr>
+        </p:nvSpPr>
+        <p:spPr>
+          <a:xfrm>
+            <a:off x="381000" y="685800"/>
+            <a:ext cx="6096000" cy="3429000"/>
+          </a:xfrm>
+          <a:custGeom>
+            <a:avLst/>
+            <a:gdLst/>
+            <a:ahLst/>
+            <a:cxnLst/>
+            <a:rect l="l" t="t" r="r" b="b"/>
+            <a:pathLst>
+              <a:path w="120000" h="120000" extrusionOk="0">
+                <a:moveTo>
+                  <a:pt x="0" y="0"/>
+                </a:moveTo>
+                <a:lnTo>
+                  <a:pt x="120000" y="0"/>
+                </a:lnTo>
+                <a:lnTo>
+                  <a:pt x="120000" y="120000"/>
+                </a:lnTo>
+                <a:lnTo>
+                  <a:pt x="0" y="120000"/>
+                </a:lnTo>
+                <a:close/>
+              </a:path>
+            </a:pathLst>
+          </a:custGeom>
+          <a:noFill/>
+          <a:ln w="9525" cap="flat" cmpd="sng">
+            <a:solidFill>
+              <a:srgbClr val="000000"/>
+            </a:solidFill>
+            <a:prstDash val="solid"/>
+            <a:round/>
+            <a:headEnd type="none" w="sm" len="sm"/>
+            <a:tailEnd type="none" w="sm" len="sm"/>
+          </a:ln>
+        </p:spPr>
+      </p:sp>
+      <p:sp>
+        <p:nvSpPr>
+          <p:cNvPr id="161" name="Google Shape;161;g2cd30dbf4aa_0_262:notes">
+            <a:extLst>
+              <a:ext uri="{FF2B5EF4-FFF2-40B4-BE49-F238E27FC236}">
+                <a16:creationId xmlns:a16="http://schemas.microsoft.com/office/drawing/2014/main" id="{86AD6920-41CA-B0D1-AA33-ED839FCEE010}"/>
+              </a:ext>
+            </a:extLst>
+          </p:cNvPr>
+          <p:cNvSpPr txBox="1">
+            <a:spLocks noGrp="1"/>
+          </p:cNvSpPr>
+          <p:nvPr>
+            <p:ph type="body" idx="1"/>
+          </p:nvPr>
+        </p:nvSpPr>
+        <p:spPr>
+          <a:xfrm>
+            <a:off x="685800" y="4343400"/>
+            <a:ext cx="5486400" cy="4114800"/>
+          </a:xfrm>
+          <a:prstGeom prst="rect">
+            <a:avLst/>
+          </a:prstGeom>
+          <a:noFill/>
+          <a:ln>
+            <a:noFill/>
+          </a:ln>
+        </p:spPr>
+        <p:txBody>
+          <a:bodyPr spcFirstLastPara="1" wrap="square" lIns="91425" tIns="91425" rIns="91425" bIns="91425" anchor="t" anchorCtr="0">
+            <a:noAutofit/>
+          </a:bodyPr>
+          <a:lstStyle/>
+          <a:p>
+            <a:pPr marL="0" lvl="0" indent="0" algn="l" rtl="0">
+              <a:lnSpc>
+                <a:spcPct val="100000"/>
+              </a:lnSpc>
+              <a:spcBef>
+                <a:spcPts val="0"/>
+              </a:spcBef>
+              <a:spcAft>
+                <a:spcPts val="0"/>
+              </a:spcAft>
+              <a:buSzPts val="1100"/>
+              <a:buNone/>
+            </a:pPr>
+            <a:endParaRPr/>
+          </a:p>
+        </p:txBody>
+      </p:sp>
+    </p:spTree>
+    <p:extLst>
+      <p:ext uri="{BB962C8B-B14F-4D97-AF65-F5344CB8AC3E}">
+        <p14:creationId xmlns:p14="http://schemas.microsoft.com/office/powerpoint/2010/main" val="115654459"/>
+      </p:ext>
+    </p:extLst>
+  </p:cSld>
+  <p:clrMapOvr>
+    <a:masterClrMapping/>
+  </p:clrMapOvr>
+</p:notes>
+</file>
+
+<file path=ppt/notesSlides/notesSlide6.xml><?xml version="1.0" encoding="utf-8"?>
+<p:notes xmlns:a="http://schemas.openxmlformats.org/drawingml/2006/main" xmlns:r="http://schemas.openxmlformats.org/officeDocument/2006/relationships" xmlns:p="http://schemas.openxmlformats.org/presentationml/2006/main" showMasterSp="0" showMasterPhAnim="0">
+  <p:cSld>
+    <p:spTree>
+      <p:nvGrpSpPr>
+        <p:cNvPr id="1" name="Shape 184"/>
+        <p:cNvGrpSpPr/>
+        <p:nvPr/>
+      </p:nvGrpSpPr>
+      <p:grpSpPr>
+        <a:xfrm>
+          <a:off x="0" y="0"/>
+          <a:ext cx="0" cy="0"/>
+          <a:chOff x="0" y="0"/>
+          <a:chExt cx="0" cy="0"/>
+        </a:xfrm>
+      </p:grpSpPr>
+      <p:sp>
+        <p:nvSpPr>
+          <p:cNvPr id="185" name="Google Shape;185;p7:notes"/>
+          <p:cNvSpPr>
+            <a:spLocks noGrp="1" noRot="1" noChangeAspect="1"/>
+          </p:cNvSpPr>
+          <p:nvPr>
+            <p:ph type="sldImg" idx="2"/>
+          </p:nvPr>
+        </p:nvSpPr>
+        <p:spPr>
+          <a:xfrm>
+            <a:off x="381000" y="685800"/>
+            <a:ext cx="6096000" cy="3429000"/>
+          </a:xfrm>
+          <a:custGeom>
+            <a:avLst/>
+            <a:gdLst/>
+            <a:ahLst/>
+            <a:cxnLst/>
+            <a:rect l="l" t="t" r="r" b="b"/>
+            <a:pathLst>
+              <a:path w="120000" h="120000" extrusionOk="0">
+                <a:moveTo>
+                  <a:pt x="0" y="0"/>
+                </a:moveTo>
+                <a:lnTo>
+                  <a:pt x="120000" y="0"/>
+                </a:lnTo>
+                <a:lnTo>
+                  <a:pt x="120000" y="120000"/>
+                </a:lnTo>
+                <a:lnTo>
+                  <a:pt x="0" y="120000"/>
+                </a:lnTo>
+                <a:close/>
+              </a:path>
+            </a:pathLst>
+          </a:custGeom>
+          <a:noFill/>
+          <a:ln w="9525" cap="flat" cmpd="sng">
+            <a:solidFill>
+              <a:srgbClr val="000000"/>
+            </a:solidFill>
+            <a:prstDash val="solid"/>
+            <a:round/>
+            <a:headEnd type="none" w="sm" len="sm"/>
+            <a:tailEnd type="none" w="sm" len="sm"/>
+          </a:ln>
+        </p:spPr>
+      </p:sp>
+      <p:sp>
+        <p:nvSpPr>
+          <p:cNvPr id="186" name="Google Shape;186;p7:notes"/>
+          <p:cNvSpPr txBox="1">
+            <a:spLocks noGrp="1"/>
+          </p:cNvSpPr>
+          <p:nvPr>
+            <p:ph type="body" idx="1"/>
+          </p:nvPr>
+        </p:nvSpPr>
+        <p:spPr>
+          <a:xfrm>
+            <a:off x="685800" y="4343400"/>
+            <a:ext cx="5486400" cy="4114800"/>
+          </a:xfrm>
+          <a:prstGeom prst="rect">
+            <a:avLst/>
+          </a:prstGeom>
+          <a:noFill/>
+          <a:ln>
+            <a:noFill/>
+          </a:ln>
+        </p:spPr>
+        <p:txBody>
+          <a:bodyPr spcFirstLastPara="1" wrap="square" lIns="91425" tIns="91425" rIns="91425" bIns="91425" anchor="t" anchorCtr="0">
+            <a:noAutofit/>
+          </a:bodyPr>
+          <a:lstStyle/>
+          <a:p>
+            <a:pPr marL="0" lvl="0" indent="0" algn="l" rtl="0">
+              <a:lnSpc>
+                <a:spcPct val="100000"/>
+              </a:lnSpc>
+              <a:spcBef>
+                <a:spcPts val="0"/>
+              </a:spcBef>
+              <a:spcAft>
+                <a:spcPts val="0"/>
+              </a:spcAft>
+              <a:buSzPts val="1100"/>
+              <a:buNone/>
+            </a:pPr>
+            <a:endParaRPr/>
+          </a:p>
+        </p:txBody>
+      </p:sp>
+    </p:spTree>
+  </p:cSld>
+  <p:clrMapOvr>
+    <a:masterClrMapping/>
+  </p:clrMapOvr>
+</p:notes>
+</file>
+
+<file path=ppt/notesSlides/notesSlide7.xml><?xml version="1.0" encoding="utf-8"?>
+<p:notes xmlns:a="http://schemas.openxmlformats.org/drawingml/2006/main" xmlns:r="http://schemas.openxmlformats.org/officeDocument/2006/relationships" xmlns:p="http://schemas.openxmlformats.org/presentationml/2006/main" showMasterSp="0" showMasterPhAnim="0">
+  <p:cSld>
+    <p:spTree>
+      <p:nvGrpSpPr>
+        <p:cNvPr id="1" name="Shape 159">
+          <a:extLst>
+            <a:ext uri="{FF2B5EF4-FFF2-40B4-BE49-F238E27FC236}">
               <a16:creationId xmlns:a16="http://schemas.microsoft.com/office/drawing/2014/main" id="{9EEDC441-E887-6078-F500-23C752F2F2F0}"/>
             </a:ext>
           </a:extLst>
@@ -3006,7 +4003,152 @@
 </p:notes>
 </file>
 
-<file path=ppt/notesSlides/notesSlide5.xml><?xml version="1.0" encoding="utf-8"?>
+<file path=ppt/notesSlides/notesSlide8.xml><?xml version="1.0" encoding="utf-8"?>
+<p:notes xmlns:a="http://schemas.openxmlformats.org/drawingml/2006/main" xmlns:r="http://schemas.openxmlformats.org/officeDocument/2006/relationships" xmlns:p="http://schemas.openxmlformats.org/presentationml/2006/main" showMasterSp="0" showMasterPhAnim="0">
+  <p:cSld>
+    <p:spTree>
+      <p:nvGrpSpPr>
+        <p:cNvPr id="1" name="Shape 159">
+          <a:extLst>
+            <a:ext uri="{FF2B5EF4-FFF2-40B4-BE49-F238E27FC236}">
+              <a16:creationId xmlns:a16="http://schemas.microsoft.com/office/drawing/2014/main" id="{7726BCA9-B956-D9AC-4210-D263F26C66DB}"/>
+            </a:ext>
+          </a:extLst>
+        </p:cNvPr>
+        <p:cNvGrpSpPr/>
+        <p:nvPr/>
+      </p:nvGrpSpPr>
+      <p:grpSpPr>
+        <a:xfrm>
+          <a:off x="0" y="0"/>
+          <a:ext cx="0" cy="0"/>
+          <a:chOff x="0" y="0"/>
+          <a:chExt cx="0" cy="0"/>
+        </a:xfrm>
+      </p:grpSpPr>
+      <p:sp>
+        <p:nvSpPr>
+          <p:cNvPr id="160" name="Google Shape;160;g2cd30dbf4aa_0_262:notes">
+            <a:extLst>
+              <a:ext uri="{FF2B5EF4-FFF2-40B4-BE49-F238E27FC236}">
+                <a16:creationId xmlns:a16="http://schemas.microsoft.com/office/drawing/2014/main" id="{A4236E8E-BAEF-6FA4-0BC6-E49782CD78F4}"/>
+              </a:ext>
+            </a:extLst>
+          </p:cNvPr>
+          <p:cNvSpPr>
+            <a:spLocks noGrp="1" noRot="1" noChangeAspect="1"/>
+          </p:cNvSpPr>
+          <p:nvPr>
+            <p:ph type="sldImg" idx="2"/>
+          </p:nvPr>
+        </p:nvSpPr>
+        <p:spPr>
+          <a:xfrm>
+            <a:off x="381000" y="685800"/>
+            <a:ext cx="6096000" cy="3429000"/>
+          </a:xfrm>
+          <a:custGeom>
+            <a:avLst/>
+            <a:gdLst/>
+            <a:ahLst/>
+            <a:cxnLst/>
+            <a:rect l="l" t="t" r="r" b="b"/>
+            <a:pathLst>
+              <a:path w="120000" h="120000" extrusionOk="0">
+                <a:moveTo>
+                  <a:pt x="0" y="0"/>
+                </a:moveTo>
+                <a:lnTo>
+                  <a:pt x="120000" y="0"/>
+                </a:lnTo>
+                <a:lnTo>
+                  <a:pt x="120000" y="120000"/>
+                </a:lnTo>
+                <a:lnTo>
+                  <a:pt x="0" y="120000"/>
+                </a:lnTo>
+                <a:close/>
+              </a:path>
+            </a:pathLst>
+          </a:custGeom>
+          <a:noFill/>
+          <a:ln w="9525" cap="flat" cmpd="sng">
+            <a:solidFill>
+              <a:srgbClr val="000000"/>
+            </a:solidFill>
+            <a:prstDash val="solid"/>
+            <a:round/>
+            <a:headEnd type="none" w="sm" len="sm"/>
+            <a:tailEnd type="none" w="sm" len="sm"/>
+          </a:ln>
+        </p:spPr>
+      </p:sp>
+      <p:sp>
+        <p:nvSpPr>
+          <p:cNvPr id="161" name="Google Shape;161;g2cd30dbf4aa_0_262:notes">
+            <a:extLst>
+              <a:ext uri="{FF2B5EF4-FFF2-40B4-BE49-F238E27FC236}">
+                <a16:creationId xmlns:a16="http://schemas.microsoft.com/office/drawing/2014/main" id="{F0493C87-025F-0197-CF68-4FBED7B726BB}"/>
+              </a:ext>
+            </a:extLst>
+          </p:cNvPr>
+          <p:cNvSpPr txBox="1">
+            <a:spLocks noGrp="1"/>
+          </p:cNvSpPr>
+          <p:nvPr>
+            <p:ph type="body" idx="1"/>
+          </p:nvPr>
+        </p:nvSpPr>
+        <p:spPr>
+          <a:xfrm>
+            <a:off x="685800" y="4343400"/>
+            <a:ext cx="5486400" cy="4114800"/>
+          </a:xfrm>
+          <a:prstGeom prst="rect">
+            <a:avLst/>
+          </a:prstGeom>
+          <a:noFill/>
+          <a:ln>
+            <a:noFill/>
+          </a:ln>
+        </p:spPr>
+        <p:txBody>
+          <a:bodyPr spcFirstLastPara="1" wrap="square" lIns="91425" tIns="91425" rIns="91425" bIns="91425" anchor="t" anchorCtr="0">
+            <a:noAutofit/>
+          </a:bodyPr>
+          <a:lstStyle/>
+          <a:p>
+            <a:pPr marL="0" lvl="0" indent="0" algn="l" rtl="0">
+              <a:lnSpc>
+                <a:spcPct val="100000"/>
+              </a:lnSpc>
+              <a:spcBef>
+                <a:spcPts val="0"/>
+              </a:spcBef>
+              <a:spcAft>
+                <a:spcPts val="0"/>
+              </a:spcAft>
+              <a:buSzPts val="1100"/>
+              <a:buNone/>
+            </a:pPr>
+            <a:endParaRPr/>
+          </a:p>
+        </p:txBody>
+      </p:sp>
+    </p:spTree>
+    <p:extLst>
+      <p:ext uri="{BB962C8B-B14F-4D97-AF65-F5344CB8AC3E}">
+        <p14:creationId xmlns:p14="http://schemas.microsoft.com/office/powerpoint/2010/main" val="3034927284"/>
+      </p:ext>
+    </p:extLst>
+  </p:cSld>
+  <p:clrMapOvr>
+    <a:masterClrMapping/>
+  </p:clrMapOvr>
+</p:notes>
+</file>
+
+<file path=ppt/notesSlides/notesSlide9.xml><?xml version="1.0" encoding="utf-8"?>
 <p:notes xmlns:a="http://schemas.openxmlformats.org/drawingml/2006/main" xmlns:r="http://schemas.openxmlformats.org/officeDocument/2006/relationships" xmlns:p="http://schemas.openxmlformats.org/presentationml/2006/main" showMasterSp="0" showMasterPhAnim="0">
   <p:cSld>
     <p:spTree>
@@ -3121,586 +4263,6 @@
         </p:txBody>
       </p:sp>
     </p:spTree>
-  </p:cSld>
-  <p:clrMapOvr>
-    <a:masterClrMapping/>
-  </p:clrMapOvr>
-</p:notes>
-</file>
-
-<file path=ppt/notesSlides/notesSlide6.xml><?xml version="1.0" encoding="utf-8"?>
-<p:notes xmlns:a="http://schemas.openxmlformats.org/drawingml/2006/main" xmlns:r="http://schemas.openxmlformats.org/officeDocument/2006/relationships" xmlns:p="http://schemas.openxmlformats.org/presentationml/2006/main" showMasterSp="0" showMasterPhAnim="0">
-  <p:cSld>
-    <p:spTree>
-      <p:nvGrpSpPr>
-        <p:cNvPr id="1" name="Shape 171">
-          <a:extLst>
-            <a:ext uri="{FF2B5EF4-FFF2-40B4-BE49-F238E27FC236}">
-              <a16:creationId xmlns:a16="http://schemas.microsoft.com/office/drawing/2014/main" id="{35BD528E-CF3E-A594-77CA-0CCA52D09465}"/>
-            </a:ext>
-          </a:extLst>
-        </p:cNvPr>
-        <p:cNvGrpSpPr/>
-        <p:nvPr/>
-      </p:nvGrpSpPr>
-      <p:grpSpPr>
-        <a:xfrm>
-          <a:off x="0" y="0"/>
-          <a:ext cx="0" cy="0"/>
-          <a:chOff x="0" y="0"/>
-          <a:chExt cx="0" cy="0"/>
-        </a:xfrm>
-      </p:grpSpPr>
-      <p:sp>
-        <p:nvSpPr>
-          <p:cNvPr id="172" name="Google Shape;172;g2cd30dbf4aa_0_267:notes">
-            <a:extLst>
-              <a:ext uri="{FF2B5EF4-FFF2-40B4-BE49-F238E27FC236}">
-                <a16:creationId xmlns:a16="http://schemas.microsoft.com/office/drawing/2014/main" id="{71ED37C7-28F3-DF3E-DE5D-B6F860BF944C}"/>
-              </a:ext>
-            </a:extLst>
-          </p:cNvPr>
-          <p:cNvSpPr>
-            <a:spLocks noGrp="1" noRot="1" noChangeAspect="1"/>
-          </p:cNvSpPr>
-          <p:nvPr>
-            <p:ph type="sldImg" idx="2"/>
-          </p:nvPr>
-        </p:nvSpPr>
-        <p:spPr>
-          <a:xfrm>
-            <a:off x="381000" y="685800"/>
-            <a:ext cx="6096000" cy="3429000"/>
-          </a:xfrm>
-          <a:custGeom>
-            <a:avLst/>
-            <a:gdLst/>
-            <a:ahLst/>
-            <a:cxnLst/>
-            <a:rect l="l" t="t" r="r" b="b"/>
-            <a:pathLst>
-              <a:path w="120000" h="120000" extrusionOk="0">
-                <a:moveTo>
-                  <a:pt x="0" y="0"/>
-                </a:moveTo>
-                <a:lnTo>
-                  <a:pt x="120000" y="0"/>
-                </a:lnTo>
-                <a:lnTo>
-                  <a:pt x="120000" y="120000"/>
-                </a:lnTo>
-                <a:lnTo>
-                  <a:pt x="0" y="120000"/>
-                </a:lnTo>
-                <a:close/>
-              </a:path>
-            </a:pathLst>
-          </a:custGeom>
-          <a:noFill/>
-          <a:ln w="9525" cap="flat" cmpd="sng">
-            <a:solidFill>
-              <a:srgbClr val="000000"/>
-            </a:solidFill>
-            <a:prstDash val="solid"/>
-            <a:round/>
-            <a:headEnd type="none" w="sm" len="sm"/>
-            <a:tailEnd type="none" w="sm" len="sm"/>
-          </a:ln>
-        </p:spPr>
-      </p:sp>
-      <p:sp>
-        <p:nvSpPr>
-          <p:cNvPr id="173" name="Google Shape;173;g2cd30dbf4aa_0_267:notes">
-            <a:extLst>
-              <a:ext uri="{FF2B5EF4-FFF2-40B4-BE49-F238E27FC236}">
-                <a16:creationId xmlns:a16="http://schemas.microsoft.com/office/drawing/2014/main" id="{48FAFB0F-BCFC-9124-9848-487B1D27995B}"/>
-              </a:ext>
-            </a:extLst>
-          </p:cNvPr>
-          <p:cNvSpPr txBox="1">
-            <a:spLocks noGrp="1"/>
-          </p:cNvSpPr>
-          <p:nvPr>
-            <p:ph type="body" idx="1"/>
-          </p:nvPr>
-        </p:nvSpPr>
-        <p:spPr>
-          <a:xfrm>
-            <a:off x="685800" y="4343400"/>
-            <a:ext cx="5486400" cy="4114800"/>
-          </a:xfrm>
-          <a:prstGeom prst="rect">
-            <a:avLst/>
-          </a:prstGeom>
-          <a:noFill/>
-          <a:ln>
-            <a:noFill/>
-          </a:ln>
-        </p:spPr>
-        <p:txBody>
-          <a:bodyPr spcFirstLastPara="1" wrap="square" lIns="91425" tIns="91425" rIns="91425" bIns="91425" anchor="t" anchorCtr="0">
-            <a:noAutofit/>
-          </a:bodyPr>
-          <a:lstStyle/>
-          <a:p>
-            <a:pPr marL="0" lvl="0" indent="0" algn="l" rtl="0">
-              <a:lnSpc>
-                <a:spcPct val="100000"/>
-              </a:lnSpc>
-              <a:spcBef>
-                <a:spcPts val="0"/>
-              </a:spcBef>
-              <a:spcAft>
-                <a:spcPts val="0"/>
-              </a:spcAft>
-              <a:buSzPts val="1100"/>
-              <a:buNone/>
-            </a:pPr>
-            <a:endParaRPr/>
-          </a:p>
-        </p:txBody>
-      </p:sp>
-    </p:spTree>
-    <p:extLst>
-      <p:ext uri="{BB962C8B-B14F-4D97-AF65-F5344CB8AC3E}">
-        <p14:creationId xmlns:p14="http://schemas.microsoft.com/office/powerpoint/2010/main" val="2008906127"/>
-      </p:ext>
-    </p:extLst>
-  </p:cSld>
-  <p:clrMapOvr>
-    <a:masterClrMapping/>
-  </p:clrMapOvr>
-</p:notes>
-</file>
-
-<file path=ppt/notesSlides/notesSlide7.xml><?xml version="1.0" encoding="utf-8"?>
-<p:notes xmlns:a="http://schemas.openxmlformats.org/drawingml/2006/main" xmlns:r="http://schemas.openxmlformats.org/officeDocument/2006/relationships" xmlns:p="http://schemas.openxmlformats.org/presentationml/2006/main" showMasterSp="0" showMasterPhAnim="0">
-  <p:cSld>
-    <p:spTree>
-      <p:nvGrpSpPr>
-        <p:cNvPr id="1" name="Shape 171">
-          <a:extLst>
-            <a:ext uri="{FF2B5EF4-FFF2-40B4-BE49-F238E27FC236}">
-              <a16:creationId xmlns:a16="http://schemas.microsoft.com/office/drawing/2014/main" id="{8A339D07-5667-489B-3DEF-A947E01EE421}"/>
-            </a:ext>
-          </a:extLst>
-        </p:cNvPr>
-        <p:cNvGrpSpPr/>
-        <p:nvPr/>
-      </p:nvGrpSpPr>
-      <p:grpSpPr>
-        <a:xfrm>
-          <a:off x="0" y="0"/>
-          <a:ext cx="0" cy="0"/>
-          <a:chOff x="0" y="0"/>
-          <a:chExt cx="0" cy="0"/>
-        </a:xfrm>
-      </p:grpSpPr>
-      <p:sp>
-        <p:nvSpPr>
-          <p:cNvPr id="172" name="Google Shape;172;g2cd30dbf4aa_0_267:notes">
-            <a:extLst>
-              <a:ext uri="{FF2B5EF4-FFF2-40B4-BE49-F238E27FC236}">
-                <a16:creationId xmlns:a16="http://schemas.microsoft.com/office/drawing/2014/main" id="{76D8CD84-A2C7-1E5C-AD97-5B1F2B6A196C}"/>
-              </a:ext>
-            </a:extLst>
-          </p:cNvPr>
-          <p:cNvSpPr>
-            <a:spLocks noGrp="1" noRot="1" noChangeAspect="1"/>
-          </p:cNvSpPr>
-          <p:nvPr>
-            <p:ph type="sldImg" idx="2"/>
-          </p:nvPr>
-        </p:nvSpPr>
-        <p:spPr>
-          <a:xfrm>
-            <a:off x="381000" y="685800"/>
-            <a:ext cx="6096000" cy="3429000"/>
-          </a:xfrm>
-          <a:custGeom>
-            <a:avLst/>
-            <a:gdLst/>
-            <a:ahLst/>
-            <a:cxnLst/>
-            <a:rect l="l" t="t" r="r" b="b"/>
-            <a:pathLst>
-              <a:path w="120000" h="120000" extrusionOk="0">
-                <a:moveTo>
-                  <a:pt x="0" y="0"/>
-                </a:moveTo>
-                <a:lnTo>
-                  <a:pt x="120000" y="0"/>
-                </a:lnTo>
-                <a:lnTo>
-                  <a:pt x="120000" y="120000"/>
-                </a:lnTo>
-                <a:lnTo>
-                  <a:pt x="0" y="120000"/>
-                </a:lnTo>
-                <a:close/>
-              </a:path>
-            </a:pathLst>
-          </a:custGeom>
-          <a:noFill/>
-          <a:ln w="9525" cap="flat" cmpd="sng">
-            <a:solidFill>
-              <a:srgbClr val="000000"/>
-            </a:solidFill>
-            <a:prstDash val="solid"/>
-            <a:round/>
-            <a:headEnd type="none" w="sm" len="sm"/>
-            <a:tailEnd type="none" w="sm" len="sm"/>
-          </a:ln>
-        </p:spPr>
-      </p:sp>
-      <p:sp>
-        <p:nvSpPr>
-          <p:cNvPr id="173" name="Google Shape;173;g2cd30dbf4aa_0_267:notes">
-            <a:extLst>
-              <a:ext uri="{FF2B5EF4-FFF2-40B4-BE49-F238E27FC236}">
-                <a16:creationId xmlns:a16="http://schemas.microsoft.com/office/drawing/2014/main" id="{EBB12DBA-E390-9FBA-E079-4181EE389BC6}"/>
-              </a:ext>
-            </a:extLst>
-          </p:cNvPr>
-          <p:cNvSpPr txBox="1">
-            <a:spLocks noGrp="1"/>
-          </p:cNvSpPr>
-          <p:nvPr>
-            <p:ph type="body" idx="1"/>
-          </p:nvPr>
-        </p:nvSpPr>
-        <p:spPr>
-          <a:xfrm>
-            <a:off x="685800" y="4343400"/>
-            <a:ext cx="5486400" cy="4114800"/>
-          </a:xfrm>
-          <a:prstGeom prst="rect">
-            <a:avLst/>
-          </a:prstGeom>
-          <a:noFill/>
-          <a:ln>
-            <a:noFill/>
-          </a:ln>
-        </p:spPr>
-        <p:txBody>
-          <a:bodyPr spcFirstLastPara="1" wrap="square" lIns="91425" tIns="91425" rIns="91425" bIns="91425" anchor="t" anchorCtr="0">
-            <a:noAutofit/>
-          </a:bodyPr>
-          <a:lstStyle/>
-          <a:p>
-            <a:pPr marL="0" lvl="0" indent="0" algn="l" rtl="0">
-              <a:lnSpc>
-                <a:spcPct val="100000"/>
-              </a:lnSpc>
-              <a:spcBef>
-                <a:spcPts val="0"/>
-              </a:spcBef>
-              <a:spcAft>
-                <a:spcPts val="0"/>
-              </a:spcAft>
-              <a:buSzPts val="1100"/>
-              <a:buNone/>
-            </a:pPr>
-            <a:endParaRPr/>
-          </a:p>
-        </p:txBody>
-      </p:sp>
-    </p:spTree>
-    <p:extLst>
-      <p:ext uri="{BB962C8B-B14F-4D97-AF65-F5344CB8AC3E}">
-        <p14:creationId xmlns:p14="http://schemas.microsoft.com/office/powerpoint/2010/main" val="3886973258"/>
-      </p:ext>
-    </p:extLst>
-  </p:cSld>
-  <p:clrMapOvr>
-    <a:masterClrMapping/>
-  </p:clrMapOvr>
-</p:notes>
-</file>
-
-<file path=ppt/notesSlides/notesSlide8.xml><?xml version="1.0" encoding="utf-8"?>
-<p:notes xmlns:a="http://schemas.openxmlformats.org/drawingml/2006/main" xmlns:r="http://schemas.openxmlformats.org/officeDocument/2006/relationships" xmlns:p="http://schemas.openxmlformats.org/presentationml/2006/main" showMasterSp="0" showMasterPhAnim="0">
-  <p:cSld>
-    <p:spTree>
-      <p:nvGrpSpPr>
-        <p:cNvPr id="1" name="Shape 171">
-          <a:extLst>
-            <a:ext uri="{FF2B5EF4-FFF2-40B4-BE49-F238E27FC236}">
-              <a16:creationId xmlns:a16="http://schemas.microsoft.com/office/drawing/2014/main" id="{F6ED8C84-08DC-550F-E5E0-87B2DB2C6706}"/>
-            </a:ext>
-          </a:extLst>
-        </p:cNvPr>
-        <p:cNvGrpSpPr/>
-        <p:nvPr/>
-      </p:nvGrpSpPr>
-      <p:grpSpPr>
-        <a:xfrm>
-          <a:off x="0" y="0"/>
-          <a:ext cx="0" cy="0"/>
-          <a:chOff x="0" y="0"/>
-          <a:chExt cx="0" cy="0"/>
-        </a:xfrm>
-      </p:grpSpPr>
-      <p:sp>
-        <p:nvSpPr>
-          <p:cNvPr id="172" name="Google Shape;172;g2cd30dbf4aa_0_267:notes">
-            <a:extLst>
-              <a:ext uri="{FF2B5EF4-FFF2-40B4-BE49-F238E27FC236}">
-                <a16:creationId xmlns:a16="http://schemas.microsoft.com/office/drawing/2014/main" id="{5091C032-081C-7C17-42B7-6F9C46279812}"/>
-              </a:ext>
-            </a:extLst>
-          </p:cNvPr>
-          <p:cNvSpPr>
-            <a:spLocks noGrp="1" noRot="1" noChangeAspect="1"/>
-          </p:cNvSpPr>
-          <p:nvPr>
-            <p:ph type="sldImg" idx="2"/>
-          </p:nvPr>
-        </p:nvSpPr>
-        <p:spPr>
-          <a:xfrm>
-            <a:off x="381000" y="685800"/>
-            <a:ext cx="6096000" cy="3429000"/>
-          </a:xfrm>
-          <a:custGeom>
-            <a:avLst/>
-            <a:gdLst/>
-            <a:ahLst/>
-            <a:cxnLst/>
-            <a:rect l="l" t="t" r="r" b="b"/>
-            <a:pathLst>
-              <a:path w="120000" h="120000" extrusionOk="0">
-                <a:moveTo>
-                  <a:pt x="0" y="0"/>
-                </a:moveTo>
-                <a:lnTo>
-                  <a:pt x="120000" y="0"/>
-                </a:lnTo>
-                <a:lnTo>
-                  <a:pt x="120000" y="120000"/>
-                </a:lnTo>
-                <a:lnTo>
-                  <a:pt x="0" y="120000"/>
-                </a:lnTo>
-                <a:close/>
-              </a:path>
-            </a:pathLst>
-          </a:custGeom>
-          <a:noFill/>
-          <a:ln w="9525" cap="flat" cmpd="sng">
-            <a:solidFill>
-              <a:srgbClr val="000000"/>
-            </a:solidFill>
-            <a:prstDash val="solid"/>
-            <a:round/>
-            <a:headEnd type="none" w="sm" len="sm"/>
-            <a:tailEnd type="none" w="sm" len="sm"/>
-          </a:ln>
-        </p:spPr>
-      </p:sp>
-      <p:sp>
-        <p:nvSpPr>
-          <p:cNvPr id="173" name="Google Shape;173;g2cd30dbf4aa_0_267:notes">
-            <a:extLst>
-              <a:ext uri="{FF2B5EF4-FFF2-40B4-BE49-F238E27FC236}">
-                <a16:creationId xmlns:a16="http://schemas.microsoft.com/office/drawing/2014/main" id="{31670564-23E2-CC60-B96E-3C18542C9EFE}"/>
-              </a:ext>
-            </a:extLst>
-          </p:cNvPr>
-          <p:cNvSpPr txBox="1">
-            <a:spLocks noGrp="1"/>
-          </p:cNvSpPr>
-          <p:nvPr>
-            <p:ph type="body" idx="1"/>
-          </p:nvPr>
-        </p:nvSpPr>
-        <p:spPr>
-          <a:xfrm>
-            <a:off x="685800" y="4343400"/>
-            <a:ext cx="5486400" cy="4114800"/>
-          </a:xfrm>
-          <a:prstGeom prst="rect">
-            <a:avLst/>
-          </a:prstGeom>
-          <a:noFill/>
-          <a:ln>
-            <a:noFill/>
-          </a:ln>
-        </p:spPr>
-        <p:txBody>
-          <a:bodyPr spcFirstLastPara="1" wrap="square" lIns="91425" tIns="91425" rIns="91425" bIns="91425" anchor="t" anchorCtr="0">
-            <a:noAutofit/>
-          </a:bodyPr>
-          <a:lstStyle/>
-          <a:p>
-            <a:pPr marL="0" lvl="0" indent="0" algn="l" rtl="0">
-              <a:lnSpc>
-                <a:spcPct val="100000"/>
-              </a:lnSpc>
-              <a:spcBef>
-                <a:spcPts val="0"/>
-              </a:spcBef>
-              <a:spcAft>
-                <a:spcPts val="0"/>
-              </a:spcAft>
-              <a:buSzPts val="1100"/>
-              <a:buNone/>
-            </a:pPr>
-            <a:endParaRPr/>
-          </a:p>
-        </p:txBody>
-      </p:sp>
-    </p:spTree>
-    <p:extLst>
-      <p:ext uri="{BB962C8B-B14F-4D97-AF65-F5344CB8AC3E}">
-        <p14:creationId xmlns:p14="http://schemas.microsoft.com/office/powerpoint/2010/main" val="1466791362"/>
-      </p:ext>
-    </p:extLst>
-  </p:cSld>
-  <p:clrMapOvr>
-    <a:masterClrMapping/>
-  </p:clrMapOvr>
-</p:notes>
-</file>
-
-<file path=ppt/notesSlides/notesSlide9.xml><?xml version="1.0" encoding="utf-8"?>
-<p:notes xmlns:a="http://schemas.openxmlformats.org/drawingml/2006/main" xmlns:r="http://schemas.openxmlformats.org/officeDocument/2006/relationships" xmlns:p="http://schemas.openxmlformats.org/presentationml/2006/main" showMasterSp="0" showMasterPhAnim="0">
-  <p:cSld>
-    <p:spTree>
-      <p:nvGrpSpPr>
-        <p:cNvPr id="1" name="Shape 171">
-          <a:extLst>
-            <a:ext uri="{FF2B5EF4-FFF2-40B4-BE49-F238E27FC236}">
-              <a16:creationId xmlns:a16="http://schemas.microsoft.com/office/drawing/2014/main" id="{79A3AAF2-8064-A56D-30F2-7B0D42887A08}"/>
-            </a:ext>
-          </a:extLst>
-        </p:cNvPr>
-        <p:cNvGrpSpPr/>
-        <p:nvPr/>
-      </p:nvGrpSpPr>
-      <p:grpSpPr>
-        <a:xfrm>
-          <a:off x="0" y="0"/>
-          <a:ext cx="0" cy="0"/>
-          <a:chOff x="0" y="0"/>
-          <a:chExt cx="0" cy="0"/>
-        </a:xfrm>
-      </p:grpSpPr>
-      <p:sp>
-        <p:nvSpPr>
-          <p:cNvPr id="172" name="Google Shape;172;g2cd30dbf4aa_0_267:notes">
-            <a:extLst>
-              <a:ext uri="{FF2B5EF4-FFF2-40B4-BE49-F238E27FC236}">
-                <a16:creationId xmlns:a16="http://schemas.microsoft.com/office/drawing/2014/main" id="{9217FC5D-3044-5F99-0618-C751FABC9E77}"/>
-              </a:ext>
-            </a:extLst>
-          </p:cNvPr>
-          <p:cNvSpPr>
-            <a:spLocks noGrp="1" noRot="1" noChangeAspect="1"/>
-          </p:cNvSpPr>
-          <p:nvPr>
-            <p:ph type="sldImg" idx="2"/>
-          </p:nvPr>
-        </p:nvSpPr>
-        <p:spPr>
-          <a:xfrm>
-            <a:off x="381000" y="685800"/>
-            <a:ext cx="6096000" cy="3429000"/>
-          </a:xfrm>
-          <a:custGeom>
-            <a:avLst/>
-            <a:gdLst/>
-            <a:ahLst/>
-            <a:cxnLst/>
-            <a:rect l="l" t="t" r="r" b="b"/>
-            <a:pathLst>
-              <a:path w="120000" h="120000" extrusionOk="0">
-                <a:moveTo>
-                  <a:pt x="0" y="0"/>
-                </a:moveTo>
-                <a:lnTo>
-                  <a:pt x="120000" y="0"/>
-                </a:lnTo>
-                <a:lnTo>
-                  <a:pt x="120000" y="120000"/>
-                </a:lnTo>
-                <a:lnTo>
-                  <a:pt x="0" y="120000"/>
-                </a:lnTo>
-                <a:close/>
-              </a:path>
-            </a:pathLst>
-          </a:custGeom>
-          <a:noFill/>
-          <a:ln w="9525" cap="flat" cmpd="sng">
-            <a:solidFill>
-              <a:srgbClr val="000000"/>
-            </a:solidFill>
-            <a:prstDash val="solid"/>
-            <a:round/>
-            <a:headEnd type="none" w="sm" len="sm"/>
-            <a:tailEnd type="none" w="sm" len="sm"/>
-          </a:ln>
-        </p:spPr>
-      </p:sp>
-      <p:sp>
-        <p:nvSpPr>
-          <p:cNvPr id="173" name="Google Shape;173;g2cd30dbf4aa_0_267:notes">
-            <a:extLst>
-              <a:ext uri="{FF2B5EF4-FFF2-40B4-BE49-F238E27FC236}">
-                <a16:creationId xmlns:a16="http://schemas.microsoft.com/office/drawing/2014/main" id="{F3C006A3-4928-DAEE-6EA3-8948BF23B2AF}"/>
-              </a:ext>
-            </a:extLst>
-          </p:cNvPr>
-          <p:cNvSpPr txBox="1">
-            <a:spLocks noGrp="1"/>
-          </p:cNvSpPr>
-          <p:nvPr>
-            <p:ph type="body" idx="1"/>
-          </p:nvPr>
-        </p:nvSpPr>
-        <p:spPr>
-          <a:xfrm>
-            <a:off x="685800" y="4343400"/>
-            <a:ext cx="5486400" cy="4114800"/>
-          </a:xfrm>
-          <a:prstGeom prst="rect">
-            <a:avLst/>
-          </a:prstGeom>
-          <a:noFill/>
-          <a:ln>
-            <a:noFill/>
-          </a:ln>
-        </p:spPr>
-        <p:txBody>
-          <a:bodyPr spcFirstLastPara="1" wrap="square" lIns="91425" tIns="91425" rIns="91425" bIns="91425" anchor="t" anchorCtr="0">
-            <a:noAutofit/>
-          </a:bodyPr>
-          <a:lstStyle/>
-          <a:p>
-            <a:pPr marL="0" lvl="0" indent="0" algn="l" rtl="0">
-              <a:lnSpc>
-                <a:spcPct val="100000"/>
-              </a:lnSpc>
-              <a:spcBef>
-                <a:spcPts val="0"/>
-              </a:spcBef>
-              <a:spcAft>
-                <a:spcPts val="0"/>
-              </a:spcAft>
-              <a:buSzPts val="1100"/>
-              <a:buNone/>
-            </a:pPr>
-            <a:endParaRPr/>
-          </a:p>
-        </p:txBody>
-      </p:sp>
-    </p:spTree>
-    <p:extLst>
-      <p:ext uri="{BB962C8B-B14F-4D97-AF65-F5344CB8AC3E}">
-        <p14:creationId xmlns:p14="http://schemas.microsoft.com/office/powerpoint/2010/main" val="1924044501"/>
-      </p:ext>
-    </p:extLst>
   </p:cSld>
   <p:clrMapOvr>
     <a:masterClrMapping/>
@@ -24194,7 +24756,7 @@
         <p:fade thruBlk="1"/>
       </p:transition>
     </mc:Choice>
-    <mc:Fallback xmlns="" xmlns:mv="urn:schemas-microsoft-com:mac:vml" xmlns:c="http://schemas.openxmlformats.org/drawingml/2006/chart" xmlns:dgm="http://schemas.openxmlformats.org/drawingml/2006/diagram" xmlns:o="urn:schemas-microsoft-com:office:office" xmlns:v="urn:schemas-microsoft-com:vml" xmlns:pvml="urn:schemas-microsoft-com:office:powerpoint" xmlns:com="http://schemas.openxmlformats.org/drawingml/2006/compatibility" xmlns:p15="http://schemas.microsoft.com/office/powerpoint/2012/main" xmlns:ahyp="http://schemas.microsoft.com/office/drawing/2018/hyperlinkcolor">
+    <mc:Fallback xmlns:ahyp="http://schemas.microsoft.com/office/drawing/2018/hyperlinkcolor" xmlns:p15="http://schemas.microsoft.com/office/powerpoint/2012/main" xmlns:com="http://schemas.openxmlformats.org/drawingml/2006/compatibility" xmlns:pvml="urn:schemas-microsoft-com:office:powerpoint" xmlns:v="urn:schemas-microsoft-com:vml" xmlns:o="urn:schemas-microsoft-com:office:office" xmlns:dgm="http://schemas.openxmlformats.org/drawingml/2006/diagram" xmlns:c="http://schemas.openxmlformats.org/drawingml/2006/chart" xmlns:mv="urn:schemas-microsoft-com:mac:vml" xmlns="">
       <p:transition>
         <p:fade/>
       </p:transition>
@@ -25338,6 +25900,1341 @@
   <p:cSld>
     <p:spTree>
       <p:nvGrpSpPr>
+        <p:cNvPr id="1" name="Shape 162">
+          <a:extLst>
+            <a:ext uri="{FF2B5EF4-FFF2-40B4-BE49-F238E27FC236}">
+              <a16:creationId xmlns:a16="http://schemas.microsoft.com/office/drawing/2014/main" id="{E4839317-0214-7D57-A6D8-624516C57989}"/>
+            </a:ext>
+          </a:extLst>
+        </p:cNvPr>
+        <p:cNvGrpSpPr/>
+        <p:nvPr/>
+      </p:nvGrpSpPr>
+      <p:grpSpPr>
+        <a:xfrm>
+          <a:off x="0" y="0"/>
+          <a:ext cx="0" cy="0"/>
+          <a:chOff x="0" y="0"/>
+          <a:chExt cx="0" cy="0"/>
+        </a:xfrm>
+      </p:grpSpPr>
+      <p:sp>
+        <p:nvSpPr>
+          <p:cNvPr id="163" name="Google Shape;163;p37">
+            <a:extLst>
+              <a:ext uri="{FF2B5EF4-FFF2-40B4-BE49-F238E27FC236}">
+                <a16:creationId xmlns:a16="http://schemas.microsoft.com/office/drawing/2014/main" id="{9CBB8115-3BD4-2DCB-5D12-07B358C07EAF}"/>
+              </a:ext>
+            </a:extLst>
+          </p:cNvPr>
+          <p:cNvSpPr txBox="1">
+            <a:spLocks noGrp="1"/>
+          </p:cNvSpPr>
+          <p:nvPr>
+            <p:ph type="title"/>
+          </p:nvPr>
+        </p:nvSpPr>
+        <p:spPr>
+          <a:xfrm>
+            <a:off x="202550" y="289275"/>
+            <a:ext cx="7712700" cy="810900"/>
+          </a:xfrm>
+          <a:prstGeom prst="rect">
+            <a:avLst/>
+          </a:prstGeom>
+          <a:noFill/>
+          <a:ln>
+            <a:noFill/>
+          </a:ln>
+        </p:spPr>
+        <p:txBody>
+          <a:bodyPr spcFirstLastPara="1" wrap="square" lIns="91425" tIns="91425" rIns="91425" bIns="91425" anchor="t" anchorCtr="0">
+            <a:noAutofit/>
+          </a:bodyPr>
+          <a:lstStyle/>
+          <a:p>
+            <a:pPr marL="0" lvl="0" indent="0" algn="l" rtl="0">
+              <a:lnSpc>
+                <a:spcPct val="100000"/>
+              </a:lnSpc>
+              <a:spcBef>
+                <a:spcPts val="0"/>
+              </a:spcBef>
+              <a:spcAft>
+                <a:spcPts val="0"/>
+              </a:spcAft>
+              <a:buSzPts val="2200"/>
+              <a:buNone/>
+            </a:pPr>
+            <a:r>
+              <a:rPr lang="en" dirty="0">
+                <a:solidFill>
+                  <a:schemeClr val="lt2"/>
+                </a:solidFill>
+                <a:latin typeface="Century Gothic"/>
+                <a:ea typeface="Century Gothic"/>
+                <a:cs typeface="Century Gothic"/>
+                <a:sym typeface="Century Gothic"/>
+              </a:rPr>
+              <a:t>Ground Truth Dataset</a:t>
+            </a:r>
+            <a:endParaRPr dirty="0">
+              <a:solidFill>
+                <a:schemeClr val="lt2"/>
+              </a:solidFill>
+              <a:latin typeface="Century Gothic"/>
+              <a:ea typeface="Century Gothic"/>
+              <a:cs typeface="Century Gothic"/>
+              <a:sym typeface="Century Gothic"/>
+            </a:endParaRPr>
+          </a:p>
+        </p:txBody>
+      </p:sp>
+      <p:sp>
+        <p:nvSpPr>
+          <p:cNvPr id="164" name="Google Shape;164;p37">
+            <a:extLst>
+              <a:ext uri="{FF2B5EF4-FFF2-40B4-BE49-F238E27FC236}">
+                <a16:creationId xmlns:a16="http://schemas.microsoft.com/office/drawing/2014/main" id="{8D15651F-7758-630E-7A60-49F0B4B515D2}"/>
+              </a:ext>
+            </a:extLst>
+          </p:cNvPr>
+          <p:cNvSpPr txBox="1">
+            <a:spLocks noGrp="1"/>
+          </p:cNvSpPr>
+          <p:nvPr>
+            <p:ph type="body" idx="1"/>
+          </p:nvPr>
+        </p:nvSpPr>
+        <p:spPr>
+          <a:xfrm>
+            <a:off x="202550" y="1243025"/>
+            <a:ext cx="8629800" cy="3611200"/>
+          </a:xfrm>
+          <a:prstGeom prst="rect">
+            <a:avLst/>
+          </a:prstGeom>
+          <a:noFill/>
+          <a:ln>
+            <a:noFill/>
+          </a:ln>
+        </p:spPr>
+        <p:txBody>
+          <a:bodyPr spcFirstLastPara="1" wrap="square" lIns="91425" tIns="91425" rIns="91425" bIns="91425" anchor="t" anchorCtr="0">
+            <a:noAutofit/>
+          </a:bodyPr>
+          <a:lstStyle/>
+          <a:p>
+            <a:pPr marL="139700" indent="0">
+              <a:spcBef>
+                <a:spcPts val="1000"/>
+              </a:spcBef>
+              <a:buClr>
+                <a:schemeClr val="dk1"/>
+              </a:buClr>
+              <a:buSzPts val="1400"/>
+              <a:buNone/>
+            </a:pPr>
+            <a:r>
+              <a:rPr lang="en-US" sz="1400" b="1" dirty="0"/>
+              <a:t>Goal:</a:t>
+            </a:r>
+          </a:p>
+          <a:p>
+            <a:pPr marL="139700" indent="0">
+              <a:spcBef>
+                <a:spcPts val="400"/>
+              </a:spcBef>
+              <a:buClr>
+                <a:schemeClr val="dk1"/>
+              </a:buClr>
+              <a:buSzPts val="1400"/>
+              <a:buNone/>
+            </a:pPr>
+            <a:endParaRPr lang="en-US" sz="700" b="1" dirty="0"/>
+          </a:p>
+          <a:p>
+            <a:pPr marL="133350" indent="0">
+              <a:buNone/>
+            </a:pPr>
+            <a:r>
+              <a:rPr lang="en-US" sz="1400" dirty="0"/>
+              <a:t>A bank's consumer credit department seeks to streamline the decision-making process for home equity lines of credit. In compliance with the Equal Credit Opportunity Act (ECOA), the department requires an empirically derived and statistically sound credit scoring model.</a:t>
+            </a:r>
+          </a:p>
+          <a:p>
+            <a:pPr marL="133350" indent="0">
+              <a:buNone/>
+            </a:pPr>
+            <a:endParaRPr lang="en-US" sz="700" dirty="0"/>
+          </a:p>
+          <a:p>
+            <a:pPr marL="133350" indent="0">
+              <a:buNone/>
+            </a:pPr>
+            <a:r>
+              <a:rPr lang="en-US" sz="1400" dirty="0"/>
+              <a:t>The model will be developed using data collected through the existing loan underwriting process from recent applicants who were granted credit. The model needs to be interpretable to provide reasonings for loan acceptances/rejections.</a:t>
+            </a:r>
+          </a:p>
+          <a:p>
+            <a:pPr marL="133350" indent="0">
+              <a:buNone/>
+            </a:pPr>
+            <a:endParaRPr lang="en-US" sz="700" dirty="0"/>
+          </a:p>
+          <a:p>
+            <a:pPr marL="139700" indent="0">
+              <a:spcBef>
+                <a:spcPts val="1000"/>
+              </a:spcBef>
+              <a:buClr>
+                <a:schemeClr val="dk1"/>
+              </a:buClr>
+              <a:buSzPts val="1400"/>
+              <a:buNone/>
+            </a:pPr>
+            <a:r>
+              <a:rPr lang="en-US" sz="1400" b="1" dirty="0"/>
+              <a:t>Objective:</a:t>
+            </a:r>
+          </a:p>
+          <a:p>
+            <a:pPr marL="139700" indent="0">
+              <a:spcBef>
+                <a:spcPts val="1000"/>
+              </a:spcBef>
+              <a:buClr>
+                <a:schemeClr val="dk1"/>
+              </a:buClr>
+              <a:buSzPts val="1400"/>
+              <a:buNone/>
+            </a:pPr>
+            <a:r>
+              <a:rPr lang="en-US" sz="1400" dirty="0"/>
+              <a:t>Build a classification model using an Artificial Neural Network (ANN) to predict clients who are likely to default on  loans. The model should provide recommendations on the key features to consider during loan approval.</a:t>
+            </a:r>
+          </a:p>
+        </p:txBody>
+      </p:sp>
+    </p:spTree>
+    <p:extLst>
+      <p:ext uri="{BB962C8B-B14F-4D97-AF65-F5344CB8AC3E}">
+        <p14:creationId xmlns:p14="http://schemas.microsoft.com/office/powerpoint/2010/main" val="2963530775"/>
+      </p:ext>
+    </p:extLst>
+  </p:cSld>
+  <p:clrMapOvr>
+    <a:masterClrMapping/>
+  </p:clrMapOvr>
+</p:sld>
+</file>
+
+<file path=ppt/slides/slide11.xml><?xml version="1.0" encoding="utf-8"?>
+<p:sld xmlns:a="http://schemas.openxmlformats.org/drawingml/2006/main" xmlns:r="http://schemas.openxmlformats.org/officeDocument/2006/relationships" xmlns:p="http://schemas.openxmlformats.org/presentationml/2006/main">
+  <p:cSld>
+    <p:spTree>
+      <p:nvGrpSpPr>
+        <p:cNvPr id="1" name="Shape 162">
+          <a:extLst>
+            <a:ext uri="{FF2B5EF4-FFF2-40B4-BE49-F238E27FC236}">
+              <a16:creationId xmlns:a16="http://schemas.microsoft.com/office/drawing/2014/main" id="{204B4CD5-6D67-ECFC-CCD5-B7CF606190D6}"/>
+            </a:ext>
+          </a:extLst>
+        </p:cNvPr>
+        <p:cNvGrpSpPr/>
+        <p:nvPr/>
+      </p:nvGrpSpPr>
+      <p:grpSpPr>
+        <a:xfrm>
+          <a:off x="0" y="0"/>
+          <a:ext cx="0" cy="0"/>
+          <a:chOff x="0" y="0"/>
+          <a:chExt cx="0" cy="0"/>
+        </a:xfrm>
+      </p:grpSpPr>
+      <p:sp>
+        <p:nvSpPr>
+          <p:cNvPr id="163" name="Google Shape;163;p37">
+            <a:extLst>
+              <a:ext uri="{FF2B5EF4-FFF2-40B4-BE49-F238E27FC236}">
+                <a16:creationId xmlns:a16="http://schemas.microsoft.com/office/drawing/2014/main" id="{F9DA9743-6F00-3737-B990-922F3200B3F0}"/>
+              </a:ext>
+            </a:extLst>
+          </p:cNvPr>
+          <p:cNvSpPr txBox="1">
+            <a:spLocks noGrp="1"/>
+          </p:cNvSpPr>
+          <p:nvPr>
+            <p:ph type="title"/>
+          </p:nvPr>
+        </p:nvSpPr>
+        <p:spPr>
+          <a:xfrm>
+            <a:off x="202550" y="289275"/>
+            <a:ext cx="7712700" cy="810900"/>
+          </a:xfrm>
+          <a:prstGeom prst="rect">
+            <a:avLst/>
+          </a:prstGeom>
+          <a:noFill/>
+          <a:ln>
+            <a:noFill/>
+          </a:ln>
+        </p:spPr>
+        <p:txBody>
+          <a:bodyPr spcFirstLastPara="1" wrap="square" lIns="91425" tIns="91425" rIns="91425" bIns="91425" anchor="t" anchorCtr="0">
+            <a:noAutofit/>
+          </a:bodyPr>
+          <a:lstStyle/>
+          <a:p>
+            <a:pPr marL="0" lvl="0" indent="0" algn="l" rtl="0">
+              <a:lnSpc>
+                <a:spcPct val="100000"/>
+              </a:lnSpc>
+              <a:spcBef>
+                <a:spcPts val="0"/>
+              </a:spcBef>
+              <a:spcAft>
+                <a:spcPts val="0"/>
+              </a:spcAft>
+              <a:buSzPts val="2200"/>
+              <a:buNone/>
+            </a:pPr>
+            <a:r>
+              <a:rPr lang="en" dirty="0">
+                <a:solidFill>
+                  <a:schemeClr val="lt2"/>
+                </a:solidFill>
+                <a:latin typeface="Century Gothic"/>
+                <a:ea typeface="Century Gothic"/>
+                <a:cs typeface="Century Gothic"/>
+                <a:sym typeface="Century Gothic"/>
+              </a:rPr>
+              <a:t>Ground Truth Dataset</a:t>
+            </a:r>
+            <a:endParaRPr dirty="0">
+              <a:solidFill>
+                <a:schemeClr val="lt2"/>
+              </a:solidFill>
+              <a:latin typeface="Century Gothic"/>
+              <a:ea typeface="Century Gothic"/>
+              <a:cs typeface="Century Gothic"/>
+              <a:sym typeface="Century Gothic"/>
+            </a:endParaRPr>
+          </a:p>
+        </p:txBody>
+      </p:sp>
+      <p:sp>
+        <p:nvSpPr>
+          <p:cNvPr id="164" name="Google Shape;164;p37">
+            <a:extLst>
+              <a:ext uri="{FF2B5EF4-FFF2-40B4-BE49-F238E27FC236}">
+                <a16:creationId xmlns:a16="http://schemas.microsoft.com/office/drawing/2014/main" id="{D9F1B83F-7B25-BA55-F843-A200F6AC3B7A}"/>
+              </a:ext>
+            </a:extLst>
+          </p:cNvPr>
+          <p:cNvSpPr txBox="1">
+            <a:spLocks noGrp="1"/>
+          </p:cNvSpPr>
+          <p:nvPr>
+            <p:ph type="body" idx="1"/>
+          </p:nvPr>
+        </p:nvSpPr>
+        <p:spPr>
+          <a:xfrm>
+            <a:off x="202550" y="1243025"/>
+            <a:ext cx="8629800" cy="3611200"/>
+          </a:xfrm>
+          <a:prstGeom prst="rect">
+            <a:avLst/>
+          </a:prstGeom>
+          <a:noFill/>
+          <a:ln>
+            <a:noFill/>
+          </a:ln>
+        </p:spPr>
+        <p:txBody>
+          <a:bodyPr spcFirstLastPara="1" wrap="square" lIns="91425" tIns="91425" rIns="91425" bIns="91425" anchor="t" anchorCtr="0">
+            <a:noAutofit/>
+          </a:bodyPr>
+          <a:lstStyle/>
+          <a:p>
+            <a:pPr marL="139700" indent="0">
+              <a:spcBef>
+                <a:spcPts val="1000"/>
+              </a:spcBef>
+              <a:buClr>
+                <a:schemeClr val="dk1"/>
+              </a:buClr>
+              <a:buSzPts val="1400"/>
+              <a:buNone/>
+            </a:pPr>
+            <a:r>
+              <a:rPr lang="en-US" sz="1400" b="1" dirty="0"/>
+              <a:t>Goal:</a:t>
+            </a:r>
+          </a:p>
+          <a:p>
+            <a:pPr marL="139700" indent="0">
+              <a:spcBef>
+                <a:spcPts val="400"/>
+              </a:spcBef>
+              <a:buClr>
+                <a:schemeClr val="dk1"/>
+              </a:buClr>
+              <a:buSzPts val="1400"/>
+              <a:buNone/>
+            </a:pPr>
+            <a:endParaRPr lang="en-US" sz="700" b="1" dirty="0"/>
+          </a:p>
+          <a:p>
+            <a:pPr marL="133350" indent="0">
+              <a:buNone/>
+            </a:pPr>
+            <a:r>
+              <a:rPr lang="en-US" sz="1400" dirty="0"/>
+              <a:t>A bank's consumer credit department seeks to streamline the decision-making process for home equity lines of credit. In compliance with the Equal Credit Opportunity Act (ECOA), the department requires an empirically derived and statistically sound credit scoring model.</a:t>
+            </a:r>
+          </a:p>
+          <a:p>
+            <a:pPr marL="133350" indent="0">
+              <a:buNone/>
+            </a:pPr>
+            <a:endParaRPr lang="en-US" sz="700" dirty="0"/>
+          </a:p>
+          <a:p>
+            <a:pPr marL="133350" indent="0">
+              <a:buNone/>
+            </a:pPr>
+            <a:r>
+              <a:rPr lang="en-US" sz="1400" dirty="0"/>
+              <a:t>The model will be developed using data collected through the existing loan underwriting process from recent applicants who were granted credit. The model needs to be interpretable to provide reasonings for loan acceptances/rejections.</a:t>
+            </a:r>
+          </a:p>
+          <a:p>
+            <a:pPr marL="133350" indent="0">
+              <a:buNone/>
+            </a:pPr>
+            <a:endParaRPr lang="en-US" sz="700" dirty="0"/>
+          </a:p>
+          <a:p>
+            <a:pPr marL="139700" indent="0">
+              <a:spcBef>
+                <a:spcPts val="1000"/>
+              </a:spcBef>
+              <a:buClr>
+                <a:schemeClr val="dk1"/>
+              </a:buClr>
+              <a:buSzPts val="1400"/>
+              <a:buNone/>
+            </a:pPr>
+            <a:r>
+              <a:rPr lang="en-US" sz="1400" b="1" dirty="0"/>
+              <a:t>Objective:</a:t>
+            </a:r>
+          </a:p>
+          <a:p>
+            <a:pPr marL="139700" indent="0">
+              <a:spcBef>
+                <a:spcPts val="1000"/>
+              </a:spcBef>
+              <a:buClr>
+                <a:schemeClr val="dk1"/>
+              </a:buClr>
+              <a:buSzPts val="1400"/>
+              <a:buNone/>
+            </a:pPr>
+            <a:r>
+              <a:rPr lang="en-US" sz="1400" dirty="0"/>
+              <a:t>Build a classification model using an Artificial Neural Network (ANN) to predict clients who are likely to default on  loans. The model should provide recommendations on the key features to consider during loan approval.</a:t>
+            </a:r>
+          </a:p>
+        </p:txBody>
+      </p:sp>
+    </p:spTree>
+    <p:extLst>
+      <p:ext uri="{BB962C8B-B14F-4D97-AF65-F5344CB8AC3E}">
+        <p14:creationId xmlns:p14="http://schemas.microsoft.com/office/powerpoint/2010/main" val="3153295233"/>
+      </p:ext>
+    </p:extLst>
+  </p:cSld>
+  <p:clrMapOvr>
+    <a:masterClrMapping/>
+  </p:clrMapOvr>
+</p:sld>
+</file>
+
+<file path=ppt/slides/slide12.xml><?xml version="1.0" encoding="utf-8"?>
+<p:sld xmlns:a="http://schemas.openxmlformats.org/drawingml/2006/main" xmlns:r="http://schemas.openxmlformats.org/officeDocument/2006/relationships" xmlns:p="http://schemas.openxmlformats.org/presentationml/2006/main">
+  <p:cSld>
+    <p:spTree>
+      <p:nvGrpSpPr>
+        <p:cNvPr id="1" name="Shape 174"/>
+        <p:cNvGrpSpPr/>
+        <p:nvPr/>
+      </p:nvGrpSpPr>
+      <p:grpSpPr>
+        <a:xfrm>
+          <a:off x="0" y="0"/>
+          <a:ext cx="0" cy="0"/>
+          <a:chOff x="0" y="0"/>
+          <a:chExt cx="0" cy="0"/>
+        </a:xfrm>
+      </p:grpSpPr>
+      <p:sp>
+        <p:nvSpPr>
+          <p:cNvPr id="175" name="Google Shape;175;p39"/>
+          <p:cNvSpPr txBox="1">
+            <a:spLocks noGrp="1"/>
+          </p:cNvSpPr>
+          <p:nvPr>
+            <p:ph type="title"/>
+          </p:nvPr>
+        </p:nvSpPr>
+        <p:spPr>
+          <a:xfrm>
+            <a:off x="202550" y="289279"/>
+            <a:ext cx="8520600" cy="572700"/>
+          </a:xfrm>
+          <a:prstGeom prst="rect">
+            <a:avLst/>
+          </a:prstGeom>
+          <a:noFill/>
+          <a:ln>
+            <a:noFill/>
+          </a:ln>
+        </p:spPr>
+        <p:txBody>
+          <a:bodyPr spcFirstLastPara="1" wrap="square" lIns="91425" tIns="91425" rIns="91425" bIns="91425" anchor="t" anchorCtr="0">
+            <a:noAutofit/>
+          </a:bodyPr>
+          <a:lstStyle/>
+          <a:p>
+            <a:pPr marL="0" lvl="0" indent="0" algn="l" rtl="0">
+              <a:lnSpc>
+                <a:spcPct val="100000"/>
+              </a:lnSpc>
+              <a:spcBef>
+                <a:spcPts val="0"/>
+              </a:spcBef>
+              <a:spcAft>
+                <a:spcPts val="0"/>
+              </a:spcAft>
+              <a:buSzPts val="2200"/>
+              <a:buNone/>
+            </a:pPr>
+            <a:r>
+              <a:rPr lang="en" dirty="0">
+                <a:solidFill>
+                  <a:schemeClr val="lt2"/>
+                </a:solidFill>
+                <a:latin typeface="Century Gothic"/>
+                <a:ea typeface="Century Gothic"/>
+                <a:cs typeface="Century Gothic"/>
+                <a:sym typeface="Century Gothic"/>
+              </a:rPr>
+              <a:t>Zero-Shot Prompt</a:t>
+            </a:r>
+            <a:endParaRPr dirty="0">
+              <a:solidFill>
+                <a:schemeClr val="lt2"/>
+              </a:solidFill>
+              <a:latin typeface="Century Gothic"/>
+              <a:ea typeface="Century Gothic"/>
+              <a:cs typeface="Century Gothic"/>
+              <a:sym typeface="Century Gothic"/>
+            </a:endParaRPr>
+          </a:p>
+        </p:txBody>
+      </p:sp>
+      <p:sp>
+        <p:nvSpPr>
+          <p:cNvPr id="176" name="Google Shape;176;p39"/>
+          <p:cNvSpPr txBox="1">
+            <a:spLocks noGrp="1"/>
+          </p:cNvSpPr>
+          <p:nvPr>
+            <p:ph type="body" idx="1"/>
+          </p:nvPr>
+        </p:nvSpPr>
+        <p:spPr>
+          <a:xfrm>
+            <a:off x="202550" y="861975"/>
+            <a:ext cx="8629800" cy="3706800"/>
+          </a:xfrm>
+          <a:prstGeom prst="rect">
+            <a:avLst/>
+          </a:prstGeom>
+          <a:noFill/>
+          <a:ln>
+            <a:noFill/>
+          </a:ln>
+        </p:spPr>
+        <p:txBody>
+          <a:bodyPr spcFirstLastPara="1" wrap="square" lIns="91425" tIns="91425" rIns="91425" bIns="91425" anchor="t" anchorCtr="0">
+            <a:noAutofit/>
+          </a:bodyPr>
+          <a:lstStyle/>
+          <a:p>
+            <a:pPr marL="457200" lvl="0" indent="-317500" algn="l" rtl="0">
+              <a:lnSpc>
+                <a:spcPct val="115000"/>
+              </a:lnSpc>
+              <a:spcBef>
+                <a:spcPts val="0"/>
+              </a:spcBef>
+              <a:spcAft>
+                <a:spcPts val="0"/>
+              </a:spcAft>
+              <a:buClr>
+                <a:schemeClr val="dk1"/>
+              </a:buClr>
+              <a:buSzPts val="1400"/>
+              <a:buFont typeface="Century Gothic"/>
+              <a:buChar char="●"/>
+            </a:pPr>
+            <a:r>
+              <a:rPr lang="en" sz="1400" dirty="0">
+                <a:solidFill>
+                  <a:schemeClr val="dk1"/>
+                </a:solidFill>
+                <a:latin typeface="Century Gothic"/>
+                <a:ea typeface="Century Gothic"/>
+                <a:cs typeface="Century Gothic"/>
+                <a:sym typeface="Century Gothic"/>
+              </a:rPr>
+              <a:t>Please add the Prompt</a:t>
+            </a:r>
+            <a:endParaRPr sz="1400" dirty="0">
+              <a:solidFill>
+                <a:schemeClr val="dk1"/>
+              </a:solidFill>
+              <a:latin typeface="Century Gothic"/>
+              <a:ea typeface="Century Gothic"/>
+              <a:cs typeface="Century Gothic"/>
+              <a:sym typeface="Century Gothic"/>
+            </a:endParaRPr>
+          </a:p>
+          <a:p>
+            <a:pPr marL="457200" lvl="0" indent="-317500" algn="l" rtl="0">
+              <a:lnSpc>
+                <a:spcPct val="115000"/>
+              </a:lnSpc>
+              <a:spcBef>
+                <a:spcPts val="1000"/>
+              </a:spcBef>
+              <a:spcAft>
+                <a:spcPts val="0"/>
+              </a:spcAft>
+              <a:buClr>
+                <a:schemeClr val="dk1"/>
+              </a:buClr>
+              <a:buSzPts val="1400"/>
+              <a:buFont typeface="Century Gothic"/>
+              <a:buChar char="●"/>
+            </a:pPr>
+            <a:r>
+              <a:rPr lang="en" sz="1400" dirty="0">
+                <a:solidFill>
+                  <a:schemeClr val="dk1"/>
+                </a:solidFill>
+                <a:latin typeface="Century Gothic"/>
+                <a:ea typeface="Century Gothic"/>
+                <a:cs typeface="Century Gothic"/>
+                <a:sym typeface="Century Gothic"/>
+              </a:rPr>
+              <a:t>Please add the details on the structure of the Prompt</a:t>
+            </a:r>
+            <a:endParaRPr sz="1400" dirty="0">
+              <a:solidFill>
+                <a:schemeClr val="dk1"/>
+              </a:solidFill>
+              <a:latin typeface="Century Gothic"/>
+              <a:ea typeface="Century Gothic"/>
+              <a:cs typeface="Century Gothic"/>
+              <a:sym typeface="Century Gothic"/>
+            </a:endParaRPr>
+          </a:p>
+          <a:p>
+            <a:pPr marL="0" lvl="0" indent="0" algn="l" rtl="0">
+              <a:lnSpc>
+                <a:spcPct val="115000"/>
+              </a:lnSpc>
+              <a:spcBef>
+                <a:spcPts val="1000"/>
+              </a:spcBef>
+              <a:spcAft>
+                <a:spcPts val="0"/>
+              </a:spcAft>
+              <a:buSzPts val="1500"/>
+              <a:buNone/>
+            </a:pPr>
+            <a:endParaRPr sz="1400" dirty="0">
+              <a:solidFill>
+                <a:schemeClr val="dk1"/>
+              </a:solidFill>
+              <a:latin typeface="Century Gothic"/>
+              <a:ea typeface="Century Gothic"/>
+              <a:cs typeface="Century Gothic"/>
+              <a:sym typeface="Century Gothic"/>
+            </a:endParaRPr>
+          </a:p>
+          <a:p>
+            <a:pPr marL="0" lvl="0" indent="0" algn="l" rtl="0">
+              <a:lnSpc>
+                <a:spcPct val="115000"/>
+              </a:lnSpc>
+              <a:spcBef>
+                <a:spcPts val="1000"/>
+              </a:spcBef>
+              <a:spcAft>
+                <a:spcPts val="1000"/>
+              </a:spcAft>
+              <a:buSzPts val="1500"/>
+              <a:buNone/>
+            </a:pPr>
+            <a:r>
+              <a:rPr lang="en" sz="1200" b="1" i="1" dirty="0">
+                <a:solidFill>
+                  <a:schemeClr val="dk1"/>
+                </a:solidFill>
+                <a:latin typeface="Century Gothic"/>
+                <a:ea typeface="Century Gothic"/>
+                <a:cs typeface="Century Gothic"/>
+                <a:sym typeface="Century Gothic"/>
+              </a:rPr>
+              <a:t>Note</a:t>
+            </a:r>
+            <a:r>
+              <a:rPr lang="en" sz="1200" i="1" dirty="0">
+                <a:solidFill>
+                  <a:schemeClr val="dk1"/>
+                </a:solidFill>
+                <a:latin typeface="Century Gothic"/>
+                <a:ea typeface="Century Gothic"/>
+                <a:cs typeface="Century Gothic"/>
+                <a:sym typeface="Century Gothic"/>
+              </a:rPr>
+              <a:t>: You can use more than one slide if needed </a:t>
+            </a:r>
+            <a:endParaRPr sz="1200" i="1" dirty="0">
+              <a:solidFill>
+                <a:schemeClr val="dk1"/>
+              </a:solidFill>
+              <a:latin typeface="Century Gothic"/>
+              <a:ea typeface="Century Gothic"/>
+              <a:cs typeface="Century Gothic"/>
+              <a:sym typeface="Century Gothic"/>
+            </a:endParaRPr>
+          </a:p>
+        </p:txBody>
+      </p:sp>
+    </p:spTree>
+  </p:cSld>
+  <p:clrMapOvr>
+    <a:masterClrMapping/>
+  </p:clrMapOvr>
+</p:sld>
+</file>
+
+<file path=ppt/slides/slide13.xml><?xml version="1.0" encoding="utf-8"?>
+<p:sld xmlns:a="http://schemas.openxmlformats.org/drawingml/2006/main" xmlns:r="http://schemas.openxmlformats.org/officeDocument/2006/relationships" xmlns:p="http://schemas.openxmlformats.org/presentationml/2006/main">
+  <p:cSld>
+    <p:spTree>
+      <p:nvGrpSpPr>
+        <p:cNvPr id="1" name="Shape 174">
+          <a:extLst>
+            <a:ext uri="{FF2B5EF4-FFF2-40B4-BE49-F238E27FC236}">
+              <a16:creationId xmlns:a16="http://schemas.microsoft.com/office/drawing/2014/main" id="{74E24288-D407-BEA9-C3E8-CC3E496CCE7C}"/>
+            </a:ext>
+          </a:extLst>
+        </p:cNvPr>
+        <p:cNvGrpSpPr/>
+        <p:nvPr/>
+      </p:nvGrpSpPr>
+      <p:grpSpPr>
+        <a:xfrm>
+          <a:off x="0" y="0"/>
+          <a:ext cx="0" cy="0"/>
+          <a:chOff x="0" y="0"/>
+          <a:chExt cx="0" cy="0"/>
+        </a:xfrm>
+      </p:grpSpPr>
+      <p:sp>
+        <p:nvSpPr>
+          <p:cNvPr id="175" name="Google Shape;175;p39">
+            <a:extLst>
+              <a:ext uri="{FF2B5EF4-FFF2-40B4-BE49-F238E27FC236}">
+                <a16:creationId xmlns:a16="http://schemas.microsoft.com/office/drawing/2014/main" id="{6C0CADF5-6926-EFB5-030E-46F9B6B9FA6D}"/>
+              </a:ext>
+            </a:extLst>
+          </p:cNvPr>
+          <p:cNvSpPr txBox="1">
+            <a:spLocks noGrp="1"/>
+          </p:cNvSpPr>
+          <p:nvPr>
+            <p:ph type="title"/>
+          </p:nvPr>
+        </p:nvSpPr>
+        <p:spPr>
+          <a:xfrm>
+            <a:off x="202550" y="289279"/>
+            <a:ext cx="8520600" cy="572700"/>
+          </a:xfrm>
+          <a:prstGeom prst="rect">
+            <a:avLst/>
+          </a:prstGeom>
+          <a:noFill/>
+          <a:ln>
+            <a:noFill/>
+          </a:ln>
+        </p:spPr>
+        <p:txBody>
+          <a:bodyPr spcFirstLastPara="1" wrap="square" lIns="91425" tIns="91425" rIns="91425" bIns="91425" anchor="t" anchorCtr="0">
+            <a:noAutofit/>
+          </a:bodyPr>
+          <a:lstStyle/>
+          <a:p>
+            <a:pPr marL="0" lvl="0" indent="0" algn="l" rtl="0">
+              <a:lnSpc>
+                <a:spcPct val="100000"/>
+              </a:lnSpc>
+              <a:spcBef>
+                <a:spcPts val="0"/>
+              </a:spcBef>
+              <a:spcAft>
+                <a:spcPts val="0"/>
+              </a:spcAft>
+              <a:buSzPts val="2200"/>
+              <a:buNone/>
+            </a:pPr>
+            <a:r>
+              <a:rPr lang="en" dirty="0">
+                <a:solidFill>
+                  <a:schemeClr val="lt2"/>
+                </a:solidFill>
+                <a:latin typeface="Century Gothic"/>
+                <a:ea typeface="Century Gothic"/>
+                <a:cs typeface="Century Gothic"/>
+                <a:sym typeface="Century Gothic"/>
+              </a:rPr>
+              <a:t>Zero-Shot Prompt Results</a:t>
+            </a:r>
+            <a:endParaRPr dirty="0">
+              <a:solidFill>
+                <a:schemeClr val="lt2"/>
+              </a:solidFill>
+              <a:latin typeface="Century Gothic"/>
+              <a:ea typeface="Century Gothic"/>
+              <a:cs typeface="Century Gothic"/>
+              <a:sym typeface="Century Gothic"/>
+            </a:endParaRPr>
+          </a:p>
+        </p:txBody>
+      </p:sp>
+      <p:sp>
+        <p:nvSpPr>
+          <p:cNvPr id="176" name="Google Shape;176;p39">
+            <a:extLst>
+              <a:ext uri="{FF2B5EF4-FFF2-40B4-BE49-F238E27FC236}">
+                <a16:creationId xmlns:a16="http://schemas.microsoft.com/office/drawing/2014/main" id="{C2EBD759-08F0-0509-4D87-5CAD1768B15E}"/>
+              </a:ext>
+            </a:extLst>
+          </p:cNvPr>
+          <p:cNvSpPr txBox="1">
+            <a:spLocks noGrp="1"/>
+          </p:cNvSpPr>
+          <p:nvPr>
+            <p:ph type="body" idx="1"/>
+          </p:nvPr>
+        </p:nvSpPr>
+        <p:spPr>
+          <a:xfrm>
+            <a:off x="202550" y="861975"/>
+            <a:ext cx="8629800" cy="3706800"/>
+          </a:xfrm>
+          <a:prstGeom prst="rect">
+            <a:avLst/>
+          </a:prstGeom>
+          <a:noFill/>
+          <a:ln>
+            <a:noFill/>
+          </a:ln>
+        </p:spPr>
+        <p:txBody>
+          <a:bodyPr spcFirstLastPara="1" wrap="square" lIns="91425" tIns="91425" rIns="91425" bIns="91425" anchor="t" anchorCtr="0">
+            <a:noAutofit/>
+          </a:bodyPr>
+          <a:lstStyle/>
+          <a:p>
+            <a:pPr marL="457200" lvl="0" indent="-317500" algn="l" rtl="0">
+              <a:lnSpc>
+                <a:spcPct val="115000"/>
+              </a:lnSpc>
+              <a:spcBef>
+                <a:spcPts val="0"/>
+              </a:spcBef>
+              <a:spcAft>
+                <a:spcPts val="0"/>
+              </a:spcAft>
+              <a:buClr>
+                <a:schemeClr val="dk1"/>
+              </a:buClr>
+              <a:buSzPts val="1400"/>
+              <a:buFont typeface="Century Gothic"/>
+              <a:buChar char="●"/>
+            </a:pPr>
+            <a:r>
+              <a:rPr lang="en" sz="1400" dirty="0">
+                <a:solidFill>
+                  <a:schemeClr val="dk1"/>
+                </a:solidFill>
+                <a:latin typeface="Century Gothic"/>
+                <a:ea typeface="Century Gothic"/>
+                <a:cs typeface="Century Gothic"/>
+                <a:sym typeface="Century Gothic"/>
+              </a:rPr>
+              <a:t>Please add the Prompt</a:t>
+            </a:r>
+            <a:endParaRPr sz="1400" dirty="0">
+              <a:solidFill>
+                <a:schemeClr val="dk1"/>
+              </a:solidFill>
+              <a:latin typeface="Century Gothic"/>
+              <a:ea typeface="Century Gothic"/>
+              <a:cs typeface="Century Gothic"/>
+              <a:sym typeface="Century Gothic"/>
+            </a:endParaRPr>
+          </a:p>
+          <a:p>
+            <a:pPr marL="457200" lvl="0" indent="-317500" algn="l" rtl="0">
+              <a:lnSpc>
+                <a:spcPct val="115000"/>
+              </a:lnSpc>
+              <a:spcBef>
+                <a:spcPts val="1000"/>
+              </a:spcBef>
+              <a:spcAft>
+                <a:spcPts val="0"/>
+              </a:spcAft>
+              <a:buClr>
+                <a:schemeClr val="dk1"/>
+              </a:buClr>
+              <a:buSzPts val="1400"/>
+              <a:buFont typeface="Century Gothic"/>
+              <a:buChar char="●"/>
+            </a:pPr>
+            <a:r>
+              <a:rPr lang="en" sz="1400" dirty="0">
+                <a:solidFill>
+                  <a:schemeClr val="dk1"/>
+                </a:solidFill>
+                <a:latin typeface="Century Gothic"/>
+                <a:ea typeface="Century Gothic"/>
+                <a:cs typeface="Century Gothic"/>
+                <a:sym typeface="Century Gothic"/>
+              </a:rPr>
+              <a:t>Please add the details on the structure of the Prompt</a:t>
+            </a:r>
+            <a:endParaRPr sz="1400" dirty="0">
+              <a:solidFill>
+                <a:schemeClr val="dk1"/>
+              </a:solidFill>
+              <a:latin typeface="Century Gothic"/>
+              <a:ea typeface="Century Gothic"/>
+              <a:cs typeface="Century Gothic"/>
+              <a:sym typeface="Century Gothic"/>
+            </a:endParaRPr>
+          </a:p>
+          <a:p>
+            <a:pPr marL="0" lvl="0" indent="0" algn="l" rtl="0">
+              <a:lnSpc>
+                <a:spcPct val="115000"/>
+              </a:lnSpc>
+              <a:spcBef>
+                <a:spcPts val="1000"/>
+              </a:spcBef>
+              <a:spcAft>
+                <a:spcPts val="0"/>
+              </a:spcAft>
+              <a:buSzPts val="1500"/>
+              <a:buNone/>
+            </a:pPr>
+            <a:endParaRPr sz="1400" dirty="0">
+              <a:solidFill>
+                <a:schemeClr val="dk1"/>
+              </a:solidFill>
+              <a:latin typeface="Century Gothic"/>
+              <a:ea typeface="Century Gothic"/>
+              <a:cs typeface="Century Gothic"/>
+              <a:sym typeface="Century Gothic"/>
+            </a:endParaRPr>
+          </a:p>
+          <a:p>
+            <a:pPr marL="0" lvl="0" indent="0" algn="l" rtl="0">
+              <a:lnSpc>
+                <a:spcPct val="115000"/>
+              </a:lnSpc>
+              <a:spcBef>
+                <a:spcPts val="1000"/>
+              </a:spcBef>
+              <a:spcAft>
+                <a:spcPts val="1000"/>
+              </a:spcAft>
+              <a:buSzPts val="1500"/>
+              <a:buNone/>
+            </a:pPr>
+            <a:r>
+              <a:rPr lang="en" sz="1200" b="1" i="1" dirty="0">
+                <a:solidFill>
+                  <a:schemeClr val="dk1"/>
+                </a:solidFill>
+                <a:latin typeface="Century Gothic"/>
+                <a:ea typeface="Century Gothic"/>
+                <a:cs typeface="Century Gothic"/>
+                <a:sym typeface="Century Gothic"/>
+              </a:rPr>
+              <a:t>Note</a:t>
+            </a:r>
+            <a:r>
+              <a:rPr lang="en" sz="1200" i="1" dirty="0">
+                <a:solidFill>
+                  <a:schemeClr val="dk1"/>
+                </a:solidFill>
+                <a:latin typeface="Century Gothic"/>
+                <a:ea typeface="Century Gothic"/>
+                <a:cs typeface="Century Gothic"/>
+                <a:sym typeface="Century Gothic"/>
+              </a:rPr>
+              <a:t>: You can use more than one slide if needed </a:t>
+            </a:r>
+            <a:endParaRPr sz="1200" i="1" dirty="0">
+              <a:solidFill>
+                <a:schemeClr val="dk1"/>
+              </a:solidFill>
+              <a:latin typeface="Century Gothic"/>
+              <a:ea typeface="Century Gothic"/>
+              <a:cs typeface="Century Gothic"/>
+              <a:sym typeface="Century Gothic"/>
+            </a:endParaRPr>
+          </a:p>
+        </p:txBody>
+      </p:sp>
+    </p:spTree>
+    <p:extLst>
+      <p:ext uri="{BB962C8B-B14F-4D97-AF65-F5344CB8AC3E}">
+        <p14:creationId xmlns:p14="http://schemas.microsoft.com/office/powerpoint/2010/main" val="2401707511"/>
+      </p:ext>
+    </p:extLst>
+  </p:cSld>
+  <p:clrMapOvr>
+    <a:masterClrMapping/>
+  </p:clrMapOvr>
+</p:sld>
+</file>
+
+<file path=ppt/slides/slide14.xml><?xml version="1.0" encoding="utf-8"?>
+<p:sld xmlns:a="http://schemas.openxmlformats.org/drawingml/2006/main" xmlns:r="http://schemas.openxmlformats.org/officeDocument/2006/relationships" xmlns:p="http://schemas.openxmlformats.org/presentationml/2006/main">
+  <p:cSld>
+    <p:spTree>
+      <p:nvGrpSpPr>
+        <p:cNvPr id="1" name="Shape 174">
+          <a:extLst>
+            <a:ext uri="{FF2B5EF4-FFF2-40B4-BE49-F238E27FC236}">
+              <a16:creationId xmlns:a16="http://schemas.microsoft.com/office/drawing/2014/main" id="{5EF139BA-A270-932B-5EF4-E97E8CD415EF}"/>
+            </a:ext>
+          </a:extLst>
+        </p:cNvPr>
+        <p:cNvGrpSpPr/>
+        <p:nvPr/>
+      </p:nvGrpSpPr>
+      <p:grpSpPr>
+        <a:xfrm>
+          <a:off x="0" y="0"/>
+          <a:ext cx="0" cy="0"/>
+          <a:chOff x="0" y="0"/>
+          <a:chExt cx="0" cy="0"/>
+        </a:xfrm>
+      </p:grpSpPr>
+      <p:sp>
+        <p:nvSpPr>
+          <p:cNvPr id="175" name="Google Shape;175;p39">
+            <a:extLst>
+              <a:ext uri="{FF2B5EF4-FFF2-40B4-BE49-F238E27FC236}">
+                <a16:creationId xmlns:a16="http://schemas.microsoft.com/office/drawing/2014/main" id="{B410E53B-3B4E-6EC9-2FCC-1CDBEACE83DE}"/>
+              </a:ext>
+            </a:extLst>
+          </p:cNvPr>
+          <p:cNvSpPr txBox="1">
+            <a:spLocks noGrp="1"/>
+          </p:cNvSpPr>
+          <p:nvPr>
+            <p:ph type="title"/>
+          </p:nvPr>
+        </p:nvSpPr>
+        <p:spPr>
+          <a:xfrm>
+            <a:off x="202550" y="289279"/>
+            <a:ext cx="8520600" cy="572700"/>
+          </a:xfrm>
+          <a:prstGeom prst="rect">
+            <a:avLst/>
+          </a:prstGeom>
+          <a:noFill/>
+          <a:ln>
+            <a:noFill/>
+          </a:ln>
+        </p:spPr>
+        <p:txBody>
+          <a:bodyPr spcFirstLastPara="1" wrap="square" lIns="91425" tIns="91425" rIns="91425" bIns="91425" anchor="t" anchorCtr="0">
+            <a:noAutofit/>
+          </a:bodyPr>
+          <a:lstStyle/>
+          <a:p>
+            <a:pPr marL="0" lvl="0" indent="0" algn="l" rtl="0">
+              <a:lnSpc>
+                <a:spcPct val="100000"/>
+              </a:lnSpc>
+              <a:spcBef>
+                <a:spcPts val="0"/>
+              </a:spcBef>
+              <a:spcAft>
+                <a:spcPts val="0"/>
+              </a:spcAft>
+              <a:buSzPts val="2200"/>
+              <a:buNone/>
+            </a:pPr>
+            <a:r>
+              <a:rPr lang="en" dirty="0">
+                <a:solidFill>
+                  <a:schemeClr val="lt2"/>
+                </a:solidFill>
+                <a:latin typeface="Century Gothic"/>
+                <a:ea typeface="Century Gothic"/>
+                <a:cs typeface="Century Gothic"/>
+                <a:sym typeface="Century Gothic"/>
+              </a:rPr>
+              <a:t>Few-Shot Prompt</a:t>
+            </a:r>
+            <a:endParaRPr dirty="0">
+              <a:solidFill>
+                <a:schemeClr val="lt2"/>
+              </a:solidFill>
+              <a:latin typeface="Century Gothic"/>
+              <a:ea typeface="Century Gothic"/>
+              <a:cs typeface="Century Gothic"/>
+              <a:sym typeface="Century Gothic"/>
+            </a:endParaRPr>
+          </a:p>
+        </p:txBody>
+      </p:sp>
+      <p:sp>
+        <p:nvSpPr>
+          <p:cNvPr id="176" name="Google Shape;176;p39">
+            <a:extLst>
+              <a:ext uri="{FF2B5EF4-FFF2-40B4-BE49-F238E27FC236}">
+                <a16:creationId xmlns:a16="http://schemas.microsoft.com/office/drawing/2014/main" id="{B17897DC-3AEF-0FA4-A970-B89A7B6B41B2}"/>
+              </a:ext>
+            </a:extLst>
+          </p:cNvPr>
+          <p:cNvSpPr txBox="1">
+            <a:spLocks noGrp="1"/>
+          </p:cNvSpPr>
+          <p:nvPr>
+            <p:ph type="body" idx="1"/>
+          </p:nvPr>
+        </p:nvSpPr>
+        <p:spPr>
+          <a:xfrm>
+            <a:off x="202550" y="861975"/>
+            <a:ext cx="8629800" cy="3706800"/>
+          </a:xfrm>
+          <a:prstGeom prst="rect">
+            <a:avLst/>
+          </a:prstGeom>
+          <a:noFill/>
+          <a:ln>
+            <a:noFill/>
+          </a:ln>
+        </p:spPr>
+        <p:txBody>
+          <a:bodyPr spcFirstLastPara="1" wrap="square" lIns="91425" tIns="91425" rIns="91425" bIns="91425" anchor="t" anchorCtr="0">
+            <a:noAutofit/>
+          </a:bodyPr>
+          <a:lstStyle/>
+          <a:p>
+            <a:pPr marL="457200" lvl="0" indent="-317500" algn="l" rtl="0">
+              <a:lnSpc>
+                <a:spcPct val="115000"/>
+              </a:lnSpc>
+              <a:spcBef>
+                <a:spcPts val="0"/>
+              </a:spcBef>
+              <a:spcAft>
+                <a:spcPts val="0"/>
+              </a:spcAft>
+              <a:buClr>
+                <a:schemeClr val="dk1"/>
+              </a:buClr>
+              <a:buSzPts val="1400"/>
+              <a:buFont typeface="Century Gothic"/>
+              <a:buChar char="●"/>
+            </a:pPr>
+            <a:r>
+              <a:rPr lang="en" sz="1400" dirty="0">
+                <a:solidFill>
+                  <a:schemeClr val="dk1"/>
+                </a:solidFill>
+                <a:latin typeface="Century Gothic"/>
+                <a:ea typeface="Century Gothic"/>
+                <a:cs typeface="Century Gothic"/>
+                <a:sym typeface="Century Gothic"/>
+              </a:rPr>
+              <a:t>Please add the Prompt</a:t>
+            </a:r>
+            <a:endParaRPr sz="1400" dirty="0">
+              <a:solidFill>
+                <a:schemeClr val="dk1"/>
+              </a:solidFill>
+              <a:latin typeface="Century Gothic"/>
+              <a:ea typeface="Century Gothic"/>
+              <a:cs typeface="Century Gothic"/>
+              <a:sym typeface="Century Gothic"/>
+            </a:endParaRPr>
+          </a:p>
+          <a:p>
+            <a:pPr marL="457200" lvl="0" indent="-317500" algn="l" rtl="0">
+              <a:lnSpc>
+                <a:spcPct val="115000"/>
+              </a:lnSpc>
+              <a:spcBef>
+                <a:spcPts val="1000"/>
+              </a:spcBef>
+              <a:spcAft>
+                <a:spcPts val="0"/>
+              </a:spcAft>
+              <a:buClr>
+                <a:schemeClr val="dk1"/>
+              </a:buClr>
+              <a:buSzPts val="1400"/>
+              <a:buFont typeface="Century Gothic"/>
+              <a:buChar char="●"/>
+            </a:pPr>
+            <a:r>
+              <a:rPr lang="en" sz="1400" dirty="0">
+                <a:solidFill>
+                  <a:schemeClr val="dk1"/>
+                </a:solidFill>
+                <a:latin typeface="Century Gothic"/>
+                <a:ea typeface="Century Gothic"/>
+                <a:cs typeface="Century Gothic"/>
+                <a:sym typeface="Century Gothic"/>
+              </a:rPr>
+              <a:t>Please add the details on the structure of the Prompt</a:t>
+            </a:r>
+            <a:endParaRPr sz="1400" dirty="0">
+              <a:solidFill>
+                <a:schemeClr val="dk1"/>
+              </a:solidFill>
+              <a:latin typeface="Century Gothic"/>
+              <a:ea typeface="Century Gothic"/>
+              <a:cs typeface="Century Gothic"/>
+              <a:sym typeface="Century Gothic"/>
+            </a:endParaRPr>
+          </a:p>
+          <a:p>
+            <a:pPr marL="0" lvl="0" indent="0" algn="l" rtl="0">
+              <a:lnSpc>
+                <a:spcPct val="115000"/>
+              </a:lnSpc>
+              <a:spcBef>
+                <a:spcPts val="1000"/>
+              </a:spcBef>
+              <a:spcAft>
+                <a:spcPts val="0"/>
+              </a:spcAft>
+              <a:buSzPts val="1500"/>
+              <a:buNone/>
+            </a:pPr>
+            <a:endParaRPr sz="1400" dirty="0">
+              <a:solidFill>
+                <a:schemeClr val="dk1"/>
+              </a:solidFill>
+              <a:latin typeface="Century Gothic"/>
+              <a:ea typeface="Century Gothic"/>
+              <a:cs typeface="Century Gothic"/>
+              <a:sym typeface="Century Gothic"/>
+            </a:endParaRPr>
+          </a:p>
+          <a:p>
+            <a:pPr marL="0" lvl="0" indent="0" algn="l" rtl="0">
+              <a:lnSpc>
+                <a:spcPct val="115000"/>
+              </a:lnSpc>
+              <a:spcBef>
+                <a:spcPts val="1000"/>
+              </a:spcBef>
+              <a:spcAft>
+                <a:spcPts val="1000"/>
+              </a:spcAft>
+              <a:buSzPts val="1500"/>
+              <a:buNone/>
+            </a:pPr>
+            <a:r>
+              <a:rPr lang="en" sz="1200" b="1" i="1" dirty="0">
+                <a:solidFill>
+                  <a:schemeClr val="dk1"/>
+                </a:solidFill>
+                <a:latin typeface="Century Gothic"/>
+                <a:ea typeface="Century Gothic"/>
+                <a:cs typeface="Century Gothic"/>
+                <a:sym typeface="Century Gothic"/>
+              </a:rPr>
+              <a:t>Note</a:t>
+            </a:r>
+            <a:r>
+              <a:rPr lang="en" sz="1200" i="1" dirty="0">
+                <a:solidFill>
+                  <a:schemeClr val="dk1"/>
+                </a:solidFill>
+                <a:latin typeface="Century Gothic"/>
+                <a:ea typeface="Century Gothic"/>
+                <a:cs typeface="Century Gothic"/>
+                <a:sym typeface="Century Gothic"/>
+              </a:rPr>
+              <a:t>: You can use more than one slide if needed </a:t>
+            </a:r>
+            <a:endParaRPr sz="1200" i="1" dirty="0">
+              <a:solidFill>
+                <a:schemeClr val="dk1"/>
+              </a:solidFill>
+              <a:latin typeface="Century Gothic"/>
+              <a:ea typeface="Century Gothic"/>
+              <a:cs typeface="Century Gothic"/>
+              <a:sym typeface="Century Gothic"/>
+            </a:endParaRPr>
+          </a:p>
+        </p:txBody>
+      </p:sp>
+    </p:spTree>
+    <p:extLst>
+      <p:ext uri="{BB962C8B-B14F-4D97-AF65-F5344CB8AC3E}">
+        <p14:creationId xmlns:p14="http://schemas.microsoft.com/office/powerpoint/2010/main" val="269933833"/>
+      </p:ext>
+    </p:extLst>
+  </p:cSld>
+  <p:clrMapOvr>
+    <a:masterClrMapping/>
+  </p:clrMapOvr>
+</p:sld>
+</file>
+
+<file path=ppt/slides/slide15.xml><?xml version="1.0" encoding="utf-8"?>
+<p:sld xmlns:a="http://schemas.openxmlformats.org/drawingml/2006/main" xmlns:r="http://schemas.openxmlformats.org/officeDocument/2006/relationships" xmlns:p="http://schemas.openxmlformats.org/presentationml/2006/main">
+  <p:cSld>
+    <p:spTree>
+      <p:nvGrpSpPr>
         <p:cNvPr id="1" name="Shape 174">
           <a:extLst>
             <a:ext uri="{FF2B5EF4-FFF2-40B4-BE49-F238E27FC236}">
@@ -25629,7 +27526,7 @@
 </p:sld>
 </file>
 
-<file path=ppt/slides/slide11.xml><?xml version="1.0" encoding="utf-8"?>
+<file path=ppt/slides/slide16.xml><?xml version="1.0" encoding="utf-8"?>
 <p:sld xmlns:a="http://schemas.openxmlformats.org/drawingml/2006/main" xmlns:r="http://schemas.openxmlformats.org/officeDocument/2006/relationships" xmlns:p="http://schemas.openxmlformats.org/presentationml/2006/main">
   <p:cSld>
     <p:spTree>
@@ -25925,7 +27822,7 @@
 </p:sld>
 </file>
 
-<file path=ppt/slides/slide12.xml><?xml version="1.0" encoding="utf-8"?>
+<file path=ppt/slides/slide17.xml><?xml version="1.0" encoding="utf-8"?>
 <p:sld xmlns:a="http://schemas.openxmlformats.org/drawingml/2006/main" xmlns:r="http://schemas.openxmlformats.org/officeDocument/2006/relationships" xmlns:p="http://schemas.openxmlformats.org/presentationml/2006/main">
   <p:cSld>
     <p:spTree>
@@ -26221,7 +28118,7 @@
 </p:sld>
 </file>
 
-<file path=ppt/slides/slide13.xml><?xml version="1.0" encoding="utf-8"?>
+<file path=ppt/slides/slide18.xml><?xml version="1.0" encoding="utf-8"?>
 <p:sld xmlns:a="http://schemas.openxmlformats.org/drawingml/2006/main" xmlns:r="http://schemas.openxmlformats.org/officeDocument/2006/relationships" xmlns:p="http://schemas.openxmlformats.org/presentationml/2006/main">
   <p:cSld>
     <p:spTree>
@@ -26517,7 +28414,7 @@
 </p:sld>
 </file>
 
-<file path=ppt/slides/slide14.xml><?xml version="1.0" encoding="utf-8"?>
+<file path=ppt/slides/slide19.xml><?xml version="1.0" encoding="utf-8"?>
 <p:sld xmlns:a="http://schemas.openxmlformats.org/drawingml/2006/main" xmlns:r="http://schemas.openxmlformats.org/officeDocument/2006/relationships" xmlns:p="http://schemas.openxmlformats.org/presentationml/2006/main">
   <p:cSld>
     <p:spTree>
@@ -26813,7 +28710,368 @@
 </p:sld>
 </file>
 
-<file path=ppt/slides/slide15.xml><?xml version="1.0" encoding="utf-8"?>
+<file path=ppt/slides/slide2.xml><?xml version="1.0" encoding="utf-8"?>
+<p:sld xmlns:a="http://schemas.openxmlformats.org/drawingml/2006/main" xmlns:r="http://schemas.openxmlformats.org/officeDocument/2006/relationships" xmlns:p="http://schemas.openxmlformats.org/presentationml/2006/main">
+  <p:cSld>
+    <p:spTree>
+      <p:nvGrpSpPr>
+        <p:cNvPr id="1" name="Shape 156"/>
+        <p:cNvGrpSpPr/>
+        <p:nvPr/>
+      </p:nvGrpSpPr>
+      <p:grpSpPr>
+        <a:xfrm>
+          <a:off x="0" y="0"/>
+          <a:ext cx="0" cy="0"/>
+          <a:chOff x="0" y="0"/>
+          <a:chExt cx="0" cy="0"/>
+        </a:xfrm>
+      </p:grpSpPr>
+      <p:sp>
+        <p:nvSpPr>
+          <p:cNvPr id="157" name="Google Shape;157;p36"/>
+          <p:cNvSpPr txBox="1">
+            <a:spLocks noGrp="1"/>
+          </p:cNvSpPr>
+          <p:nvPr>
+            <p:ph type="title"/>
+          </p:nvPr>
+        </p:nvSpPr>
+        <p:spPr>
+          <a:xfrm>
+            <a:off x="202550" y="289279"/>
+            <a:ext cx="8520600" cy="572700"/>
+          </a:xfrm>
+          <a:prstGeom prst="rect">
+            <a:avLst/>
+          </a:prstGeom>
+          <a:noFill/>
+          <a:ln>
+            <a:noFill/>
+          </a:ln>
+        </p:spPr>
+        <p:txBody>
+          <a:bodyPr spcFirstLastPara="1" wrap="square" lIns="91425" tIns="91425" rIns="91425" bIns="91425" anchor="t" anchorCtr="0">
+            <a:noAutofit/>
+          </a:bodyPr>
+          <a:lstStyle/>
+          <a:p>
+            <a:pPr marL="0" lvl="0" indent="0" algn="l" rtl="0">
+              <a:lnSpc>
+                <a:spcPct val="100000"/>
+              </a:lnSpc>
+              <a:spcBef>
+                <a:spcPts val="0"/>
+              </a:spcBef>
+              <a:spcAft>
+                <a:spcPts val="0"/>
+              </a:spcAft>
+              <a:buSzPts val="2200"/>
+              <a:buNone/>
+            </a:pPr>
+            <a:r>
+              <a:rPr lang="en">
+                <a:solidFill>
+                  <a:schemeClr val="lt2"/>
+                </a:solidFill>
+                <a:latin typeface="Century Gothic"/>
+                <a:ea typeface="Century Gothic"/>
+                <a:cs typeface="Century Gothic"/>
+                <a:sym typeface="Century Gothic"/>
+              </a:rPr>
+              <a:t>Contents / Agenda</a:t>
+            </a:r>
+            <a:endParaRPr>
+              <a:solidFill>
+                <a:schemeClr val="lt2"/>
+              </a:solidFill>
+              <a:latin typeface="Century Gothic"/>
+              <a:ea typeface="Century Gothic"/>
+              <a:cs typeface="Century Gothic"/>
+              <a:sym typeface="Century Gothic"/>
+            </a:endParaRPr>
+          </a:p>
+        </p:txBody>
+      </p:sp>
+      <p:sp>
+        <p:nvSpPr>
+          <p:cNvPr id="158" name="Google Shape;158;p36"/>
+          <p:cNvSpPr txBox="1">
+            <a:spLocks noGrp="1"/>
+          </p:cNvSpPr>
+          <p:nvPr>
+            <p:ph type="body" idx="1"/>
+          </p:nvPr>
+        </p:nvSpPr>
+        <p:spPr>
+          <a:xfrm>
+            <a:off x="202550" y="861975"/>
+            <a:ext cx="8629800" cy="3706800"/>
+          </a:xfrm>
+          <a:prstGeom prst="rect">
+            <a:avLst/>
+          </a:prstGeom>
+          <a:noFill/>
+          <a:ln>
+            <a:noFill/>
+          </a:ln>
+        </p:spPr>
+        <p:txBody>
+          <a:bodyPr spcFirstLastPara="1" wrap="square" lIns="91425" tIns="91425" rIns="91425" bIns="91425" anchor="t" anchorCtr="0">
+            <a:noAutofit/>
+          </a:bodyPr>
+          <a:lstStyle/>
+          <a:p>
+            <a:pPr marL="457200" lvl="0" indent="-317500" algn="l" rtl="0">
+              <a:lnSpc>
+                <a:spcPct val="115000"/>
+              </a:lnSpc>
+              <a:spcBef>
+                <a:spcPts val="1000"/>
+              </a:spcBef>
+              <a:spcAft>
+                <a:spcPts val="0"/>
+              </a:spcAft>
+              <a:buClr>
+                <a:schemeClr val="dk1"/>
+              </a:buClr>
+              <a:buSzPts val="1400"/>
+              <a:buFont typeface="Century Gothic"/>
+              <a:buChar char="●"/>
+            </a:pPr>
+            <a:r>
+              <a:rPr lang="en" sz="1400">
+                <a:solidFill>
+                  <a:schemeClr val="dk1"/>
+                </a:solidFill>
+                <a:latin typeface="Century Gothic"/>
+                <a:ea typeface="Century Gothic"/>
+                <a:cs typeface="Century Gothic"/>
+                <a:sym typeface="Century Gothic"/>
+              </a:rPr>
+              <a:t>Business Context, Problem Overview and Solution Approach</a:t>
+            </a:r>
+            <a:endParaRPr sz="1400">
+              <a:solidFill>
+                <a:schemeClr val="dk1"/>
+              </a:solidFill>
+              <a:latin typeface="Century Gothic"/>
+              <a:ea typeface="Century Gothic"/>
+              <a:cs typeface="Century Gothic"/>
+              <a:sym typeface="Century Gothic"/>
+            </a:endParaRPr>
+          </a:p>
+          <a:p>
+            <a:pPr marL="457200" lvl="0" indent="-317500" algn="l" rtl="0">
+              <a:lnSpc>
+                <a:spcPct val="115000"/>
+              </a:lnSpc>
+              <a:spcBef>
+                <a:spcPts val="1000"/>
+              </a:spcBef>
+              <a:spcAft>
+                <a:spcPts val="0"/>
+              </a:spcAft>
+              <a:buClr>
+                <a:schemeClr val="dk1"/>
+              </a:buClr>
+              <a:buSzPts val="1400"/>
+              <a:buFont typeface="Century Gothic"/>
+              <a:buChar char="●"/>
+            </a:pPr>
+            <a:r>
+              <a:rPr lang="en" sz="1400">
+                <a:solidFill>
+                  <a:schemeClr val="dk1"/>
+                </a:solidFill>
+                <a:latin typeface="Century Gothic"/>
+                <a:ea typeface="Century Gothic"/>
+                <a:cs typeface="Century Gothic"/>
+                <a:sym typeface="Century Gothic"/>
+              </a:rPr>
+              <a:t>Exploring Different Prompting Techniques</a:t>
+            </a:r>
+            <a:endParaRPr sz="1400">
+              <a:solidFill>
+                <a:schemeClr val="dk1"/>
+              </a:solidFill>
+              <a:latin typeface="Century Gothic"/>
+              <a:ea typeface="Century Gothic"/>
+              <a:cs typeface="Century Gothic"/>
+              <a:sym typeface="Century Gothic"/>
+            </a:endParaRPr>
+          </a:p>
+          <a:p>
+            <a:pPr marL="457200" lvl="0" indent="-317500" algn="l" rtl="0">
+              <a:lnSpc>
+                <a:spcPct val="115000"/>
+              </a:lnSpc>
+              <a:spcBef>
+                <a:spcPts val="1000"/>
+              </a:spcBef>
+              <a:spcAft>
+                <a:spcPts val="0"/>
+              </a:spcAft>
+              <a:buClr>
+                <a:schemeClr val="dk1"/>
+              </a:buClr>
+              <a:buSzPts val="1400"/>
+              <a:buFont typeface="Century Gothic"/>
+              <a:buChar char="●"/>
+            </a:pPr>
+            <a:r>
+              <a:rPr lang="en" sz="1400">
+                <a:solidFill>
+                  <a:schemeClr val="dk1"/>
+                </a:solidFill>
+                <a:latin typeface="Century Gothic"/>
+                <a:ea typeface="Century Gothic"/>
+                <a:cs typeface="Century Gothic"/>
+                <a:sym typeface="Century Gothic"/>
+              </a:rPr>
+              <a:t>Prompts and the structure of the Prompts</a:t>
+            </a:r>
+            <a:endParaRPr sz="1400">
+              <a:solidFill>
+                <a:schemeClr val="dk1"/>
+              </a:solidFill>
+              <a:latin typeface="Century Gothic"/>
+              <a:ea typeface="Century Gothic"/>
+              <a:cs typeface="Century Gothic"/>
+              <a:sym typeface="Century Gothic"/>
+            </a:endParaRPr>
+          </a:p>
+          <a:p>
+            <a:pPr marL="457200" lvl="0" indent="-317500" algn="l" rtl="0">
+              <a:lnSpc>
+                <a:spcPct val="115000"/>
+              </a:lnSpc>
+              <a:spcBef>
+                <a:spcPts val="1000"/>
+              </a:spcBef>
+              <a:spcAft>
+                <a:spcPts val="0"/>
+              </a:spcAft>
+              <a:buClr>
+                <a:schemeClr val="dk1"/>
+              </a:buClr>
+              <a:buSzPts val="1400"/>
+              <a:buFont typeface="Century Gothic"/>
+              <a:buChar char="●"/>
+            </a:pPr>
+            <a:r>
+              <a:rPr lang="en" sz="1400">
+                <a:solidFill>
+                  <a:schemeClr val="dk1"/>
+                </a:solidFill>
+                <a:latin typeface="Century Gothic"/>
+                <a:ea typeface="Century Gothic"/>
+                <a:cs typeface="Century Gothic"/>
+                <a:sym typeface="Century Gothic"/>
+              </a:rPr>
+              <a:t>Output from the Prompts</a:t>
+            </a:r>
+            <a:endParaRPr sz="1400">
+              <a:solidFill>
+                <a:schemeClr val="dk1"/>
+              </a:solidFill>
+              <a:latin typeface="Century Gothic"/>
+              <a:ea typeface="Century Gothic"/>
+              <a:cs typeface="Century Gothic"/>
+              <a:sym typeface="Century Gothic"/>
+            </a:endParaRPr>
+          </a:p>
+          <a:p>
+            <a:pPr marL="457200" lvl="0" indent="-317500" algn="l" rtl="0">
+              <a:lnSpc>
+                <a:spcPct val="115000"/>
+              </a:lnSpc>
+              <a:spcBef>
+                <a:spcPts val="1000"/>
+              </a:spcBef>
+              <a:spcAft>
+                <a:spcPts val="0"/>
+              </a:spcAft>
+              <a:buClr>
+                <a:schemeClr val="dk1"/>
+              </a:buClr>
+              <a:buSzPts val="1400"/>
+              <a:buFont typeface="Century Gothic"/>
+              <a:buChar char="●"/>
+            </a:pPr>
+            <a:r>
+              <a:rPr lang="en" sz="1400">
+                <a:solidFill>
+                  <a:schemeClr val="dk1"/>
+                </a:solidFill>
+                <a:latin typeface="Century Gothic"/>
+                <a:ea typeface="Century Gothic"/>
+                <a:cs typeface="Century Gothic"/>
+                <a:sym typeface="Century Gothic"/>
+              </a:rPr>
+              <a:t>Observations/Insights and conclusions</a:t>
+            </a:r>
+            <a:endParaRPr sz="1400">
+              <a:solidFill>
+                <a:schemeClr val="dk1"/>
+              </a:solidFill>
+              <a:latin typeface="Century Gothic"/>
+              <a:ea typeface="Century Gothic"/>
+              <a:cs typeface="Century Gothic"/>
+              <a:sym typeface="Century Gothic"/>
+            </a:endParaRPr>
+          </a:p>
+          <a:p>
+            <a:pPr marL="457200" lvl="0" indent="-317500" algn="l" rtl="0">
+              <a:lnSpc>
+                <a:spcPct val="115000"/>
+              </a:lnSpc>
+              <a:spcBef>
+                <a:spcPts val="1000"/>
+              </a:spcBef>
+              <a:spcAft>
+                <a:spcPts val="1000"/>
+              </a:spcAft>
+              <a:buClr>
+                <a:schemeClr val="dk1"/>
+              </a:buClr>
+              <a:buSzPts val="1400"/>
+              <a:buFont typeface="Century Gothic"/>
+              <a:buChar char="●"/>
+            </a:pPr>
+            <a:r>
+              <a:rPr lang="en" sz="1400">
+                <a:solidFill>
+                  <a:schemeClr val="dk1"/>
+                </a:solidFill>
+                <a:latin typeface="Century Gothic"/>
+                <a:ea typeface="Century Gothic"/>
+                <a:cs typeface="Century Gothic"/>
+                <a:sym typeface="Century Gothic"/>
+              </a:rPr>
+              <a:t>Appendix</a:t>
+            </a:r>
+            <a:endParaRPr sz="1400">
+              <a:solidFill>
+                <a:schemeClr val="dk1"/>
+              </a:solidFill>
+              <a:latin typeface="Century Gothic"/>
+              <a:ea typeface="Century Gothic"/>
+              <a:cs typeface="Century Gothic"/>
+              <a:sym typeface="Century Gothic"/>
+            </a:endParaRPr>
+          </a:p>
+        </p:txBody>
+      </p:sp>
+    </p:spTree>
+  </p:cSld>
+  <p:clrMapOvr>
+    <a:masterClrMapping/>
+  </p:clrMapOvr>
+</p:sld>
+</file>
+
+<file path=ppt/slides/slide20.xml><?xml version="1.0" encoding="utf-8"?>
 <p:sld xmlns:a="http://schemas.openxmlformats.org/drawingml/2006/main" xmlns:r="http://schemas.openxmlformats.org/officeDocument/2006/relationships" xmlns:p="http://schemas.openxmlformats.org/presentationml/2006/main">
   <p:cSld>
     <p:spTree>
@@ -27188,7 +29446,7 @@
 </p:sld>
 </file>
 
-<file path=ppt/slides/slide16.xml><?xml version="1.0" encoding="utf-8"?>
+<file path=ppt/slides/slide21.xml><?xml version="1.0" encoding="utf-8"?>
 <p:sld xmlns:a="http://schemas.openxmlformats.org/drawingml/2006/main" xmlns:r="http://schemas.openxmlformats.org/officeDocument/2006/relationships" xmlns:p="http://schemas.openxmlformats.org/presentationml/2006/main">
   <p:cSld>
     <p:spTree>
@@ -27592,7 +29850,7 @@
 </p:sld>
 </file>
 
-<file path=ppt/slides/slide17.xml><?xml version="1.0" encoding="utf-8"?>
+<file path=ppt/slides/slide22.xml><?xml version="1.0" encoding="utf-8"?>
 <p:sld xmlns:a="http://schemas.openxmlformats.org/drawingml/2006/main" xmlns:r="http://schemas.openxmlformats.org/officeDocument/2006/relationships" xmlns:p="http://schemas.openxmlformats.org/presentationml/2006/main">
   <p:cSld>
     <p:spTree>
@@ -27996,7 +30254,7 @@
 </p:sld>
 </file>
 
-<file path=ppt/slides/slide18.xml><?xml version="1.0" encoding="utf-8"?>
+<file path=ppt/slides/slide23.xml><?xml version="1.0" encoding="utf-8"?>
 <p:sld xmlns:a="http://schemas.openxmlformats.org/drawingml/2006/main" xmlns:r="http://schemas.openxmlformats.org/officeDocument/2006/relationships" xmlns:p="http://schemas.openxmlformats.org/presentationml/2006/main">
   <p:cSld>
     <p:spTree>
@@ -28400,7 +30658,7 @@
 </p:sld>
 </file>
 
-<file path=ppt/slides/slide19.xml><?xml version="1.0" encoding="utf-8"?>
+<file path=ppt/slides/slide24.xml><?xml version="1.0" encoding="utf-8"?>
 <p:sld xmlns:a="http://schemas.openxmlformats.org/drawingml/2006/main" xmlns:r="http://schemas.openxmlformats.org/officeDocument/2006/relationships" xmlns:p="http://schemas.openxmlformats.org/presentationml/2006/main">
   <p:cSld>
     <p:spTree>
@@ -28751,368 +31009,7 @@
 </p:sld>
 </file>
 
-<file path=ppt/slides/slide2.xml><?xml version="1.0" encoding="utf-8"?>
-<p:sld xmlns:a="http://schemas.openxmlformats.org/drawingml/2006/main" xmlns:r="http://schemas.openxmlformats.org/officeDocument/2006/relationships" xmlns:p="http://schemas.openxmlformats.org/presentationml/2006/main">
-  <p:cSld>
-    <p:spTree>
-      <p:nvGrpSpPr>
-        <p:cNvPr id="1" name="Shape 156"/>
-        <p:cNvGrpSpPr/>
-        <p:nvPr/>
-      </p:nvGrpSpPr>
-      <p:grpSpPr>
-        <a:xfrm>
-          <a:off x="0" y="0"/>
-          <a:ext cx="0" cy="0"/>
-          <a:chOff x="0" y="0"/>
-          <a:chExt cx="0" cy="0"/>
-        </a:xfrm>
-      </p:grpSpPr>
-      <p:sp>
-        <p:nvSpPr>
-          <p:cNvPr id="157" name="Google Shape;157;p36"/>
-          <p:cNvSpPr txBox="1">
-            <a:spLocks noGrp="1"/>
-          </p:cNvSpPr>
-          <p:nvPr>
-            <p:ph type="title"/>
-          </p:nvPr>
-        </p:nvSpPr>
-        <p:spPr>
-          <a:xfrm>
-            <a:off x="202550" y="289279"/>
-            <a:ext cx="8520600" cy="572700"/>
-          </a:xfrm>
-          <a:prstGeom prst="rect">
-            <a:avLst/>
-          </a:prstGeom>
-          <a:noFill/>
-          <a:ln>
-            <a:noFill/>
-          </a:ln>
-        </p:spPr>
-        <p:txBody>
-          <a:bodyPr spcFirstLastPara="1" wrap="square" lIns="91425" tIns="91425" rIns="91425" bIns="91425" anchor="t" anchorCtr="0">
-            <a:noAutofit/>
-          </a:bodyPr>
-          <a:lstStyle/>
-          <a:p>
-            <a:pPr marL="0" lvl="0" indent="0" algn="l" rtl="0">
-              <a:lnSpc>
-                <a:spcPct val="100000"/>
-              </a:lnSpc>
-              <a:spcBef>
-                <a:spcPts val="0"/>
-              </a:spcBef>
-              <a:spcAft>
-                <a:spcPts val="0"/>
-              </a:spcAft>
-              <a:buSzPts val="2200"/>
-              <a:buNone/>
-            </a:pPr>
-            <a:r>
-              <a:rPr lang="en">
-                <a:solidFill>
-                  <a:schemeClr val="lt2"/>
-                </a:solidFill>
-                <a:latin typeface="Century Gothic"/>
-                <a:ea typeface="Century Gothic"/>
-                <a:cs typeface="Century Gothic"/>
-                <a:sym typeface="Century Gothic"/>
-              </a:rPr>
-              <a:t>Contents / Agenda</a:t>
-            </a:r>
-            <a:endParaRPr>
-              <a:solidFill>
-                <a:schemeClr val="lt2"/>
-              </a:solidFill>
-              <a:latin typeface="Century Gothic"/>
-              <a:ea typeface="Century Gothic"/>
-              <a:cs typeface="Century Gothic"/>
-              <a:sym typeface="Century Gothic"/>
-            </a:endParaRPr>
-          </a:p>
-        </p:txBody>
-      </p:sp>
-      <p:sp>
-        <p:nvSpPr>
-          <p:cNvPr id="158" name="Google Shape;158;p36"/>
-          <p:cNvSpPr txBox="1">
-            <a:spLocks noGrp="1"/>
-          </p:cNvSpPr>
-          <p:nvPr>
-            <p:ph type="body" idx="1"/>
-          </p:nvPr>
-        </p:nvSpPr>
-        <p:spPr>
-          <a:xfrm>
-            <a:off x="202550" y="861975"/>
-            <a:ext cx="8629800" cy="3706800"/>
-          </a:xfrm>
-          <a:prstGeom prst="rect">
-            <a:avLst/>
-          </a:prstGeom>
-          <a:noFill/>
-          <a:ln>
-            <a:noFill/>
-          </a:ln>
-        </p:spPr>
-        <p:txBody>
-          <a:bodyPr spcFirstLastPara="1" wrap="square" lIns="91425" tIns="91425" rIns="91425" bIns="91425" anchor="t" anchorCtr="0">
-            <a:noAutofit/>
-          </a:bodyPr>
-          <a:lstStyle/>
-          <a:p>
-            <a:pPr marL="457200" lvl="0" indent="-317500" algn="l" rtl="0">
-              <a:lnSpc>
-                <a:spcPct val="115000"/>
-              </a:lnSpc>
-              <a:spcBef>
-                <a:spcPts val="1000"/>
-              </a:spcBef>
-              <a:spcAft>
-                <a:spcPts val="0"/>
-              </a:spcAft>
-              <a:buClr>
-                <a:schemeClr val="dk1"/>
-              </a:buClr>
-              <a:buSzPts val="1400"/>
-              <a:buFont typeface="Century Gothic"/>
-              <a:buChar char="●"/>
-            </a:pPr>
-            <a:r>
-              <a:rPr lang="en" sz="1400">
-                <a:solidFill>
-                  <a:schemeClr val="dk1"/>
-                </a:solidFill>
-                <a:latin typeface="Century Gothic"/>
-                <a:ea typeface="Century Gothic"/>
-                <a:cs typeface="Century Gothic"/>
-                <a:sym typeface="Century Gothic"/>
-              </a:rPr>
-              <a:t>Business Context, Problem Overview and Solution Approach</a:t>
-            </a:r>
-            <a:endParaRPr sz="1400">
-              <a:solidFill>
-                <a:schemeClr val="dk1"/>
-              </a:solidFill>
-              <a:latin typeface="Century Gothic"/>
-              <a:ea typeface="Century Gothic"/>
-              <a:cs typeface="Century Gothic"/>
-              <a:sym typeface="Century Gothic"/>
-            </a:endParaRPr>
-          </a:p>
-          <a:p>
-            <a:pPr marL="457200" lvl="0" indent="-317500" algn="l" rtl="0">
-              <a:lnSpc>
-                <a:spcPct val="115000"/>
-              </a:lnSpc>
-              <a:spcBef>
-                <a:spcPts val="1000"/>
-              </a:spcBef>
-              <a:spcAft>
-                <a:spcPts val="0"/>
-              </a:spcAft>
-              <a:buClr>
-                <a:schemeClr val="dk1"/>
-              </a:buClr>
-              <a:buSzPts val="1400"/>
-              <a:buFont typeface="Century Gothic"/>
-              <a:buChar char="●"/>
-            </a:pPr>
-            <a:r>
-              <a:rPr lang="en" sz="1400">
-                <a:solidFill>
-                  <a:schemeClr val="dk1"/>
-                </a:solidFill>
-                <a:latin typeface="Century Gothic"/>
-                <a:ea typeface="Century Gothic"/>
-                <a:cs typeface="Century Gothic"/>
-                <a:sym typeface="Century Gothic"/>
-              </a:rPr>
-              <a:t>Exploring Different Prompting Techniques</a:t>
-            </a:r>
-            <a:endParaRPr sz="1400">
-              <a:solidFill>
-                <a:schemeClr val="dk1"/>
-              </a:solidFill>
-              <a:latin typeface="Century Gothic"/>
-              <a:ea typeface="Century Gothic"/>
-              <a:cs typeface="Century Gothic"/>
-              <a:sym typeface="Century Gothic"/>
-            </a:endParaRPr>
-          </a:p>
-          <a:p>
-            <a:pPr marL="457200" lvl="0" indent="-317500" algn="l" rtl="0">
-              <a:lnSpc>
-                <a:spcPct val="115000"/>
-              </a:lnSpc>
-              <a:spcBef>
-                <a:spcPts val="1000"/>
-              </a:spcBef>
-              <a:spcAft>
-                <a:spcPts val="0"/>
-              </a:spcAft>
-              <a:buClr>
-                <a:schemeClr val="dk1"/>
-              </a:buClr>
-              <a:buSzPts val="1400"/>
-              <a:buFont typeface="Century Gothic"/>
-              <a:buChar char="●"/>
-            </a:pPr>
-            <a:r>
-              <a:rPr lang="en" sz="1400">
-                <a:solidFill>
-                  <a:schemeClr val="dk1"/>
-                </a:solidFill>
-                <a:latin typeface="Century Gothic"/>
-                <a:ea typeface="Century Gothic"/>
-                <a:cs typeface="Century Gothic"/>
-                <a:sym typeface="Century Gothic"/>
-              </a:rPr>
-              <a:t>Prompts and the structure of the Prompts</a:t>
-            </a:r>
-            <a:endParaRPr sz="1400">
-              <a:solidFill>
-                <a:schemeClr val="dk1"/>
-              </a:solidFill>
-              <a:latin typeface="Century Gothic"/>
-              <a:ea typeface="Century Gothic"/>
-              <a:cs typeface="Century Gothic"/>
-              <a:sym typeface="Century Gothic"/>
-            </a:endParaRPr>
-          </a:p>
-          <a:p>
-            <a:pPr marL="457200" lvl="0" indent="-317500" algn="l" rtl="0">
-              <a:lnSpc>
-                <a:spcPct val="115000"/>
-              </a:lnSpc>
-              <a:spcBef>
-                <a:spcPts val="1000"/>
-              </a:spcBef>
-              <a:spcAft>
-                <a:spcPts val="0"/>
-              </a:spcAft>
-              <a:buClr>
-                <a:schemeClr val="dk1"/>
-              </a:buClr>
-              <a:buSzPts val="1400"/>
-              <a:buFont typeface="Century Gothic"/>
-              <a:buChar char="●"/>
-            </a:pPr>
-            <a:r>
-              <a:rPr lang="en" sz="1400">
-                <a:solidFill>
-                  <a:schemeClr val="dk1"/>
-                </a:solidFill>
-                <a:latin typeface="Century Gothic"/>
-                <a:ea typeface="Century Gothic"/>
-                <a:cs typeface="Century Gothic"/>
-                <a:sym typeface="Century Gothic"/>
-              </a:rPr>
-              <a:t>Output from the Prompts</a:t>
-            </a:r>
-            <a:endParaRPr sz="1400">
-              <a:solidFill>
-                <a:schemeClr val="dk1"/>
-              </a:solidFill>
-              <a:latin typeface="Century Gothic"/>
-              <a:ea typeface="Century Gothic"/>
-              <a:cs typeface="Century Gothic"/>
-              <a:sym typeface="Century Gothic"/>
-            </a:endParaRPr>
-          </a:p>
-          <a:p>
-            <a:pPr marL="457200" lvl="0" indent="-317500" algn="l" rtl="0">
-              <a:lnSpc>
-                <a:spcPct val="115000"/>
-              </a:lnSpc>
-              <a:spcBef>
-                <a:spcPts val="1000"/>
-              </a:spcBef>
-              <a:spcAft>
-                <a:spcPts val="0"/>
-              </a:spcAft>
-              <a:buClr>
-                <a:schemeClr val="dk1"/>
-              </a:buClr>
-              <a:buSzPts val="1400"/>
-              <a:buFont typeface="Century Gothic"/>
-              <a:buChar char="●"/>
-            </a:pPr>
-            <a:r>
-              <a:rPr lang="en" sz="1400">
-                <a:solidFill>
-                  <a:schemeClr val="dk1"/>
-                </a:solidFill>
-                <a:latin typeface="Century Gothic"/>
-                <a:ea typeface="Century Gothic"/>
-                <a:cs typeface="Century Gothic"/>
-                <a:sym typeface="Century Gothic"/>
-              </a:rPr>
-              <a:t>Observations/Insights and conclusions</a:t>
-            </a:r>
-            <a:endParaRPr sz="1400">
-              <a:solidFill>
-                <a:schemeClr val="dk1"/>
-              </a:solidFill>
-              <a:latin typeface="Century Gothic"/>
-              <a:ea typeface="Century Gothic"/>
-              <a:cs typeface="Century Gothic"/>
-              <a:sym typeface="Century Gothic"/>
-            </a:endParaRPr>
-          </a:p>
-          <a:p>
-            <a:pPr marL="457200" lvl="0" indent="-317500" algn="l" rtl="0">
-              <a:lnSpc>
-                <a:spcPct val="115000"/>
-              </a:lnSpc>
-              <a:spcBef>
-                <a:spcPts val="1000"/>
-              </a:spcBef>
-              <a:spcAft>
-                <a:spcPts val="1000"/>
-              </a:spcAft>
-              <a:buClr>
-                <a:schemeClr val="dk1"/>
-              </a:buClr>
-              <a:buSzPts val="1400"/>
-              <a:buFont typeface="Century Gothic"/>
-              <a:buChar char="●"/>
-            </a:pPr>
-            <a:r>
-              <a:rPr lang="en" sz="1400">
-                <a:solidFill>
-                  <a:schemeClr val="dk1"/>
-                </a:solidFill>
-                <a:latin typeface="Century Gothic"/>
-                <a:ea typeface="Century Gothic"/>
-                <a:cs typeface="Century Gothic"/>
-                <a:sym typeface="Century Gothic"/>
-              </a:rPr>
-              <a:t>Appendix</a:t>
-            </a:r>
-            <a:endParaRPr sz="1400">
-              <a:solidFill>
-                <a:schemeClr val="dk1"/>
-              </a:solidFill>
-              <a:latin typeface="Century Gothic"/>
-              <a:ea typeface="Century Gothic"/>
-              <a:cs typeface="Century Gothic"/>
-              <a:sym typeface="Century Gothic"/>
-            </a:endParaRPr>
-          </a:p>
-        </p:txBody>
-      </p:sp>
-    </p:spTree>
-  </p:cSld>
-  <p:clrMapOvr>
-    <a:masterClrMapping/>
-  </p:clrMapOvr>
-</p:sld>
-</file>
-
-<file path=ppt/slides/slide20.xml><?xml version="1.0" encoding="utf-8"?>
+<file path=ppt/slides/slide25.xml><?xml version="1.0" encoding="utf-8"?>
 <p:sld xmlns:a="http://schemas.openxmlformats.org/drawingml/2006/main" xmlns:r="http://schemas.openxmlformats.org/officeDocument/2006/relationships" xmlns:p="http://schemas.openxmlformats.org/presentationml/2006/main">
   <p:cSld>
     <p:spTree>
@@ -29205,7 +31102,7 @@
 </p:sld>
 </file>
 
-<file path=ppt/slides/slide21.xml><?xml version="1.0" encoding="utf-8"?>
+<file path=ppt/slides/slide26.xml><?xml version="1.0" encoding="utf-8"?>
 <p:sld xmlns:a="http://schemas.openxmlformats.org/drawingml/2006/main" xmlns:r="http://schemas.openxmlformats.org/officeDocument/2006/relationships" xmlns:p="http://schemas.openxmlformats.org/presentationml/2006/main">
   <p:cSld>
     <p:spTree>
@@ -29366,7 +31263,7 @@
 </p:sld>
 </file>
 
-<file path=ppt/slides/slide22.xml><?xml version="1.0" encoding="utf-8"?>
+<file path=ppt/slides/slide27.xml><?xml version="1.0" encoding="utf-8"?>
 <p:sld xmlns:a="http://schemas.openxmlformats.org/drawingml/2006/main" xmlns:r="http://schemas.openxmlformats.org/officeDocument/2006/relationships" xmlns:p="http://schemas.openxmlformats.org/presentationml/2006/main">
   <p:cSld>
     <p:spTree>
@@ -29527,7 +31424,7 @@
 </p:sld>
 </file>
 
-<file path=ppt/slides/slide23.xml><?xml version="1.0" encoding="utf-8"?>
+<file path=ppt/slides/slide28.xml><?xml version="1.0" encoding="utf-8"?>
 <p:sld xmlns:a="http://schemas.openxmlformats.org/drawingml/2006/main" xmlns:r="http://schemas.openxmlformats.org/officeDocument/2006/relationships" xmlns:p="http://schemas.openxmlformats.org/presentationml/2006/main">
   <p:cSld>
     <p:spTree>
@@ -29634,7 +31531,7 @@
             </a:pPr>
             <a:fld id="{00000000-1234-1234-1234-123412341234}" type="slidenum">
               <a:rPr lang="en"/>
-              <a:t>23</a:t>
+              <a:t>28</a:t>
             </a:fld>
             <a:endParaRPr/>
           </a:p>
@@ -29743,8 +31640,8 @@
         </p:nvSpPr>
         <p:spPr>
           <a:xfrm>
-            <a:off x="202550" y="1243025"/>
-            <a:ext cx="8629800" cy="3611200"/>
+            <a:off x="257100" y="906141"/>
+            <a:ext cx="8629800" cy="3810238"/>
           </a:xfrm>
           <a:prstGeom prst="rect">
             <a:avLst/>
@@ -29772,83 +31669,71 @@
             </a:pPr>
             <a:r>
               <a:rPr lang="en-US" sz="1400" b="1" dirty="0"/>
+              <a:t>Background:</a:t>
+            </a:r>
+          </a:p>
+          <a:p>
+            <a:pPr marL="139700" indent="0">
+              <a:spcBef>
+                <a:spcPts val="1000"/>
+              </a:spcBef>
+              <a:buClr>
+                <a:schemeClr val="dk1"/>
+              </a:buClr>
+              <a:buSzPts val="1400"/>
+              <a:buNone/>
+            </a:pPr>
+            <a:r>
+              <a:rPr lang="en-US" sz="1400" dirty="0"/>
+              <a:t>In the food delivery industry, customer feedback drives service quality and brand loyalty. Companies like Uber Eats, DoorDash, and Grubhub rely on reviews to improve operational efficiency and customer satisfaction. With the high volume of reviews posted daily across multiple cities, manual analysis isn't feasible. Reviews in the form of unstructured text contain complaints, praise, and personal experience feedback. They require automated systems that can classify sentiment consistently and without bias.</a:t>
+            </a:r>
+            <a:endParaRPr lang="en-US" sz="1400" b="1" dirty="0"/>
+          </a:p>
+          <a:p>
+            <a:pPr marL="139700" indent="0">
+              <a:spcBef>
+                <a:spcPts val="1000"/>
+              </a:spcBef>
+              <a:buClr>
+                <a:schemeClr val="dk1"/>
+              </a:buClr>
+              <a:buSzPts val="1400"/>
+              <a:buNone/>
+            </a:pPr>
+            <a:endParaRPr lang="en-US" sz="800" b="1" dirty="0"/>
+          </a:p>
+          <a:p>
+            <a:pPr marL="139700" indent="0">
+              <a:spcBef>
+                <a:spcPts val="1000"/>
+              </a:spcBef>
+              <a:buClr>
+                <a:schemeClr val="dk1"/>
+              </a:buClr>
+              <a:buSzPts val="1400"/>
+              <a:buNone/>
+            </a:pPr>
+            <a:r>
+              <a:rPr lang="en-US" sz="1400" b="1" dirty="0"/>
               <a:t>Goal:</a:t>
             </a:r>
           </a:p>
           <a:p>
             <a:pPr marL="139700" indent="0">
               <a:spcBef>
-                <a:spcPts val="400"/>
+                <a:spcPts val="1000"/>
               </a:spcBef>
               <a:buClr>
                 <a:schemeClr val="dk1"/>
               </a:buClr>
               <a:buSzPts val="1400"/>
-              <a:buNone/>
-            </a:pPr>
-            <a:endParaRPr lang="en-US" sz="700" b="1" dirty="0"/>
-          </a:p>
-          <a:p>
-            <a:pPr marL="133350" indent="0">
               <a:buNone/>
             </a:pPr>
             <a:r>
               <a:rPr lang="en-US" sz="1400" dirty="0"/>
-              <a:t>A bank's consumer credit department seeks to streamline the decision-making process for home equity lines of credit. In compliance with the Equal Credit Opportunity Act (ECOA), the department requires an empirically derived and statistically sound credit scoring model.</a:t>
+              <a:t>Automate sentiment classification of customer feedback for a food delivery platform using Generative AI and Prompt Engineering. Process customer reviews into Positive, Negative, or Neutral categories while ensuring factual consistency and interpretability. Map outputs with relevant tags (Delivery Time, Food Quality, Price, Packaging, Overall Experience) and suggested business actions.</a:t>
             </a:r>
-          </a:p>
-          <a:p>
-            <a:pPr marL="133350" indent="0">
-              <a:buNone/>
-            </a:pPr>
-            <a:endParaRPr lang="en-US" sz="700" dirty="0"/>
-          </a:p>
-          <a:p>
-            <a:pPr marL="133350" indent="0">
-              <a:buNone/>
-            </a:pPr>
-            <a:r>
-              <a:rPr lang="en-US" sz="1400" dirty="0"/>
-              <a:t>The model will be developed using data collected through the existing loan underwriting process from recent applicants who were granted credit. The model needs to be interpretable to provide reasonings for loan acceptances/rejections.</a:t>
-            </a:r>
-          </a:p>
-          <a:p>
-            <a:pPr marL="133350" indent="0">
-              <a:buNone/>
-            </a:pPr>
-            <a:endParaRPr lang="en-US" sz="700" dirty="0"/>
-          </a:p>
-          <a:p>
-            <a:pPr marL="139700" indent="0">
-              <a:spcBef>
-                <a:spcPts val="1000"/>
-              </a:spcBef>
-              <a:buClr>
-                <a:schemeClr val="dk1"/>
-              </a:buClr>
-              <a:buSzPts val="1400"/>
-              <a:buNone/>
-            </a:pPr>
-            <a:r>
-              <a:rPr lang="en-US" sz="1400" b="1" dirty="0"/>
-              <a:t>Objective:</a:t>
-            </a:r>
-          </a:p>
-          <a:p>
-            <a:pPr marL="139700" indent="0">
-              <a:spcBef>
-                <a:spcPts val="1000"/>
-              </a:spcBef>
-              <a:buClr>
-                <a:schemeClr val="dk1"/>
-              </a:buClr>
-              <a:buSzPts val="1400"/>
-              <a:buNone/>
-            </a:pPr>
-            <a:r>
-              <a:rPr lang="en-US" sz="1400" dirty="0"/>
-              <a:t>Build a classification model using an Artificial Neural Network (ANN) to predict clients who are likely to default on  loans. The model should provide recommendations on the key features to consider during loan approval.</a:t>
-            </a:r>
+            <a:endParaRPr lang="en-US" sz="1400" b="1" dirty="0"/>
           </a:p>
         </p:txBody>
       </p:sp>
@@ -29861,6 +31746,732 @@
 </file>
 
 <file path=ppt/slides/slide4.xml><?xml version="1.0" encoding="utf-8"?>
+<p:sld xmlns:a="http://schemas.openxmlformats.org/drawingml/2006/main" xmlns:r="http://schemas.openxmlformats.org/officeDocument/2006/relationships" xmlns:p="http://schemas.openxmlformats.org/presentationml/2006/main">
+  <p:cSld>
+    <p:spTree>
+      <p:nvGrpSpPr>
+        <p:cNvPr id="1" name="Shape 162">
+          <a:extLst>
+            <a:ext uri="{FF2B5EF4-FFF2-40B4-BE49-F238E27FC236}">
+              <a16:creationId xmlns:a16="http://schemas.microsoft.com/office/drawing/2014/main" id="{62A5DBE9-F857-DD8E-36EC-64D53DA15BDC}"/>
+            </a:ext>
+          </a:extLst>
+        </p:cNvPr>
+        <p:cNvGrpSpPr/>
+        <p:nvPr/>
+      </p:nvGrpSpPr>
+      <p:grpSpPr>
+        <a:xfrm>
+          <a:off x="0" y="0"/>
+          <a:ext cx="0" cy="0"/>
+          <a:chOff x="0" y="0"/>
+          <a:chExt cx="0" cy="0"/>
+        </a:xfrm>
+      </p:grpSpPr>
+      <p:sp>
+        <p:nvSpPr>
+          <p:cNvPr id="163" name="Google Shape;163;p37">
+            <a:extLst>
+              <a:ext uri="{FF2B5EF4-FFF2-40B4-BE49-F238E27FC236}">
+                <a16:creationId xmlns:a16="http://schemas.microsoft.com/office/drawing/2014/main" id="{6866C43A-EF1B-8C0D-D687-FDA774656DBE}"/>
+              </a:ext>
+            </a:extLst>
+          </p:cNvPr>
+          <p:cNvSpPr txBox="1">
+            <a:spLocks noGrp="1"/>
+          </p:cNvSpPr>
+          <p:nvPr>
+            <p:ph type="title"/>
+          </p:nvPr>
+        </p:nvSpPr>
+        <p:spPr>
+          <a:xfrm>
+            <a:off x="202550" y="289275"/>
+            <a:ext cx="7712700" cy="810900"/>
+          </a:xfrm>
+          <a:prstGeom prst="rect">
+            <a:avLst/>
+          </a:prstGeom>
+          <a:noFill/>
+          <a:ln>
+            <a:noFill/>
+          </a:ln>
+        </p:spPr>
+        <p:txBody>
+          <a:bodyPr spcFirstLastPara="1" wrap="square" lIns="91425" tIns="91425" rIns="91425" bIns="91425" anchor="t" anchorCtr="0">
+            <a:noAutofit/>
+          </a:bodyPr>
+          <a:lstStyle/>
+          <a:p>
+            <a:pPr marL="0" lvl="0" indent="0" algn="l" rtl="0">
+              <a:lnSpc>
+                <a:spcPct val="100000"/>
+              </a:lnSpc>
+              <a:spcBef>
+                <a:spcPts val="0"/>
+              </a:spcBef>
+              <a:spcAft>
+                <a:spcPts val="0"/>
+              </a:spcAft>
+              <a:buSzPts val="2200"/>
+              <a:buNone/>
+            </a:pPr>
+            <a:r>
+              <a:rPr lang="en" dirty="0">
+                <a:solidFill>
+                  <a:schemeClr val="lt2"/>
+                </a:solidFill>
+                <a:latin typeface="Century Gothic"/>
+                <a:ea typeface="Century Gothic"/>
+                <a:cs typeface="Century Gothic"/>
+                <a:sym typeface="Century Gothic"/>
+              </a:rPr>
+              <a:t>Project Goals And Objectives</a:t>
+            </a:r>
+            <a:endParaRPr dirty="0">
+              <a:solidFill>
+                <a:schemeClr val="lt2"/>
+              </a:solidFill>
+              <a:latin typeface="Century Gothic"/>
+              <a:ea typeface="Century Gothic"/>
+              <a:cs typeface="Century Gothic"/>
+              <a:sym typeface="Century Gothic"/>
+            </a:endParaRPr>
+          </a:p>
+        </p:txBody>
+      </p:sp>
+      <p:sp>
+        <p:nvSpPr>
+          <p:cNvPr id="164" name="Google Shape;164;p37">
+            <a:extLst>
+              <a:ext uri="{FF2B5EF4-FFF2-40B4-BE49-F238E27FC236}">
+                <a16:creationId xmlns:a16="http://schemas.microsoft.com/office/drawing/2014/main" id="{EB90E3D2-F4B4-59EF-0837-010027F68B0A}"/>
+              </a:ext>
+            </a:extLst>
+          </p:cNvPr>
+          <p:cNvSpPr txBox="1">
+            <a:spLocks noGrp="1"/>
+          </p:cNvSpPr>
+          <p:nvPr>
+            <p:ph type="body" idx="1"/>
+          </p:nvPr>
+        </p:nvSpPr>
+        <p:spPr>
+          <a:xfrm>
+            <a:off x="257099" y="816763"/>
+            <a:ext cx="8797523" cy="4140247"/>
+          </a:xfrm>
+          <a:prstGeom prst="rect">
+            <a:avLst/>
+          </a:prstGeom>
+          <a:noFill/>
+          <a:ln>
+            <a:noFill/>
+          </a:ln>
+        </p:spPr>
+        <p:txBody>
+          <a:bodyPr spcFirstLastPara="1" wrap="square" lIns="91425" tIns="91425" rIns="91425" bIns="91425" anchor="t" anchorCtr="0">
+            <a:noAutofit/>
+          </a:bodyPr>
+          <a:lstStyle/>
+          <a:p>
+            <a:pPr marL="139700" indent="0">
+              <a:spcBef>
+                <a:spcPts val="1000"/>
+              </a:spcBef>
+              <a:buClr>
+                <a:schemeClr val="dk1"/>
+              </a:buClr>
+              <a:buSzPts val="1400"/>
+              <a:buNone/>
+            </a:pPr>
+            <a:r>
+              <a:rPr lang="en-US" sz="1400" b="1" dirty="0"/>
+              <a:t>Objectives:</a:t>
+            </a:r>
+          </a:p>
+          <a:p>
+            <a:pPr marL="482600" indent="-342900">
+              <a:spcBef>
+                <a:spcPts val="1000"/>
+              </a:spcBef>
+              <a:buClr>
+                <a:schemeClr val="dk1"/>
+              </a:buClr>
+              <a:buSzPts val="1400"/>
+              <a:buFont typeface="+mj-lt"/>
+              <a:buAutoNum type="arabicPeriod"/>
+            </a:pPr>
+            <a:r>
+              <a:rPr lang="en-US" sz="1400" dirty="0"/>
+              <a:t>Design structured prompts enabling an LLM to perform sentiment classification on customer feedback</a:t>
+            </a:r>
+          </a:p>
+          <a:p>
+            <a:pPr marL="482600" indent="-342900">
+              <a:spcBef>
+                <a:spcPts val="1000"/>
+              </a:spcBef>
+              <a:buClr>
+                <a:schemeClr val="dk1"/>
+              </a:buClr>
+              <a:buSzPts val="1400"/>
+              <a:buFont typeface="+mj-lt"/>
+              <a:buAutoNum type="arabicPeriod"/>
+            </a:pPr>
+            <a:r>
+              <a:rPr lang="en-US" sz="1400" dirty="0"/>
+              <a:t>Implement four (4) prompting strategies:</a:t>
+            </a:r>
+          </a:p>
+          <a:p>
+            <a:pPr marL="939800" lvl="1" indent="-342900">
+              <a:spcBef>
+                <a:spcPts val="400"/>
+              </a:spcBef>
+              <a:buClr>
+                <a:schemeClr val="dk1"/>
+              </a:buClr>
+              <a:buSzPts val="1400"/>
+              <a:buFont typeface="Wingdings" panose="05000000000000000000" pitchFamily="2" charset="2"/>
+              <a:buChar char="§"/>
+            </a:pPr>
+            <a:r>
+              <a:rPr lang="en-US" sz="1200" dirty="0"/>
+              <a:t>Zero-Shot</a:t>
+            </a:r>
+          </a:p>
+          <a:p>
+            <a:pPr marL="939800" lvl="1" indent="-342900">
+              <a:spcBef>
+                <a:spcPts val="400"/>
+              </a:spcBef>
+              <a:buClr>
+                <a:schemeClr val="dk1"/>
+              </a:buClr>
+              <a:buSzPts val="1400"/>
+              <a:buFont typeface="Wingdings" panose="05000000000000000000" pitchFamily="2" charset="2"/>
+              <a:buChar char="§"/>
+            </a:pPr>
+            <a:r>
+              <a:rPr lang="en-US" sz="1200" dirty="0"/>
+              <a:t>Few-Shot</a:t>
+            </a:r>
+          </a:p>
+          <a:p>
+            <a:pPr marL="939800" lvl="1" indent="-342900">
+              <a:spcBef>
+                <a:spcPts val="400"/>
+              </a:spcBef>
+              <a:buClr>
+                <a:schemeClr val="dk1"/>
+              </a:buClr>
+              <a:buSzPts val="1400"/>
+              <a:buFont typeface="Wingdings" panose="05000000000000000000" pitchFamily="2" charset="2"/>
+              <a:buChar char="§"/>
+            </a:pPr>
+            <a:r>
+              <a:rPr lang="en-US" sz="1200" dirty="0"/>
+              <a:t>Zero-Shot Chain of Thought (</a:t>
+            </a:r>
+            <a:r>
+              <a:rPr lang="en-US" sz="1200" dirty="0" err="1"/>
+              <a:t>CoT</a:t>
+            </a:r>
+            <a:r>
+              <a:rPr lang="en-US" sz="1200" dirty="0"/>
+              <a:t>)</a:t>
+            </a:r>
+          </a:p>
+          <a:p>
+            <a:pPr marL="939800" lvl="1" indent="-342900">
+              <a:spcBef>
+                <a:spcPts val="400"/>
+              </a:spcBef>
+              <a:buClr>
+                <a:schemeClr val="dk1"/>
+              </a:buClr>
+              <a:buSzPts val="1400"/>
+              <a:buFont typeface="Wingdings" panose="05000000000000000000" pitchFamily="2" charset="2"/>
+              <a:buChar char="§"/>
+            </a:pPr>
+            <a:r>
+              <a:rPr lang="en-US" sz="1200" dirty="0"/>
+              <a:t>Few-Shot </a:t>
+            </a:r>
+            <a:r>
+              <a:rPr lang="en-US" sz="1200" dirty="0" err="1"/>
+              <a:t>CoT</a:t>
+            </a:r>
+            <a:endParaRPr lang="en-US" sz="1200" dirty="0"/>
+          </a:p>
+          <a:p>
+            <a:pPr marL="482600" indent="-342900">
+              <a:spcBef>
+                <a:spcPts val="1000"/>
+              </a:spcBef>
+              <a:buClr>
+                <a:schemeClr val="dk1"/>
+              </a:buClr>
+              <a:buSzPts val="1400"/>
+              <a:buFont typeface="+mj-lt"/>
+              <a:buAutoNum type="arabicPeriod"/>
+            </a:pPr>
+            <a:r>
+              <a:rPr lang="en-US" sz="1400" dirty="0"/>
+              <a:t>Compare prompting strategies in terms of accuracy, reasoning and contextual understanding</a:t>
+            </a:r>
+          </a:p>
+          <a:p>
+            <a:pPr marL="482600" indent="-342900">
+              <a:spcBef>
+                <a:spcPts val="1000"/>
+              </a:spcBef>
+              <a:buClr>
+                <a:schemeClr val="dk1"/>
+              </a:buClr>
+              <a:buSzPts val="1400"/>
+              <a:buFont typeface="+mj-lt"/>
+              <a:buAutoNum type="arabicPeriod"/>
+            </a:pPr>
+            <a:r>
+              <a:rPr lang="en-US" sz="1400" dirty="0"/>
+              <a:t>Determine best performing strategy</a:t>
+            </a:r>
+          </a:p>
+          <a:p>
+            <a:pPr marL="482600" indent="-342900">
+              <a:spcBef>
+                <a:spcPts val="1000"/>
+              </a:spcBef>
+              <a:buClr>
+                <a:schemeClr val="dk1"/>
+              </a:buClr>
+              <a:buSzPts val="1400"/>
+              <a:buFont typeface="+mj-lt"/>
+              <a:buAutoNum type="arabicPeriod"/>
+            </a:pPr>
+            <a:r>
+              <a:rPr lang="en-US" sz="1400" dirty="0"/>
+              <a:t>Generate suggested actions to guide business response, such as flagging delivery issues for operations or highlighting positive reviews for marketing.</a:t>
+            </a:r>
+          </a:p>
+          <a:p>
+            <a:pPr marL="482600" indent="-342900">
+              <a:spcBef>
+                <a:spcPts val="1000"/>
+              </a:spcBef>
+              <a:buClr>
+                <a:schemeClr val="dk1"/>
+              </a:buClr>
+              <a:buSzPts val="1400"/>
+              <a:buFont typeface="+mj-lt"/>
+              <a:buAutoNum type="arabicPeriod"/>
+            </a:pPr>
+            <a:endParaRPr lang="en-US" sz="1200" dirty="0"/>
+          </a:p>
+        </p:txBody>
+      </p:sp>
+    </p:spTree>
+    <p:extLst>
+      <p:ext uri="{BB962C8B-B14F-4D97-AF65-F5344CB8AC3E}">
+        <p14:creationId xmlns:p14="http://schemas.microsoft.com/office/powerpoint/2010/main" val="1683397148"/>
+      </p:ext>
+    </p:extLst>
+  </p:cSld>
+  <p:clrMapOvr>
+    <a:masterClrMapping/>
+  </p:clrMapOvr>
+</p:sld>
+</file>
+
+<file path=ppt/slides/slide5.xml><?xml version="1.0" encoding="utf-8"?>
+<p:sld xmlns:a="http://schemas.openxmlformats.org/drawingml/2006/main" xmlns:r="http://schemas.openxmlformats.org/officeDocument/2006/relationships" xmlns:p="http://schemas.openxmlformats.org/presentationml/2006/main">
+  <p:cSld>
+    <p:spTree>
+      <p:nvGrpSpPr>
+        <p:cNvPr id="1" name="Shape 162">
+          <a:extLst>
+            <a:ext uri="{FF2B5EF4-FFF2-40B4-BE49-F238E27FC236}">
+              <a16:creationId xmlns:a16="http://schemas.microsoft.com/office/drawing/2014/main" id="{B3C125FB-DB05-4491-4CE5-AA77544880A9}"/>
+            </a:ext>
+          </a:extLst>
+        </p:cNvPr>
+        <p:cNvGrpSpPr/>
+        <p:nvPr/>
+      </p:nvGrpSpPr>
+      <p:grpSpPr>
+        <a:xfrm>
+          <a:off x="0" y="0"/>
+          <a:ext cx="0" cy="0"/>
+          <a:chOff x="0" y="0"/>
+          <a:chExt cx="0" cy="0"/>
+        </a:xfrm>
+      </p:grpSpPr>
+      <p:sp>
+        <p:nvSpPr>
+          <p:cNvPr id="163" name="Google Shape;163;p37">
+            <a:extLst>
+              <a:ext uri="{FF2B5EF4-FFF2-40B4-BE49-F238E27FC236}">
+                <a16:creationId xmlns:a16="http://schemas.microsoft.com/office/drawing/2014/main" id="{3638DAF8-7CC7-18B9-302D-B716665A4DA9}"/>
+              </a:ext>
+            </a:extLst>
+          </p:cNvPr>
+          <p:cNvSpPr txBox="1">
+            <a:spLocks noGrp="1"/>
+          </p:cNvSpPr>
+          <p:nvPr>
+            <p:ph type="title"/>
+          </p:nvPr>
+        </p:nvSpPr>
+        <p:spPr>
+          <a:xfrm>
+            <a:off x="202550" y="117395"/>
+            <a:ext cx="7712700" cy="810900"/>
+          </a:xfrm>
+          <a:prstGeom prst="rect">
+            <a:avLst/>
+          </a:prstGeom>
+          <a:noFill/>
+          <a:ln>
+            <a:noFill/>
+          </a:ln>
+        </p:spPr>
+        <p:txBody>
+          <a:bodyPr spcFirstLastPara="1" wrap="square" lIns="91425" tIns="91425" rIns="91425" bIns="91425" anchor="t" anchorCtr="0">
+            <a:noAutofit/>
+          </a:bodyPr>
+          <a:lstStyle/>
+          <a:p>
+            <a:pPr marL="0" lvl="0" indent="0" algn="l" rtl="0">
+              <a:lnSpc>
+                <a:spcPct val="100000"/>
+              </a:lnSpc>
+              <a:spcBef>
+                <a:spcPts val="0"/>
+              </a:spcBef>
+              <a:spcAft>
+                <a:spcPts val="0"/>
+              </a:spcAft>
+              <a:buSzPts val="2200"/>
+              <a:buNone/>
+            </a:pPr>
+            <a:r>
+              <a:rPr lang="en" dirty="0">
+                <a:solidFill>
+                  <a:schemeClr val="lt2"/>
+                </a:solidFill>
+                <a:latin typeface="Century Gothic"/>
+                <a:ea typeface="Century Gothic"/>
+                <a:cs typeface="Century Gothic"/>
+                <a:sym typeface="Century Gothic"/>
+              </a:rPr>
+              <a:t>Definitions</a:t>
+            </a:r>
+            <a:endParaRPr dirty="0">
+              <a:solidFill>
+                <a:schemeClr val="lt2"/>
+              </a:solidFill>
+              <a:latin typeface="Century Gothic"/>
+              <a:ea typeface="Century Gothic"/>
+              <a:cs typeface="Century Gothic"/>
+              <a:sym typeface="Century Gothic"/>
+            </a:endParaRPr>
+          </a:p>
+        </p:txBody>
+      </p:sp>
+      <p:sp>
+        <p:nvSpPr>
+          <p:cNvPr id="164" name="Google Shape;164;p37">
+            <a:extLst>
+              <a:ext uri="{FF2B5EF4-FFF2-40B4-BE49-F238E27FC236}">
+                <a16:creationId xmlns:a16="http://schemas.microsoft.com/office/drawing/2014/main" id="{8F69A50E-488D-6E8A-4D24-0BB329311C03}"/>
+              </a:ext>
+            </a:extLst>
+          </p:cNvPr>
+          <p:cNvSpPr txBox="1">
+            <a:spLocks noGrp="1"/>
+          </p:cNvSpPr>
+          <p:nvPr>
+            <p:ph type="body" idx="1"/>
+          </p:nvPr>
+        </p:nvSpPr>
+        <p:spPr>
+          <a:xfrm>
+            <a:off x="202550" y="522844"/>
+            <a:ext cx="8797523" cy="4386039"/>
+          </a:xfrm>
+          <a:prstGeom prst="rect">
+            <a:avLst/>
+          </a:prstGeom>
+          <a:noFill/>
+          <a:ln>
+            <a:noFill/>
+          </a:ln>
+        </p:spPr>
+        <p:txBody>
+          <a:bodyPr spcFirstLastPara="1" wrap="square" lIns="91425" tIns="91425" rIns="91425" bIns="91425" anchor="t" anchorCtr="0">
+            <a:noAutofit/>
+          </a:bodyPr>
+          <a:lstStyle/>
+          <a:p>
+            <a:pPr marL="139700" indent="0">
+              <a:spcBef>
+                <a:spcPts val="1000"/>
+              </a:spcBef>
+              <a:buClr>
+                <a:schemeClr val="dk1"/>
+              </a:buClr>
+              <a:buSzPts val="1400"/>
+              <a:buNone/>
+            </a:pPr>
+            <a:r>
+              <a:rPr lang="en-US" sz="1400" b="1" dirty="0"/>
+              <a:t>Zero-Shot Prompt:</a:t>
+            </a:r>
+          </a:p>
+          <a:p>
+            <a:pPr marL="425450" indent="-285750">
+              <a:spcBef>
+                <a:spcPts val="400"/>
+              </a:spcBef>
+              <a:buClr>
+                <a:schemeClr val="dk1"/>
+              </a:buClr>
+              <a:buSzPts val="1400"/>
+            </a:pPr>
+            <a:r>
+              <a:rPr lang="en-US" sz="1400" dirty="0"/>
+              <a:t>Direct instructions with no examples. Model relies on its training to complete the task.</a:t>
+            </a:r>
+          </a:p>
+          <a:p>
+            <a:pPr marL="139700" indent="0">
+              <a:buClr>
+                <a:schemeClr val="dk1"/>
+              </a:buClr>
+              <a:buSzPts val="1400"/>
+              <a:buNone/>
+            </a:pPr>
+            <a:endParaRPr lang="en-US" sz="600" dirty="0"/>
+          </a:p>
+          <a:p>
+            <a:pPr marL="139700" indent="0">
+              <a:spcBef>
+                <a:spcPts val="400"/>
+              </a:spcBef>
+              <a:buClr>
+                <a:schemeClr val="dk1"/>
+              </a:buClr>
+              <a:buSzPts val="1400"/>
+              <a:buNone/>
+            </a:pPr>
+            <a:r>
+              <a:rPr lang="en-US" sz="1400" b="1" dirty="0"/>
+              <a:t>Few-Shot Prompt:</a:t>
+            </a:r>
+          </a:p>
+          <a:p>
+            <a:pPr marL="425450" indent="-285750">
+              <a:spcBef>
+                <a:spcPts val="400"/>
+              </a:spcBef>
+              <a:buClr>
+                <a:schemeClr val="dk1"/>
+              </a:buClr>
+              <a:buSzPts val="1400"/>
+            </a:pPr>
+            <a:r>
+              <a:rPr lang="en-US" sz="1400" dirty="0"/>
+              <a:t>Instructions with 3-5 labeled examples demonstrating the desired input → output pattern.</a:t>
+            </a:r>
+          </a:p>
+          <a:p>
+            <a:pPr marL="139700" indent="0">
+              <a:spcBef>
+                <a:spcPts val="400"/>
+              </a:spcBef>
+              <a:buClr>
+                <a:schemeClr val="dk1"/>
+              </a:buClr>
+              <a:buSzPts val="1400"/>
+              <a:buNone/>
+            </a:pPr>
+            <a:endParaRPr lang="en-US" sz="600" b="1" dirty="0"/>
+          </a:p>
+          <a:p>
+            <a:pPr marL="139700" indent="0">
+              <a:spcBef>
+                <a:spcPts val="400"/>
+              </a:spcBef>
+              <a:buClr>
+                <a:schemeClr val="dk1"/>
+              </a:buClr>
+              <a:buSzPts val="1400"/>
+              <a:buNone/>
+            </a:pPr>
+            <a:r>
+              <a:rPr lang="en-US" sz="1400" b="1" dirty="0"/>
+              <a:t>Zero-Shot Chain of Thought (</a:t>
+            </a:r>
+            <a:r>
+              <a:rPr lang="en-US" sz="1400" b="1" dirty="0" err="1"/>
+              <a:t>CoT</a:t>
+            </a:r>
+            <a:r>
+              <a:rPr lang="en-US" sz="1400" b="1" dirty="0"/>
+              <a:t>) Prompt:</a:t>
+            </a:r>
+          </a:p>
+          <a:p>
+            <a:pPr marL="425450" indent="-285750">
+              <a:spcBef>
+                <a:spcPts val="400"/>
+              </a:spcBef>
+              <a:buClr>
+                <a:schemeClr val="dk1"/>
+              </a:buClr>
+              <a:buSzPts val="1400"/>
+            </a:pPr>
+            <a:r>
+              <a:rPr lang="en-US" sz="1400" dirty="0"/>
+              <a:t>Instructions include reasoning steps but no examples. The model reasons through the problem step-by-step before producing output.</a:t>
+            </a:r>
+          </a:p>
+          <a:p>
+            <a:pPr marL="139700" indent="0">
+              <a:buClr>
+                <a:schemeClr val="dk1"/>
+              </a:buClr>
+              <a:buSzPts val="1400"/>
+              <a:buNone/>
+            </a:pPr>
+            <a:endParaRPr lang="en-US" sz="600" b="1" dirty="0"/>
+          </a:p>
+          <a:p>
+            <a:pPr marL="139700" indent="0">
+              <a:spcBef>
+                <a:spcPts val="400"/>
+              </a:spcBef>
+              <a:buClr>
+                <a:schemeClr val="dk1"/>
+              </a:buClr>
+              <a:buSzPts val="1400"/>
+              <a:buNone/>
+            </a:pPr>
+            <a:r>
+              <a:rPr lang="en-US" sz="1400" b="1" dirty="0"/>
+              <a:t>Few-Shot Chain of Thought (</a:t>
+            </a:r>
+            <a:r>
+              <a:rPr lang="en-US" sz="1400" b="1" dirty="0" err="1"/>
+              <a:t>CoT</a:t>
+            </a:r>
+            <a:r>
+              <a:rPr lang="en-US" sz="1400" b="1" dirty="0"/>
+              <a:t>) Prompt:</a:t>
+            </a:r>
+          </a:p>
+          <a:p>
+            <a:pPr marL="425450" indent="-285750">
+              <a:spcBef>
+                <a:spcPts val="400"/>
+              </a:spcBef>
+              <a:buClr>
+                <a:schemeClr val="dk1"/>
+              </a:buClr>
+              <a:buSzPts val="1400"/>
+            </a:pPr>
+            <a:r>
+              <a:rPr lang="en-US" sz="1400" dirty="0"/>
+              <a:t>Instructions along examples that show both reasoning and output. Model learns the process through the provided examples.</a:t>
+            </a:r>
+          </a:p>
+          <a:p>
+            <a:pPr marL="139700" indent="0">
+              <a:buClr>
+                <a:schemeClr val="dk1"/>
+              </a:buClr>
+              <a:buSzPts val="1400"/>
+              <a:buNone/>
+            </a:pPr>
+            <a:endParaRPr lang="en-US" sz="600" dirty="0"/>
+          </a:p>
+          <a:p>
+            <a:pPr marL="139700" indent="0">
+              <a:spcBef>
+                <a:spcPts val="400"/>
+              </a:spcBef>
+              <a:buClr>
+                <a:schemeClr val="dk1"/>
+              </a:buClr>
+              <a:buSzPts val="1400"/>
+              <a:buNone/>
+            </a:pPr>
+            <a:r>
+              <a:rPr lang="en-US" sz="1400" b="1" dirty="0"/>
+              <a:t>Ground Truth:</a:t>
+            </a:r>
+          </a:p>
+          <a:p>
+            <a:pPr marL="425450" indent="-285750">
+              <a:spcBef>
+                <a:spcPts val="400"/>
+              </a:spcBef>
+              <a:buClr>
+                <a:schemeClr val="dk1"/>
+              </a:buClr>
+              <a:buSzPts val="1400"/>
+            </a:pPr>
+            <a:r>
+              <a:rPr lang="en-US" sz="1400" dirty="0"/>
+              <a:t>A subset of manually classified reviews (25-36) to serve as the benchmark to measure prompt accuracy.</a:t>
+            </a:r>
+            <a:endParaRPr lang="en-US" sz="1400" b="1" dirty="0"/>
+          </a:p>
+          <a:p>
+            <a:pPr marL="139700" indent="0">
+              <a:spcBef>
+                <a:spcPts val="1000"/>
+              </a:spcBef>
+              <a:buClr>
+                <a:schemeClr val="dk1"/>
+              </a:buClr>
+              <a:buSzPts val="1400"/>
+              <a:buNone/>
+            </a:pPr>
+            <a:endParaRPr lang="en-US" sz="1400" b="1" dirty="0"/>
+          </a:p>
+          <a:p>
+            <a:pPr marL="482600" indent="-342900">
+              <a:spcBef>
+                <a:spcPts val="1000"/>
+              </a:spcBef>
+              <a:buClr>
+                <a:schemeClr val="dk1"/>
+              </a:buClr>
+              <a:buSzPts val="1400"/>
+              <a:buFont typeface="+mj-lt"/>
+              <a:buAutoNum type="arabicPeriod"/>
+            </a:pPr>
+            <a:endParaRPr lang="en-US" sz="1200" dirty="0"/>
+          </a:p>
+        </p:txBody>
+      </p:sp>
+    </p:spTree>
+    <p:extLst>
+      <p:ext uri="{BB962C8B-B14F-4D97-AF65-F5344CB8AC3E}">
+        <p14:creationId xmlns:p14="http://schemas.microsoft.com/office/powerpoint/2010/main" val="1330126066"/>
+      </p:ext>
+    </p:extLst>
+  </p:cSld>
+  <p:clrMapOvr>
+    <a:masterClrMapping/>
+  </p:clrMapOvr>
+</p:sld>
+</file>
+
+<file path=ppt/slides/slide6.xml><?xml version="1.0" encoding="utf-8"?>
 <p:sld xmlns:a="http://schemas.openxmlformats.org/drawingml/2006/main" xmlns:r="http://schemas.openxmlformats.org/officeDocument/2006/relationships" xmlns:p="http://schemas.openxmlformats.org/presentationml/2006/main">
   <p:cSld>
     <p:spTree>
@@ -29946,7 +32557,12 @@
             <p:ph type="body" idx="1"/>
           </p:nvPr>
         </p:nvSpPr>
-        <p:spPr/>
+        <p:spPr>
+          <a:xfrm>
+            <a:off x="202550" y="656848"/>
+            <a:ext cx="8629800" cy="4155784"/>
+          </a:xfrm>
+        </p:spPr>
         <p:txBody>
           <a:bodyPr/>
           <a:lstStyle/>
@@ -29961,137 +32577,156 @@
             <a:endParaRPr lang="en-US" dirty="0"/>
           </a:p>
           <a:p>
-            <a:pPr lvl="0"/>
+            <a:pPr lvl="1">
+              <a:spcBef>
+                <a:spcPts val="400"/>
+              </a:spcBef>
+            </a:pPr>
             <a:r>
-              <a:rPr lang="en-US" sz="1400" dirty="0"/>
-              <a:t>Perform general </a:t>
-            </a:r>
-            <a:r>
-              <a:rPr lang="en-US" sz="1400" b="1" dirty="0"/>
-              <a:t>Exploratory Data Analysis</a:t>
-            </a:r>
-            <a:r>
-              <a:rPr lang="en-US" sz="1400" dirty="0"/>
-              <a:t> (</a:t>
-            </a:r>
-            <a:r>
-              <a:rPr lang="en-US" sz="1400" b="1" dirty="0"/>
-              <a:t>EDA</a:t>
-            </a:r>
-            <a:r>
-              <a:rPr lang="en-US" sz="1400" dirty="0"/>
-              <a:t>) </a:t>
+              <a:rPr lang="en-US" dirty="0"/>
+              <a:t>Understand dataset structure and review content</a:t>
             </a:r>
           </a:p>
           <a:p>
-            <a:pPr lvl="0"/>
+            <a:pPr marL="133350" indent="0">
+              <a:spcBef>
+                <a:spcPts val="600"/>
+              </a:spcBef>
+              <a:buNone/>
+            </a:pPr>
             <a:r>
-              <a:rPr lang="en-US" sz="1400" dirty="0"/>
-              <a:t>Perform supplementary </a:t>
+              <a:rPr lang="en-US" b="1" dirty="0"/>
+              <a:t>2. Create Ground Truth</a:t>
             </a:r>
+            <a:endParaRPr lang="en-US" dirty="0"/>
+          </a:p>
+          <a:p>
+            <a:pPr lvl="1">
+              <a:spcBef>
+                <a:spcPts val="400"/>
+              </a:spcBef>
+            </a:pPr>
             <a:r>
-              <a:rPr lang="en-US" sz="1400" b="1" dirty="0"/>
-              <a:t>EDA </a:t>
-            </a:r>
-            <a:r>
-              <a:rPr lang="en-US" sz="1400" dirty="0"/>
-              <a:t>on provided plots rendered through RapidMiner</a:t>
-            </a:r>
-            <a:r>
-              <a:rPr lang="en-US" sz="1200" dirty="0"/>
-              <a:t>.</a:t>
+              <a:rPr lang="en-US" dirty="0"/>
+              <a:t>Manually classify 25-36 reviews as benchmark for accuracy measurement</a:t>
             </a:r>
           </a:p>
           <a:p>
-            <a:endParaRPr lang="en-US" sz="1000" b="1" dirty="0"/>
-          </a:p>
-          <a:p>
             <a:pPr marL="133350" indent="0">
+              <a:spcBef>
+                <a:spcPts val="600"/>
+              </a:spcBef>
               <a:buNone/>
             </a:pPr>
             <a:r>
               <a:rPr lang="en-US" b="1" dirty="0"/>
-              <a:t>2. Perform Follow up EDA after Feature Engineering </a:t>
+              <a:t>3. Develop Prompt Templates</a:t>
+            </a:r>
+            <a:endParaRPr lang="en-US" dirty="0"/>
+          </a:p>
+          <a:p>
+            <a:pPr lvl="1">
+              <a:spcBef>
+                <a:spcPts val="400"/>
+              </a:spcBef>
+            </a:pPr>
+            <a:r>
+              <a:rPr lang="en-US" dirty="0"/>
+              <a:t>Zero-Shot</a:t>
+            </a:r>
+          </a:p>
+          <a:p>
+            <a:pPr lvl="1">
+              <a:spcBef>
+                <a:spcPts val="400"/>
+              </a:spcBef>
+            </a:pPr>
+            <a:r>
+              <a:rPr lang="en-US" dirty="0"/>
+              <a:t>Few-Shot</a:t>
+            </a:r>
+          </a:p>
+          <a:p>
+            <a:pPr lvl="1">
+              <a:spcBef>
+                <a:spcPts val="400"/>
+              </a:spcBef>
+            </a:pPr>
+            <a:r>
+              <a:rPr lang="en-US" dirty="0"/>
+              <a:t>Zero-Shot </a:t>
+            </a:r>
+            <a:r>
+              <a:rPr lang="en-US" dirty="0" err="1"/>
+              <a:t>CoT</a:t>
+            </a:r>
+            <a:endParaRPr lang="en-US" dirty="0"/>
+          </a:p>
+          <a:p>
+            <a:pPr lvl="1">
+              <a:spcBef>
+                <a:spcPts val="400"/>
+              </a:spcBef>
+            </a:pPr>
+            <a:r>
+              <a:rPr lang="en-US" dirty="0"/>
+              <a:t>Few-Shot </a:t>
+            </a:r>
+            <a:r>
+              <a:rPr lang="en-US" dirty="0" err="1"/>
+              <a:t>CoT</a:t>
             </a:r>
             <a:endParaRPr lang="en-US" dirty="0"/>
           </a:p>
           <a:p>
             <a:pPr marL="133350" indent="0">
-              <a:buNone/>
-            </a:pPr>
-            <a:r>
-              <a:rPr lang="en-US" sz="1300" dirty="0"/>
-              <a:t>Assuming that </a:t>
-            </a:r>
-            <a:r>
-              <a:rPr lang="en-US" sz="1300" b="1" dirty="0"/>
-              <a:t>Feature Engineering</a:t>
-            </a:r>
-            <a:r>
-              <a:rPr lang="en-US" sz="1300" dirty="0"/>
-              <a:t> was provided for the project:</a:t>
-            </a:r>
-          </a:p>
-          <a:p>
-            <a:pPr lvl="0"/>
-            <a:r>
-              <a:rPr lang="en-US" sz="1400" dirty="0"/>
-              <a:t>Repeat EDA and supplementary EDA analysis of preprocessed (normalized) data</a:t>
-            </a:r>
-          </a:p>
-          <a:p>
-            <a:pPr lvl="0"/>
-            <a:endParaRPr lang="en-US" sz="1000" dirty="0"/>
-          </a:p>
-          <a:p>
-            <a:pPr marL="133350" indent="0">
+              <a:spcBef>
+                <a:spcPts val="600"/>
+              </a:spcBef>
               <a:buNone/>
             </a:pPr>
             <a:r>
               <a:rPr lang="en-US" b="1" dirty="0"/>
-              <a:t>3. Basic Neural Network (NN) Analysis</a:t>
+              <a:t>4. Tune Each Prompt Type</a:t>
             </a:r>
             <a:endParaRPr lang="en-US" dirty="0"/>
           </a:p>
           <a:p>
-            <a:pPr lvl="0"/>
+            <a:pPr lvl="1">
+              <a:spcBef>
+                <a:spcPts val="400"/>
+              </a:spcBef>
+            </a:pPr>
             <a:r>
-              <a:rPr lang="en-US" sz="1400" dirty="0"/>
-              <a:t>Analyze initial Model performance results</a:t>
+              <a:rPr lang="en-US" dirty="0"/>
+              <a:t>Test variations (temperature, examples, reasoning detail)</a:t>
             </a:r>
           </a:p>
           <a:p>
-            <a:pPr lvl="0"/>
-            <a:endParaRPr lang="en-US" sz="1200" b="1" dirty="0"/>
-          </a:p>
-          <a:p>
-            <a:pPr marL="133350" indent="0">
-              <a:buNone/>
+            <a:pPr lvl="1">
+              <a:spcBef>
+                <a:spcPts val="400"/>
+              </a:spcBef>
             </a:pPr>
             <a:r>
-              <a:rPr lang="en-US" b="1" dirty="0"/>
-              <a:t>4. Neural Network with Parameter Tuning</a:t>
+              <a:rPr lang="en-US" dirty="0"/>
+              <a:t>Compare results against Ground Truth</a:t>
             </a:r>
           </a:p>
           <a:p>
-            <a:pPr marL="133350" indent="0">
-              <a:buNone/>
+            <a:pPr lvl="1">
+              <a:spcBef>
+                <a:spcPts val="400"/>
+              </a:spcBef>
             </a:pPr>
             <a:r>
-              <a:rPr lang="en-US" sz="1300" b="1" dirty="0"/>
-              <a:t>Hand Tune</a:t>
+              <a:rPr lang="en-US" dirty="0"/>
+              <a:t>Select best-performing version of each type</a:t>
             </a:r>
-            <a:r>
-              <a:rPr lang="en-US" sz="1300" dirty="0"/>
-              <a:t> selected NN parameters and rerun the model (iteratively)</a:t>
-            </a:r>
+            <a:endParaRPr lang="en-US" b="1" dirty="0"/>
           </a:p>
           <a:p>
-            <a:pPr lvl="0"/>
-            <a:r>
-              <a:rPr lang="en-US" sz="1400" dirty="0"/>
-              <a:t>Comment on parameter tuned NN Model performance</a:t>
-            </a:r>
+            <a:endParaRPr lang="en-US" sz="1100" b="1" dirty="0"/>
           </a:p>
           <a:p>
             <a:endParaRPr lang="en-US" sz="1100" b="1" dirty="0"/>
@@ -30136,7 +32771,7 @@
             </a:pPr>
             <a:fld id="{00000000-1234-1234-1234-123412341234}" type="slidenum">
               <a:rPr lang="en" smtClean="0"/>
-              <a:t>4</a:t>
+              <a:t>6</a:t>
             </a:fld>
             <a:endParaRPr lang="en"/>
           </a:p>
@@ -30155,7 +32790,336 @@
 </p:sld>
 </file>
 
-<file path=ppt/slides/slide5.xml><?xml version="1.0" encoding="utf-8"?>
+<file path=ppt/slides/slide7.xml><?xml version="1.0" encoding="utf-8"?>
+<p:sld xmlns:a="http://schemas.openxmlformats.org/drawingml/2006/main" xmlns:r="http://schemas.openxmlformats.org/officeDocument/2006/relationships" xmlns:p="http://schemas.openxmlformats.org/presentationml/2006/main">
+  <p:cSld>
+    <p:spTree>
+      <p:nvGrpSpPr>
+        <p:cNvPr id="1" name="">
+          <a:extLst>
+            <a:ext uri="{FF2B5EF4-FFF2-40B4-BE49-F238E27FC236}">
+              <a16:creationId xmlns:a16="http://schemas.microsoft.com/office/drawing/2014/main" id="{A5F3D18C-CB33-1BF2-4559-72F26729BCF4}"/>
+            </a:ext>
+          </a:extLst>
+        </p:cNvPr>
+        <p:cNvGrpSpPr/>
+        <p:nvPr/>
+      </p:nvGrpSpPr>
+      <p:grpSpPr>
+        <a:xfrm>
+          <a:off x="0" y="0"/>
+          <a:ext cx="0" cy="0"/>
+          <a:chOff x="0" y="0"/>
+          <a:chExt cx="0" cy="0"/>
+        </a:xfrm>
+      </p:grpSpPr>
+      <p:sp>
+        <p:nvSpPr>
+          <p:cNvPr id="2" name="Title 1">
+            <a:extLst>
+              <a:ext uri="{FF2B5EF4-FFF2-40B4-BE49-F238E27FC236}">
+                <a16:creationId xmlns:a16="http://schemas.microsoft.com/office/drawing/2014/main" id="{08744E69-5ABF-AA6C-F651-880A96CBF330}"/>
+              </a:ext>
+            </a:extLst>
+          </p:cNvPr>
+          <p:cNvSpPr>
+            <a:spLocks noGrp="1"/>
+          </p:cNvSpPr>
+          <p:nvPr>
+            <p:ph type="title"/>
+          </p:nvPr>
+        </p:nvSpPr>
+        <p:spPr>
+          <a:xfrm>
+            <a:off x="202550" y="84147"/>
+            <a:ext cx="8520600" cy="572700"/>
+          </a:xfrm>
+        </p:spPr>
+        <p:txBody>
+          <a:bodyPr/>
+          <a:lstStyle/>
+          <a:p>
+            <a:r>
+              <a:rPr lang="en-US" dirty="0">
+                <a:solidFill>
+                  <a:schemeClr val="lt2"/>
+                </a:solidFill>
+                <a:latin typeface="Century Gothic"/>
+                <a:ea typeface="Century Gothic"/>
+                <a:cs typeface="Century Gothic"/>
+                <a:sym typeface="Century Gothic"/>
+              </a:rPr>
+              <a:t>Solution Approach</a:t>
+            </a:r>
+            <a:br>
+              <a:rPr lang="en-US" dirty="0">
+                <a:solidFill>
+                  <a:schemeClr val="lt2"/>
+                </a:solidFill>
+                <a:latin typeface="Century Gothic"/>
+                <a:ea typeface="Century Gothic"/>
+                <a:cs typeface="Century Gothic"/>
+                <a:sym typeface="Century Gothic"/>
+              </a:rPr>
+            </a:br>
+            <a:endParaRPr lang="en-US" dirty="0"/>
+          </a:p>
+        </p:txBody>
+      </p:sp>
+      <p:sp>
+        <p:nvSpPr>
+          <p:cNvPr id="3" name="Text Placeholder 2">
+            <a:extLst>
+              <a:ext uri="{FF2B5EF4-FFF2-40B4-BE49-F238E27FC236}">
+                <a16:creationId xmlns:a16="http://schemas.microsoft.com/office/drawing/2014/main" id="{7F50D607-7F7C-93F7-D6B4-7CBA4612B151}"/>
+              </a:ext>
+            </a:extLst>
+          </p:cNvPr>
+          <p:cNvSpPr>
+            <a:spLocks noGrp="1"/>
+          </p:cNvSpPr>
+          <p:nvPr>
+            <p:ph type="body" idx="1"/>
+          </p:nvPr>
+        </p:nvSpPr>
+        <p:spPr>
+          <a:xfrm>
+            <a:off x="202550" y="721896"/>
+            <a:ext cx="8629800" cy="4225012"/>
+          </a:xfrm>
+        </p:spPr>
+        <p:txBody>
+          <a:bodyPr/>
+          <a:lstStyle/>
+          <a:p>
+            <a:pPr marL="133350" indent="0">
+              <a:spcBef>
+                <a:spcPts val="600"/>
+              </a:spcBef>
+              <a:buNone/>
+            </a:pPr>
+            <a:r>
+              <a:rPr lang="en-US" b="1" dirty="0"/>
+              <a:t>5. Compare Across Prompt Types</a:t>
+            </a:r>
+            <a:endParaRPr lang="en-US" dirty="0"/>
+          </a:p>
+          <a:p>
+            <a:pPr lvl="1">
+              <a:spcBef>
+                <a:spcPts val="400"/>
+              </a:spcBef>
+            </a:pPr>
+            <a:r>
+              <a:rPr lang="en-US" dirty="0"/>
+              <a:t>Evaluate all 4 optimized prompts</a:t>
+            </a:r>
+          </a:p>
+          <a:p>
+            <a:pPr lvl="1">
+              <a:spcBef>
+                <a:spcPts val="400"/>
+              </a:spcBef>
+            </a:pPr>
+            <a:r>
+              <a:rPr lang="en-US" dirty="0"/>
+              <a:t>Identify top 2 performers</a:t>
+            </a:r>
+          </a:p>
+          <a:p>
+            <a:pPr marL="133350" indent="0">
+              <a:spcBef>
+                <a:spcPts val="600"/>
+              </a:spcBef>
+              <a:buNone/>
+            </a:pPr>
+            <a:r>
+              <a:rPr lang="en-US" b="1" dirty="0"/>
+              <a:t>6. Full Dataset Analysis</a:t>
+            </a:r>
+            <a:endParaRPr lang="en-US" dirty="0"/>
+          </a:p>
+          <a:p>
+            <a:pPr lvl="1">
+              <a:spcBef>
+                <a:spcPts val="400"/>
+              </a:spcBef>
+            </a:pPr>
+            <a:r>
+              <a:rPr lang="en-US" dirty="0"/>
+              <a:t>Run top 2 prompts on complete dataset (100 reviews)</a:t>
+            </a:r>
+          </a:p>
+          <a:p>
+            <a:pPr lvl="1">
+              <a:spcBef>
+                <a:spcPts val="400"/>
+              </a:spcBef>
+            </a:pPr>
+            <a:r>
+              <a:rPr lang="en-US" dirty="0"/>
+              <a:t>Analyze sentiment distribution, tag frequency</a:t>
+            </a:r>
+          </a:p>
+          <a:p>
+            <a:pPr marL="133350" indent="0">
+              <a:spcBef>
+                <a:spcPts val="600"/>
+              </a:spcBef>
+              <a:buNone/>
+            </a:pPr>
+            <a:r>
+              <a:rPr lang="en-US" b="1" dirty="0"/>
+              <a:t>7. Business Insights</a:t>
+            </a:r>
+            <a:endParaRPr lang="en-US" dirty="0"/>
+          </a:p>
+          <a:p>
+            <a:pPr lvl="1">
+              <a:spcBef>
+                <a:spcPts val="400"/>
+              </a:spcBef>
+            </a:pPr>
+            <a:r>
+              <a:rPr lang="en-US" dirty="0"/>
+              <a:t>Sentiment by City</a:t>
+            </a:r>
+          </a:p>
+          <a:p>
+            <a:pPr lvl="1">
+              <a:spcBef>
+                <a:spcPts val="400"/>
+              </a:spcBef>
+            </a:pPr>
+            <a:r>
+              <a:rPr lang="en-US" dirty="0"/>
+              <a:t>Delivery Time patterns by sentiment</a:t>
+            </a:r>
+          </a:p>
+          <a:p>
+            <a:pPr lvl="1">
+              <a:spcBef>
+                <a:spcPts val="400"/>
+              </a:spcBef>
+            </a:pPr>
+            <a:r>
+              <a:rPr lang="en-US" dirty="0"/>
+              <a:t>Additional cross-analysis</a:t>
+            </a:r>
+          </a:p>
+          <a:p>
+            <a:pPr marL="133350" indent="0">
+              <a:spcBef>
+                <a:spcPts val="600"/>
+              </a:spcBef>
+              <a:buNone/>
+            </a:pPr>
+            <a:r>
+              <a:rPr lang="en-US" b="1" dirty="0"/>
+              <a:t>8. Conclusions &amp; Recommendations</a:t>
+            </a:r>
+            <a:endParaRPr lang="en-US" dirty="0"/>
+          </a:p>
+          <a:p>
+            <a:pPr lvl="1">
+              <a:spcBef>
+                <a:spcPts val="400"/>
+              </a:spcBef>
+            </a:pPr>
+            <a:r>
+              <a:rPr lang="en-US" dirty="0"/>
+              <a:t>Summary of findings</a:t>
+            </a:r>
+          </a:p>
+          <a:p>
+            <a:pPr lvl="1">
+              <a:spcBef>
+                <a:spcPts val="400"/>
+              </a:spcBef>
+            </a:pPr>
+            <a:r>
+              <a:rPr lang="en-US" dirty="0"/>
+              <a:t>Suggested business actions</a:t>
+            </a:r>
+          </a:p>
+          <a:p>
+            <a:pPr marL="133350" indent="0">
+              <a:buNone/>
+            </a:pPr>
+            <a:endParaRPr lang="en-US" b="1" dirty="0"/>
+          </a:p>
+          <a:p>
+            <a:pPr marL="133350" indent="0">
+              <a:buNone/>
+            </a:pPr>
+            <a:endParaRPr lang="en-US" b="1" dirty="0"/>
+          </a:p>
+          <a:p>
+            <a:endParaRPr lang="en-US" sz="1100" b="1" dirty="0"/>
+          </a:p>
+          <a:p>
+            <a:endParaRPr lang="en-US" sz="1100" b="1" dirty="0"/>
+          </a:p>
+          <a:p>
+            <a:pPr marL="133350" indent="0">
+              <a:buNone/>
+            </a:pPr>
+            <a:endParaRPr lang="en-US" dirty="0"/>
+          </a:p>
+        </p:txBody>
+      </p:sp>
+      <p:sp>
+        <p:nvSpPr>
+          <p:cNvPr id="4" name="Slide Number Placeholder 3">
+            <a:extLst>
+              <a:ext uri="{FF2B5EF4-FFF2-40B4-BE49-F238E27FC236}">
+                <a16:creationId xmlns:a16="http://schemas.microsoft.com/office/drawing/2014/main" id="{B7BB8B30-1FF6-037F-DB06-968448EA4B60}"/>
+              </a:ext>
+            </a:extLst>
+          </p:cNvPr>
+          <p:cNvSpPr>
+            <a:spLocks noGrp="1"/>
+          </p:cNvSpPr>
+          <p:nvPr>
+            <p:ph type="sldNum" idx="12"/>
+          </p:nvPr>
+        </p:nvSpPr>
+        <p:spPr/>
+        <p:txBody>
+          <a:bodyPr/>
+          <a:lstStyle/>
+          <a:p>
+            <a:pPr marL="0" lvl="0" indent="0" algn="ctr" rtl="0">
+              <a:spcBef>
+                <a:spcPts val="0"/>
+              </a:spcBef>
+              <a:spcAft>
+                <a:spcPts val="0"/>
+              </a:spcAft>
+              <a:buNone/>
+            </a:pPr>
+            <a:fld id="{00000000-1234-1234-1234-123412341234}" type="slidenum">
+              <a:rPr lang="en" smtClean="0"/>
+              <a:t>7</a:t>
+            </a:fld>
+            <a:endParaRPr lang="en"/>
+          </a:p>
+        </p:txBody>
+      </p:sp>
+    </p:spTree>
+    <p:extLst>
+      <p:ext uri="{BB962C8B-B14F-4D97-AF65-F5344CB8AC3E}">
+        <p14:creationId xmlns:p14="http://schemas.microsoft.com/office/powerpoint/2010/main" val="2406516747"/>
+      </p:ext>
+    </p:extLst>
+  </p:cSld>
+  <p:clrMapOvr>
+    <a:masterClrMapping/>
+  </p:clrMapOvr>
+</p:sld>
+</file>
+
+<file path=ppt/slides/slide8.xml><?xml version="1.0" encoding="utf-8"?>
 <p:sld xmlns:a="http://schemas.openxmlformats.org/drawingml/2006/main" xmlns:r="http://schemas.openxmlformats.org/officeDocument/2006/relationships" xmlns:p="http://schemas.openxmlformats.org/presentationml/2006/main">
   <p:cSld>
     <p:spTree>
@@ -30208,7 +33172,7 @@
                 <a:cs typeface="Century Gothic"/>
                 <a:sym typeface="Century Gothic"/>
               </a:rPr>
-              <a:t>Solution Approach</a:t>
+              <a:t>Expected Outcomes</a:t>
             </a:r>
             <a:br>
               <a:rPr lang="en-US" dirty="0">
@@ -30241,7 +33205,12 @@
             <p:ph type="body" idx="1"/>
           </p:nvPr>
         </p:nvSpPr>
-        <p:spPr/>
+        <p:spPr>
+          <a:xfrm>
+            <a:off x="202550" y="579443"/>
+            <a:ext cx="8629800" cy="4367464"/>
+          </a:xfrm>
+        </p:spPr>
         <p:txBody>
           <a:bodyPr/>
           <a:lstStyle/>
@@ -30251,141 +33220,256 @@
             </a:pPr>
             <a:r>
               <a:rPr lang="en-US" b="1" dirty="0"/>
-              <a:t>1. Exploratory Data Analysis (EDA)</a:t>
+              <a:t>Prompt Engineering:</a:t>
             </a:r>
             <a:endParaRPr lang="en-US" dirty="0"/>
           </a:p>
           <a:p>
-            <a:pPr lvl="0"/>
+            <a:pPr lvl="1">
+              <a:spcBef>
+                <a:spcPts val="200"/>
+              </a:spcBef>
+            </a:pPr>
             <a:r>
-              <a:rPr lang="en-US" sz="1400" dirty="0"/>
-              <a:t>Perform general </a:t>
+              <a:rPr lang="en-US" dirty="0"/>
+              <a:t>Develop optimized prompts for sentiment classification using Zero-Shot, Few-Shot, and </a:t>
             </a:r>
             <a:r>
-              <a:rPr lang="en-US" sz="1400" b="1" dirty="0"/>
-              <a:t>Exploratory Data Analysis</a:t>
-            </a:r>
-            <a:r>
-              <a:rPr lang="en-US" sz="1400" dirty="0"/>
-              <a:t> (</a:t>
-            </a:r>
-            <a:r>
-              <a:rPr lang="en-US" sz="1400" b="1" dirty="0"/>
-              <a:t>EDA</a:t>
-            </a:r>
-            <a:r>
-              <a:rPr lang="en-US" sz="1400" dirty="0"/>
-              <a:t>) </a:t>
-            </a:r>
-          </a:p>
-          <a:p>
-            <a:pPr lvl="0"/>
-            <a:r>
-              <a:rPr lang="en-US" sz="1400" dirty="0"/>
-              <a:t>Perform supplementary </a:t>
-            </a:r>
-            <a:r>
-              <a:rPr lang="en-US" sz="1400" b="1" dirty="0"/>
-              <a:t>EDA </a:t>
-            </a:r>
-            <a:r>
-              <a:rPr lang="en-US" sz="1400" dirty="0"/>
-              <a:t>on provided plots rendered through RapidMiner</a:t>
-            </a:r>
-            <a:r>
-              <a:rPr lang="en-US" sz="1200" dirty="0"/>
-              <a:t>.</a:t>
-            </a:r>
-          </a:p>
-          <a:p>
-            <a:endParaRPr lang="en-US" sz="1000" b="1" dirty="0"/>
-          </a:p>
-          <a:p>
-            <a:pPr marL="133350" indent="0">
-              <a:buNone/>
-            </a:pPr>
-            <a:r>
-              <a:rPr lang="en-US" b="1" dirty="0"/>
-              <a:t>2. Perform Follow up EDA after Feature Engineering </a:t>
+              <a:rPr lang="en-US" dirty="0" err="1"/>
+              <a:t>CoT</a:t>
             </a:r>
             <a:endParaRPr lang="en-US" dirty="0"/>
           </a:p>
           <a:p>
-            <a:pPr marL="133350" indent="0">
-              <a:buNone/>
+            <a:pPr lvl="1">
+              <a:spcBef>
+                <a:spcPts val="200"/>
+              </a:spcBef>
             </a:pPr>
             <a:r>
-              <a:rPr lang="en-US" sz="1300" dirty="0"/>
-              <a:t>Assuming that </a:t>
-            </a:r>
-            <a:r>
-              <a:rPr lang="en-US" sz="1300" b="1" dirty="0"/>
-              <a:t>Feature Engineering</a:t>
-            </a:r>
-            <a:r>
-              <a:rPr lang="en-US" sz="1300" dirty="0"/>
-              <a:t> was provided for the project:</a:t>
+              <a:rPr lang="en-US" dirty="0"/>
+              <a:t>Identify the best-performing prompt type through accuracy comparison</a:t>
             </a:r>
           </a:p>
           <a:p>
-            <a:pPr lvl="0"/>
+            <a:pPr lvl="1">
+              <a:spcBef>
+                <a:spcPts val="200"/>
+              </a:spcBef>
+            </a:pPr>
             <a:r>
-              <a:rPr lang="en-US" sz="1400" dirty="0"/>
-              <a:t>Repeat EDA and supplementary EDA analysis of preprocessed (normalized) data</a:t>
+              <a:rPr lang="en-US" dirty="0"/>
+              <a:t>Create reusable prompt templates for future analysis</a:t>
             </a:r>
           </a:p>
           <a:p>
-            <a:pPr lvl="0"/>
-            <a:endParaRPr lang="en-US" sz="1000" dirty="0"/>
-          </a:p>
-          <a:p>
             <a:pPr marL="133350" indent="0">
+              <a:spcBef>
+                <a:spcPts val="400"/>
+              </a:spcBef>
               <a:buNone/>
             </a:pPr>
             <a:r>
               <a:rPr lang="en-US" b="1" dirty="0"/>
-              <a:t>3. Basic Neural Network (NN) Analysis</a:t>
+              <a:t>Sentiment Insights:</a:t>
             </a:r>
             <a:endParaRPr lang="en-US" dirty="0"/>
           </a:p>
           <a:p>
-            <a:pPr lvl="0"/>
+            <a:pPr lvl="1">
+              <a:spcBef>
+                <a:spcPts val="200"/>
+              </a:spcBef>
+            </a:pPr>
             <a:r>
-              <a:rPr lang="en-US" sz="1400" dirty="0"/>
-              <a:t>Analyze initial Model performance results</a:t>
+              <a:rPr lang="en-US" dirty="0"/>
+              <a:t>Classify customer reviews into </a:t>
+            </a:r>
+            <a:r>
+              <a:rPr lang="en-US" b="1" dirty="0"/>
+              <a:t>Positive</a:t>
+            </a:r>
+            <a:r>
+              <a:rPr lang="en-US" dirty="0"/>
+              <a:t>, </a:t>
+            </a:r>
+            <a:r>
+              <a:rPr lang="en-US" b="1" dirty="0"/>
+              <a:t>Negative</a:t>
+            </a:r>
+            <a:r>
+              <a:rPr lang="en-US" dirty="0"/>
+              <a:t>, and </a:t>
+            </a:r>
+            <a:r>
+              <a:rPr lang="en-US" b="1" dirty="0"/>
+              <a:t>Neutral</a:t>
+            </a:r>
+            <a:r>
+              <a:rPr lang="en-US" dirty="0"/>
+              <a:t> categories</a:t>
             </a:r>
           </a:p>
           <a:p>
-            <a:pPr lvl="0"/>
-            <a:endParaRPr lang="en-US" sz="1200" b="1" dirty="0"/>
+            <a:pPr lvl="1">
+              <a:spcBef>
+                <a:spcPts val="200"/>
+              </a:spcBef>
+            </a:pPr>
+            <a:r>
+              <a:rPr lang="en-US" dirty="0"/>
+              <a:t>Identify common themes driving negative feedback (</a:t>
+            </a:r>
+            <a:r>
+              <a:rPr lang="en-US" b="1" dirty="0"/>
+              <a:t>delivery</a:t>
+            </a:r>
+            <a:r>
+              <a:rPr lang="en-US" dirty="0"/>
+              <a:t> </a:t>
+            </a:r>
+            <a:r>
+              <a:rPr lang="en-US" b="1" dirty="0"/>
+              <a:t>delays</a:t>
+            </a:r>
+            <a:r>
+              <a:rPr lang="en-US" dirty="0"/>
+              <a:t>, </a:t>
+            </a:r>
+            <a:r>
+              <a:rPr lang="en-US" b="1" dirty="0"/>
+              <a:t>food</a:t>
+            </a:r>
+            <a:r>
+              <a:rPr lang="en-US" dirty="0"/>
+              <a:t> </a:t>
+            </a:r>
+            <a:r>
+              <a:rPr lang="en-US" b="1" dirty="0"/>
+              <a:t>quality</a:t>
+            </a:r>
+            <a:r>
+              <a:rPr lang="en-US" dirty="0"/>
+              <a:t>, </a:t>
+            </a:r>
+            <a:r>
+              <a:rPr lang="en-US" b="1" dirty="0"/>
+              <a:t>pricing</a:t>
+            </a:r>
+            <a:r>
+              <a:rPr lang="en-US" dirty="0"/>
+              <a:t>)</a:t>
+            </a:r>
           </a:p>
           <a:p>
-            <a:pPr marL="133350" indent="0">
-              <a:buNone/>
+            <a:pPr lvl="1">
+              <a:spcBef>
+                <a:spcPts val="200"/>
+              </a:spcBef>
             </a:pPr>
             <a:r>
-              <a:rPr lang="en-US" b="1" dirty="0"/>
-              <a:t>4. Neural Network with Parameter Tuning</a:t>
+              <a:rPr lang="en-US" dirty="0"/>
+              <a:t>Map sentiment patterns across cities and delivery times</a:t>
             </a:r>
           </a:p>
           <a:p>
             <a:pPr marL="133350" indent="0">
+              <a:spcBef>
+                <a:spcPts val="400"/>
+              </a:spcBef>
               <a:buNone/>
             </a:pPr>
             <a:r>
-              <a:rPr lang="en-US" sz="1300" b="1" dirty="0"/>
-              <a:t>Hand Tune</a:t>
+              <a:rPr lang="en-US" b="1" dirty="0"/>
+              <a:t>Process Improvement:</a:t>
             </a:r>
+            <a:endParaRPr lang="en-US" dirty="0"/>
+          </a:p>
+          <a:p>
+            <a:pPr lvl="1">
+              <a:spcBef>
+                <a:spcPts val="200"/>
+              </a:spcBef>
+            </a:pPr>
             <a:r>
-              <a:rPr lang="en-US" sz="1300" dirty="0"/>
-              <a:t> selected NN parameters and rerun the model (iteratively)</a:t>
+              <a:rPr lang="en-US" dirty="0"/>
+              <a:t>Reduce manual effort in reviewing customer feedback</a:t>
             </a:r>
           </a:p>
           <a:p>
-            <a:pPr lvl="0"/>
+            <a:pPr lvl="1">
+              <a:spcBef>
+                <a:spcPts val="200"/>
+              </a:spcBef>
+            </a:pPr>
             <a:r>
-              <a:rPr lang="en-US" sz="1400" dirty="0"/>
-              <a:t>Comment on parameter tuned NN Model performance</a:t>
+              <a:rPr lang="en-US" dirty="0"/>
+              <a:t>Ensure consistent and unbiased sentiment classification</a:t>
+            </a:r>
+          </a:p>
+          <a:p>
+            <a:pPr lvl="1">
+              <a:spcBef>
+                <a:spcPts val="200"/>
+              </a:spcBef>
+            </a:pPr>
+            <a:r>
+              <a:rPr lang="en-US" dirty="0"/>
+              <a:t>Enable faster identification of issues requiring business attention</a:t>
+            </a:r>
+          </a:p>
+          <a:p>
+            <a:pPr marL="133350" indent="0">
+              <a:spcBef>
+                <a:spcPts val="200"/>
+              </a:spcBef>
+              <a:buNone/>
+            </a:pPr>
+            <a:r>
+              <a:rPr lang="en-US" b="1" dirty="0"/>
+              <a:t>Increase Business Value:</a:t>
+            </a:r>
+            <a:endParaRPr lang="en-US" dirty="0"/>
+          </a:p>
+          <a:p>
+            <a:pPr lvl="1">
+              <a:spcBef>
+                <a:spcPts val="200"/>
+              </a:spcBef>
+            </a:pPr>
+            <a:r>
+              <a:rPr lang="en-US" dirty="0"/>
+              <a:t>Generate actionable insights to relevant teams (operations, marketing, quality)</a:t>
+            </a:r>
+          </a:p>
+          <a:p>
+            <a:pPr lvl="1">
+              <a:spcBef>
+                <a:spcPts val="200"/>
+              </a:spcBef>
+            </a:pPr>
+            <a:r>
+              <a:rPr lang="en-US" dirty="0"/>
+              <a:t>Prioritize high-impact issues based on sentiment frequency and severity</a:t>
+            </a:r>
+          </a:p>
+          <a:p>
+            <a:pPr lvl="1">
+              <a:spcBef>
+                <a:spcPts val="400"/>
+              </a:spcBef>
+            </a:pPr>
+            <a:r>
+              <a:rPr lang="en-US" dirty="0"/>
+              <a:t>Increase scalability (process </a:t>
+            </a:r>
+            <a:r>
+              <a:rPr lang="en-US"/>
+              <a:t>more reviews) </a:t>
+            </a:r>
+            <a:r>
+              <a:rPr lang="en-US" dirty="0"/>
+              <a:t>while keeping costs low</a:t>
             </a:r>
           </a:p>
           <a:p>
@@ -30431,7 +33515,7 @@
             </a:pPr>
             <a:fld id="{00000000-1234-1234-1234-123412341234}" type="slidenum">
               <a:rPr lang="en" smtClean="0"/>
-              <a:t>5</a:t>
+              <a:t>8</a:t>
             </a:fld>
             <a:endParaRPr lang="en"/>
           </a:p>
@@ -30450,18 +33534,12 @@
 </p:sld>
 </file>
 
-<file path=ppt/slides/slide6.xml><?xml version="1.0" encoding="utf-8"?>
+<file path=ppt/slides/slide9.xml><?xml version="1.0" encoding="utf-8"?>
 <p:sld xmlns:a="http://schemas.openxmlformats.org/drawingml/2006/main" xmlns:r="http://schemas.openxmlformats.org/officeDocument/2006/relationships" xmlns:p="http://schemas.openxmlformats.org/presentationml/2006/main">
   <p:cSld>
     <p:spTree>
       <p:nvGrpSpPr>
-        <p:cNvPr id="1" name="Shape 162">
-          <a:extLst>
-            <a:ext uri="{FF2B5EF4-FFF2-40B4-BE49-F238E27FC236}">
-              <a16:creationId xmlns:a16="http://schemas.microsoft.com/office/drawing/2014/main" id="{E4839317-0214-7D57-A6D8-624516C57989}"/>
-            </a:ext>
-          </a:extLst>
-        </p:cNvPr>
+        <p:cNvPr id="1" name="Shape 187"/>
         <p:cNvGrpSpPr/>
         <p:nvPr/>
       </p:nvGrpSpPr>
@@ -30475,246 +33553,13 @@
       </p:grpSpPr>
       <p:sp>
         <p:nvSpPr>
-          <p:cNvPr id="163" name="Google Shape;163;p37">
-            <a:extLst>
-              <a:ext uri="{FF2B5EF4-FFF2-40B4-BE49-F238E27FC236}">
-                <a16:creationId xmlns:a16="http://schemas.microsoft.com/office/drawing/2014/main" id="{9CBB8115-3BD4-2DCB-5D12-07B358C07EAF}"/>
-              </a:ext>
-            </a:extLst>
-          </p:cNvPr>
-          <p:cNvSpPr txBox="1">
-            <a:spLocks noGrp="1"/>
-          </p:cNvSpPr>
-          <p:nvPr>
-            <p:ph type="title"/>
-          </p:nvPr>
+          <p:cNvPr id="188" name="Google Shape;188;p40"/>
+          <p:cNvSpPr txBox="1"/>
+          <p:nvPr/>
         </p:nvSpPr>
         <p:spPr>
           <a:xfrm>
-            <a:off x="202550" y="289275"/>
-            <a:ext cx="7712700" cy="810900"/>
-          </a:xfrm>
-          <a:prstGeom prst="rect">
-            <a:avLst/>
-          </a:prstGeom>
-          <a:noFill/>
-          <a:ln>
-            <a:noFill/>
-          </a:ln>
-        </p:spPr>
-        <p:txBody>
-          <a:bodyPr spcFirstLastPara="1" wrap="square" lIns="91425" tIns="91425" rIns="91425" bIns="91425" anchor="t" anchorCtr="0">
-            <a:noAutofit/>
-          </a:bodyPr>
-          <a:lstStyle/>
-          <a:p>
-            <a:pPr marL="0" lvl="0" indent="0" algn="l" rtl="0">
-              <a:lnSpc>
-                <a:spcPct val="100000"/>
-              </a:lnSpc>
-              <a:spcBef>
-                <a:spcPts val="0"/>
-              </a:spcBef>
-              <a:spcAft>
-                <a:spcPts val="0"/>
-              </a:spcAft>
-              <a:buSzPts val="2200"/>
-              <a:buNone/>
-            </a:pPr>
-            <a:r>
-              <a:rPr lang="en" dirty="0">
-                <a:solidFill>
-                  <a:schemeClr val="lt2"/>
-                </a:solidFill>
-                <a:latin typeface="Century Gothic"/>
-                <a:ea typeface="Century Gothic"/>
-                <a:cs typeface="Century Gothic"/>
-                <a:sym typeface="Century Gothic"/>
-              </a:rPr>
-              <a:t>Ground Truth Dataset</a:t>
-            </a:r>
-            <a:endParaRPr dirty="0">
-              <a:solidFill>
-                <a:schemeClr val="lt2"/>
-              </a:solidFill>
-              <a:latin typeface="Century Gothic"/>
-              <a:ea typeface="Century Gothic"/>
-              <a:cs typeface="Century Gothic"/>
-              <a:sym typeface="Century Gothic"/>
-            </a:endParaRPr>
-          </a:p>
-        </p:txBody>
-      </p:sp>
-      <p:sp>
-        <p:nvSpPr>
-          <p:cNvPr id="164" name="Google Shape;164;p37">
-            <a:extLst>
-              <a:ext uri="{FF2B5EF4-FFF2-40B4-BE49-F238E27FC236}">
-                <a16:creationId xmlns:a16="http://schemas.microsoft.com/office/drawing/2014/main" id="{8D15651F-7758-630E-7A60-49F0B4B515D2}"/>
-              </a:ext>
-            </a:extLst>
-          </p:cNvPr>
-          <p:cNvSpPr txBox="1">
-            <a:spLocks noGrp="1"/>
-          </p:cNvSpPr>
-          <p:nvPr>
-            <p:ph type="body" idx="1"/>
-          </p:nvPr>
-        </p:nvSpPr>
-        <p:spPr>
-          <a:xfrm>
-            <a:off x="202550" y="1243025"/>
-            <a:ext cx="8629800" cy="3611200"/>
-          </a:xfrm>
-          <a:prstGeom prst="rect">
-            <a:avLst/>
-          </a:prstGeom>
-          <a:noFill/>
-          <a:ln>
-            <a:noFill/>
-          </a:ln>
-        </p:spPr>
-        <p:txBody>
-          <a:bodyPr spcFirstLastPara="1" wrap="square" lIns="91425" tIns="91425" rIns="91425" bIns="91425" anchor="t" anchorCtr="0">
-            <a:noAutofit/>
-          </a:bodyPr>
-          <a:lstStyle/>
-          <a:p>
-            <a:pPr marL="139700" indent="0">
-              <a:spcBef>
-                <a:spcPts val="1000"/>
-              </a:spcBef>
-              <a:buClr>
-                <a:schemeClr val="dk1"/>
-              </a:buClr>
-              <a:buSzPts val="1400"/>
-              <a:buNone/>
-            </a:pPr>
-            <a:r>
-              <a:rPr lang="en-US" sz="1400" b="1" dirty="0"/>
-              <a:t>Goal:</a:t>
-            </a:r>
-          </a:p>
-          <a:p>
-            <a:pPr marL="139700" indent="0">
-              <a:spcBef>
-                <a:spcPts val="400"/>
-              </a:spcBef>
-              <a:buClr>
-                <a:schemeClr val="dk1"/>
-              </a:buClr>
-              <a:buSzPts val="1400"/>
-              <a:buNone/>
-            </a:pPr>
-            <a:endParaRPr lang="en-US" sz="700" b="1" dirty="0"/>
-          </a:p>
-          <a:p>
-            <a:pPr marL="133350" indent="0">
-              <a:buNone/>
-            </a:pPr>
-            <a:r>
-              <a:rPr lang="en-US" sz="1400" dirty="0"/>
-              <a:t>A bank's consumer credit department seeks to streamline the decision-making process for home equity lines of credit. In compliance with the Equal Credit Opportunity Act (ECOA), the department requires an empirically derived and statistically sound credit scoring model.</a:t>
-            </a:r>
-          </a:p>
-          <a:p>
-            <a:pPr marL="133350" indent="0">
-              <a:buNone/>
-            </a:pPr>
-            <a:endParaRPr lang="en-US" sz="700" dirty="0"/>
-          </a:p>
-          <a:p>
-            <a:pPr marL="133350" indent="0">
-              <a:buNone/>
-            </a:pPr>
-            <a:r>
-              <a:rPr lang="en-US" sz="1400" dirty="0"/>
-              <a:t>The model will be developed using data collected through the existing loan underwriting process from recent applicants who were granted credit. The model needs to be interpretable to provide reasonings for loan acceptances/rejections.</a:t>
-            </a:r>
-          </a:p>
-          <a:p>
-            <a:pPr marL="133350" indent="0">
-              <a:buNone/>
-            </a:pPr>
-            <a:endParaRPr lang="en-US" sz="700" dirty="0"/>
-          </a:p>
-          <a:p>
-            <a:pPr marL="139700" indent="0">
-              <a:spcBef>
-                <a:spcPts val="1000"/>
-              </a:spcBef>
-              <a:buClr>
-                <a:schemeClr val="dk1"/>
-              </a:buClr>
-              <a:buSzPts val="1400"/>
-              <a:buNone/>
-            </a:pPr>
-            <a:r>
-              <a:rPr lang="en-US" sz="1400" b="1" dirty="0"/>
-              <a:t>Objective:</a:t>
-            </a:r>
-          </a:p>
-          <a:p>
-            <a:pPr marL="139700" indent="0">
-              <a:spcBef>
-                <a:spcPts val="1000"/>
-              </a:spcBef>
-              <a:buClr>
-                <a:schemeClr val="dk1"/>
-              </a:buClr>
-              <a:buSzPts val="1400"/>
-              <a:buNone/>
-            </a:pPr>
-            <a:r>
-              <a:rPr lang="en-US" sz="1400" dirty="0"/>
-              <a:t>Build a classification model using an Artificial Neural Network (ANN) to predict clients who are likely to default on  loans. The model should provide recommendations on the key features to consider during loan approval.</a:t>
-            </a:r>
-          </a:p>
-        </p:txBody>
-      </p:sp>
-    </p:spTree>
-    <p:extLst>
-      <p:ext uri="{BB962C8B-B14F-4D97-AF65-F5344CB8AC3E}">
-        <p14:creationId xmlns:p14="http://schemas.microsoft.com/office/powerpoint/2010/main" val="2963530775"/>
-      </p:ext>
-    </p:extLst>
-  </p:cSld>
-  <p:clrMapOvr>
-    <a:masterClrMapping/>
-  </p:clrMapOvr>
-</p:sld>
-</file>
-
-<file path=ppt/slides/slide7.xml><?xml version="1.0" encoding="utf-8"?>
-<p:sld xmlns:a="http://schemas.openxmlformats.org/drawingml/2006/main" xmlns:r="http://schemas.openxmlformats.org/officeDocument/2006/relationships" xmlns:p="http://schemas.openxmlformats.org/presentationml/2006/main">
-  <p:cSld>
-    <p:spTree>
-      <p:nvGrpSpPr>
-        <p:cNvPr id="1" name="Shape 174"/>
-        <p:cNvGrpSpPr/>
-        <p:nvPr/>
-      </p:nvGrpSpPr>
-      <p:grpSpPr>
-        <a:xfrm>
-          <a:off x="0" y="0"/>
-          <a:ext cx="0" cy="0"/>
-          <a:chOff x="0" y="0"/>
-          <a:chExt cx="0" cy="0"/>
-        </a:xfrm>
-      </p:grpSpPr>
-      <p:sp>
-        <p:nvSpPr>
-          <p:cNvPr id="175" name="Google Shape;175;p39"/>
-          <p:cNvSpPr txBox="1">
-            <a:spLocks noGrp="1"/>
-          </p:cNvSpPr>
-          <p:nvPr>
-            <p:ph type="title"/>
-          </p:nvPr>
-        </p:nvSpPr>
-        <p:spPr>
-          <a:xfrm>
-            <a:off x="202550" y="289279"/>
+            <a:off x="468977" y="92417"/>
             <a:ext cx="8520600" cy="572700"/>
           </a:xfrm>
           <a:prstGeom prst="rect">
@@ -30731,21 +33576,25 @@
           </a:bodyPr>
           <a:lstStyle/>
           <a:p>
-            <a:pPr marL="0" lvl="0" indent="0" algn="l" rtl="0">
-              <a:lnSpc>
-                <a:spcPct val="100000"/>
-              </a:lnSpc>
-              <a:spcBef>
-                <a:spcPts val="0"/>
-              </a:spcBef>
-              <a:spcAft>
-                <a:spcPts val="0"/>
-              </a:spcAft>
+            <a:pPr marL="0" marR="0" lvl="0" indent="0" algn="l" rtl="0">
+              <a:lnSpc>
+                <a:spcPct val="100000"/>
+              </a:lnSpc>
+              <a:spcBef>
+                <a:spcPts val="0"/>
+              </a:spcBef>
+              <a:spcAft>
+                <a:spcPts val="0"/>
+              </a:spcAft>
+              <a:buClr>
+                <a:srgbClr val="000000"/>
+              </a:buClr>
               <a:buSzPts val="2200"/>
+              <a:buFont typeface="Arial"/>
               <a:buNone/>
             </a:pPr>
             <a:r>
-              <a:rPr lang="en" dirty="0">
+              <a:rPr lang="en-US" sz="2200" b="1" i="0" u="none" strike="noStrike" cap="none" dirty="0">
                 <a:solidFill>
                   <a:schemeClr val="lt2"/>
                 </a:solidFill>
@@ -30754,9 +33603,9 @@
                 <a:cs typeface="Century Gothic"/>
                 <a:sym typeface="Century Gothic"/>
               </a:rPr>
-              <a:t>Zero-Shot Prompt</a:t>
+              <a:t>Initial Exploratory Data Analysis (EDA)</a:t>
             </a:r>
-            <a:endParaRPr dirty="0">
+            <a:endParaRPr sz="2200" b="1" i="0" u="none" strike="noStrike" cap="none" dirty="0">
               <a:solidFill>
                 <a:schemeClr val="lt2"/>
               </a:solidFill>
@@ -30770,7 +33619,7 @@
       </p:sp>
       <p:sp>
         <p:nvSpPr>
-          <p:cNvPr id="176" name="Google Shape;176;p39"/>
+          <p:cNvPr id="190" name="Google Shape;190;p40"/>
           <p:cNvSpPr txBox="1">
             <a:spLocks noGrp="1"/>
           </p:cNvSpPr>
@@ -30780,8 +33629,8 @@
         </p:nvSpPr>
         <p:spPr>
           <a:xfrm>
-            <a:off x="202550" y="861975"/>
-            <a:ext cx="8629800" cy="3706800"/>
+            <a:off x="339152" y="2860770"/>
+            <a:ext cx="8629800" cy="2190313"/>
           </a:xfrm>
           <a:prstGeom prst="rect">
             <a:avLst/>
@@ -30793,40 +33642,25 @@
         </p:spPr>
         <p:txBody>
           <a:bodyPr spcFirstLastPara="1" wrap="square" lIns="91425" tIns="91425" rIns="91425" bIns="91425" anchor="t" anchorCtr="0">
-            <a:noAutofit/>
+            <a:spAutoFit/>
           </a:bodyPr>
           <a:lstStyle/>
           <a:p>
-            <a:pPr marL="457200" lvl="0" indent="-317500" algn="l" rtl="0">
-              <a:lnSpc>
-                <a:spcPct val="115000"/>
-              </a:lnSpc>
-              <a:spcBef>
-                <a:spcPts val="0"/>
-              </a:spcBef>
-              <a:spcAft>
-                <a:spcPts val="0"/>
-              </a:spcAft>
+            <a:pPr marL="0" indent="0" algn="just">
+              <a:spcBef>
+                <a:spcPts val="1000"/>
+              </a:spcBef>
               <a:buClr>
                 <a:schemeClr val="dk1"/>
               </a:buClr>
               <a:buSzPts val="1400"/>
-              <a:buFont typeface="Century Gothic"/>
-              <a:buChar char="●"/>
+              <a:buNone/>
             </a:pPr>
             <a:r>
-              <a:rPr lang="en" sz="1400" dirty="0">
-                <a:solidFill>
-                  <a:schemeClr val="dk1"/>
-                </a:solidFill>
-                <a:latin typeface="Century Gothic"/>
-                <a:ea typeface="Century Gothic"/>
-                <a:cs typeface="Century Gothic"/>
-                <a:sym typeface="Century Gothic"/>
-              </a:rPr>
-              <a:t>Please add the Prompt</a:t>
+              <a:rPr lang="en-US" sz="1400" dirty="0"/>
+              <a:t>Summary statistics for features including count, mean, standard deviation, and distribution percentiles.</a:t>
             </a:r>
-            <a:endParaRPr sz="1400" dirty="0">
+            <a:endParaRPr lang="en-US" sz="1400" dirty="0">
               <a:solidFill>
                 <a:schemeClr val="dk1"/>
               </a:solidFill>
@@ -30837,25 +33671,18 @@
             </a:endParaRPr>
           </a:p>
           <a:p>
-            <a:pPr marL="457200" lvl="0" indent="-317500" algn="l" rtl="0">
-              <a:lnSpc>
-                <a:spcPct val="115000"/>
-              </a:lnSpc>
-              <a:spcBef>
-                <a:spcPts val="1000"/>
-              </a:spcBef>
-              <a:spcAft>
-                <a:spcPts val="0"/>
-              </a:spcAft>
+            <a:pPr marL="139700" lvl="0" indent="0" algn="just">
+              <a:spcBef>
+                <a:spcPts val="600"/>
+              </a:spcBef>
               <a:buClr>
                 <a:schemeClr val="dk1"/>
               </a:buClr>
               <a:buSzPts val="1400"/>
-              <a:buFont typeface="Century Gothic"/>
-              <a:buChar char="●"/>
+              <a:buNone/>
             </a:pPr>
             <a:r>
-              <a:rPr lang="en" sz="1400" dirty="0">
+              <a:rPr lang="en-US" sz="1100" b="1" dirty="0">
                 <a:solidFill>
                   <a:schemeClr val="dk1"/>
                 </a:solidFill>
@@ -30864,58 +33691,10 @@
                 <a:cs typeface="Century Gothic"/>
                 <a:sym typeface="Century Gothic"/>
               </a:rPr>
-              <a:t>Please add the details on the structure of the Prompt</a:t>
+              <a:t>Missing values </a:t>
             </a:r>
-            <a:endParaRPr sz="1400" dirty="0">
-              <a:solidFill>
-                <a:schemeClr val="dk1"/>
-              </a:solidFill>
-              <a:latin typeface="Century Gothic"/>
-              <a:ea typeface="Century Gothic"/>
-              <a:cs typeface="Century Gothic"/>
-              <a:sym typeface="Century Gothic"/>
-            </a:endParaRPr>
-          </a:p>
-          <a:p>
-            <a:pPr marL="0" lvl="0" indent="0" algn="l" rtl="0">
-              <a:lnSpc>
-                <a:spcPct val="115000"/>
-              </a:lnSpc>
-              <a:spcBef>
-                <a:spcPts val="1000"/>
-              </a:spcBef>
-              <a:spcAft>
-                <a:spcPts val="0"/>
-              </a:spcAft>
-              <a:buSzPts val="1500"/>
-              <a:buNone/>
-            </a:pPr>
-            <a:endParaRPr sz="1400" dirty="0">
-              <a:solidFill>
-                <a:schemeClr val="dk1"/>
-              </a:solidFill>
-              <a:latin typeface="Century Gothic"/>
-              <a:ea typeface="Century Gothic"/>
-              <a:cs typeface="Century Gothic"/>
-              <a:sym typeface="Century Gothic"/>
-            </a:endParaRPr>
-          </a:p>
-          <a:p>
-            <a:pPr marL="0" lvl="0" indent="0" algn="l" rtl="0">
-              <a:lnSpc>
-                <a:spcPct val="115000"/>
-              </a:lnSpc>
-              <a:spcBef>
-                <a:spcPts val="1000"/>
-              </a:spcBef>
-              <a:spcAft>
-                <a:spcPts val="1000"/>
-              </a:spcAft>
-              <a:buSzPts val="1500"/>
-              <a:buNone/>
-            </a:pPr>
             <a:r>
-              <a:rPr lang="en" sz="1200" b="1" i="1" dirty="0">
+              <a:rPr lang="en-US" sz="1100" dirty="0">
                 <a:solidFill>
                   <a:schemeClr val="dk1"/>
                 </a:solidFill>
@@ -30924,10 +33703,10 @@
                 <a:cs typeface="Century Gothic"/>
                 <a:sym typeface="Century Gothic"/>
               </a:rPr>
-              <a:t>Note</a:t>
+              <a:t>— There are a lot of missing values (</a:t>
             </a:r>
             <a:r>
-              <a:rPr lang="en" sz="1200" i="1" dirty="0">
+              <a:rPr lang="en-US" sz="1100" b="1" dirty="0">
                 <a:solidFill>
                   <a:schemeClr val="dk1"/>
                 </a:solidFill>
@@ -30936,9 +33715,393 @@
                 <a:cs typeface="Century Gothic"/>
                 <a:sym typeface="Century Gothic"/>
               </a:rPr>
-              <a:t>: You can use more than one slide if needed </a:t>
+              <a:t>DEBTINC</a:t>
             </a:r>
-            <a:endParaRPr sz="1200" i="1" dirty="0">
+            <a:r>
+              <a:rPr lang="en-US" sz="1100" dirty="0">
+                <a:solidFill>
+                  <a:schemeClr val="dk1"/>
+                </a:solidFill>
+                <a:latin typeface="Century Gothic"/>
+                <a:ea typeface="Century Gothic"/>
+                <a:cs typeface="Century Gothic"/>
+                <a:sym typeface="Century Gothic"/>
+              </a:rPr>
+              <a:t> has 4,693 vs 5,960 total records); imputation needed</a:t>
+            </a:r>
+          </a:p>
+          <a:p>
+            <a:pPr marL="139700" lvl="0" indent="0" algn="just">
+              <a:spcBef>
+                <a:spcPts val="600"/>
+              </a:spcBef>
+              <a:buClr>
+                <a:schemeClr val="dk1"/>
+              </a:buClr>
+              <a:buSzPts val="1400"/>
+              <a:buNone/>
+            </a:pPr>
+            <a:r>
+              <a:rPr lang="en-US" sz="1100" b="1" dirty="0">
+                <a:solidFill>
+                  <a:schemeClr val="dk1"/>
+                </a:solidFill>
+                <a:latin typeface="Century Gothic"/>
+                <a:ea typeface="Century Gothic"/>
+                <a:cs typeface="Century Gothic"/>
+                <a:sym typeface="Century Gothic"/>
+              </a:rPr>
+              <a:t>High variance</a:t>
+            </a:r>
+            <a:r>
+              <a:rPr lang="en-US" sz="1100" dirty="0">
+                <a:solidFill>
+                  <a:schemeClr val="dk1"/>
+                </a:solidFill>
+                <a:latin typeface="Century Gothic"/>
+                <a:ea typeface="Century Gothic"/>
+                <a:cs typeface="Century Gothic"/>
+                <a:sym typeface="Century Gothic"/>
+              </a:rPr>
+              <a:t> — </a:t>
+            </a:r>
+            <a:r>
+              <a:rPr lang="en-US" sz="1100" b="1" dirty="0">
+                <a:solidFill>
+                  <a:schemeClr val="dk1"/>
+                </a:solidFill>
+                <a:latin typeface="Century Gothic"/>
+                <a:ea typeface="Century Gothic"/>
+                <a:cs typeface="Century Gothic"/>
+                <a:sym typeface="Century Gothic"/>
+              </a:rPr>
+              <a:t>VALUE</a:t>
+            </a:r>
+            <a:r>
+              <a:rPr lang="en-US" sz="1100" dirty="0">
+                <a:solidFill>
+                  <a:schemeClr val="dk1"/>
+                </a:solidFill>
+                <a:latin typeface="Century Gothic"/>
+                <a:ea typeface="Century Gothic"/>
+                <a:cs typeface="Century Gothic"/>
+                <a:sym typeface="Century Gothic"/>
+              </a:rPr>
+              <a:t> and </a:t>
+            </a:r>
+            <a:r>
+              <a:rPr lang="en-US" sz="1100" b="1" dirty="0">
+                <a:solidFill>
+                  <a:schemeClr val="dk1"/>
+                </a:solidFill>
+                <a:latin typeface="Century Gothic"/>
+                <a:ea typeface="Century Gothic"/>
+                <a:cs typeface="Century Gothic"/>
+                <a:sym typeface="Century Gothic"/>
+              </a:rPr>
+              <a:t>MORTDUE</a:t>
+            </a:r>
+            <a:r>
+              <a:rPr lang="en-US" sz="1100" dirty="0">
+                <a:solidFill>
+                  <a:schemeClr val="dk1"/>
+                </a:solidFill>
+                <a:latin typeface="Century Gothic"/>
+                <a:ea typeface="Century Gothic"/>
+                <a:cs typeface="Century Gothic"/>
+                <a:sym typeface="Century Gothic"/>
+              </a:rPr>
+              <a:t> have large standard deviations (</a:t>
+            </a:r>
+            <a:r>
+              <a:rPr lang="en-US" sz="1100" b="1" dirty="0">
+                <a:solidFill>
+                  <a:schemeClr val="dk1"/>
+                </a:solidFill>
+                <a:latin typeface="Century Gothic"/>
+                <a:ea typeface="Century Gothic"/>
+                <a:cs typeface="Century Gothic"/>
+                <a:sym typeface="Century Gothic"/>
+              </a:rPr>
+              <a:t>STD</a:t>
+            </a:r>
+            <a:r>
+              <a:rPr lang="en-US" sz="1100" dirty="0">
+                <a:solidFill>
+                  <a:schemeClr val="dk1"/>
+                </a:solidFill>
+                <a:latin typeface="Century Gothic"/>
+                <a:ea typeface="Century Gothic"/>
+                <a:cs typeface="Century Gothic"/>
+                <a:sym typeface="Century Gothic"/>
+              </a:rPr>
+              <a:t>) relative to means</a:t>
+            </a:r>
+          </a:p>
+          <a:p>
+            <a:pPr marL="139700" lvl="0" indent="0" algn="just">
+              <a:spcBef>
+                <a:spcPts val="600"/>
+              </a:spcBef>
+              <a:buClr>
+                <a:schemeClr val="dk1"/>
+              </a:buClr>
+              <a:buSzPts val="1400"/>
+              <a:buNone/>
+            </a:pPr>
+            <a:r>
+              <a:rPr lang="en-US" sz="1100" b="1" dirty="0">
+                <a:solidFill>
+                  <a:schemeClr val="dk1"/>
+                </a:solidFill>
+                <a:latin typeface="Century Gothic"/>
+                <a:ea typeface="Century Gothic"/>
+                <a:cs typeface="Century Gothic"/>
+                <a:sym typeface="Century Gothic"/>
+              </a:rPr>
+              <a:t>Potential outliers</a:t>
+            </a:r>
+            <a:r>
+              <a:rPr lang="en-US" sz="1100" dirty="0">
+                <a:solidFill>
+                  <a:schemeClr val="dk1"/>
+                </a:solidFill>
+                <a:latin typeface="Century Gothic"/>
+                <a:ea typeface="Century Gothic"/>
+                <a:cs typeface="Century Gothic"/>
+                <a:sym typeface="Century Gothic"/>
+              </a:rPr>
+              <a:t> — </a:t>
+            </a:r>
+            <a:r>
+              <a:rPr lang="en-US" sz="1100" b="1" dirty="0">
+                <a:solidFill>
+                  <a:schemeClr val="dk1"/>
+                </a:solidFill>
+                <a:latin typeface="Century Gothic"/>
+                <a:ea typeface="Century Gothic"/>
+                <a:cs typeface="Century Gothic"/>
+                <a:sym typeface="Century Gothic"/>
+              </a:rPr>
+              <a:t>CLAGE</a:t>
+            </a:r>
+            <a:r>
+              <a:rPr lang="en-US" sz="1100" dirty="0">
+                <a:solidFill>
+                  <a:schemeClr val="dk1"/>
+                </a:solidFill>
+                <a:latin typeface="Century Gothic"/>
+                <a:ea typeface="Century Gothic"/>
+                <a:cs typeface="Century Gothic"/>
+                <a:sym typeface="Century Gothic"/>
+              </a:rPr>
+              <a:t> max of 1,168 months (~97 years), </a:t>
+            </a:r>
+            <a:r>
+              <a:rPr lang="en-US" sz="1100" b="1" dirty="0">
+                <a:solidFill>
+                  <a:schemeClr val="dk1"/>
+                </a:solidFill>
+                <a:latin typeface="Century Gothic"/>
+                <a:ea typeface="Century Gothic"/>
+                <a:cs typeface="Century Gothic"/>
+                <a:sym typeface="Century Gothic"/>
+              </a:rPr>
+              <a:t>DEBTINC</a:t>
+            </a:r>
+            <a:r>
+              <a:rPr lang="en-US" sz="1100" dirty="0">
+                <a:solidFill>
+                  <a:schemeClr val="dk1"/>
+                </a:solidFill>
+                <a:latin typeface="Century Gothic"/>
+                <a:ea typeface="Century Gothic"/>
+                <a:cs typeface="Century Gothic"/>
+                <a:sym typeface="Century Gothic"/>
+              </a:rPr>
+              <a:t> max of 203% seem extreme</a:t>
+            </a:r>
+          </a:p>
+          <a:p>
+            <a:pPr marL="139700" lvl="0" indent="0" algn="just">
+              <a:spcBef>
+                <a:spcPts val="600"/>
+              </a:spcBef>
+              <a:buClr>
+                <a:schemeClr val="dk1"/>
+              </a:buClr>
+              <a:buSzPts val="1400"/>
+              <a:buNone/>
+            </a:pPr>
+            <a:r>
+              <a:rPr lang="en-US" sz="1100" b="1" dirty="0">
+                <a:solidFill>
+                  <a:schemeClr val="dk1"/>
+                </a:solidFill>
+                <a:latin typeface="Century Gothic"/>
+                <a:ea typeface="Century Gothic"/>
+                <a:cs typeface="Century Gothic"/>
+                <a:sym typeface="Century Gothic"/>
+              </a:rPr>
+              <a:t>Skewed distributions</a:t>
+            </a:r>
+            <a:r>
+              <a:rPr lang="en-US" sz="1100" dirty="0">
+                <a:solidFill>
+                  <a:schemeClr val="dk1"/>
+                </a:solidFill>
+                <a:latin typeface="Century Gothic"/>
+                <a:ea typeface="Century Gothic"/>
+                <a:cs typeface="Century Gothic"/>
+                <a:sym typeface="Century Gothic"/>
+              </a:rPr>
+              <a:t> — Several features show large gaps between 75% and max (</a:t>
+            </a:r>
+            <a:r>
+              <a:rPr lang="en-US" sz="1100" b="1" dirty="0">
+                <a:solidFill>
+                  <a:schemeClr val="dk1"/>
+                </a:solidFill>
+                <a:latin typeface="Century Gothic"/>
+                <a:ea typeface="Century Gothic"/>
+                <a:cs typeface="Century Gothic"/>
+                <a:sym typeface="Century Gothic"/>
+              </a:rPr>
+              <a:t>LOAN, VALUE, MORTDUE</a:t>
+            </a:r>
+            <a:r>
+              <a:rPr lang="en-US" sz="1100" dirty="0">
+                <a:solidFill>
+                  <a:schemeClr val="dk1"/>
+                </a:solidFill>
+                <a:latin typeface="Century Gothic"/>
+                <a:ea typeface="Century Gothic"/>
+                <a:cs typeface="Century Gothic"/>
+                <a:sym typeface="Century Gothic"/>
+              </a:rPr>
+              <a:t>)</a:t>
+            </a:r>
+          </a:p>
+          <a:p>
+            <a:pPr marL="139700" lvl="0" indent="0" algn="just">
+              <a:spcBef>
+                <a:spcPts val="600"/>
+              </a:spcBef>
+              <a:buClr>
+                <a:schemeClr val="dk1"/>
+              </a:buClr>
+              <a:buSzPts val="1400"/>
+              <a:buNone/>
+            </a:pPr>
+            <a:r>
+              <a:rPr lang="en-US" sz="1100" b="1" dirty="0">
+                <a:solidFill>
+                  <a:schemeClr val="dk1"/>
+                </a:solidFill>
+                <a:latin typeface="Century Gothic"/>
+                <a:ea typeface="Century Gothic"/>
+                <a:cs typeface="Century Gothic"/>
+                <a:sym typeface="Century Gothic"/>
+              </a:rPr>
+              <a:t>Categorical features </a:t>
+            </a:r>
+            <a:r>
+              <a:rPr lang="en-US" sz="1100" dirty="0">
+                <a:solidFill>
+                  <a:schemeClr val="dk1"/>
+                </a:solidFill>
+                <a:latin typeface="Century Gothic"/>
+                <a:ea typeface="Century Gothic"/>
+                <a:cs typeface="Century Gothic"/>
+                <a:sym typeface="Century Gothic"/>
+              </a:rPr>
+              <a:t>— </a:t>
+            </a:r>
+            <a:r>
+              <a:rPr lang="en-US" sz="1100" b="1" dirty="0">
+                <a:solidFill>
+                  <a:schemeClr val="dk1"/>
+                </a:solidFill>
+                <a:latin typeface="Century Gothic"/>
+                <a:ea typeface="Century Gothic"/>
+                <a:cs typeface="Century Gothic"/>
+                <a:sym typeface="Century Gothic"/>
+              </a:rPr>
+              <a:t>REASON</a:t>
+            </a:r>
+            <a:r>
+              <a:rPr lang="en-US" sz="1100" dirty="0">
+                <a:solidFill>
+                  <a:schemeClr val="dk1"/>
+                </a:solidFill>
+                <a:latin typeface="Century Gothic"/>
+                <a:ea typeface="Century Gothic"/>
+                <a:cs typeface="Century Gothic"/>
+                <a:sym typeface="Century Gothic"/>
+              </a:rPr>
+              <a:t> and </a:t>
+            </a:r>
+            <a:r>
+              <a:rPr lang="en-US" sz="1100" b="1" dirty="0">
+                <a:solidFill>
+                  <a:schemeClr val="dk1"/>
+                </a:solidFill>
+                <a:latin typeface="Century Gothic"/>
+                <a:ea typeface="Century Gothic"/>
+                <a:cs typeface="Century Gothic"/>
+                <a:sym typeface="Century Gothic"/>
+              </a:rPr>
+              <a:t>JOB</a:t>
+            </a:r>
+            <a:r>
+              <a:rPr lang="en-US" sz="1100" dirty="0">
+                <a:solidFill>
+                  <a:schemeClr val="dk1"/>
+                </a:solidFill>
+                <a:latin typeface="Century Gothic"/>
+                <a:ea typeface="Century Gothic"/>
+                <a:cs typeface="Century Gothic"/>
+                <a:sym typeface="Century Gothic"/>
+              </a:rPr>
+              <a:t> will need encoding</a:t>
+            </a:r>
+          </a:p>
+          <a:p>
+            <a:pPr marL="139700" lvl="0" indent="0" algn="just">
+              <a:spcBef>
+                <a:spcPts val="600"/>
+              </a:spcBef>
+              <a:buClr>
+                <a:schemeClr val="dk1"/>
+              </a:buClr>
+              <a:buSzPts val="1400"/>
+              <a:buNone/>
+            </a:pPr>
+            <a:r>
+              <a:rPr lang="en-US" sz="1100" b="1" dirty="0">
+                <a:solidFill>
+                  <a:schemeClr val="dk1"/>
+                </a:solidFill>
+                <a:latin typeface="Century Gothic"/>
+                <a:ea typeface="Century Gothic"/>
+                <a:cs typeface="Century Gothic"/>
+                <a:sym typeface="Century Gothic"/>
+              </a:rPr>
+              <a:t>DEBTINC most incomplete</a:t>
+            </a:r>
+            <a:r>
+              <a:rPr lang="en-US" sz="1100" dirty="0">
+                <a:solidFill>
+                  <a:schemeClr val="dk1"/>
+                </a:solidFill>
+                <a:latin typeface="Century Gothic"/>
+                <a:ea typeface="Century Gothic"/>
+                <a:cs typeface="Century Gothic"/>
+                <a:sym typeface="Century Gothic"/>
+              </a:rPr>
+              <a:t> — Only 4,693 records; key feature for loan risk so imputation strategy matters</a:t>
+            </a:r>
+            <a:endParaRPr sz="1100" dirty="0">
               <a:solidFill>
                 <a:schemeClr val="dk1"/>
               </a:solidFill>
@@ -30950,599 +34113,75 @@
           </a:p>
         </p:txBody>
       </p:sp>
-    </p:spTree>
-  </p:cSld>
-  <p:clrMapOvr>
-    <a:masterClrMapping/>
-  </p:clrMapOvr>
-</p:sld>
-</file>
-
-<file path=ppt/slides/slide8.xml><?xml version="1.0" encoding="utf-8"?>
-<p:sld xmlns:a="http://schemas.openxmlformats.org/drawingml/2006/main" xmlns:r="http://schemas.openxmlformats.org/officeDocument/2006/relationships" xmlns:p="http://schemas.openxmlformats.org/presentationml/2006/main">
-  <p:cSld>
-    <p:spTree>
-      <p:nvGrpSpPr>
-        <p:cNvPr id="1" name="Shape 174">
-          <a:extLst>
-            <a:ext uri="{FF2B5EF4-FFF2-40B4-BE49-F238E27FC236}">
-              <a16:creationId xmlns:a16="http://schemas.microsoft.com/office/drawing/2014/main" id="{74E24288-D407-BEA9-C3E8-CC3E496CCE7C}"/>
-            </a:ext>
-          </a:extLst>
-        </p:cNvPr>
-        <p:cNvGrpSpPr/>
-        <p:nvPr/>
-      </p:nvGrpSpPr>
-      <p:grpSpPr>
-        <a:xfrm>
-          <a:off x="0" y="0"/>
-          <a:ext cx="0" cy="0"/>
-          <a:chOff x="0" y="0"/>
-          <a:chExt cx="0" cy="0"/>
-        </a:xfrm>
-      </p:grpSpPr>
       <p:sp>
         <p:nvSpPr>
-          <p:cNvPr id="175" name="Google Shape;175;p39">
+          <p:cNvPr id="2" name="Slide Number Placeholder 1">
             <a:extLst>
               <a:ext uri="{FF2B5EF4-FFF2-40B4-BE49-F238E27FC236}">
-                <a16:creationId xmlns:a16="http://schemas.microsoft.com/office/drawing/2014/main" id="{6C0CADF5-6926-EFB5-030E-46F9B6B9FA6D}"/>
+                <a16:creationId xmlns:a16="http://schemas.microsoft.com/office/drawing/2014/main" id="{36B2B995-4D16-DF6D-FD26-76560102C2F5}"/>
               </a:ext>
             </a:extLst>
           </p:cNvPr>
-          <p:cNvSpPr txBox="1">
+          <p:cNvSpPr>
             <a:spLocks noGrp="1"/>
           </p:cNvSpPr>
           <p:nvPr>
-            <p:ph type="title"/>
+            <p:ph type="sldNum" idx="12"/>
           </p:nvPr>
         </p:nvSpPr>
+        <p:spPr/>
+        <p:txBody>
+          <a:bodyPr/>
+          <a:lstStyle/>
+          <a:p>
+            <a:pPr marL="0" lvl="0" indent="0" algn="ctr" rtl="0">
+              <a:spcBef>
+                <a:spcPts val="0"/>
+              </a:spcBef>
+              <a:spcAft>
+                <a:spcPts val="0"/>
+              </a:spcAft>
+              <a:buNone/>
+            </a:pPr>
+            <a:fld id="{00000000-1234-1234-1234-123412341234}" type="slidenum">
+              <a:rPr lang="en-US" smtClean="0"/>
+              <a:t>9</a:t>
+            </a:fld>
+            <a:endParaRPr lang="en-US"/>
+          </a:p>
+        </p:txBody>
+      </p:sp>
+      <p:pic>
+        <p:nvPicPr>
+          <p:cNvPr id="4" name="Picture 3" descr="A table with numbers and text&#10;&#10;AI-generated content may be incorrect.">
+            <a:extLst>
+              <a:ext uri="{FF2B5EF4-FFF2-40B4-BE49-F238E27FC236}">
+                <a16:creationId xmlns:a16="http://schemas.microsoft.com/office/drawing/2014/main" id="{588FAFCB-0529-4A50-A39C-A8C94109A17F}"/>
+              </a:ext>
+            </a:extLst>
+          </p:cNvPr>
+          <p:cNvPicPr>
+            <a:picLocks noChangeAspect="1"/>
+          </p:cNvPicPr>
+          <p:nvPr/>
+        </p:nvPicPr>
+        <p:blipFill>
+          <a:blip r:embed="rId3"/>
+          <a:stretch>
+            <a:fillRect/>
+          </a:stretch>
+        </p:blipFill>
         <p:spPr>
           <a:xfrm>
-            <a:off x="202550" y="289279"/>
-            <a:ext cx="8520600" cy="572700"/>
+            <a:off x="190263" y="555114"/>
+            <a:ext cx="8520600" cy="2494298"/>
           </a:xfrm>
           <a:prstGeom prst="rect">
             <a:avLst/>
           </a:prstGeom>
-          <a:noFill/>
-          <a:ln>
-            <a:noFill/>
-          </a:ln>
         </p:spPr>
-        <p:txBody>
-          <a:bodyPr spcFirstLastPara="1" wrap="square" lIns="91425" tIns="91425" rIns="91425" bIns="91425" anchor="t" anchorCtr="0">
-            <a:noAutofit/>
-          </a:bodyPr>
-          <a:lstStyle/>
-          <a:p>
-            <a:pPr marL="0" lvl="0" indent="0" algn="l" rtl="0">
-              <a:lnSpc>
-                <a:spcPct val="100000"/>
-              </a:lnSpc>
-              <a:spcBef>
-                <a:spcPts val="0"/>
-              </a:spcBef>
-              <a:spcAft>
-                <a:spcPts val="0"/>
-              </a:spcAft>
-              <a:buSzPts val="2200"/>
-              <a:buNone/>
-            </a:pPr>
-            <a:r>
-              <a:rPr lang="en" dirty="0">
-                <a:solidFill>
-                  <a:schemeClr val="lt2"/>
-                </a:solidFill>
-                <a:latin typeface="Century Gothic"/>
-                <a:ea typeface="Century Gothic"/>
-                <a:cs typeface="Century Gothic"/>
-                <a:sym typeface="Century Gothic"/>
-              </a:rPr>
-              <a:t>Zero-Shot Prompt Results</a:t>
-            </a:r>
-            <a:endParaRPr dirty="0">
-              <a:solidFill>
-                <a:schemeClr val="lt2"/>
-              </a:solidFill>
-              <a:latin typeface="Century Gothic"/>
-              <a:ea typeface="Century Gothic"/>
-              <a:cs typeface="Century Gothic"/>
-              <a:sym typeface="Century Gothic"/>
-            </a:endParaRPr>
-          </a:p>
-        </p:txBody>
-      </p:sp>
-      <p:sp>
-        <p:nvSpPr>
-          <p:cNvPr id="176" name="Google Shape;176;p39">
-            <a:extLst>
-              <a:ext uri="{FF2B5EF4-FFF2-40B4-BE49-F238E27FC236}">
-                <a16:creationId xmlns:a16="http://schemas.microsoft.com/office/drawing/2014/main" id="{C2EBD759-08F0-0509-4D87-5CAD1768B15E}"/>
-              </a:ext>
-            </a:extLst>
-          </p:cNvPr>
-          <p:cNvSpPr txBox="1">
-            <a:spLocks noGrp="1"/>
-          </p:cNvSpPr>
-          <p:nvPr>
-            <p:ph type="body" idx="1"/>
-          </p:nvPr>
-        </p:nvSpPr>
-        <p:spPr>
-          <a:xfrm>
-            <a:off x="202550" y="861975"/>
-            <a:ext cx="8629800" cy="3706800"/>
-          </a:xfrm>
-          <a:prstGeom prst="rect">
-            <a:avLst/>
-          </a:prstGeom>
-          <a:noFill/>
-          <a:ln>
-            <a:noFill/>
-          </a:ln>
-        </p:spPr>
-        <p:txBody>
-          <a:bodyPr spcFirstLastPara="1" wrap="square" lIns="91425" tIns="91425" rIns="91425" bIns="91425" anchor="t" anchorCtr="0">
-            <a:noAutofit/>
-          </a:bodyPr>
-          <a:lstStyle/>
-          <a:p>
-            <a:pPr marL="457200" lvl="0" indent="-317500" algn="l" rtl="0">
-              <a:lnSpc>
-                <a:spcPct val="115000"/>
-              </a:lnSpc>
-              <a:spcBef>
-                <a:spcPts val="0"/>
-              </a:spcBef>
-              <a:spcAft>
-                <a:spcPts val="0"/>
-              </a:spcAft>
-              <a:buClr>
-                <a:schemeClr val="dk1"/>
-              </a:buClr>
-              <a:buSzPts val="1400"/>
-              <a:buFont typeface="Century Gothic"/>
-              <a:buChar char="●"/>
-            </a:pPr>
-            <a:r>
-              <a:rPr lang="en" sz="1400" dirty="0">
-                <a:solidFill>
-                  <a:schemeClr val="dk1"/>
-                </a:solidFill>
-                <a:latin typeface="Century Gothic"/>
-                <a:ea typeface="Century Gothic"/>
-                <a:cs typeface="Century Gothic"/>
-                <a:sym typeface="Century Gothic"/>
-              </a:rPr>
-              <a:t>Please add the Prompt</a:t>
-            </a:r>
-            <a:endParaRPr sz="1400" dirty="0">
-              <a:solidFill>
-                <a:schemeClr val="dk1"/>
-              </a:solidFill>
-              <a:latin typeface="Century Gothic"/>
-              <a:ea typeface="Century Gothic"/>
-              <a:cs typeface="Century Gothic"/>
-              <a:sym typeface="Century Gothic"/>
-            </a:endParaRPr>
-          </a:p>
-          <a:p>
-            <a:pPr marL="457200" lvl="0" indent="-317500" algn="l" rtl="0">
-              <a:lnSpc>
-                <a:spcPct val="115000"/>
-              </a:lnSpc>
-              <a:spcBef>
-                <a:spcPts val="1000"/>
-              </a:spcBef>
-              <a:spcAft>
-                <a:spcPts val="0"/>
-              </a:spcAft>
-              <a:buClr>
-                <a:schemeClr val="dk1"/>
-              </a:buClr>
-              <a:buSzPts val="1400"/>
-              <a:buFont typeface="Century Gothic"/>
-              <a:buChar char="●"/>
-            </a:pPr>
-            <a:r>
-              <a:rPr lang="en" sz="1400" dirty="0">
-                <a:solidFill>
-                  <a:schemeClr val="dk1"/>
-                </a:solidFill>
-                <a:latin typeface="Century Gothic"/>
-                <a:ea typeface="Century Gothic"/>
-                <a:cs typeface="Century Gothic"/>
-                <a:sym typeface="Century Gothic"/>
-              </a:rPr>
-              <a:t>Please add the details on the structure of the Prompt</a:t>
-            </a:r>
-            <a:endParaRPr sz="1400" dirty="0">
-              <a:solidFill>
-                <a:schemeClr val="dk1"/>
-              </a:solidFill>
-              <a:latin typeface="Century Gothic"/>
-              <a:ea typeface="Century Gothic"/>
-              <a:cs typeface="Century Gothic"/>
-              <a:sym typeface="Century Gothic"/>
-            </a:endParaRPr>
-          </a:p>
-          <a:p>
-            <a:pPr marL="0" lvl="0" indent="0" algn="l" rtl="0">
-              <a:lnSpc>
-                <a:spcPct val="115000"/>
-              </a:lnSpc>
-              <a:spcBef>
-                <a:spcPts val="1000"/>
-              </a:spcBef>
-              <a:spcAft>
-                <a:spcPts val="0"/>
-              </a:spcAft>
-              <a:buSzPts val="1500"/>
-              <a:buNone/>
-            </a:pPr>
-            <a:endParaRPr sz="1400" dirty="0">
-              <a:solidFill>
-                <a:schemeClr val="dk1"/>
-              </a:solidFill>
-              <a:latin typeface="Century Gothic"/>
-              <a:ea typeface="Century Gothic"/>
-              <a:cs typeface="Century Gothic"/>
-              <a:sym typeface="Century Gothic"/>
-            </a:endParaRPr>
-          </a:p>
-          <a:p>
-            <a:pPr marL="0" lvl="0" indent="0" algn="l" rtl="0">
-              <a:lnSpc>
-                <a:spcPct val="115000"/>
-              </a:lnSpc>
-              <a:spcBef>
-                <a:spcPts val="1000"/>
-              </a:spcBef>
-              <a:spcAft>
-                <a:spcPts val="1000"/>
-              </a:spcAft>
-              <a:buSzPts val="1500"/>
-              <a:buNone/>
-            </a:pPr>
-            <a:r>
-              <a:rPr lang="en" sz="1200" b="1" i="1" dirty="0">
-                <a:solidFill>
-                  <a:schemeClr val="dk1"/>
-                </a:solidFill>
-                <a:latin typeface="Century Gothic"/>
-                <a:ea typeface="Century Gothic"/>
-                <a:cs typeface="Century Gothic"/>
-                <a:sym typeface="Century Gothic"/>
-              </a:rPr>
-              <a:t>Note</a:t>
-            </a:r>
-            <a:r>
-              <a:rPr lang="en" sz="1200" i="1" dirty="0">
-                <a:solidFill>
-                  <a:schemeClr val="dk1"/>
-                </a:solidFill>
-                <a:latin typeface="Century Gothic"/>
-                <a:ea typeface="Century Gothic"/>
-                <a:cs typeface="Century Gothic"/>
-                <a:sym typeface="Century Gothic"/>
-              </a:rPr>
-              <a:t>: You can use more than one slide if needed </a:t>
-            </a:r>
-            <a:endParaRPr sz="1200" i="1" dirty="0">
-              <a:solidFill>
-                <a:schemeClr val="dk1"/>
-              </a:solidFill>
-              <a:latin typeface="Century Gothic"/>
-              <a:ea typeface="Century Gothic"/>
-              <a:cs typeface="Century Gothic"/>
-              <a:sym typeface="Century Gothic"/>
-            </a:endParaRPr>
-          </a:p>
-        </p:txBody>
-      </p:sp>
+      </p:pic>
     </p:spTree>
-    <p:extLst>
-      <p:ext uri="{BB962C8B-B14F-4D97-AF65-F5344CB8AC3E}">
-        <p14:creationId xmlns:p14="http://schemas.microsoft.com/office/powerpoint/2010/main" val="2401707511"/>
-      </p:ext>
-    </p:extLst>
-  </p:cSld>
-  <p:clrMapOvr>
-    <a:masterClrMapping/>
-  </p:clrMapOvr>
-</p:sld>
-</file>
-
-<file path=ppt/slides/slide9.xml><?xml version="1.0" encoding="utf-8"?>
-<p:sld xmlns:a="http://schemas.openxmlformats.org/drawingml/2006/main" xmlns:r="http://schemas.openxmlformats.org/officeDocument/2006/relationships" xmlns:p="http://schemas.openxmlformats.org/presentationml/2006/main">
-  <p:cSld>
-    <p:spTree>
-      <p:nvGrpSpPr>
-        <p:cNvPr id="1" name="Shape 174">
-          <a:extLst>
-            <a:ext uri="{FF2B5EF4-FFF2-40B4-BE49-F238E27FC236}">
-              <a16:creationId xmlns:a16="http://schemas.microsoft.com/office/drawing/2014/main" id="{5EF139BA-A270-932B-5EF4-E97E8CD415EF}"/>
-            </a:ext>
-          </a:extLst>
-        </p:cNvPr>
-        <p:cNvGrpSpPr/>
-        <p:nvPr/>
-      </p:nvGrpSpPr>
-      <p:grpSpPr>
-        <a:xfrm>
-          <a:off x="0" y="0"/>
-          <a:ext cx="0" cy="0"/>
-          <a:chOff x="0" y="0"/>
-          <a:chExt cx="0" cy="0"/>
-        </a:xfrm>
-      </p:grpSpPr>
-      <p:sp>
-        <p:nvSpPr>
-          <p:cNvPr id="175" name="Google Shape;175;p39">
-            <a:extLst>
-              <a:ext uri="{FF2B5EF4-FFF2-40B4-BE49-F238E27FC236}">
-                <a16:creationId xmlns:a16="http://schemas.microsoft.com/office/drawing/2014/main" id="{B410E53B-3B4E-6EC9-2FCC-1CDBEACE83DE}"/>
-              </a:ext>
-            </a:extLst>
-          </p:cNvPr>
-          <p:cNvSpPr txBox="1">
-            <a:spLocks noGrp="1"/>
-          </p:cNvSpPr>
-          <p:nvPr>
-            <p:ph type="title"/>
-          </p:nvPr>
-        </p:nvSpPr>
-        <p:spPr>
-          <a:xfrm>
-            <a:off x="202550" y="289279"/>
-            <a:ext cx="8520600" cy="572700"/>
-          </a:xfrm>
-          <a:prstGeom prst="rect">
-            <a:avLst/>
-          </a:prstGeom>
-          <a:noFill/>
-          <a:ln>
-            <a:noFill/>
-          </a:ln>
-        </p:spPr>
-        <p:txBody>
-          <a:bodyPr spcFirstLastPara="1" wrap="square" lIns="91425" tIns="91425" rIns="91425" bIns="91425" anchor="t" anchorCtr="0">
-            <a:noAutofit/>
-          </a:bodyPr>
-          <a:lstStyle/>
-          <a:p>
-            <a:pPr marL="0" lvl="0" indent="0" algn="l" rtl="0">
-              <a:lnSpc>
-                <a:spcPct val="100000"/>
-              </a:lnSpc>
-              <a:spcBef>
-                <a:spcPts val="0"/>
-              </a:spcBef>
-              <a:spcAft>
-                <a:spcPts val="0"/>
-              </a:spcAft>
-              <a:buSzPts val="2200"/>
-              <a:buNone/>
-            </a:pPr>
-            <a:r>
-              <a:rPr lang="en" dirty="0">
-                <a:solidFill>
-                  <a:schemeClr val="lt2"/>
-                </a:solidFill>
-                <a:latin typeface="Century Gothic"/>
-                <a:ea typeface="Century Gothic"/>
-                <a:cs typeface="Century Gothic"/>
-                <a:sym typeface="Century Gothic"/>
-              </a:rPr>
-              <a:t>Few-Shot Prompt</a:t>
-            </a:r>
-            <a:endParaRPr dirty="0">
-              <a:solidFill>
-                <a:schemeClr val="lt2"/>
-              </a:solidFill>
-              <a:latin typeface="Century Gothic"/>
-              <a:ea typeface="Century Gothic"/>
-              <a:cs typeface="Century Gothic"/>
-              <a:sym typeface="Century Gothic"/>
-            </a:endParaRPr>
-          </a:p>
-        </p:txBody>
-      </p:sp>
-      <p:sp>
-        <p:nvSpPr>
-          <p:cNvPr id="176" name="Google Shape;176;p39">
-            <a:extLst>
-              <a:ext uri="{FF2B5EF4-FFF2-40B4-BE49-F238E27FC236}">
-                <a16:creationId xmlns:a16="http://schemas.microsoft.com/office/drawing/2014/main" id="{B17897DC-3AEF-0FA4-A970-B89A7B6B41B2}"/>
-              </a:ext>
-            </a:extLst>
-          </p:cNvPr>
-          <p:cNvSpPr txBox="1">
-            <a:spLocks noGrp="1"/>
-          </p:cNvSpPr>
-          <p:nvPr>
-            <p:ph type="body" idx="1"/>
-          </p:nvPr>
-        </p:nvSpPr>
-        <p:spPr>
-          <a:xfrm>
-            <a:off x="202550" y="861975"/>
-            <a:ext cx="8629800" cy="3706800"/>
-          </a:xfrm>
-          <a:prstGeom prst="rect">
-            <a:avLst/>
-          </a:prstGeom>
-          <a:noFill/>
-          <a:ln>
-            <a:noFill/>
-          </a:ln>
-        </p:spPr>
-        <p:txBody>
-          <a:bodyPr spcFirstLastPara="1" wrap="square" lIns="91425" tIns="91425" rIns="91425" bIns="91425" anchor="t" anchorCtr="0">
-            <a:noAutofit/>
-          </a:bodyPr>
-          <a:lstStyle/>
-          <a:p>
-            <a:pPr marL="457200" lvl="0" indent="-317500" algn="l" rtl="0">
-              <a:lnSpc>
-                <a:spcPct val="115000"/>
-              </a:lnSpc>
-              <a:spcBef>
-                <a:spcPts val="0"/>
-              </a:spcBef>
-              <a:spcAft>
-                <a:spcPts val="0"/>
-              </a:spcAft>
-              <a:buClr>
-                <a:schemeClr val="dk1"/>
-              </a:buClr>
-              <a:buSzPts val="1400"/>
-              <a:buFont typeface="Century Gothic"/>
-              <a:buChar char="●"/>
-            </a:pPr>
-            <a:r>
-              <a:rPr lang="en" sz="1400" dirty="0">
-                <a:solidFill>
-                  <a:schemeClr val="dk1"/>
-                </a:solidFill>
-                <a:latin typeface="Century Gothic"/>
-                <a:ea typeface="Century Gothic"/>
-                <a:cs typeface="Century Gothic"/>
-                <a:sym typeface="Century Gothic"/>
-              </a:rPr>
-              <a:t>Please add the Prompt</a:t>
-            </a:r>
-            <a:endParaRPr sz="1400" dirty="0">
-              <a:solidFill>
-                <a:schemeClr val="dk1"/>
-              </a:solidFill>
-              <a:latin typeface="Century Gothic"/>
-              <a:ea typeface="Century Gothic"/>
-              <a:cs typeface="Century Gothic"/>
-              <a:sym typeface="Century Gothic"/>
-            </a:endParaRPr>
-          </a:p>
-          <a:p>
-            <a:pPr marL="457200" lvl="0" indent="-317500" algn="l" rtl="0">
-              <a:lnSpc>
-                <a:spcPct val="115000"/>
-              </a:lnSpc>
-              <a:spcBef>
-                <a:spcPts val="1000"/>
-              </a:spcBef>
-              <a:spcAft>
-                <a:spcPts val="0"/>
-              </a:spcAft>
-              <a:buClr>
-                <a:schemeClr val="dk1"/>
-              </a:buClr>
-              <a:buSzPts val="1400"/>
-              <a:buFont typeface="Century Gothic"/>
-              <a:buChar char="●"/>
-            </a:pPr>
-            <a:r>
-              <a:rPr lang="en" sz="1400" dirty="0">
-                <a:solidFill>
-                  <a:schemeClr val="dk1"/>
-                </a:solidFill>
-                <a:latin typeface="Century Gothic"/>
-                <a:ea typeface="Century Gothic"/>
-                <a:cs typeface="Century Gothic"/>
-                <a:sym typeface="Century Gothic"/>
-              </a:rPr>
-              <a:t>Please add the details on the structure of the Prompt</a:t>
-            </a:r>
-            <a:endParaRPr sz="1400" dirty="0">
-              <a:solidFill>
-                <a:schemeClr val="dk1"/>
-              </a:solidFill>
-              <a:latin typeface="Century Gothic"/>
-              <a:ea typeface="Century Gothic"/>
-              <a:cs typeface="Century Gothic"/>
-              <a:sym typeface="Century Gothic"/>
-            </a:endParaRPr>
-          </a:p>
-          <a:p>
-            <a:pPr marL="0" lvl="0" indent="0" algn="l" rtl="0">
-              <a:lnSpc>
-                <a:spcPct val="115000"/>
-              </a:lnSpc>
-              <a:spcBef>
-                <a:spcPts val="1000"/>
-              </a:spcBef>
-              <a:spcAft>
-                <a:spcPts val="0"/>
-              </a:spcAft>
-              <a:buSzPts val="1500"/>
-              <a:buNone/>
-            </a:pPr>
-            <a:endParaRPr sz="1400" dirty="0">
-              <a:solidFill>
-                <a:schemeClr val="dk1"/>
-              </a:solidFill>
-              <a:latin typeface="Century Gothic"/>
-              <a:ea typeface="Century Gothic"/>
-              <a:cs typeface="Century Gothic"/>
-              <a:sym typeface="Century Gothic"/>
-            </a:endParaRPr>
-          </a:p>
-          <a:p>
-            <a:pPr marL="0" lvl="0" indent="0" algn="l" rtl="0">
-              <a:lnSpc>
-                <a:spcPct val="115000"/>
-              </a:lnSpc>
-              <a:spcBef>
-                <a:spcPts val="1000"/>
-              </a:spcBef>
-              <a:spcAft>
-                <a:spcPts val="1000"/>
-              </a:spcAft>
-              <a:buSzPts val="1500"/>
-              <a:buNone/>
-            </a:pPr>
-            <a:r>
-              <a:rPr lang="en" sz="1200" b="1" i="1" dirty="0">
-                <a:solidFill>
-                  <a:schemeClr val="dk1"/>
-                </a:solidFill>
-                <a:latin typeface="Century Gothic"/>
-                <a:ea typeface="Century Gothic"/>
-                <a:cs typeface="Century Gothic"/>
-                <a:sym typeface="Century Gothic"/>
-              </a:rPr>
-              <a:t>Note</a:t>
-            </a:r>
-            <a:r>
-              <a:rPr lang="en" sz="1200" i="1" dirty="0">
-                <a:solidFill>
-                  <a:schemeClr val="dk1"/>
-                </a:solidFill>
-                <a:latin typeface="Century Gothic"/>
-                <a:ea typeface="Century Gothic"/>
-                <a:cs typeface="Century Gothic"/>
-                <a:sym typeface="Century Gothic"/>
-              </a:rPr>
-              <a:t>: You can use more than one slide if needed </a:t>
-            </a:r>
-            <a:endParaRPr sz="1200" i="1" dirty="0">
-              <a:solidFill>
-                <a:schemeClr val="dk1"/>
-              </a:solidFill>
-              <a:latin typeface="Century Gothic"/>
-              <a:ea typeface="Century Gothic"/>
-              <a:cs typeface="Century Gothic"/>
-              <a:sym typeface="Century Gothic"/>
-            </a:endParaRPr>
-          </a:p>
-        </p:txBody>
-      </p:sp>
-    </p:spTree>
-    <p:extLst>
-      <p:ext uri="{BB962C8B-B14F-4D97-AF65-F5344CB8AC3E}">
-        <p14:creationId xmlns:p14="http://schemas.microsoft.com/office/powerpoint/2010/main" val="269933833"/>
-      </p:ext>
-    </p:extLst>
   </p:cSld>
   <p:clrMapOvr>
     <a:masterClrMapping/>

--- a/GenAI-Powered Food Delivery Sentiment Analysis/Project Presentation - Business Applications of GenAI - John Buczkowski.pptx
+++ b/GenAI-Powered Food Delivery Sentiment Analysis/Project Presentation - Business Applications of GenAI - John Buczkowski.pptx
@@ -7,7 +7,7 @@
     <p:sldMasterId id="2147483681" r:id="rId3"/>
   </p:sldMasterIdLst>
   <p:notesMasterIdLst>
-    <p:notesMasterId r:id="rId32"/>
+    <p:notesMasterId r:id="rId34"/>
   </p:notesMasterIdLst>
   <p:sldIdLst>
     <p:sldId id="256" r:id="rId4"/>
@@ -19,54 +19,56 @@
     <p:sldId id="301" r:id="rId10"/>
     <p:sldId id="287" r:id="rId11"/>
     <p:sldId id="303" r:id="rId12"/>
-    <p:sldId id="267" r:id="rId13"/>
-    <p:sldId id="302" r:id="rId14"/>
-    <p:sldId id="260" r:id="rId15"/>
-    <p:sldId id="293" r:id="rId16"/>
-    <p:sldId id="290" r:id="rId17"/>
-    <p:sldId id="294" r:id="rId18"/>
-    <p:sldId id="291" r:id="rId19"/>
-    <p:sldId id="295" r:id="rId20"/>
-    <p:sldId id="292" r:id="rId21"/>
-    <p:sldId id="296" r:id="rId22"/>
-    <p:sldId id="261" r:id="rId23"/>
-    <p:sldId id="297" r:id="rId24"/>
-    <p:sldId id="298" r:id="rId25"/>
-    <p:sldId id="289" r:id="rId26"/>
-    <p:sldId id="262" r:id="rId27"/>
-    <p:sldId id="263" r:id="rId28"/>
-    <p:sldId id="264" r:id="rId29"/>
-    <p:sldId id="265" r:id="rId30"/>
-    <p:sldId id="266" r:id="rId31"/>
+    <p:sldId id="304" r:id="rId13"/>
+    <p:sldId id="267" r:id="rId14"/>
+    <p:sldId id="305" r:id="rId15"/>
+    <p:sldId id="302" r:id="rId16"/>
+    <p:sldId id="260" r:id="rId17"/>
+    <p:sldId id="293" r:id="rId18"/>
+    <p:sldId id="290" r:id="rId19"/>
+    <p:sldId id="294" r:id="rId20"/>
+    <p:sldId id="291" r:id="rId21"/>
+    <p:sldId id="295" r:id="rId22"/>
+    <p:sldId id="292" r:id="rId23"/>
+    <p:sldId id="296" r:id="rId24"/>
+    <p:sldId id="261" r:id="rId25"/>
+    <p:sldId id="297" r:id="rId26"/>
+    <p:sldId id="298" r:id="rId27"/>
+    <p:sldId id="289" r:id="rId28"/>
+    <p:sldId id="262" r:id="rId29"/>
+    <p:sldId id="263" r:id="rId30"/>
+    <p:sldId id="264" r:id="rId31"/>
+    <p:sldId id="265" r:id="rId32"/>
+    <p:sldId id="266" r:id="rId33"/>
   </p:sldIdLst>
   <p:sldSz cx="9144000" cy="5143500" type="screen16x9"/>
   <p:notesSz cx="6858000" cy="9144000"/>
   <p:embeddedFontLst>
     <p:embeddedFont>
       <p:font typeface="Century Gothic" panose="020B0502020202020204" pitchFamily="34" charset="0"/>
-      <p:regular r:id="rId33"/>
-      <p:bold r:id="rId34"/>
-      <p:italic r:id="rId35"/>
-      <p:boldItalic r:id="rId36"/>
+      <p:regular r:id="rId35"/>
+      <p:bold r:id="rId36"/>
+      <p:italic r:id="rId37"/>
+      <p:boldItalic r:id="rId38"/>
     </p:embeddedFont>
     <p:embeddedFont>
       <p:font typeface="Nunito" pitchFamily="2" charset="0"/>
-      <p:regular r:id="rId37"/>
-      <p:bold r:id="rId38"/>
-      <p:italic r:id="rId39"/>
-      <p:boldItalic r:id="rId40"/>
+      <p:regular r:id="rId39"/>
+      <p:bold r:id="rId40"/>
+      <p:italic r:id="rId41"/>
+      <p:boldItalic r:id="rId42"/>
     </p:embeddedFont>
     <p:embeddedFont>
       <p:font typeface="Nunito ExtraBold" pitchFamily="2" charset="0"/>
-      <p:bold r:id="rId41"/>
-      <p:boldItalic r:id="rId42"/>
+      <p:bold r:id="rId43"/>
+      <p:boldItalic r:id="rId44"/>
     </p:embeddedFont>
     <p:embeddedFont>
       <p:font typeface="Nunito SemiBold" pitchFamily="2" charset="0"/>
-      <p:regular r:id="rId43"/>
-      <p:bold r:id="rId44"/>
-      <p:italic r:id="rId45"/>
-      <p:boldItalic r:id="rId46"/>
+      <p:regular r:id="rId45"/>
+      <p:bold r:id="rId46"/>
+      <p:italic r:id="rId47"/>
+      <p:boldItalic r:id="rId48"/>
     </p:embeddedFont>
   </p:embeddedFontLst>
   <p:defaultTextStyle>
@@ -885,6 +887,273 @@
   <p:cSld>
     <p:spTree>
       <p:nvGrpSpPr>
+        <p:cNvPr id="1" name="Shape 159">
+          <a:extLst>
+            <a:ext uri="{FF2B5EF4-FFF2-40B4-BE49-F238E27FC236}">
+              <a16:creationId xmlns:a16="http://schemas.microsoft.com/office/drawing/2014/main" id="{7726BCA9-B956-D9AC-4210-D263F26C66DB}"/>
+            </a:ext>
+          </a:extLst>
+        </p:cNvPr>
+        <p:cNvGrpSpPr/>
+        <p:nvPr/>
+      </p:nvGrpSpPr>
+      <p:grpSpPr>
+        <a:xfrm>
+          <a:off x="0" y="0"/>
+          <a:ext cx="0" cy="0"/>
+          <a:chOff x="0" y="0"/>
+          <a:chExt cx="0" cy="0"/>
+        </a:xfrm>
+      </p:grpSpPr>
+      <p:sp>
+        <p:nvSpPr>
+          <p:cNvPr id="160" name="Google Shape;160;g2cd30dbf4aa_0_262:notes">
+            <a:extLst>
+              <a:ext uri="{FF2B5EF4-FFF2-40B4-BE49-F238E27FC236}">
+                <a16:creationId xmlns:a16="http://schemas.microsoft.com/office/drawing/2014/main" id="{A4236E8E-BAEF-6FA4-0BC6-E49782CD78F4}"/>
+              </a:ext>
+            </a:extLst>
+          </p:cNvPr>
+          <p:cNvSpPr>
+            <a:spLocks noGrp="1" noRot="1" noChangeAspect="1"/>
+          </p:cNvSpPr>
+          <p:nvPr>
+            <p:ph type="sldImg" idx="2"/>
+          </p:nvPr>
+        </p:nvSpPr>
+        <p:spPr>
+          <a:xfrm>
+            <a:off x="381000" y="685800"/>
+            <a:ext cx="6096000" cy="3429000"/>
+          </a:xfrm>
+          <a:custGeom>
+            <a:avLst/>
+            <a:gdLst/>
+            <a:ahLst/>
+            <a:cxnLst/>
+            <a:rect l="l" t="t" r="r" b="b"/>
+            <a:pathLst>
+              <a:path w="120000" h="120000" extrusionOk="0">
+                <a:moveTo>
+                  <a:pt x="0" y="0"/>
+                </a:moveTo>
+                <a:lnTo>
+                  <a:pt x="120000" y="0"/>
+                </a:lnTo>
+                <a:lnTo>
+                  <a:pt x="120000" y="120000"/>
+                </a:lnTo>
+                <a:lnTo>
+                  <a:pt x="0" y="120000"/>
+                </a:lnTo>
+                <a:close/>
+              </a:path>
+            </a:pathLst>
+          </a:custGeom>
+          <a:noFill/>
+          <a:ln w="9525" cap="flat" cmpd="sng">
+            <a:solidFill>
+              <a:srgbClr val="000000"/>
+            </a:solidFill>
+            <a:prstDash val="solid"/>
+            <a:round/>
+            <a:headEnd type="none" w="sm" len="sm"/>
+            <a:tailEnd type="none" w="sm" len="sm"/>
+          </a:ln>
+        </p:spPr>
+      </p:sp>
+      <p:sp>
+        <p:nvSpPr>
+          <p:cNvPr id="161" name="Google Shape;161;g2cd30dbf4aa_0_262:notes">
+            <a:extLst>
+              <a:ext uri="{FF2B5EF4-FFF2-40B4-BE49-F238E27FC236}">
+                <a16:creationId xmlns:a16="http://schemas.microsoft.com/office/drawing/2014/main" id="{F0493C87-025F-0197-CF68-4FBED7B726BB}"/>
+              </a:ext>
+            </a:extLst>
+          </p:cNvPr>
+          <p:cNvSpPr txBox="1">
+            <a:spLocks noGrp="1"/>
+          </p:cNvSpPr>
+          <p:nvPr>
+            <p:ph type="body" idx="1"/>
+          </p:nvPr>
+        </p:nvSpPr>
+        <p:spPr>
+          <a:xfrm>
+            <a:off x="685800" y="4343400"/>
+            <a:ext cx="5486400" cy="4114800"/>
+          </a:xfrm>
+          <a:prstGeom prst="rect">
+            <a:avLst/>
+          </a:prstGeom>
+          <a:noFill/>
+          <a:ln>
+            <a:noFill/>
+          </a:ln>
+        </p:spPr>
+        <p:txBody>
+          <a:bodyPr spcFirstLastPara="1" wrap="square" lIns="91425" tIns="91425" rIns="91425" bIns="91425" anchor="t" anchorCtr="0">
+            <a:noAutofit/>
+          </a:bodyPr>
+          <a:lstStyle/>
+          <a:p>
+            <a:pPr marL="0" lvl="0" indent="0" algn="l" rtl="0">
+              <a:lnSpc>
+                <a:spcPct val="100000"/>
+              </a:lnSpc>
+              <a:spcBef>
+                <a:spcPts val="0"/>
+              </a:spcBef>
+              <a:spcAft>
+                <a:spcPts val="0"/>
+              </a:spcAft>
+              <a:buSzPts val="1100"/>
+              <a:buNone/>
+            </a:pPr>
+            <a:endParaRPr/>
+          </a:p>
+        </p:txBody>
+      </p:sp>
+    </p:spTree>
+    <p:extLst>
+      <p:ext uri="{BB962C8B-B14F-4D97-AF65-F5344CB8AC3E}">
+        <p14:creationId xmlns:p14="http://schemas.microsoft.com/office/powerpoint/2010/main" val="3034927284"/>
+      </p:ext>
+    </p:extLst>
+  </p:cSld>
+  <p:clrMapOvr>
+    <a:masterClrMapping/>
+  </p:clrMapOvr>
+</p:notes>
+</file>
+
+<file path=ppt/notesSlides/notesSlide11.xml><?xml version="1.0" encoding="utf-8"?>
+<p:notes xmlns:a="http://schemas.openxmlformats.org/drawingml/2006/main" xmlns:r="http://schemas.openxmlformats.org/officeDocument/2006/relationships" xmlns:p="http://schemas.openxmlformats.org/presentationml/2006/main" showMasterSp="0" showMasterPhAnim="0">
+  <p:cSld>
+    <p:spTree>
+      <p:nvGrpSpPr>
+        <p:cNvPr id="1" name="Shape 171"/>
+        <p:cNvGrpSpPr/>
+        <p:nvPr/>
+      </p:nvGrpSpPr>
+      <p:grpSpPr>
+        <a:xfrm>
+          <a:off x="0" y="0"/>
+          <a:ext cx="0" cy="0"/>
+          <a:chOff x="0" y="0"/>
+          <a:chExt cx="0" cy="0"/>
+        </a:xfrm>
+      </p:grpSpPr>
+      <p:sp>
+        <p:nvSpPr>
+          <p:cNvPr id="172" name="Google Shape;172;g2cd30dbf4aa_0_267:notes"/>
+          <p:cNvSpPr>
+            <a:spLocks noGrp="1" noRot="1" noChangeAspect="1"/>
+          </p:cNvSpPr>
+          <p:nvPr>
+            <p:ph type="sldImg" idx="2"/>
+          </p:nvPr>
+        </p:nvSpPr>
+        <p:spPr>
+          <a:xfrm>
+            <a:off x="381000" y="685800"/>
+            <a:ext cx="6096000" cy="3429000"/>
+          </a:xfrm>
+          <a:custGeom>
+            <a:avLst/>
+            <a:gdLst/>
+            <a:ahLst/>
+            <a:cxnLst/>
+            <a:rect l="l" t="t" r="r" b="b"/>
+            <a:pathLst>
+              <a:path w="120000" h="120000" extrusionOk="0">
+                <a:moveTo>
+                  <a:pt x="0" y="0"/>
+                </a:moveTo>
+                <a:lnTo>
+                  <a:pt x="120000" y="0"/>
+                </a:lnTo>
+                <a:lnTo>
+                  <a:pt x="120000" y="120000"/>
+                </a:lnTo>
+                <a:lnTo>
+                  <a:pt x="0" y="120000"/>
+                </a:lnTo>
+                <a:close/>
+              </a:path>
+            </a:pathLst>
+          </a:custGeom>
+          <a:noFill/>
+          <a:ln w="9525" cap="flat" cmpd="sng">
+            <a:solidFill>
+              <a:srgbClr val="000000"/>
+            </a:solidFill>
+            <a:prstDash val="solid"/>
+            <a:round/>
+            <a:headEnd type="none" w="sm" len="sm"/>
+            <a:tailEnd type="none" w="sm" len="sm"/>
+          </a:ln>
+        </p:spPr>
+      </p:sp>
+      <p:sp>
+        <p:nvSpPr>
+          <p:cNvPr id="173" name="Google Shape;173;g2cd30dbf4aa_0_267:notes"/>
+          <p:cNvSpPr txBox="1">
+            <a:spLocks noGrp="1"/>
+          </p:cNvSpPr>
+          <p:nvPr>
+            <p:ph type="body" idx="1"/>
+          </p:nvPr>
+        </p:nvSpPr>
+        <p:spPr>
+          <a:xfrm>
+            <a:off x="685800" y="4343400"/>
+            <a:ext cx="5486400" cy="4114800"/>
+          </a:xfrm>
+          <a:prstGeom prst="rect">
+            <a:avLst/>
+          </a:prstGeom>
+          <a:noFill/>
+          <a:ln>
+            <a:noFill/>
+          </a:ln>
+        </p:spPr>
+        <p:txBody>
+          <a:bodyPr spcFirstLastPara="1" wrap="square" lIns="91425" tIns="91425" rIns="91425" bIns="91425" anchor="t" anchorCtr="0">
+            <a:noAutofit/>
+          </a:bodyPr>
+          <a:lstStyle/>
+          <a:p>
+            <a:pPr marL="0" lvl="0" indent="0" algn="l" rtl="0">
+              <a:lnSpc>
+                <a:spcPct val="100000"/>
+              </a:lnSpc>
+              <a:spcBef>
+                <a:spcPts val="0"/>
+              </a:spcBef>
+              <a:spcAft>
+                <a:spcPts val="0"/>
+              </a:spcAft>
+              <a:buSzPts val="1100"/>
+              <a:buNone/>
+            </a:pPr>
+            <a:endParaRPr/>
+          </a:p>
+        </p:txBody>
+      </p:sp>
+    </p:spTree>
+  </p:cSld>
+  <p:clrMapOvr>
+    <a:masterClrMapping/>
+  </p:clrMapOvr>
+</p:notes>
+</file>
+
+<file path=ppt/notesSlides/notesSlide12.xml><?xml version="1.0" encoding="utf-8"?>
+<p:notes xmlns:a="http://schemas.openxmlformats.org/drawingml/2006/main" xmlns:r="http://schemas.openxmlformats.org/officeDocument/2006/relationships" xmlns:p="http://schemas.openxmlformats.org/presentationml/2006/main" showMasterSp="0" showMasterPhAnim="0">
+  <p:cSld>
+    <p:spTree>
+      <p:nvGrpSpPr>
         <p:cNvPr id="1" name="Shape 171">
           <a:extLst>
             <a:ext uri="{FF2B5EF4-FFF2-40B4-BE49-F238E27FC236}">
@@ -1025,7 +1294,7 @@
 </p:notes>
 </file>
 
-<file path=ppt/notesSlides/notesSlide11.xml><?xml version="1.0" encoding="utf-8"?>
+<file path=ppt/notesSlides/notesSlide13.xml><?xml version="1.0" encoding="utf-8"?>
 <p:notes xmlns:a="http://schemas.openxmlformats.org/drawingml/2006/main" xmlns:r="http://schemas.openxmlformats.org/officeDocument/2006/relationships" xmlns:p="http://schemas.openxmlformats.org/presentationml/2006/main" showMasterSp="0" showMasterPhAnim="0">
   <p:cSld>
     <p:spTree>
@@ -1170,7 +1439,7 @@
 </p:notes>
 </file>
 
-<file path=ppt/notesSlides/notesSlide12.xml><?xml version="1.0" encoding="utf-8"?>
+<file path=ppt/notesSlides/notesSlide14.xml><?xml version="1.0" encoding="utf-8"?>
 <p:notes xmlns:a="http://schemas.openxmlformats.org/drawingml/2006/main" xmlns:r="http://schemas.openxmlformats.org/officeDocument/2006/relationships" xmlns:p="http://schemas.openxmlformats.org/presentationml/2006/main" showMasterSp="0" showMasterPhAnim="0">
   <p:cSld>
     <p:spTree>
@@ -1315,7 +1584,7 @@
 </p:notes>
 </file>
 
-<file path=ppt/notesSlides/notesSlide13.xml><?xml version="1.0" encoding="utf-8"?>
+<file path=ppt/notesSlides/notesSlide15.xml><?xml version="1.0" encoding="utf-8"?>
 <p:notes xmlns:a="http://schemas.openxmlformats.org/drawingml/2006/main" xmlns:r="http://schemas.openxmlformats.org/officeDocument/2006/relationships" xmlns:p="http://schemas.openxmlformats.org/presentationml/2006/main" showMasterSp="0" showMasterPhAnim="0">
   <p:cSld>
     <p:spTree>
@@ -1460,7 +1729,7 @@
 </p:notes>
 </file>
 
-<file path=ppt/notesSlides/notesSlide14.xml><?xml version="1.0" encoding="utf-8"?>
+<file path=ppt/notesSlides/notesSlide16.xml><?xml version="1.0" encoding="utf-8"?>
 <p:notes xmlns:a="http://schemas.openxmlformats.org/drawingml/2006/main" xmlns:r="http://schemas.openxmlformats.org/officeDocument/2006/relationships" xmlns:p="http://schemas.openxmlformats.org/presentationml/2006/main" showMasterSp="0" showMasterPhAnim="0">
   <p:cSld>
     <p:spTree>
@@ -1605,7 +1874,7 @@
 </p:notes>
 </file>
 
-<file path=ppt/notesSlides/notesSlide15.xml><?xml version="1.0" encoding="utf-8"?>
+<file path=ppt/notesSlides/notesSlide17.xml><?xml version="1.0" encoding="utf-8"?>
 <p:notes xmlns:a="http://schemas.openxmlformats.org/drawingml/2006/main" xmlns:r="http://schemas.openxmlformats.org/officeDocument/2006/relationships" xmlns:p="http://schemas.openxmlformats.org/presentationml/2006/main" showMasterSp="0" showMasterPhAnim="0">
   <p:cSld>
     <p:spTree>
@@ -1750,7 +2019,7 @@
 </p:notes>
 </file>
 
-<file path=ppt/notesSlides/notesSlide16.xml><?xml version="1.0" encoding="utf-8"?>
+<file path=ppt/notesSlides/notesSlide18.xml><?xml version="1.0" encoding="utf-8"?>
 <p:notes xmlns:a="http://schemas.openxmlformats.org/drawingml/2006/main" xmlns:r="http://schemas.openxmlformats.org/officeDocument/2006/relationships" xmlns:p="http://schemas.openxmlformats.org/presentationml/2006/main" showMasterSp="0" showMasterPhAnim="0">
   <p:cSld>
     <p:spTree>
@@ -1895,7 +2164,7 @@
 </p:notes>
 </file>
 
-<file path=ppt/notesSlides/notesSlide17.xml><?xml version="1.0" encoding="utf-8"?>
+<file path=ppt/notesSlides/notesSlide19.xml><?xml version="1.0" encoding="utf-8"?>
 <p:notes xmlns:a="http://schemas.openxmlformats.org/drawingml/2006/main" xmlns:r="http://schemas.openxmlformats.org/officeDocument/2006/relationships" xmlns:p="http://schemas.openxmlformats.org/presentationml/2006/main" showMasterSp="0" showMasterPhAnim="0">
   <p:cSld>
     <p:spTree>
@@ -2017,7 +2286,129 @@
 </p:notes>
 </file>
 
-<file path=ppt/notesSlides/notesSlide18.xml><?xml version="1.0" encoding="utf-8"?>
+<file path=ppt/notesSlides/notesSlide2.xml><?xml version="1.0" encoding="utf-8"?>
+<p:notes xmlns:a="http://schemas.openxmlformats.org/drawingml/2006/main" xmlns:r="http://schemas.openxmlformats.org/officeDocument/2006/relationships" xmlns:p="http://schemas.openxmlformats.org/presentationml/2006/main" showMasterSp="0" showMasterPhAnim="0">
+  <p:cSld>
+    <p:spTree>
+      <p:nvGrpSpPr>
+        <p:cNvPr id="1" name="Shape 153"/>
+        <p:cNvGrpSpPr/>
+        <p:nvPr/>
+      </p:nvGrpSpPr>
+      <p:grpSpPr>
+        <a:xfrm>
+          <a:off x="0" y="0"/>
+          <a:ext cx="0" cy="0"/>
+          <a:chOff x="0" y="0"/>
+          <a:chExt cx="0" cy="0"/>
+        </a:xfrm>
+      </p:grpSpPr>
+      <p:sp>
+        <p:nvSpPr>
+          <p:cNvPr id="154" name="Google Shape;154;g2cd30dbf4aa_0_257:notes"/>
+          <p:cNvSpPr>
+            <a:spLocks noGrp="1" noRot="1" noChangeAspect="1"/>
+          </p:cNvSpPr>
+          <p:nvPr>
+            <p:ph type="sldImg" idx="2"/>
+          </p:nvPr>
+        </p:nvSpPr>
+        <p:spPr>
+          <a:xfrm>
+            <a:off x="381300" y="685800"/>
+            <a:ext cx="6096000" cy="3429000"/>
+          </a:xfrm>
+          <a:custGeom>
+            <a:avLst/>
+            <a:gdLst/>
+            <a:ahLst/>
+            <a:cxnLst/>
+            <a:rect l="l" t="t" r="r" b="b"/>
+            <a:pathLst>
+              <a:path w="120000" h="120000" extrusionOk="0">
+                <a:moveTo>
+                  <a:pt x="0" y="0"/>
+                </a:moveTo>
+                <a:lnTo>
+                  <a:pt x="120000" y="0"/>
+                </a:lnTo>
+                <a:lnTo>
+                  <a:pt x="120000" y="120000"/>
+                </a:lnTo>
+                <a:lnTo>
+                  <a:pt x="0" y="120000"/>
+                </a:lnTo>
+                <a:close/>
+              </a:path>
+            </a:pathLst>
+          </a:custGeom>
+          <a:noFill/>
+          <a:ln w="9525" cap="flat" cmpd="sng">
+            <a:solidFill>
+              <a:srgbClr val="000000"/>
+            </a:solidFill>
+            <a:prstDash val="solid"/>
+            <a:round/>
+            <a:headEnd type="none" w="sm" len="sm"/>
+            <a:tailEnd type="none" w="sm" len="sm"/>
+          </a:ln>
+        </p:spPr>
+      </p:sp>
+      <p:sp>
+        <p:nvSpPr>
+          <p:cNvPr id="155" name="Google Shape;155;g2cd30dbf4aa_0_257:notes"/>
+          <p:cNvSpPr txBox="1">
+            <a:spLocks noGrp="1"/>
+          </p:cNvSpPr>
+          <p:nvPr>
+            <p:ph type="body" idx="1"/>
+          </p:nvPr>
+        </p:nvSpPr>
+        <p:spPr>
+          <a:xfrm>
+            <a:off x="685800" y="4343400"/>
+            <a:ext cx="5486400" cy="4114800"/>
+          </a:xfrm>
+          <a:prstGeom prst="rect">
+            <a:avLst/>
+          </a:prstGeom>
+          <a:noFill/>
+          <a:ln>
+            <a:noFill/>
+          </a:ln>
+        </p:spPr>
+        <p:txBody>
+          <a:bodyPr spcFirstLastPara="1" wrap="square" lIns="91425" tIns="91425" rIns="91425" bIns="91425" anchor="t" anchorCtr="0">
+            <a:noAutofit/>
+          </a:bodyPr>
+          <a:lstStyle/>
+          <a:p>
+            <a:pPr marL="0" lvl="0" indent="0" algn="l" rtl="0">
+              <a:lnSpc>
+                <a:spcPct val="100000"/>
+              </a:lnSpc>
+              <a:spcBef>
+                <a:spcPts val="0"/>
+              </a:spcBef>
+              <a:spcAft>
+                <a:spcPts val="0"/>
+              </a:spcAft>
+              <a:buSzPts val="1100"/>
+              <a:buNone/>
+            </a:pPr>
+            <a:endParaRPr/>
+          </a:p>
+        </p:txBody>
+      </p:sp>
+    </p:spTree>
+  </p:cSld>
+  <p:clrMapOvr>
+    <a:masterClrMapping/>
+  </p:clrMapOvr>
+</p:notes>
+</file>
+
+<file path=ppt/notesSlides/notesSlide20.xml><?xml version="1.0" encoding="utf-8"?>
 <p:notes xmlns:a="http://schemas.openxmlformats.org/drawingml/2006/main" xmlns:r="http://schemas.openxmlformats.org/officeDocument/2006/relationships" xmlns:p="http://schemas.openxmlformats.org/presentationml/2006/main" showMasterSp="0" showMasterPhAnim="0">
   <p:cSld>
     <p:spTree>
@@ -2162,7 +2553,7 @@
 </p:notes>
 </file>
 
-<file path=ppt/notesSlides/notesSlide19.xml><?xml version="1.0" encoding="utf-8"?>
+<file path=ppt/notesSlides/notesSlide21.xml><?xml version="1.0" encoding="utf-8"?>
 <p:notes xmlns:a="http://schemas.openxmlformats.org/drawingml/2006/main" xmlns:r="http://schemas.openxmlformats.org/officeDocument/2006/relationships" xmlns:p="http://schemas.openxmlformats.org/presentationml/2006/main" showMasterSp="0" showMasterPhAnim="0">
   <p:cSld>
     <p:spTree>
@@ -2307,129 +2698,7 @@
 </p:notes>
 </file>
 
-<file path=ppt/notesSlides/notesSlide2.xml><?xml version="1.0" encoding="utf-8"?>
-<p:notes xmlns:a="http://schemas.openxmlformats.org/drawingml/2006/main" xmlns:r="http://schemas.openxmlformats.org/officeDocument/2006/relationships" xmlns:p="http://schemas.openxmlformats.org/presentationml/2006/main" showMasterSp="0" showMasterPhAnim="0">
-  <p:cSld>
-    <p:spTree>
-      <p:nvGrpSpPr>
-        <p:cNvPr id="1" name="Shape 153"/>
-        <p:cNvGrpSpPr/>
-        <p:nvPr/>
-      </p:nvGrpSpPr>
-      <p:grpSpPr>
-        <a:xfrm>
-          <a:off x="0" y="0"/>
-          <a:ext cx="0" cy="0"/>
-          <a:chOff x="0" y="0"/>
-          <a:chExt cx="0" cy="0"/>
-        </a:xfrm>
-      </p:grpSpPr>
-      <p:sp>
-        <p:nvSpPr>
-          <p:cNvPr id="154" name="Google Shape;154;g2cd30dbf4aa_0_257:notes"/>
-          <p:cNvSpPr>
-            <a:spLocks noGrp="1" noRot="1" noChangeAspect="1"/>
-          </p:cNvSpPr>
-          <p:nvPr>
-            <p:ph type="sldImg" idx="2"/>
-          </p:nvPr>
-        </p:nvSpPr>
-        <p:spPr>
-          <a:xfrm>
-            <a:off x="381300" y="685800"/>
-            <a:ext cx="6096000" cy="3429000"/>
-          </a:xfrm>
-          <a:custGeom>
-            <a:avLst/>
-            <a:gdLst/>
-            <a:ahLst/>
-            <a:cxnLst/>
-            <a:rect l="l" t="t" r="r" b="b"/>
-            <a:pathLst>
-              <a:path w="120000" h="120000" extrusionOk="0">
-                <a:moveTo>
-                  <a:pt x="0" y="0"/>
-                </a:moveTo>
-                <a:lnTo>
-                  <a:pt x="120000" y="0"/>
-                </a:lnTo>
-                <a:lnTo>
-                  <a:pt x="120000" y="120000"/>
-                </a:lnTo>
-                <a:lnTo>
-                  <a:pt x="0" y="120000"/>
-                </a:lnTo>
-                <a:close/>
-              </a:path>
-            </a:pathLst>
-          </a:custGeom>
-          <a:noFill/>
-          <a:ln w="9525" cap="flat" cmpd="sng">
-            <a:solidFill>
-              <a:srgbClr val="000000"/>
-            </a:solidFill>
-            <a:prstDash val="solid"/>
-            <a:round/>
-            <a:headEnd type="none" w="sm" len="sm"/>
-            <a:tailEnd type="none" w="sm" len="sm"/>
-          </a:ln>
-        </p:spPr>
-      </p:sp>
-      <p:sp>
-        <p:nvSpPr>
-          <p:cNvPr id="155" name="Google Shape;155;g2cd30dbf4aa_0_257:notes"/>
-          <p:cNvSpPr txBox="1">
-            <a:spLocks noGrp="1"/>
-          </p:cNvSpPr>
-          <p:nvPr>
-            <p:ph type="body" idx="1"/>
-          </p:nvPr>
-        </p:nvSpPr>
-        <p:spPr>
-          <a:xfrm>
-            <a:off x="685800" y="4343400"/>
-            <a:ext cx="5486400" cy="4114800"/>
-          </a:xfrm>
-          <a:prstGeom prst="rect">
-            <a:avLst/>
-          </a:prstGeom>
-          <a:noFill/>
-          <a:ln>
-            <a:noFill/>
-          </a:ln>
-        </p:spPr>
-        <p:txBody>
-          <a:bodyPr spcFirstLastPara="1" wrap="square" lIns="91425" tIns="91425" rIns="91425" bIns="91425" anchor="t" anchorCtr="0">
-            <a:noAutofit/>
-          </a:bodyPr>
-          <a:lstStyle/>
-          <a:p>
-            <a:pPr marL="0" lvl="0" indent="0" algn="l" rtl="0">
-              <a:lnSpc>
-                <a:spcPct val="100000"/>
-              </a:lnSpc>
-              <a:spcBef>
-                <a:spcPts val="0"/>
-              </a:spcBef>
-              <a:spcAft>
-                <a:spcPts val="0"/>
-              </a:spcAft>
-              <a:buSzPts val="1100"/>
-              <a:buNone/>
-            </a:pPr>
-            <a:endParaRPr/>
-          </a:p>
-        </p:txBody>
-      </p:sp>
-    </p:spTree>
-  </p:cSld>
-  <p:clrMapOvr>
-    <a:masterClrMapping/>
-  </p:clrMapOvr>
-</p:notes>
-</file>
-
-<file path=ppt/notesSlides/notesSlide20.xml><?xml version="1.0" encoding="utf-8"?>
+<file path=ppt/notesSlides/notesSlide22.xml><?xml version="1.0" encoding="utf-8"?>
 <p:notes xmlns:a="http://schemas.openxmlformats.org/drawingml/2006/main" xmlns:r="http://schemas.openxmlformats.org/officeDocument/2006/relationships" xmlns:p="http://schemas.openxmlformats.org/presentationml/2006/main" showMasterSp="0" showMasterPhAnim="0">
   <p:cSld>
     <p:spTree>
@@ -2574,7 +2843,7 @@
 </p:notes>
 </file>
 
-<file path=ppt/notesSlides/notesSlide21.xml><?xml version="1.0" encoding="utf-8"?>
+<file path=ppt/notesSlides/notesSlide23.xml><?xml version="1.0" encoding="utf-8"?>
 <p:notes xmlns:a="http://schemas.openxmlformats.org/drawingml/2006/main" xmlns:r="http://schemas.openxmlformats.org/officeDocument/2006/relationships" xmlns:p="http://schemas.openxmlformats.org/presentationml/2006/main" showMasterSp="0" showMasterPhAnim="0">
   <p:cSld>
     <p:spTree>
@@ -2696,7 +2965,7 @@
 </p:notes>
 </file>
 
-<file path=ppt/notesSlides/notesSlide22.xml><?xml version="1.0" encoding="utf-8"?>
+<file path=ppt/notesSlides/notesSlide24.xml><?xml version="1.0" encoding="utf-8"?>
 <p:notes xmlns:a="http://schemas.openxmlformats.org/drawingml/2006/main" xmlns:r="http://schemas.openxmlformats.org/officeDocument/2006/relationships" xmlns:p="http://schemas.openxmlformats.org/presentationml/2006/main" showMasterSp="0" showMasterPhAnim="0">
   <p:cSld>
     <p:spTree>
@@ -2818,7 +3087,7 @@
 </p:notes>
 </file>
 
-<file path=ppt/notesSlides/notesSlide23.xml><?xml version="1.0" encoding="utf-8"?>
+<file path=ppt/notesSlides/notesSlide25.xml><?xml version="1.0" encoding="utf-8"?>
 <p:notes xmlns:a="http://schemas.openxmlformats.org/drawingml/2006/main" xmlns:r="http://schemas.openxmlformats.org/officeDocument/2006/relationships" xmlns:p="http://schemas.openxmlformats.org/presentationml/2006/main" showMasterSp="0" showMasterPhAnim="0">
   <p:cSld>
     <p:spTree>
@@ -2940,7 +3209,7 @@
 </p:notes>
 </file>
 
-<file path=ppt/notesSlides/notesSlide24.xml><?xml version="1.0" encoding="utf-8"?>
+<file path=ppt/notesSlides/notesSlide26.xml><?xml version="1.0" encoding="utf-8"?>
 <p:notes xmlns:a="http://schemas.openxmlformats.org/drawingml/2006/main" xmlns:r="http://schemas.openxmlformats.org/officeDocument/2006/relationships" xmlns:p="http://schemas.openxmlformats.org/presentationml/2006/main" showMasterSp="0" showMasterPhAnim="0">
   <p:cSld>
     <p:spTree>
@@ -3062,7 +3331,7 @@
 </p:notes>
 </file>
 
-<file path=ppt/notesSlides/notesSlide25.xml><?xml version="1.0" encoding="utf-8"?>
+<file path=ppt/notesSlides/notesSlide27.xml><?xml version="1.0" encoding="utf-8"?>
 <p:notes xmlns:a="http://schemas.openxmlformats.org/drawingml/2006/main" xmlns:r="http://schemas.openxmlformats.org/officeDocument/2006/relationships" xmlns:p="http://schemas.openxmlformats.org/presentationml/2006/main" showMasterSp="0" showMasterPhAnim="0">
   <p:cSld>
     <p:spTree>
@@ -3232,7 +3501,7 @@
                 <a:cs typeface="Calibri"/>
                 <a:sym typeface="Calibri"/>
               </a:rPr>
-              <a:t>28</a:t>
+              <a:t>30</a:t>
             </a:fld>
             <a:endParaRPr sz="1200" b="0" i="0" u="none" strike="noStrike" cap="none">
               <a:solidFill>
@@ -3863,6 +4132,151 @@
   <p:cSld>
     <p:spTree>
       <p:nvGrpSpPr>
+        <p:cNvPr id="1" name="Shape 184">
+          <a:extLst>
+            <a:ext uri="{FF2B5EF4-FFF2-40B4-BE49-F238E27FC236}">
+              <a16:creationId xmlns:a16="http://schemas.microsoft.com/office/drawing/2014/main" id="{0D0FF4E9-C808-31E5-36AE-61C52A55462B}"/>
+            </a:ext>
+          </a:extLst>
+        </p:cNvPr>
+        <p:cNvGrpSpPr/>
+        <p:nvPr/>
+      </p:nvGrpSpPr>
+      <p:grpSpPr>
+        <a:xfrm>
+          <a:off x="0" y="0"/>
+          <a:ext cx="0" cy="0"/>
+          <a:chOff x="0" y="0"/>
+          <a:chExt cx="0" cy="0"/>
+        </a:xfrm>
+      </p:grpSpPr>
+      <p:sp>
+        <p:nvSpPr>
+          <p:cNvPr id="185" name="Google Shape;185;p7:notes">
+            <a:extLst>
+              <a:ext uri="{FF2B5EF4-FFF2-40B4-BE49-F238E27FC236}">
+                <a16:creationId xmlns:a16="http://schemas.microsoft.com/office/drawing/2014/main" id="{7CDCD695-627E-0FA1-7926-4664A9773C93}"/>
+              </a:ext>
+            </a:extLst>
+          </p:cNvPr>
+          <p:cNvSpPr>
+            <a:spLocks noGrp="1" noRot="1" noChangeAspect="1"/>
+          </p:cNvSpPr>
+          <p:nvPr>
+            <p:ph type="sldImg" idx="2"/>
+          </p:nvPr>
+        </p:nvSpPr>
+        <p:spPr>
+          <a:xfrm>
+            <a:off x="381000" y="685800"/>
+            <a:ext cx="6096000" cy="3429000"/>
+          </a:xfrm>
+          <a:custGeom>
+            <a:avLst/>
+            <a:gdLst/>
+            <a:ahLst/>
+            <a:cxnLst/>
+            <a:rect l="l" t="t" r="r" b="b"/>
+            <a:pathLst>
+              <a:path w="120000" h="120000" extrusionOk="0">
+                <a:moveTo>
+                  <a:pt x="0" y="0"/>
+                </a:moveTo>
+                <a:lnTo>
+                  <a:pt x="120000" y="0"/>
+                </a:lnTo>
+                <a:lnTo>
+                  <a:pt x="120000" y="120000"/>
+                </a:lnTo>
+                <a:lnTo>
+                  <a:pt x="0" y="120000"/>
+                </a:lnTo>
+                <a:close/>
+              </a:path>
+            </a:pathLst>
+          </a:custGeom>
+          <a:noFill/>
+          <a:ln w="9525" cap="flat" cmpd="sng">
+            <a:solidFill>
+              <a:srgbClr val="000000"/>
+            </a:solidFill>
+            <a:prstDash val="solid"/>
+            <a:round/>
+            <a:headEnd type="none" w="sm" len="sm"/>
+            <a:tailEnd type="none" w="sm" len="sm"/>
+          </a:ln>
+        </p:spPr>
+      </p:sp>
+      <p:sp>
+        <p:nvSpPr>
+          <p:cNvPr id="186" name="Google Shape;186;p7:notes">
+            <a:extLst>
+              <a:ext uri="{FF2B5EF4-FFF2-40B4-BE49-F238E27FC236}">
+                <a16:creationId xmlns:a16="http://schemas.microsoft.com/office/drawing/2014/main" id="{62A7084B-9BF6-5287-2C0B-25C9B46E28E7}"/>
+              </a:ext>
+            </a:extLst>
+          </p:cNvPr>
+          <p:cNvSpPr txBox="1">
+            <a:spLocks noGrp="1"/>
+          </p:cNvSpPr>
+          <p:nvPr>
+            <p:ph type="body" idx="1"/>
+          </p:nvPr>
+        </p:nvSpPr>
+        <p:spPr>
+          <a:xfrm>
+            <a:off x="685800" y="4343400"/>
+            <a:ext cx="5486400" cy="4114800"/>
+          </a:xfrm>
+          <a:prstGeom prst="rect">
+            <a:avLst/>
+          </a:prstGeom>
+          <a:noFill/>
+          <a:ln>
+            <a:noFill/>
+          </a:ln>
+        </p:spPr>
+        <p:txBody>
+          <a:bodyPr spcFirstLastPara="1" wrap="square" lIns="91425" tIns="91425" rIns="91425" bIns="91425" anchor="t" anchorCtr="0">
+            <a:noAutofit/>
+          </a:bodyPr>
+          <a:lstStyle/>
+          <a:p>
+            <a:pPr marL="0" lvl="0" indent="0" algn="l" rtl="0">
+              <a:lnSpc>
+                <a:spcPct val="100000"/>
+              </a:lnSpc>
+              <a:spcBef>
+                <a:spcPts val="0"/>
+              </a:spcBef>
+              <a:spcAft>
+                <a:spcPts val="0"/>
+              </a:spcAft>
+              <a:buSzPts val="1100"/>
+              <a:buNone/>
+            </a:pPr>
+            <a:endParaRPr/>
+          </a:p>
+        </p:txBody>
+      </p:sp>
+    </p:spTree>
+    <p:extLst>
+      <p:ext uri="{BB962C8B-B14F-4D97-AF65-F5344CB8AC3E}">
+        <p14:creationId xmlns:p14="http://schemas.microsoft.com/office/powerpoint/2010/main" val="572127357"/>
+      </p:ext>
+    </p:extLst>
+  </p:cSld>
+  <p:clrMapOvr>
+    <a:masterClrMapping/>
+  </p:clrMapOvr>
+</p:notes>
+</file>
+
+<file path=ppt/notesSlides/notesSlide8.xml><?xml version="1.0" encoding="utf-8"?>
+<p:notes xmlns:a="http://schemas.openxmlformats.org/drawingml/2006/main" xmlns:r="http://schemas.openxmlformats.org/officeDocument/2006/relationships" xmlns:p="http://schemas.openxmlformats.org/presentationml/2006/main" showMasterSp="0" showMasterPhAnim="0">
+  <p:cSld>
+    <p:spTree>
+      <p:nvGrpSpPr>
         <p:cNvPr id="1" name="Shape 159">
           <a:extLst>
             <a:ext uri="{FF2B5EF4-FFF2-40B4-BE49-F238E27FC236}">
@@ -4003,7 +4417,7 @@
 </p:notes>
 </file>
 
-<file path=ppt/notesSlides/notesSlide8.xml><?xml version="1.0" encoding="utf-8"?>
+<file path=ppt/notesSlides/notesSlide9.xml><?xml version="1.0" encoding="utf-8"?>
 <p:notes xmlns:a="http://schemas.openxmlformats.org/drawingml/2006/main" xmlns:r="http://schemas.openxmlformats.org/officeDocument/2006/relationships" xmlns:p="http://schemas.openxmlformats.org/presentationml/2006/main" showMasterSp="0" showMasterPhAnim="0">
   <p:cSld>
     <p:spTree>
@@ -4011,7 +4425,7 @@
         <p:cNvPr id="1" name="Shape 159">
           <a:extLst>
             <a:ext uri="{FF2B5EF4-FFF2-40B4-BE49-F238E27FC236}">
-              <a16:creationId xmlns:a16="http://schemas.microsoft.com/office/drawing/2014/main" id="{7726BCA9-B956-D9AC-4210-D263F26C66DB}"/>
+              <a16:creationId xmlns:a16="http://schemas.microsoft.com/office/drawing/2014/main" id="{23E6E1BE-294C-EB53-FBBD-A03A26598780}"/>
             </a:ext>
           </a:extLst>
         </p:cNvPr>
@@ -4031,7 +4445,7 @@
           <p:cNvPr id="160" name="Google Shape;160;g2cd30dbf4aa_0_262:notes">
             <a:extLst>
               <a:ext uri="{FF2B5EF4-FFF2-40B4-BE49-F238E27FC236}">
-                <a16:creationId xmlns:a16="http://schemas.microsoft.com/office/drawing/2014/main" id="{A4236E8E-BAEF-6FA4-0BC6-E49782CD78F4}"/>
+                <a16:creationId xmlns:a16="http://schemas.microsoft.com/office/drawing/2014/main" id="{DB487623-5569-DE3E-5F80-A25259DA13E2}"/>
               </a:ext>
             </a:extLst>
           </p:cNvPr>
@@ -4088,7 +4502,7 @@
           <p:cNvPr id="161" name="Google Shape;161;g2cd30dbf4aa_0_262:notes">
             <a:extLst>
               <a:ext uri="{FF2B5EF4-FFF2-40B4-BE49-F238E27FC236}">
-                <a16:creationId xmlns:a16="http://schemas.microsoft.com/office/drawing/2014/main" id="{F0493C87-025F-0197-CF68-4FBED7B726BB}"/>
+                <a16:creationId xmlns:a16="http://schemas.microsoft.com/office/drawing/2014/main" id="{49966BE5-8A02-4288-F542-BA962C455BF9}"/>
               </a:ext>
             </a:extLst>
           </p:cNvPr>
@@ -4138,131 +4552,9 @@
     </p:spTree>
     <p:extLst>
       <p:ext uri="{BB962C8B-B14F-4D97-AF65-F5344CB8AC3E}">
-        <p14:creationId xmlns:p14="http://schemas.microsoft.com/office/powerpoint/2010/main" val="3034927284"/>
+        <p14:creationId xmlns:p14="http://schemas.microsoft.com/office/powerpoint/2010/main" val="392626638"/>
       </p:ext>
     </p:extLst>
-  </p:cSld>
-  <p:clrMapOvr>
-    <a:masterClrMapping/>
-  </p:clrMapOvr>
-</p:notes>
-</file>
-
-<file path=ppt/notesSlides/notesSlide9.xml><?xml version="1.0" encoding="utf-8"?>
-<p:notes xmlns:a="http://schemas.openxmlformats.org/drawingml/2006/main" xmlns:r="http://schemas.openxmlformats.org/officeDocument/2006/relationships" xmlns:p="http://schemas.openxmlformats.org/presentationml/2006/main" showMasterSp="0" showMasterPhAnim="0">
-  <p:cSld>
-    <p:spTree>
-      <p:nvGrpSpPr>
-        <p:cNvPr id="1" name="Shape 171"/>
-        <p:cNvGrpSpPr/>
-        <p:nvPr/>
-      </p:nvGrpSpPr>
-      <p:grpSpPr>
-        <a:xfrm>
-          <a:off x="0" y="0"/>
-          <a:ext cx="0" cy="0"/>
-          <a:chOff x="0" y="0"/>
-          <a:chExt cx="0" cy="0"/>
-        </a:xfrm>
-      </p:grpSpPr>
-      <p:sp>
-        <p:nvSpPr>
-          <p:cNvPr id="172" name="Google Shape;172;g2cd30dbf4aa_0_267:notes"/>
-          <p:cNvSpPr>
-            <a:spLocks noGrp="1" noRot="1" noChangeAspect="1"/>
-          </p:cNvSpPr>
-          <p:nvPr>
-            <p:ph type="sldImg" idx="2"/>
-          </p:nvPr>
-        </p:nvSpPr>
-        <p:spPr>
-          <a:xfrm>
-            <a:off x="381000" y="685800"/>
-            <a:ext cx="6096000" cy="3429000"/>
-          </a:xfrm>
-          <a:custGeom>
-            <a:avLst/>
-            <a:gdLst/>
-            <a:ahLst/>
-            <a:cxnLst/>
-            <a:rect l="l" t="t" r="r" b="b"/>
-            <a:pathLst>
-              <a:path w="120000" h="120000" extrusionOk="0">
-                <a:moveTo>
-                  <a:pt x="0" y="0"/>
-                </a:moveTo>
-                <a:lnTo>
-                  <a:pt x="120000" y="0"/>
-                </a:lnTo>
-                <a:lnTo>
-                  <a:pt x="120000" y="120000"/>
-                </a:lnTo>
-                <a:lnTo>
-                  <a:pt x="0" y="120000"/>
-                </a:lnTo>
-                <a:close/>
-              </a:path>
-            </a:pathLst>
-          </a:custGeom>
-          <a:noFill/>
-          <a:ln w="9525" cap="flat" cmpd="sng">
-            <a:solidFill>
-              <a:srgbClr val="000000"/>
-            </a:solidFill>
-            <a:prstDash val="solid"/>
-            <a:round/>
-            <a:headEnd type="none" w="sm" len="sm"/>
-            <a:tailEnd type="none" w="sm" len="sm"/>
-          </a:ln>
-        </p:spPr>
-      </p:sp>
-      <p:sp>
-        <p:nvSpPr>
-          <p:cNvPr id="173" name="Google Shape;173;g2cd30dbf4aa_0_267:notes"/>
-          <p:cNvSpPr txBox="1">
-            <a:spLocks noGrp="1"/>
-          </p:cNvSpPr>
-          <p:nvPr>
-            <p:ph type="body" idx="1"/>
-          </p:nvPr>
-        </p:nvSpPr>
-        <p:spPr>
-          <a:xfrm>
-            <a:off x="685800" y="4343400"/>
-            <a:ext cx="5486400" cy="4114800"/>
-          </a:xfrm>
-          <a:prstGeom prst="rect">
-            <a:avLst/>
-          </a:prstGeom>
-          <a:noFill/>
-          <a:ln>
-            <a:noFill/>
-          </a:ln>
-        </p:spPr>
-        <p:txBody>
-          <a:bodyPr spcFirstLastPara="1" wrap="square" lIns="91425" tIns="91425" rIns="91425" bIns="91425" anchor="t" anchorCtr="0">
-            <a:noAutofit/>
-          </a:bodyPr>
-          <a:lstStyle/>
-          <a:p>
-            <a:pPr marL="0" lvl="0" indent="0" algn="l" rtl="0">
-              <a:lnSpc>
-                <a:spcPct val="100000"/>
-              </a:lnSpc>
-              <a:spcBef>
-                <a:spcPts val="0"/>
-              </a:spcBef>
-              <a:spcAft>
-                <a:spcPts val="0"/>
-              </a:spcAft>
-              <a:buSzPts val="1100"/>
-              <a:buNone/>
-            </a:pPr>
-            <a:endParaRPr/>
-          </a:p>
-        </p:txBody>
-      </p:sp>
-    </p:spTree>
   </p:cSld>
   <p:clrMapOvr>
     <a:masterClrMapping/>
@@ -25900,6 +26192,243 @@
   <p:cSld>
     <p:spTree>
       <p:nvGrpSpPr>
+        <p:cNvPr id="1" name="Shape 187">
+          <a:extLst>
+            <a:ext uri="{FF2B5EF4-FFF2-40B4-BE49-F238E27FC236}">
+              <a16:creationId xmlns:a16="http://schemas.microsoft.com/office/drawing/2014/main" id="{AD8425B6-CFFB-7E1D-5080-1DE2356F916C}"/>
+            </a:ext>
+          </a:extLst>
+        </p:cNvPr>
+        <p:cNvGrpSpPr/>
+        <p:nvPr/>
+      </p:nvGrpSpPr>
+      <p:grpSpPr>
+        <a:xfrm>
+          <a:off x="0" y="0"/>
+          <a:ext cx="0" cy="0"/>
+          <a:chOff x="0" y="0"/>
+          <a:chExt cx="0" cy="0"/>
+        </a:xfrm>
+      </p:grpSpPr>
+      <p:sp>
+        <p:nvSpPr>
+          <p:cNvPr id="188" name="Google Shape;188;p40">
+            <a:extLst>
+              <a:ext uri="{FF2B5EF4-FFF2-40B4-BE49-F238E27FC236}">
+                <a16:creationId xmlns:a16="http://schemas.microsoft.com/office/drawing/2014/main" id="{39A4BBA8-D426-8A25-8080-45F9E2428B63}"/>
+              </a:ext>
+            </a:extLst>
+          </p:cNvPr>
+          <p:cNvSpPr txBox="1"/>
+          <p:nvPr/>
+        </p:nvSpPr>
+        <p:spPr>
+          <a:xfrm>
+            <a:off x="468977" y="92417"/>
+            <a:ext cx="8520600" cy="572700"/>
+          </a:xfrm>
+          <a:prstGeom prst="rect">
+            <a:avLst/>
+          </a:prstGeom>
+          <a:noFill/>
+          <a:ln>
+            <a:noFill/>
+          </a:ln>
+        </p:spPr>
+        <p:txBody>
+          <a:bodyPr spcFirstLastPara="1" wrap="square" lIns="91425" tIns="91425" rIns="91425" bIns="91425" anchor="t" anchorCtr="0">
+            <a:noAutofit/>
+          </a:bodyPr>
+          <a:lstStyle/>
+          <a:p>
+            <a:pPr marL="0" marR="0" lvl="0" indent="0" algn="l" rtl="0">
+              <a:lnSpc>
+                <a:spcPct val="100000"/>
+              </a:lnSpc>
+              <a:spcBef>
+                <a:spcPts val="0"/>
+              </a:spcBef>
+              <a:spcAft>
+                <a:spcPts val="0"/>
+              </a:spcAft>
+              <a:buClr>
+                <a:srgbClr val="000000"/>
+              </a:buClr>
+              <a:buSzPts val="2200"/>
+              <a:buFont typeface="Arial"/>
+              <a:buNone/>
+            </a:pPr>
+            <a:r>
+              <a:rPr lang="en-US" sz="2200" b="1" i="0" u="none" strike="noStrike" cap="none" dirty="0">
+                <a:solidFill>
+                  <a:schemeClr val="lt2"/>
+                </a:solidFill>
+                <a:latin typeface="Century Gothic"/>
+                <a:ea typeface="Century Gothic"/>
+                <a:cs typeface="Century Gothic"/>
+                <a:sym typeface="Century Gothic"/>
+              </a:rPr>
+              <a:t>Initial Exploratory Data Analysis (EDA)</a:t>
+            </a:r>
+            <a:endParaRPr sz="2200" b="1" i="0" u="none" strike="noStrike" cap="none" dirty="0">
+              <a:solidFill>
+                <a:schemeClr val="lt2"/>
+              </a:solidFill>
+              <a:latin typeface="Century Gothic"/>
+              <a:ea typeface="Century Gothic"/>
+              <a:cs typeface="Century Gothic"/>
+              <a:sym typeface="Century Gothic"/>
+            </a:endParaRPr>
+          </a:p>
+        </p:txBody>
+      </p:sp>
+      <p:sp>
+        <p:nvSpPr>
+          <p:cNvPr id="190" name="Google Shape;190;p40">
+            <a:extLst>
+              <a:ext uri="{FF2B5EF4-FFF2-40B4-BE49-F238E27FC236}">
+                <a16:creationId xmlns:a16="http://schemas.microsoft.com/office/drawing/2014/main" id="{EABC3B1E-41FF-A70C-1FF3-E07E62BB6440}"/>
+              </a:ext>
+            </a:extLst>
+          </p:cNvPr>
+          <p:cNvSpPr txBox="1">
+            <a:spLocks noGrp="1"/>
+          </p:cNvSpPr>
+          <p:nvPr>
+            <p:ph type="body" idx="1"/>
+          </p:nvPr>
+        </p:nvSpPr>
+        <p:spPr>
+          <a:xfrm>
+            <a:off x="1091076" y="4379495"/>
+            <a:ext cx="8783321" cy="483692"/>
+          </a:xfrm>
+          <a:prstGeom prst="rect">
+            <a:avLst/>
+          </a:prstGeom>
+          <a:noFill/>
+          <a:ln>
+            <a:noFill/>
+          </a:ln>
+        </p:spPr>
+        <p:txBody>
+          <a:bodyPr spcFirstLastPara="1" wrap="square" lIns="91425" tIns="91425" rIns="91425" bIns="91425" anchor="t" anchorCtr="0">
+            <a:spAutoFit/>
+          </a:bodyPr>
+          <a:lstStyle/>
+          <a:p>
+            <a:pPr marL="0" indent="0" algn="just">
+              <a:spcBef>
+                <a:spcPts val="400"/>
+              </a:spcBef>
+              <a:buClr>
+                <a:schemeClr val="dk1"/>
+              </a:buClr>
+              <a:buSzPts val="1400"/>
+              <a:buNone/>
+            </a:pPr>
+            <a:r>
+              <a:rPr lang="en-US" sz="1400" dirty="0"/>
+              <a:t>Table containing a random sampling of 20 rows from the imported raw dataset.</a:t>
+            </a:r>
+            <a:endParaRPr lang="en-US" sz="1400" dirty="0">
+              <a:solidFill>
+                <a:schemeClr val="dk1"/>
+              </a:solidFill>
+              <a:latin typeface="Nunito" pitchFamily="2" charset="0"/>
+              <a:ea typeface="Century Gothic"/>
+              <a:cs typeface="Century Gothic"/>
+              <a:sym typeface="Century Gothic"/>
+            </a:endParaRPr>
+          </a:p>
+        </p:txBody>
+      </p:sp>
+      <p:sp>
+        <p:nvSpPr>
+          <p:cNvPr id="2" name="Slide Number Placeholder 1">
+            <a:extLst>
+              <a:ext uri="{FF2B5EF4-FFF2-40B4-BE49-F238E27FC236}">
+                <a16:creationId xmlns:a16="http://schemas.microsoft.com/office/drawing/2014/main" id="{650DA881-C9C3-FB6F-53AE-60914FEC5835}"/>
+              </a:ext>
+            </a:extLst>
+          </p:cNvPr>
+          <p:cNvSpPr>
+            <a:spLocks noGrp="1"/>
+          </p:cNvSpPr>
+          <p:nvPr>
+            <p:ph type="sldNum" idx="12"/>
+          </p:nvPr>
+        </p:nvSpPr>
+        <p:spPr/>
+        <p:txBody>
+          <a:bodyPr/>
+          <a:lstStyle/>
+          <a:p>
+            <a:pPr marL="0" lvl="0" indent="0" algn="ctr" rtl="0">
+              <a:spcBef>
+                <a:spcPts val="0"/>
+              </a:spcBef>
+              <a:spcAft>
+                <a:spcPts val="0"/>
+              </a:spcAft>
+              <a:buNone/>
+            </a:pPr>
+            <a:fld id="{00000000-1234-1234-1234-123412341234}" type="slidenum">
+              <a:rPr lang="en-US" smtClean="0"/>
+              <a:t>10</a:t>
+            </a:fld>
+            <a:endParaRPr lang="en-US"/>
+          </a:p>
+        </p:txBody>
+      </p:sp>
+      <p:pic>
+        <p:nvPicPr>
+          <p:cNvPr id="7" name="Picture 6">
+            <a:extLst>
+              <a:ext uri="{FF2B5EF4-FFF2-40B4-BE49-F238E27FC236}">
+                <a16:creationId xmlns:a16="http://schemas.microsoft.com/office/drawing/2014/main" id="{8970859E-DC9B-C65D-C5FC-18E39CFEDE67}"/>
+              </a:ext>
+            </a:extLst>
+          </p:cNvPr>
+          <p:cNvPicPr>
+            <a:picLocks noChangeAspect="1"/>
+          </p:cNvPicPr>
+          <p:nvPr/>
+        </p:nvPicPr>
+        <p:blipFill>
+          <a:blip r:embed="rId3"/>
+          <a:stretch>
+            <a:fillRect/>
+          </a:stretch>
+        </p:blipFill>
+        <p:spPr>
+          <a:xfrm>
+            <a:off x="605016" y="880488"/>
+            <a:ext cx="7693335" cy="3283636"/>
+          </a:xfrm>
+          <a:prstGeom prst="rect">
+            <a:avLst/>
+          </a:prstGeom>
+        </p:spPr>
+      </p:pic>
+    </p:spTree>
+    <p:extLst>
+      <p:ext uri="{BB962C8B-B14F-4D97-AF65-F5344CB8AC3E}">
+        <p14:creationId xmlns:p14="http://schemas.microsoft.com/office/powerpoint/2010/main" val="3895439057"/>
+      </p:ext>
+    </p:extLst>
+  </p:cSld>
+  <p:clrMapOvr>
+    <a:masterClrMapping/>
+  </p:clrMapOvr>
+</p:sld>
+</file>
+
+<file path=ppt/slides/slide11.xml><?xml version="1.0" encoding="utf-8"?>
+<p:sld xmlns:a="http://schemas.openxmlformats.org/drawingml/2006/main" xmlns:r="http://schemas.openxmlformats.org/officeDocument/2006/relationships" xmlns:p="http://schemas.openxmlformats.org/presentationml/2006/main">
+  <p:cSld>
+    <p:spTree>
+      <p:nvGrpSpPr>
         <p:cNvPr id="1" name="Shape 162">
           <a:extLst>
             <a:ext uri="{FF2B5EF4-FFF2-40B4-BE49-F238E27FC236}">
@@ -26008,8 +26537,8 @@
         </p:nvSpPr>
         <p:spPr>
           <a:xfrm>
-            <a:off x="202550" y="1243025"/>
-            <a:ext cx="8629800" cy="3611200"/>
+            <a:off x="202550" y="988643"/>
+            <a:ext cx="8629800" cy="3631483"/>
           </a:xfrm>
           <a:prstGeom prst="rect">
             <a:avLst/>
@@ -26037,7 +26566,7 @@
             </a:pPr>
             <a:r>
               <a:rPr lang="en-US" sz="1400" b="1" dirty="0"/>
-              <a:t>Goal:</a:t>
+              <a:t>Ground Truth Summary:</a:t>
             </a:r>
           </a:p>
           <a:p>
@@ -26058,15 +26587,27 @@
               <a:buNone/>
             </a:pPr>
             <a:r>
+              <a:rPr lang="en-US" sz="1400" b="1" dirty="0"/>
+              <a:t>Ground Truth</a:t>
+            </a:r>
+            <a:r>
               <a:rPr lang="en-US" sz="1400" dirty="0"/>
-              <a:t>A bank's consumer credit department seeks to streamline the decision-making process for home equity lines of credit. In compliance with the Equal Credit Opportunity Act (ECOA), the department requires an empirically derived and statistically sound credit scoring model.</a:t>
+              <a:t> (</a:t>
+            </a:r>
+            <a:r>
+              <a:rPr lang="en-US" sz="1400" b="1" dirty="0"/>
+              <a:t>GT</a:t>
+            </a:r>
+            <a:r>
+              <a:rPr lang="en-US" sz="1400" dirty="0"/>
+              <a:t>) is a subset of the data with manually created verified, correct labels that represent the known right answers. It is used as a benchmark to measure how well the prompts perform. Without it, accuracy, precision, recall, or F1-scores cannot be calculated. It should be recognized that since it was created manually, it is subject to human biases.</a:t>
             </a:r>
           </a:p>
           <a:p>
             <a:pPr marL="133350" indent="0">
               <a:buNone/>
             </a:pPr>
-            <a:endParaRPr lang="en-US" sz="700" dirty="0"/>
+            <a:endParaRPr lang="en-US" sz="1400" dirty="0"/>
           </a:p>
           <a:p>
             <a:pPr marL="133350" indent="0">
@@ -26074,46 +26615,69 @@
             </a:pPr>
             <a:r>
               <a:rPr lang="en-US" sz="1400" dirty="0"/>
-              <a:t>The model will be developed using data collected through the existing loan underwriting process from recent applicants who were granted credit. The model needs to be interpretable to provide reasonings for loan acceptances/rejections.</a:t>
+              <a:t>To create the </a:t>
+            </a:r>
+            <a:r>
+              <a:rPr lang="en-US" sz="1400" b="1" dirty="0"/>
+              <a:t>GT</a:t>
+            </a:r>
+            <a:r>
+              <a:rPr lang="en-US" sz="1400" dirty="0"/>
+              <a:t>, 36 reviews were selected from the dataset. Each one was examined, then manually classified as </a:t>
+            </a:r>
+            <a:r>
+              <a:rPr lang="en-US" sz="1400" b="1" dirty="0"/>
+              <a:t>Positive</a:t>
+            </a:r>
+            <a:r>
+              <a:rPr lang="en-US" sz="1400" dirty="0"/>
+              <a:t>, </a:t>
+            </a:r>
+            <a:r>
+              <a:rPr lang="en-US" sz="1400" b="1" dirty="0"/>
+              <a:t>Negative</a:t>
+            </a:r>
+            <a:r>
+              <a:rPr lang="en-US" sz="1400" dirty="0"/>
+              <a:t>, or </a:t>
+            </a:r>
+            <a:r>
+              <a:rPr lang="en-US" sz="1400" b="1" dirty="0"/>
+              <a:t>Neutral</a:t>
+            </a:r>
+            <a:r>
+              <a:rPr lang="en-US" sz="1400" dirty="0"/>
+              <a:t>, and assigned appropriate tags This was saved as the reference dataset. This step must be completed before running any prompts to prevent bias.</a:t>
             </a:r>
           </a:p>
           <a:p>
             <a:pPr marL="133350" indent="0">
               <a:buNone/>
             </a:pPr>
-            <a:endParaRPr lang="en-US" sz="700" dirty="0"/>
+            <a:endParaRPr lang="en-US" sz="1400" dirty="0"/>
           </a:p>
           <a:p>
-            <a:pPr marL="139700" indent="0">
-              <a:spcBef>
-                <a:spcPts val="1000"/>
-              </a:spcBef>
-              <a:buClr>
-                <a:schemeClr val="dk1"/>
-              </a:buClr>
-              <a:buSzPts val="1400"/>
+            <a:pPr marL="133350" indent="0">
               <a:buNone/>
             </a:pPr>
             <a:r>
+              <a:rPr lang="en-US" sz="1400" dirty="0"/>
+              <a:t>To use, each prompt variation was run on the raw version of the rows in the GT.  The models’ raw data output was compared against the </a:t>
+            </a:r>
+            <a:r>
               <a:rPr lang="en-US" sz="1400" b="1" dirty="0"/>
-              <a:t>Objective:</a:t>
+              <a:t>GT. </a:t>
+            </a:r>
+            <a:r>
+              <a:rPr lang="en-US" sz="1400" dirty="0"/>
+              <a:t>This technique was used to select the best performer of each prompt type.</a:t>
             </a:r>
           </a:p>
           <a:p>
-            <a:pPr marL="139700" indent="0">
-              <a:spcBef>
-                <a:spcPts val="1000"/>
-              </a:spcBef>
-              <a:buClr>
-                <a:schemeClr val="dk1"/>
-              </a:buClr>
-              <a:buSzPts val="1400"/>
+            <a:pPr marL="133350" indent="0">
               <a:buNone/>
             </a:pPr>
-            <a:r>
-              <a:rPr lang="en-US" sz="1400" dirty="0"/>
-              <a:t>Build a classification model using an Artificial Neural Network (ANN) to predict clients who are likely to default on  loans. The model should provide recommendations on the key features to consider during loan approval.</a:t>
-            </a:r>
+            <a:endParaRPr lang="en-US" sz="700" dirty="0"/>
           </a:p>
         </p:txBody>
       </p:sp>
@@ -26130,7 +26694,277 @@
 </p:sld>
 </file>
 
-<file path=ppt/slides/slide11.xml><?xml version="1.0" encoding="utf-8"?>
+<file path=ppt/slides/slide12.xml><?xml version="1.0" encoding="utf-8"?>
+<p:sld xmlns:a="http://schemas.openxmlformats.org/drawingml/2006/main" xmlns:r="http://schemas.openxmlformats.org/officeDocument/2006/relationships" xmlns:p="http://schemas.openxmlformats.org/presentationml/2006/main">
+  <p:cSld>
+    <p:spTree>
+      <p:nvGrpSpPr>
+        <p:cNvPr id="1" name="Shape 162">
+          <a:extLst>
+            <a:ext uri="{FF2B5EF4-FFF2-40B4-BE49-F238E27FC236}">
+              <a16:creationId xmlns:a16="http://schemas.microsoft.com/office/drawing/2014/main" id="{A69A9308-F83F-3C84-FE51-72CE48D33AE0}"/>
+            </a:ext>
+          </a:extLst>
+        </p:cNvPr>
+        <p:cNvGrpSpPr/>
+        <p:nvPr/>
+      </p:nvGrpSpPr>
+      <p:grpSpPr>
+        <a:xfrm>
+          <a:off x="0" y="0"/>
+          <a:ext cx="0" cy="0"/>
+          <a:chOff x="0" y="0"/>
+          <a:chExt cx="0" cy="0"/>
+        </a:xfrm>
+      </p:grpSpPr>
+      <p:sp>
+        <p:nvSpPr>
+          <p:cNvPr id="163" name="Google Shape;163;p37">
+            <a:extLst>
+              <a:ext uri="{FF2B5EF4-FFF2-40B4-BE49-F238E27FC236}">
+                <a16:creationId xmlns:a16="http://schemas.microsoft.com/office/drawing/2014/main" id="{FFBDDFD1-6ED2-1F69-CFD1-9C123D54F116}"/>
+              </a:ext>
+            </a:extLst>
+          </p:cNvPr>
+          <p:cNvSpPr txBox="1">
+            <a:spLocks noGrp="1"/>
+          </p:cNvSpPr>
+          <p:nvPr>
+            <p:ph type="title"/>
+          </p:nvPr>
+        </p:nvSpPr>
+        <p:spPr>
+          <a:xfrm>
+            <a:off x="202550" y="289275"/>
+            <a:ext cx="7712700" cy="810900"/>
+          </a:xfrm>
+          <a:prstGeom prst="rect">
+            <a:avLst/>
+          </a:prstGeom>
+          <a:noFill/>
+          <a:ln>
+            <a:noFill/>
+          </a:ln>
+        </p:spPr>
+        <p:txBody>
+          <a:bodyPr spcFirstLastPara="1" wrap="square" lIns="91425" tIns="91425" rIns="91425" bIns="91425" anchor="t" anchorCtr="0">
+            <a:noAutofit/>
+          </a:bodyPr>
+          <a:lstStyle/>
+          <a:p>
+            <a:pPr marL="0" lvl="0" indent="0" algn="l" rtl="0">
+              <a:lnSpc>
+                <a:spcPct val="100000"/>
+              </a:lnSpc>
+              <a:spcBef>
+                <a:spcPts val="0"/>
+              </a:spcBef>
+              <a:spcAft>
+                <a:spcPts val="0"/>
+              </a:spcAft>
+              <a:buSzPts val="2200"/>
+              <a:buNone/>
+            </a:pPr>
+            <a:r>
+              <a:rPr lang="en" dirty="0">
+                <a:solidFill>
+                  <a:schemeClr val="lt2"/>
+                </a:solidFill>
+                <a:latin typeface="Century Gothic"/>
+                <a:ea typeface="Century Gothic"/>
+                <a:cs typeface="Century Gothic"/>
+                <a:sym typeface="Century Gothic"/>
+              </a:rPr>
+              <a:t>Ground Truth Dataset</a:t>
+            </a:r>
+            <a:endParaRPr dirty="0">
+              <a:solidFill>
+                <a:schemeClr val="lt2"/>
+              </a:solidFill>
+              <a:latin typeface="Century Gothic"/>
+              <a:ea typeface="Century Gothic"/>
+              <a:cs typeface="Century Gothic"/>
+              <a:sym typeface="Century Gothic"/>
+            </a:endParaRPr>
+          </a:p>
+        </p:txBody>
+      </p:sp>
+      <p:sp>
+        <p:nvSpPr>
+          <p:cNvPr id="164" name="Google Shape;164;p37">
+            <a:extLst>
+              <a:ext uri="{FF2B5EF4-FFF2-40B4-BE49-F238E27FC236}">
+                <a16:creationId xmlns:a16="http://schemas.microsoft.com/office/drawing/2014/main" id="{B3ECEC4E-5829-ECD5-8895-6CE8D260BABC}"/>
+              </a:ext>
+            </a:extLst>
+          </p:cNvPr>
+          <p:cNvSpPr txBox="1">
+            <a:spLocks noGrp="1"/>
+          </p:cNvSpPr>
+          <p:nvPr>
+            <p:ph type="body" idx="1"/>
+          </p:nvPr>
+        </p:nvSpPr>
+        <p:spPr>
+          <a:xfrm>
+            <a:off x="257100" y="961142"/>
+            <a:ext cx="8629800" cy="3631483"/>
+          </a:xfrm>
+          <a:prstGeom prst="rect">
+            <a:avLst/>
+          </a:prstGeom>
+          <a:noFill/>
+          <a:ln>
+            <a:noFill/>
+          </a:ln>
+        </p:spPr>
+        <p:txBody>
+          <a:bodyPr spcFirstLastPara="1" wrap="square" lIns="91425" tIns="91425" rIns="91425" bIns="91425" anchor="t" anchorCtr="0">
+            <a:noAutofit/>
+          </a:bodyPr>
+          <a:lstStyle/>
+          <a:p>
+            <a:pPr marL="139700" indent="0">
+              <a:spcBef>
+                <a:spcPts val="1000"/>
+              </a:spcBef>
+              <a:buClr>
+                <a:schemeClr val="dk1"/>
+              </a:buClr>
+              <a:buSzPts val="1400"/>
+              <a:buNone/>
+            </a:pPr>
+            <a:r>
+              <a:rPr lang="en-US" sz="1400" b="1" dirty="0"/>
+              <a:t>Ground Truth Summary:</a:t>
+            </a:r>
+          </a:p>
+          <a:p>
+            <a:pPr marL="139700" indent="0">
+              <a:spcBef>
+                <a:spcPts val="400"/>
+              </a:spcBef>
+              <a:buClr>
+                <a:schemeClr val="dk1"/>
+              </a:buClr>
+              <a:buSzPts val="1400"/>
+              <a:buNone/>
+            </a:pPr>
+            <a:endParaRPr lang="en-US" sz="700" b="1" dirty="0"/>
+          </a:p>
+          <a:p>
+            <a:pPr marL="133350" indent="0">
+              <a:buNone/>
+            </a:pPr>
+            <a:r>
+              <a:rPr lang="en-US" sz="1400" b="1" dirty="0"/>
+              <a:t>Ground Truth</a:t>
+            </a:r>
+            <a:r>
+              <a:rPr lang="en-US" sz="1400" dirty="0"/>
+              <a:t> (</a:t>
+            </a:r>
+            <a:r>
+              <a:rPr lang="en-US" sz="1400" b="1" dirty="0"/>
+              <a:t>GT</a:t>
+            </a:r>
+            <a:r>
+              <a:rPr lang="en-US" sz="1400" dirty="0"/>
+              <a:t>) is a subset of the data with manually created verified, correct labels that represent the known right answers. It is used as a benchmark to measure how well the prompts perform. Without it, accuracy, precision, recall, or F1-scores cannot be calculated. It should be recognized that since it was created manually, it is subject to human biases.</a:t>
+            </a:r>
+          </a:p>
+          <a:p>
+            <a:pPr marL="133350" indent="0">
+              <a:buNone/>
+            </a:pPr>
+            <a:endParaRPr lang="en-US" sz="1400" dirty="0"/>
+          </a:p>
+          <a:p>
+            <a:pPr marL="133350" indent="0">
+              <a:buNone/>
+            </a:pPr>
+            <a:r>
+              <a:rPr lang="en-US" sz="1400" dirty="0"/>
+              <a:t>To create the </a:t>
+            </a:r>
+            <a:r>
+              <a:rPr lang="en-US" sz="1400" b="1" dirty="0"/>
+              <a:t>GT</a:t>
+            </a:r>
+            <a:r>
+              <a:rPr lang="en-US" sz="1400" dirty="0"/>
+              <a:t>, 36 reviews were selected from the dataset. Each one was examined, then manually classified as </a:t>
+            </a:r>
+            <a:r>
+              <a:rPr lang="en-US" sz="1400" b="1" dirty="0"/>
+              <a:t>Positive</a:t>
+            </a:r>
+            <a:r>
+              <a:rPr lang="en-US" sz="1400" dirty="0"/>
+              <a:t>, </a:t>
+            </a:r>
+            <a:r>
+              <a:rPr lang="en-US" sz="1400" b="1" dirty="0"/>
+              <a:t>Negative</a:t>
+            </a:r>
+            <a:r>
+              <a:rPr lang="en-US" sz="1400" dirty="0"/>
+              <a:t>, or </a:t>
+            </a:r>
+            <a:r>
+              <a:rPr lang="en-US" sz="1400" b="1" dirty="0"/>
+              <a:t>Neutral</a:t>
+            </a:r>
+            <a:r>
+              <a:rPr lang="en-US" sz="1400" dirty="0"/>
+              <a:t>, and assigned appropriate tags This was saved as the reference dataset. This step must be completed before running any prompts to prevent bias.</a:t>
+            </a:r>
+          </a:p>
+          <a:p>
+            <a:pPr marL="133350" indent="0">
+              <a:buNone/>
+            </a:pPr>
+            <a:endParaRPr lang="en-US" sz="1400" dirty="0"/>
+          </a:p>
+          <a:p>
+            <a:pPr marL="133350" indent="0">
+              <a:buNone/>
+            </a:pPr>
+            <a:r>
+              <a:rPr lang="en-US" sz="1400" dirty="0"/>
+              <a:t>To use, each prompt variation was run on the raw version of the rows in the GT.  The models’ raw data output was compared against the </a:t>
+            </a:r>
+            <a:r>
+              <a:rPr lang="en-US" sz="1400" b="1" dirty="0"/>
+              <a:t>GT. </a:t>
+            </a:r>
+            <a:r>
+              <a:rPr lang="en-US" sz="1400" dirty="0"/>
+              <a:t>This technique was used to select the best performer of each prompt type.</a:t>
+            </a:r>
+          </a:p>
+          <a:p>
+            <a:pPr marL="133350" indent="0">
+              <a:buNone/>
+            </a:pPr>
+            <a:endParaRPr lang="en-US" sz="700" dirty="0"/>
+          </a:p>
+        </p:txBody>
+      </p:sp>
+    </p:spTree>
+    <p:extLst>
+      <p:ext uri="{BB962C8B-B14F-4D97-AF65-F5344CB8AC3E}">
+        <p14:creationId xmlns:p14="http://schemas.microsoft.com/office/powerpoint/2010/main" val="1909205762"/>
+      </p:ext>
+    </p:extLst>
+  </p:cSld>
+  <p:clrMapOvr>
+    <a:masterClrMapping/>
+  </p:clrMapOvr>
+</p:sld>
+</file>
+
+<file path=ppt/slides/slide13.xml><?xml version="1.0" encoding="utf-8"?>
 <p:sld xmlns:a="http://schemas.openxmlformats.org/drawingml/2006/main" xmlns:r="http://schemas.openxmlformats.org/officeDocument/2006/relationships" xmlns:p="http://schemas.openxmlformats.org/presentationml/2006/main">
   <p:cSld>
     <p:spTree>
@@ -26225,133 +27059,36 @@
           </a:p>
         </p:txBody>
       </p:sp>
-      <p:sp>
-        <p:nvSpPr>
-          <p:cNvPr id="164" name="Google Shape;164;p37">
+      <p:pic>
+        <p:nvPicPr>
+          <p:cNvPr id="5" name="Picture 4">
             <a:extLst>
               <a:ext uri="{FF2B5EF4-FFF2-40B4-BE49-F238E27FC236}">
-                <a16:creationId xmlns:a16="http://schemas.microsoft.com/office/drawing/2014/main" id="{D9F1B83F-7B25-BA55-F843-A200F6AC3B7A}"/>
+                <a16:creationId xmlns:a16="http://schemas.microsoft.com/office/drawing/2014/main" id="{C0A68AB8-6C35-D7F6-7AAC-0F57B471F0F5}"/>
               </a:ext>
             </a:extLst>
           </p:cNvPr>
-          <p:cNvSpPr txBox="1">
-            <a:spLocks noGrp="1"/>
-          </p:cNvSpPr>
-          <p:nvPr>
-            <p:ph type="body" idx="1"/>
-          </p:nvPr>
-        </p:nvSpPr>
+          <p:cNvPicPr>
+            <a:picLocks noChangeAspect="1"/>
+          </p:cNvPicPr>
+          <p:nvPr/>
+        </p:nvPicPr>
+        <p:blipFill>
+          <a:blip r:embed="rId3"/>
+          <a:stretch>
+            <a:fillRect/>
+          </a:stretch>
+        </p:blipFill>
         <p:spPr>
           <a:xfrm>
-            <a:off x="202550" y="1243025"/>
-            <a:ext cx="8629800" cy="3611200"/>
+            <a:off x="721430" y="811273"/>
+            <a:ext cx="7563172" cy="3958637"/>
           </a:xfrm>
           <a:prstGeom prst="rect">
             <a:avLst/>
           </a:prstGeom>
-          <a:noFill/>
-          <a:ln>
-            <a:noFill/>
-          </a:ln>
         </p:spPr>
-        <p:txBody>
-          <a:bodyPr spcFirstLastPara="1" wrap="square" lIns="91425" tIns="91425" rIns="91425" bIns="91425" anchor="t" anchorCtr="0">
-            <a:noAutofit/>
-          </a:bodyPr>
-          <a:lstStyle/>
-          <a:p>
-            <a:pPr marL="139700" indent="0">
-              <a:spcBef>
-                <a:spcPts val="1000"/>
-              </a:spcBef>
-              <a:buClr>
-                <a:schemeClr val="dk1"/>
-              </a:buClr>
-              <a:buSzPts val="1400"/>
-              <a:buNone/>
-            </a:pPr>
-            <a:r>
-              <a:rPr lang="en-US" sz="1400" b="1" dirty="0"/>
-              <a:t>Goal:</a:t>
-            </a:r>
-          </a:p>
-          <a:p>
-            <a:pPr marL="139700" indent="0">
-              <a:spcBef>
-                <a:spcPts val="400"/>
-              </a:spcBef>
-              <a:buClr>
-                <a:schemeClr val="dk1"/>
-              </a:buClr>
-              <a:buSzPts val="1400"/>
-              <a:buNone/>
-            </a:pPr>
-            <a:endParaRPr lang="en-US" sz="700" b="1" dirty="0"/>
-          </a:p>
-          <a:p>
-            <a:pPr marL="133350" indent="0">
-              <a:buNone/>
-            </a:pPr>
-            <a:r>
-              <a:rPr lang="en-US" sz="1400" dirty="0"/>
-              <a:t>A bank's consumer credit department seeks to streamline the decision-making process for home equity lines of credit. In compliance with the Equal Credit Opportunity Act (ECOA), the department requires an empirically derived and statistically sound credit scoring model.</a:t>
-            </a:r>
-          </a:p>
-          <a:p>
-            <a:pPr marL="133350" indent="0">
-              <a:buNone/>
-            </a:pPr>
-            <a:endParaRPr lang="en-US" sz="700" dirty="0"/>
-          </a:p>
-          <a:p>
-            <a:pPr marL="133350" indent="0">
-              <a:buNone/>
-            </a:pPr>
-            <a:r>
-              <a:rPr lang="en-US" sz="1400" dirty="0"/>
-              <a:t>The model will be developed using data collected through the existing loan underwriting process from recent applicants who were granted credit. The model needs to be interpretable to provide reasonings for loan acceptances/rejections.</a:t>
-            </a:r>
-          </a:p>
-          <a:p>
-            <a:pPr marL="133350" indent="0">
-              <a:buNone/>
-            </a:pPr>
-            <a:endParaRPr lang="en-US" sz="700" dirty="0"/>
-          </a:p>
-          <a:p>
-            <a:pPr marL="139700" indent="0">
-              <a:spcBef>
-                <a:spcPts val="1000"/>
-              </a:spcBef>
-              <a:buClr>
-                <a:schemeClr val="dk1"/>
-              </a:buClr>
-              <a:buSzPts val="1400"/>
-              <a:buNone/>
-            </a:pPr>
-            <a:r>
-              <a:rPr lang="en-US" sz="1400" b="1" dirty="0"/>
-              <a:t>Objective:</a:t>
-            </a:r>
-          </a:p>
-          <a:p>
-            <a:pPr marL="139700" indent="0">
-              <a:spcBef>
-                <a:spcPts val="1000"/>
-              </a:spcBef>
-              <a:buClr>
-                <a:schemeClr val="dk1"/>
-              </a:buClr>
-              <a:buSzPts val="1400"/>
-              <a:buNone/>
-            </a:pPr>
-            <a:r>
-              <a:rPr lang="en-US" sz="1400" dirty="0"/>
-              <a:t>Build a classification model using an Artificial Neural Network (ANN) to predict clients who are likely to default on  loans. The model should provide recommendations on the key features to consider during loan approval.</a:t>
-            </a:r>
-          </a:p>
-        </p:txBody>
-      </p:sp>
+      </p:pic>
     </p:spTree>
     <p:extLst>
       <p:ext uri="{BB962C8B-B14F-4D97-AF65-F5344CB8AC3E}">
@@ -26365,7 +27102,7 @@
 </p:sld>
 </file>
 
-<file path=ppt/slides/slide12.xml><?xml version="1.0" encoding="utf-8"?>
+<file path=ppt/slides/slide14.xml><?xml version="1.0" encoding="utf-8"?>
 <p:sld xmlns:a="http://schemas.openxmlformats.org/drawingml/2006/main" xmlns:r="http://schemas.openxmlformats.org/officeDocument/2006/relationships" xmlns:p="http://schemas.openxmlformats.org/presentationml/2006/main">
   <p:cSld>
     <p:spTree>
@@ -26638,7 +27375,7 @@
 </p:sld>
 </file>
 
-<file path=ppt/slides/slide13.xml><?xml version="1.0" encoding="utf-8"?>
+<file path=ppt/slides/slide15.xml><?xml version="1.0" encoding="utf-8"?>
 <p:sld xmlns:a="http://schemas.openxmlformats.org/drawingml/2006/main" xmlns:r="http://schemas.openxmlformats.org/officeDocument/2006/relationships" xmlns:p="http://schemas.openxmlformats.org/presentationml/2006/main">
   <p:cSld>
     <p:spTree>
@@ -26934,7 +27671,7 @@
 </p:sld>
 </file>
 
-<file path=ppt/slides/slide14.xml><?xml version="1.0" encoding="utf-8"?>
+<file path=ppt/slides/slide16.xml><?xml version="1.0" encoding="utf-8"?>
 <p:sld xmlns:a="http://schemas.openxmlformats.org/drawingml/2006/main" xmlns:r="http://schemas.openxmlformats.org/officeDocument/2006/relationships" xmlns:p="http://schemas.openxmlformats.org/presentationml/2006/main">
   <p:cSld>
     <p:spTree>
@@ -27230,7 +27967,7 @@
 </p:sld>
 </file>
 
-<file path=ppt/slides/slide15.xml><?xml version="1.0" encoding="utf-8"?>
+<file path=ppt/slides/slide17.xml><?xml version="1.0" encoding="utf-8"?>
 <p:sld xmlns:a="http://schemas.openxmlformats.org/drawingml/2006/main" xmlns:r="http://schemas.openxmlformats.org/officeDocument/2006/relationships" xmlns:p="http://schemas.openxmlformats.org/presentationml/2006/main">
   <p:cSld>
     <p:spTree>
@@ -27526,7 +28263,7 @@
 </p:sld>
 </file>
 
-<file path=ppt/slides/slide16.xml><?xml version="1.0" encoding="utf-8"?>
+<file path=ppt/slides/slide18.xml><?xml version="1.0" encoding="utf-8"?>
 <p:sld xmlns:a="http://schemas.openxmlformats.org/drawingml/2006/main" xmlns:r="http://schemas.openxmlformats.org/officeDocument/2006/relationships" xmlns:p="http://schemas.openxmlformats.org/presentationml/2006/main">
   <p:cSld>
     <p:spTree>
@@ -27822,7 +28559,7 @@
 </p:sld>
 </file>
 
-<file path=ppt/slides/slide17.xml><?xml version="1.0" encoding="utf-8"?>
+<file path=ppt/slides/slide19.xml><?xml version="1.0" encoding="utf-8"?>
 <p:sld xmlns:a="http://schemas.openxmlformats.org/drawingml/2006/main" xmlns:r="http://schemas.openxmlformats.org/officeDocument/2006/relationships" xmlns:p="http://schemas.openxmlformats.org/presentationml/2006/main">
   <p:cSld>
     <p:spTree>
@@ -28118,7 +28855,368 @@
 </p:sld>
 </file>
 
-<file path=ppt/slides/slide18.xml><?xml version="1.0" encoding="utf-8"?>
+<file path=ppt/slides/slide2.xml><?xml version="1.0" encoding="utf-8"?>
+<p:sld xmlns:a="http://schemas.openxmlformats.org/drawingml/2006/main" xmlns:r="http://schemas.openxmlformats.org/officeDocument/2006/relationships" xmlns:p="http://schemas.openxmlformats.org/presentationml/2006/main">
+  <p:cSld>
+    <p:spTree>
+      <p:nvGrpSpPr>
+        <p:cNvPr id="1" name="Shape 156"/>
+        <p:cNvGrpSpPr/>
+        <p:nvPr/>
+      </p:nvGrpSpPr>
+      <p:grpSpPr>
+        <a:xfrm>
+          <a:off x="0" y="0"/>
+          <a:ext cx="0" cy="0"/>
+          <a:chOff x="0" y="0"/>
+          <a:chExt cx="0" cy="0"/>
+        </a:xfrm>
+      </p:grpSpPr>
+      <p:sp>
+        <p:nvSpPr>
+          <p:cNvPr id="157" name="Google Shape;157;p36"/>
+          <p:cNvSpPr txBox="1">
+            <a:spLocks noGrp="1"/>
+          </p:cNvSpPr>
+          <p:nvPr>
+            <p:ph type="title"/>
+          </p:nvPr>
+        </p:nvSpPr>
+        <p:spPr>
+          <a:xfrm>
+            <a:off x="202550" y="289279"/>
+            <a:ext cx="8520600" cy="572700"/>
+          </a:xfrm>
+          <a:prstGeom prst="rect">
+            <a:avLst/>
+          </a:prstGeom>
+          <a:noFill/>
+          <a:ln>
+            <a:noFill/>
+          </a:ln>
+        </p:spPr>
+        <p:txBody>
+          <a:bodyPr spcFirstLastPara="1" wrap="square" lIns="91425" tIns="91425" rIns="91425" bIns="91425" anchor="t" anchorCtr="0">
+            <a:noAutofit/>
+          </a:bodyPr>
+          <a:lstStyle/>
+          <a:p>
+            <a:pPr marL="0" lvl="0" indent="0" algn="l" rtl="0">
+              <a:lnSpc>
+                <a:spcPct val="100000"/>
+              </a:lnSpc>
+              <a:spcBef>
+                <a:spcPts val="0"/>
+              </a:spcBef>
+              <a:spcAft>
+                <a:spcPts val="0"/>
+              </a:spcAft>
+              <a:buSzPts val="2200"/>
+              <a:buNone/>
+            </a:pPr>
+            <a:r>
+              <a:rPr lang="en">
+                <a:solidFill>
+                  <a:schemeClr val="lt2"/>
+                </a:solidFill>
+                <a:latin typeface="Century Gothic"/>
+                <a:ea typeface="Century Gothic"/>
+                <a:cs typeface="Century Gothic"/>
+                <a:sym typeface="Century Gothic"/>
+              </a:rPr>
+              <a:t>Contents / Agenda</a:t>
+            </a:r>
+            <a:endParaRPr>
+              <a:solidFill>
+                <a:schemeClr val="lt2"/>
+              </a:solidFill>
+              <a:latin typeface="Century Gothic"/>
+              <a:ea typeface="Century Gothic"/>
+              <a:cs typeface="Century Gothic"/>
+              <a:sym typeface="Century Gothic"/>
+            </a:endParaRPr>
+          </a:p>
+        </p:txBody>
+      </p:sp>
+      <p:sp>
+        <p:nvSpPr>
+          <p:cNvPr id="158" name="Google Shape;158;p36"/>
+          <p:cNvSpPr txBox="1">
+            <a:spLocks noGrp="1"/>
+          </p:cNvSpPr>
+          <p:nvPr>
+            <p:ph type="body" idx="1"/>
+          </p:nvPr>
+        </p:nvSpPr>
+        <p:spPr>
+          <a:xfrm>
+            <a:off x="202550" y="861975"/>
+            <a:ext cx="8629800" cy="3706800"/>
+          </a:xfrm>
+          <a:prstGeom prst="rect">
+            <a:avLst/>
+          </a:prstGeom>
+          <a:noFill/>
+          <a:ln>
+            <a:noFill/>
+          </a:ln>
+        </p:spPr>
+        <p:txBody>
+          <a:bodyPr spcFirstLastPara="1" wrap="square" lIns="91425" tIns="91425" rIns="91425" bIns="91425" anchor="t" anchorCtr="0">
+            <a:noAutofit/>
+          </a:bodyPr>
+          <a:lstStyle/>
+          <a:p>
+            <a:pPr marL="457200" lvl="0" indent="-317500" algn="l" rtl="0">
+              <a:lnSpc>
+                <a:spcPct val="115000"/>
+              </a:lnSpc>
+              <a:spcBef>
+                <a:spcPts val="1000"/>
+              </a:spcBef>
+              <a:spcAft>
+                <a:spcPts val="0"/>
+              </a:spcAft>
+              <a:buClr>
+                <a:schemeClr val="dk1"/>
+              </a:buClr>
+              <a:buSzPts val="1400"/>
+              <a:buFont typeface="Century Gothic"/>
+              <a:buChar char="●"/>
+            </a:pPr>
+            <a:r>
+              <a:rPr lang="en" sz="1400">
+                <a:solidFill>
+                  <a:schemeClr val="dk1"/>
+                </a:solidFill>
+                <a:latin typeface="Century Gothic"/>
+                <a:ea typeface="Century Gothic"/>
+                <a:cs typeface="Century Gothic"/>
+                <a:sym typeface="Century Gothic"/>
+              </a:rPr>
+              <a:t>Business Context, Problem Overview and Solution Approach</a:t>
+            </a:r>
+            <a:endParaRPr sz="1400">
+              <a:solidFill>
+                <a:schemeClr val="dk1"/>
+              </a:solidFill>
+              <a:latin typeface="Century Gothic"/>
+              <a:ea typeface="Century Gothic"/>
+              <a:cs typeface="Century Gothic"/>
+              <a:sym typeface="Century Gothic"/>
+            </a:endParaRPr>
+          </a:p>
+          <a:p>
+            <a:pPr marL="457200" lvl="0" indent="-317500" algn="l" rtl="0">
+              <a:lnSpc>
+                <a:spcPct val="115000"/>
+              </a:lnSpc>
+              <a:spcBef>
+                <a:spcPts val="1000"/>
+              </a:spcBef>
+              <a:spcAft>
+                <a:spcPts val="0"/>
+              </a:spcAft>
+              <a:buClr>
+                <a:schemeClr val="dk1"/>
+              </a:buClr>
+              <a:buSzPts val="1400"/>
+              <a:buFont typeface="Century Gothic"/>
+              <a:buChar char="●"/>
+            </a:pPr>
+            <a:r>
+              <a:rPr lang="en" sz="1400">
+                <a:solidFill>
+                  <a:schemeClr val="dk1"/>
+                </a:solidFill>
+                <a:latin typeface="Century Gothic"/>
+                <a:ea typeface="Century Gothic"/>
+                <a:cs typeface="Century Gothic"/>
+                <a:sym typeface="Century Gothic"/>
+              </a:rPr>
+              <a:t>Exploring Different Prompting Techniques</a:t>
+            </a:r>
+            <a:endParaRPr sz="1400">
+              <a:solidFill>
+                <a:schemeClr val="dk1"/>
+              </a:solidFill>
+              <a:latin typeface="Century Gothic"/>
+              <a:ea typeface="Century Gothic"/>
+              <a:cs typeface="Century Gothic"/>
+              <a:sym typeface="Century Gothic"/>
+            </a:endParaRPr>
+          </a:p>
+          <a:p>
+            <a:pPr marL="457200" lvl="0" indent="-317500" algn="l" rtl="0">
+              <a:lnSpc>
+                <a:spcPct val="115000"/>
+              </a:lnSpc>
+              <a:spcBef>
+                <a:spcPts val="1000"/>
+              </a:spcBef>
+              <a:spcAft>
+                <a:spcPts val="0"/>
+              </a:spcAft>
+              <a:buClr>
+                <a:schemeClr val="dk1"/>
+              </a:buClr>
+              <a:buSzPts val="1400"/>
+              <a:buFont typeface="Century Gothic"/>
+              <a:buChar char="●"/>
+            </a:pPr>
+            <a:r>
+              <a:rPr lang="en" sz="1400">
+                <a:solidFill>
+                  <a:schemeClr val="dk1"/>
+                </a:solidFill>
+                <a:latin typeface="Century Gothic"/>
+                <a:ea typeface="Century Gothic"/>
+                <a:cs typeface="Century Gothic"/>
+                <a:sym typeface="Century Gothic"/>
+              </a:rPr>
+              <a:t>Prompts and the structure of the Prompts</a:t>
+            </a:r>
+            <a:endParaRPr sz="1400">
+              <a:solidFill>
+                <a:schemeClr val="dk1"/>
+              </a:solidFill>
+              <a:latin typeface="Century Gothic"/>
+              <a:ea typeface="Century Gothic"/>
+              <a:cs typeface="Century Gothic"/>
+              <a:sym typeface="Century Gothic"/>
+            </a:endParaRPr>
+          </a:p>
+          <a:p>
+            <a:pPr marL="457200" lvl="0" indent="-317500" algn="l" rtl="0">
+              <a:lnSpc>
+                <a:spcPct val="115000"/>
+              </a:lnSpc>
+              <a:spcBef>
+                <a:spcPts val="1000"/>
+              </a:spcBef>
+              <a:spcAft>
+                <a:spcPts val="0"/>
+              </a:spcAft>
+              <a:buClr>
+                <a:schemeClr val="dk1"/>
+              </a:buClr>
+              <a:buSzPts val="1400"/>
+              <a:buFont typeface="Century Gothic"/>
+              <a:buChar char="●"/>
+            </a:pPr>
+            <a:r>
+              <a:rPr lang="en" sz="1400">
+                <a:solidFill>
+                  <a:schemeClr val="dk1"/>
+                </a:solidFill>
+                <a:latin typeface="Century Gothic"/>
+                <a:ea typeface="Century Gothic"/>
+                <a:cs typeface="Century Gothic"/>
+                <a:sym typeface="Century Gothic"/>
+              </a:rPr>
+              <a:t>Output from the Prompts</a:t>
+            </a:r>
+            <a:endParaRPr sz="1400">
+              <a:solidFill>
+                <a:schemeClr val="dk1"/>
+              </a:solidFill>
+              <a:latin typeface="Century Gothic"/>
+              <a:ea typeface="Century Gothic"/>
+              <a:cs typeface="Century Gothic"/>
+              <a:sym typeface="Century Gothic"/>
+            </a:endParaRPr>
+          </a:p>
+          <a:p>
+            <a:pPr marL="457200" lvl="0" indent="-317500" algn="l" rtl="0">
+              <a:lnSpc>
+                <a:spcPct val="115000"/>
+              </a:lnSpc>
+              <a:spcBef>
+                <a:spcPts val="1000"/>
+              </a:spcBef>
+              <a:spcAft>
+                <a:spcPts val="0"/>
+              </a:spcAft>
+              <a:buClr>
+                <a:schemeClr val="dk1"/>
+              </a:buClr>
+              <a:buSzPts val="1400"/>
+              <a:buFont typeface="Century Gothic"/>
+              <a:buChar char="●"/>
+            </a:pPr>
+            <a:r>
+              <a:rPr lang="en" sz="1400">
+                <a:solidFill>
+                  <a:schemeClr val="dk1"/>
+                </a:solidFill>
+                <a:latin typeface="Century Gothic"/>
+                <a:ea typeface="Century Gothic"/>
+                <a:cs typeface="Century Gothic"/>
+                <a:sym typeface="Century Gothic"/>
+              </a:rPr>
+              <a:t>Observations/Insights and conclusions</a:t>
+            </a:r>
+            <a:endParaRPr sz="1400">
+              <a:solidFill>
+                <a:schemeClr val="dk1"/>
+              </a:solidFill>
+              <a:latin typeface="Century Gothic"/>
+              <a:ea typeface="Century Gothic"/>
+              <a:cs typeface="Century Gothic"/>
+              <a:sym typeface="Century Gothic"/>
+            </a:endParaRPr>
+          </a:p>
+          <a:p>
+            <a:pPr marL="457200" lvl="0" indent="-317500" algn="l" rtl="0">
+              <a:lnSpc>
+                <a:spcPct val="115000"/>
+              </a:lnSpc>
+              <a:spcBef>
+                <a:spcPts val="1000"/>
+              </a:spcBef>
+              <a:spcAft>
+                <a:spcPts val="1000"/>
+              </a:spcAft>
+              <a:buClr>
+                <a:schemeClr val="dk1"/>
+              </a:buClr>
+              <a:buSzPts val="1400"/>
+              <a:buFont typeface="Century Gothic"/>
+              <a:buChar char="●"/>
+            </a:pPr>
+            <a:r>
+              <a:rPr lang="en" sz="1400">
+                <a:solidFill>
+                  <a:schemeClr val="dk1"/>
+                </a:solidFill>
+                <a:latin typeface="Century Gothic"/>
+                <a:ea typeface="Century Gothic"/>
+                <a:cs typeface="Century Gothic"/>
+                <a:sym typeface="Century Gothic"/>
+              </a:rPr>
+              <a:t>Appendix</a:t>
+            </a:r>
+            <a:endParaRPr sz="1400">
+              <a:solidFill>
+                <a:schemeClr val="dk1"/>
+              </a:solidFill>
+              <a:latin typeface="Century Gothic"/>
+              <a:ea typeface="Century Gothic"/>
+              <a:cs typeface="Century Gothic"/>
+              <a:sym typeface="Century Gothic"/>
+            </a:endParaRPr>
+          </a:p>
+        </p:txBody>
+      </p:sp>
+    </p:spTree>
+  </p:cSld>
+  <p:clrMapOvr>
+    <a:masterClrMapping/>
+  </p:clrMapOvr>
+</p:sld>
+</file>
+
+<file path=ppt/slides/slide20.xml><?xml version="1.0" encoding="utf-8"?>
 <p:sld xmlns:a="http://schemas.openxmlformats.org/drawingml/2006/main" xmlns:r="http://schemas.openxmlformats.org/officeDocument/2006/relationships" xmlns:p="http://schemas.openxmlformats.org/presentationml/2006/main">
   <p:cSld>
     <p:spTree>
@@ -28414,7 +29512,7 @@
 </p:sld>
 </file>
 
-<file path=ppt/slides/slide19.xml><?xml version="1.0" encoding="utf-8"?>
+<file path=ppt/slides/slide21.xml><?xml version="1.0" encoding="utf-8"?>
 <p:sld xmlns:a="http://schemas.openxmlformats.org/drawingml/2006/main" xmlns:r="http://schemas.openxmlformats.org/officeDocument/2006/relationships" xmlns:p="http://schemas.openxmlformats.org/presentationml/2006/main">
   <p:cSld>
     <p:spTree>
@@ -28710,368 +29808,7 @@
 </p:sld>
 </file>
 
-<file path=ppt/slides/slide2.xml><?xml version="1.0" encoding="utf-8"?>
-<p:sld xmlns:a="http://schemas.openxmlformats.org/drawingml/2006/main" xmlns:r="http://schemas.openxmlformats.org/officeDocument/2006/relationships" xmlns:p="http://schemas.openxmlformats.org/presentationml/2006/main">
-  <p:cSld>
-    <p:spTree>
-      <p:nvGrpSpPr>
-        <p:cNvPr id="1" name="Shape 156"/>
-        <p:cNvGrpSpPr/>
-        <p:nvPr/>
-      </p:nvGrpSpPr>
-      <p:grpSpPr>
-        <a:xfrm>
-          <a:off x="0" y="0"/>
-          <a:ext cx="0" cy="0"/>
-          <a:chOff x="0" y="0"/>
-          <a:chExt cx="0" cy="0"/>
-        </a:xfrm>
-      </p:grpSpPr>
-      <p:sp>
-        <p:nvSpPr>
-          <p:cNvPr id="157" name="Google Shape;157;p36"/>
-          <p:cNvSpPr txBox="1">
-            <a:spLocks noGrp="1"/>
-          </p:cNvSpPr>
-          <p:nvPr>
-            <p:ph type="title"/>
-          </p:nvPr>
-        </p:nvSpPr>
-        <p:spPr>
-          <a:xfrm>
-            <a:off x="202550" y="289279"/>
-            <a:ext cx="8520600" cy="572700"/>
-          </a:xfrm>
-          <a:prstGeom prst="rect">
-            <a:avLst/>
-          </a:prstGeom>
-          <a:noFill/>
-          <a:ln>
-            <a:noFill/>
-          </a:ln>
-        </p:spPr>
-        <p:txBody>
-          <a:bodyPr spcFirstLastPara="1" wrap="square" lIns="91425" tIns="91425" rIns="91425" bIns="91425" anchor="t" anchorCtr="0">
-            <a:noAutofit/>
-          </a:bodyPr>
-          <a:lstStyle/>
-          <a:p>
-            <a:pPr marL="0" lvl="0" indent="0" algn="l" rtl="0">
-              <a:lnSpc>
-                <a:spcPct val="100000"/>
-              </a:lnSpc>
-              <a:spcBef>
-                <a:spcPts val="0"/>
-              </a:spcBef>
-              <a:spcAft>
-                <a:spcPts val="0"/>
-              </a:spcAft>
-              <a:buSzPts val="2200"/>
-              <a:buNone/>
-            </a:pPr>
-            <a:r>
-              <a:rPr lang="en">
-                <a:solidFill>
-                  <a:schemeClr val="lt2"/>
-                </a:solidFill>
-                <a:latin typeface="Century Gothic"/>
-                <a:ea typeface="Century Gothic"/>
-                <a:cs typeface="Century Gothic"/>
-                <a:sym typeface="Century Gothic"/>
-              </a:rPr>
-              <a:t>Contents / Agenda</a:t>
-            </a:r>
-            <a:endParaRPr>
-              <a:solidFill>
-                <a:schemeClr val="lt2"/>
-              </a:solidFill>
-              <a:latin typeface="Century Gothic"/>
-              <a:ea typeface="Century Gothic"/>
-              <a:cs typeface="Century Gothic"/>
-              <a:sym typeface="Century Gothic"/>
-            </a:endParaRPr>
-          </a:p>
-        </p:txBody>
-      </p:sp>
-      <p:sp>
-        <p:nvSpPr>
-          <p:cNvPr id="158" name="Google Shape;158;p36"/>
-          <p:cNvSpPr txBox="1">
-            <a:spLocks noGrp="1"/>
-          </p:cNvSpPr>
-          <p:nvPr>
-            <p:ph type="body" idx="1"/>
-          </p:nvPr>
-        </p:nvSpPr>
-        <p:spPr>
-          <a:xfrm>
-            <a:off x="202550" y="861975"/>
-            <a:ext cx="8629800" cy="3706800"/>
-          </a:xfrm>
-          <a:prstGeom prst="rect">
-            <a:avLst/>
-          </a:prstGeom>
-          <a:noFill/>
-          <a:ln>
-            <a:noFill/>
-          </a:ln>
-        </p:spPr>
-        <p:txBody>
-          <a:bodyPr spcFirstLastPara="1" wrap="square" lIns="91425" tIns="91425" rIns="91425" bIns="91425" anchor="t" anchorCtr="0">
-            <a:noAutofit/>
-          </a:bodyPr>
-          <a:lstStyle/>
-          <a:p>
-            <a:pPr marL="457200" lvl="0" indent="-317500" algn="l" rtl="0">
-              <a:lnSpc>
-                <a:spcPct val="115000"/>
-              </a:lnSpc>
-              <a:spcBef>
-                <a:spcPts val="1000"/>
-              </a:spcBef>
-              <a:spcAft>
-                <a:spcPts val="0"/>
-              </a:spcAft>
-              <a:buClr>
-                <a:schemeClr val="dk1"/>
-              </a:buClr>
-              <a:buSzPts val="1400"/>
-              <a:buFont typeface="Century Gothic"/>
-              <a:buChar char="●"/>
-            </a:pPr>
-            <a:r>
-              <a:rPr lang="en" sz="1400">
-                <a:solidFill>
-                  <a:schemeClr val="dk1"/>
-                </a:solidFill>
-                <a:latin typeface="Century Gothic"/>
-                <a:ea typeface="Century Gothic"/>
-                <a:cs typeface="Century Gothic"/>
-                <a:sym typeface="Century Gothic"/>
-              </a:rPr>
-              <a:t>Business Context, Problem Overview and Solution Approach</a:t>
-            </a:r>
-            <a:endParaRPr sz="1400">
-              <a:solidFill>
-                <a:schemeClr val="dk1"/>
-              </a:solidFill>
-              <a:latin typeface="Century Gothic"/>
-              <a:ea typeface="Century Gothic"/>
-              <a:cs typeface="Century Gothic"/>
-              <a:sym typeface="Century Gothic"/>
-            </a:endParaRPr>
-          </a:p>
-          <a:p>
-            <a:pPr marL="457200" lvl="0" indent="-317500" algn="l" rtl="0">
-              <a:lnSpc>
-                <a:spcPct val="115000"/>
-              </a:lnSpc>
-              <a:spcBef>
-                <a:spcPts val="1000"/>
-              </a:spcBef>
-              <a:spcAft>
-                <a:spcPts val="0"/>
-              </a:spcAft>
-              <a:buClr>
-                <a:schemeClr val="dk1"/>
-              </a:buClr>
-              <a:buSzPts val="1400"/>
-              <a:buFont typeface="Century Gothic"/>
-              <a:buChar char="●"/>
-            </a:pPr>
-            <a:r>
-              <a:rPr lang="en" sz="1400">
-                <a:solidFill>
-                  <a:schemeClr val="dk1"/>
-                </a:solidFill>
-                <a:latin typeface="Century Gothic"/>
-                <a:ea typeface="Century Gothic"/>
-                <a:cs typeface="Century Gothic"/>
-                <a:sym typeface="Century Gothic"/>
-              </a:rPr>
-              <a:t>Exploring Different Prompting Techniques</a:t>
-            </a:r>
-            <a:endParaRPr sz="1400">
-              <a:solidFill>
-                <a:schemeClr val="dk1"/>
-              </a:solidFill>
-              <a:latin typeface="Century Gothic"/>
-              <a:ea typeface="Century Gothic"/>
-              <a:cs typeface="Century Gothic"/>
-              <a:sym typeface="Century Gothic"/>
-            </a:endParaRPr>
-          </a:p>
-          <a:p>
-            <a:pPr marL="457200" lvl="0" indent="-317500" algn="l" rtl="0">
-              <a:lnSpc>
-                <a:spcPct val="115000"/>
-              </a:lnSpc>
-              <a:spcBef>
-                <a:spcPts val="1000"/>
-              </a:spcBef>
-              <a:spcAft>
-                <a:spcPts val="0"/>
-              </a:spcAft>
-              <a:buClr>
-                <a:schemeClr val="dk1"/>
-              </a:buClr>
-              <a:buSzPts val="1400"/>
-              <a:buFont typeface="Century Gothic"/>
-              <a:buChar char="●"/>
-            </a:pPr>
-            <a:r>
-              <a:rPr lang="en" sz="1400">
-                <a:solidFill>
-                  <a:schemeClr val="dk1"/>
-                </a:solidFill>
-                <a:latin typeface="Century Gothic"/>
-                <a:ea typeface="Century Gothic"/>
-                <a:cs typeface="Century Gothic"/>
-                <a:sym typeface="Century Gothic"/>
-              </a:rPr>
-              <a:t>Prompts and the structure of the Prompts</a:t>
-            </a:r>
-            <a:endParaRPr sz="1400">
-              <a:solidFill>
-                <a:schemeClr val="dk1"/>
-              </a:solidFill>
-              <a:latin typeface="Century Gothic"/>
-              <a:ea typeface="Century Gothic"/>
-              <a:cs typeface="Century Gothic"/>
-              <a:sym typeface="Century Gothic"/>
-            </a:endParaRPr>
-          </a:p>
-          <a:p>
-            <a:pPr marL="457200" lvl="0" indent="-317500" algn="l" rtl="0">
-              <a:lnSpc>
-                <a:spcPct val="115000"/>
-              </a:lnSpc>
-              <a:spcBef>
-                <a:spcPts val="1000"/>
-              </a:spcBef>
-              <a:spcAft>
-                <a:spcPts val="0"/>
-              </a:spcAft>
-              <a:buClr>
-                <a:schemeClr val="dk1"/>
-              </a:buClr>
-              <a:buSzPts val="1400"/>
-              <a:buFont typeface="Century Gothic"/>
-              <a:buChar char="●"/>
-            </a:pPr>
-            <a:r>
-              <a:rPr lang="en" sz="1400">
-                <a:solidFill>
-                  <a:schemeClr val="dk1"/>
-                </a:solidFill>
-                <a:latin typeface="Century Gothic"/>
-                <a:ea typeface="Century Gothic"/>
-                <a:cs typeface="Century Gothic"/>
-                <a:sym typeface="Century Gothic"/>
-              </a:rPr>
-              <a:t>Output from the Prompts</a:t>
-            </a:r>
-            <a:endParaRPr sz="1400">
-              <a:solidFill>
-                <a:schemeClr val="dk1"/>
-              </a:solidFill>
-              <a:latin typeface="Century Gothic"/>
-              <a:ea typeface="Century Gothic"/>
-              <a:cs typeface="Century Gothic"/>
-              <a:sym typeface="Century Gothic"/>
-            </a:endParaRPr>
-          </a:p>
-          <a:p>
-            <a:pPr marL="457200" lvl="0" indent="-317500" algn="l" rtl="0">
-              <a:lnSpc>
-                <a:spcPct val="115000"/>
-              </a:lnSpc>
-              <a:spcBef>
-                <a:spcPts val="1000"/>
-              </a:spcBef>
-              <a:spcAft>
-                <a:spcPts val="0"/>
-              </a:spcAft>
-              <a:buClr>
-                <a:schemeClr val="dk1"/>
-              </a:buClr>
-              <a:buSzPts val="1400"/>
-              <a:buFont typeface="Century Gothic"/>
-              <a:buChar char="●"/>
-            </a:pPr>
-            <a:r>
-              <a:rPr lang="en" sz="1400">
-                <a:solidFill>
-                  <a:schemeClr val="dk1"/>
-                </a:solidFill>
-                <a:latin typeface="Century Gothic"/>
-                <a:ea typeface="Century Gothic"/>
-                <a:cs typeface="Century Gothic"/>
-                <a:sym typeface="Century Gothic"/>
-              </a:rPr>
-              <a:t>Observations/Insights and conclusions</a:t>
-            </a:r>
-            <a:endParaRPr sz="1400">
-              <a:solidFill>
-                <a:schemeClr val="dk1"/>
-              </a:solidFill>
-              <a:latin typeface="Century Gothic"/>
-              <a:ea typeface="Century Gothic"/>
-              <a:cs typeface="Century Gothic"/>
-              <a:sym typeface="Century Gothic"/>
-            </a:endParaRPr>
-          </a:p>
-          <a:p>
-            <a:pPr marL="457200" lvl="0" indent="-317500" algn="l" rtl="0">
-              <a:lnSpc>
-                <a:spcPct val="115000"/>
-              </a:lnSpc>
-              <a:spcBef>
-                <a:spcPts val="1000"/>
-              </a:spcBef>
-              <a:spcAft>
-                <a:spcPts val="1000"/>
-              </a:spcAft>
-              <a:buClr>
-                <a:schemeClr val="dk1"/>
-              </a:buClr>
-              <a:buSzPts val="1400"/>
-              <a:buFont typeface="Century Gothic"/>
-              <a:buChar char="●"/>
-            </a:pPr>
-            <a:r>
-              <a:rPr lang="en" sz="1400">
-                <a:solidFill>
-                  <a:schemeClr val="dk1"/>
-                </a:solidFill>
-                <a:latin typeface="Century Gothic"/>
-                <a:ea typeface="Century Gothic"/>
-                <a:cs typeface="Century Gothic"/>
-                <a:sym typeface="Century Gothic"/>
-              </a:rPr>
-              <a:t>Appendix</a:t>
-            </a:r>
-            <a:endParaRPr sz="1400">
-              <a:solidFill>
-                <a:schemeClr val="dk1"/>
-              </a:solidFill>
-              <a:latin typeface="Century Gothic"/>
-              <a:ea typeface="Century Gothic"/>
-              <a:cs typeface="Century Gothic"/>
-              <a:sym typeface="Century Gothic"/>
-            </a:endParaRPr>
-          </a:p>
-        </p:txBody>
-      </p:sp>
-    </p:spTree>
-  </p:cSld>
-  <p:clrMapOvr>
-    <a:masterClrMapping/>
-  </p:clrMapOvr>
-</p:sld>
-</file>
-
-<file path=ppt/slides/slide20.xml><?xml version="1.0" encoding="utf-8"?>
+<file path=ppt/slides/slide22.xml><?xml version="1.0" encoding="utf-8"?>
 <p:sld xmlns:a="http://schemas.openxmlformats.org/drawingml/2006/main" xmlns:r="http://schemas.openxmlformats.org/officeDocument/2006/relationships" xmlns:p="http://schemas.openxmlformats.org/presentationml/2006/main">
   <p:cSld>
     <p:spTree>
@@ -29446,7 +30183,7 @@
 </p:sld>
 </file>
 
-<file path=ppt/slides/slide21.xml><?xml version="1.0" encoding="utf-8"?>
+<file path=ppt/slides/slide23.xml><?xml version="1.0" encoding="utf-8"?>
 <p:sld xmlns:a="http://schemas.openxmlformats.org/drawingml/2006/main" xmlns:r="http://schemas.openxmlformats.org/officeDocument/2006/relationships" xmlns:p="http://schemas.openxmlformats.org/presentationml/2006/main">
   <p:cSld>
     <p:spTree>
@@ -29850,7 +30587,7 @@
 </p:sld>
 </file>
 
-<file path=ppt/slides/slide22.xml><?xml version="1.0" encoding="utf-8"?>
+<file path=ppt/slides/slide24.xml><?xml version="1.0" encoding="utf-8"?>
 <p:sld xmlns:a="http://schemas.openxmlformats.org/drawingml/2006/main" xmlns:r="http://schemas.openxmlformats.org/officeDocument/2006/relationships" xmlns:p="http://schemas.openxmlformats.org/presentationml/2006/main">
   <p:cSld>
     <p:spTree>
@@ -30254,7 +30991,7 @@
 </p:sld>
 </file>
 
-<file path=ppt/slides/slide23.xml><?xml version="1.0" encoding="utf-8"?>
+<file path=ppt/slides/slide25.xml><?xml version="1.0" encoding="utf-8"?>
 <p:sld xmlns:a="http://schemas.openxmlformats.org/drawingml/2006/main" xmlns:r="http://schemas.openxmlformats.org/officeDocument/2006/relationships" xmlns:p="http://schemas.openxmlformats.org/presentationml/2006/main">
   <p:cSld>
     <p:spTree>
@@ -30658,7 +31395,7 @@
 </p:sld>
 </file>
 
-<file path=ppt/slides/slide24.xml><?xml version="1.0" encoding="utf-8"?>
+<file path=ppt/slides/slide26.xml><?xml version="1.0" encoding="utf-8"?>
 <p:sld xmlns:a="http://schemas.openxmlformats.org/drawingml/2006/main" xmlns:r="http://schemas.openxmlformats.org/officeDocument/2006/relationships" xmlns:p="http://schemas.openxmlformats.org/presentationml/2006/main">
   <p:cSld>
     <p:spTree>
@@ -31009,7 +31746,7 @@
 </p:sld>
 </file>
 
-<file path=ppt/slides/slide25.xml><?xml version="1.0" encoding="utf-8"?>
+<file path=ppt/slides/slide27.xml><?xml version="1.0" encoding="utf-8"?>
 <p:sld xmlns:a="http://schemas.openxmlformats.org/drawingml/2006/main" xmlns:r="http://schemas.openxmlformats.org/officeDocument/2006/relationships" xmlns:p="http://schemas.openxmlformats.org/presentationml/2006/main">
   <p:cSld>
     <p:spTree>
@@ -31102,7 +31839,7 @@
 </p:sld>
 </file>
 
-<file path=ppt/slides/slide26.xml><?xml version="1.0" encoding="utf-8"?>
+<file path=ppt/slides/slide28.xml><?xml version="1.0" encoding="utf-8"?>
 <p:sld xmlns:a="http://schemas.openxmlformats.org/drawingml/2006/main" xmlns:r="http://schemas.openxmlformats.org/officeDocument/2006/relationships" xmlns:p="http://schemas.openxmlformats.org/presentationml/2006/main">
   <p:cSld>
     <p:spTree>
@@ -31263,7 +32000,7 @@
 </p:sld>
 </file>
 
-<file path=ppt/slides/slide27.xml><?xml version="1.0" encoding="utf-8"?>
+<file path=ppt/slides/slide29.xml><?xml version="1.0" encoding="utf-8"?>
 <p:sld xmlns:a="http://schemas.openxmlformats.org/drawingml/2006/main" xmlns:r="http://schemas.openxmlformats.org/officeDocument/2006/relationships" xmlns:p="http://schemas.openxmlformats.org/presentationml/2006/main">
   <p:cSld>
     <p:spTree>
@@ -31413,127 +32150,6 @@
               <a:cs typeface="Century Gothic"/>
               <a:sym typeface="Century Gothic"/>
             </a:endParaRPr>
-          </a:p>
-        </p:txBody>
-      </p:sp>
-    </p:spTree>
-  </p:cSld>
-  <p:clrMapOvr>
-    <a:masterClrMapping/>
-  </p:clrMapOvr>
-</p:sld>
-</file>
-
-<file path=ppt/slides/slide28.xml><?xml version="1.0" encoding="utf-8"?>
-<p:sld xmlns:a="http://schemas.openxmlformats.org/drawingml/2006/main" xmlns:r="http://schemas.openxmlformats.org/officeDocument/2006/relationships" xmlns:p="http://schemas.openxmlformats.org/presentationml/2006/main">
-  <p:cSld>
-    <p:spTree>
-      <p:nvGrpSpPr>
-        <p:cNvPr id="1" name="Shape 213"/>
-        <p:cNvGrpSpPr/>
-        <p:nvPr/>
-      </p:nvGrpSpPr>
-      <p:grpSpPr>
-        <a:xfrm>
-          <a:off x="0" y="0"/>
-          <a:ext cx="0" cy="0"/>
-          <a:chOff x="0" y="0"/>
-          <a:chExt cx="0" cy="0"/>
-        </a:xfrm>
-      </p:grpSpPr>
-      <p:sp>
-        <p:nvSpPr>
-          <p:cNvPr id="214" name="Google Shape;214;p45"/>
-          <p:cNvSpPr txBox="1">
-            <a:spLocks noGrp="1"/>
-          </p:cNvSpPr>
-          <p:nvPr>
-            <p:ph type="title"/>
-          </p:nvPr>
-        </p:nvSpPr>
-        <p:spPr>
-          <a:xfrm>
-            <a:off x="70129" y="6703219"/>
-            <a:ext cx="15008700" cy="697800"/>
-          </a:xfrm>
-          <a:prstGeom prst="rect">
-            <a:avLst/>
-          </a:prstGeom>
-          <a:noFill/>
-          <a:ln>
-            <a:noFill/>
-          </a:ln>
-        </p:spPr>
-        <p:txBody>
-          <a:bodyPr spcFirstLastPara="1" wrap="square" lIns="0" tIns="12850" rIns="0" bIns="0" anchor="t" anchorCtr="0">
-            <a:noAutofit/>
-          </a:bodyPr>
-          <a:lstStyle/>
-          <a:p>
-            <a:pPr marL="0" lvl="0" indent="0" algn="l" rtl="0">
-              <a:lnSpc>
-                <a:spcPct val="100000"/>
-              </a:lnSpc>
-              <a:spcBef>
-                <a:spcPts val="0"/>
-              </a:spcBef>
-              <a:spcAft>
-                <a:spcPts val="0"/>
-              </a:spcAft>
-              <a:buSzPts val="2200"/>
-              <a:buNone/>
-            </a:pPr>
-            <a:endParaRPr/>
-          </a:p>
-        </p:txBody>
-      </p:sp>
-      <p:sp>
-        <p:nvSpPr>
-          <p:cNvPr id="215" name="Google Shape;215;p45"/>
-          <p:cNvSpPr txBox="1">
-            <a:spLocks noGrp="1"/>
-          </p:cNvSpPr>
-          <p:nvPr>
-            <p:ph type="sldNum" idx="4294967295"/>
-          </p:nvPr>
-        </p:nvSpPr>
-        <p:spPr>
-          <a:xfrm>
-            <a:off x="8556784" y="4749851"/>
-            <a:ext cx="548700" cy="393600"/>
-          </a:xfrm>
-          <a:prstGeom prst="rect">
-            <a:avLst/>
-          </a:prstGeom>
-          <a:noFill/>
-          <a:ln>
-            <a:noFill/>
-          </a:ln>
-        </p:spPr>
-        <p:txBody>
-          <a:bodyPr spcFirstLastPara="1" wrap="square" lIns="91425" tIns="91425" rIns="91425" bIns="91425" anchor="ctr" anchorCtr="0">
-            <a:noAutofit/>
-          </a:bodyPr>
-          <a:lstStyle/>
-          <a:p>
-            <a:pPr marL="0" lvl="0" indent="0" algn="ctr" rtl="0">
-              <a:lnSpc>
-                <a:spcPct val="100000"/>
-              </a:lnSpc>
-              <a:spcBef>
-                <a:spcPts val="0"/>
-              </a:spcBef>
-              <a:spcAft>
-                <a:spcPts val="0"/>
-              </a:spcAft>
-              <a:buSzPts val="800"/>
-              <a:buNone/>
-            </a:pPr>
-            <a:fld id="{00000000-1234-1234-1234-123412341234}" type="slidenum">
-              <a:rPr lang="en"/>
-              <a:t>28</a:t>
-            </a:fld>
-            <a:endParaRPr/>
           </a:p>
         </p:txBody>
       </p:sp>
@@ -31734,6 +32350,127 @@
               <a:t>Automate sentiment classification of customer feedback for a food delivery platform using Generative AI and Prompt Engineering. Process customer reviews into Positive, Negative, or Neutral categories while ensuring factual consistency and interpretability. Map outputs with relevant tags (Delivery Time, Food Quality, Price, Packaging, Overall Experience) and suggested business actions.</a:t>
             </a:r>
             <a:endParaRPr lang="en-US" sz="1400" b="1" dirty="0"/>
+          </a:p>
+        </p:txBody>
+      </p:sp>
+    </p:spTree>
+  </p:cSld>
+  <p:clrMapOvr>
+    <a:masterClrMapping/>
+  </p:clrMapOvr>
+</p:sld>
+</file>
+
+<file path=ppt/slides/slide30.xml><?xml version="1.0" encoding="utf-8"?>
+<p:sld xmlns:a="http://schemas.openxmlformats.org/drawingml/2006/main" xmlns:r="http://schemas.openxmlformats.org/officeDocument/2006/relationships" xmlns:p="http://schemas.openxmlformats.org/presentationml/2006/main">
+  <p:cSld>
+    <p:spTree>
+      <p:nvGrpSpPr>
+        <p:cNvPr id="1" name="Shape 213"/>
+        <p:cNvGrpSpPr/>
+        <p:nvPr/>
+      </p:nvGrpSpPr>
+      <p:grpSpPr>
+        <a:xfrm>
+          <a:off x="0" y="0"/>
+          <a:ext cx="0" cy="0"/>
+          <a:chOff x="0" y="0"/>
+          <a:chExt cx="0" cy="0"/>
+        </a:xfrm>
+      </p:grpSpPr>
+      <p:sp>
+        <p:nvSpPr>
+          <p:cNvPr id="214" name="Google Shape;214;p45"/>
+          <p:cNvSpPr txBox="1">
+            <a:spLocks noGrp="1"/>
+          </p:cNvSpPr>
+          <p:nvPr>
+            <p:ph type="title"/>
+          </p:nvPr>
+        </p:nvSpPr>
+        <p:spPr>
+          <a:xfrm>
+            <a:off x="70129" y="6703219"/>
+            <a:ext cx="15008700" cy="697800"/>
+          </a:xfrm>
+          <a:prstGeom prst="rect">
+            <a:avLst/>
+          </a:prstGeom>
+          <a:noFill/>
+          <a:ln>
+            <a:noFill/>
+          </a:ln>
+        </p:spPr>
+        <p:txBody>
+          <a:bodyPr spcFirstLastPara="1" wrap="square" lIns="0" tIns="12850" rIns="0" bIns="0" anchor="t" anchorCtr="0">
+            <a:noAutofit/>
+          </a:bodyPr>
+          <a:lstStyle/>
+          <a:p>
+            <a:pPr marL="0" lvl="0" indent="0" algn="l" rtl="0">
+              <a:lnSpc>
+                <a:spcPct val="100000"/>
+              </a:lnSpc>
+              <a:spcBef>
+                <a:spcPts val="0"/>
+              </a:spcBef>
+              <a:spcAft>
+                <a:spcPts val="0"/>
+              </a:spcAft>
+              <a:buSzPts val="2200"/>
+              <a:buNone/>
+            </a:pPr>
+            <a:endParaRPr/>
+          </a:p>
+        </p:txBody>
+      </p:sp>
+      <p:sp>
+        <p:nvSpPr>
+          <p:cNvPr id="215" name="Google Shape;215;p45"/>
+          <p:cNvSpPr txBox="1">
+            <a:spLocks noGrp="1"/>
+          </p:cNvSpPr>
+          <p:nvPr>
+            <p:ph type="sldNum" idx="4294967295"/>
+          </p:nvPr>
+        </p:nvSpPr>
+        <p:spPr>
+          <a:xfrm>
+            <a:off x="8556784" y="4749851"/>
+            <a:ext cx="548700" cy="393600"/>
+          </a:xfrm>
+          <a:prstGeom prst="rect">
+            <a:avLst/>
+          </a:prstGeom>
+          <a:noFill/>
+          <a:ln>
+            <a:noFill/>
+          </a:ln>
+        </p:spPr>
+        <p:txBody>
+          <a:bodyPr spcFirstLastPara="1" wrap="square" lIns="91425" tIns="91425" rIns="91425" bIns="91425" anchor="ctr" anchorCtr="0">
+            <a:noAutofit/>
+          </a:bodyPr>
+          <a:lstStyle/>
+          <a:p>
+            <a:pPr marL="0" lvl="0" indent="0" algn="ctr" rtl="0">
+              <a:lnSpc>
+                <a:spcPct val="100000"/>
+              </a:lnSpc>
+              <a:spcBef>
+                <a:spcPts val="0"/>
+              </a:spcBef>
+              <a:spcAft>
+                <a:spcPts val="0"/>
+              </a:spcAft>
+              <a:buSzPts val="800"/>
+              <a:buNone/>
+            </a:pPr>
+            <a:fld id="{00000000-1234-1234-1234-123412341234}" type="slidenum">
+              <a:rPr lang="en"/>
+              <a:t>30</a:t>
+            </a:fld>
+            <a:endParaRPr/>
           </a:p>
         </p:txBody>
       </p:sp>
@@ -33461,15 +34198,7 @@
             </a:pPr>
             <a:r>
               <a:rPr lang="en-US" dirty="0"/>
-              <a:t>Increase scalability (process </a:t>
-            </a:r>
-            <a:r>
-              <a:rPr lang="en-US"/>
-              <a:t>more reviews) </a:t>
-            </a:r>
-            <a:r>
-              <a:rPr lang="en-US" dirty="0"/>
-              <a:t>while keeping costs low</a:t>
+              <a:t>Increase scalability (process more reviews) while keeping costs low</a:t>
             </a:r>
           </a:p>
           <a:p>
@@ -33629,8 +34358,8 @@
         </p:nvSpPr>
         <p:spPr>
           <a:xfrm>
-            <a:off x="339152" y="2860770"/>
-            <a:ext cx="8629800" cy="2190313"/>
+            <a:off x="359777" y="3233319"/>
+            <a:ext cx="8629800" cy="1647087"/>
           </a:xfrm>
           <a:prstGeom prst="rect">
             <a:avLst/>
@@ -33671,6 +34400,42 @@
             </a:endParaRPr>
           </a:p>
           <a:p>
+            <a:pPr marL="139700" indent="0" algn="just">
+              <a:spcBef>
+                <a:spcPts val="600"/>
+              </a:spcBef>
+              <a:buClr>
+                <a:schemeClr val="dk1"/>
+              </a:buClr>
+              <a:buSzPts val="1400"/>
+              <a:buNone/>
+            </a:pPr>
+            <a:r>
+              <a:rPr lang="en-US" sz="1100" b="1" dirty="0">
+                <a:solidFill>
+                  <a:schemeClr val="dk1"/>
+                </a:solidFill>
+                <a:latin typeface="Century Gothic"/>
+                <a:ea typeface="Century Gothic"/>
+                <a:cs typeface="Century Gothic"/>
+                <a:sym typeface="Century Gothic"/>
+              </a:rPr>
+              <a:t>Data Shape </a:t>
+            </a:r>
+            <a:r>
+              <a:rPr lang="en-US" sz="1100" dirty="0">
+                <a:solidFill>
+                  <a:schemeClr val="dk1"/>
+                </a:solidFill>
+                <a:latin typeface="Century Gothic"/>
+                <a:ea typeface="Century Gothic"/>
+                <a:cs typeface="Century Gothic"/>
+                <a:sym typeface="Century Gothic"/>
+              </a:rPr>
+              <a:t>— 4 columns, 100 rows of data</a:t>
+            </a:r>
+          </a:p>
+          <a:p>
             <a:pPr marL="139700" lvl="0" indent="0" algn="just">
               <a:spcBef>
                 <a:spcPts val="600"/>
@@ -33703,31 +34468,7 @@
                 <a:cs typeface="Century Gothic"/>
                 <a:sym typeface="Century Gothic"/>
               </a:rPr>
-              <a:t>— There are a lot of missing values (</a:t>
-            </a:r>
-            <a:r>
-              <a:rPr lang="en-US" sz="1100" b="1" dirty="0">
-                <a:solidFill>
-                  <a:schemeClr val="dk1"/>
-                </a:solidFill>
-                <a:latin typeface="Century Gothic"/>
-                <a:ea typeface="Century Gothic"/>
-                <a:cs typeface="Century Gothic"/>
-                <a:sym typeface="Century Gothic"/>
-              </a:rPr>
-              <a:t>DEBTINC</a:t>
-            </a:r>
-            <a:r>
-              <a:rPr lang="en-US" sz="1100" dirty="0">
-                <a:solidFill>
-                  <a:schemeClr val="dk1"/>
-                </a:solidFill>
-                <a:latin typeface="Century Gothic"/>
-                <a:ea typeface="Century Gothic"/>
-                <a:cs typeface="Century Gothic"/>
-                <a:sym typeface="Century Gothic"/>
-              </a:rPr>
-              <a:t> has 4,693 vs 5,960 total records); imputation needed</a:t>
+              <a:t>— There are no missing values, imputation is not required</a:t>
             </a:r>
           </a:p>
           <a:p>
@@ -33766,7 +34507,7 @@
               <a:t> — </a:t>
             </a:r>
             <a:r>
-              <a:rPr lang="en-US" sz="1100" b="1" dirty="0">
+              <a:rPr lang="en-US" sz="1100" b="1" dirty="0" err="1">
                 <a:solidFill>
                   <a:schemeClr val="dk1"/>
                 </a:solidFill>
@@ -33775,10 +34516,10 @@
                 <a:cs typeface="Century Gothic"/>
                 <a:sym typeface="Century Gothic"/>
               </a:rPr>
-              <a:t>VALUE</a:t>
+              <a:t>Delivery_Times</a:t>
             </a:r>
             <a:r>
-              <a:rPr lang="en-US" sz="1100" dirty="0">
+              <a:rPr lang="en-US" sz="1100" b="1" dirty="0">
                 <a:solidFill>
                   <a:schemeClr val="dk1"/>
                 </a:solidFill>
@@ -33787,10 +34528,10 @@
                 <a:cs typeface="Century Gothic"/>
                 <a:sym typeface="Century Gothic"/>
               </a:rPr>
-              <a:t> and </a:t>
+              <a:t> </a:t>
             </a:r>
             <a:r>
-              <a:rPr lang="en-US" sz="1100" b="1" dirty="0">
+              <a:rPr lang="en-US" sz="1100" dirty="0">
                 <a:solidFill>
                   <a:schemeClr val="dk1"/>
                 </a:solidFill>
@@ -33799,10 +34540,10 @@
                 <a:cs typeface="Century Gothic"/>
                 <a:sym typeface="Century Gothic"/>
               </a:rPr>
-              <a:t>MORTDUE</a:t>
+              <a:t>range from </a:t>
             </a:r>
             <a:r>
-              <a:rPr lang="en-US" sz="1100" dirty="0">
+              <a:rPr lang="en-US" sz="1100" b="1" dirty="0">
                 <a:solidFill>
                   <a:schemeClr val="dk1"/>
                 </a:solidFill>
@@ -33811,32 +34552,33 @@
                 <a:cs typeface="Century Gothic"/>
                 <a:sym typeface="Century Gothic"/>
               </a:rPr>
-              <a:t> have large standard deviations (</a:t>
+              <a:t>22 </a:t>
             </a:r>
             <a:r>
-              <a:rPr lang="en-US" sz="1100" b="1" dirty="0">
-                <a:solidFill>
-                  <a:schemeClr val="dk1"/>
-                </a:solidFill>
-                <a:latin typeface="Century Gothic"/>
-                <a:ea typeface="Century Gothic"/>
-                <a:cs typeface="Century Gothic"/>
-                <a:sym typeface="Century Gothic"/>
-              </a:rPr>
-              <a:t>STD</a:t>
+              <a:rPr lang="en-US" sz="1100" b="1" dirty="0"/>
+              <a:t>→ 98</a:t>
             </a:r>
             <a:r>
-              <a:rPr lang="en-US" sz="1100" dirty="0">
-                <a:solidFill>
-                  <a:schemeClr val="dk1"/>
-                </a:solidFill>
-                <a:latin typeface="Century Gothic"/>
-                <a:ea typeface="Century Gothic"/>
-                <a:cs typeface="Century Gothic"/>
-                <a:sym typeface="Century Gothic"/>
-              </a:rPr>
-              <a:t>) relative to means</a:t>
+              <a:rPr lang="en-US" sz="1100" dirty="0"/>
+              <a:t> minutes, with a mean of </a:t>
             </a:r>
+            <a:r>
+              <a:rPr lang="en-US" sz="1100" b="1" dirty="0"/>
+              <a:t>≈ 49</a:t>
+            </a:r>
+            <a:r>
+              <a:rPr lang="en-US" sz="1100" dirty="0"/>
+              <a:t> minutes</a:t>
+            </a:r>
+            <a:endParaRPr lang="en-US" sz="1100" dirty="0">
+              <a:solidFill>
+                <a:schemeClr val="dk1"/>
+              </a:solidFill>
+              <a:latin typeface="Century Gothic"/>
+              <a:ea typeface="Century Gothic"/>
+              <a:cs typeface="Century Gothic"/>
+              <a:sym typeface="Century Gothic"/>
+            </a:endParaRPr>
           </a:p>
           <a:p>
             <a:pPr marL="139700" lvl="0" indent="0" algn="just">
@@ -33871,245 +34613,8 @@
                 <a:cs typeface="Century Gothic"/>
                 <a:sym typeface="Century Gothic"/>
               </a:rPr>
-              <a:t> — </a:t>
+              <a:t> — There do not appear to be any outliers</a:t>
             </a:r>
-            <a:r>
-              <a:rPr lang="en-US" sz="1100" b="1" dirty="0">
-                <a:solidFill>
-                  <a:schemeClr val="dk1"/>
-                </a:solidFill>
-                <a:latin typeface="Century Gothic"/>
-                <a:ea typeface="Century Gothic"/>
-                <a:cs typeface="Century Gothic"/>
-                <a:sym typeface="Century Gothic"/>
-              </a:rPr>
-              <a:t>CLAGE</a:t>
-            </a:r>
-            <a:r>
-              <a:rPr lang="en-US" sz="1100" dirty="0">
-                <a:solidFill>
-                  <a:schemeClr val="dk1"/>
-                </a:solidFill>
-                <a:latin typeface="Century Gothic"/>
-                <a:ea typeface="Century Gothic"/>
-                <a:cs typeface="Century Gothic"/>
-                <a:sym typeface="Century Gothic"/>
-              </a:rPr>
-              <a:t> max of 1,168 months (~97 years), </a:t>
-            </a:r>
-            <a:r>
-              <a:rPr lang="en-US" sz="1100" b="1" dirty="0">
-                <a:solidFill>
-                  <a:schemeClr val="dk1"/>
-                </a:solidFill>
-                <a:latin typeface="Century Gothic"/>
-                <a:ea typeface="Century Gothic"/>
-                <a:cs typeface="Century Gothic"/>
-                <a:sym typeface="Century Gothic"/>
-              </a:rPr>
-              <a:t>DEBTINC</a:t>
-            </a:r>
-            <a:r>
-              <a:rPr lang="en-US" sz="1100" dirty="0">
-                <a:solidFill>
-                  <a:schemeClr val="dk1"/>
-                </a:solidFill>
-                <a:latin typeface="Century Gothic"/>
-                <a:ea typeface="Century Gothic"/>
-                <a:cs typeface="Century Gothic"/>
-                <a:sym typeface="Century Gothic"/>
-              </a:rPr>
-              <a:t> max of 203% seem extreme</a:t>
-            </a:r>
-          </a:p>
-          <a:p>
-            <a:pPr marL="139700" lvl="0" indent="0" algn="just">
-              <a:spcBef>
-                <a:spcPts val="600"/>
-              </a:spcBef>
-              <a:buClr>
-                <a:schemeClr val="dk1"/>
-              </a:buClr>
-              <a:buSzPts val="1400"/>
-              <a:buNone/>
-            </a:pPr>
-            <a:r>
-              <a:rPr lang="en-US" sz="1100" b="1" dirty="0">
-                <a:solidFill>
-                  <a:schemeClr val="dk1"/>
-                </a:solidFill>
-                <a:latin typeface="Century Gothic"/>
-                <a:ea typeface="Century Gothic"/>
-                <a:cs typeface="Century Gothic"/>
-                <a:sym typeface="Century Gothic"/>
-              </a:rPr>
-              <a:t>Skewed distributions</a:t>
-            </a:r>
-            <a:r>
-              <a:rPr lang="en-US" sz="1100" dirty="0">
-                <a:solidFill>
-                  <a:schemeClr val="dk1"/>
-                </a:solidFill>
-                <a:latin typeface="Century Gothic"/>
-                <a:ea typeface="Century Gothic"/>
-                <a:cs typeface="Century Gothic"/>
-                <a:sym typeface="Century Gothic"/>
-              </a:rPr>
-              <a:t> — Several features show large gaps between 75% and max (</a:t>
-            </a:r>
-            <a:r>
-              <a:rPr lang="en-US" sz="1100" b="1" dirty="0">
-                <a:solidFill>
-                  <a:schemeClr val="dk1"/>
-                </a:solidFill>
-                <a:latin typeface="Century Gothic"/>
-                <a:ea typeface="Century Gothic"/>
-                <a:cs typeface="Century Gothic"/>
-                <a:sym typeface="Century Gothic"/>
-              </a:rPr>
-              <a:t>LOAN, VALUE, MORTDUE</a:t>
-            </a:r>
-            <a:r>
-              <a:rPr lang="en-US" sz="1100" dirty="0">
-                <a:solidFill>
-                  <a:schemeClr val="dk1"/>
-                </a:solidFill>
-                <a:latin typeface="Century Gothic"/>
-                <a:ea typeface="Century Gothic"/>
-                <a:cs typeface="Century Gothic"/>
-                <a:sym typeface="Century Gothic"/>
-              </a:rPr>
-              <a:t>)</a:t>
-            </a:r>
-          </a:p>
-          <a:p>
-            <a:pPr marL="139700" lvl="0" indent="0" algn="just">
-              <a:spcBef>
-                <a:spcPts val="600"/>
-              </a:spcBef>
-              <a:buClr>
-                <a:schemeClr val="dk1"/>
-              </a:buClr>
-              <a:buSzPts val="1400"/>
-              <a:buNone/>
-            </a:pPr>
-            <a:r>
-              <a:rPr lang="en-US" sz="1100" b="1" dirty="0">
-                <a:solidFill>
-                  <a:schemeClr val="dk1"/>
-                </a:solidFill>
-                <a:latin typeface="Century Gothic"/>
-                <a:ea typeface="Century Gothic"/>
-                <a:cs typeface="Century Gothic"/>
-                <a:sym typeface="Century Gothic"/>
-              </a:rPr>
-              <a:t>Categorical features </a:t>
-            </a:r>
-            <a:r>
-              <a:rPr lang="en-US" sz="1100" dirty="0">
-                <a:solidFill>
-                  <a:schemeClr val="dk1"/>
-                </a:solidFill>
-                <a:latin typeface="Century Gothic"/>
-                <a:ea typeface="Century Gothic"/>
-                <a:cs typeface="Century Gothic"/>
-                <a:sym typeface="Century Gothic"/>
-              </a:rPr>
-              <a:t>— </a:t>
-            </a:r>
-            <a:r>
-              <a:rPr lang="en-US" sz="1100" b="1" dirty="0">
-                <a:solidFill>
-                  <a:schemeClr val="dk1"/>
-                </a:solidFill>
-                <a:latin typeface="Century Gothic"/>
-                <a:ea typeface="Century Gothic"/>
-                <a:cs typeface="Century Gothic"/>
-                <a:sym typeface="Century Gothic"/>
-              </a:rPr>
-              <a:t>REASON</a:t>
-            </a:r>
-            <a:r>
-              <a:rPr lang="en-US" sz="1100" dirty="0">
-                <a:solidFill>
-                  <a:schemeClr val="dk1"/>
-                </a:solidFill>
-                <a:latin typeface="Century Gothic"/>
-                <a:ea typeface="Century Gothic"/>
-                <a:cs typeface="Century Gothic"/>
-                <a:sym typeface="Century Gothic"/>
-              </a:rPr>
-              <a:t> and </a:t>
-            </a:r>
-            <a:r>
-              <a:rPr lang="en-US" sz="1100" b="1" dirty="0">
-                <a:solidFill>
-                  <a:schemeClr val="dk1"/>
-                </a:solidFill>
-                <a:latin typeface="Century Gothic"/>
-                <a:ea typeface="Century Gothic"/>
-                <a:cs typeface="Century Gothic"/>
-                <a:sym typeface="Century Gothic"/>
-              </a:rPr>
-              <a:t>JOB</a:t>
-            </a:r>
-            <a:r>
-              <a:rPr lang="en-US" sz="1100" dirty="0">
-                <a:solidFill>
-                  <a:schemeClr val="dk1"/>
-                </a:solidFill>
-                <a:latin typeface="Century Gothic"/>
-                <a:ea typeface="Century Gothic"/>
-                <a:cs typeface="Century Gothic"/>
-                <a:sym typeface="Century Gothic"/>
-              </a:rPr>
-              <a:t> will need encoding</a:t>
-            </a:r>
-          </a:p>
-          <a:p>
-            <a:pPr marL="139700" lvl="0" indent="0" algn="just">
-              <a:spcBef>
-                <a:spcPts val="600"/>
-              </a:spcBef>
-              <a:buClr>
-                <a:schemeClr val="dk1"/>
-              </a:buClr>
-              <a:buSzPts val="1400"/>
-              <a:buNone/>
-            </a:pPr>
-            <a:r>
-              <a:rPr lang="en-US" sz="1100" b="1" dirty="0">
-                <a:solidFill>
-                  <a:schemeClr val="dk1"/>
-                </a:solidFill>
-                <a:latin typeface="Century Gothic"/>
-                <a:ea typeface="Century Gothic"/>
-                <a:cs typeface="Century Gothic"/>
-                <a:sym typeface="Century Gothic"/>
-              </a:rPr>
-              <a:t>DEBTINC most incomplete</a:t>
-            </a:r>
-            <a:r>
-              <a:rPr lang="en-US" sz="1100" dirty="0">
-                <a:solidFill>
-                  <a:schemeClr val="dk1"/>
-                </a:solidFill>
-                <a:latin typeface="Century Gothic"/>
-                <a:ea typeface="Century Gothic"/>
-                <a:cs typeface="Century Gothic"/>
-                <a:sym typeface="Century Gothic"/>
-              </a:rPr>
-              <a:t> — Only 4,693 records; key feature for loan risk so imputation strategy matters</a:t>
-            </a:r>
-            <a:endParaRPr sz="1100" dirty="0">
-              <a:solidFill>
-                <a:schemeClr val="dk1"/>
-              </a:solidFill>
-              <a:latin typeface="Century Gothic"/>
-              <a:ea typeface="Century Gothic"/>
-              <a:cs typeface="Century Gothic"/>
-              <a:sym typeface="Century Gothic"/>
-            </a:endParaRPr>
           </a:p>
         </p:txBody>
       </p:sp>
@@ -34153,10 +34658,10 @@
       </p:sp>
       <p:pic>
         <p:nvPicPr>
-          <p:cNvPr id="4" name="Picture 3" descr="A table with numbers and text&#10;&#10;AI-generated content may be incorrect.">
+          <p:cNvPr id="5" name="Picture 4">
             <a:extLst>
               <a:ext uri="{FF2B5EF4-FFF2-40B4-BE49-F238E27FC236}">
-                <a16:creationId xmlns:a16="http://schemas.microsoft.com/office/drawing/2014/main" id="{588FAFCB-0529-4A50-A39C-A8C94109A17F}"/>
+                <a16:creationId xmlns:a16="http://schemas.microsoft.com/office/drawing/2014/main" id="{6FE395B2-C708-472F-003E-07580DB8B803}"/>
               </a:ext>
             </a:extLst>
           </p:cNvPr>
@@ -34173,8 +34678,98 @@
         </p:blipFill>
         <p:spPr>
           <a:xfrm>
-            <a:off x="190263" y="555114"/>
-            <a:ext cx="8520600" cy="2494298"/>
+            <a:off x="339152" y="771424"/>
+            <a:ext cx="8520601" cy="1046277"/>
+          </a:xfrm>
+          <a:prstGeom prst="rect">
+            <a:avLst/>
+          </a:prstGeom>
+        </p:spPr>
+      </p:pic>
+      <p:pic>
+        <p:nvPicPr>
+          <p:cNvPr id="7" name="Picture 6">
+            <a:extLst>
+              <a:ext uri="{FF2B5EF4-FFF2-40B4-BE49-F238E27FC236}">
+                <a16:creationId xmlns:a16="http://schemas.microsoft.com/office/drawing/2014/main" id="{831AB17F-A32F-25E9-1FB6-0BC97694828F}"/>
+              </a:ext>
+            </a:extLst>
+          </p:cNvPr>
+          <p:cNvPicPr>
+            <a:picLocks noChangeAspect="1"/>
+          </p:cNvPicPr>
+          <p:nvPr/>
+        </p:nvPicPr>
+        <p:blipFill>
+          <a:blip r:embed="rId4"/>
+          <a:stretch>
+            <a:fillRect/>
+          </a:stretch>
+        </p:blipFill>
+        <p:spPr>
+          <a:xfrm>
+            <a:off x="359777" y="1974599"/>
+            <a:ext cx="3277388" cy="1194302"/>
+          </a:xfrm>
+          <a:prstGeom prst="rect">
+            <a:avLst/>
+          </a:prstGeom>
+        </p:spPr>
+      </p:pic>
+      <p:pic>
+        <p:nvPicPr>
+          <p:cNvPr id="11" name="Picture 10">
+            <a:extLst>
+              <a:ext uri="{FF2B5EF4-FFF2-40B4-BE49-F238E27FC236}">
+                <a16:creationId xmlns:a16="http://schemas.microsoft.com/office/drawing/2014/main" id="{375A91B1-5549-02A6-3238-4F7FC39A712F}"/>
+              </a:ext>
+            </a:extLst>
+          </p:cNvPr>
+          <p:cNvPicPr>
+            <a:picLocks noChangeAspect="1"/>
+          </p:cNvPicPr>
+          <p:nvPr/>
+        </p:nvPicPr>
+        <p:blipFill>
+          <a:blip r:embed="rId5"/>
+          <a:stretch>
+            <a:fillRect/>
+          </a:stretch>
+        </p:blipFill>
+        <p:spPr>
+          <a:xfrm>
+            <a:off x="4815871" y="1995393"/>
+            <a:ext cx="2941471" cy="591463"/>
+          </a:xfrm>
+          <a:prstGeom prst="rect">
+            <a:avLst/>
+          </a:prstGeom>
+        </p:spPr>
+      </p:pic>
+      <p:pic>
+        <p:nvPicPr>
+          <p:cNvPr id="13" name="Picture 12">
+            <a:extLst>
+              <a:ext uri="{FF2B5EF4-FFF2-40B4-BE49-F238E27FC236}">
+                <a16:creationId xmlns:a16="http://schemas.microsoft.com/office/drawing/2014/main" id="{0D0EDA72-A858-892C-A9D8-50C9E370532F}"/>
+              </a:ext>
+            </a:extLst>
+          </p:cNvPr>
+          <p:cNvPicPr>
+            <a:picLocks noChangeAspect="1"/>
+          </p:cNvPicPr>
+          <p:nvPr/>
+        </p:nvPicPr>
+        <p:blipFill>
+          <a:blip r:embed="rId6"/>
+          <a:stretch>
+            <a:fillRect/>
+          </a:stretch>
+        </p:blipFill>
+        <p:spPr>
+          <a:xfrm>
+            <a:off x="4047498" y="2676231"/>
+            <a:ext cx="4478218" cy="591463"/>
           </a:xfrm>
           <a:prstGeom prst="rect">
             <a:avLst/>

--- a/GenAI-Powered Food Delivery Sentiment Analysis/Project Presentation - Business Applications of GenAI - John Buczkowski.pptx
+++ b/GenAI-Powered Food Delivery Sentiment Analysis/Project Presentation - Business Applications of GenAI - John Buczkowski.pptx
@@ -7,7 +7,7 @@
     <p:sldMasterId id="2147483681" r:id="rId3"/>
   </p:sldMasterIdLst>
   <p:notesMasterIdLst>
-    <p:notesMasterId r:id="rId34"/>
+    <p:notesMasterId r:id="rId45"/>
   </p:notesMasterIdLst>
   <p:sldIdLst>
     <p:sldId id="256" r:id="rId4"/>
@@ -20,55 +20,66 @@
     <p:sldId id="287" r:id="rId11"/>
     <p:sldId id="303" r:id="rId12"/>
     <p:sldId id="304" r:id="rId13"/>
-    <p:sldId id="267" r:id="rId14"/>
-    <p:sldId id="305" r:id="rId15"/>
-    <p:sldId id="302" r:id="rId16"/>
-    <p:sldId id="260" r:id="rId17"/>
-    <p:sldId id="293" r:id="rId18"/>
-    <p:sldId id="290" r:id="rId19"/>
-    <p:sldId id="294" r:id="rId20"/>
-    <p:sldId id="291" r:id="rId21"/>
-    <p:sldId id="295" r:id="rId22"/>
-    <p:sldId id="292" r:id="rId23"/>
-    <p:sldId id="296" r:id="rId24"/>
-    <p:sldId id="261" r:id="rId25"/>
-    <p:sldId id="297" r:id="rId26"/>
-    <p:sldId id="298" r:id="rId27"/>
-    <p:sldId id="289" r:id="rId28"/>
-    <p:sldId id="262" r:id="rId29"/>
-    <p:sldId id="263" r:id="rId30"/>
-    <p:sldId id="264" r:id="rId31"/>
-    <p:sldId id="265" r:id="rId32"/>
-    <p:sldId id="266" r:id="rId33"/>
+    <p:sldId id="305" r:id="rId14"/>
+    <p:sldId id="302" r:id="rId15"/>
+    <p:sldId id="315" r:id="rId16"/>
+    <p:sldId id="314" r:id="rId17"/>
+    <p:sldId id="307" r:id="rId18"/>
+    <p:sldId id="260" r:id="rId19"/>
+    <p:sldId id="306" r:id="rId20"/>
+    <p:sldId id="308" r:id="rId21"/>
+    <p:sldId id="309" r:id="rId22"/>
+    <p:sldId id="313" r:id="rId23"/>
+    <p:sldId id="310" r:id="rId24"/>
+    <p:sldId id="311" r:id="rId25"/>
+    <p:sldId id="317" r:id="rId26"/>
+    <p:sldId id="312" r:id="rId27"/>
+    <p:sldId id="316" r:id="rId28"/>
+    <p:sldId id="293" r:id="rId29"/>
+    <p:sldId id="290" r:id="rId30"/>
+    <p:sldId id="294" r:id="rId31"/>
+    <p:sldId id="291" r:id="rId32"/>
+    <p:sldId id="295" r:id="rId33"/>
+    <p:sldId id="292" r:id="rId34"/>
+    <p:sldId id="296" r:id="rId35"/>
+    <p:sldId id="261" r:id="rId36"/>
+    <p:sldId id="297" r:id="rId37"/>
+    <p:sldId id="298" r:id="rId38"/>
+    <p:sldId id="289" r:id="rId39"/>
+    <p:sldId id="262" r:id="rId40"/>
+    <p:sldId id="263" r:id="rId41"/>
+    <p:sldId id="264" r:id="rId42"/>
+    <p:sldId id="265" r:id="rId43"/>
+    <p:sldId id="266" r:id="rId44"/>
   </p:sldIdLst>
   <p:sldSz cx="9144000" cy="5143500" type="screen16x9"/>
   <p:notesSz cx="6858000" cy="9144000"/>
   <p:embeddedFontLst>
     <p:embeddedFont>
       <p:font typeface="Century Gothic" panose="020B0502020202020204" pitchFamily="34" charset="0"/>
-      <p:regular r:id="rId35"/>
-      <p:bold r:id="rId36"/>
-      <p:italic r:id="rId37"/>
-      <p:boldItalic r:id="rId38"/>
+      <p:regular r:id="rId46"/>
+      <p:bold r:id="rId47"/>
+      <p:italic r:id="rId48"/>
+      <p:boldItalic r:id="rId49"/>
     </p:embeddedFont>
     <p:embeddedFont>
       <p:font typeface="Nunito" pitchFamily="2" charset="0"/>
-      <p:regular r:id="rId39"/>
-      <p:bold r:id="rId40"/>
-      <p:italic r:id="rId41"/>
-      <p:boldItalic r:id="rId42"/>
+      <p:regular r:id="rId50"/>
+      <p:bold r:id="rId51"/>
+      <p:italic r:id="rId52"/>
+      <p:boldItalic r:id="rId53"/>
     </p:embeddedFont>
     <p:embeddedFont>
       <p:font typeface="Nunito ExtraBold" pitchFamily="2" charset="0"/>
-      <p:bold r:id="rId43"/>
-      <p:boldItalic r:id="rId44"/>
+      <p:bold r:id="rId54"/>
+      <p:boldItalic r:id="rId55"/>
     </p:embeddedFont>
     <p:embeddedFont>
       <p:font typeface="Nunito SemiBold" pitchFamily="2" charset="0"/>
-      <p:regular r:id="rId45"/>
-      <p:bold r:id="rId46"/>
-      <p:italic r:id="rId47"/>
-      <p:boldItalic r:id="rId48"/>
+      <p:regular r:id="rId56"/>
+      <p:bold r:id="rId57"/>
+      <p:italic r:id="rId58"/>
+      <p:boldItalic r:id="rId59"/>
     </p:embeddedFont>
   </p:embeddedFontLst>
   <p:defaultTextStyle>
@@ -890,7 +901,7 @@
         <p:cNvPr id="1" name="Shape 159">
           <a:extLst>
             <a:ext uri="{FF2B5EF4-FFF2-40B4-BE49-F238E27FC236}">
-              <a16:creationId xmlns:a16="http://schemas.microsoft.com/office/drawing/2014/main" id="{7726BCA9-B956-D9AC-4210-D263F26C66DB}"/>
+              <a16:creationId xmlns:a16="http://schemas.microsoft.com/office/drawing/2014/main" id="{22B09774-14DB-68FB-7186-7BB50FF244CE}"/>
             </a:ext>
           </a:extLst>
         </p:cNvPr>
@@ -910,7 +921,7 @@
           <p:cNvPr id="160" name="Google Shape;160;g2cd30dbf4aa_0_262:notes">
             <a:extLst>
               <a:ext uri="{FF2B5EF4-FFF2-40B4-BE49-F238E27FC236}">
-                <a16:creationId xmlns:a16="http://schemas.microsoft.com/office/drawing/2014/main" id="{A4236E8E-BAEF-6FA4-0BC6-E49782CD78F4}"/>
+                <a16:creationId xmlns:a16="http://schemas.microsoft.com/office/drawing/2014/main" id="{40865E68-93F0-FAA5-DEDF-BD5EDB99E985}"/>
               </a:ext>
             </a:extLst>
           </p:cNvPr>
@@ -967,7 +978,7 @@
           <p:cNvPr id="161" name="Google Shape;161;g2cd30dbf4aa_0_262:notes">
             <a:extLst>
               <a:ext uri="{FF2B5EF4-FFF2-40B4-BE49-F238E27FC236}">
-                <a16:creationId xmlns:a16="http://schemas.microsoft.com/office/drawing/2014/main" id="{F0493C87-025F-0197-CF68-4FBED7B726BB}"/>
+                <a16:creationId xmlns:a16="http://schemas.microsoft.com/office/drawing/2014/main" id="{ED75BF0F-ABE7-13EC-D4CF-39F314BD5BB5}"/>
               </a:ext>
             </a:extLst>
           </p:cNvPr>
@@ -1017,7 +1028,7 @@
     </p:spTree>
     <p:extLst>
       <p:ext uri="{BB962C8B-B14F-4D97-AF65-F5344CB8AC3E}">
-        <p14:creationId xmlns:p14="http://schemas.microsoft.com/office/powerpoint/2010/main" val="3034927284"/>
+        <p14:creationId xmlns:p14="http://schemas.microsoft.com/office/powerpoint/2010/main" val="718051753"/>
       </p:ext>
     </p:extLst>
   </p:cSld>
@@ -1028,6 +1039,296 @@
 </file>
 
 <file path=ppt/notesSlides/notesSlide11.xml><?xml version="1.0" encoding="utf-8"?>
+<p:notes xmlns:a="http://schemas.openxmlformats.org/drawingml/2006/main" xmlns:r="http://schemas.openxmlformats.org/officeDocument/2006/relationships" xmlns:p="http://schemas.openxmlformats.org/presentationml/2006/main" showMasterSp="0" showMasterPhAnim="0">
+  <p:cSld>
+    <p:spTree>
+      <p:nvGrpSpPr>
+        <p:cNvPr id="1" name="Shape 171">
+          <a:extLst>
+            <a:ext uri="{FF2B5EF4-FFF2-40B4-BE49-F238E27FC236}">
+              <a16:creationId xmlns:a16="http://schemas.microsoft.com/office/drawing/2014/main" id="{1DAB7930-F991-DA86-BF52-B2C5803AA83E}"/>
+            </a:ext>
+          </a:extLst>
+        </p:cNvPr>
+        <p:cNvGrpSpPr/>
+        <p:nvPr/>
+      </p:nvGrpSpPr>
+      <p:grpSpPr>
+        <a:xfrm>
+          <a:off x="0" y="0"/>
+          <a:ext cx="0" cy="0"/>
+          <a:chOff x="0" y="0"/>
+          <a:chExt cx="0" cy="0"/>
+        </a:xfrm>
+      </p:grpSpPr>
+      <p:sp>
+        <p:nvSpPr>
+          <p:cNvPr id="172" name="Google Shape;172;g2cd30dbf4aa_0_267:notes">
+            <a:extLst>
+              <a:ext uri="{FF2B5EF4-FFF2-40B4-BE49-F238E27FC236}">
+                <a16:creationId xmlns:a16="http://schemas.microsoft.com/office/drawing/2014/main" id="{8C74252D-7E34-4237-ADD4-66055EB04DFE}"/>
+              </a:ext>
+            </a:extLst>
+          </p:cNvPr>
+          <p:cNvSpPr>
+            <a:spLocks noGrp="1" noRot="1" noChangeAspect="1"/>
+          </p:cNvSpPr>
+          <p:nvPr>
+            <p:ph type="sldImg" idx="2"/>
+          </p:nvPr>
+        </p:nvSpPr>
+        <p:spPr>
+          <a:xfrm>
+            <a:off x="381000" y="685800"/>
+            <a:ext cx="6096000" cy="3429000"/>
+          </a:xfrm>
+          <a:custGeom>
+            <a:avLst/>
+            <a:gdLst/>
+            <a:ahLst/>
+            <a:cxnLst/>
+            <a:rect l="l" t="t" r="r" b="b"/>
+            <a:pathLst>
+              <a:path w="120000" h="120000" extrusionOk="0">
+                <a:moveTo>
+                  <a:pt x="0" y="0"/>
+                </a:moveTo>
+                <a:lnTo>
+                  <a:pt x="120000" y="0"/>
+                </a:lnTo>
+                <a:lnTo>
+                  <a:pt x="120000" y="120000"/>
+                </a:lnTo>
+                <a:lnTo>
+                  <a:pt x="0" y="120000"/>
+                </a:lnTo>
+                <a:close/>
+              </a:path>
+            </a:pathLst>
+          </a:custGeom>
+          <a:noFill/>
+          <a:ln w="9525" cap="flat" cmpd="sng">
+            <a:solidFill>
+              <a:srgbClr val="000000"/>
+            </a:solidFill>
+            <a:prstDash val="solid"/>
+            <a:round/>
+            <a:headEnd type="none" w="sm" len="sm"/>
+            <a:tailEnd type="none" w="sm" len="sm"/>
+          </a:ln>
+        </p:spPr>
+      </p:sp>
+      <p:sp>
+        <p:nvSpPr>
+          <p:cNvPr id="173" name="Google Shape;173;g2cd30dbf4aa_0_267:notes">
+            <a:extLst>
+              <a:ext uri="{FF2B5EF4-FFF2-40B4-BE49-F238E27FC236}">
+                <a16:creationId xmlns:a16="http://schemas.microsoft.com/office/drawing/2014/main" id="{EE8A0C2D-DE44-5589-4C95-F49F3C4CE410}"/>
+              </a:ext>
+            </a:extLst>
+          </p:cNvPr>
+          <p:cNvSpPr txBox="1">
+            <a:spLocks noGrp="1"/>
+          </p:cNvSpPr>
+          <p:nvPr>
+            <p:ph type="body" idx="1"/>
+          </p:nvPr>
+        </p:nvSpPr>
+        <p:spPr>
+          <a:xfrm>
+            <a:off x="685800" y="4343400"/>
+            <a:ext cx="5486400" cy="4114800"/>
+          </a:xfrm>
+          <a:prstGeom prst="rect">
+            <a:avLst/>
+          </a:prstGeom>
+          <a:noFill/>
+          <a:ln>
+            <a:noFill/>
+          </a:ln>
+        </p:spPr>
+        <p:txBody>
+          <a:bodyPr spcFirstLastPara="1" wrap="square" lIns="91425" tIns="91425" rIns="91425" bIns="91425" anchor="t" anchorCtr="0">
+            <a:noAutofit/>
+          </a:bodyPr>
+          <a:lstStyle/>
+          <a:p>
+            <a:pPr marL="0" lvl="0" indent="0" algn="l" rtl="0">
+              <a:lnSpc>
+                <a:spcPct val="100000"/>
+              </a:lnSpc>
+              <a:spcBef>
+                <a:spcPts val="0"/>
+              </a:spcBef>
+              <a:spcAft>
+                <a:spcPts val="0"/>
+              </a:spcAft>
+              <a:buSzPts val="1100"/>
+              <a:buNone/>
+            </a:pPr>
+            <a:endParaRPr/>
+          </a:p>
+        </p:txBody>
+      </p:sp>
+    </p:spTree>
+    <p:extLst>
+      <p:ext uri="{BB962C8B-B14F-4D97-AF65-F5344CB8AC3E}">
+        <p14:creationId xmlns:p14="http://schemas.microsoft.com/office/powerpoint/2010/main" val="1355514014"/>
+      </p:ext>
+    </p:extLst>
+  </p:cSld>
+  <p:clrMapOvr>
+    <a:masterClrMapping/>
+  </p:clrMapOvr>
+</p:notes>
+</file>
+
+<file path=ppt/notesSlides/notesSlide12.xml><?xml version="1.0" encoding="utf-8"?>
+<p:notes xmlns:a="http://schemas.openxmlformats.org/drawingml/2006/main" xmlns:r="http://schemas.openxmlformats.org/officeDocument/2006/relationships" xmlns:p="http://schemas.openxmlformats.org/presentationml/2006/main" showMasterSp="0" showMasterPhAnim="0">
+  <p:cSld>
+    <p:spTree>
+      <p:nvGrpSpPr>
+        <p:cNvPr id="1" name="Shape 171">
+          <a:extLst>
+            <a:ext uri="{FF2B5EF4-FFF2-40B4-BE49-F238E27FC236}">
+              <a16:creationId xmlns:a16="http://schemas.microsoft.com/office/drawing/2014/main" id="{4023F558-A5DF-BE8C-44D5-73B8AEE59CE5}"/>
+            </a:ext>
+          </a:extLst>
+        </p:cNvPr>
+        <p:cNvGrpSpPr/>
+        <p:nvPr/>
+      </p:nvGrpSpPr>
+      <p:grpSpPr>
+        <a:xfrm>
+          <a:off x="0" y="0"/>
+          <a:ext cx="0" cy="0"/>
+          <a:chOff x="0" y="0"/>
+          <a:chExt cx="0" cy="0"/>
+        </a:xfrm>
+      </p:grpSpPr>
+      <p:sp>
+        <p:nvSpPr>
+          <p:cNvPr id="172" name="Google Shape;172;g2cd30dbf4aa_0_267:notes">
+            <a:extLst>
+              <a:ext uri="{FF2B5EF4-FFF2-40B4-BE49-F238E27FC236}">
+                <a16:creationId xmlns:a16="http://schemas.microsoft.com/office/drawing/2014/main" id="{4F8509FF-F663-AC4B-F5EE-88E3A054971A}"/>
+              </a:ext>
+            </a:extLst>
+          </p:cNvPr>
+          <p:cNvSpPr>
+            <a:spLocks noGrp="1" noRot="1" noChangeAspect="1"/>
+          </p:cNvSpPr>
+          <p:nvPr>
+            <p:ph type="sldImg" idx="2"/>
+          </p:nvPr>
+        </p:nvSpPr>
+        <p:spPr>
+          <a:xfrm>
+            <a:off x="381000" y="685800"/>
+            <a:ext cx="6096000" cy="3429000"/>
+          </a:xfrm>
+          <a:custGeom>
+            <a:avLst/>
+            <a:gdLst/>
+            <a:ahLst/>
+            <a:cxnLst/>
+            <a:rect l="l" t="t" r="r" b="b"/>
+            <a:pathLst>
+              <a:path w="120000" h="120000" extrusionOk="0">
+                <a:moveTo>
+                  <a:pt x="0" y="0"/>
+                </a:moveTo>
+                <a:lnTo>
+                  <a:pt x="120000" y="0"/>
+                </a:lnTo>
+                <a:lnTo>
+                  <a:pt x="120000" y="120000"/>
+                </a:lnTo>
+                <a:lnTo>
+                  <a:pt x="0" y="120000"/>
+                </a:lnTo>
+                <a:close/>
+              </a:path>
+            </a:pathLst>
+          </a:custGeom>
+          <a:noFill/>
+          <a:ln w="9525" cap="flat" cmpd="sng">
+            <a:solidFill>
+              <a:srgbClr val="000000"/>
+            </a:solidFill>
+            <a:prstDash val="solid"/>
+            <a:round/>
+            <a:headEnd type="none" w="sm" len="sm"/>
+            <a:tailEnd type="none" w="sm" len="sm"/>
+          </a:ln>
+        </p:spPr>
+      </p:sp>
+      <p:sp>
+        <p:nvSpPr>
+          <p:cNvPr id="173" name="Google Shape;173;g2cd30dbf4aa_0_267:notes">
+            <a:extLst>
+              <a:ext uri="{FF2B5EF4-FFF2-40B4-BE49-F238E27FC236}">
+                <a16:creationId xmlns:a16="http://schemas.microsoft.com/office/drawing/2014/main" id="{7CE65897-7575-6EDE-9F75-C949CF2F9421}"/>
+              </a:ext>
+            </a:extLst>
+          </p:cNvPr>
+          <p:cNvSpPr txBox="1">
+            <a:spLocks noGrp="1"/>
+          </p:cNvSpPr>
+          <p:nvPr>
+            <p:ph type="body" idx="1"/>
+          </p:nvPr>
+        </p:nvSpPr>
+        <p:spPr>
+          <a:xfrm>
+            <a:off x="685800" y="4343400"/>
+            <a:ext cx="5486400" cy="4114800"/>
+          </a:xfrm>
+          <a:prstGeom prst="rect">
+            <a:avLst/>
+          </a:prstGeom>
+          <a:noFill/>
+          <a:ln>
+            <a:noFill/>
+          </a:ln>
+        </p:spPr>
+        <p:txBody>
+          <a:bodyPr spcFirstLastPara="1" wrap="square" lIns="91425" tIns="91425" rIns="91425" bIns="91425" anchor="t" anchorCtr="0">
+            <a:noAutofit/>
+          </a:bodyPr>
+          <a:lstStyle/>
+          <a:p>
+            <a:pPr marL="0" lvl="0" indent="0" algn="l" rtl="0">
+              <a:lnSpc>
+                <a:spcPct val="100000"/>
+              </a:lnSpc>
+              <a:spcBef>
+                <a:spcPts val="0"/>
+              </a:spcBef>
+              <a:spcAft>
+                <a:spcPts val="0"/>
+              </a:spcAft>
+              <a:buSzPts val="1100"/>
+              <a:buNone/>
+            </a:pPr>
+            <a:endParaRPr/>
+          </a:p>
+        </p:txBody>
+      </p:sp>
+    </p:spTree>
+    <p:extLst>
+      <p:ext uri="{BB962C8B-B14F-4D97-AF65-F5344CB8AC3E}">
+        <p14:creationId xmlns:p14="http://schemas.microsoft.com/office/powerpoint/2010/main" val="497387198"/>
+      </p:ext>
+    </p:extLst>
+  </p:cSld>
+  <p:clrMapOvr>
+    <a:masterClrMapping/>
+  </p:clrMapOvr>
+</p:notes>
+</file>
+
+<file path=ppt/notesSlides/notesSlide13.xml><?xml version="1.0" encoding="utf-8"?>
 <p:notes xmlns:a="http://schemas.openxmlformats.org/drawingml/2006/main" xmlns:r="http://schemas.openxmlformats.org/officeDocument/2006/relationships" xmlns:p="http://schemas.openxmlformats.org/presentationml/2006/main" showMasterSp="0" showMasterPhAnim="0">
   <p:cSld>
     <p:spTree>
@@ -1149,7 +1450,1434 @@
 </p:notes>
 </file>
 
-<file path=ppt/notesSlides/notesSlide12.xml><?xml version="1.0" encoding="utf-8"?>
+<file path=ppt/notesSlides/notesSlide14.xml><?xml version="1.0" encoding="utf-8"?>
+<p:notes xmlns:a="http://schemas.openxmlformats.org/drawingml/2006/main" xmlns:r="http://schemas.openxmlformats.org/officeDocument/2006/relationships" xmlns:p="http://schemas.openxmlformats.org/presentationml/2006/main" showMasterSp="0" showMasterPhAnim="0">
+  <p:cSld>
+    <p:spTree>
+      <p:nvGrpSpPr>
+        <p:cNvPr id="1" name="Shape 171">
+          <a:extLst>
+            <a:ext uri="{FF2B5EF4-FFF2-40B4-BE49-F238E27FC236}">
+              <a16:creationId xmlns:a16="http://schemas.microsoft.com/office/drawing/2014/main" id="{76FB64BC-F9FA-FA90-3DE6-EE20B3462A19}"/>
+            </a:ext>
+          </a:extLst>
+        </p:cNvPr>
+        <p:cNvGrpSpPr/>
+        <p:nvPr/>
+      </p:nvGrpSpPr>
+      <p:grpSpPr>
+        <a:xfrm>
+          <a:off x="0" y="0"/>
+          <a:ext cx="0" cy="0"/>
+          <a:chOff x="0" y="0"/>
+          <a:chExt cx="0" cy="0"/>
+        </a:xfrm>
+      </p:grpSpPr>
+      <p:sp>
+        <p:nvSpPr>
+          <p:cNvPr id="172" name="Google Shape;172;g2cd30dbf4aa_0_267:notes">
+            <a:extLst>
+              <a:ext uri="{FF2B5EF4-FFF2-40B4-BE49-F238E27FC236}">
+                <a16:creationId xmlns:a16="http://schemas.microsoft.com/office/drawing/2014/main" id="{92955A20-B809-3BD5-6254-5A298F07E670}"/>
+              </a:ext>
+            </a:extLst>
+          </p:cNvPr>
+          <p:cNvSpPr>
+            <a:spLocks noGrp="1" noRot="1" noChangeAspect="1"/>
+          </p:cNvSpPr>
+          <p:nvPr>
+            <p:ph type="sldImg" idx="2"/>
+          </p:nvPr>
+        </p:nvSpPr>
+        <p:spPr>
+          <a:xfrm>
+            <a:off x="381000" y="685800"/>
+            <a:ext cx="6096000" cy="3429000"/>
+          </a:xfrm>
+          <a:custGeom>
+            <a:avLst/>
+            <a:gdLst/>
+            <a:ahLst/>
+            <a:cxnLst/>
+            <a:rect l="l" t="t" r="r" b="b"/>
+            <a:pathLst>
+              <a:path w="120000" h="120000" extrusionOk="0">
+                <a:moveTo>
+                  <a:pt x="0" y="0"/>
+                </a:moveTo>
+                <a:lnTo>
+                  <a:pt x="120000" y="0"/>
+                </a:lnTo>
+                <a:lnTo>
+                  <a:pt x="120000" y="120000"/>
+                </a:lnTo>
+                <a:lnTo>
+                  <a:pt x="0" y="120000"/>
+                </a:lnTo>
+                <a:close/>
+              </a:path>
+            </a:pathLst>
+          </a:custGeom>
+          <a:noFill/>
+          <a:ln w="9525" cap="flat" cmpd="sng">
+            <a:solidFill>
+              <a:srgbClr val="000000"/>
+            </a:solidFill>
+            <a:prstDash val="solid"/>
+            <a:round/>
+            <a:headEnd type="none" w="sm" len="sm"/>
+            <a:tailEnd type="none" w="sm" len="sm"/>
+          </a:ln>
+        </p:spPr>
+      </p:sp>
+      <p:sp>
+        <p:nvSpPr>
+          <p:cNvPr id="173" name="Google Shape;173;g2cd30dbf4aa_0_267:notes">
+            <a:extLst>
+              <a:ext uri="{FF2B5EF4-FFF2-40B4-BE49-F238E27FC236}">
+                <a16:creationId xmlns:a16="http://schemas.microsoft.com/office/drawing/2014/main" id="{F7056F96-C057-B90F-755F-104B44293176}"/>
+              </a:ext>
+            </a:extLst>
+          </p:cNvPr>
+          <p:cNvSpPr txBox="1">
+            <a:spLocks noGrp="1"/>
+          </p:cNvSpPr>
+          <p:nvPr>
+            <p:ph type="body" idx="1"/>
+          </p:nvPr>
+        </p:nvSpPr>
+        <p:spPr>
+          <a:xfrm>
+            <a:off x="685800" y="4343400"/>
+            <a:ext cx="5486400" cy="4114800"/>
+          </a:xfrm>
+          <a:prstGeom prst="rect">
+            <a:avLst/>
+          </a:prstGeom>
+          <a:noFill/>
+          <a:ln>
+            <a:noFill/>
+          </a:ln>
+        </p:spPr>
+        <p:txBody>
+          <a:bodyPr spcFirstLastPara="1" wrap="square" lIns="91425" tIns="91425" rIns="91425" bIns="91425" anchor="t" anchorCtr="0">
+            <a:noAutofit/>
+          </a:bodyPr>
+          <a:lstStyle/>
+          <a:p>
+            <a:pPr marL="0" lvl="0" indent="0" algn="l" rtl="0">
+              <a:lnSpc>
+                <a:spcPct val="100000"/>
+              </a:lnSpc>
+              <a:spcBef>
+                <a:spcPts val="0"/>
+              </a:spcBef>
+              <a:spcAft>
+                <a:spcPts val="0"/>
+              </a:spcAft>
+              <a:buSzPts val="1100"/>
+              <a:buNone/>
+            </a:pPr>
+            <a:endParaRPr/>
+          </a:p>
+        </p:txBody>
+      </p:sp>
+    </p:spTree>
+    <p:extLst>
+      <p:ext uri="{BB962C8B-B14F-4D97-AF65-F5344CB8AC3E}">
+        <p14:creationId xmlns:p14="http://schemas.microsoft.com/office/powerpoint/2010/main" val="845632306"/>
+      </p:ext>
+    </p:extLst>
+  </p:cSld>
+  <p:clrMapOvr>
+    <a:masterClrMapping/>
+  </p:clrMapOvr>
+</p:notes>
+</file>
+
+<file path=ppt/notesSlides/notesSlide15.xml><?xml version="1.0" encoding="utf-8"?>
+<p:notes xmlns:a="http://schemas.openxmlformats.org/drawingml/2006/main" xmlns:r="http://schemas.openxmlformats.org/officeDocument/2006/relationships" xmlns:p="http://schemas.openxmlformats.org/presentationml/2006/main" showMasterSp="0" showMasterPhAnim="0">
+  <p:cSld>
+    <p:spTree>
+      <p:nvGrpSpPr>
+        <p:cNvPr id="1" name="Shape 171">
+          <a:extLst>
+            <a:ext uri="{FF2B5EF4-FFF2-40B4-BE49-F238E27FC236}">
+              <a16:creationId xmlns:a16="http://schemas.microsoft.com/office/drawing/2014/main" id="{6256C64F-8828-46D9-289F-A5A329ACE227}"/>
+            </a:ext>
+          </a:extLst>
+        </p:cNvPr>
+        <p:cNvGrpSpPr/>
+        <p:nvPr/>
+      </p:nvGrpSpPr>
+      <p:grpSpPr>
+        <a:xfrm>
+          <a:off x="0" y="0"/>
+          <a:ext cx="0" cy="0"/>
+          <a:chOff x="0" y="0"/>
+          <a:chExt cx="0" cy="0"/>
+        </a:xfrm>
+      </p:grpSpPr>
+      <p:sp>
+        <p:nvSpPr>
+          <p:cNvPr id="172" name="Google Shape;172;g2cd30dbf4aa_0_267:notes">
+            <a:extLst>
+              <a:ext uri="{FF2B5EF4-FFF2-40B4-BE49-F238E27FC236}">
+                <a16:creationId xmlns:a16="http://schemas.microsoft.com/office/drawing/2014/main" id="{92BDC6CA-DFAE-C926-01E4-B8E17B0D8506}"/>
+              </a:ext>
+            </a:extLst>
+          </p:cNvPr>
+          <p:cNvSpPr>
+            <a:spLocks noGrp="1" noRot="1" noChangeAspect="1"/>
+          </p:cNvSpPr>
+          <p:nvPr>
+            <p:ph type="sldImg" idx="2"/>
+          </p:nvPr>
+        </p:nvSpPr>
+        <p:spPr>
+          <a:xfrm>
+            <a:off x="381000" y="685800"/>
+            <a:ext cx="6096000" cy="3429000"/>
+          </a:xfrm>
+          <a:custGeom>
+            <a:avLst/>
+            <a:gdLst/>
+            <a:ahLst/>
+            <a:cxnLst/>
+            <a:rect l="l" t="t" r="r" b="b"/>
+            <a:pathLst>
+              <a:path w="120000" h="120000" extrusionOk="0">
+                <a:moveTo>
+                  <a:pt x="0" y="0"/>
+                </a:moveTo>
+                <a:lnTo>
+                  <a:pt x="120000" y="0"/>
+                </a:lnTo>
+                <a:lnTo>
+                  <a:pt x="120000" y="120000"/>
+                </a:lnTo>
+                <a:lnTo>
+                  <a:pt x="0" y="120000"/>
+                </a:lnTo>
+                <a:close/>
+              </a:path>
+            </a:pathLst>
+          </a:custGeom>
+          <a:noFill/>
+          <a:ln w="9525" cap="flat" cmpd="sng">
+            <a:solidFill>
+              <a:srgbClr val="000000"/>
+            </a:solidFill>
+            <a:prstDash val="solid"/>
+            <a:round/>
+            <a:headEnd type="none" w="sm" len="sm"/>
+            <a:tailEnd type="none" w="sm" len="sm"/>
+          </a:ln>
+        </p:spPr>
+      </p:sp>
+      <p:sp>
+        <p:nvSpPr>
+          <p:cNvPr id="173" name="Google Shape;173;g2cd30dbf4aa_0_267:notes">
+            <a:extLst>
+              <a:ext uri="{FF2B5EF4-FFF2-40B4-BE49-F238E27FC236}">
+                <a16:creationId xmlns:a16="http://schemas.microsoft.com/office/drawing/2014/main" id="{49E5B7C8-1E57-8840-AA8A-8E7ABFC15F15}"/>
+              </a:ext>
+            </a:extLst>
+          </p:cNvPr>
+          <p:cNvSpPr txBox="1">
+            <a:spLocks noGrp="1"/>
+          </p:cNvSpPr>
+          <p:nvPr>
+            <p:ph type="body" idx="1"/>
+          </p:nvPr>
+        </p:nvSpPr>
+        <p:spPr>
+          <a:xfrm>
+            <a:off x="685800" y="4343400"/>
+            <a:ext cx="5486400" cy="4114800"/>
+          </a:xfrm>
+          <a:prstGeom prst="rect">
+            <a:avLst/>
+          </a:prstGeom>
+          <a:noFill/>
+          <a:ln>
+            <a:noFill/>
+          </a:ln>
+        </p:spPr>
+        <p:txBody>
+          <a:bodyPr spcFirstLastPara="1" wrap="square" lIns="91425" tIns="91425" rIns="91425" bIns="91425" anchor="t" anchorCtr="0">
+            <a:noAutofit/>
+          </a:bodyPr>
+          <a:lstStyle/>
+          <a:p>
+            <a:pPr marL="0" lvl="0" indent="0" algn="l" rtl="0">
+              <a:lnSpc>
+                <a:spcPct val="100000"/>
+              </a:lnSpc>
+              <a:spcBef>
+                <a:spcPts val="0"/>
+              </a:spcBef>
+              <a:spcAft>
+                <a:spcPts val="0"/>
+              </a:spcAft>
+              <a:buSzPts val="1100"/>
+              <a:buNone/>
+            </a:pPr>
+            <a:endParaRPr/>
+          </a:p>
+        </p:txBody>
+      </p:sp>
+    </p:spTree>
+    <p:extLst>
+      <p:ext uri="{BB962C8B-B14F-4D97-AF65-F5344CB8AC3E}">
+        <p14:creationId xmlns:p14="http://schemas.microsoft.com/office/powerpoint/2010/main" val="1290122727"/>
+      </p:ext>
+    </p:extLst>
+  </p:cSld>
+  <p:clrMapOvr>
+    <a:masterClrMapping/>
+  </p:clrMapOvr>
+</p:notes>
+</file>
+
+<file path=ppt/notesSlides/notesSlide16.xml><?xml version="1.0" encoding="utf-8"?>
+<p:notes xmlns:a="http://schemas.openxmlformats.org/drawingml/2006/main" xmlns:r="http://schemas.openxmlformats.org/officeDocument/2006/relationships" xmlns:p="http://schemas.openxmlformats.org/presentationml/2006/main" showMasterSp="0" showMasterPhAnim="0">
+  <p:cSld>
+    <p:spTree>
+      <p:nvGrpSpPr>
+        <p:cNvPr id="1" name="Shape 171">
+          <a:extLst>
+            <a:ext uri="{FF2B5EF4-FFF2-40B4-BE49-F238E27FC236}">
+              <a16:creationId xmlns:a16="http://schemas.microsoft.com/office/drawing/2014/main" id="{2FC7AB32-C227-7898-0AC1-5330276E1A91}"/>
+            </a:ext>
+          </a:extLst>
+        </p:cNvPr>
+        <p:cNvGrpSpPr/>
+        <p:nvPr/>
+      </p:nvGrpSpPr>
+      <p:grpSpPr>
+        <a:xfrm>
+          <a:off x="0" y="0"/>
+          <a:ext cx="0" cy="0"/>
+          <a:chOff x="0" y="0"/>
+          <a:chExt cx="0" cy="0"/>
+        </a:xfrm>
+      </p:grpSpPr>
+      <p:sp>
+        <p:nvSpPr>
+          <p:cNvPr id="172" name="Google Shape;172;g2cd30dbf4aa_0_267:notes">
+            <a:extLst>
+              <a:ext uri="{FF2B5EF4-FFF2-40B4-BE49-F238E27FC236}">
+                <a16:creationId xmlns:a16="http://schemas.microsoft.com/office/drawing/2014/main" id="{6431CB1F-0B0F-AA35-C889-9E1FACD11408}"/>
+              </a:ext>
+            </a:extLst>
+          </p:cNvPr>
+          <p:cNvSpPr>
+            <a:spLocks noGrp="1" noRot="1" noChangeAspect="1"/>
+          </p:cNvSpPr>
+          <p:nvPr>
+            <p:ph type="sldImg" idx="2"/>
+          </p:nvPr>
+        </p:nvSpPr>
+        <p:spPr>
+          <a:xfrm>
+            <a:off x="381000" y="685800"/>
+            <a:ext cx="6096000" cy="3429000"/>
+          </a:xfrm>
+          <a:custGeom>
+            <a:avLst/>
+            <a:gdLst/>
+            <a:ahLst/>
+            <a:cxnLst/>
+            <a:rect l="l" t="t" r="r" b="b"/>
+            <a:pathLst>
+              <a:path w="120000" h="120000" extrusionOk="0">
+                <a:moveTo>
+                  <a:pt x="0" y="0"/>
+                </a:moveTo>
+                <a:lnTo>
+                  <a:pt x="120000" y="0"/>
+                </a:lnTo>
+                <a:lnTo>
+                  <a:pt x="120000" y="120000"/>
+                </a:lnTo>
+                <a:lnTo>
+                  <a:pt x="0" y="120000"/>
+                </a:lnTo>
+                <a:close/>
+              </a:path>
+            </a:pathLst>
+          </a:custGeom>
+          <a:noFill/>
+          <a:ln w="9525" cap="flat" cmpd="sng">
+            <a:solidFill>
+              <a:srgbClr val="000000"/>
+            </a:solidFill>
+            <a:prstDash val="solid"/>
+            <a:round/>
+            <a:headEnd type="none" w="sm" len="sm"/>
+            <a:tailEnd type="none" w="sm" len="sm"/>
+          </a:ln>
+        </p:spPr>
+      </p:sp>
+      <p:sp>
+        <p:nvSpPr>
+          <p:cNvPr id="173" name="Google Shape;173;g2cd30dbf4aa_0_267:notes">
+            <a:extLst>
+              <a:ext uri="{FF2B5EF4-FFF2-40B4-BE49-F238E27FC236}">
+                <a16:creationId xmlns:a16="http://schemas.microsoft.com/office/drawing/2014/main" id="{B2CB46AD-0F9E-64D3-64F9-827CF48FAA53}"/>
+              </a:ext>
+            </a:extLst>
+          </p:cNvPr>
+          <p:cNvSpPr txBox="1">
+            <a:spLocks noGrp="1"/>
+          </p:cNvSpPr>
+          <p:nvPr>
+            <p:ph type="body" idx="1"/>
+          </p:nvPr>
+        </p:nvSpPr>
+        <p:spPr>
+          <a:xfrm>
+            <a:off x="685800" y="4343400"/>
+            <a:ext cx="5486400" cy="4114800"/>
+          </a:xfrm>
+          <a:prstGeom prst="rect">
+            <a:avLst/>
+          </a:prstGeom>
+          <a:noFill/>
+          <a:ln>
+            <a:noFill/>
+          </a:ln>
+        </p:spPr>
+        <p:txBody>
+          <a:bodyPr spcFirstLastPara="1" wrap="square" lIns="91425" tIns="91425" rIns="91425" bIns="91425" anchor="t" anchorCtr="0">
+            <a:noAutofit/>
+          </a:bodyPr>
+          <a:lstStyle/>
+          <a:p>
+            <a:pPr marL="0" lvl="0" indent="0" algn="l" rtl="0">
+              <a:lnSpc>
+                <a:spcPct val="100000"/>
+              </a:lnSpc>
+              <a:spcBef>
+                <a:spcPts val="0"/>
+              </a:spcBef>
+              <a:spcAft>
+                <a:spcPts val="0"/>
+              </a:spcAft>
+              <a:buSzPts val="1100"/>
+              <a:buNone/>
+            </a:pPr>
+            <a:endParaRPr/>
+          </a:p>
+        </p:txBody>
+      </p:sp>
+    </p:spTree>
+    <p:extLst>
+      <p:ext uri="{BB962C8B-B14F-4D97-AF65-F5344CB8AC3E}">
+        <p14:creationId xmlns:p14="http://schemas.microsoft.com/office/powerpoint/2010/main" val="3701329280"/>
+      </p:ext>
+    </p:extLst>
+  </p:cSld>
+  <p:clrMapOvr>
+    <a:masterClrMapping/>
+  </p:clrMapOvr>
+</p:notes>
+</file>
+
+<file path=ppt/notesSlides/notesSlide17.xml><?xml version="1.0" encoding="utf-8"?>
+<p:notes xmlns:a="http://schemas.openxmlformats.org/drawingml/2006/main" xmlns:r="http://schemas.openxmlformats.org/officeDocument/2006/relationships" xmlns:p="http://schemas.openxmlformats.org/presentationml/2006/main" showMasterSp="0" showMasterPhAnim="0">
+  <p:cSld>
+    <p:spTree>
+      <p:nvGrpSpPr>
+        <p:cNvPr id="1" name="Shape 171">
+          <a:extLst>
+            <a:ext uri="{FF2B5EF4-FFF2-40B4-BE49-F238E27FC236}">
+              <a16:creationId xmlns:a16="http://schemas.microsoft.com/office/drawing/2014/main" id="{E62978B2-8C48-14AF-3862-30C08019E566}"/>
+            </a:ext>
+          </a:extLst>
+        </p:cNvPr>
+        <p:cNvGrpSpPr/>
+        <p:nvPr/>
+      </p:nvGrpSpPr>
+      <p:grpSpPr>
+        <a:xfrm>
+          <a:off x="0" y="0"/>
+          <a:ext cx="0" cy="0"/>
+          <a:chOff x="0" y="0"/>
+          <a:chExt cx="0" cy="0"/>
+        </a:xfrm>
+      </p:grpSpPr>
+      <p:sp>
+        <p:nvSpPr>
+          <p:cNvPr id="172" name="Google Shape;172;g2cd30dbf4aa_0_267:notes">
+            <a:extLst>
+              <a:ext uri="{FF2B5EF4-FFF2-40B4-BE49-F238E27FC236}">
+                <a16:creationId xmlns:a16="http://schemas.microsoft.com/office/drawing/2014/main" id="{F1F30E35-4E48-F3E4-DBAD-45C4A56C70FC}"/>
+              </a:ext>
+            </a:extLst>
+          </p:cNvPr>
+          <p:cNvSpPr>
+            <a:spLocks noGrp="1" noRot="1" noChangeAspect="1"/>
+          </p:cNvSpPr>
+          <p:nvPr>
+            <p:ph type="sldImg" idx="2"/>
+          </p:nvPr>
+        </p:nvSpPr>
+        <p:spPr>
+          <a:xfrm>
+            <a:off x="381000" y="685800"/>
+            <a:ext cx="6096000" cy="3429000"/>
+          </a:xfrm>
+          <a:custGeom>
+            <a:avLst/>
+            <a:gdLst/>
+            <a:ahLst/>
+            <a:cxnLst/>
+            <a:rect l="l" t="t" r="r" b="b"/>
+            <a:pathLst>
+              <a:path w="120000" h="120000" extrusionOk="0">
+                <a:moveTo>
+                  <a:pt x="0" y="0"/>
+                </a:moveTo>
+                <a:lnTo>
+                  <a:pt x="120000" y="0"/>
+                </a:lnTo>
+                <a:lnTo>
+                  <a:pt x="120000" y="120000"/>
+                </a:lnTo>
+                <a:lnTo>
+                  <a:pt x="0" y="120000"/>
+                </a:lnTo>
+                <a:close/>
+              </a:path>
+            </a:pathLst>
+          </a:custGeom>
+          <a:noFill/>
+          <a:ln w="9525" cap="flat" cmpd="sng">
+            <a:solidFill>
+              <a:srgbClr val="000000"/>
+            </a:solidFill>
+            <a:prstDash val="solid"/>
+            <a:round/>
+            <a:headEnd type="none" w="sm" len="sm"/>
+            <a:tailEnd type="none" w="sm" len="sm"/>
+          </a:ln>
+        </p:spPr>
+      </p:sp>
+      <p:sp>
+        <p:nvSpPr>
+          <p:cNvPr id="173" name="Google Shape;173;g2cd30dbf4aa_0_267:notes">
+            <a:extLst>
+              <a:ext uri="{FF2B5EF4-FFF2-40B4-BE49-F238E27FC236}">
+                <a16:creationId xmlns:a16="http://schemas.microsoft.com/office/drawing/2014/main" id="{B64978F7-3A05-EC9D-80F1-9E97405C86A6}"/>
+              </a:ext>
+            </a:extLst>
+          </p:cNvPr>
+          <p:cNvSpPr txBox="1">
+            <a:spLocks noGrp="1"/>
+          </p:cNvSpPr>
+          <p:nvPr>
+            <p:ph type="body" idx="1"/>
+          </p:nvPr>
+        </p:nvSpPr>
+        <p:spPr>
+          <a:xfrm>
+            <a:off x="685800" y="4343400"/>
+            <a:ext cx="5486400" cy="4114800"/>
+          </a:xfrm>
+          <a:prstGeom prst="rect">
+            <a:avLst/>
+          </a:prstGeom>
+          <a:noFill/>
+          <a:ln>
+            <a:noFill/>
+          </a:ln>
+        </p:spPr>
+        <p:txBody>
+          <a:bodyPr spcFirstLastPara="1" wrap="square" lIns="91425" tIns="91425" rIns="91425" bIns="91425" anchor="t" anchorCtr="0">
+            <a:noAutofit/>
+          </a:bodyPr>
+          <a:lstStyle/>
+          <a:p>
+            <a:pPr marL="0" lvl="0" indent="0" algn="l" rtl="0">
+              <a:lnSpc>
+                <a:spcPct val="100000"/>
+              </a:lnSpc>
+              <a:spcBef>
+                <a:spcPts val="0"/>
+              </a:spcBef>
+              <a:spcAft>
+                <a:spcPts val="0"/>
+              </a:spcAft>
+              <a:buSzPts val="1100"/>
+              <a:buNone/>
+            </a:pPr>
+            <a:endParaRPr/>
+          </a:p>
+        </p:txBody>
+      </p:sp>
+    </p:spTree>
+    <p:extLst>
+      <p:ext uri="{BB962C8B-B14F-4D97-AF65-F5344CB8AC3E}">
+        <p14:creationId xmlns:p14="http://schemas.microsoft.com/office/powerpoint/2010/main" val="3045134938"/>
+      </p:ext>
+    </p:extLst>
+  </p:cSld>
+  <p:clrMapOvr>
+    <a:masterClrMapping/>
+  </p:clrMapOvr>
+</p:notes>
+</file>
+
+<file path=ppt/notesSlides/notesSlide18.xml><?xml version="1.0" encoding="utf-8"?>
+<p:notes xmlns:a="http://schemas.openxmlformats.org/drawingml/2006/main" xmlns:r="http://schemas.openxmlformats.org/officeDocument/2006/relationships" xmlns:p="http://schemas.openxmlformats.org/presentationml/2006/main" showMasterSp="0" showMasterPhAnim="0">
+  <p:cSld>
+    <p:spTree>
+      <p:nvGrpSpPr>
+        <p:cNvPr id="1" name="Shape 171">
+          <a:extLst>
+            <a:ext uri="{FF2B5EF4-FFF2-40B4-BE49-F238E27FC236}">
+              <a16:creationId xmlns:a16="http://schemas.microsoft.com/office/drawing/2014/main" id="{039717DA-84CF-0A6B-153E-0169CED9E597}"/>
+            </a:ext>
+          </a:extLst>
+        </p:cNvPr>
+        <p:cNvGrpSpPr/>
+        <p:nvPr/>
+      </p:nvGrpSpPr>
+      <p:grpSpPr>
+        <a:xfrm>
+          <a:off x="0" y="0"/>
+          <a:ext cx="0" cy="0"/>
+          <a:chOff x="0" y="0"/>
+          <a:chExt cx="0" cy="0"/>
+        </a:xfrm>
+      </p:grpSpPr>
+      <p:sp>
+        <p:nvSpPr>
+          <p:cNvPr id="172" name="Google Shape;172;g2cd30dbf4aa_0_267:notes">
+            <a:extLst>
+              <a:ext uri="{FF2B5EF4-FFF2-40B4-BE49-F238E27FC236}">
+                <a16:creationId xmlns:a16="http://schemas.microsoft.com/office/drawing/2014/main" id="{C11B4540-CB96-71E3-8B92-C99B4DC5F853}"/>
+              </a:ext>
+            </a:extLst>
+          </p:cNvPr>
+          <p:cNvSpPr>
+            <a:spLocks noGrp="1" noRot="1" noChangeAspect="1"/>
+          </p:cNvSpPr>
+          <p:nvPr>
+            <p:ph type="sldImg" idx="2"/>
+          </p:nvPr>
+        </p:nvSpPr>
+        <p:spPr>
+          <a:xfrm>
+            <a:off x="381000" y="685800"/>
+            <a:ext cx="6096000" cy="3429000"/>
+          </a:xfrm>
+          <a:custGeom>
+            <a:avLst/>
+            <a:gdLst/>
+            <a:ahLst/>
+            <a:cxnLst/>
+            <a:rect l="l" t="t" r="r" b="b"/>
+            <a:pathLst>
+              <a:path w="120000" h="120000" extrusionOk="0">
+                <a:moveTo>
+                  <a:pt x="0" y="0"/>
+                </a:moveTo>
+                <a:lnTo>
+                  <a:pt x="120000" y="0"/>
+                </a:lnTo>
+                <a:lnTo>
+                  <a:pt x="120000" y="120000"/>
+                </a:lnTo>
+                <a:lnTo>
+                  <a:pt x="0" y="120000"/>
+                </a:lnTo>
+                <a:close/>
+              </a:path>
+            </a:pathLst>
+          </a:custGeom>
+          <a:noFill/>
+          <a:ln w="9525" cap="flat" cmpd="sng">
+            <a:solidFill>
+              <a:srgbClr val="000000"/>
+            </a:solidFill>
+            <a:prstDash val="solid"/>
+            <a:round/>
+            <a:headEnd type="none" w="sm" len="sm"/>
+            <a:tailEnd type="none" w="sm" len="sm"/>
+          </a:ln>
+        </p:spPr>
+      </p:sp>
+      <p:sp>
+        <p:nvSpPr>
+          <p:cNvPr id="173" name="Google Shape;173;g2cd30dbf4aa_0_267:notes">
+            <a:extLst>
+              <a:ext uri="{FF2B5EF4-FFF2-40B4-BE49-F238E27FC236}">
+                <a16:creationId xmlns:a16="http://schemas.microsoft.com/office/drawing/2014/main" id="{FB2BD21B-1E3C-3C5C-19C2-F32CD3CB1194}"/>
+              </a:ext>
+            </a:extLst>
+          </p:cNvPr>
+          <p:cNvSpPr txBox="1">
+            <a:spLocks noGrp="1"/>
+          </p:cNvSpPr>
+          <p:nvPr>
+            <p:ph type="body" idx="1"/>
+          </p:nvPr>
+        </p:nvSpPr>
+        <p:spPr>
+          <a:xfrm>
+            <a:off x="685800" y="4343400"/>
+            <a:ext cx="5486400" cy="4114800"/>
+          </a:xfrm>
+          <a:prstGeom prst="rect">
+            <a:avLst/>
+          </a:prstGeom>
+          <a:noFill/>
+          <a:ln>
+            <a:noFill/>
+          </a:ln>
+        </p:spPr>
+        <p:txBody>
+          <a:bodyPr spcFirstLastPara="1" wrap="square" lIns="91425" tIns="91425" rIns="91425" bIns="91425" anchor="t" anchorCtr="0">
+            <a:noAutofit/>
+          </a:bodyPr>
+          <a:lstStyle/>
+          <a:p>
+            <a:pPr marL="0" lvl="0" indent="0" algn="l" rtl="0">
+              <a:lnSpc>
+                <a:spcPct val="100000"/>
+              </a:lnSpc>
+              <a:spcBef>
+                <a:spcPts val="0"/>
+              </a:spcBef>
+              <a:spcAft>
+                <a:spcPts val="0"/>
+              </a:spcAft>
+              <a:buSzPts val="1100"/>
+              <a:buNone/>
+            </a:pPr>
+            <a:endParaRPr/>
+          </a:p>
+        </p:txBody>
+      </p:sp>
+    </p:spTree>
+    <p:extLst>
+      <p:ext uri="{BB962C8B-B14F-4D97-AF65-F5344CB8AC3E}">
+        <p14:creationId xmlns:p14="http://schemas.microsoft.com/office/powerpoint/2010/main" val="3464142289"/>
+      </p:ext>
+    </p:extLst>
+  </p:cSld>
+  <p:clrMapOvr>
+    <a:masterClrMapping/>
+  </p:clrMapOvr>
+</p:notes>
+</file>
+
+<file path=ppt/notesSlides/notesSlide19.xml><?xml version="1.0" encoding="utf-8"?>
+<p:notes xmlns:a="http://schemas.openxmlformats.org/drawingml/2006/main" xmlns:r="http://schemas.openxmlformats.org/officeDocument/2006/relationships" xmlns:p="http://schemas.openxmlformats.org/presentationml/2006/main" showMasterSp="0" showMasterPhAnim="0">
+  <p:cSld>
+    <p:spTree>
+      <p:nvGrpSpPr>
+        <p:cNvPr id="1" name="Shape 171">
+          <a:extLst>
+            <a:ext uri="{FF2B5EF4-FFF2-40B4-BE49-F238E27FC236}">
+              <a16:creationId xmlns:a16="http://schemas.microsoft.com/office/drawing/2014/main" id="{71D16CAA-C1E1-A639-237C-CAA5839BBCCE}"/>
+            </a:ext>
+          </a:extLst>
+        </p:cNvPr>
+        <p:cNvGrpSpPr/>
+        <p:nvPr/>
+      </p:nvGrpSpPr>
+      <p:grpSpPr>
+        <a:xfrm>
+          <a:off x="0" y="0"/>
+          <a:ext cx="0" cy="0"/>
+          <a:chOff x="0" y="0"/>
+          <a:chExt cx="0" cy="0"/>
+        </a:xfrm>
+      </p:grpSpPr>
+      <p:sp>
+        <p:nvSpPr>
+          <p:cNvPr id="172" name="Google Shape;172;g2cd30dbf4aa_0_267:notes">
+            <a:extLst>
+              <a:ext uri="{FF2B5EF4-FFF2-40B4-BE49-F238E27FC236}">
+                <a16:creationId xmlns:a16="http://schemas.microsoft.com/office/drawing/2014/main" id="{C504802F-EEAC-D134-614B-515D6B45362C}"/>
+              </a:ext>
+            </a:extLst>
+          </p:cNvPr>
+          <p:cNvSpPr>
+            <a:spLocks noGrp="1" noRot="1" noChangeAspect="1"/>
+          </p:cNvSpPr>
+          <p:nvPr>
+            <p:ph type="sldImg" idx="2"/>
+          </p:nvPr>
+        </p:nvSpPr>
+        <p:spPr>
+          <a:xfrm>
+            <a:off x="381000" y="685800"/>
+            <a:ext cx="6096000" cy="3429000"/>
+          </a:xfrm>
+          <a:custGeom>
+            <a:avLst/>
+            <a:gdLst/>
+            <a:ahLst/>
+            <a:cxnLst/>
+            <a:rect l="l" t="t" r="r" b="b"/>
+            <a:pathLst>
+              <a:path w="120000" h="120000" extrusionOk="0">
+                <a:moveTo>
+                  <a:pt x="0" y="0"/>
+                </a:moveTo>
+                <a:lnTo>
+                  <a:pt x="120000" y="0"/>
+                </a:lnTo>
+                <a:lnTo>
+                  <a:pt x="120000" y="120000"/>
+                </a:lnTo>
+                <a:lnTo>
+                  <a:pt x="0" y="120000"/>
+                </a:lnTo>
+                <a:close/>
+              </a:path>
+            </a:pathLst>
+          </a:custGeom>
+          <a:noFill/>
+          <a:ln w="9525" cap="flat" cmpd="sng">
+            <a:solidFill>
+              <a:srgbClr val="000000"/>
+            </a:solidFill>
+            <a:prstDash val="solid"/>
+            <a:round/>
+            <a:headEnd type="none" w="sm" len="sm"/>
+            <a:tailEnd type="none" w="sm" len="sm"/>
+          </a:ln>
+        </p:spPr>
+      </p:sp>
+      <p:sp>
+        <p:nvSpPr>
+          <p:cNvPr id="173" name="Google Shape;173;g2cd30dbf4aa_0_267:notes">
+            <a:extLst>
+              <a:ext uri="{FF2B5EF4-FFF2-40B4-BE49-F238E27FC236}">
+                <a16:creationId xmlns:a16="http://schemas.microsoft.com/office/drawing/2014/main" id="{B12EAB60-0B77-F5DC-1D26-B16B0DC927E2}"/>
+              </a:ext>
+            </a:extLst>
+          </p:cNvPr>
+          <p:cNvSpPr txBox="1">
+            <a:spLocks noGrp="1"/>
+          </p:cNvSpPr>
+          <p:nvPr>
+            <p:ph type="body" idx="1"/>
+          </p:nvPr>
+        </p:nvSpPr>
+        <p:spPr>
+          <a:xfrm>
+            <a:off x="685800" y="4343400"/>
+            <a:ext cx="5486400" cy="4114800"/>
+          </a:xfrm>
+          <a:prstGeom prst="rect">
+            <a:avLst/>
+          </a:prstGeom>
+          <a:noFill/>
+          <a:ln>
+            <a:noFill/>
+          </a:ln>
+        </p:spPr>
+        <p:txBody>
+          <a:bodyPr spcFirstLastPara="1" wrap="square" lIns="91425" tIns="91425" rIns="91425" bIns="91425" anchor="t" anchorCtr="0">
+            <a:noAutofit/>
+          </a:bodyPr>
+          <a:lstStyle/>
+          <a:p>
+            <a:pPr marL="0" lvl="0" indent="0" algn="l" rtl="0">
+              <a:lnSpc>
+                <a:spcPct val="100000"/>
+              </a:lnSpc>
+              <a:spcBef>
+                <a:spcPts val="0"/>
+              </a:spcBef>
+              <a:spcAft>
+                <a:spcPts val="0"/>
+              </a:spcAft>
+              <a:buSzPts val="1100"/>
+              <a:buNone/>
+            </a:pPr>
+            <a:endParaRPr/>
+          </a:p>
+        </p:txBody>
+      </p:sp>
+    </p:spTree>
+    <p:extLst>
+      <p:ext uri="{BB962C8B-B14F-4D97-AF65-F5344CB8AC3E}">
+        <p14:creationId xmlns:p14="http://schemas.microsoft.com/office/powerpoint/2010/main" val="2292876962"/>
+      </p:ext>
+    </p:extLst>
+  </p:cSld>
+  <p:clrMapOvr>
+    <a:masterClrMapping/>
+  </p:clrMapOvr>
+</p:notes>
+</file>
+
+<file path=ppt/notesSlides/notesSlide2.xml><?xml version="1.0" encoding="utf-8"?>
+<p:notes xmlns:a="http://schemas.openxmlformats.org/drawingml/2006/main" xmlns:r="http://schemas.openxmlformats.org/officeDocument/2006/relationships" xmlns:p="http://schemas.openxmlformats.org/presentationml/2006/main" showMasterSp="0" showMasterPhAnim="0">
+  <p:cSld>
+    <p:spTree>
+      <p:nvGrpSpPr>
+        <p:cNvPr id="1" name="Shape 153"/>
+        <p:cNvGrpSpPr/>
+        <p:nvPr/>
+      </p:nvGrpSpPr>
+      <p:grpSpPr>
+        <a:xfrm>
+          <a:off x="0" y="0"/>
+          <a:ext cx="0" cy="0"/>
+          <a:chOff x="0" y="0"/>
+          <a:chExt cx="0" cy="0"/>
+        </a:xfrm>
+      </p:grpSpPr>
+      <p:sp>
+        <p:nvSpPr>
+          <p:cNvPr id="154" name="Google Shape;154;g2cd30dbf4aa_0_257:notes"/>
+          <p:cNvSpPr>
+            <a:spLocks noGrp="1" noRot="1" noChangeAspect="1"/>
+          </p:cNvSpPr>
+          <p:nvPr>
+            <p:ph type="sldImg" idx="2"/>
+          </p:nvPr>
+        </p:nvSpPr>
+        <p:spPr>
+          <a:xfrm>
+            <a:off x="381300" y="685800"/>
+            <a:ext cx="6096000" cy="3429000"/>
+          </a:xfrm>
+          <a:custGeom>
+            <a:avLst/>
+            <a:gdLst/>
+            <a:ahLst/>
+            <a:cxnLst/>
+            <a:rect l="l" t="t" r="r" b="b"/>
+            <a:pathLst>
+              <a:path w="120000" h="120000" extrusionOk="0">
+                <a:moveTo>
+                  <a:pt x="0" y="0"/>
+                </a:moveTo>
+                <a:lnTo>
+                  <a:pt x="120000" y="0"/>
+                </a:lnTo>
+                <a:lnTo>
+                  <a:pt x="120000" y="120000"/>
+                </a:lnTo>
+                <a:lnTo>
+                  <a:pt x="0" y="120000"/>
+                </a:lnTo>
+                <a:close/>
+              </a:path>
+            </a:pathLst>
+          </a:custGeom>
+          <a:noFill/>
+          <a:ln w="9525" cap="flat" cmpd="sng">
+            <a:solidFill>
+              <a:srgbClr val="000000"/>
+            </a:solidFill>
+            <a:prstDash val="solid"/>
+            <a:round/>
+            <a:headEnd type="none" w="sm" len="sm"/>
+            <a:tailEnd type="none" w="sm" len="sm"/>
+          </a:ln>
+        </p:spPr>
+      </p:sp>
+      <p:sp>
+        <p:nvSpPr>
+          <p:cNvPr id="155" name="Google Shape;155;g2cd30dbf4aa_0_257:notes"/>
+          <p:cNvSpPr txBox="1">
+            <a:spLocks noGrp="1"/>
+          </p:cNvSpPr>
+          <p:nvPr>
+            <p:ph type="body" idx="1"/>
+          </p:nvPr>
+        </p:nvSpPr>
+        <p:spPr>
+          <a:xfrm>
+            <a:off x="685800" y="4343400"/>
+            <a:ext cx="5486400" cy="4114800"/>
+          </a:xfrm>
+          <a:prstGeom prst="rect">
+            <a:avLst/>
+          </a:prstGeom>
+          <a:noFill/>
+          <a:ln>
+            <a:noFill/>
+          </a:ln>
+        </p:spPr>
+        <p:txBody>
+          <a:bodyPr spcFirstLastPara="1" wrap="square" lIns="91425" tIns="91425" rIns="91425" bIns="91425" anchor="t" anchorCtr="0">
+            <a:noAutofit/>
+          </a:bodyPr>
+          <a:lstStyle/>
+          <a:p>
+            <a:pPr marL="0" lvl="0" indent="0" algn="l" rtl="0">
+              <a:lnSpc>
+                <a:spcPct val="100000"/>
+              </a:lnSpc>
+              <a:spcBef>
+                <a:spcPts val="0"/>
+              </a:spcBef>
+              <a:spcAft>
+                <a:spcPts val="0"/>
+              </a:spcAft>
+              <a:buSzPts val="1100"/>
+              <a:buNone/>
+            </a:pPr>
+            <a:endParaRPr/>
+          </a:p>
+        </p:txBody>
+      </p:sp>
+    </p:spTree>
+  </p:cSld>
+  <p:clrMapOvr>
+    <a:masterClrMapping/>
+  </p:clrMapOvr>
+</p:notes>
+</file>
+
+<file path=ppt/notesSlides/notesSlide20.xml><?xml version="1.0" encoding="utf-8"?>
+<p:notes xmlns:a="http://schemas.openxmlformats.org/drawingml/2006/main" xmlns:r="http://schemas.openxmlformats.org/officeDocument/2006/relationships" xmlns:p="http://schemas.openxmlformats.org/presentationml/2006/main" showMasterSp="0" showMasterPhAnim="0">
+  <p:cSld>
+    <p:spTree>
+      <p:nvGrpSpPr>
+        <p:cNvPr id="1" name="Shape 171">
+          <a:extLst>
+            <a:ext uri="{FF2B5EF4-FFF2-40B4-BE49-F238E27FC236}">
+              <a16:creationId xmlns:a16="http://schemas.microsoft.com/office/drawing/2014/main" id="{C0370112-D151-146B-F26A-EE508C3E0F18}"/>
+            </a:ext>
+          </a:extLst>
+        </p:cNvPr>
+        <p:cNvGrpSpPr/>
+        <p:nvPr/>
+      </p:nvGrpSpPr>
+      <p:grpSpPr>
+        <a:xfrm>
+          <a:off x="0" y="0"/>
+          <a:ext cx="0" cy="0"/>
+          <a:chOff x="0" y="0"/>
+          <a:chExt cx="0" cy="0"/>
+        </a:xfrm>
+      </p:grpSpPr>
+      <p:sp>
+        <p:nvSpPr>
+          <p:cNvPr id="172" name="Google Shape;172;g2cd30dbf4aa_0_267:notes">
+            <a:extLst>
+              <a:ext uri="{FF2B5EF4-FFF2-40B4-BE49-F238E27FC236}">
+                <a16:creationId xmlns:a16="http://schemas.microsoft.com/office/drawing/2014/main" id="{636B0A45-ED57-50B3-A645-57FFF3BB97FF}"/>
+              </a:ext>
+            </a:extLst>
+          </p:cNvPr>
+          <p:cNvSpPr>
+            <a:spLocks noGrp="1" noRot="1" noChangeAspect="1"/>
+          </p:cNvSpPr>
+          <p:nvPr>
+            <p:ph type="sldImg" idx="2"/>
+          </p:nvPr>
+        </p:nvSpPr>
+        <p:spPr>
+          <a:xfrm>
+            <a:off x="381000" y="685800"/>
+            <a:ext cx="6096000" cy="3429000"/>
+          </a:xfrm>
+          <a:custGeom>
+            <a:avLst/>
+            <a:gdLst/>
+            <a:ahLst/>
+            <a:cxnLst/>
+            <a:rect l="l" t="t" r="r" b="b"/>
+            <a:pathLst>
+              <a:path w="120000" h="120000" extrusionOk="0">
+                <a:moveTo>
+                  <a:pt x="0" y="0"/>
+                </a:moveTo>
+                <a:lnTo>
+                  <a:pt x="120000" y="0"/>
+                </a:lnTo>
+                <a:lnTo>
+                  <a:pt x="120000" y="120000"/>
+                </a:lnTo>
+                <a:lnTo>
+                  <a:pt x="0" y="120000"/>
+                </a:lnTo>
+                <a:close/>
+              </a:path>
+            </a:pathLst>
+          </a:custGeom>
+          <a:noFill/>
+          <a:ln w="9525" cap="flat" cmpd="sng">
+            <a:solidFill>
+              <a:srgbClr val="000000"/>
+            </a:solidFill>
+            <a:prstDash val="solid"/>
+            <a:round/>
+            <a:headEnd type="none" w="sm" len="sm"/>
+            <a:tailEnd type="none" w="sm" len="sm"/>
+          </a:ln>
+        </p:spPr>
+      </p:sp>
+      <p:sp>
+        <p:nvSpPr>
+          <p:cNvPr id="173" name="Google Shape;173;g2cd30dbf4aa_0_267:notes">
+            <a:extLst>
+              <a:ext uri="{FF2B5EF4-FFF2-40B4-BE49-F238E27FC236}">
+                <a16:creationId xmlns:a16="http://schemas.microsoft.com/office/drawing/2014/main" id="{573ABED8-D419-CBC9-6478-A607A45261FB}"/>
+              </a:ext>
+            </a:extLst>
+          </p:cNvPr>
+          <p:cNvSpPr txBox="1">
+            <a:spLocks noGrp="1"/>
+          </p:cNvSpPr>
+          <p:nvPr>
+            <p:ph type="body" idx="1"/>
+          </p:nvPr>
+        </p:nvSpPr>
+        <p:spPr>
+          <a:xfrm>
+            <a:off x="685800" y="4343400"/>
+            <a:ext cx="5486400" cy="4114800"/>
+          </a:xfrm>
+          <a:prstGeom prst="rect">
+            <a:avLst/>
+          </a:prstGeom>
+          <a:noFill/>
+          <a:ln>
+            <a:noFill/>
+          </a:ln>
+        </p:spPr>
+        <p:txBody>
+          <a:bodyPr spcFirstLastPara="1" wrap="square" lIns="91425" tIns="91425" rIns="91425" bIns="91425" anchor="t" anchorCtr="0">
+            <a:noAutofit/>
+          </a:bodyPr>
+          <a:lstStyle/>
+          <a:p>
+            <a:pPr marL="0" lvl="0" indent="0" algn="l" rtl="0">
+              <a:lnSpc>
+                <a:spcPct val="100000"/>
+              </a:lnSpc>
+              <a:spcBef>
+                <a:spcPts val="0"/>
+              </a:spcBef>
+              <a:spcAft>
+                <a:spcPts val="0"/>
+              </a:spcAft>
+              <a:buSzPts val="1100"/>
+              <a:buNone/>
+            </a:pPr>
+            <a:endParaRPr/>
+          </a:p>
+        </p:txBody>
+      </p:sp>
+    </p:spTree>
+    <p:extLst>
+      <p:ext uri="{BB962C8B-B14F-4D97-AF65-F5344CB8AC3E}">
+        <p14:creationId xmlns:p14="http://schemas.microsoft.com/office/powerpoint/2010/main" val="1584551030"/>
+      </p:ext>
+    </p:extLst>
+  </p:cSld>
+  <p:clrMapOvr>
+    <a:masterClrMapping/>
+  </p:clrMapOvr>
+</p:notes>
+</file>
+
+<file path=ppt/notesSlides/notesSlide21.xml><?xml version="1.0" encoding="utf-8"?>
+<p:notes xmlns:a="http://schemas.openxmlformats.org/drawingml/2006/main" xmlns:r="http://schemas.openxmlformats.org/officeDocument/2006/relationships" xmlns:p="http://schemas.openxmlformats.org/presentationml/2006/main" showMasterSp="0" showMasterPhAnim="0">
+  <p:cSld>
+    <p:spTree>
+      <p:nvGrpSpPr>
+        <p:cNvPr id="1" name="Shape 171">
+          <a:extLst>
+            <a:ext uri="{FF2B5EF4-FFF2-40B4-BE49-F238E27FC236}">
+              <a16:creationId xmlns:a16="http://schemas.microsoft.com/office/drawing/2014/main" id="{55E839B8-DFEA-5AC1-1259-085B0F3D95E3}"/>
+            </a:ext>
+          </a:extLst>
+        </p:cNvPr>
+        <p:cNvGrpSpPr/>
+        <p:nvPr/>
+      </p:nvGrpSpPr>
+      <p:grpSpPr>
+        <a:xfrm>
+          <a:off x="0" y="0"/>
+          <a:ext cx="0" cy="0"/>
+          <a:chOff x="0" y="0"/>
+          <a:chExt cx="0" cy="0"/>
+        </a:xfrm>
+      </p:grpSpPr>
+      <p:sp>
+        <p:nvSpPr>
+          <p:cNvPr id="172" name="Google Shape;172;g2cd30dbf4aa_0_267:notes">
+            <a:extLst>
+              <a:ext uri="{FF2B5EF4-FFF2-40B4-BE49-F238E27FC236}">
+                <a16:creationId xmlns:a16="http://schemas.microsoft.com/office/drawing/2014/main" id="{244EF517-4C18-2FEA-799E-8B119399F33F}"/>
+              </a:ext>
+            </a:extLst>
+          </p:cNvPr>
+          <p:cNvSpPr>
+            <a:spLocks noGrp="1" noRot="1" noChangeAspect="1"/>
+          </p:cNvSpPr>
+          <p:nvPr>
+            <p:ph type="sldImg" idx="2"/>
+          </p:nvPr>
+        </p:nvSpPr>
+        <p:spPr>
+          <a:xfrm>
+            <a:off x="381000" y="685800"/>
+            <a:ext cx="6096000" cy="3429000"/>
+          </a:xfrm>
+          <a:custGeom>
+            <a:avLst/>
+            <a:gdLst/>
+            <a:ahLst/>
+            <a:cxnLst/>
+            <a:rect l="l" t="t" r="r" b="b"/>
+            <a:pathLst>
+              <a:path w="120000" h="120000" extrusionOk="0">
+                <a:moveTo>
+                  <a:pt x="0" y="0"/>
+                </a:moveTo>
+                <a:lnTo>
+                  <a:pt x="120000" y="0"/>
+                </a:lnTo>
+                <a:lnTo>
+                  <a:pt x="120000" y="120000"/>
+                </a:lnTo>
+                <a:lnTo>
+                  <a:pt x="0" y="120000"/>
+                </a:lnTo>
+                <a:close/>
+              </a:path>
+            </a:pathLst>
+          </a:custGeom>
+          <a:noFill/>
+          <a:ln w="9525" cap="flat" cmpd="sng">
+            <a:solidFill>
+              <a:srgbClr val="000000"/>
+            </a:solidFill>
+            <a:prstDash val="solid"/>
+            <a:round/>
+            <a:headEnd type="none" w="sm" len="sm"/>
+            <a:tailEnd type="none" w="sm" len="sm"/>
+          </a:ln>
+        </p:spPr>
+      </p:sp>
+      <p:sp>
+        <p:nvSpPr>
+          <p:cNvPr id="173" name="Google Shape;173;g2cd30dbf4aa_0_267:notes">
+            <a:extLst>
+              <a:ext uri="{FF2B5EF4-FFF2-40B4-BE49-F238E27FC236}">
+                <a16:creationId xmlns:a16="http://schemas.microsoft.com/office/drawing/2014/main" id="{4FEF3520-B365-FA86-D330-C6CC4CDF9A98}"/>
+              </a:ext>
+            </a:extLst>
+          </p:cNvPr>
+          <p:cNvSpPr txBox="1">
+            <a:spLocks noGrp="1"/>
+          </p:cNvSpPr>
+          <p:nvPr>
+            <p:ph type="body" idx="1"/>
+          </p:nvPr>
+        </p:nvSpPr>
+        <p:spPr>
+          <a:xfrm>
+            <a:off x="685800" y="4343400"/>
+            <a:ext cx="5486400" cy="4114800"/>
+          </a:xfrm>
+          <a:prstGeom prst="rect">
+            <a:avLst/>
+          </a:prstGeom>
+          <a:noFill/>
+          <a:ln>
+            <a:noFill/>
+          </a:ln>
+        </p:spPr>
+        <p:txBody>
+          <a:bodyPr spcFirstLastPara="1" wrap="square" lIns="91425" tIns="91425" rIns="91425" bIns="91425" anchor="t" anchorCtr="0">
+            <a:noAutofit/>
+          </a:bodyPr>
+          <a:lstStyle/>
+          <a:p>
+            <a:pPr marL="0" lvl="0" indent="0" algn="l" rtl="0">
+              <a:lnSpc>
+                <a:spcPct val="100000"/>
+              </a:lnSpc>
+              <a:spcBef>
+                <a:spcPts val="0"/>
+              </a:spcBef>
+              <a:spcAft>
+                <a:spcPts val="0"/>
+              </a:spcAft>
+              <a:buSzPts val="1100"/>
+              <a:buNone/>
+            </a:pPr>
+            <a:endParaRPr/>
+          </a:p>
+        </p:txBody>
+      </p:sp>
+    </p:spTree>
+    <p:extLst>
+      <p:ext uri="{BB962C8B-B14F-4D97-AF65-F5344CB8AC3E}">
+        <p14:creationId xmlns:p14="http://schemas.microsoft.com/office/powerpoint/2010/main" val="2582903137"/>
+      </p:ext>
+    </p:extLst>
+  </p:cSld>
+  <p:clrMapOvr>
+    <a:masterClrMapping/>
+  </p:clrMapOvr>
+</p:notes>
+</file>
+
+<file path=ppt/notesSlides/notesSlide22.xml><?xml version="1.0" encoding="utf-8"?>
+<p:notes xmlns:a="http://schemas.openxmlformats.org/drawingml/2006/main" xmlns:r="http://schemas.openxmlformats.org/officeDocument/2006/relationships" xmlns:p="http://schemas.openxmlformats.org/presentationml/2006/main" showMasterSp="0" showMasterPhAnim="0">
+  <p:cSld>
+    <p:spTree>
+      <p:nvGrpSpPr>
+        <p:cNvPr id="1" name="Shape 171">
+          <a:extLst>
+            <a:ext uri="{FF2B5EF4-FFF2-40B4-BE49-F238E27FC236}">
+              <a16:creationId xmlns:a16="http://schemas.microsoft.com/office/drawing/2014/main" id="{C04C842F-DDCA-CB46-1C42-61FFCB2E379D}"/>
+            </a:ext>
+          </a:extLst>
+        </p:cNvPr>
+        <p:cNvGrpSpPr/>
+        <p:nvPr/>
+      </p:nvGrpSpPr>
+      <p:grpSpPr>
+        <a:xfrm>
+          <a:off x="0" y="0"/>
+          <a:ext cx="0" cy="0"/>
+          <a:chOff x="0" y="0"/>
+          <a:chExt cx="0" cy="0"/>
+        </a:xfrm>
+      </p:grpSpPr>
+      <p:sp>
+        <p:nvSpPr>
+          <p:cNvPr id="172" name="Google Shape;172;g2cd30dbf4aa_0_267:notes">
+            <a:extLst>
+              <a:ext uri="{FF2B5EF4-FFF2-40B4-BE49-F238E27FC236}">
+                <a16:creationId xmlns:a16="http://schemas.microsoft.com/office/drawing/2014/main" id="{447466BA-6D33-123E-8CC9-08C6E5C157F7}"/>
+              </a:ext>
+            </a:extLst>
+          </p:cNvPr>
+          <p:cNvSpPr>
+            <a:spLocks noGrp="1" noRot="1" noChangeAspect="1"/>
+          </p:cNvSpPr>
+          <p:nvPr>
+            <p:ph type="sldImg" idx="2"/>
+          </p:nvPr>
+        </p:nvSpPr>
+        <p:spPr>
+          <a:xfrm>
+            <a:off x="381000" y="685800"/>
+            <a:ext cx="6096000" cy="3429000"/>
+          </a:xfrm>
+          <a:custGeom>
+            <a:avLst/>
+            <a:gdLst/>
+            <a:ahLst/>
+            <a:cxnLst/>
+            <a:rect l="l" t="t" r="r" b="b"/>
+            <a:pathLst>
+              <a:path w="120000" h="120000" extrusionOk="0">
+                <a:moveTo>
+                  <a:pt x="0" y="0"/>
+                </a:moveTo>
+                <a:lnTo>
+                  <a:pt x="120000" y="0"/>
+                </a:lnTo>
+                <a:lnTo>
+                  <a:pt x="120000" y="120000"/>
+                </a:lnTo>
+                <a:lnTo>
+                  <a:pt x="0" y="120000"/>
+                </a:lnTo>
+                <a:close/>
+              </a:path>
+            </a:pathLst>
+          </a:custGeom>
+          <a:noFill/>
+          <a:ln w="9525" cap="flat" cmpd="sng">
+            <a:solidFill>
+              <a:srgbClr val="000000"/>
+            </a:solidFill>
+            <a:prstDash val="solid"/>
+            <a:round/>
+            <a:headEnd type="none" w="sm" len="sm"/>
+            <a:tailEnd type="none" w="sm" len="sm"/>
+          </a:ln>
+        </p:spPr>
+      </p:sp>
+      <p:sp>
+        <p:nvSpPr>
+          <p:cNvPr id="173" name="Google Shape;173;g2cd30dbf4aa_0_267:notes">
+            <a:extLst>
+              <a:ext uri="{FF2B5EF4-FFF2-40B4-BE49-F238E27FC236}">
+                <a16:creationId xmlns:a16="http://schemas.microsoft.com/office/drawing/2014/main" id="{4F8AC419-2C0E-ED6E-5628-C4AE2558CC25}"/>
+              </a:ext>
+            </a:extLst>
+          </p:cNvPr>
+          <p:cNvSpPr txBox="1">
+            <a:spLocks noGrp="1"/>
+          </p:cNvSpPr>
+          <p:nvPr>
+            <p:ph type="body" idx="1"/>
+          </p:nvPr>
+        </p:nvSpPr>
+        <p:spPr>
+          <a:xfrm>
+            <a:off x="685800" y="4343400"/>
+            <a:ext cx="5486400" cy="4114800"/>
+          </a:xfrm>
+          <a:prstGeom prst="rect">
+            <a:avLst/>
+          </a:prstGeom>
+          <a:noFill/>
+          <a:ln>
+            <a:noFill/>
+          </a:ln>
+        </p:spPr>
+        <p:txBody>
+          <a:bodyPr spcFirstLastPara="1" wrap="square" lIns="91425" tIns="91425" rIns="91425" bIns="91425" anchor="t" anchorCtr="0">
+            <a:noAutofit/>
+          </a:bodyPr>
+          <a:lstStyle/>
+          <a:p>
+            <a:pPr marL="0" lvl="0" indent="0" algn="l" rtl="0">
+              <a:lnSpc>
+                <a:spcPct val="100000"/>
+              </a:lnSpc>
+              <a:spcBef>
+                <a:spcPts val="0"/>
+              </a:spcBef>
+              <a:spcAft>
+                <a:spcPts val="0"/>
+              </a:spcAft>
+              <a:buSzPts val="1100"/>
+              <a:buNone/>
+            </a:pPr>
+            <a:endParaRPr/>
+          </a:p>
+        </p:txBody>
+      </p:sp>
+    </p:spTree>
+    <p:extLst>
+      <p:ext uri="{BB962C8B-B14F-4D97-AF65-F5344CB8AC3E}">
+        <p14:creationId xmlns:p14="http://schemas.microsoft.com/office/powerpoint/2010/main" val="3808089897"/>
+      </p:ext>
+    </p:extLst>
+  </p:cSld>
+  <p:clrMapOvr>
+    <a:masterClrMapping/>
+  </p:clrMapOvr>
+</p:notes>
+</file>
+
+<file path=ppt/notesSlides/notesSlide23.xml><?xml version="1.0" encoding="utf-8"?>
 <p:notes xmlns:a="http://schemas.openxmlformats.org/drawingml/2006/main" xmlns:r="http://schemas.openxmlformats.org/officeDocument/2006/relationships" xmlns:p="http://schemas.openxmlformats.org/presentationml/2006/main" showMasterSp="0" showMasterPhAnim="0">
   <p:cSld>
     <p:spTree>
@@ -1294,7 +3022,7 @@
 </p:notes>
 </file>
 
-<file path=ppt/notesSlides/notesSlide13.xml><?xml version="1.0" encoding="utf-8"?>
+<file path=ppt/notesSlides/notesSlide24.xml><?xml version="1.0" encoding="utf-8"?>
 <p:notes xmlns:a="http://schemas.openxmlformats.org/drawingml/2006/main" xmlns:r="http://schemas.openxmlformats.org/officeDocument/2006/relationships" xmlns:p="http://schemas.openxmlformats.org/presentationml/2006/main" showMasterSp="0" showMasterPhAnim="0">
   <p:cSld>
     <p:spTree>
@@ -1439,7 +3167,7 @@
 </p:notes>
 </file>
 
-<file path=ppt/notesSlides/notesSlide14.xml><?xml version="1.0" encoding="utf-8"?>
+<file path=ppt/notesSlides/notesSlide25.xml><?xml version="1.0" encoding="utf-8"?>
 <p:notes xmlns:a="http://schemas.openxmlformats.org/drawingml/2006/main" xmlns:r="http://schemas.openxmlformats.org/officeDocument/2006/relationships" xmlns:p="http://schemas.openxmlformats.org/presentationml/2006/main" showMasterSp="0" showMasterPhAnim="0">
   <p:cSld>
     <p:spTree>
@@ -1584,7 +3312,7 @@
 </p:notes>
 </file>
 
-<file path=ppt/notesSlides/notesSlide15.xml><?xml version="1.0" encoding="utf-8"?>
+<file path=ppt/notesSlides/notesSlide26.xml><?xml version="1.0" encoding="utf-8"?>
 <p:notes xmlns:a="http://schemas.openxmlformats.org/drawingml/2006/main" xmlns:r="http://schemas.openxmlformats.org/officeDocument/2006/relationships" xmlns:p="http://schemas.openxmlformats.org/presentationml/2006/main" showMasterSp="0" showMasterPhAnim="0">
   <p:cSld>
     <p:spTree>
@@ -1729,7 +3457,7 @@
 </p:notes>
 </file>
 
-<file path=ppt/notesSlides/notesSlide16.xml><?xml version="1.0" encoding="utf-8"?>
+<file path=ppt/notesSlides/notesSlide27.xml><?xml version="1.0" encoding="utf-8"?>
 <p:notes xmlns:a="http://schemas.openxmlformats.org/drawingml/2006/main" xmlns:r="http://schemas.openxmlformats.org/officeDocument/2006/relationships" xmlns:p="http://schemas.openxmlformats.org/presentationml/2006/main" showMasterSp="0" showMasterPhAnim="0">
   <p:cSld>
     <p:spTree>
@@ -1874,7 +3602,7 @@
 </p:notes>
 </file>
 
-<file path=ppt/notesSlides/notesSlide17.xml><?xml version="1.0" encoding="utf-8"?>
+<file path=ppt/notesSlides/notesSlide28.xml><?xml version="1.0" encoding="utf-8"?>
 <p:notes xmlns:a="http://schemas.openxmlformats.org/drawingml/2006/main" xmlns:r="http://schemas.openxmlformats.org/officeDocument/2006/relationships" xmlns:p="http://schemas.openxmlformats.org/presentationml/2006/main" showMasterSp="0" showMasterPhAnim="0">
   <p:cSld>
     <p:spTree>
@@ -2019,7 +3747,7 @@
 </p:notes>
 </file>
 
-<file path=ppt/notesSlides/notesSlide18.xml><?xml version="1.0" encoding="utf-8"?>
+<file path=ppt/notesSlides/notesSlide29.xml><?xml version="1.0" encoding="utf-8"?>
 <p:notes xmlns:a="http://schemas.openxmlformats.org/drawingml/2006/main" xmlns:r="http://schemas.openxmlformats.org/officeDocument/2006/relationships" xmlns:p="http://schemas.openxmlformats.org/presentationml/2006/main" showMasterSp="0" showMasterPhAnim="0">
   <p:cSld>
     <p:spTree>
@@ -2164,7 +3892,129 @@
 </p:notes>
 </file>
 
-<file path=ppt/notesSlides/notesSlide19.xml><?xml version="1.0" encoding="utf-8"?>
+<file path=ppt/notesSlides/notesSlide3.xml><?xml version="1.0" encoding="utf-8"?>
+<p:notes xmlns:a="http://schemas.openxmlformats.org/drawingml/2006/main" xmlns:r="http://schemas.openxmlformats.org/officeDocument/2006/relationships" xmlns:p="http://schemas.openxmlformats.org/presentationml/2006/main" showMasterSp="0" showMasterPhAnim="0">
+  <p:cSld>
+    <p:spTree>
+      <p:nvGrpSpPr>
+        <p:cNvPr id="1" name="Shape 159"/>
+        <p:cNvGrpSpPr/>
+        <p:nvPr/>
+      </p:nvGrpSpPr>
+      <p:grpSpPr>
+        <a:xfrm>
+          <a:off x="0" y="0"/>
+          <a:ext cx="0" cy="0"/>
+          <a:chOff x="0" y="0"/>
+          <a:chExt cx="0" cy="0"/>
+        </a:xfrm>
+      </p:grpSpPr>
+      <p:sp>
+        <p:nvSpPr>
+          <p:cNvPr id="160" name="Google Shape;160;g2cd30dbf4aa_0_262:notes"/>
+          <p:cNvSpPr>
+            <a:spLocks noGrp="1" noRot="1" noChangeAspect="1"/>
+          </p:cNvSpPr>
+          <p:nvPr>
+            <p:ph type="sldImg" idx="2"/>
+          </p:nvPr>
+        </p:nvSpPr>
+        <p:spPr>
+          <a:xfrm>
+            <a:off x="381000" y="685800"/>
+            <a:ext cx="6096000" cy="3429000"/>
+          </a:xfrm>
+          <a:custGeom>
+            <a:avLst/>
+            <a:gdLst/>
+            <a:ahLst/>
+            <a:cxnLst/>
+            <a:rect l="l" t="t" r="r" b="b"/>
+            <a:pathLst>
+              <a:path w="120000" h="120000" extrusionOk="0">
+                <a:moveTo>
+                  <a:pt x="0" y="0"/>
+                </a:moveTo>
+                <a:lnTo>
+                  <a:pt x="120000" y="0"/>
+                </a:lnTo>
+                <a:lnTo>
+                  <a:pt x="120000" y="120000"/>
+                </a:lnTo>
+                <a:lnTo>
+                  <a:pt x="0" y="120000"/>
+                </a:lnTo>
+                <a:close/>
+              </a:path>
+            </a:pathLst>
+          </a:custGeom>
+          <a:noFill/>
+          <a:ln w="9525" cap="flat" cmpd="sng">
+            <a:solidFill>
+              <a:srgbClr val="000000"/>
+            </a:solidFill>
+            <a:prstDash val="solid"/>
+            <a:round/>
+            <a:headEnd type="none" w="sm" len="sm"/>
+            <a:tailEnd type="none" w="sm" len="sm"/>
+          </a:ln>
+        </p:spPr>
+      </p:sp>
+      <p:sp>
+        <p:nvSpPr>
+          <p:cNvPr id="161" name="Google Shape;161;g2cd30dbf4aa_0_262:notes"/>
+          <p:cNvSpPr txBox="1">
+            <a:spLocks noGrp="1"/>
+          </p:cNvSpPr>
+          <p:nvPr>
+            <p:ph type="body" idx="1"/>
+          </p:nvPr>
+        </p:nvSpPr>
+        <p:spPr>
+          <a:xfrm>
+            <a:off x="685800" y="4343400"/>
+            <a:ext cx="5486400" cy="4114800"/>
+          </a:xfrm>
+          <a:prstGeom prst="rect">
+            <a:avLst/>
+          </a:prstGeom>
+          <a:noFill/>
+          <a:ln>
+            <a:noFill/>
+          </a:ln>
+        </p:spPr>
+        <p:txBody>
+          <a:bodyPr spcFirstLastPara="1" wrap="square" lIns="91425" tIns="91425" rIns="91425" bIns="91425" anchor="t" anchorCtr="0">
+            <a:noAutofit/>
+          </a:bodyPr>
+          <a:lstStyle/>
+          <a:p>
+            <a:pPr marL="0" lvl="0" indent="0" algn="l" rtl="0">
+              <a:lnSpc>
+                <a:spcPct val="100000"/>
+              </a:lnSpc>
+              <a:spcBef>
+                <a:spcPts val="0"/>
+              </a:spcBef>
+              <a:spcAft>
+                <a:spcPts val="0"/>
+              </a:spcAft>
+              <a:buSzPts val="1100"/>
+              <a:buNone/>
+            </a:pPr>
+            <a:endParaRPr/>
+          </a:p>
+        </p:txBody>
+      </p:sp>
+    </p:spTree>
+  </p:cSld>
+  <p:clrMapOvr>
+    <a:masterClrMapping/>
+  </p:clrMapOvr>
+</p:notes>
+</file>
+
+<file path=ppt/notesSlides/notesSlide30.xml><?xml version="1.0" encoding="utf-8"?>
 <p:notes xmlns:a="http://schemas.openxmlformats.org/drawingml/2006/main" xmlns:r="http://schemas.openxmlformats.org/officeDocument/2006/relationships" xmlns:p="http://schemas.openxmlformats.org/presentationml/2006/main" showMasterSp="0" showMasterPhAnim="0">
   <p:cSld>
     <p:spTree>
@@ -2286,129 +4136,7 @@
 </p:notes>
 </file>
 
-<file path=ppt/notesSlides/notesSlide2.xml><?xml version="1.0" encoding="utf-8"?>
-<p:notes xmlns:a="http://schemas.openxmlformats.org/drawingml/2006/main" xmlns:r="http://schemas.openxmlformats.org/officeDocument/2006/relationships" xmlns:p="http://schemas.openxmlformats.org/presentationml/2006/main" showMasterSp="0" showMasterPhAnim="0">
-  <p:cSld>
-    <p:spTree>
-      <p:nvGrpSpPr>
-        <p:cNvPr id="1" name="Shape 153"/>
-        <p:cNvGrpSpPr/>
-        <p:nvPr/>
-      </p:nvGrpSpPr>
-      <p:grpSpPr>
-        <a:xfrm>
-          <a:off x="0" y="0"/>
-          <a:ext cx="0" cy="0"/>
-          <a:chOff x="0" y="0"/>
-          <a:chExt cx="0" cy="0"/>
-        </a:xfrm>
-      </p:grpSpPr>
-      <p:sp>
-        <p:nvSpPr>
-          <p:cNvPr id="154" name="Google Shape;154;g2cd30dbf4aa_0_257:notes"/>
-          <p:cNvSpPr>
-            <a:spLocks noGrp="1" noRot="1" noChangeAspect="1"/>
-          </p:cNvSpPr>
-          <p:nvPr>
-            <p:ph type="sldImg" idx="2"/>
-          </p:nvPr>
-        </p:nvSpPr>
-        <p:spPr>
-          <a:xfrm>
-            <a:off x="381300" y="685800"/>
-            <a:ext cx="6096000" cy="3429000"/>
-          </a:xfrm>
-          <a:custGeom>
-            <a:avLst/>
-            <a:gdLst/>
-            <a:ahLst/>
-            <a:cxnLst/>
-            <a:rect l="l" t="t" r="r" b="b"/>
-            <a:pathLst>
-              <a:path w="120000" h="120000" extrusionOk="0">
-                <a:moveTo>
-                  <a:pt x="0" y="0"/>
-                </a:moveTo>
-                <a:lnTo>
-                  <a:pt x="120000" y="0"/>
-                </a:lnTo>
-                <a:lnTo>
-                  <a:pt x="120000" y="120000"/>
-                </a:lnTo>
-                <a:lnTo>
-                  <a:pt x="0" y="120000"/>
-                </a:lnTo>
-                <a:close/>
-              </a:path>
-            </a:pathLst>
-          </a:custGeom>
-          <a:noFill/>
-          <a:ln w="9525" cap="flat" cmpd="sng">
-            <a:solidFill>
-              <a:srgbClr val="000000"/>
-            </a:solidFill>
-            <a:prstDash val="solid"/>
-            <a:round/>
-            <a:headEnd type="none" w="sm" len="sm"/>
-            <a:tailEnd type="none" w="sm" len="sm"/>
-          </a:ln>
-        </p:spPr>
-      </p:sp>
-      <p:sp>
-        <p:nvSpPr>
-          <p:cNvPr id="155" name="Google Shape;155;g2cd30dbf4aa_0_257:notes"/>
-          <p:cNvSpPr txBox="1">
-            <a:spLocks noGrp="1"/>
-          </p:cNvSpPr>
-          <p:nvPr>
-            <p:ph type="body" idx="1"/>
-          </p:nvPr>
-        </p:nvSpPr>
-        <p:spPr>
-          <a:xfrm>
-            <a:off x="685800" y="4343400"/>
-            <a:ext cx="5486400" cy="4114800"/>
-          </a:xfrm>
-          <a:prstGeom prst="rect">
-            <a:avLst/>
-          </a:prstGeom>
-          <a:noFill/>
-          <a:ln>
-            <a:noFill/>
-          </a:ln>
-        </p:spPr>
-        <p:txBody>
-          <a:bodyPr spcFirstLastPara="1" wrap="square" lIns="91425" tIns="91425" rIns="91425" bIns="91425" anchor="t" anchorCtr="0">
-            <a:noAutofit/>
-          </a:bodyPr>
-          <a:lstStyle/>
-          <a:p>
-            <a:pPr marL="0" lvl="0" indent="0" algn="l" rtl="0">
-              <a:lnSpc>
-                <a:spcPct val="100000"/>
-              </a:lnSpc>
-              <a:spcBef>
-                <a:spcPts val="0"/>
-              </a:spcBef>
-              <a:spcAft>
-                <a:spcPts val="0"/>
-              </a:spcAft>
-              <a:buSzPts val="1100"/>
-              <a:buNone/>
-            </a:pPr>
-            <a:endParaRPr/>
-          </a:p>
-        </p:txBody>
-      </p:sp>
-    </p:spTree>
-  </p:cSld>
-  <p:clrMapOvr>
-    <a:masterClrMapping/>
-  </p:clrMapOvr>
-</p:notes>
-</file>
-
-<file path=ppt/notesSlides/notesSlide20.xml><?xml version="1.0" encoding="utf-8"?>
+<file path=ppt/notesSlides/notesSlide31.xml><?xml version="1.0" encoding="utf-8"?>
 <p:notes xmlns:a="http://schemas.openxmlformats.org/drawingml/2006/main" xmlns:r="http://schemas.openxmlformats.org/officeDocument/2006/relationships" xmlns:p="http://schemas.openxmlformats.org/presentationml/2006/main" showMasterSp="0" showMasterPhAnim="0">
   <p:cSld>
     <p:spTree>
@@ -2553,7 +4281,7 @@
 </p:notes>
 </file>
 
-<file path=ppt/notesSlides/notesSlide21.xml><?xml version="1.0" encoding="utf-8"?>
+<file path=ppt/notesSlides/notesSlide32.xml><?xml version="1.0" encoding="utf-8"?>
 <p:notes xmlns:a="http://schemas.openxmlformats.org/drawingml/2006/main" xmlns:r="http://schemas.openxmlformats.org/officeDocument/2006/relationships" xmlns:p="http://schemas.openxmlformats.org/presentationml/2006/main" showMasterSp="0" showMasterPhAnim="0">
   <p:cSld>
     <p:spTree>
@@ -2698,7 +4426,7 @@
 </p:notes>
 </file>
 
-<file path=ppt/notesSlides/notesSlide22.xml><?xml version="1.0" encoding="utf-8"?>
+<file path=ppt/notesSlides/notesSlide33.xml><?xml version="1.0" encoding="utf-8"?>
 <p:notes xmlns:a="http://schemas.openxmlformats.org/drawingml/2006/main" xmlns:r="http://schemas.openxmlformats.org/officeDocument/2006/relationships" xmlns:p="http://schemas.openxmlformats.org/presentationml/2006/main" showMasterSp="0" showMasterPhAnim="0">
   <p:cSld>
     <p:spTree>
@@ -2843,7 +4571,7 @@
 </p:notes>
 </file>
 
-<file path=ppt/notesSlides/notesSlide23.xml><?xml version="1.0" encoding="utf-8"?>
+<file path=ppt/notesSlides/notesSlide34.xml><?xml version="1.0" encoding="utf-8"?>
 <p:notes xmlns:a="http://schemas.openxmlformats.org/drawingml/2006/main" xmlns:r="http://schemas.openxmlformats.org/officeDocument/2006/relationships" xmlns:p="http://schemas.openxmlformats.org/presentationml/2006/main" showMasterSp="0" showMasterPhAnim="0">
   <p:cSld>
     <p:spTree>
@@ -2965,7 +4693,7 @@
 </p:notes>
 </file>
 
-<file path=ppt/notesSlides/notesSlide24.xml><?xml version="1.0" encoding="utf-8"?>
+<file path=ppt/notesSlides/notesSlide35.xml><?xml version="1.0" encoding="utf-8"?>
 <p:notes xmlns:a="http://schemas.openxmlformats.org/drawingml/2006/main" xmlns:r="http://schemas.openxmlformats.org/officeDocument/2006/relationships" xmlns:p="http://schemas.openxmlformats.org/presentationml/2006/main" showMasterSp="0" showMasterPhAnim="0">
   <p:cSld>
     <p:spTree>
@@ -3087,7 +4815,7 @@
 </p:notes>
 </file>
 
-<file path=ppt/notesSlides/notesSlide25.xml><?xml version="1.0" encoding="utf-8"?>
+<file path=ppt/notesSlides/notesSlide36.xml><?xml version="1.0" encoding="utf-8"?>
 <p:notes xmlns:a="http://schemas.openxmlformats.org/drawingml/2006/main" xmlns:r="http://schemas.openxmlformats.org/officeDocument/2006/relationships" xmlns:p="http://schemas.openxmlformats.org/presentationml/2006/main" showMasterSp="0" showMasterPhAnim="0">
   <p:cSld>
     <p:spTree>
@@ -3209,7 +4937,7 @@
 </p:notes>
 </file>
 
-<file path=ppt/notesSlides/notesSlide26.xml><?xml version="1.0" encoding="utf-8"?>
+<file path=ppt/notesSlides/notesSlide37.xml><?xml version="1.0" encoding="utf-8"?>
 <p:notes xmlns:a="http://schemas.openxmlformats.org/drawingml/2006/main" xmlns:r="http://schemas.openxmlformats.org/officeDocument/2006/relationships" xmlns:p="http://schemas.openxmlformats.org/presentationml/2006/main" showMasterSp="0" showMasterPhAnim="0">
   <p:cSld>
     <p:spTree>
@@ -3331,7 +5059,7 @@
 </p:notes>
 </file>
 
-<file path=ppt/notesSlides/notesSlide27.xml><?xml version="1.0" encoding="utf-8"?>
+<file path=ppt/notesSlides/notesSlide38.xml><?xml version="1.0" encoding="utf-8"?>
 <p:notes xmlns:a="http://schemas.openxmlformats.org/drawingml/2006/main" xmlns:r="http://schemas.openxmlformats.org/officeDocument/2006/relationships" xmlns:p="http://schemas.openxmlformats.org/presentationml/2006/main" showMasterSp="0" showMasterPhAnim="0">
   <p:cSld>
     <p:spTree>
@@ -3501,7 +5229,7 @@
                 <a:cs typeface="Calibri"/>
                 <a:sym typeface="Calibri"/>
               </a:rPr>
-              <a:t>30</a:t>
+              <a:t>41</a:t>
             </a:fld>
             <a:endParaRPr sz="1200" b="0" i="0" u="none" strike="noStrike" cap="none">
               <a:solidFill>
@@ -3582,128 +5310,6 @@
               <a:cs typeface="Arial"/>
               <a:sym typeface="Arial"/>
             </a:endParaRPr>
-          </a:p>
-        </p:txBody>
-      </p:sp>
-    </p:spTree>
-  </p:cSld>
-  <p:clrMapOvr>
-    <a:masterClrMapping/>
-  </p:clrMapOvr>
-</p:notes>
-</file>
-
-<file path=ppt/notesSlides/notesSlide3.xml><?xml version="1.0" encoding="utf-8"?>
-<p:notes xmlns:a="http://schemas.openxmlformats.org/drawingml/2006/main" xmlns:r="http://schemas.openxmlformats.org/officeDocument/2006/relationships" xmlns:p="http://schemas.openxmlformats.org/presentationml/2006/main" showMasterSp="0" showMasterPhAnim="0">
-  <p:cSld>
-    <p:spTree>
-      <p:nvGrpSpPr>
-        <p:cNvPr id="1" name="Shape 159"/>
-        <p:cNvGrpSpPr/>
-        <p:nvPr/>
-      </p:nvGrpSpPr>
-      <p:grpSpPr>
-        <a:xfrm>
-          <a:off x="0" y="0"/>
-          <a:ext cx="0" cy="0"/>
-          <a:chOff x="0" y="0"/>
-          <a:chExt cx="0" cy="0"/>
-        </a:xfrm>
-      </p:grpSpPr>
-      <p:sp>
-        <p:nvSpPr>
-          <p:cNvPr id="160" name="Google Shape;160;g2cd30dbf4aa_0_262:notes"/>
-          <p:cNvSpPr>
-            <a:spLocks noGrp="1" noRot="1" noChangeAspect="1"/>
-          </p:cNvSpPr>
-          <p:nvPr>
-            <p:ph type="sldImg" idx="2"/>
-          </p:nvPr>
-        </p:nvSpPr>
-        <p:spPr>
-          <a:xfrm>
-            <a:off x="381000" y="685800"/>
-            <a:ext cx="6096000" cy="3429000"/>
-          </a:xfrm>
-          <a:custGeom>
-            <a:avLst/>
-            <a:gdLst/>
-            <a:ahLst/>
-            <a:cxnLst/>
-            <a:rect l="l" t="t" r="r" b="b"/>
-            <a:pathLst>
-              <a:path w="120000" h="120000" extrusionOk="0">
-                <a:moveTo>
-                  <a:pt x="0" y="0"/>
-                </a:moveTo>
-                <a:lnTo>
-                  <a:pt x="120000" y="0"/>
-                </a:lnTo>
-                <a:lnTo>
-                  <a:pt x="120000" y="120000"/>
-                </a:lnTo>
-                <a:lnTo>
-                  <a:pt x="0" y="120000"/>
-                </a:lnTo>
-                <a:close/>
-              </a:path>
-            </a:pathLst>
-          </a:custGeom>
-          <a:noFill/>
-          <a:ln w="9525" cap="flat" cmpd="sng">
-            <a:solidFill>
-              <a:srgbClr val="000000"/>
-            </a:solidFill>
-            <a:prstDash val="solid"/>
-            <a:round/>
-            <a:headEnd type="none" w="sm" len="sm"/>
-            <a:tailEnd type="none" w="sm" len="sm"/>
-          </a:ln>
-        </p:spPr>
-      </p:sp>
-      <p:sp>
-        <p:nvSpPr>
-          <p:cNvPr id="161" name="Google Shape;161;g2cd30dbf4aa_0_262:notes"/>
-          <p:cNvSpPr txBox="1">
-            <a:spLocks noGrp="1"/>
-          </p:cNvSpPr>
-          <p:nvPr>
-            <p:ph type="body" idx="1"/>
-          </p:nvPr>
-        </p:nvSpPr>
-        <p:spPr>
-          <a:xfrm>
-            <a:off x="685800" y="4343400"/>
-            <a:ext cx="5486400" cy="4114800"/>
-          </a:xfrm>
-          <a:prstGeom prst="rect">
-            <a:avLst/>
-          </a:prstGeom>
-          <a:noFill/>
-          <a:ln>
-            <a:noFill/>
-          </a:ln>
-        </p:spPr>
-        <p:txBody>
-          <a:bodyPr spcFirstLastPara="1" wrap="square" lIns="91425" tIns="91425" rIns="91425" bIns="91425" anchor="t" anchorCtr="0">
-            <a:noAutofit/>
-          </a:bodyPr>
-          <a:lstStyle/>
-          <a:p>
-            <a:pPr marL="0" lvl="0" indent="0" algn="l" rtl="0">
-              <a:lnSpc>
-                <a:spcPct val="100000"/>
-              </a:lnSpc>
-              <a:spcBef>
-                <a:spcPts val="0"/>
-              </a:spcBef>
-              <a:spcAft>
-                <a:spcPts val="0"/>
-              </a:spcAft>
-              <a:buSzPts val="1100"/>
-              <a:buNone/>
-            </a:pPr>
-            <a:endParaRPr/>
           </a:p>
         </p:txBody>
       </p:sp>
@@ -4280,151 +5886,6 @@
         <p:cNvPr id="1" name="Shape 159">
           <a:extLst>
             <a:ext uri="{FF2B5EF4-FFF2-40B4-BE49-F238E27FC236}">
-              <a16:creationId xmlns:a16="http://schemas.microsoft.com/office/drawing/2014/main" id="{9EEDC441-E887-6078-F500-23C752F2F2F0}"/>
-            </a:ext>
-          </a:extLst>
-        </p:cNvPr>
-        <p:cNvGrpSpPr/>
-        <p:nvPr/>
-      </p:nvGrpSpPr>
-      <p:grpSpPr>
-        <a:xfrm>
-          <a:off x="0" y="0"/>
-          <a:ext cx="0" cy="0"/>
-          <a:chOff x="0" y="0"/>
-          <a:chExt cx="0" cy="0"/>
-        </a:xfrm>
-      </p:grpSpPr>
-      <p:sp>
-        <p:nvSpPr>
-          <p:cNvPr id="160" name="Google Shape;160;g2cd30dbf4aa_0_262:notes">
-            <a:extLst>
-              <a:ext uri="{FF2B5EF4-FFF2-40B4-BE49-F238E27FC236}">
-                <a16:creationId xmlns:a16="http://schemas.microsoft.com/office/drawing/2014/main" id="{7249EADF-1C41-AC1D-36B5-DF94AC96EFE0}"/>
-              </a:ext>
-            </a:extLst>
-          </p:cNvPr>
-          <p:cNvSpPr>
-            <a:spLocks noGrp="1" noRot="1" noChangeAspect="1"/>
-          </p:cNvSpPr>
-          <p:nvPr>
-            <p:ph type="sldImg" idx="2"/>
-          </p:nvPr>
-        </p:nvSpPr>
-        <p:spPr>
-          <a:xfrm>
-            <a:off x="381000" y="685800"/>
-            <a:ext cx="6096000" cy="3429000"/>
-          </a:xfrm>
-          <a:custGeom>
-            <a:avLst/>
-            <a:gdLst/>
-            <a:ahLst/>
-            <a:cxnLst/>
-            <a:rect l="l" t="t" r="r" b="b"/>
-            <a:pathLst>
-              <a:path w="120000" h="120000" extrusionOk="0">
-                <a:moveTo>
-                  <a:pt x="0" y="0"/>
-                </a:moveTo>
-                <a:lnTo>
-                  <a:pt x="120000" y="0"/>
-                </a:lnTo>
-                <a:lnTo>
-                  <a:pt x="120000" y="120000"/>
-                </a:lnTo>
-                <a:lnTo>
-                  <a:pt x="0" y="120000"/>
-                </a:lnTo>
-                <a:close/>
-              </a:path>
-            </a:pathLst>
-          </a:custGeom>
-          <a:noFill/>
-          <a:ln w="9525" cap="flat" cmpd="sng">
-            <a:solidFill>
-              <a:srgbClr val="000000"/>
-            </a:solidFill>
-            <a:prstDash val="solid"/>
-            <a:round/>
-            <a:headEnd type="none" w="sm" len="sm"/>
-            <a:tailEnd type="none" w="sm" len="sm"/>
-          </a:ln>
-        </p:spPr>
-      </p:sp>
-      <p:sp>
-        <p:nvSpPr>
-          <p:cNvPr id="161" name="Google Shape;161;g2cd30dbf4aa_0_262:notes">
-            <a:extLst>
-              <a:ext uri="{FF2B5EF4-FFF2-40B4-BE49-F238E27FC236}">
-                <a16:creationId xmlns:a16="http://schemas.microsoft.com/office/drawing/2014/main" id="{7E4DAE81-FD50-B50F-9074-6973CD8D96B9}"/>
-              </a:ext>
-            </a:extLst>
-          </p:cNvPr>
-          <p:cNvSpPr txBox="1">
-            <a:spLocks noGrp="1"/>
-          </p:cNvSpPr>
-          <p:nvPr>
-            <p:ph type="body" idx="1"/>
-          </p:nvPr>
-        </p:nvSpPr>
-        <p:spPr>
-          <a:xfrm>
-            <a:off x="685800" y="4343400"/>
-            <a:ext cx="5486400" cy="4114800"/>
-          </a:xfrm>
-          <a:prstGeom prst="rect">
-            <a:avLst/>
-          </a:prstGeom>
-          <a:noFill/>
-          <a:ln>
-            <a:noFill/>
-          </a:ln>
-        </p:spPr>
-        <p:txBody>
-          <a:bodyPr spcFirstLastPara="1" wrap="square" lIns="91425" tIns="91425" rIns="91425" bIns="91425" anchor="t" anchorCtr="0">
-            <a:noAutofit/>
-          </a:bodyPr>
-          <a:lstStyle/>
-          <a:p>
-            <a:pPr marL="0" lvl="0" indent="0" algn="l" rtl="0">
-              <a:lnSpc>
-                <a:spcPct val="100000"/>
-              </a:lnSpc>
-              <a:spcBef>
-                <a:spcPts val="0"/>
-              </a:spcBef>
-              <a:spcAft>
-                <a:spcPts val="0"/>
-              </a:spcAft>
-              <a:buSzPts val="1100"/>
-              <a:buNone/>
-            </a:pPr>
-            <a:endParaRPr/>
-          </a:p>
-        </p:txBody>
-      </p:sp>
-    </p:spTree>
-    <p:extLst>
-      <p:ext uri="{BB962C8B-B14F-4D97-AF65-F5344CB8AC3E}">
-        <p14:creationId xmlns:p14="http://schemas.microsoft.com/office/powerpoint/2010/main" val="1488198340"/>
-      </p:ext>
-    </p:extLst>
-  </p:cSld>
-  <p:clrMapOvr>
-    <a:masterClrMapping/>
-  </p:clrMapOvr>
-</p:notes>
-</file>
-
-<file path=ppt/notesSlides/notesSlide9.xml><?xml version="1.0" encoding="utf-8"?>
-<p:notes xmlns:a="http://schemas.openxmlformats.org/drawingml/2006/main" xmlns:r="http://schemas.openxmlformats.org/officeDocument/2006/relationships" xmlns:p="http://schemas.openxmlformats.org/presentationml/2006/main" showMasterSp="0" showMasterPhAnim="0">
-  <p:cSld>
-    <p:spTree>
-      <p:nvGrpSpPr>
-        <p:cNvPr id="1" name="Shape 159">
-          <a:extLst>
-            <a:ext uri="{FF2B5EF4-FFF2-40B4-BE49-F238E27FC236}">
               <a16:creationId xmlns:a16="http://schemas.microsoft.com/office/drawing/2014/main" id="{23E6E1BE-294C-EB53-FBBD-A03A26598780}"/>
             </a:ext>
           </a:extLst>
@@ -4553,6 +6014,151 @@
     <p:extLst>
       <p:ext uri="{BB962C8B-B14F-4D97-AF65-F5344CB8AC3E}">
         <p14:creationId xmlns:p14="http://schemas.microsoft.com/office/powerpoint/2010/main" val="392626638"/>
+      </p:ext>
+    </p:extLst>
+  </p:cSld>
+  <p:clrMapOvr>
+    <a:masterClrMapping/>
+  </p:clrMapOvr>
+</p:notes>
+</file>
+
+<file path=ppt/notesSlides/notesSlide9.xml><?xml version="1.0" encoding="utf-8"?>
+<p:notes xmlns:a="http://schemas.openxmlformats.org/drawingml/2006/main" xmlns:r="http://schemas.openxmlformats.org/officeDocument/2006/relationships" xmlns:p="http://schemas.openxmlformats.org/presentationml/2006/main" showMasterSp="0" showMasterPhAnim="0">
+  <p:cSld>
+    <p:spTree>
+      <p:nvGrpSpPr>
+        <p:cNvPr id="1" name="Shape 159">
+          <a:extLst>
+            <a:ext uri="{FF2B5EF4-FFF2-40B4-BE49-F238E27FC236}">
+              <a16:creationId xmlns:a16="http://schemas.microsoft.com/office/drawing/2014/main" id="{7726BCA9-B956-D9AC-4210-D263F26C66DB}"/>
+            </a:ext>
+          </a:extLst>
+        </p:cNvPr>
+        <p:cNvGrpSpPr/>
+        <p:nvPr/>
+      </p:nvGrpSpPr>
+      <p:grpSpPr>
+        <a:xfrm>
+          <a:off x="0" y="0"/>
+          <a:ext cx="0" cy="0"/>
+          <a:chOff x="0" y="0"/>
+          <a:chExt cx="0" cy="0"/>
+        </a:xfrm>
+      </p:grpSpPr>
+      <p:sp>
+        <p:nvSpPr>
+          <p:cNvPr id="160" name="Google Shape;160;g2cd30dbf4aa_0_262:notes">
+            <a:extLst>
+              <a:ext uri="{FF2B5EF4-FFF2-40B4-BE49-F238E27FC236}">
+                <a16:creationId xmlns:a16="http://schemas.microsoft.com/office/drawing/2014/main" id="{A4236E8E-BAEF-6FA4-0BC6-E49782CD78F4}"/>
+              </a:ext>
+            </a:extLst>
+          </p:cNvPr>
+          <p:cNvSpPr>
+            <a:spLocks noGrp="1" noRot="1" noChangeAspect="1"/>
+          </p:cNvSpPr>
+          <p:nvPr>
+            <p:ph type="sldImg" idx="2"/>
+          </p:nvPr>
+        </p:nvSpPr>
+        <p:spPr>
+          <a:xfrm>
+            <a:off x="381000" y="685800"/>
+            <a:ext cx="6096000" cy="3429000"/>
+          </a:xfrm>
+          <a:custGeom>
+            <a:avLst/>
+            <a:gdLst/>
+            <a:ahLst/>
+            <a:cxnLst/>
+            <a:rect l="l" t="t" r="r" b="b"/>
+            <a:pathLst>
+              <a:path w="120000" h="120000" extrusionOk="0">
+                <a:moveTo>
+                  <a:pt x="0" y="0"/>
+                </a:moveTo>
+                <a:lnTo>
+                  <a:pt x="120000" y="0"/>
+                </a:lnTo>
+                <a:lnTo>
+                  <a:pt x="120000" y="120000"/>
+                </a:lnTo>
+                <a:lnTo>
+                  <a:pt x="0" y="120000"/>
+                </a:lnTo>
+                <a:close/>
+              </a:path>
+            </a:pathLst>
+          </a:custGeom>
+          <a:noFill/>
+          <a:ln w="9525" cap="flat" cmpd="sng">
+            <a:solidFill>
+              <a:srgbClr val="000000"/>
+            </a:solidFill>
+            <a:prstDash val="solid"/>
+            <a:round/>
+            <a:headEnd type="none" w="sm" len="sm"/>
+            <a:tailEnd type="none" w="sm" len="sm"/>
+          </a:ln>
+        </p:spPr>
+      </p:sp>
+      <p:sp>
+        <p:nvSpPr>
+          <p:cNvPr id="161" name="Google Shape;161;g2cd30dbf4aa_0_262:notes">
+            <a:extLst>
+              <a:ext uri="{FF2B5EF4-FFF2-40B4-BE49-F238E27FC236}">
+                <a16:creationId xmlns:a16="http://schemas.microsoft.com/office/drawing/2014/main" id="{F0493C87-025F-0197-CF68-4FBED7B726BB}"/>
+              </a:ext>
+            </a:extLst>
+          </p:cNvPr>
+          <p:cNvSpPr txBox="1">
+            <a:spLocks noGrp="1"/>
+          </p:cNvSpPr>
+          <p:nvPr>
+            <p:ph type="body" idx="1"/>
+          </p:nvPr>
+        </p:nvSpPr>
+        <p:spPr>
+          <a:xfrm>
+            <a:off x="685800" y="4343400"/>
+            <a:ext cx="5486400" cy="4114800"/>
+          </a:xfrm>
+          <a:prstGeom prst="rect">
+            <a:avLst/>
+          </a:prstGeom>
+          <a:noFill/>
+          <a:ln>
+            <a:noFill/>
+          </a:ln>
+        </p:spPr>
+        <p:txBody>
+          <a:bodyPr spcFirstLastPara="1" wrap="square" lIns="91425" tIns="91425" rIns="91425" bIns="91425" anchor="t" anchorCtr="0">
+            <a:noAutofit/>
+          </a:bodyPr>
+          <a:lstStyle/>
+          <a:p>
+            <a:pPr marL="0" lvl="0" indent="0" algn="l" rtl="0">
+              <a:lnSpc>
+                <a:spcPct val="100000"/>
+              </a:lnSpc>
+              <a:spcBef>
+                <a:spcPts val="0"/>
+              </a:spcBef>
+              <a:spcAft>
+                <a:spcPts val="0"/>
+              </a:spcAft>
+              <a:buSzPts val="1100"/>
+              <a:buNone/>
+            </a:pPr>
+            <a:endParaRPr/>
+          </a:p>
+        </p:txBody>
+      </p:sp>
+    </p:spTree>
+    <p:extLst>
+      <p:ext uri="{BB962C8B-B14F-4D97-AF65-F5344CB8AC3E}">
+        <p14:creationId xmlns:p14="http://schemas.microsoft.com/office/powerpoint/2010/main" val="3034927284"/>
       </p:ext>
     </p:extLst>
   </p:cSld>
@@ -26432,276 +28038,6 @@
         <p:cNvPr id="1" name="Shape 162">
           <a:extLst>
             <a:ext uri="{FF2B5EF4-FFF2-40B4-BE49-F238E27FC236}">
-              <a16:creationId xmlns:a16="http://schemas.microsoft.com/office/drawing/2014/main" id="{E4839317-0214-7D57-A6D8-624516C57989}"/>
-            </a:ext>
-          </a:extLst>
-        </p:cNvPr>
-        <p:cNvGrpSpPr/>
-        <p:nvPr/>
-      </p:nvGrpSpPr>
-      <p:grpSpPr>
-        <a:xfrm>
-          <a:off x="0" y="0"/>
-          <a:ext cx="0" cy="0"/>
-          <a:chOff x="0" y="0"/>
-          <a:chExt cx="0" cy="0"/>
-        </a:xfrm>
-      </p:grpSpPr>
-      <p:sp>
-        <p:nvSpPr>
-          <p:cNvPr id="163" name="Google Shape;163;p37">
-            <a:extLst>
-              <a:ext uri="{FF2B5EF4-FFF2-40B4-BE49-F238E27FC236}">
-                <a16:creationId xmlns:a16="http://schemas.microsoft.com/office/drawing/2014/main" id="{9CBB8115-3BD4-2DCB-5D12-07B358C07EAF}"/>
-              </a:ext>
-            </a:extLst>
-          </p:cNvPr>
-          <p:cNvSpPr txBox="1">
-            <a:spLocks noGrp="1"/>
-          </p:cNvSpPr>
-          <p:nvPr>
-            <p:ph type="title"/>
-          </p:nvPr>
-        </p:nvSpPr>
-        <p:spPr>
-          <a:xfrm>
-            <a:off x="202550" y="289275"/>
-            <a:ext cx="7712700" cy="810900"/>
-          </a:xfrm>
-          <a:prstGeom prst="rect">
-            <a:avLst/>
-          </a:prstGeom>
-          <a:noFill/>
-          <a:ln>
-            <a:noFill/>
-          </a:ln>
-        </p:spPr>
-        <p:txBody>
-          <a:bodyPr spcFirstLastPara="1" wrap="square" lIns="91425" tIns="91425" rIns="91425" bIns="91425" anchor="t" anchorCtr="0">
-            <a:noAutofit/>
-          </a:bodyPr>
-          <a:lstStyle/>
-          <a:p>
-            <a:pPr marL="0" lvl="0" indent="0" algn="l" rtl="0">
-              <a:lnSpc>
-                <a:spcPct val="100000"/>
-              </a:lnSpc>
-              <a:spcBef>
-                <a:spcPts val="0"/>
-              </a:spcBef>
-              <a:spcAft>
-                <a:spcPts val="0"/>
-              </a:spcAft>
-              <a:buSzPts val="2200"/>
-              <a:buNone/>
-            </a:pPr>
-            <a:r>
-              <a:rPr lang="en" dirty="0">
-                <a:solidFill>
-                  <a:schemeClr val="lt2"/>
-                </a:solidFill>
-                <a:latin typeface="Century Gothic"/>
-                <a:ea typeface="Century Gothic"/>
-                <a:cs typeface="Century Gothic"/>
-                <a:sym typeface="Century Gothic"/>
-              </a:rPr>
-              <a:t>Ground Truth Dataset</a:t>
-            </a:r>
-            <a:endParaRPr dirty="0">
-              <a:solidFill>
-                <a:schemeClr val="lt2"/>
-              </a:solidFill>
-              <a:latin typeface="Century Gothic"/>
-              <a:ea typeface="Century Gothic"/>
-              <a:cs typeface="Century Gothic"/>
-              <a:sym typeface="Century Gothic"/>
-            </a:endParaRPr>
-          </a:p>
-        </p:txBody>
-      </p:sp>
-      <p:sp>
-        <p:nvSpPr>
-          <p:cNvPr id="164" name="Google Shape;164;p37">
-            <a:extLst>
-              <a:ext uri="{FF2B5EF4-FFF2-40B4-BE49-F238E27FC236}">
-                <a16:creationId xmlns:a16="http://schemas.microsoft.com/office/drawing/2014/main" id="{8D15651F-7758-630E-7A60-49F0B4B515D2}"/>
-              </a:ext>
-            </a:extLst>
-          </p:cNvPr>
-          <p:cNvSpPr txBox="1">
-            <a:spLocks noGrp="1"/>
-          </p:cNvSpPr>
-          <p:nvPr>
-            <p:ph type="body" idx="1"/>
-          </p:nvPr>
-        </p:nvSpPr>
-        <p:spPr>
-          <a:xfrm>
-            <a:off x="202550" y="988643"/>
-            <a:ext cx="8629800" cy="3631483"/>
-          </a:xfrm>
-          <a:prstGeom prst="rect">
-            <a:avLst/>
-          </a:prstGeom>
-          <a:noFill/>
-          <a:ln>
-            <a:noFill/>
-          </a:ln>
-        </p:spPr>
-        <p:txBody>
-          <a:bodyPr spcFirstLastPara="1" wrap="square" lIns="91425" tIns="91425" rIns="91425" bIns="91425" anchor="t" anchorCtr="0">
-            <a:noAutofit/>
-          </a:bodyPr>
-          <a:lstStyle/>
-          <a:p>
-            <a:pPr marL="139700" indent="0">
-              <a:spcBef>
-                <a:spcPts val="1000"/>
-              </a:spcBef>
-              <a:buClr>
-                <a:schemeClr val="dk1"/>
-              </a:buClr>
-              <a:buSzPts val="1400"/>
-              <a:buNone/>
-            </a:pPr>
-            <a:r>
-              <a:rPr lang="en-US" sz="1400" b="1" dirty="0"/>
-              <a:t>Ground Truth Summary:</a:t>
-            </a:r>
-          </a:p>
-          <a:p>
-            <a:pPr marL="139700" indent="0">
-              <a:spcBef>
-                <a:spcPts val="400"/>
-              </a:spcBef>
-              <a:buClr>
-                <a:schemeClr val="dk1"/>
-              </a:buClr>
-              <a:buSzPts val="1400"/>
-              <a:buNone/>
-            </a:pPr>
-            <a:endParaRPr lang="en-US" sz="700" b="1" dirty="0"/>
-          </a:p>
-          <a:p>
-            <a:pPr marL="133350" indent="0">
-              <a:buNone/>
-            </a:pPr>
-            <a:r>
-              <a:rPr lang="en-US" sz="1400" b="1" dirty="0"/>
-              <a:t>Ground Truth</a:t>
-            </a:r>
-            <a:r>
-              <a:rPr lang="en-US" sz="1400" dirty="0"/>
-              <a:t> (</a:t>
-            </a:r>
-            <a:r>
-              <a:rPr lang="en-US" sz="1400" b="1" dirty="0"/>
-              <a:t>GT</a:t>
-            </a:r>
-            <a:r>
-              <a:rPr lang="en-US" sz="1400" dirty="0"/>
-              <a:t>) is a subset of the data with manually created verified, correct labels that represent the known right answers. It is used as a benchmark to measure how well the prompts perform. Without it, accuracy, precision, recall, or F1-scores cannot be calculated. It should be recognized that since it was created manually, it is subject to human biases.</a:t>
-            </a:r>
-          </a:p>
-          <a:p>
-            <a:pPr marL="133350" indent="0">
-              <a:buNone/>
-            </a:pPr>
-            <a:endParaRPr lang="en-US" sz="1400" dirty="0"/>
-          </a:p>
-          <a:p>
-            <a:pPr marL="133350" indent="0">
-              <a:buNone/>
-            </a:pPr>
-            <a:r>
-              <a:rPr lang="en-US" sz="1400" dirty="0"/>
-              <a:t>To create the </a:t>
-            </a:r>
-            <a:r>
-              <a:rPr lang="en-US" sz="1400" b="1" dirty="0"/>
-              <a:t>GT</a:t>
-            </a:r>
-            <a:r>
-              <a:rPr lang="en-US" sz="1400" dirty="0"/>
-              <a:t>, 36 reviews were selected from the dataset. Each one was examined, then manually classified as </a:t>
-            </a:r>
-            <a:r>
-              <a:rPr lang="en-US" sz="1400" b="1" dirty="0"/>
-              <a:t>Positive</a:t>
-            </a:r>
-            <a:r>
-              <a:rPr lang="en-US" sz="1400" dirty="0"/>
-              <a:t>, </a:t>
-            </a:r>
-            <a:r>
-              <a:rPr lang="en-US" sz="1400" b="1" dirty="0"/>
-              <a:t>Negative</a:t>
-            </a:r>
-            <a:r>
-              <a:rPr lang="en-US" sz="1400" dirty="0"/>
-              <a:t>, or </a:t>
-            </a:r>
-            <a:r>
-              <a:rPr lang="en-US" sz="1400" b="1" dirty="0"/>
-              <a:t>Neutral</a:t>
-            </a:r>
-            <a:r>
-              <a:rPr lang="en-US" sz="1400" dirty="0"/>
-              <a:t>, and assigned appropriate tags This was saved as the reference dataset. This step must be completed before running any prompts to prevent bias.</a:t>
-            </a:r>
-          </a:p>
-          <a:p>
-            <a:pPr marL="133350" indent="0">
-              <a:buNone/>
-            </a:pPr>
-            <a:endParaRPr lang="en-US" sz="1400" dirty="0"/>
-          </a:p>
-          <a:p>
-            <a:pPr marL="133350" indent="0">
-              <a:buNone/>
-            </a:pPr>
-            <a:r>
-              <a:rPr lang="en-US" sz="1400" dirty="0"/>
-              <a:t>To use, each prompt variation was run on the raw version of the rows in the GT.  The models’ raw data output was compared against the </a:t>
-            </a:r>
-            <a:r>
-              <a:rPr lang="en-US" sz="1400" b="1" dirty="0"/>
-              <a:t>GT. </a:t>
-            </a:r>
-            <a:r>
-              <a:rPr lang="en-US" sz="1400" dirty="0"/>
-              <a:t>This technique was used to select the best performer of each prompt type.</a:t>
-            </a:r>
-          </a:p>
-          <a:p>
-            <a:pPr marL="133350" indent="0">
-              <a:buNone/>
-            </a:pPr>
-            <a:endParaRPr lang="en-US" sz="700" dirty="0"/>
-          </a:p>
-        </p:txBody>
-      </p:sp>
-    </p:spTree>
-    <p:extLst>
-      <p:ext uri="{BB962C8B-B14F-4D97-AF65-F5344CB8AC3E}">
-        <p14:creationId xmlns:p14="http://schemas.microsoft.com/office/powerpoint/2010/main" val="2963530775"/>
-      </p:ext>
-    </p:extLst>
-  </p:cSld>
-  <p:clrMapOvr>
-    <a:masterClrMapping/>
-  </p:clrMapOvr>
-</p:sld>
-</file>
-
-<file path=ppt/slides/slide12.xml><?xml version="1.0" encoding="utf-8"?>
-<p:sld xmlns:a="http://schemas.openxmlformats.org/drawingml/2006/main" xmlns:r="http://schemas.openxmlformats.org/officeDocument/2006/relationships" xmlns:p="http://schemas.openxmlformats.org/presentationml/2006/main">
-  <p:cSld>
-    <p:spTree>
-      <p:nvGrpSpPr>
-        <p:cNvPr id="1" name="Shape 162">
-          <a:extLst>
-            <a:ext uri="{FF2B5EF4-FFF2-40B4-BE49-F238E27FC236}">
               <a16:creationId xmlns:a16="http://schemas.microsoft.com/office/drawing/2014/main" id="{A69A9308-F83F-3C84-FE51-72CE48D33AE0}"/>
             </a:ext>
           </a:extLst>
@@ -26964,7 +28300,7 @@
 </p:sld>
 </file>
 
-<file path=ppt/slides/slide13.xml><?xml version="1.0" encoding="utf-8"?>
+<file path=ppt/slides/slide12.xml><?xml version="1.0" encoding="utf-8"?>
 <p:sld xmlns:a="http://schemas.openxmlformats.org/drawingml/2006/main" xmlns:r="http://schemas.openxmlformats.org/officeDocument/2006/relationships" xmlns:p="http://schemas.openxmlformats.org/presentationml/2006/main">
   <p:cSld>
     <p:spTree>
@@ -27102,7 +28438,764 @@
 </p:sld>
 </file>
 
+<file path=ppt/slides/slide13.xml><?xml version="1.0" encoding="utf-8"?>
+<p:sld xmlns:a="http://schemas.openxmlformats.org/drawingml/2006/main" xmlns:r="http://schemas.openxmlformats.org/officeDocument/2006/relationships" xmlns:p="http://schemas.openxmlformats.org/presentationml/2006/main">
+  <p:cSld>
+    <p:spTree>
+      <p:nvGrpSpPr>
+        <p:cNvPr id="1" name="Shape 162">
+          <a:extLst>
+            <a:ext uri="{FF2B5EF4-FFF2-40B4-BE49-F238E27FC236}">
+              <a16:creationId xmlns:a16="http://schemas.microsoft.com/office/drawing/2014/main" id="{7F5AE10A-0CE3-5C31-E3B1-EF1C655B36D0}"/>
+            </a:ext>
+          </a:extLst>
+        </p:cNvPr>
+        <p:cNvGrpSpPr/>
+        <p:nvPr/>
+      </p:nvGrpSpPr>
+      <p:grpSpPr>
+        <a:xfrm>
+          <a:off x="0" y="0"/>
+          <a:ext cx="0" cy="0"/>
+          <a:chOff x="0" y="0"/>
+          <a:chExt cx="0" cy="0"/>
+        </a:xfrm>
+      </p:grpSpPr>
+      <p:sp>
+        <p:nvSpPr>
+          <p:cNvPr id="163" name="Google Shape;163;p37">
+            <a:extLst>
+              <a:ext uri="{FF2B5EF4-FFF2-40B4-BE49-F238E27FC236}">
+                <a16:creationId xmlns:a16="http://schemas.microsoft.com/office/drawing/2014/main" id="{3AF7DC33-0C4A-A5F7-79DB-0CD9C98E9937}"/>
+              </a:ext>
+            </a:extLst>
+          </p:cNvPr>
+          <p:cNvSpPr txBox="1">
+            <a:spLocks noGrp="1"/>
+          </p:cNvSpPr>
+          <p:nvPr>
+            <p:ph type="title"/>
+          </p:nvPr>
+        </p:nvSpPr>
+        <p:spPr>
+          <a:xfrm>
+            <a:off x="202550" y="289275"/>
+            <a:ext cx="7712700" cy="506528"/>
+          </a:xfrm>
+          <a:prstGeom prst="rect">
+            <a:avLst/>
+          </a:prstGeom>
+          <a:noFill/>
+          <a:ln>
+            <a:noFill/>
+          </a:ln>
+        </p:spPr>
+        <p:txBody>
+          <a:bodyPr spcFirstLastPara="1" wrap="square" lIns="91425" tIns="91425" rIns="91425" bIns="91425" anchor="t" anchorCtr="0">
+            <a:noAutofit/>
+          </a:bodyPr>
+          <a:lstStyle/>
+          <a:p>
+            <a:pPr marL="0" lvl="0" indent="0" algn="l" rtl="0">
+              <a:lnSpc>
+                <a:spcPct val="100000"/>
+              </a:lnSpc>
+              <a:spcBef>
+                <a:spcPts val="0"/>
+              </a:spcBef>
+              <a:spcAft>
+                <a:spcPts val="0"/>
+              </a:spcAft>
+              <a:buSzPts val="2200"/>
+              <a:buNone/>
+            </a:pPr>
+            <a:r>
+              <a:rPr lang="en" dirty="0">
+                <a:solidFill>
+                  <a:schemeClr val="lt2"/>
+                </a:solidFill>
+                <a:latin typeface="Century Gothic"/>
+                <a:ea typeface="Century Gothic"/>
+                <a:cs typeface="Century Gothic"/>
+                <a:sym typeface="Century Gothic"/>
+              </a:rPr>
+              <a:t>Ground Truth Dataset</a:t>
+            </a:r>
+            <a:endParaRPr dirty="0">
+              <a:solidFill>
+                <a:schemeClr val="lt2"/>
+              </a:solidFill>
+              <a:latin typeface="Century Gothic"/>
+              <a:ea typeface="Century Gothic"/>
+              <a:cs typeface="Century Gothic"/>
+              <a:sym typeface="Century Gothic"/>
+            </a:endParaRPr>
+          </a:p>
+        </p:txBody>
+      </p:sp>
+      <p:pic>
+        <p:nvPicPr>
+          <p:cNvPr id="3" name="Picture 2">
+            <a:extLst>
+              <a:ext uri="{FF2B5EF4-FFF2-40B4-BE49-F238E27FC236}">
+                <a16:creationId xmlns:a16="http://schemas.microsoft.com/office/drawing/2014/main" id="{4759C6B4-ABF5-94E0-E15B-C7529597E32B}"/>
+              </a:ext>
+            </a:extLst>
+          </p:cNvPr>
+          <p:cNvPicPr>
+            <a:picLocks noChangeAspect="1"/>
+          </p:cNvPicPr>
+          <p:nvPr/>
+        </p:nvPicPr>
+        <p:blipFill>
+          <a:blip r:embed="rId3"/>
+          <a:stretch>
+            <a:fillRect/>
+          </a:stretch>
+        </p:blipFill>
+        <p:spPr>
+          <a:xfrm>
+            <a:off x="2197124" y="795803"/>
+            <a:ext cx="3942419" cy="3186118"/>
+          </a:xfrm>
+          <a:prstGeom prst="rect">
+            <a:avLst/>
+          </a:prstGeom>
+        </p:spPr>
+      </p:pic>
+      <p:sp>
+        <p:nvSpPr>
+          <p:cNvPr id="4" name="Text Placeholder 2">
+            <a:extLst>
+              <a:ext uri="{FF2B5EF4-FFF2-40B4-BE49-F238E27FC236}">
+                <a16:creationId xmlns:a16="http://schemas.microsoft.com/office/drawing/2014/main" id="{9E28A5E3-6D28-BB6A-8905-17544EAC28AA}"/>
+              </a:ext>
+            </a:extLst>
+          </p:cNvPr>
+          <p:cNvSpPr>
+            <a:spLocks noGrp="1"/>
+          </p:cNvSpPr>
+          <p:nvPr>
+            <p:ph type="body" idx="1"/>
+          </p:nvPr>
+        </p:nvSpPr>
+        <p:spPr>
+          <a:xfrm>
+            <a:off x="257100" y="4147329"/>
+            <a:ext cx="8629800" cy="572700"/>
+          </a:xfrm>
+        </p:spPr>
+        <p:txBody>
+          <a:bodyPr/>
+          <a:lstStyle/>
+          <a:p>
+            <a:r>
+              <a:rPr lang="en-US" dirty="0"/>
+              <a:t>Plot illustrating distribution </a:t>
+            </a:r>
+            <a:r>
+              <a:rPr lang="en-US" b="1" dirty="0"/>
+              <a:t>Ground Truth</a:t>
+            </a:r>
+            <a:r>
+              <a:rPr lang="en-US" dirty="0"/>
+              <a:t> </a:t>
+            </a:r>
+            <a:r>
+              <a:rPr lang="en-US" b="1" dirty="0"/>
+              <a:t>Categories</a:t>
+            </a:r>
+          </a:p>
+        </p:txBody>
+      </p:sp>
+    </p:spTree>
+    <p:extLst>
+      <p:ext uri="{BB962C8B-B14F-4D97-AF65-F5344CB8AC3E}">
+        <p14:creationId xmlns:p14="http://schemas.microsoft.com/office/powerpoint/2010/main" val="2935312434"/>
+      </p:ext>
+    </p:extLst>
+  </p:cSld>
+  <p:clrMapOvr>
+    <a:masterClrMapping/>
+  </p:clrMapOvr>
+</p:sld>
+</file>
+
 <file path=ppt/slides/slide14.xml><?xml version="1.0" encoding="utf-8"?>
+<p:sld xmlns:a="http://schemas.openxmlformats.org/drawingml/2006/main" xmlns:r="http://schemas.openxmlformats.org/officeDocument/2006/relationships" xmlns:p="http://schemas.openxmlformats.org/presentationml/2006/main">
+  <p:cSld>
+    <p:spTree>
+      <p:nvGrpSpPr>
+        <p:cNvPr id="1" name="Shape 174">
+          <a:extLst>
+            <a:ext uri="{FF2B5EF4-FFF2-40B4-BE49-F238E27FC236}">
+              <a16:creationId xmlns:a16="http://schemas.microsoft.com/office/drawing/2014/main" id="{BAA0CB2C-77F9-EC2A-53A3-251FF7DC4D9B}"/>
+            </a:ext>
+          </a:extLst>
+        </p:cNvPr>
+        <p:cNvGrpSpPr/>
+        <p:nvPr/>
+      </p:nvGrpSpPr>
+      <p:grpSpPr>
+        <a:xfrm>
+          <a:off x="0" y="0"/>
+          <a:ext cx="0" cy="0"/>
+          <a:chOff x="0" y="0"/>
+          <a:chExt cx="0" cy="0"/>
+        </a:xfrm>
+      </p:grpSpPr>
+      <p:sp>
+        <p:nvSpPr>
+          <p:cNvPr id="175" name="Google Shape;175;p39">
+            <a:extLst>
+              <a:ext uri="{FF2B5EF4-FFF2-40B4-BE49-F238E27FC236}">
+                <a16:creationId xmlns:a16="http://schemas.microsoft.com/office/drawing/2014/main" id="{8FDD59EA-6FCD-8149-74E0-2B16B97240C1}"/>
+              </a:ext>
+            </a:extLst>
+          </p:cNvPr>
+          <p:cNvSpPr txBox="1">
+            <a:spLocks noGrp="1"/>
+          </p:cNvSpPr>
+          <p:nvPr>
+            <p:ph type="title"/>
+          </p:nvPr>
+        </p:nvSpPr>
+        <p:spPr>
+          <a:xfrm>
+            <a:off x="202550" y="62396"/>
+            <a:ext cx="8520600" cy="572700"/>
+          </a:xfrm>
+          <a:prstGeom prst="rect">
+            <a:avLst/>
+          </a:prstGeom>
+          <a:noFill/>
+          <a:ln>
+            <a:noFill/>
+          </a:ln>
+        </p:spPr>
+        <p:txBody>
+          <a:bodyPr spcFirstLastPara="1" wrap="square" lIns="91425" tIns="91425" rIns="91425" bIns="91425" anchor="t" anchorCtr="0">
+            <a:noAutofit/>
+          </a:bodyPr>
+          <a:lstStyle/>
+          <a:p>
+            <a:pPr lvl="0"/>
+            <a:r>
+              <a:rPr lang="en" dirty="0">
+                <a:solidFill>
+                  <a:schemeClr val="lt2"/>
+                </a:solidFill>
+                <a:latin typeface="Century Gothic"/>
+                <a:ea typeface="Century Gothic"/>
+                <a:cs typeface="Century Gothic"/>
+                <a:sym typeface="Century Gothic"/>
+              </a:rPr>
+              <a:t>Ground Truth Dataset</a:t>
+            </a:r>
+            <a:endParaRPr dirty="0">
+              <a:solidFill>
+                <a:schemeClr val="lt2"/>
+              </a:solidFill>
+              <a:latin typeface="Century Gothic"/>
+              <a:ea typeface="Century Gothic"/>
+              <a:cs typeface="Century Gothic"/>
+              <a:sym typeface="Century Gothic"/>
+            </a:endParaRPr>
+          </a:p>
+        </p:txBody>
+      </p:sp>
+      <p:sp>
+        <p:nvSpPr>
+          <p:cNvPr id="3" name="Text Placeholder 2">
+            <a:extLst>
+              <a:ext uri="{FF2B5EF4-FFF2-40B4-BE49-F238E27FC236}">
+                <a16:creationId xmlns:a16="http://schemas.microsoft.com/office/drawing/2014/main" id="{65444FC1-8FD7-A655-2666-1893E290488C}"/>
+              </a:ext>
+            </a:extLst>
+          </p:cNvPr>
+          <p:cNvSpPr>
+            <a:spLocks noGrp="1"/>
+          </p:cNvSpPr>
+          <p:nvPr>
+            <p:ph type="body" idx="1"/>
+          </p:nvPr>
+        </p:nvSpPr>
+        <p:spPr>
+          <a:xfrm>
+            <a:off x="147950" y="4320415"/>
+            <a:ext cx="8629800" cy="572700"/>
+          </a:xfrm>
+        </p:spPr>
+        <p:txBody>
+          <a:bodyPr/>
+          <a:lstStyle/>
+          <a:p>
+            <a:r>
+              <a:rPr lang="en-US" dirty="0"/>
+              <a:t>Plot illustrating distribution of </a:t>
+            </a:r>
+            <a:r>
+              <a:rPr lang="en-US" b="1" dirty="0"/>
+              <a:t>Tags</a:t>
+            </a:r>
+          </a:p>
+        </p:txBody>
+      </p:sp>
+      <p:pic>
+        <p:nvPicPr>
+          <p:cNvPr id="11" name="Picture 10">
+            <a:extLst>
+              <a:ext uri="{FF2B5EF4-FFF2-40B4-BE49-F238E27FC236}">
+                <a16:creationId xmlns:a16="http://schemas.microsoft.com/office/drawing/2014/main" id="{7DA6551B-064D-5EAF-D586-E7A883F2EB34}"/>
+              </a:ext>
+            </a:extLst>
+          </p:cNvPr>
+          <p:cNvPicPr>
+            <a:picLocks noChangeAspect="1"/>
+          </p:cNvPicPr>
+          <p:nvPr/>
+        </p:nvPicPr>
+        <p:blipFill>
+          <a:blip r:embed="rId3"/>
+          <a:stretch>
+            <a:fillRect/>
+          </a:stretch>
+        </p:blipFill>
+        <p:spPr>
+          <a:xfrm>
+            <a:off x="1003570" y="682281"/>
+            <a:ext cx="6098500" cy="3638134"/>
+          </a:xfrm>
+          <a:prstGeom prst="rect">
+            <a:avLst/>
+          </a:prstGeom>
+        </p:spPr>
+      </p:pic>
+    </p:spTree>
+    <p:extLst>
+      <p:ext uri="{BB962C8B-B14F-4D97-AF65-F5344CB8AC3E}">
+        <p14:creationId xmlns:p14="http://schemas.microsoft.com/office/powerpoint/2010/main" val="2682121816"/>
+      </p:ext>
+    </p:extLst>
+  </p:cSld>
+  <p:clrMapOvr>
+    <a:masterClrMapping/>
+  </p:clrMapOvr>
+</p:sld>
+</file>
+
+<file path=ppt/slides/slide15.xml><?xml version="1.0" encoding="utf-8"?>
+<p:sld xmlns:a="http://schemas.openxmlformats.org/drawingml/2006/main" xmlns:r="http://schemas.openxmlformats.org/officeDocument/2006/relationships" xmlns:p="http://schemas.openxmlformats.org/presentationml/2006/main">
+  <p:cSld>
+    <p:spTree>
+      <p:nvGrpSpPr>
+        <p:cNvPr id="1" name="Shape 174">
+          <a:extLst>
+            <a:ext uri="{FF2B5EF4-FFF2-40B4-BE49-F238E27FC236}">
+              <a16:creationId xmlns:a16="http://schemas.microsoft.com/office/drawing/2014/main" id="{785843D1-19C2-5F26-A8F1-7E44266954B1}"/>
+            </a:ext>
+          </a:extLst>
+        </p:cNvPr>
+        <p:cNvGrpSpPr/>
+        <p:nvPr/>
+      </p:nvGrpSpPr>
+      <p:grpSpPr>
+        <a:xfrm>
+          <a:off x="0" y="0"/>
+          <a:ext cx="0" cy="0"/>
+          <a:chOff x="0" y="0"/>
+          <a:chExt cx="0" cy="0"/>
+        </a:xfrm>
+      </p:grpSpPr>
+      <p:sp>
+        <p:nvSpPr>
+          <p:cNvPr id="175" name="Google Shape;175;p39">
+            <a:extLst>
+              <a:ext uri="{FF2B5EF4-FFF2-40B4-BE49-F238E27FC236}">
+                <a16:creationId xmlns:a16="http://schemas.microsoft.com/office/drawing/2014/main" id="{8F200033-6F31-FEFA-F93D-C9B00D031331}"/>
+              </a:ext>
+            </a:extLst>
+          </p:cNvPr>
+          <p:cNvSpPr txBox="1">
+            <a:spLocks noGrp="1"/>
+          </p:cNvSpPr>
+          <p:nvPr>
+            <p:ph type="title"/>
+          </p:nvPr>
+        </p:nvSpPr>
+        <p:spPr>
+          <a:xfrm>
+            <a:off x="202550" y="-20108"/>
+            <a:ext cx="8520600" cy="572700"/>
+          </a:xfrm>
+          <a:prstGeom prst="rect">
+            <a:avLst/>
+          </a:prstGeom>
+          <a:noFill/>
+          <a:ln>
+            <a:noFill/>
+          </a:ln>
+        </p:spPr>
+        <p:txBody>
+          <a:bodyPr spcFirstLastPara="1" wrap="square" lIns="91425" tIns="91425" rIns="91425" bIns="91425" anchor="t" anchorCtr="0">
+            <a:noAutofit/>
+          </a:bodyPr>
+          <a:lstStyle/>
+          <a:p>
+            <a:pPr marL="0" lvl="0" indent="0" algn="l" rtl="0">
+              <a:lnSpc>
+                <a:spcPct val="100000"/>
+              </a:lnSpc>
+              <a:spcBef>
+                <a:spcPts val="0"/>
+              </a:spcBef>
+              <a:spcAft>
+                <a:spcPts val="0"/>
+              </a:spcAft>
+              <a:buSzPts val="2200"/>
+              <a:buNone/>
+            </a:pPr>
+            <a:r>
+              <a:rPr lang="en" dirty="0">
+                <a:solidFill>
+                  <a:schemeClr val="lt2"/>
+                </a:solidFill>
+                <a:latin typeface="Century Gothic"/>
+                <a:ea typeface="Century Gothic"/>
+                <a:cs typeface="Century Gothic"/>
+                <a:sym typeface="Century Gothic"/>
+              </a:rPr>
+              <a:t>Original Zero-Shot Prompt</a:t>
+            </a:r>
+            <a:endParaRPr dirty="0">
+              <a:solidFill>
+                <a:schemeClr val="lt2"/>
+              </a:solidFill>
+              <a:latin typeface="Century Gothic"/>
+              <a:ea typeface="Century Gothic"/>
+              <a:cs typeface="Century Gothic"/>
+              <a:sym typeface="Century Gothic"/>
+            </a:endParaRPr>
+          </a:p>
+        </p:txBody>
+      </p:sp>
+      <p:sp>
+        <p:nvSpPr>
+          <p:cNvPr id="176" name="Google Shape;176;p39">
+            <a:extLst>
+              <a:ext uri="{FF2B5EF4-FFF2-40B4-BE49-F238E27FC236}">
+                <a16:creationId xmlns:a16="http://schemas.microsoft.com/office/drawing/2014/main" id="{23995F36-ADE1-4C3C-2D8C-DE1218AB26F5}"/>
+              </a:ext>
+            </a:extLst>
+          </p:cNvPr>
+          <p:cNvSpPr txBox="1">
+            <a:spLocks noGrp="1"/>
+          </p:cNvSpPr>
+          <p:nvPr>
+            <p:ph type="body" idx="1"/>
+          </p:nvPr>
+        </p:nvSpPr>
+        <p:spPr>
+          <a:xfrm>
+            <a:off x="257100" y="394462"/>
+            <a:ext cx="8629800" cy="4596924"/>
+          </a:xfrm>
+          <a:prstGeom prst="rect">
+            <a:avLst/>
+          </a:prstGeom>
+          <a:noFill/>
+          <a:ln>
+            <a:noFill/>
+          </a:ln>
+        </p:spPr>
+        <p:txBody>
+          <a:bodyPr spcFirstLastPara="1" wrap="square" lIns="91425" tIns="91425" rIns="91425" bIns="91425" anchor="t" anchorCtr="0">
+            <a:noAutofit/>
+          </a:bodyPr>
+          <a:lstStyle/>
+          <a:p>
+            <a:pPr marL="133350" indent="0">
+              <a:buNone/>
+            </a:pPr>
+            <a:r>
+              <a:rPr lang="en-US" sz="1200" b="1" dirty="0"/>
+              <a:t>Original Zero-Shot Prompt Template:</a:t>
+            </a:r>
+            <a:endParaRPr lang="en-US" sz="1200" dirty="0"/>
+          </a:p>
+          <a:p>
+            <a:pPr marL="133350" indent="0">
+              <a:buNone/>
+            </a:pPr>
+            <a:r>
+              <a:rPr lang="en-US" sz="1000" b="1" dirty="0"/>
+              <a:t>ROLE: </a:t>
+            </a:r>
+            <a:r>
+              <a:rPr lang="en-US" sz="1000" dirty="0"/>
+              <a:t>You are a customer feedback analyst for a food delivery service.</a:t>
+            </a:r>
+          </a:p>
+          <a:p>
+            <a:pPr marL="133350" indent="0">
+              <a:buNone/>
+            </a:pPr>
+            <a:r>
+              <a:rPr lang="en-US" sz="1000" b="1" dirty="0"/>
+              <a:t>TASK</a:t>
+            </a:r>
+            <a:r>
+              <a:rPr lang="en-US" sz="1000" dirty="0"/>
+              <a:t>: Analyze the uploaded customer reviews and provide structured sentiment analysis.</a:t>
+            </a:r>
+          </a:p>
+          <a:p>
+            <a:pPr marL="133350" indent="0">
+              <a:buNone/>
+            </a:pPr>
+            <a:r>
+              <a:rPr lang="en-US" sz="1000" dirty="0"/>
+              <a:t>Use Temperature=1</a:t>
+            </a:r>
+          </a:p>
+          <a:p>
+            <a:pPr marL="133350" indent="0">
+              <a:buNone/>
+            </a:pPr>
+            <a:r>
+              <a:rPr lang="en-US" sz="1000" b="1" dirty="0"/>
+              <a:t>CLASSIFICATION GUIDELINES:</a:t>
+            </a:r>
+            <a:endParaRPr lang="en-US" sz="1000" dirty="0"/>
+          </a:p>
+          <a:p>
+            <a:pPr marL="133350" lvl="0" indent="0">
+              <a:buNone/>
+            </a:pPr>
+            <a:r>
+              <a:rPr lang="en-US" sz="1000" b="1" dirty="0"/>
+              <a:t>Positive</a:t>
+            </a:r>
+            <a:r>
+              <a:rPr lang="en-US" sz="1000" dirty="0"/>
+              <a:t>: Customer expresses satisfaction, praise, or intent to return</a:t>
+            </a:r>
+          </a:p>
+          <a:p>
+            <a:pPr marL="133350" lvl="0" indent="0">
+              <a:buNone/>
+            </a:pPr>
+            <a:r>
+              <a:rPr lang="en-US" sz="1000" b="1" dirty="0"/>
+              <a:t>Negative</a:t>
+            </a:r>
+            <a:r>
+              <a:rPr lang="en-US" sz="1000" dirty="0"/>
+              <a:t>: Customer expresses dissatisfaction, complaints, or intent to not return</a:t>
+            </a:r>
+          </a:p>
+          <a:p>
+            <a:pPr marL="133350" lvl="0" indent="0">
+              <a:buNone/>
+            </a:pPr>
+            <a:r>
+              <a:rPr lang="en-US" sz="1000" b="1" dirty="0"/>
+              <a:t>Neutral</a:t>
+            </a:r>
+            <a:r>
+              <a:rPr lang="en-US" sz="1000" dirty="0"/>
+              <a:t>: Mixed feedback or neither clearly positive nor negative</a:t>
+            </a:r>
+          </a:p>
+          <a:p>
+            <a:pPr marL="133350" indent="0">
+              <a:buNone/>
+            </a:pPr>
+            <a:r>
+              <a:rPr lang="en-US" sz="1000" b="1" dirty="0"/>
+              <a:t>TAGS (select ALL applicable from this list ONLY):</a:t>
+            </a:r>
+            <a:endParaRPr lang="en-US" sz="1000" dirty="0"/>
+          </a:p>
+          <a:p>
+            <a:pPr lvl="0"/>
+            <a:r>
+              <a:rPr lang="en-US" sz="1000" dirty="0"/>
+              <a:t>Delivery Time, Food Quality, Price, Packaging</a:t>
+            </a:r>
+          </a:p>
+          <a:p>
+            <a:pPr lvl="0"/>
+            <a:r>
+              <a:rPr lang="en-US" sz="1000" dirty="0"/>
+              <a:t>Overall Experience: only when customer states "experience," "service," or uses general rating language</a:t>
+            </a:r>
+          </a:p>
+          <a:p>
+            <a:pPr marL="133350" indent="0">
+              <a:buNone/>
+            </a:pPr>
+            <a:r>
+              <a:rPr lang="en-US" sz="1000" b="1" dirty="0"/>
+              <a:t>OUTPUT REQUIREMENTS:</a:t>
+            </a:r>
+            <a:endParaRPr lang="en-US" sz="1000" dirty="0"/>
+          </a:p>
+          <a:p>
+            <a:pPr lvl="0"/>
+            <a:r>
+              <a:rPr lang="en-US" sz="1000" dirty="0"/>
+              <a:t>Category: Classify as exactly one of: Positive, Negative, or Neutral</a:t>
+            </a:r>
+          </a:p>
+          <a:p>
+            <a:pPr lvl="0"/>
+            <a:r>
+              <a:rPr lang="en-US" sz="1000" dirty="0"/>
+              <a:t>Tags: Select ALL applicable tags from the list above.</a:t>
+            </a:r>
+          </a:p>
+          <a:p>
+            <a:pPr lvl="0"/>
+            <a:r>
+              <a:rPr lang="en-US" sz="1000" dirty="0" err="1"/>
+              <a:t>Suggested_Action</a:t>
+            </a:r>
+            <a:r>
+              <a:rPr lang="en-US" sz="1000" dirty="0"/>
+              <a:t>: Provide ONE specific, actionable business recommendation (10 words max)</a:t>
+            </a:r>
+          </a:p>
+          <a:p>
+            <a:pPr marL="133350" lvl="0" indent="0">
+              <a:buNone/>
+            </a:pPr>
+            <a:r>
+              <a:rPr lang="en-US" sz="1000" b="1" dirty="0"/>
+              <a:t>Confidence</a:t>
+            </a:r>
+            <a:r>
+              <a:rPr lang="en-US" sz="1000" dirty="0"/>
+              <a:t>: High / Medium / Low</a:t>
+            </a:r>
+          </a:p>
+          <a:p>
+            <a:pPr marL="133350" indent="0">
+              <a:buNone/>
+            </a:pPr>
+            <a:r>
+              <a:rPr lang="en-US" sz="1000" b="1" dirty="0"/>
+              <a:t>OUTPUT FORMAT:</a:t>
+            </a:r>
+            <a:br>
+              <a:rPr lang="en-US" sz="1000" dirty="0"/>
+            </a:br>
+            <a:r>
+              <a:rPr lang="en-US" sz="1000" dirty="0"/>
+              <a:t>Return results as CSV format only. No explanations, no extra text.</a:t>
+            </a:r>
+            <a:br>
+              <a:rPr lang="en-US" sz="1000" dirty="0"/>
+            </a:br>
+            <a:r>
+              <a:rPr lang="en-US" sz="1000" dirty="0"/>
+              <a:t>Use these exact headers: </a:t>
+            </a:r>
+            <a:r>
+              <a:rPr lang="en-US" sz="1000" dirty="0" err="1"/>
+              <a:t>Customer_ID</a:t>
+            </a:r>
+            <a:r>
+              <a:rPr lang="en-US" sz="1000" dirty="0"/>
+              <a:t>, Category, Tags, </a:t>
+            </a:r>
+            <a:r>
+              <a:rPr lang="en-US" sz="1000" dirty="0" err="1"/>
+              <a:t>Suggested_Action</a:t>
+            </a:r>
+            <a:r>
+              <a:rPr lang="en-US" sz="1000" dirty="0"/>
+              <a:t>, Confidence</a:t>
+            </a:r>
+          </a:p>
+          <a:p>
+            <a:pPr marL="133350" indent="0">
+              <a:buNone/>
+            </a:pPr>
+            <a:r>
+              <a:rPr lang="en-US" sz="1000" b="1" dirty="0"/>
+              <a:t>Rules:</a:t>
+            </a:r>
+            <a:endParaRPr lang="en-US" sz="1000" dirty="0"/>
+          </a:p>
+          <a:p>
+            <a:pPr lvl="0"/>
+            <a:r>
+              <a:rPr lang="en-US" sz="1000" dirty="0"/>
+              <a:t>Wrap Tags in quotes if multiple: "Delivery Time, Food Quality"</a:t>
+            </a:r>
+          </a:p>
+          <a:p>
+            <a:pPr lvl="0"/>
+            <a:r>
+              <a:rPr lang="en-US" sz="1000" dirty="0"/>
+              <a:t>Wrap </a:t>
+            </a:r>
+            <a:r>
+              <a:rPr lang="en-US" sz="1000" dirty="0" err="1"/>
+              <a:t>Suggested_Action</a:t>
+            </a:r>
+            <a:r>
+              <a:rPr lang="en-US" sz="1000" dirty="0"/>
+              <a:t> in quotes</a:t>
+            </a:r>
+          </a:p>
+          <a:p>
+            <a:pPr lvl="0"/>
+            <a:r>
+              <a:rPr lang="en-US" sz="1000" dirty="0" err="1"/>
+              <a:t>Suggested_Action</a:t>
+            </a:r>
+            <a:r>
+              <a:rPr lang="en-US" sz="1000" dirty="0"/>
+              <a:t>: 10 words max, no commas</a:t>
+            </a:r>
+          </a:p>
+          <a:p>
+            <a:pPr lvl="0"/>
+            <a:r>
+              <a:rPr lang="en-US" sz="1000" dirty="0"/>
+              <a:t>One row per customer</a:t>
+            </a:r>
+          </a:p>
+          <a:p>
+            <a:endParaRPr lang="en-US" sz="400" dirty="0"/>
+          </a:p>
+          <a:p>
+            <a:pPr marL="133350" indent="0">
+              <a:buNone/>
+            </a:pPr>
+            <a:r>
+              <a:rPr lang="en-US" sz="1000" dirty="0"/>
+              <a:t>Run above Zero-Shot Prompt; Run numeric comparison against Ground Truth Results</a:t>
+            </a:r>
+          </a:p>
+        </p:txBody>
+      </p:sp>
+    </p:spTree>
+    <p:extLst>
+      <p:ext uri="{BB962C8B-B14F-4D97-AF65-F5344CB8AC3E}">
+        <p14:creationId xmlns:p14="http://schemas.microsoft.com/office/powerpoint/2010/main" val="2425484429"/>
+      </p:ext>
+    </p:extLst>
+  </p:cSld>
+  <p:clrMapOvr>
+    <a:masterClrMapping/>
+  </p:clrMapOvr>
+</p:sld>
+</file>
+
+<file path=ppt/slides/slide16.xml><?xml version="1.0" encoding="utf-8"?>
 <p:sld xmlns:a="http://schemas.openxmlformats.org/drawingml/2006/main" xmlns:r="http://schemas.openxmlformats.org/officeDocument/2006/relationships" xmlns:p="http://schemas.openxmlformats.org/presentationml/2006/main">
   <p:cSld>
     <p:spTree>
@@ -27131,6 +29224,1223 @@
         </p:nvSpPr>
         <p:spPr>
           <a:xfrm>
+            <a:off x="202550" y="-95733"/>
+            <a:ext cx="8520600" cy="572700"/>
+          </a:xfrm>
+          <a:prstGeom prst="rect">
+            <a:avLst/>
+          </a:prstGeom>
+          <a:noFill/>
+          <a:ln>
+            <a:noFill/>
+          </a:ln>
+        </p:spPr>
+        <p:txBody>
+          <a:bodyPr spcFirstLastPara="1" wrap="square" lIns="91425" tIns="91425" rIns="91425" bIns="91425" anchor="t" anchorCtr="0">
+            <a:noAutofit/>
+          </a:bodyPr>
+          <a:lstStyle/>
+          <a:p>
+            <a:pPr marL="0" lvl="0" indent="0" algn="l" rtl="0">
+              <a:lnSpc>
+                <a:spcPct val="100000"/>
+              </a:lnSpc>
+              <a:spcBef>
+                <a:spcPts val="0"/>
+              </a:spcBef>
+              <a:spcAft>
+                <a:spcPts val="0"/>
+              </a:spcAft>
+              <a:buSzPts val="2200"/>
+              <a:buNone/>
+            </a:pPr>
+            <a:r>
+              <a:rPr lang="en" dirty="0">
+                <a:solidFill>
+                  <a:schemeClr val="lt2"/>
+                </a:solidFill>
+                <a:latin typeface="Century Gothic"/>
+                <a:ea typeface="Century Gothic"/>
+                <a:cs typeface="Century Gothic"/>
+                <a:sym typeface="Century Gothic"/>
+              </a:rPr>
+              <a:t>Zero-Shot Prompt Definition Explanation</a:t>
+            </a:r>
+            <a:endParaRPr dirty="0">
+              <a:solidFill>
+                <a:schemeClr val="lt2"/>
+              </a:solidFill>
+              <a:latin typeface="Century Gothic"/>
+              <a:ea typeface="Century Gothic"/>
+              <a:cs typeface="Century Gothic"/>
+              <a:sym typeface="Century Gothic"/>
+            </a:endParaRPr>
+          </a:p>
+        </p:txBody>
+      </p:sp>
+      <p:sp>
+        <p:nvSpPr>
+          <p:cNvPr id="176" name="Google Shape;176;p39"/>
+          <p:cNvSpPr txBox="1">
+            <a:spLocks noGrp="1"/>
+          </p:cNvSpPr>
+          <p:nvPr>
+            <p:ph type="body" idx="1"/>
+          </p:nvPr>
+        </p:nvSpPr>
+        <p:spPr>
+          <a:xfrm>
+            <a:off x="257100" y="401338"/>
+            <a:ext cx="8629800" cy="4686299"/>
+          </a:xfrm>
+          <a:prstGeom prst="rect">
+            <a:avLst/>
+          </a:prstGeom>
+          <a:noFill/>
+          <a:ln>
+            <a:noFill/>
+          </a:ln>
+        </p:spPr>
+        <p:txBody>
+          <a:bodyPr spcFirstLastPara="1" wrap="square" lIns="91425" tIns="91425" rIns="91425" bIns="91425" anchor="t" anchorCtr="0">
+            <a:noAutofit/>
+          </a:bodyPr>
+          <a:lstStyle/>
+          <a:p>
+            <a:pPr marL="133350" indent="0">
+              <a:buNone/>
+            </a:pPr>
+            <a:r>
+              <a:rPr lang="en-US" sz="1000" b="1" dirty="0"/>
+              <a:t>I. Core Purpose</a:t>
+            </a:r>
+            <a:endParaRPr lang="en-US" sz="1000" dirty="0"/>
+          </a:p>
+          <a:p>
+            <a:r>
+              <a:rPr lang="en-US" sz="900" b="1" dirty="0"/>
+              <a:t>Role:</a:t>
+            </a:r>
+            <a:r>
+              <a:rPr lang="en-US" sz="900" dirty="0"/>
+              <a:t> </a:t>
+            </a:r>
+          </a:p>
+          <a:p>
+            <a:pPr lvl="1">
+              <a:spcBef>
+                <a:spcPts val="200"/>
+              </a:spcBef>
+            </a:pPr>
+            <a:r>
+              <a:rPr lang="en-US" sz="900" dirty="0"/>
+              <a:t>Frame of Reference provided to the AI</a:t>
+            </a:r>
+          </a:p>
+          <a:p>
+            <a:pPr lvl="1">
+              <a:spcBef>
+                <a:spcPts val="200"/>
+              </a:spcBef>
+            </a:pPr>
+            <a:r>
+              <a:rPr lang="en-US" sz="900" dirty="0"/>
+              <a:t>It tells the AI to use the relevant expertise, language, and thought process for that specific job or situation.</a:t>
+            </a:r>
+          </a:p>
+          <a:p>
+            <a:r>
+              <a:rPr lang="en-US" sz="900" b="1" dirty="0"/>
+              <a:t>Task:</a:t>
+            </a:r>
+            <a:r>
+              <a:rPr lang="en-US" sz="900" dirty="0"/>
+              <a:t> </a:t>
+            </a:r>
+          </a:p>
+          <a:p>
+            <a:pPr lvl="1">
+              <a:spcBef>
+                <a:spcPts val="200"/>
+              </a:spcBef>
+            </a:pPr>
+            <a:r>
+              <a:rPr lang="en-US" sz="900" dirty="0"/>
+              <a:t>Main instruction telling AI what to do. Core command that defines the objective.</a:t>
+            </a:r>
+          </a:p>
+          <a:p>
+            <a:pPr lvl="1">
+              <a:spcBef>
+                <a:spcPts val="200"/>
+              </a:spcBef>
+            </a:pPr>
+            <a:r>
+              <a:rPr lang="en-US" sz="900" dirty="0"/>
+              <a:t>It directs the AI to perform a specific action, like summarizing, classifying, generating, or analyzing.</a:t>
+            </a:r>
+          </a:p>
+          <a:p>
+            <a:pPr marL="133350" indent="0">
+              <a:spcBef>
+                <a:spcPts val="1200"/>
+              </a:spcBef>
+              <a:buNone/>
+            </a:pPr>
+            <a:r>
+              <a:rPr lang="en-US" sz="1000" b="1" dirty="0"/>
+              <a:t>II. Model Behavior Settings</a:t>
+            </a:r>
+            <a:endParaRPr lang="en-US" sz="1000" dirty="0"/>
+          </a:p>
+          <a:p>
+            <a:r>
+              <a:rPr lang="en-US" sz="900" b="1" dirty="0"/>
+              <a:t>Temperature:</a:t>
+            </a:r>
+            <a:r>
+              <a:rPr lang="en-US" sz="900" dirty="0"/>
+              <a:t> 1 (More diverse/creative output)</a:t>
+            </a:r>
+          </a:p>
+          <a:p>
+            <a:pPr marL="133350" indent="0">
+              <a:spcBef>
+                <a:spcPts val="1200"/>
+              </a:spcBef>
+              <a:buNone/>
+            </a:pPr>
+            <a:r>
+              <a:rPr lang="en-US" sz="1000" b="1" dirty="0"/>
+              <a:t>III. Analysis Guidelines</a:t>
+            </a:r>
+            <a:endParaRPr lang="en-US" sz="1000" dirty="0"/>
+          </a:p>
+          <a:p>
+            <a:r>
+              <a:rPr lang="en-US" sz="900" b="1" dirty="0"/>
+              <a:t>Classification (Category):</a:t>
+            </a:r>
+            <a:endParaRPr lang="en-US" sz="900" dirty="0"/>
+          </a:p>
+          <a:p>
+            <a:pPr lvl="1">
+              <a:spcBef>
+                <a:spcPts val="200"/>
+              </a:spcBef>
+            </a:pPr>
+            <a:r>
+              <a:rPr lang="en-US" sz="900" dirty="0"/>
+              <a:t>Overall category to be assigned to each review based on the review’s textual contents</a:t>
+            </a:r>
+          </a:p>
+          <a:p>
+            <a:r>
+              <a:rPr lang="en-US" sz="900" b="1" dirty="0"/>
+              <a:t>Tags (Select ALL applicable from list ONLY):</a:t>
+            </a:r>
+            <a:endParaRPr lang="en-US" sz="900" dirty="0"/>
+          </a:p>
+          <a:p>
+            <a:pPr lvl="1">
+              <a:spcBef>
+                <a:spcPts val="200"/>
+              </a:spcBef>
+            </a:pPr>
+            <a:r>
+              <a:rPr lang="en-US" sz="900" dirty="0"/>
+              <a:t>Overall Experience: ONLY if customer states "experience," "service," or uses general rating language.</a:t>
+            </a:r>
+          </a:p>
+          <a:p>
+            <a:r>
+              <a:rPr lang="en-US" sz="900" b="1" dirty="0"/>
+              <a:t>Confidence:</a:t>
+            </a:r>
+            <a:endParaRPr lang="en-US" sz="900" dirty="0"/>
+          </a:p>
+          <a:p>
+            <a:pPr lvl="1">
+              <a:spcBef>
+                <a:spcPts val="200"/>
+              </a:spcBef>
+            </a:pPr>
+            <a:r>
+              <a:rPr lang="en-US" sz="900" dirty="0"/>
+              <a:t>Is the internal assessment of the AI’s confidence in the model prediction (reliability)</a:t>
+            </a:r>
+          </a:p>
+          <a:p>
+            <a:pPr marL="133350" indent="0">
+              <a:spcBef>
+                <a:spcPts val="1200"/>
+              </a:spcBef>
+              <a:buNone/>
+            </a:pPr>
+            <a:r>
+              <a:rPr lang="en-US" sz="1000" b="1" dirty="0"/>
+              <a:t>IV. Output Structure &amp; Format</a:t>
+            </a:r>
+            <a:endParaRPr lang="en-US" sz="1000" dirty="0"/>
+          </a:p>
+          <a:p>
+            <a:r>
+              <a:rPr lang="en-US" sz="900" b="1" dirty="0"/>
+              <a:t>Required Fields:</a:t>
+            </a:r>
+            <a:r>
+              <a:rPr lang="en-US" sz="900" dirty="0"/>
+              <a:t> Fields to be contained in the result output</a:t>
+            </a:r>
+          </a:p>
+          <a:p>
+            <a:r>
+              <a:rPr lang="en-US" sz="900" b="1" dirty="0"/>
+              <a:t>Format:</a:t>
+            </a:r>
+            <a:r>
+              <a:rPr lang="en-US" sz="900" dirty="0"/>
+              <a:t> What format the output will have (in this case .csv)</a:t>
+            </a:r>
+          </a:p>
+          <a:p>
+            <a:r>
+              <a:rPr lang="en-US" sz="900" b="1" dirty="0"/>
+              <a:t>CSV Headers:</a:t>
+            </a:r>
+            <a:r>
+              <a:rPr lang="en-US" sz="900" dirty="0"/>
+              <a:t> Field/Column headers for the csv output</a:t>
+            </a:r>
+          </a:p>
+          <a:p>
+            <a:r>
+              <a:rPr lang="en-US" sz="900" b="1" dirty="0"/>
+              <a:t>Specific Rules:</a:t>
+            </a:r>
+            <a:r>
+              <a:rPr lang="en-US" sz="900" dirty="0"/>
+              <a:t> Specific rules to be applied to the output.</a:t>
+            </a:r>
+          </a:p>
+        </p:txBody>
+      </p:sp>
+    </p:spTree>
+  </p:cSld>
+  <p:clrMapOvr>
+    <a:masterClrMapping/>
+  </p:clrMapOvr>
+</p:sld>
+</file>
+
+<file path=ppt/slides/slide17.xml><?xml version="1.0" encoding="utf-8"?>
+<p:sld xmlns:a="http://schemas.openxmlformats.org/drawingml/2006/main" xmlns:r="http://schemas.openxmlformats.org/officeDocument/2006/relationships" xmlns:p="http://schemas.openxmlformats.org/presentationml/2006/main">
+  <p:cSld>
+    <p:spTree>
+      <p:nvGrpSpPr>
+        <p:cNvPr id="1" name="Shape 174">
+          <a:extLst>
+            <a:ext uri="{FF2B5EF4-FFF2-40B4-BE49-F238E27FC236}">
+              <a16:creationId xmlns:a16="http://schemas.microsoft.com/office/drawing/2014/main" id="{361B4F51-17DB-5C97-EB09-B37B9D9157B9}"/>
+            </a:ext>
+          </a:extLst>
+        </p:cNvPr>
+        <p:cNvGrpSpPr/>
+        <p:nvPr/>
+      </p:nvGrpSpPr>
+      <p:grpSpPr>
+        <a:xfrm>
+          <a:off x="0" y="0"/>
+          <a:ext cx="0" cy="0"/>
+          <a:chOff x="0" y="0"/>
+          <a:chExt cx="0" cy="0"/>
+        </a:xfrm>
+      </p:grpSpPr>
+      <p:sp>
+        <p:nvSpPr>
+          <p:cNvPr id="175" name="Google Shape;175;p39">
+            <a:extLst>
+              <a:ext uri="{FF2B5EF4-FFF2-40B4-BE49-F238E27FC236}">
+                <a16:creationId xmlns:a16="http://schemas.microsoft.com/office/drawing/2014/main" id="{10E88FD5-437A-E1CA-B660-5004A3691F27}"/>
+              </a:ext>
+            </a:extLst>
+          </p:cNvPr>
+          <p:cNvSpPr txBox="1">
+            <a:spLocks noGrp="1"/>
+          </p:cNvSpPr>
+          <p:nvPr>
+            <p:ph type="title"/>
+          </p:nvPr>
+        </p:nvSpPr>
+        <p:spPr>
+          <a:xfrm>
+            <a:off x="202550" y="-20108"/>
+            <a:ext cx="8520600" cy="572700"/>
+          </a:xfrm>
+          <a:prstGeom prst="rect">
+            <a:avLst/>
+          </a:prstGeom>
+          <a:noFill/>
+          <a:ln>
+            <a:noFill/>
+          </a:ln>
+        </p:spPr>
+        <p:txBody>
+          <a:bodyPr spcFirstLastPara="1" wrap="square" lIns="91425" tIns="91425" rIns="91425" bIns="91425" anchor="t" anchorCtr="0">
+            <a:noAutofit/>
+          </a:bodyPr>
+          <a:lstStyle/>
+          <a:p>
+            <a:pPr marL="0" lvl="0" indent="0" algn="l" rtl="0">
+              <a:lnSpc>
+                <a:spcPct val="100000"/>
+              </a:lnSpc>
+              <a:spcBef>
+                <a:spcPts val="0"/>
+              </a:spcBef>
+              <a:spcAft>
+                <a:spcPts val="0"/>
+              </a:spcAft>
+              <a:buSzPts val="2200"/>
+              <a:buNone/>
+            </a:pPr>
+            <a:r>
+              <a:rPr lang="en" dirty="0">
+                <a:solidFill>
+                  <a:schemeClr val="lt2"/>
+                </a:solidFill>
+                <a:latin typeface="Century Gothic"/>
+                <a:ea typeface="Century Gothic"/>
+                <a:cs typeface="Century Gothic"/>
+                <a:sym typeface="Century Gothic"/>
+              </a:rPr>
+              <a:t>Original Zero-Shot Prompt Results</a:t>
+            </a:r>
+            <a:endParaRPr dirty="0">
+              <a:solidFill>
+                <a:schemeClr val="lt2"/>
+              </a:solidFill>
+              <a:latin typeface="Century Gothic"/>
+              <a:ea typeface="Century Gothic"/>
+              <a:cs typeface="Century Gothic"/>
+              <a:sym typeface="Century Gothic"/>
+            </a:endParaRPr>
+          </a:p>
+        </p:txBody>
+      </p:sp>
+      <p:pic>
+        <p:nvPicPr>
+          <p:cNvPr id="7" name="Picture 6">
+            <a:extLst>
+              <a:ext uri="{FF2B5EF4-FFF2-40B4-BE49-F238E27FC236}">
+                <a16:creationId xmlns:a16="http://schemas.microsoft.com/office/drawing/2014/main" id="{814378BF-A6A7-A1D6-40D5-F03B575BFE57}"/>
+              </a:ext>
+            </a:extLst>
+          </p:cNvPr>
+          <p:cNvPicPr>
+            <a:picLocks noChangeAspect="1"/>
+          </p:cNvPicPr>
+          <p:nvPr/>
+        </p:nvPicPr>
+        <p:blipFill>
+          <a:blip r:embed="rId3"/>
+          <a:stretch>
+            <a:fillRect/>
+          </a:stretch>
+        </p:blipFill>
+        <p:spPr>
+          <a:xfrm>
+            <a:off x="587596" y="552592"/>
+            <a:ext cx="6913234" cy="4296555"/>
+          </a:xfrm>
+          <a:prstGeom prst="rect">
+            <a:avLst/>
+          </a:prstGeom>
+        </p:spPr>
+      </p:pic>
+    </p:spTree>
+    <p:extLst>
+      <p:ext uri="{BB962C8B-B14F-4D97-AF65-F5344CB8AC3E}">
+        <p14:creationId xmlns:p14="http://schemas.microsoft.com/office/powerpoint/2010/main" val="2536298802"/>
+      </p:ext>
+    </p:extLst>
+  </p:cSld>
+  <p:clrMapOvr>
+    <a:masterClrMapping/>
+  </p:clrMapOvr>
+</p:sld>
+</file>
+
+<file path=ppt/slides/slide18.xml><?xml version="1.0" encoding="utf-8"?>
+<p:sld xmlns:a="http://schemas.openxmlformats.org/drawingml/2006/main" xmlns:r="http://schemas.openxmlformats.org/officeDocument/2006/relationships" xmlns:p="http://schemas.openxmlformats.org/presentationml/2006/main">
+  <p:cSld>
+    <p:spTree>
+      <p:nvGrpSpPr>
+        <p:cNvPr id="1" name="Shape 174">
+          <a:extLst>
+            <a:ext uri="{FF2B5EF4-FFF2-40B4-BE49-F238E27FC236}">
+              <a16:creationId xmlns:a16="http://schemas.microsoft.com/office/drawing/2014/main" id="{C00625B8-6DA0-2036-1D88-9130F516FD39}"/>
+            </a:ext>
+          </a:extLst>
+        </p:cNvPr>
+        <p:cNvGrpSpPr/>
+        <p:nvPr/>
+      </p:nvGrpSpPr>
+      <p:grpSpPr>
+        <a:xfrm>
+          <a:off x="0" y="0"/>
+          <a:ext cx="0" cy="0"/>
+          <a:chOff x="0" y="0"/>
+          <a:chExt cx="0" cy="0"/>
+        </a:xfrm>
+      </p:grpSpPr>
+      <p:sp>
+        <p:nvSpPr>
+          <p:cNvPr id="175" name="Google Shape;175;p39">
+            <a:extLst>
+              <a:ext uri="{FF2B5EF4-FFF2-40B4-BE49-F238E27FC236}">
+                <a16:creationId xmlns:a16="http://schemas.microsoft.com/office/drawing/2014/main" id="{33BD491D-65E9-D7BE-8CC5-EC3451CC8ED2}"/>
+              </a:ext>
+            </a:extLst>
+          </p:cNvPr>
+          <p:cNvSpPr txBox="1">
+            <a:spLocks noGrp="1"/>
+          </p:cNvSpPr>
+          <p:nvPr>
+            <p:ph type="title"/>
+          </p:nvPr>
+        </p:nvSpPr>
+        <p:spPr>
+          <a:xfrm>
+            <a:off x="202550" y="-95733"/>
+            <a:ext cx="8520600" cy="572700"/>
+          </a:xfrm>
+          <a:prstGeom prst="rect">
+            <a:avLst/>
+          </a:prstGeom>
+          <a:noFill/>
+          <a:ln>
+            <a:noFill/>
+          </a:ln>
+        </p:spPr>
+        <p:txBody>
+          <a:bodyPr spcFirstLastPara="1" wrap="square" lIns="91425" tIns="91425" rIns="91425" bIns="91425" anchor="t" anchorCtr="0">
+            <a:noAutofit/>
+          </a:bodyPr>
+          <a:lstStyle/>
+          <a:p>
+            <a:pPr lvl="0"/>
+            <a:r>
+              <a:rPr lang="en" dirty="0">
+                <a:solidFill>
+                  <a:schemeClr val="lt2"/>
+                </a:solidFill>
+                <a:latin typeface="Century Gothic"/>
+                <a:ea typeface="Century Gothic"/>
+                <a:cs typeface="Century Gothic"/>
+                <a:sym typeface="Century Gothic"/>
+              </a:rPr>
+              <a:t>Original Zero-Shot Prompt Results</a:t>
+            </a:r>
+            <a:endParaRPr dirty="0">
+              <a:solidFill>
+                <a:schemeClr val="lt2"/>
+              </a:solidFill>
+              <a:latin typeface="Century Gothic"/>
+              <a:ea typeface="Century Gothic"/>
+              <a:cs typeface="Century Gothic"/>
+              <a:sym typeface="Century Gothic"/>
+            </a:endParaRPr>
+          </a:p>
+        </p:txBody>
+      </p:sp>
+      <p:sp>
+        <p:nvSpPr>
+          <p:cNvPr id="176" name="Google Shape;176;p39">
+            <a:extLst>
+              <a:ext uri="{FF2B5EF4-FFF2-40B4-BE49-F238E27FC236}">
+                <a16:creationId xmlns:a16="http://schemas.microsoft.com/office/drawing/2014/main" id="{7FA256D8-6387-6669-57C3-4CB554F1EEEF}"/>
+              </a:ext>
+            </a:extLst>
+          </p:cNvPr>
+          <p:cNvSpPr txBox="1">
+            <a:spLocks noGrp="1"/>
+          </p:cNvSpPr>
+          <p:nvPr>
+            <p:ph type="body" idx="1"/>
+          </p:nvPr>
+        </p:nvSpPr>
+        <p:spPr>
+          <a:xfrm>
+            <a:off x="257100" y="228600"/>
+            <a:ext cx="8629800" cy="4797162"/>
+          </a:xfrm>
+          <a:prstGeom prst="rect">
+            <a:avLst/>
+          </a:prstGeom>
+          <a:noFill/>
+          <a:ln>
+            <a:noFill/>
+          </a:ln>
+        </p:spPr>
+        <p:txBody>
+          <a:bodyPr spcFirstLastPara="1" wrap="square" lIns="91425" tIns="91425" rIns="91425" bIns="91425" anchor="t" anchorCtr="0">
+            <a:noAutofit/>
+          </a:bodyPr>
+          <a:lstStyle/>
+          <a:p>
+            <a:pPr marL="133350" indent="0">
+              <a:buNone/>
+            </a:pPr>
+            <a:r>
+              <a:rPr lang="en-US" sz="1200" b="1" dirty="0"/>
+              <a:t>Numerical Comparison Summary (Zero-Shot Prompt, Original Tags, T=1 vs. Ground Truth):</a:t>
+            </a:r>
+          </a:p>
+          <a:p>
+            <a:pPr marL="133350" indent="0">
+              <a:buNone/>
+            </a:pPr>
+            <a:r>
+              <a:rPr lang="en-US" sz="1000" b="1" dirty="0"/>
+              <a:t>1. Category Differences (vs. Ground Truth):</a:t>
+            </a:r>
+            <a:endParaRPr lang="en-US" sz="1000" dirty="0"/>
+          </a:p>
+          <a:p>
+            <a:pPr lvl="1">
+              <a:spcBef>
+                <a:spcPts val="200"/>
+              </a:spcBef>
+            </a:pPr>
+            <a:r>
+              <a:rPr lang="en-US" sz="800" dirty="0"/>
+              <a:t>C003: My Neutral vs. GT Negative - 1 difference</a:t>
+            </a:r>
+          </a:p>
+          <a:p>
+            <a:pPr lvl="1">
+              <a:spcBef>
+                <a:spcPts val="200"/>
+              </a:spcBef>
+            </a:pPr>
+            <a:r>
+              <a:rPr lang="en-US" sz="800" dirty="0"/>
+              <a:t>C006: My Neutral vs. GT Negative - 1 difference</a:t>
+            </a:r>
+          </a:p>
+          <a:p>
+            <a:pPr lvl="1">
+              <a:spcBef>
+                <a:spcPts val="200"/>
+              </a:spcBef>
+            </a:pPr>
+            <a:r>
+              <a:rPr lang="en-US" sz="800" dirty="0"/>
+              <a:t>C011: My Positive vs. GT Neutral - 1 difference</a:t>
+            </a:r>
+          </a:p>
+          <a:p>
+            <a:pPr lvl="1">
+              <a:spcBef>
+                <a:spcPts val="200"/>
+              </a:spcBef>
+            </a:pPr>
+            <a:r>
+              <a:rPr lang="en-US" sz="800" dirty="0"/>
+              <a:t>C012: My Negative vs. GT Negative - Match</a:t>
+            </a:r>
+          </a:p>
+          <a:p>
+            <a:pPr lvl="1">
+              <a:spcBef>
+                <a:spcPts val="200"/>
+              </a:spcBef>
+            </a:pPr>
+            <a:r>
+              <a:rPr lang="en-US" sz="800" dirty="0"/>
+              <a:t>C024: My Neutral vs. GT Negative - 1 difference</a:t>
+            </a:r>
+          </a:p>
+          <a:p>
+            <a:pPr lvl="1">
+              <a:spcBef>
+                <a:spcPts val="200"/>
+              </a:spcBef>
+            </a:pPr>
+            <a:r>
+              <a:rPr lang="en-US" sz="800" dirty="0"/>
+              <a:t>C030: My Negative vs. GT Negative - Match</a:t>
+            </a:r>
+          </a:p>
+          <a:p>
+            <a:pPr marL="133350" indent="0">
+              <a:buNone/>
+            </a:pPr>
+            <a:r>
+              <a:rPr lang="en-US" sz="1000" b="1" dirty="0"/>
+              <a:t>              Total Category Differences: 4</a:t>
+            </a:r>
+          </a:p>
+          <a:p>
+            <a:pPr marL="133350" indent="0">
+              <a:spcBef>
+                <a:spcPts val="400"/>
+              </a:spcBef>
+              <a:buNone/>
+            </a:pPr>
+            <a:r>
+              <a:rPr lang="en-US" sz="1000" b="1" dirty="0"/>
+              <a:t>2. Tags Differences (vs. Ground Truth):</a:t>
+            </a:r>
+            <a:endParaRPr lang="en-US" sz="1000" dirty="0"/>
+          </a:p>
+          <a:p>
+            <a:pPr lvl="1">
+              <a:spcBef>
+                <a:spcPts val="200"/>
+              </a:spcBef>
+            </a:pPr>
+            <a:r>
+              <a:rPr lang="en-US" sz="800" dirty="0"/>
+              <a:t>C002: My (Food Quality, Overall Experience) vs. GT (Packaging, Overall Experience) - 2 differences</a:t>
+            </a:r>
+          </a:p>
+          <a:p>
+            <a:pPr lvl="1">
+              <a:spcBef>
+                <a:spcPts val="200"/>
+              </a:spcBef>
+            </a:pPr>
+            <a:r>
+              <a:rPr lang="en-US" sz="800" dirty="0"/>
+              <a:t>C006: My (no Delivery Time) vs. GT (Delivery Time) - 1 difference</a:t>
+            </a:r>
+          </a:p>
+          <a:p>
+            <a:pPr lvl="1">
+              <a:spcBef>
+                <a:spcPts val="200"/>
+              </a:spcBef>
+            </a:pPr>
+            <a:r>
+              <a:rPr lang="en-US" sz="800" dirty="0"/>
+              <a:t>C007: My (no Overall Experience) vs. GT (Overall Experience) - 1 difference</a:t>
+            </a:r>
+          </a:p>
+          <a:p>
+            <a:pPr lvl="1">
+              <a:spcBef>
+                <a:spcPts val="200"/>
+              </a:spcBef>
+            </a:pPr>
+            <a:r>
+              <a:rPr lang="en-US" sz="800" dirty="0"/>
+              <a:t>C008: My (Delivery Time) vs. GT (no Delivery Time) - 1 difference</a:t>
+            </a:r>
+          </a:p>
+          <a:p>
+            <a:pPr lvl="1">
+              <a:spcBef>
+                <a:spcPts val="200"/>
+              </a:spcBef>
+            </a:pPr>
+            <a:r>
+              <a:rPr lang="en-US" sz="800" dirty="0"/>
+              <a:t>C009: My (no Overall Experience) vs. GT (Overall Experience) - 1 difference</a:t>
+            </a:r>
+          </a:p>
+          <a:p>
+            <a:pPr lvl="1">
+              <a:spcBef>
+                <a:spcPts val="200"/>
+              </a:spcBef>
+            </a:pPr>
+            <a:r>
+              <a:rPr lang="en-US" sz="800" dirty="0"/>
+              <a:t>C011: My (Delivery Time, no Overall Experience) vs. GT (no Delivery Time, Overall Experience) - 2 differences</a:t>
+            </a:r>
+          </a:p>
+          <a:p>
+            <a:pPr lvl="1">
+              <a:spcBef>
+                <a:spcPts val="200"/>
+              </a:spcBef>
+            </a:pPr>
+            <a:r>
+              <a:rPr lang="en-US" sz="800" dirty="0"/>
+              <a:t>C013: My (no Overall Experience) vs. GT (Overall Experience) - 1 difference</a:t>
+            </a:r>
+          </a:p>
+          <a:p>
+            <a:pPr lvl="1">
+              <a:spcBef>
+                <a:spcPts val="200"/>
+              </a:spcBef>
+            </a:pPr>
+            <a:r>
+              <a:rPr lang="en-US" sz="800" dirty="0"/>
+              <a:t>C016: My (no Overall Experience) vs. GT (Overall Experience) - 1 difference</a:t>
+            </a:r>
+          </a:p>
+          <a:p>
+            <a:pPr lvl="1">
+              <a:spcBef>
+                <a:spcPts val="200"/>
+              </a:spcBef>
+            </a:pPr>
+            <a:r>
+              <a:rPr lang="en-US" sz="800" dirty="0"/>
+              <a:t>C018: My (Delivery Time) vs. GT (no Delivery Time) - 1 difference</a:t>
+            </a:r>
+          </a:p>
+          <a:p>
+            <a:pPr lvl="1">
+              <a:spcBef>
+                <a:spcPts val="200"/>
+              </a:spcBef>
+            </a:pPr>
+            <a:r>
+              <a:rPr lang="en-US" sz="800" dirty="0"/>
+              <a:t>C024: My (no Food Quality) vs. GT (Food Quality) - 1 difference</a:t>
+            </a:r>
+          </a:p>
+          <a:p>
+            <a:pPr lvl="1">
+              <a:spcBef>
+                <a:spcPts val="200"/>
+              </a:spcBef>
+            </a:pPr>
+            <a:r>
+              <a:rPr lang="en-US" sz="800" dirty="0"/>
+              <a:t>C026: My (Food Quality, Overall Experience) vs. GT (Packaging, Overall Experience) - 2 differences</a:t>
+            </a:r>
+          </a:p>
+          <a:p>
+            <a:pPr lvl="1">
+              <a:spcBef>
+                <a:spcPts val="200"/>
+              </a:spcBef>
+            </a:pPr>
+            <a:r>
+              <a:rPr lang="en-US" sz="800" dirty="0"/>
+              <a:t>C027: My (Delivery Time) vs. GT (no Delivery Time) - 1 difference</a:t>
+            </a:r>
+          </a:p>
+          <a:p>
+            <a:pPr lvl="1">
+              <a:spcBef>
+                <a:spcPts val="200"/>
+              </a:spcBef>
+            </a:pPr>
+            <a:r>
+              <a:rPr lang="en-US" sz="800" dirty="0"/>
+              <a:t>C031: My (Delivery Time) vs. GT (no Delivery Time) - 1 difference</a:t>
+            </a:r>
+          </a:p>
+          <a:p>
+            <a:pPr lvl="1">
+              <a:spcBef>
+                <a:spcPts val="200"/>
+              </a:spcBef>
+            </a:pPr>
+            <a:r>
+              <a:rPr lang="en-US" sz="800" dirty="0"/>
+              <a:t>C033: My (Delivery Time, no Overall Experience) vs. GT (no Delivery Time, Overall Experience) - 2 differences</a:t>
+            </a:r>
+          </a:p>
+          <a:p>
+            <a:pPr lvl="1">
+              <a:spcBef>
+                <a:spcPts val="200"/>
+              </a:spcBef>
+            </a:pPr>
+            <a:r>
+              <a:rPr lang="en-US" sz="800" dirty="0"/>
+              <a:t>C036: My (Overall Experience) vs. GT (no Overall Experience) - 1 difference</a:t>
+            </a:r>
+          </a:p>
+          <a:p>
+            <a:pPr marL="133350" indent="0">
+              <a:buNone/>
+            </a:pPr>
+            <a:r>
+              <a:rPr lang="en-US" sz="1000" b="1" dirty="0"/>
+              <a:t>             Total Tags Differences: 20</a:t>
+            </a:r>
+          </a:p>
+          <a:p>
+            <a:pPr marL="133350" indent="0">
+              <a:spcBef>
+                <a:spcPts val="400"/>
+              </a:spcBef>
+              <a:buNone/>
+            </a:pPr>
+            <a:r>
+              <a:rPr lang="en-US" sz="1000" b="1" dirty="0"/>
+              <a:t>3. Total Rows with at least one difference (Category or Tags):</a:t>
+            </a:r>
+            <a:r>
+              <a:rPr lang="en-US" sz="1000" dirty="0"/>
+              <a:t> </a:t>
+            </a:r>
+            <a:r>
+              <a:rPr lang="en-US" sz="1000" b="1" dirty="0"/>
+              <a:t>15</a:t>
+            </a:r>
+            <a:r>
+              <a:rPr lang="en-US" sz="1000" dirty="0"/>
+              <a:t> out of </a:t>
+            </a:r>
+            <a:r>
+              <a:rPr lang="en-US" sz="1000" b="1" dirty="0"/>
+              <a:t>36</a:t>
+            </a:r>
+            <a:r>
+              <a:rPr lang="en-US" sz="1000" dirty="0"/>
+              <a:t> rows.</a:t>
+            </a:r>
+          </a:p>
+          <a:p>
+            <a:pPr marL="133350" indent="0">
+              <a:buNone/>
+            </a:pPr>
+            <a:endParaRPr lang="en-US" sz="1000" dirty="0"/>
+          </a:p>
+        </p:txBody>
+      </p:sp>
+    </p:spTree>
+    <p:extLst>
+      <p:ext uri="{BB962C8B-B14F-4D97-AF65-F5344CB8AC3E}">
+        <p14:creationId xmlns:p14="http://schemas.microsoft.com/office/powerpoint/2010/main" val="3178132393"/>
+      </p:ext>
+    </p:extLst>
+  </p:cSld>
+  <p:clrMapOvr>
+    <a:masterClrMapping/>
+  </p:clrMapOvr>
+</p:sld>
+</file>
+
+<file path=ppt/slides/slide19.xml><?xml version="1.0" encoding="utf-8"?>
+<p:sld xmlns:a="http://schemas.openxmlformats.org/drawingml/2006/main" xmlns:r="http://schemas.openxmlformats.org/officeDocument/2006/relationships" xmlns:p="http://schemas.openxmlformats.org/presentationml/2006/main">
+  <p:cSld>
+    <p:spTree>
+      <p:nvGrpSpPr>
+        <p:cNvPr id="1" name="Shape 174">
+          <a:extLst>
+            <a:ext uri="{FF2B5EF4-FFF2-40B4-BE49-F238E27FC236}">
+              <a16:creationId xmlns:a16="http://schemas.microsoft.com/office/drawing/2014/main" id="{253B9F02-24C5-C0CB-84DF-7E9D16F7DEF5}"/>
+            </a:ext>
+          </a:extLst>
+        </p:cNvPr>
+        <p:cNvGrpSpPr/>
+        <p:nvPr/>
+      </p:nvGrpSpPr>
+      <p:grpSpPr>
+        <a:xfrm>
+          <a:off x="0" y="0"/>
+          <a:ext cx="0" cy="0"/>
+          <a:chOff x="0" y="0"/>
+          <a:chExt cx="0" cy="0"/>
+        </a:xfrm>
+      </p:grpSpPr>
+      <p:sp>
+        <p:nvSpPr>
+          <p:cNvPr id="175" name="Google Shape;175;p39">
+            <a:extLst>
+              <a:ext uri="{FF2B5EF4-FFF2-40B4-BE49-F238E27FC236}">
+                <a16:creationId xmlns:a16="http://schemas.microsoft.com/office/drawing/2014/main" id="{F0BB4A2E-63B0-70C1-EE73-C4B015BB7DA8}"/>
+              </a:ext>
+            </a:extLst>
+          </p:cNvPr>
+          <p:cNvSpPr txBox="1">
+            <a:spLocks noGrp="1"/>
+          </p:cNvSpPr>
+          <p:nvPr>
+            <p:ph type="title"/>
+          </p:nvPr>
+        </p:nvSpPr>
+        <p:spPr>
+          <a:xfrm>
+            <a:off x="257100" y="190616"/>
+            <a:ext cx="8520600" cy="572700"/>
+          </a:xfrm>
+          <a:prstGeom prst="rect">
+            <a:avLst/>
+          </a:prstGeom>
+          <a:noFill/>
+          <a:ln>
+            <a:noFill/>
+          </a:ln>
+        </p:spPr>
+        <p:txBody>
+          <a:bodyPr spcFirstLastPara="1" wrap="square" lIns="91425" tIns="91425" rIns="91425" bIns="91425" anchor="t" anchorCtr="0">
+            <a:noAutofit/>
+          </a:bodyPr>
+          <a:lstStyle/>
+          <a:p>
+            <a:pPr lvl="0"/>
+            <a:r>
+              <a:rPr lang="en" dirty="0">
+                <a:solidFill>
+                  <a:schemeClr val="lt2"/>
+                </a:solidFill>
+                <a:latin typeface="Century Gothic"/>
+                <a:ea typeface="Century Gothic"/>
+                <a:cs typeface="Century Gothic"/>
+                <a:sym typeface="Century Gothic"/>
+              </a:rPr>
+              <a:t>Original Zero-Shot Prompt Results</a:t>
+            </a:r>
+            <a:endParaRPr dirty="0">
+              <a:solidFill>
+                <a:schemeClr val="lt2"/>
+              </a:solidFill>
+              <a:latin typeface="Century Gothic"/>
+              <a:ea typeface="Century Gothic"/>
+              <a:cs typeface="Century Gothic"/>
+              <a:sym typeface="Century Gothic"/>
+            </a:endParaRPr>
+          </a:p>
+        </p:txBody>
+      </p:sp>
+      <p:sp>
+        <p:nvSpPr>
+          <p:cNvPr id="176" name="Google Shape;176;p39">
+            <a:extLst>
+              <a:ext uri="{FF2B5EF4-FFF2-40B4-BE49-F238E27FC236}">
+                <a16:creationId xmlns:a16="http://schemas.microsoft.com/office/drawing/2014/main" id="{40E0DEC8-AC2E-E724-E4FF-300595904FE9}"/>
+              </a:ext>
+            </a:extLst>
+          </p:cNvPr>
+          <p:cNvSpPr txBox="1">
+            <a:spLocks noGrp="1"/>
+          </p:cNvSpPr>
+          <p:nvPr>
+            <p:ph type="body" idx="1"/>
+          </p:nvPr>
+        </p:nvSpPr>
+        <p:spPr>
+          <a:xfrm>
+            <a:off x="257100" y="476966"/>
+            <a:ext cx="8629800" cy="3249385"/>
+          </a:xfrm>
+          <a:prstGeom prst="rect">
+            <a:avLst/>
+          </a:prstGeom>
+          <a:noFill/>
+          <a:ln>
+            <a:noFill/>
+          </a:ln>
+        </p:spPr>
+        <p:txBody>
+          <a:bodyPr spcFirstLastPara="1" wrap="square" lIns="91425" tIns="91425" rIns="91425" bIns="91425" anchor="t" anchorCtr="0">
+            <a:noAutofit/>
+          </a:bodyPr>
+          <a:lstStyle/>
+          <a:p>
+            <a:pPr marL="133350" indent="0">
+              <a:buNone/>
+            </a:pPr>
+            <a:endParaRPr lang="en-US" sz="1000" dirty="0"/>
+          </a:p>
+          <a:p>
+            <a:endParaRPr lang="en-US" sz="1000" b="1" dirty="0"/>
+          </a:p>
+          <a:p>
+            <a:pPr marL="133350" indent="0">
+              <a:buNone/>
+            </a:pPr>
+            <a:r>
+              <a:rPr lang="en-US" sz="1200" b="1" dirty="0"/>
+              <a:t>Conclusion:</a:t>
+            </a:r>
+          </a:p>
+          <a:p>
+            <a:pPr marL="133350" indent="0">
+              <a:buNone/>
+            </a:pPr>
+            <a:endParaRPr lang="en-US" sz="1200" dirty="0"/>
+          </a:p>
+          <a:p>
+            <a:r>
+              <a:rPr lang="en-US" sz="1000" b="1" dirty="0"/>
+              <a:t>Zero-Shot prompt with the original, </a:t>
+            </a:r>
+            <a:r>
+              <a:rPr lang="en-US" sz="1000" dirty="0"/>
+              <a:t>performed identically at temperatures = (0, 0.2, and 1).</a:t>
+            </a:r>
+          </a:p>
+          <a:p>
+            <a:r>
+              <a:rPr lang="en-US" sz="1000" b="1" dirty="0"/>
+              <a:t>Category alignment: 4 </a:t>
+            </a:r>
+            <a:r>
+              <a:rPr lang="en-US" sz="1000" dirty="0"/>
+              <a:t>discrepancies</a:t>
+            </a:r>
+            <a:r>
+              <a:rPr lang="en-US" sz="1000" b="1" dirty="0"/>
+              <a:t>.</a:t>
+            </a:r>
+            <a:endParaRPr lang="en-US" sz="1000" dirty="0"/>
+          </a:p>
+          <a:p>
+            <a:r>
+              <a:rPr lang="en-US" sz="1000" b="1" dirty="0"/>
+              <a:t>Tag alignment: 20 </a:t>
+            </a:r>
+            <a:r>
+              <a:rPr lang="en-US" sz="1000" dirty="0"/>
+              <a:t>discrepancies</a:t>
+            </a:r>
+            <a:r>
+              <a:rPr lang="en-US" sz="1000" b="1" dirty="0"/>
+              <a:t>.</a:t>
+            </a:r>
+            <a:endParaRPr lang="en-US" sz="1000" dirty="0"/>
+          </a:p>
+          <a:p>
+            <a:r>
+              <a:rPr lang="en-US" sz="1000" b="1" dirty="0"/>
+              <a:t>Total rows with differences: 15.</a:t>
+            </a:r>
+          </a:p>
+          <a:p>
+            <a:r>
+              <a:rPr lang="en-US" sz="1000" dirty="0"/>
+              <a:t>This consistent performance across various temperatures for the Zero-Shot prompt (without examples) strongly confirms that the model's interpretation of these specific, stricter textual guidelines is the sole determinant of its output in this scenario. The discrepancies are entirely rooted in the prompt's instructions themselves, not in any randomness or variability controlled by temperature.</a:t>
+            </a:r>
+          </a:p>
+          <a:p>
+            <a:pPr marL="133350" indent="0">
+              <a:buNone/>
+            </a:pPr>
+            <a:endParaRPr lang="en-US" sz="1000" dirty="0"/>
+          </a:p>
+          <a:p>
+            <a:pPr marL="133350" indent="0">
+              <a:buNone/>
+            </a:pPr>
+            <a:endParaRPr lang="en-US" sz="1000" dirty="0"/>
+          </a:p>
+          <a:p>
+            <a:pPr marL="133350" indent="0">
+              <a:buNone/>
+            </a:pPr>
+            <a:endParaRPr lang="en-US" sz="1000" dirty="0"/>
+          </a:p>
+          <a:p>
+            <a:pPr marL="133350" indent="0">
+              <a:buNone/>
+            </a:pPr>
+            <a:r>
+              <a:rPr lang="en-US" sz="1400" b="1" dirty="0">
+                <a:solidFill>
+                  <a:srgbClr val="FF0000"/>
+                </a:solidFill>
+              </a:rPr>
+              <a:t>*** </a:t>
+            </a:r>
+            <a:r>
+              <a:rPr lang="en-US" sz="1000" dirty="0"/>
+              <a:t>Result analysis and comparisons between </a:t>
+            </a:r>
+            <a:r>
+              <a:rPr lang="en-US" sz="1000" b="1" dirty="0"/>
+              <a:t>prompt</a:t>
+            </a:r>
+            <a:r>
+              <a:rPr lang="en-US" sz="1000" dirty="0"/>
+              <a:t> and </a:t>
+            </a:r>
+            <a:r>
+              <a:rPr lang="en-US" sz="1000" b="1" dirty="0"/>
+              <a:t>Ground Truth</a:t>
+            </a:r>
+            <a:r>
+              <a:rPr lang="en-US" sz="1000" dirty="0"/>
+              <a:t> were performed by </a:t>
+            </a:r>
+            <a:r>
+              <a:rPr lang="en-US" sz="1000" b="1" dirty="0"/>
+              <a:t>AI Studio</a:t>
+            </a:r>
+            <a:r>
+              <a:rPr lang="en-US" sz="1000" dirty="0"/>
+              <a:t> (</a:t>
+            </a:r>
+            <a:r>
+              <a:rPr lang="en-US" sz="1000" b="1" dirty="0"/>
+              <a:t>Gemini</a:t>
+            </a:r>
+            <a:r>
+              <a:rPr lang="en-US" sz="1000" dirty="0"/>
+              <a:t>) </a:t>
+            </a:r>
+          </a:p>
+          <a:p>
+            <a:pPr marL="133350" indent="0">
+              <a:buNone/>
+            </a:pPr>
+            <a:r>
+              <a:rPr lang="en-US" sz="1000" dirty="0"/>
+              <a:t>	via the command prompt: “Run numeric comparison against Ground Truth Results”</a:t>
+            </a:r>
+          </a:p>
+          <a:p>
+            <a:pPr marL="133350" indent="0">
+              <a:buNone/>
+            </a:pPr>
+            <a:endParaRPr lang="en-US" sz="1000" dirty="0"/>
+          </a:p>
+        </p:txBody>
+      </p:sp>
+    </p:spTree>
+    <p:extLst>
+      <p:ext uri="{BB962C8B-B14F-4D97-AF65-F5344CB8AC3E}">
+        <p14:creationId xmlns:p14="http://schemas.microsoft.com/office/powerpoint/2010/main" val="105979689"/>
+      </p:ext>
+    </p:extLst>
+  </p:cSld>
+  <p:clrMapOvr>
+    <a:masterClrMapping/>
+  </p:clrMapOvr>
+</p:sld>
+</file>
+
+<file path=ppt/slides/slide2.xml><?xml version="1.0" encoding="utf-8"?>
+<p:sld xmlns:a="http://schemas.openxmlformats.org/drawingml/2006/main" xmlns:r="http://schemas.openxmlformats.org/officeDocument/2006/relationships" xmlns:p="http://schemas.openxmlformats.org/presentationml/2006/main">
+  <p:cSld>
+    <p:spTree>
+      <p:nvGrpSpPr>
+        <p:cNvPr id="1" name="Shape 156"/>
+        <p:cNvGrpSpPr/>
+        <p:nvPr/>
+      </p:nvGrpSpPr>
+      <p:grpSpPr>
+        <a:xfrm>
+          <a:off x="0" y="0"/>
+          <a:ext cx="0" cy="0"/>
+          <a:chOff x="0" y="0"/>
+          <a:chExt cx="0" cy="0"/>
+        </a:xfrm>
+      </p:grpSpPr>
+      <p:sp>
+        <p:nvSpPr>
+          <p:cNvPr id="157" name="Google Shape;157;p36"/>
+          <p:cNvSpPr txBox="1">
+            <a:spLocks noGrp="1"/>
+          </p:cNvSpPr>
+          <p:nvPr>
+            <p:ph type="title"/>
+          </p:nvPr>
+        </p:nvSpPr>
+        <p:spPr>
+          <a:xfrm>
             <a:off x="202550" y="289279"/>
             <a:ext cx="8520600" cy="572700"/>
           </a:xfrm>
@@ -27162,7 +30472,7 @@
               <a:buNone/>
             </a:pPr>
             <a:r>
-              <a:rPr lang="en" dirty="0">
+              <a:rPr lang="en">
                 <a:solidFill>
                   <a:schemeClr val="lt2"/>
                 </a:solidFill>
@@ -27171,9 +30481,9 @@
                 <a:cs typeface="Century Gothic"/>
                 <a:sym typeface="Century Gothic"/>
               </a:rPr>
-              <a:t>Zero-Shot Prompt</a:t>
-            </a:r>
-            <a:endParaRPr dirty="0">
+              <a:t>Contents / Agenda</a:t>
+            </a:r>
+            <a:endParaRPr>
               <a:solidFill>
                 <a:schemeClr val="lt2"/>
               </a:solidFill>
@@ -27187,7 +30497,7 @@
       </p:sp>
       <p:sp>
         <p:nvSpPr>
-          <p:cNvPr id="176" name="Google Shape;176;p39"/>
+          <p:cNvPr id="158" name="Google Shape;158;p36"/>
           <p:cNvSpPr txBox="1">
             <a:spLocks noGrp="1"/>
           </p:cNvSpPr>
@@ -27219,7 +30529,7 @@
                 <a:spcPct val="115000"/>
               </a:lnSpc>
               <a:spcBef>
-                <a:spcPts val="0"/>
+                <a:spcPts val="1000"/>
               </a:spcBef>
               <a:spcAft>
                 <a:spcPts val="0"/>
@@ -27232,7 +30542,7 @@
               <a:buChar char="●"/>
             </a:pPr>
             <a:r>
-              <a:rPr lang="en" sz="1400" dirty="0">
+              <a:rPr lang="en" sz="1400">
                 <a:solidFill>
                   <a:schemeClr val="dk1"/>
                 </a:solidFill>
@@ -27241,9 +30551,9 @@
                 <a:cs typeface="Century Gothic"/>
                 <a:sym typeface="Century Gothic"/>
               </a:rPr>
-              <a:t>Please add the Prompt</a:t>
-            </a:r>
-            <a:endParaRPr sz="1400" dirty="0">
+              <a:t>Business Context, Problem Overview and Solution Approach</a:t>
+            </a:r>
+            <a:endParaRPr sz="1400">
               <a:solidFill>
                 <a:schemeClr val="dk1"/>
               </a:solidFill>
@@ -27272,7 +30582,7 @@
               <a:buChar char="●"/>
             </a:pPr>
             <a:r>
-              <a:rPr lang="en" sz="1400" dirty="0">
+              <a:rPr lang="en" sz="1400">
                 <a:solidFill>
                   <a:schemeClr val="dk1"/>
                 </a:solidFill>
@@ -27281,9 +30591,9 @@
                 <a:cs typeface="Century Gothic"/>
                 <a:sym typeface="Century Gothic"/>
               </a:rPr>
-              <a:t>Please add the details on the structure of the Prompt</a:t>
-            </a:r>
-            <a:endParaRPr sz="1400" dirty="0">
+              <a:t>Exploring Different Prompting Techniques</a:t>
+            </a:r>
+            <a:endParaRPr sz="1400">
               <a:solidFill>
                 <a:schemeClr val="dk1"/>
               </a:solidFill>
@@ -27294,7 +30604,7 @@
             </a:endParaRPr>
           </a:p>
           <a:p>
-            <a:pPr marL="0" lvl="0" indent="0" algn="l" rtl="0">
+            <a:pPr marL="457200" lvl="0" indent="-317500" algn="l" rtl="0">
               <a:lnSpc>
                 <a:spcPct val="115000"/>
               </a:lnSpc>
@@ -27304,10 +30614,26 @@
               <a:spcAft>
                 <a:spcPts val="0"/>
               </a:spcAft>
-              <a:buSzPts val="1500"/>
-              <a:buNone/>
+              <a:buClr>
+                <a:schemeClr val="dk1"/>
+              </a:buClr>
+              <a:buSzPts val="1400"/>
+              <a:buFont typeface="Century Gothic"/>
+              <a:buChar char="●"/>
             </a:pPr>
-            <a:endParaRPr sz="1400" dirty="0">
+            <a:r>
+              <a:rPr lang="en" sz="1400">
+                <a:solidFill>
+                  <a:schemeClr val="dk1"/>
+                </a:solidFill>
+                <a:latin typeface="Century Gothic"/>
+                <a:ea typeface="Century Gothic"/>
+                <a:cs typeface="Century Gothic"/>
+                <a:sym typeface="Century Gothic"/>
+              </a:rPr>
+              <a:t>Prompts and the structure of the Prompts</a:t>
+            </a:r>
+            <a:endParaRPr sz="1400">
               <a:solidFill>
                 <a:schemeClr val="dk1"/>
               </a:solidFill>
@@ -27318,7 +30644,7 @@
             </a:endParaRPr>
           </a:p>
           <a:p>
-            <a:pPr marL="0" lvl="0" indent="0" algn="l" rtl="0">
+            <a:pPr marL="457200" lvl="0" indent="-317500" algn="l" rtl="0">
               <a:lnSpc>
                 <a:spcPct val="115000"/>
               </a:lnSpc>
@@ -27326,13 +30652,17 @@
                 <a:spcPts val="1000"/>
               </a:spcBef>
               <a:spcAft>
-                <a:spcPts val="1000"/>
-              </a:spcAft>
-              <a:buSzPts val="1500"/>
-              <a:buNone/>
+                <a:spcPts val="0"/>
+              </a:spcAft>
+              <a:buClr>
+                <a:schemeClr val="dk1"/>
+              </a:buClr>
+              <a:buSzPts val="1400"/>
+              <a:buFont typeface="Century Gothic"/>
+              <a:buChar char="●"/>
             </a:pPr>
             <a:r>
-              <a:rPr lang="en" sz="1200" b="1" i="1" dirty="0">
+              <a:rPr lang="en" sz="1400">
                 <a:solidFill>
                   <a:schemeClr val="dk1"/>
                 </a:solidFill>
@@ -27341,10 +30671,38 @@
                 <a:cs typeface="Century Gothic"/>
                 <a:sym typeface="Century Gothic"/>
               </a:rPr>
-              <a:t>Note</a:t>
-            </a:r>
-            <a:r>
-              <a:rPr lang="en" sz="1200" i="1" dirty="0">
+              <a:t>Output from the Prompts</a:t>
+            </a:r>
+            <a:endParaRPr sz="1400">
+              <a:solidFill>
+                <a:schemeClr val="dk1"/>
+              </a:solidFill>
+              <a:latin typeface="Century Gothic"/>
+              <a:ea typeface="Century Gothic"/>
+              <a:cs typeface="Century Gothic"/>
+              <a:sym typeface="Century Gothic"/>
+            </a:endParaRPr>
+          </a:p>
+          <a:p>
+            <a:pPr marL="457200" lvl="0" indent="-317500" algn="l" rtl="0">
+              <a:lnSpc>
+                <a:spcPct val="115000"/>
+              </a:lnSpc>
+              <a:spcBef>
+                <a:spcPts val="1000"/>
+              </a:spcBef>
+              <a:spcAft>
+                <a:spcPts val="0"/>
+              </a:spcAft>
+              <a:buClr>
+                <a:schemeClr val="dk1"/>
+              </a:buClr>
+              <a:buSzPts val="1400"/>
+              <a:buFont typeface="Century Gothic"/>
+              <a:buChar char="●"/>
+            </a:pPr>
+            <a:r>
+              <a:rPr lang="en" sz="1400">
                 <a:solidFill>
                   <a:schemeClr val="dk1"/>
                 </a:solidFill>
@@ -27353,9 +30711,49 @@
                 <a:cs typeface="Century Gothic"/>
                 <a:sym typeface="Century Gothic"/>
               </a:rPr>
-              <a:t>: You can use more than one slide if needed </a:t>
-            </a:r>
-            <a:endParaRPr sz="1200" i="1" dirty="0">
+              <a:t>Observations/Insights and conclusions</a:t>
+            </a:r>
+            <a:endParaRPr sz="1400">
+              <a:solidFill>
+                <a:schemeClr val="dk1"/>
+              </a:solidFill>
+              <a:latin typeface="Century Gothic"/>
+              <a:ea typeface="Century Gothic"/>
+              <a:cs typeface="Century Gothic"/>
+              <a:sym typeface="Century Gothic"/>
+            </a:endParaRPr>
+          </a:p>
+          <a:p>
+            <a:pPr marL="457200" lvl="0" indent="-317500" algn="l" rtl="0">
+              <a:lnSpc>
+                <a:spcPct val="115000"/>
+              </a:lnSpc>
+              <a:spcBef>
+                <a:spcPts val="1000"/>
+              </a:spcBef>
+              <a:spcAft>
+                <a:spcPts val="1000"/>
+              </a:spcAft>
+              <a:buClr>
+                <a:schemeClr val="dk1"/>
+              </a:buClr>
+              <a:buSzPts val="1400"/>
+              <a:buFont typeface="Century Gothic"/>
+              <a:buChar char="●"/>
+            </a:pPr>
+            <a:r>
+              <a:rPr lang="en" sz="1400">
+                <a:solidFill>
+                  <a:schemeClr val="dk1"/>
+                </a:solidFill>
+                <a:latin typeface="Century Gothic"/>
+                <a:ea typeface="Century Gothic"/>
+                <a:cs typeface="Century Gothic"/>
+                <a:sym typeface="Century Gothic"/>
+              </a:rPr>
+              <a:t>Appendix</a:t>
+            </a:r>
+            <a:endParaRPr sz="1400">
               <a:solidFill>
                 <a:schemeClr val="dk1"/>
               </a:solidFill>
@@ -27375,7 +30773,1381 @@
 </p:sld>
 </file>
 
-<file path=ppt/slides/slide15.xml><?xml version="1.0" encoding="utf-8"?>
+<file path=ppt/slides/slide20.xml><?xml version="1.0" encoding="utf-8"?>
+<p:sld xmlns:a="http://schemas.openxmlformats.org/drawingml/2006/main" xmlns:r="http://schemas.openxmlformats.org/officeDocument/2006/relationships" xmlns:p="http://schemas.openxmlformats.org/presentationml/2006/main">
+  <p:cSld>
+    <p:spTree>
+      <p:nvGrpSpPr>
+        <p:cNvPr id="1" name="Shape 174">
+          <a:extLst>
+            <a:ext uri="{FF2B5EF4-FFF2-40B4-BE49-F238E27FC236}">
+              <a16:creationId xmlns:a16="http://schemas.microsoft.com/office/drawing/2014/main" id="{BE8641AE-20AA-930B-82CE-871F186A74C1}"/>
+            </a:ext>
+          </a:extLst>
+        </p:cNvPr>
+        <p:cNvGrpSpPr/>
+        <p:nvPr/>
+      </p:nvGrpSpPr>
+      <p:grpSpPr>
+        <a:xfrm>
+          <a:off x="0" y="0"/>
+          <a:ext cx="0" cy="0"/>
+          <a:chOff x="0" y="0"/>
+          <a:chExt cx="0" cy="0"/>
+        </a:xfrm>
+      </p:grpSpPr>
+      <p:sp>
+        <p:nvSpPr>
+          <p:cNvPr id="175" name="Google Shape;175;p39">
+            <a:extLst>
+              <a:ext uri="{FF2B5EF4-FFF2-40B4-BE49-F238E27FC236}">
+                <a16:creationId xmlns:a16="http://schemas.microsoft.com/office/drawing/2014/main" id="{6A144A3E-D33F-983A-0893-A52F10354690}"/>
+              </a:ext>
+            </a:extLst>
+          </p:cNvPr>
+          <p:cNvSpPr txBox="1">
+            <a:spLocks noGrp="1"/>
+          </p:cNvSpPr>
+          <p:nvPr>
+            <p:ph type="title"/>
+          </p:nvPr>
+        </p:nvSpPr>
+        <p:spPr>
+          <a:xfrm>
+            <a:off x="202550" y="-20108"/>
+            <a:ext cx="8520600" cy="572700"/>
+          </a:xfrm>
+          <a:prstGeom prst="rect">
+            <a:avLst/>
+          </a:prstGeom>
+          <a:noFill/>
+          <a:ln>
+            <a:noFill/>
+          </a:ln>
+        </p:spPr>
+        <p:txBody>
+          <a:bodyPr spcFirstLastPara="1" wrap="square" lIns="91425" tIns="91425" rIns="91425" bIns="91425" anchor="t" anchorCtr="0">
+            <a:noAutofit/>
+          </a:bodyPr>
+          <a:lstStyle/>
+          <a:p>
+            <a:pPr marL="0" lvl="0" indent="0" algn="l" rtl="0">
+              <a:lnSpc>
+                <a:spcPct val="100000"/>
+              </a:lnSpc>
+              <a:spcBef>
+                <a:spcPts val="0"/>
+              </a:spcBef>
+              <a:spcAft>
+                <a:spcPts val="0"/>
+              </a:spcAft>
+              <a:buSzPts val="2200"/>
+              <a:buNone/>
+            </a:pPr>
+            <a:r>
+              <a:rPr lang="en" dirty="0">
+                <a:solidFill>
+                  <a:schemeClr val="lt2"/>
+                </a:solidFill>
+                <a:latin typeface="Century Gothic"/>
+                <a:ea typeface="Century Gothic"/>
+                <a:cs typeface="Century Gothic"/>
+                <a:sym typeface="Century Gothic"/>
+              </a:rPr>
+              <a:t>Updated Zero-Shot Prompt</a:t>
+            </a:r>
+            <a:endParaRPr dirty="0">
+              <a:solidFill>
+                <a:schemeClr val="lt2"/>
+              </a:solidFill>
+              <a:latin typeface="Century Gothic"/>
+              <a:ea typeface="Century Gothic"/>
+              <a:cs typeface="Century Gothic"/>
+              <a:sym typeface="Century Gothic"/>
+            </a:endParaRPr>
+          </a:p>
+        </p:txBody>
+      </p:sp>
+      <p:sp>
+        <p:nvSpPr>
+          <p:cNvPr id="176" name="Google Shape;176;p39">
+            <a:extLst>
+              <a:ext uri="{FF2B5EF4-FFF2-40B4-BE49-F238E27FC236}">
+                <a16:creationId xmlns:a16="http://schemas.microsoft.com/office/drawing/2014/main" id="{A45E19FD-554F-8792-3060-648C7F63EE63}"/>
+              </a:ext>
+            </a:extLst>
+          </p:cNvPr>
+          <p:cNvSpPr txBox="1">
+            <a:spLocks noGrp="1"/>
+          </p:cNvSpPr>
+          <p:nvPr>
+            <p:ph type="body" idx="1"/>
+          </p:nvPr>
+        </p:nvSpPr>
+        <p:spPr>
+          <a:xfrm>
+            <a:off x="257100" y="641969"/>
+            <a:ext cx="8629800" cy="2438115"/>
+          </a:xfrm>
+          <a:prstGeom prst="rect">
+            <a:avLst/>
+          </a:prstGeom>
+          <a:noFill/>
+          <a:ln>
+            <a:noFill/>
+          </a:ln>
+        </p:spPr>
+        <p:txBody>
+          <a:bodyPr spcFirstLastPara="1" wrap="square" lIns="91425" tIns="91425" rIns="91425" bIns="91425" anchor="t" anchorCtr="0">
+            <a:noAutofit/>
+          </a:bodyPr>
+          <a:lstStyle/>
+          <a:p>
+            <a:pPr marL="133350" indent="0">
+              <a:buNone/>
+            </a:pPr>
+            <a:r>
+              <a:rPr lang="en-US" sz="1200" b="1" dirty="0"/>
+              <a:t>Updated Zero-Shot Prompt Template:</a:t>
+            </a:r>
+          </a:p>
+          <a:p>
+            <a:pPr marL="133350" indent="0">
+              <a:buNone/>
+            </a:pPr>
+            <a:endParaRPr lang="en-US" sz="1200" dirty="0"/>
+          </a:p>
+          <a:p>
+            <a:pPr marL="133350" indent="0">
+              <a:buNone/>
+            </a:pPr>
+            <a:r>
+              <a:rPr lang="en-US" sz="1000" dirty="0"/>
+              <a:t>The “</a:t>
+            </a:r>
+            <a:r>
+              <a:rPr lang="en-US" sz="1000" b="1" dirty="0"/>
+              <a:t>Updated Zero-Shot Prompt Template</a:t>
+            </a:r>
+            <a:r>
+              <a:rPr lang="en-US" sz="1000" dirty="0"/>
+              <a:t>” is based on the original zero prompt with only the following difference:</a:t>
+            </a:r>
+          </a:p>
+          <a:p>
+            <a:pPr marL="133350" indent="0">
+              <a:buNone/>
+            </a:pPr>
+            <a:endParaRPr lang="en-US" sz="1000" dirty="0"/>
+          </a:p>
+          <a:p>
+            <a:r>
+              <a:rPr lang="en-US" sz="1000" dirty="0"/>
+              <a:t>The Overall Experience tag definition was modified to:</a:t>
+            </a:r>
+          </a:p>
+          <a:p>
+            <a:pPr lvl="1"/>
+            <a:r>
+              <a:rPr lang="en-US" sz="1000" dirty="0"/>
+              <a:t>Overall Experience: Apply when the customer explicitly states "experience," "service," "will/won't order again," or uses strong general rating language that clearly reflects their overall sentiment about the entire transaction (e.g., "very satisfied," "impressive," "always happy," "everything was perfect," "very pleased," "loved everything," "terrible meal")</a:t>
+            </a:r>
+            <a:br>
+              <a:rPr lang="en-US" sz="800" dirty="0"/>
+            </a:br>
+            <a:endParaRPr lang="en-US" sz="800" dirty="0"/>
+          </a:p>
+        </p:txBody>
+      </p:sp>
+    </p:spTree>
+    <p:extLst>
+      <p:ext uri="{BB962C8B-B14F-4D97-AF65-F5344CB8AC3E}">
+        <p14:creationId xmlns:p14="http://schemas.microsoft.com/office/powerpoint/2010/main" val="2058125719"/>
+      </p:ext>
+    </p:extLst>
+  </p:cSld>
+  <p:clrMapOvr>
+    <a:masterClrMapping/>
+  </p:clrMapOvr>
+</p:sld>
+</file>
+
+<file path=ppt/slides/slide21.xml><?xml version="1.0" encoding="utf-8"?>
+<p:sld xmlns:a="http://schemas.openxmlformats.org/drawingml/2006/main" xmlns:r="http://schemas.openxmlformats.org/officeDocument/2006/relationships" xmlns:p="http://schemas.openxmlformats.org/presentationml/2006/main">
+  <p:cSld>
+    <p:spTree>
+      <p:nvGrpSpPr>
+        <p:cNvPr id="1" name="Shape 174">
+          <a:extLst>
+            <a:ext uri="{FF2B5EF4-FFF2-40B4-BE49-F238E27FC236}">
+              <a16:creationId xmlns:a16="http://schemas.microsoft.com/office/drawing/2014/main" id="{EA0CB5B0-A458-7F9B-3330-DBAAB32A81AC}"/>
+            </a:ext>
+          </a:extLst>
+        </p:cNvPr>
+        <p:cNvGrpSpPr/>
+        <p:nvPr/>
+      </p:nvGrpSpPr>
+      <p:grpSpPr>
+        <a:xfrm>
+          <a:off x="0" y="0"/>
+          <a:ext cx="0" cy="0"/>
+          <a:chOff x="0" y="0"/>
+          <a:chExt cx="0" cy="0"/>
+        </a:xfrm>
+      </p:grpSpPr>
+      <p:sp>
+        <p:nvSpPr>
+          <p:cNvPr id="175" name="Google Shape;175;p39">
+            <a:extLst>
+              <a:ext uri="{FF2B5EF4-FFF2-40B4-BE49-F238E27FC236}">
+                <a16:creationId xmlns:a16="http://schemas.microsoft.com/office/drawing/2014/main" id="{65E66213-2A57-F1A2-97B8-C6A6041E606B}"/>
+              </a:ext>
+            </a:extLst>
+          </p:cNvPr>
+          <p:cNvSpPr txBox="1">
+            <a:spLocks noGrp="1"/>
+          </p:cNvSpPr>
+          <p:nvPr>
+            <p:ph type="title"/>
+          </p:nvPr>
+        </p:nvSpPr>
+        <p:spPr>
+          <a:xfrm>
+            <a:off x="202550" y="-20108"/>
+            <a:ext cx="8520600" cy="572700"/>
+          </a:xfrm>
+          <a:prstGeom prst="rect">
+            <a:avLst/>
+          </a:prstGeom>
+          <a:noFill/>
+          <a:ln>
+            <a:noFill/>
+          </a:ln>
+        </p:spPr>
+        <p:txBody>
+          <a:bodyPr spcFirstLastPara="1" wrap="square" lIns="91425" tIns="91425" rIns="91425" bIns="91425" anchor="t" anchorCtr="0">
+            <a:noAutofit/>
+          </a:bodyPr>
+          <a:lstStyle/>
+          <a:p>
+            <a:pPr marL="0" lvl="0" indent="0" algn="l" rtl="0">
+              <a:lnSpc>
+                <a:spcPct val="100000"/>
+              </a:lnSpc>
+              <a:spcBef>
+                <a:spcPts val="0"/>
+              </a:spcBef>
+              <a:spcAft>
+                <a:spcPts val="0"/>
+              </a:spcAft>
+              <a:buSzPts val="2200"/>
+              <a:buNone/>
+            </a:pPr>
+            <a:r>
+              <a:rPr lang="en" dirty="0">
+                <a:solidFill>
+                  <a:schemeClr val="lt2"/>
+                </a:solidFill>
+                <a:latin typeface="Century Gothic"/>
+                <a:ea typeface="Century Gothic"/>
+                <a:cs typeface="Century Gothic"/>
+                <a:sym typeface="Century Gothic"/>
+              </a:rPr>
+              <a:t>Updated Zero-Shot Prompt Results</a:t>
+            </a:r>
+            <a:endParaRPr dirty="0">
+              <a:solidFill>
+                <a:schemeClr val="lt2"/>
+              </a:solidFill>
+              <a:latin typeface="Century Gothic"/>
+              <a:ea typeface="Century Gothic"/>
+              <a:cs typeface="Century Gothic"/>
+              <a:sym typeface="Century Gothic"/>
+            </a:endParaRPr>
+          </a:p>
+        </p:txBody>
+      </p:sp>
+      <p:pic>
+        <p:nvPicPr>
+          <p:cNvPr id="3" name="Picture 2">
+            <a:extLst>
+              <a:ext uri="{FF2B5EF4-FFF2-40B4-BE49-F238E27FC236}">
+                <a16:creationId xmlns:a16="http://schemas.microsoft.com/office/drawing/2014/main" id="{0D837639-8333-6B03-F10A-57F4E88C57F5}"/>
+              </a:ext>
+            </a:extLst>
+          </p:cNvPr>
+          <p:cNvPicPr>
+            <a:picLocks noChangeAspect="1"/>
+          </p:cNvPicPr>
+          <p:nvPr/>
+        </p:nvPicPr>
+        <p:blipFill>
+          <a:blip r:embed="rId3"/>
+          <a:stretch>
+            <a:fillRect/>
+          </a:stretch>
+        </p:blipFill>
+        <p:spPr>
+          <a:xfrm>
+            <a:off x="649472" y="552592"/>
+            <a:ext cx="6913234" cy="4289318"/>
+          </a:xfrm>
+          <a:prstGeom prst="rect">
+            <a:avLst/>
+          </a:prstGeom>
+        </p:spPr>
+      </p:pic>
+    </p:spTree>
+    <p:extLst>
+      <p:ext uri="{BB962C8B-B14F-4D97-AF65-F5344CB8AC3E}">
+        <p14:creationId xmlns:p14="http://schemas.microsoft.com/office/powerpoint/2010/main" val="771079005"/>
+      </p:ext>
+    </p:extLst>
+  </p:cSld>
+  <p:clrMapOvr>
+    <a:masterClrMapping/>
+  </p:clrMapOvr>
+</p:sld>
+</file>
+
+<file path=ppt/slides/slide22.xml><?xml version="1.0" encoding="utf-8"?>
+<p:sld xmlns:a="http://schemas.openxmlformats.org/drawingml/2006/main" xmlns:r="http://schemas.openxmlformats.org/officeDocument/2006/relationships" xmlns:p="http://schemas.openxmlformats.org/presentationml/2006/main">
+  <p:cSld>
+    <p:spTree>
+      <p:nvGrpSpPr>
+        <p:cNvPr id="1" name="Shape 174">
+          <a:extLst>
+            <a:ext uri="{FF2B5EF4-FFF2-40B4-BE49-F238E27FC236}">
+              <a16:creationId xmlns:a16="http://schemas.microsoft.com/office/drawing/2014/main" id="{12AD72A0-E843-C77F-DCD8-F696777FD2BA}"/>
+            </a:ext>
+          </a:extLst>
+        </p:cNvPr>
+        <p:cNvGrpSpPr/>
+        <p:nvPr/>
+      </p:nvGrpSpPr>
+      <p:grpSpPr>
+        <a:xfrm>
+          <a:off x="0" y="0"/>
+          <a:ext cx="0" cy="0"/>
+          <a:chOff x="0" y="0"/>
+          <a:chExt cx="0" cy="0"/>
+        </a:xfrm>
+      </p:grpSpPr>
+      <p:sp>
+        <p:nvSpPr>
+          <p:cNvPr id="175" name="Google Shape;175;p39">
+            <a:extLst>
+              <a:ext uri="{FF2B5EF4-FFF2-40B4-BE49-F238E27FC236}">
+                <a16:creationId xmlns:a16="http://schemas.microsoft.com/office/drawing/2014/main" id="{8ACAB51E-0822-916F-5222-C22CE831E8AD}"/>
+              </a:ext>
+            </a:extLst>
+          </p:cNvPr>
+          <p:cNvSpPr txBox="1">
+            <a:spLocks noGrp="1"/>
+          </p:cNvSpPr>
+          <p:nvPr>
+            <p:ph type="title"/>
+          </p:nvPr>
+        </p:nvSpPr>
+        <p:spPr>
+          <a:xfrm>
+            <a:off x="202550" y="-95733"/>
+            <a:ext cx="8520600" cy="572700"/>
+          </a:xfrm>
+          <a:prstGeom prst="rect">
+            <a:avLst/>
+          </a:prstGeom>
+          <a:noFill/>
+          <a:ln>
+            <a:noFill/>
+          </a:ln>
+        </p:spPr>
+        <p:txBody>
+          <a:bodyPr spcFirstLastPara="1" wrap="square" lIns="91425" tIns="91425" rIns="91425" bIns="91425" anchor="t" anchorCtr="0">
+            <a:noAutofit/>
+          </a:bodyPr>
+          <a:lstStyle/>
+          <a:p>
+            <a:pPr lvl="0"/>
+            <a:r>
+              <a:rPr lang="en" dirty="0">
+                <a:solidFill>
+                  <a:schemeClr val="lt2"/>
+                </a:solidFill>
+                <a:latin typeface="Century Gothic"/>
+                <a:ea typeface="Century Gothic"/>
+                <a:cs typeface="Century Gothic"/>
+                <a:sym typeface="Century Gothic"/>
+              </a:rPr>
+              <a:t>Updated Zero-Shot Prompt Results</a:t>
+            </a:r>
+            <a:endParaRPr dirty="0">
+              <a:solidFill>
+                <a:schemeClr val="lt2"/>
+              </a:solidFill>
+              <a:latin typeface="Century Gothic"/>
+              <a:ea typeface="Century Gothic"/>
+              <a:cs typeface="Century Gothic"/>
+              <a:sym typeface="Century Gothic"/>
+            </a:endParaRPr>
+          </a:p>
+        </p:txBody>
+      </p:sp>
+      <p:sp>
+        <p:nvSpPr>
+          <p:cNvPr id="176" name="Google Shape;176;p39">
+            <a:extLst>
+              <a:ext uri="{FF2B5EF4-FFF2-40B4-BE49-F238E27FC236}">
+                <a16:creationId xmlns:a16="http://schemas.microsoft.com/office/drawing/2014/main" id="{AE440EB7-80A5-B299-DED3-A2E798689351}"/>
+              </a:ext>
+            </a:extLst>
+          </p:cNvPr>
+          <p:cNvSpPr txBox="1">
+            <a:spLocks noGrp="1"/>
+          </p:cNvSpPr>
+          <p:nvPr>
+            <p:ph type="body" idx="1"/>
+          </p:nvPr>
+        </p:nvSpPr>
+        <p:spPr>
+          <a:xfrm>
+            <a:off x="257100" y="592985"/>
+            <a:ext cx="8629800" cy="4254023"/>
+          </a:xfrm>
+          <a:prstGeom prst="rect">
+            <a:avLst/>
+          </a:prstGeom>
+          <a:noFill/>
+          <a:ln>
+            <a:noFill/>
+          </a:ln>
+        </p:spPr>
+        <p:txBody>
+          <a:bodyPr spcFirstLastPara="1" wrap="square" lIns="91425" tIns="91425" rIns="91425" bIns="91425" anchor="t" anchorCtr="0">
+            <a:noAutofit/>
+          </a:bodyPr>
+          <a:lstStyle/>
+          <a:p>
+            <a:pPr marL="133350" indent="0">
+              <a:buNone/>
+            </a:pPr>
+            <a:r>
+              <a:rPr lang="en-US" sz="1200" b="1" dirty="0"/>
+              <a:t>Numerical Comparison Summary (Zero-Shot Prompt, Updated Overall Experience Tag, T=0.2 vs. Ground Truth):</a:t>
+            </a:r>
+            <a:endParaRPr lang="en-US" sz="1200" dirty="0"/>
+          </a:p>
+          <a:p>
+            <a:pPr marL="133350" indent="0">
+              <a:spcBef>
+                <a:spcPts val="500"/>
+              </a:spcBef>
+              <a:buNone/>
+            </a:pPr>
+            <a:r>
+              <a:rPr lang="en-US" sz="1000" b="1" dirty="0"/>
+              <a:t>1. Category Differences (vs. Ground Truth):</a:t>
+            </a:r>
+            <a:endParaRPr lang="en-US" sz="1000" dirty="0"/>
+          </a:p>
+          <a:p>
+            <a:pPr marL="133350" indent="0">
+              <a:buNone/>
+            </a:pPr>
+            <a:r>
+              <a:rPr lang="en-US" sz="1000" b="1" dirty="0"/>
+              <a:t>             Total Tags Differences: 10</a:t>
+            </a:r>
+            <a:endParaRPr lang="en-US" sz="1000" dirty="0"/>
+          </a:p>
+          <a:p>
+            <a:pPr marL="133350" indent="0">
+              <a:spcBef>
+                <a:spcPts val="500"/>
+              </a:spcBef>
+              <a:buNone/>
+            </a:pPr>
+            <a:r>
+              <a:rPr lang="en-US" sz="1000" b="1" dirty="0"/>
+              <a:t>2. Tags Differences (vs. Ground Truth):</a:t>
+            </a:r>
+            <a:endParaRPr lang="en-US" sz="1000" dirty="0"/>
+          </a:p>
+          <a:p>
+            <a:pPr lvl="1">
+              <a:spcBef>
+                <a:spcPts val="200"/>
+              </a:spcBef>
+            </a:pPr>
+            <a:r>
+              <a:rPr lang="en-US" sz="800" b="1" dirty="0"/>
+              <a:t>C002:</a:t>
+            </a:r>
+            <a:r>
+              <a:rPr lang="en-US" sz="800" dirty="0"/>
+              <a:t> My (Delivery Time, Packaging, Food Quality, Overall Experience) vs. GT (Delivery Time, Packaging, Overall Experience) - 1 difference (My output has an extra "Food Quality" tag)</a:t>
+            </a:r>
+          </a:p>
+          <a:p>
+            <a:pPr lvl="1">
+              <a:spcBef>
+                <a:spcPts val="200"/>
+              </a:spcBef>
+            </a:pPr>
+            <a:r>
+              <a:rPr lang="en-US" sz="800" b="1" dirty="0"/>
+              <a:t>C006:</a:t>
+            </a:r>
+            <a:r>
+              <a:rPr lang="en-US" sz="800" dirty="0"/>
+              <a:t> My (Delivery Time, Food Quality, Price, Overall Experience) vs. GT (Delivery Time, Food Quality, Price, Overall Experience) - Match</a:t>
+            </a:r>
+          </a:p>
+          <a:p>
+            <a:pPr lvl="1">
+              <a:spcBef>
+                <a:spcPts val="200"/>
+              </a:spcBef>
+            </a:pPr>
+            <a:r>
+              <a:rPr lang="en-US" sz="800" b="1" dirty="0"/>
+              <a:t>C007:</a:t>
+            </a:r>
+            <a:r>
+              <a:rPr lang="en-US" sz="800" dirty="0"/>
+              <a:t> My (Delivery Time, Food Quality, Overall Experience) vs. GT (Delivery Time, Food Quality, Overall Experience) - Match</a:t>
+            </a:r>
+          </a:p>
+          <a:p>
+            <a:pPr lvl="1">
+              <a:spcBef>
+                <a:spcPts val="200"/>
+              </a:spcBef>
+            </a:pPr>
+            <a:r>
+              <a:rPr lang="en-US" sz="800" b="1" dirty="0"/>
+              <a:t>C008:</a:t>
+            </a:r>
+            <a:r>
+              <a:rPr lang="en-US" sz="800" dirty="0"/>
+              <a:t> My (Delivery Time, Food Quality, Overall Experience) vs. GT (Food Quality, Overall Experience) - 1 difference (My output has an extra "Delivery Time" tag)</a:t>
+            </a:r>
+          </a:p>
+          <a:p>
+            <a:pPr lvl="1">
+              <a:spcBef>
+                <a:spcPts val="200"/>
+              </a:spcBef>
+            </a:pPr>
+            <a:r>
+              <a:rPr lang="en-US" sz="800" b="1" dirty="0"/>
+              <a:t>C009:</a:t>
+            </a:r>
+            <a:r>
+              <a:rPr lang="en-US" sz="800" dirty="0"/>
+              <a:t> My (Delivery Time, Overall Experience) vs. GT (Delivery Time, Overall Experience) - Match</a:t>
+            </a:r>
+          </a:p>
+          <a:p>
+            <a:pPr lvl="1">
+              <a:spcBef>
+                <a:spcPts val="200"/>
+              </a:spcBef>
+            </a:pPr>
+            <a:r>
+              <a:rPr lang="en-US" sz="800" b="1" dirty="0"/>
+              <a:t>C011:</a:t>
+            </a:r>
+            <a:r>
+              <a:rPr lang="en-US" sz="800" dirty="0"/>
+              <a:t> My (Delivery Time, Food Quality, Overall Experience) vs. GT (Food Quality, Overall Experience) - 1 difference (My output has an extra "Delivery Time" tag)</a:t>
+            </a:r>
+          </a:p>
+          <a:p>
+            <a:pPr lvl="1">
+              <a:spcBef>
+                <a:spcPts val="200"/>
+              </a:spcBef>
+            </a:pPr>
+            <a:r>
+              <a:rPr lang="en-US" sz="800" b="1" dirty="0"/>
+              <a:t>C013:</a:t>
+            </a:r>
+            <a:r>
+              <a:rPr lang="en-US" sz="800" dirty="0"/>
+              <a:t> My (Delivery Time, Food Quality, Overall Experience) vs. GT (Delivery Time, Food Quality, Overall Experience) - Match</a:t>
+            </a:r>
+          </a:p>
+          <a:p>
+            <a:pPr lvl="1">
+              <a:spcBef>
+                <a:spcPts val="200"/>
+              </a:spcBef>
+            </a:pPr>
+            <a:r>
+              <a:rPr lang="en-US" sz="800" b="1" dirty="0"/>
+              <a:t>C016:</a:t>
+            </a:r>
+            <a:r>
+              <a:rPr lang="en-US" sz="800" dirty="0"/>
+              <a:t> My (Delivery Time, Packaging, Overall Experience) vs. GT (Delivery Time, Packaging, Overall Experience) - Match</a:t>
+            </a:r>
+          </a:p>
+          <a:p>
+            <a:pPr lvl="1">
+              <a:spcBef>
+                <a:spcPts val="200"/>
+              </a:spcBef>
+            </a:pPr>
+            <a:r>
+              <a:rPr lang="en-US" sz="800" b="1" dirty="0"/>
+              <a:t>C018:</a:t>
+            </a:r>
+            <a:r>
+              <a:rPr lang="en-US" sz="800" dirty="0"/>
+              <a:t> My (Delivery Time, Food Quality, Overall Experience) vs. GT (Food Quality, Overall Experience) - 1 difference (My output has an extra "Delivery Time" tag)</a:t>
+            </a:r>
+          </a:p>
+          <a:p>
+            <a:pPr lvl="1">
+              <a:spcBef>
+                <a:spcPts val="200"/>
+              </a:spcBef>
+            </a:pPr>
+            <a:r>
+              <a:rPr lang="en-US" sz="800" b="1" dirty="0"/>
+              <a:t>C024:</a:t>
+            </a:r>
+            <a:r>
+              <a:rPr lang="en-US" sz="800" dirty="0"/>
+              <a:t> My (Delivery Time, Food Quality, Overall Experience) vs. GT (Delivery Time, Food Quality, Overall Experience) - Match</a:t>
+            </a:r>
+          </a:p>
+          <a:p>
+            <a:pPr lvl="1">
+              <a:spcBef>
+                <a:spcPts val="200"/>
+              </a:spcBef>
+            </a:pPr>
+            <a:r>
+              <a:rPr lang="en-US" sz="800" b="1" dirty="0"/>
+              <a:t>C026:</a:t>
+            </a:r>
+            <a:r>
+              <a:rPr lang="en-US" sz="800" dirty="0"/>
+              <a:t> My (Delivery Time, Packaging, Food Quality, Overall Experience) vs. GT (Delivery Time, Packaging, Overall Experience) - 1 difference (My output has an extra "Food Quality" tag)</a:t>
+            </a:r>
+          </a:p>
+          <a:p>
+            <a:pPr lvl="1">
+              <a:spcBef>
+                <a:spcPts val="200"/>
+              </a:spcBef>
+            </a:pPr>
+            <a:r>
+              <a:rPr lang="en-US" sz="800" b="1" dirty="0"/>
+              <a:t>C027:</a:t>
+            </a:r>
+            <a:r>
+              <a:rPr lang="en-US" sz="800" dirty="0"/>
+              <a:t> My (Delivery Time, Overall Experience) vs. GT (Overall Experience) - 1 difference (My output has an extra "Delivery Time" tag)</a:t>
+            </a:r>
+          </a:p>
+          <a:p>
+            <a:pPr lvl="1">
+              <a:spcBef>
+                <a:spcPts val="200"/>
+              </a:spcBef>
+            </a:pPr>
+            <a:r>
+              <a:rPr lang="en-US" sz="800" b="1" dirty="0"/>
+              <a:t>C031:</a:t>
+            </a:r>
+            <a:r>
+              <a:rPr lang="en-US" sz="800" dirty="0"/>
+              <a:t> My (Delivery Time, Food Quality, Overall Experience) vs. GT (Food Quality, Overall Experience) - 1 difference (My output has an extra "Delivery Time" tag)</a:t>
+            </a:r>
+          </a:p>
+          <a:p>
+            <a:pPr lvl="1">
+              <a:spcBef>
+                <a:spcPts val="200"/>
+              </a:spcBef>
+            </a:pPr>
+            <a:r>
+              <a:rPr lang="en-US" sz="800" b="1" dirty="0"/>
+              <a:t>C033:</a:t>
+            </a:r>
+            <a:r>
+              <a:rPr lang="en-US" sz="800" dirty="0"/>
+              <a:t> My (Delivery Time, Food Quality, Overall Experience) vs. GT (Food Quality, Overall Experience) - 1 difference (My output has an extra "Delivery Time" tag)</a:t>
+            </a:r>
+          </a:p>
+          <a:p>
+            <a:pPr lvl="1">
+              <a:spcBef>
+                <a:spcPts val="200"/>
+              </a:spcBef>
+            </a:pPr>
+            <a:r>
+              <a:rPr lang="en-US" sz="800" b="1" dirty="0"/>
+              <a:t>C036:</a:t>
+            </a:r>
+            <a:r>
+              <a:rPr lang="en-US" sz="800" dirty="0"/>
+              <a:t> My (Delivery Time, Food Quality, Overall Experience) vs. GT (Delivery Time, Food Quality) - 1 difference (My output has an extra "Overall Experience" tag)</a:t>
+            </a:r>
+          </a:p>
+          <a:p>
+            <a:pPr marL="133350" indent="0">
+              <a:buNone/>
+            </a:pPr>
+            <a:r>
+              <a:rPr lang="en-US" sz="1000" b="1" dirty="0"/>
+              <a:t>             Total Tags Differences: 10</a:t>
+            </a:r>
+            <a:endParaRPr lang="en-US" sz="1000" dirty="0"/>
+          </a:p>
+          <a:p>
+            <a:pPr marL="133350" indent="0">
+              <a:spcBef>
+                <a:spcPts val="500"/>
+              </a:spcBef>
+              <a:buNone/>
+            </a:pPr>
+            <a:r>
+              <a:rPr lang="en-US" sz="1000" b="1" dirty="0"/>
+              <a:t>3. Total Rows with at least one difference (Category or Tags):</a:t>
+            </a:r>
+            <a:r>
+              <a:rPr lang="en-US" sz="1000" dirty="0"/>
+              <a:t> </a:t>
+            </a:r>
+            <a:r>
+              <a:rPr lang="en-US" sz="1000" b="1" dirty="0"/>
+              <a:t>8</a:t>
+            </a:r>
+            <a:r>
+              <a:rPr lang="en-US" sz="1000" dirty="0"/>
+              <a:t> out of </a:t>
+            </a:r>
+            <a:r>
+              <a:rPr lang="en-US" sz="1000" b="1" dirty="0"/>
+              <a:t>36</a:t>
+            </a:r>
+            <a:r>
+              <a:rPr lang="en-US" sz="1000" dirty="0"/>
+              <a:t> rows.</a:t>
+            </a:r>
+          </a:p>
+        </p:txBody>
+      </p:sp>
+    </p:spTree>
+    <p:extLst>
+      <p:ext uri="{BB962C8B-B14F-4D97-AF65-F5344CB8AC3E}">
+        <p14:creationId xmlns:p14="http://schemas.microsoft.com/office/powerpoint/2010/main" val="162300022"/>
+      </p:ext>
+    </p:extLst>
+  </p:cSld>
+  <p:clrMapOvr>
+    <a:masterClrMapping/>
+  </p:clrMapOvr>
+</p:sld>
+</file>
+
+<file path=ppt/slides/slide23.xml><?xml version="1.0" encoding="utf-8"?>
+<p:sld xmlns:a="http://schemas.openxmlformats.org/drawingml/2006/main" xmlns:r="http://schemas.openxmlformats.org/officeDocument/2006/relationships" xmlns:p="http://schemas.openxmlformats.org/presentationml/2006/main">
+  <p:cSld>
+    <p:spTree>
+      <p:nvGrpSpPr>
+        <p:cNvPr id="1" name="Shape 174">
+          <a:extLst>
+            <a:ext uri="{FF2B5EF4-FFF2-40B4-BE49-F238E27FC236}">
+              <a16:creationId xmlns:a16="http://schemas.microsoft.com/office/drawing/2014/main" id="{B490C0B2-5FF8-5CCF-B32E-4C15B9466097}"/>
+            </a:ext>
+          </a:extLst>
+        </p:cNvPr>
+        <p:cNvGrpSpPr/>
+        <p:nvPr/>
+      </p:nvGrpSpPr>
+      <p:grpSpPr>
+        <a:xfrm>
+          <a:off x="0" y="0"/>
+          <a:ext cx="0" cy="0"/>
+          <a:chOff x="0" y="0"/>
+          <a:chExt cx="0" cy="0"/>
+        </a:xfrm>
+      </p:grpSpPr>
+      <p:sp>
+        <p:nvSpPr>
+          <p:cNvPr id="175" name="Google Shape;175;p39">
+            <a:extLst>
+              <a:ext uri="{FF2B5EF4-FFF2-40B4-BE49-F238E27FC236}">
+                <a16:creationId xmlns:a16="http://schemas.microsoft.com/office/drawing/2014/main" id="{85A798BC-CAC5-B25E-260F-0E833591DA22}"/>
+              </a:ext>
+            </a:extLst>
+          </p:cNvPr>
+          <p:cNvSpPr txBox="1">
+            <a:spLocks noGrp="1"/>
+          </p:cNvSpPr>
+          <p:nvPr>
+            <p:ph type="title"/>
+          </p:nvPr>
+        </p:nvSpPr>
+        <p:spPr>
+          <a:xfrm>
+            <a:off x="257100" y="190616"/>
+            <a:ext cx="8520600" cy="572700"/>
+          </a:xfrm>
+          <a:prstGeom prst="rect">
+            <a:avLst/>
+          </a:prstGeom>
+          <a:noFill/>
+          <a:ln>
+            <a:noFill/>
+          </a:ln>
+        </p:spPr>
+        <p:txBody>
+          <a:bodyPr spcFirstLastPara="1" wrap="square" lIns="91425" tIns="91425" rIns="91425" bIns="91425" anchor="t" anchorCtr="0">
+            <a:noAutofit/>
+          </a:bodyPr>
+          <a:lstStyle/>
+          <a:p>
+            <a:pPr lvl="0"/>
+            <a:r>
+              <a:rPr lang="en" dirty="0">
+                <a:solidFill>
+                  <a:schemeClr val="lt2"/>
+                </a:solidFill>
+                <a:latin typeface="Century Gothic"/>
+                <a:ea typeface="Century Gothic"/>
+                <a:cs typeface="Century Gothic"/>
+                <a:sym typeface="Century Gothic"/>
+              </a:rPr>
+              <a:t>Updated Zero-Shot Prompt Results</a:t>
+            </a:r>
+            <a:endParaRPr dirty="0">
+              <a:solidFill>
+                <a:schemeClr val="lt2"/>
+              </a:solidFill>
+              <a:latin typeface="Century Gothic"/>
+              <a:ea typeface="Century Gothic"/>
+              <a:cs typeface="Century Gothic"/>
+              <a:sym typeface="Century Gothic"/>
+            </a:endParaRPr>
+          </a:p>
+        </p:txBody>
+      </p:sp>
+      <p:sp>
+        <p:nvSpPr>
+          <p:cNvPr id="176" name="Google Shape;176;p39">
+            <a:extLst>
+              <a:ext uri="{FF2B5EF4-FFF2-40B4-BE49-F238E27FC236}">
+                <a16:creationId xmlns:a16="http://schemas.microsoft.com/office/drawing/2014/main" id="{D4E877E2-1595-3C1D-692E-05EB1A47EDD9}"/>
+              </a:ext>
+            </a:extLst>
+          </p:cNvPr>
+          <p:cNvSpPr txBox="1">
+            <a:spLocks noGrp="1"/>
+          </p:cNvSpPr>
+          <p:nvPr>
+            <p:ph type="body" idx="1"/>
+          </p:nvPr>
+        </p:nvSpPr>
+        <p:spPr>
+          <a:xfrm>
+            <a:off x="257100" y="845648"/>
+            <a:ext cx="8412512" cy="2880703"/>
+          </a:xfrm>
+          <a:prstGeom prst="rect">
+            <a:avLst/>
+          </a:prstGeom>
+          <a:noFill/>
+          <a:ln>
+            <a:noFill/>
+          </a:ln>
+        </p:spPr>
+        <p:txBody>
+          <a:bodyPr spcFirstLastPara="1" wrap="square" lIns="91425" tIns="91425" rIns="91425" bIns="91425" anchor="t" anchorCtr="0">
+            <a:noAutofit/>
+          </a:bodyPr>
+          <a:lstStyle/>
+          <a:p>
+            <a:pPr marL="133350" indent="0">
+              <a:buNone/>
+            </a:pPr>
+            <a:endParaRPr lang="en-US" sz="1000" dirty="0"/>
+          </a:p>
+          <a:p>
+            <a:endParaRPr lang="en-US" sz="1000" b="1" dirty="0"/>
+          </a:p>
+          <a:p>
+            <a:pPr marL="133350" indent="0">
+              <a:buNone/>
+            </a:pPr>
+            <a:r>
+              <a:rPr lang="en-US" sz="1200" b="1" dirty="0"/>
+              <a:t>Conclusion:</a:t>
+            </a:r>
+          </a:p>
+          <a:p>
+            <a:pPr marL="133350" indent="0">
+              <a:buNone/>
+            </a:pPr>
+            <a:endParaRPr lang="en-US" sz="1200" dirty="0"/>
+          </a:p>
+          <a:p>
+            <a:r>
+              <a:rPr lang="en-US" sz="1000" b="1" dirty="0"/>
+              <a:t>Updated Zero-Shot prompt with the original, </a:t>
+            </a:r>
+            <a:r>
+              <a:rPr lang="en-US" sz="1000" dirty="0"/>
+              <a:t>performed identically at temperatures = (0, 0.2, and 1).</a:t>
+            </a:r>
+          </a:p>
+          <a:p>
+            <a:r>
+              <a:rPr lang="en-US" sz="1000" b="1" dirty="0"/>
+              <a:t>Category alignment: 0 </a:t>
+            </a:r>
+            <a:r>
+              <a:rPr lang="en-US" sz="1000" dirty="0"/>
+              <a:t>discrepancies</a:t>
+            </a:r>
+            <a:r>
+              <a:rPr lang="en-US" sz="1000" b="1" dirty="0"/>
+              <a:t>.</a:t>
+            </a:r>
+            <a:endParaRPr lang="en-US" sz="1000" dirty="0"/>
+          </a:p>
+          <a:p>
+            <a:r>
+              <a:rPr lang="en-US" sz="1000" b="1" dirty="0"/>
+              <a:t>Tag alignment: 10 </a:t>
+            </a:r>
+            <a:r>
+              <a:rPr lang="en-US" sz="1000" dirty="0"/>
+              <a:t>discrepancies</a:t>
+            </a:r>
+            <a:r>
+              <a:rPr lang="en-US" sz="1000" b="1" dirty="0"/>
+              <a:t>.</a:t>
+            </a:r>
+            <a:endParaRPr lang="en-US" sz="1000" dirty="0"/>
+          </a:p>
+          <a:p>
+            <a:r>
+              <a:rPr lang="en-US" sz="1000" b="1" dirty="0"/>
+              <a:t>Total rows with differences: 8.</a:t>
+            </a:r>
+          </a:p>
+          <a:p>
+            <a:r>
+              <a:rPr lang="en-US" sz="1000" dirty="0"/>
+              <a:t>The </a:t>
+            </a:r>
+            <a:r>
+              <a:rPr lang="en-US" sz="1000" b="1" dirty="0"/>
+              <a:t>refined textual guidelines are highly effective</a:t>
+            </a:r>
+            <a:r>
+              <a:rPr lang="en-US" sz="1000" dirty="0"/>
+              <a:t> in teaching the model the interpretation for </a:t>
+            </a:r>
+            <a:r>
+              <a:rPr lang="en-US" sz="1000" b="1" dirty="0"/>
+              <a:t>Category classification</a:t>
+            </a:r>
+            <a:r>
+              <a:rPr lang="en-US" sz="1000" dirty="0"/>
+              <a:t>, achieving perfect alignment. The </a:t>
+            </a:r>
+            <a:r>
+              <a:rPr lang="en-US" sz="1000" b="1" dirty="0"/>
+              <a:t>10</a:t>
+            </a:r>
+            <a:r>
+              <a:rPr lang="en-US" sz="1000" dirty="0"/>
+              <a:t> </a:t>
+            </a:r>
+            <a:r>
+              <a:rPr lang="en-US" sz="1000" b="1" dirty="0"/>
+              <a:t>Tag </a:t>
+            </a:r>
+            <a:r>
+              <a:rPr lang="en-US" sz="1000" dirty="0"/>
+              <a:t>discrepancies are not due to randomness or temperature variability. This occurs because the model's understanding of specific tag rules (like "Delivery Time" or "Packaging" vs. "Food Quality") doesn't perfectly match the </a:t>
+            </a:r>
+            <a:r>
+              <a:rPr lang="en-US" sz="1000" b="1" dirty="0"/>
+              <a:t>Ground Truth</a:t>
+            </a:r>
+            <a:r>
+              <a:rPr lang="en-US" sz="1000" dirty="0"/>
+              <a:t>, even with the current instructions.</a:t>
+            </a:r>
+          </a:p>
+          <a:p>
+            <a:pPr marL="133350" indent="0">
+              <a:buNone/>
+            </a:pPr>
+            <a:endParaRPr lang="en-US" sz="1000" dirty="0"/>
+          </a:p>
+          <a:p>
+            <a:pPr marL="133350" indent="0">
+              <a:buNone/>
+            </a:pPr>
+            <a:endParaRPr lang="en-US" sz="1000" dirty="0"/>
+          </a:p>
+          <a:p>
+            <a:pPr marL="133350" indent="0">
+              <a:buNone/>
+            </a:pPr>
+            <a:endParaRPr lang="en-US" sz="1000" dirty="0"/>
+          </a:p>
+        </p:txBody>
+      </p:sp>
+    </p:spTree>
+    <p:extLst>
+      <p:ext uri="{BB962C8B-B14F-4D97-AF65-F5344CB8AC3E}">
+        <p14:creationId xmlns:p14="http://schemas.microsoft.com/office/powerpoint/2010/main" val="3790334564"/>
+      </p:ext>
+    </p:extLst>
+  </p:cSld>
+  <p:clrMapOvr>
+    <a:masterClrMapping/>
+  </p:clrMapOvr>
+</p:sld>
+</file>
+
+<file path=ppt/slides/slide24.xml><?xml version="1.0" encoding="utf-8"?>
+<p:sld xmlns:a="http://schemas.openxmlformats.org/drawingml/2006/main" xmlns:r="http://schemas.openxmlformats.org/officeDocument/2006/relationships" xmlns:p="http://schemas.openxmlformats.org/presentationml/2006/main">
+  <p:cSld>
+    <p:spTree>
+      <p:nvGrpSpPr>
+        <p:cNvPr id="1" name="Shape 174">
+          <a:extLst>
+            <a:ext uri="{FF2B5EF4-FFF2-40B4-BE49-F238E27FC236}">
+              <a16:creationId xmlns:a16="http://schemas.microsoft.com/office/drawing/2014/main" id="{FB36FDBD-0664-8AF7-7F0A-42CD923EE3C9}"/>
+            </a:ext>
+          </a:extLst>
+        </p:cNvPr>
+        <p:cNvGrpSpPr/>
+        <p:nvPr/>
+      </p:nvGrpSpPr>
+      <p:grpSpPr>
+        <a:xfrm>
+          <a:off x="0" y="0"/>
+          <a:ext cx="0" cy="0"/>
+          <a:chOff x="0" y="0"/>
+          <a:chExt cx="0" cy="0"/>
+        </a:xfrm>
+      </p:grpSpPr>
+      <p:sp>
+        <p:nvSpPr>
+          <p:cNvPr id="175" name="Google Shape;175;p39">
+            <a:extLst>
+              <a:ext uri="{FF2B5EF4-FFF2-40B4-BE49-F238E27FC236}">
+                <a16:creationId xmlns:a16="http://schemas.microsoft.com/office/drawing/2014/main" id="{E54A80F9-C35F-ECFE-8E04-CC7DB3BA4900}"/>
+              </a:ext>
+            </a:extLst>
+          </p:cNvPr>
+          <p:cNvSpPr txBox="1">
+            <a:spLocks noGrp="1"/>
+          </p:cNvSpPr>
+          <p:nvPr>
+            <p:ph type="title"/>
+          </p:nvPr>
+        </p:nvSpPr>
+        <p:spPr>
+          <a:xfrm>
+            <a:off x="202550" y="-95733"/>
+            <a:ext cx="8520600" cy="572700"/>
+          </a:xfrm>
+          <a:prstGeom prst="rect">
+            <a:avLst/>
+          </a:prstGeom>
+          <a:noFill/>
+          <a:ln>
+            <a:noFill/>
+          </a:ln>
+        </p:spPr>
+        <p:txBody>
+          <a:bodyPr spcFirstLastPara="1" wrap="square" lIns="91425" tIns="91425" rIns="91425" bIns="91425" anchor="t" anchorCtr="0">
+            <a:noAutofit/>
+          </a:bodyPr>
+          <a:lstStyle/>
+          <a:p>
+            <a:pPr lvl="0"/>
+            <a:r>
+              <a:rPr lang="en" dirty="0">
+                <a:solidFill>
+                  <a:schemeClr val="lt2"/>
+                </a:solidFill>
+                <a:latin typeface="Century Gothic"/>
+                <a:ea typeface="Century Gothic"/>
+                <a:cs typeface="Century Gothic"/>
+                <a:sym typeface="Century Gothic"/>
+              </a:rPr>
+              <a:t>Updated Zero-Shot Prompt Results</a:t>
+            </a:r>
+            <a:endParaRPr dirty="0">
+              <a:solidFill>
+                <a:schemeClr val="lt2"/>
+              </a:solidFill>
+              <a:latin typeface="Century Gothic"/>
+              <a:ea typeface="Century Gothic"/>
+              <a:cs typeface="Century Gothic"/>
+              <a:sym typeface="Century Gothic"/>
+            </a:endParaRPr>
+          </a:p>
+        </p:txBody>
+      </p:sp>
+      <p:sp>
+        <p:nvSpPr>
+          <p:cNvPr id="3" name="Text Placeholder 2">
+            <a:extLst>
+              <a:ext uri="{FF2B5EF4-FFF2-40B4-BE49-F238E27FC236}">
+                <a16:creationId xmlns:a16="http://schemas.microsoft.com/office/drawing/2014/main" id="{A862402E-6CCE-BB09-C8CC-66843D5E2EF5}"/>
+              </a:ext>
+            </a:extLst>
+          </p:cNvPr>
+          <p:cNvSpPr>
+            <a:spLocks noGrp="1"/>
+          </p:cNvSpPr>
+          <p:nvPr>
+            <p:ph type="body" idx="1"/>
+          </p:nvPr>
+        </p:nvSpPr>
+        <p:spPr>
+          <a:xfrm>
+            <a:off x="202550" y="3996075"/>
+            <a:ext cx="8629800" cy="572700"/>
+          </a:xfrm>
+        </p:spPr>
+        <p:txBody>
+          <a:bodyPr/>
+          <a:lstStyle/>
+          <a:p>
+            <a:r>
+              <a:rPr lang="en-US" dirty="0"/>
+              <a:t>Plot illustrating distribution of </a:t>
+            </a:r>
+            <a:r>
+              <a:rPr lang="en-US" b="1" dirty="0"/>
+              <a:t>Categories</a:t>
+            </a:r>
+          </a:p>
+        </p:txBody>
+      </p:sp>
+      <p:pic>
+        <p:nvPicPr>
+          <p:cNvPr id="5" name="Picture 4">
+            <a:extLst>
+              <a:ext uri="{FF2B5EF4-FFF2-40B4-BE49-F238E27FC236}">
+                <a16:creationId xmlns:a16="http://schemas.microsoft.com/office/drawing/2014/main" id="{2DF94E4B-C121-56F1-3685-625F7C9B59A5}"/>
+              </a:ext>
+            </a:extLst>
+          </p:cNvPr>
+          <p:cNvPicPr>
+            <a:picLocks noChangeAspect="1"/>
+          </p:cNvPicPr>
+          <p:nvPr/>
+        </p:nvPicPr>
+        <p:blipFill>
+          <a:blip r:embed="rId3"/>
+          <a:stretch>
+            <a:fillRect/>
+          </a:stretch>
+        </p:blipFill>
+        <p:spPr>
+          <a:xfrm>
+            <a:off x="2129225" y="476967"/>
+            <a:ext cx="4244074" cy="3429905"/>
+          </a:xfrm>
+          <a:prstGeom prst="rect">
+            <a:avLst/>
+          </a:prstGeom>
+        </p:spPr>
+      </p:pic>
+    </p:spTree>
+    <p:extLst>
+      <p:ext uri="{BB962C8B-B14F-4D97-AF65-F5344CB8AC3E}">
+        <p14:creationId xmlns:p14="http://schemas.microsoft.com/office/powerpoint/2010/main" val="2603757362"/>
+      </p:ext>
+    </p:extLst>
+  </p:cSld>
+  <p:clrMapOvr>
+    <a:masterClrMapping/>
+  </p:clrMapOvr>
+</p:sld>
+</file>
+
+<file path=ppt/slides/slide25.xml><?xml version="1.0" encoding="utf-8"?>
+<p:sld xmlns:a="http://schemas.openxmlformats.org/drawingml/2006/main" xmlns:r="http://schemas.openxmlformats.org/officeDocument/2006/relationships" xmlns:p="http://schemas.openxmlformats.org/presentationml/2006/main">
+  <p:cSld>
+    <p:spTree>
+      <p:nvGrpSpPr>
+        <p:cNvPr id="1" name="Shape 174">
+          <a:extLst>
+            <a:ext uri="{FF2B5EF4-FFF2-40B4-BE49-F238E27FC236}">
+              <a16:creationId xmlns:a16="http://schemas.microsoft.com/office/drawing/2014/main" id="{252151E6-4DD5-E3C7-F6F2-2418BC2903E3}"/>
+            </a:ext>
+          </a:extLst>
+        </p:cNvPr>
+        <p:cNvGrpSpPr/>
+        <p:nvPr/>
+      </p:nvGrpSpPr>
+      <p:grpSpPr>
+        <a:xfrm>
+          <a:off x="0" y="0"/>
+          <a:ext cx="0" cy="0"/>
+          <a:chOff x="0" y="0"/>
+          <a:chExt cx="0" cy="0"/>
+        </a:xfrm>
+      </p:grpSpPr>
+      <p:sp>
+        <p:nvSpPr>
+          <p:cNvPr id="175" name="Google Shape;175;p39">
+            <a:extLst>
+              <a:ext uri="{FF2B5EF4-FFF2-40B4-BE49-F238E27FC236}">
+                <a16:creationId xmlns:a16="http://schemas.microsoft.com/office/drawing/2014/main" id="{3E2268F9-A27D-4E00-2702-F1ED180F7EEE}"/>
+              </a:ext>
+            </a:extLst>
+          </p:cNvPr>
+          <p:cNvSpPr txBox="1">
+            <a:spLocks noGrp="1"/>
+          </p:cNvSpPr>
+          <p:nvPr>
+            <p:ph type="title"/>
+          </p:nvPr>
+        </p:nvSpPr>
+        <p:spPr>
+          <a:xfrm>
+            <a:off x="202550" y="-95733"/>
+            <a:ext cx="8520600" cy="572700"/>
+          </a:xfrm>
+          <a:prstGeom prst="rect">
+            <a:avLst/>
+          </a:prstGeom>
+          <a:noFill/>
+          <a:ln>
+            <a:noFill/>
+          </a:ln>
+        </p:spPr>
+        <p:txBody>
+          <a:bodyPr spcFirstLastPara="1" wrap="square" lIns="91425" tIns="91425" rIns="91425" bIns="91425" anchor="t" anchorCtr="0">
+            <a:noAutofit/>
+          </a:bodyPr>
+          <a:lstStyle/>
+          <a:p>
+            <a:pPr lvl="0"/>
+            <a:r>
+              <a:rPr lang="en" dirty="0">
+                <a:solidFill>
+                  <a:schemeClr val="lt2"/>
+                </a:solidFill>
+                <a:latin typeface="Century Gothic"/>
+                <a:ea typeface="Century Gothic"/>
+                <a:cs typeface="Century Gothic"/>
+                <a:sym typeface="Century Gothic"/>
+              </a:rPr>
+              <a:t>Updated Zero-Shot Prompt Results</a:t>
+            </a:r>
+            <a:endParaRPr dirty="0">
+              <a:solidFill>
+                <a:schemeClr val="lt2"/>
+              </a:solidFill>
+              <a:latin typeface="Century Gothic"/>
+              <a:ea typeface="Century Gothic"/>
+              <a:cs typeface="Century Gothic"/>
+              <a:sym typeface="Century Gothic"/>
+            </a:endParaRPr>
+          </a:p>
+        </p:txBody>
+      </p:sp>
+      <p:sp>
+        <p:nvSpPr>
+          <p:cNvPr id="3" name="Text Placeholder 2">
+            <a:extLst>
+              <a:ext uri="{FF2B5EF4-FFF2-40B4-BE49-F238E27FC236}">
+                <a16:creationId xmlns:a16="http://schemas.microsoft.com/office/drawing/2014/main" id="{69CA1595-8F64-51CD-F1D4-9D732C624D69}"/>
+              </a:ext>
+            </a:extLst>
+          </p:cNvPr>
+          <p:cNvSpPr>
+            <a:spLocks noGrp="1"/>
+          </p:cNvSpPr>
+          <p:nvPr>
+            <p:ph type="body" idx="1"/>
+          </p:nvPr>
+        </p:nvSpPr>
+        <p:spPr>
+          <a:xfrm>
+            <a:off x="202550" y="4217758"/>
+            <a:ext cx="8629800" cy="572700"/>
+          </a:xfrm>
+        </p:spPr>
+        <p:txBody>
+          <a:bodyPr/>
+          <a:lstStyle/>
+          <a:p>
+            <a:r>
+              <a:rPr lang="en-US" dirty="0"/>
+              <a:t>Plot illustrating distribution of </a:t>
+            </a:r>
+            <a:r>
+              <a:rPr lang="en-US" b="1" dirty="0"/>
+              <a:t>Tags</a:t>
+            </a:r>
+          </a:p>
+        </p:txBody>
+      </p:sp>
+      <p:pic>
+        <p:nvPicPr>
+          <p:cNvPr id="9" name="Picture 8">
+            <a:extLst>
+              <a:ext uri="{FF2B5EF4-FFF2-40B4-BE49-F238E27FC236}">
+                <a16:creationId xmlns:a16="http://schemas.microsoft.com/office/drawing/2014/main" id="{86231D72-C615-AA2F-27A9-E19C04973063}"/>
+              </a:ext>
+            </a:extLst>
+          </p:cNvPr>
+          <p:cNvPicPr>
+            <a:picLocks noChangeAspect="1"/>
+          </p:cNvPicPr>
+          <p:nvPr/>
+        </p:nvPicPr>
+        <p:blipFill>
+          <a:blip r:embed="rId3"/>
+          <a:stretch>
+            <a:fillRect/>
+          </a:stretch>
+        </p:blipFill>
+        <p:spPr>
+          <a:xfrm>
+            <a:off x="941693" y="409353"/>
+            <a:ext cx="6098499" cy="3638134"/>
+          </a:xfrm>
+          <a:prstGeom prst="rect">
+            <a:avLst/>
+          </a:prstGeom>
+        </p:spPr>
+      </p:pic>
+    </p:spTree>
+    <p:extLst>
+      <p:ext uri="{BB962C8B-B14F-4D97-AF65-F5344CB8AC3E}">
+        <p14:creationId xmlns:p14="http://schemas.microsoft.com/office/powerpoint/2010/main" val="209839949"/>
+      </p:ext>
+    </p:extLst>
+  </p:cSld>
+  <p:clrMapOvr>
+    <a:masterClrMapping/>
+  </p:clrMapOvr>
+</p:sld>
+</file>
+
+<file path=ppt/slides/slide26.xml><?xml version="1.0" encoding="utf-8"?>
 <p:sld xmlns:a="http://schemas.openxmlformats.org/drawingml/2006/main" xmlns:r="http://schemas.openxmlformats.org/officeDocument/2006/relationships" xmlns:p="http://schemas.openxmlformats.org/presentationml/2006/main">
   <p:cSld>
     <p:spTree>
@@ -27671,7 +32443,7 @@
 </p:sld>
 </file>
 
-<file path=ppt/slides/slide16.xml><?xml version="1.0" encoding="utf-8"?>
+<file path=ppt/slides/slide27.xml><?xml version="1.0" encoding="utf-8"?>
 <p:sld xmlns:a="http://schemas.openxmlformats.org/drawingml/2006/main" xmlns:r="http://schemas.openxmlformats.org/officeDocument/2006/relationships" xmlns:p="http://schemas.openxmlformats.org/presentationml/2006/main">
   <p:cSld>
     <p:spTree>
@@ -27967,7 +32739,7 @@
 </p:sld>
 </file>
 
-<file path=ppt/slides/slide17.xml><?xml version="1.0" encoding="utf-8"?>
+<file path=ppt/slides/slide28.xml><?xml version="1.0" encoding="utf-8"?>
 <p:sld xmlns:a="http://schemas.openxmlformats.org/drawingml/2006/main" xmlns:r="http://schemas.openxmlformats.org/officeDocument/2006/relationships" xmlns:p="http://schemas.openxmlformats.org/presentationml/2006/main">
   <p:cSld>
     <p:spTree>
@@ -28263,7 +33035,7 @@
 </p:sld>
 </file>
 
-<file path=ppt/slides/slide18.xml><?xml version="1.0" encoding="utf-8"?>
+<file path=ppt/slides/slide29.xml><?xml version="1.0" encoding="utf-8"?>
 <p:sld xmlns:a="http://schemas.openxmlformats.org/drawingml/2006/main" xmlns:r="http://schemas.openxmlformats.org/officeDocument/2006/relationships" xmlns:p="http://schemas.openxmlformats.org/presentationml/2006/main">
   <p:cSld>
     <p:spTree>
@@ -28559,7 +33331,207 @@
 </p:sld>
 </file>
 
-<file path=ppt/slides/slide19.xml><?xml version="1.0" encoding="utf-8"?>
+<file path=ppt/slides/slide3.xml><?xml version="1.0" encoding="utf-8"?>
+<p:sld xmlns:a="http://schemas.openxmlformats.org/drawingml/2006/main" xmlns:r="http://schemas.openxmlformats.org/officeDocument/2006/relationships" xmlns:p="http://schemas.openxmlformats.org/presentationml/2006/main">
+  <p:cSld>
+    <p:spTree>
+      <p:nvGrpSpPr>
+        <p:cNvPr id="1" name="Shape 162"/>
+        <p:cNvGrpSpPr/>
+        <p:nvPr/>
+      </p:nvGrpSpPr>
+      <p:grpSpPr>
+        <a:xfrm>
+          <a:off x="0" y="0"/>
+          <a:ext cx="0" cy="0"/>
+          <a:chOff x="0" y="0"/>
+          <a:chExt cx="0" cy="0"/>
+        </a:xfrm>
+      </p:grpSpPr>
+      <p:sp>
+        <p:nvSpPr>
+          <p:cNvPr id="163" name="Google Shape;163;p37"/>
+          <p:cNvSpPr txBox="1">
+            <a:spLocks noGrp="1"/>
+          </p:cNvSpPr>
+          <p:nvPr>
+            <p:ph type="title"/>
+          </p:nvPr>
+        </p:nvSpPr>
+        <p:spPr>
+          <a:xfrm>
+            <a:off x="202550" y="289275"/>
+            <a:ext cx="7712700" cy="810900"/>
+          </a:xfrm>
+          <a:prstGeom prst="rect">
+            <a:avLst/>
+          </a:prstGeom>
+          <a:noFill/>
+          <a:ln>
+            <a:noFill/>
+          </a:ln>
+        </p:spPr>
+        <p:txBody>
+          <a:bodyPr spcFirstLastPara="1" wrap="square" lIns="91425" tIns="91425" rIns="91425" bIns="91425" anchor="t" anchorCtr="0">
+            <a:noAutofit/>
+          </a:bodyPr>
+          <a:lstStyle/>
+          <a:p>
+            <a:pPr marL="0" lvl="0" indent="0" algn="l" rtl="0">
+              <a:lnSpc>
+                <a:spcPct val="100000"/>
+              </a:lnSpc>
+              <a:spcBef>
+                <a:spcPts val="0"/>
+              </a:spcBef>
+              <a:spcAft>
+                <a:spcPts val="0"/>
+              </a:spcAft>
+              <a:buSzPts val="2200"/>
+              <a:buNone/>
+            </a:pPr>
+            <a:r>
+              <a:rPr lang="en" dirty="0">
+                <a:solidFill>
+                  <a:schemeClr val="lt2"/>
+                </a:solidFill>
+                <a:latin typeface="Century Gothic"/>
+                <a:ea typeface="Century Gothic"/>
+                <a:cs typeface="Century Gothic"/>
+                <a:sym typeface="Century Gothic"/>
+              </a:rPr>
+              <a:t>Project Goals And Objectives</a:t>
+            </a:r>
+            <a:endParaRPr dirty="0">
+              <a:solidFill>
+                <a:schemeClr val="lt2"/>
+              </a:solidFill>
+              <a:latin typeface="Century Gothic"/>
+              <a:ea typeface="Century Gothic"/>
+              <a:cs typeface="Century Gothic"/>
+              <a:sym typeface="Century Gothic"/>
+            </a:endParaRPr>
+          </a:p>
+        </p:txBody>
+      </p:sp>
+      <p:sp>
+        <p:nvSpPr>
+          <p:cNvPr id="164" name="Google Shape;164;p37"/>
+          <p:cNvSpPr txBox="1">
+            <a:spLocks noGrp="1"/>
+          </p:cNvSpPr>
+          <p:nvPr>
+            <p:ph type="body" idx="1"/>
+          </p:nvPr>
+        </p:nvSpPr>
+        <p:spPr>
+          <a:xfrm>
+            <a:off x="257100" y="906141"/>
+            <a:ext cx="8629800" cy="3810238"/>
+          </a:xfrm>
+          <a:prstGeom prst="rect">
+            <a:avLst/>
+          </a:prstGeom>
+          <a:noFill/>
+          <a:ln>
+            <a:noFill/>
+          </a:ln>
+        </p:spPr>
+        <p:txBody>
+          <a:bodyPr spcFirstLastPara="1" wrap="square" lIns="91425" tIns="91425" rIns="91425" bIns="91425" anchor="t" anchorCtr="0">
+            <a:noAutofit/>
+          </a:bodyPr>
+          <a:lstStyle/>
+          <a:p>
+            <a:pPr marL="139700" indent="0">
+              <a:spcBef>
+                <a:spcPts val="1000"/>
+              </a:spcBef>
+              <a:buClr>
+                <a:schemeClr val="dk1"/>
+              </a:buClr>
+              <a:buSzPts val="1400"/>
+              <a:buNone/>
+            </a:pPr>
+            <a:r>
+              <a:rPr lang="en-US" sz="1400" b="1" dirty="0"/>
+              <a:t>Background:</a:t>
+            </a:r>
+          </a:p>
+          <a:p>
+            <a:pPr marL="139700" indent="0">
+              <a:spcBef>
+                <a:spcPts val="1000"/>
+              </a:spcBef>
+              <a:buClr>
+                <a:schemeClr val="dk1"/>
+              </a:buClr>
+              <a:buSzPts val="1400"/>
+              <a:buNone/>
+            </a:pPr>
+            <a:r>
+              <a:rPr lang="en-US" sz="1400" dirty="0"/>
+              <a:t>In the food delivery industry, customer feedback drives service quality and brand loyalty. Companies like Uber Eats, DoorDash, and Grubhub rely on reviews to improve operational efficiency and customer satisfaction. With the high volume of reviews posted daily across multiple cities, manual analysis isn't feasible. Reviews in the form of unstructured text contain complaints, praise, and personal experience feedback. They require automated systems that can classify sentiment consistently and without bias.</a:t>
+            </a:r>
+            <a:endParaRPr lang="en-US" sz="1400" b="1" dirty="0"/>
+          </a:p>
+          <a:p>
+            <a:pPr marL="139700" indent="0">
+              <a:spcBef>
+                <a:spcPts val="1000"/>
+              </a:spcBef>
+              <a:buClr>
+                <a:schemeClr val="dk1"/>
+              </a:buClr>
+              <a:buSzPts val="1400"/>
+              <a:buNone/>
+            </a:pPr>
+            <a:endParaRPr lang="en-US" sz="800" b="1" dirty="0"/>
+          </a:p>
+          <a:p>
+            <a:pPr marL="139700" indent="0">
+              <a:spcBef>
+                <a:spcPts val="1000"/>
+              </a:spcBef>
+              <a:buClr>
+                <a:schemeClr val="dk1"/>
+              </a:buClr>
+              <a:buSzPts val="1400"/>
+              <a:buNone/>
+            </a:pPr>
+            <a:r>
+              <a:rPr lang="en-US" sz="1400" b="1" dirty="0"/>
+              <a:t>Goal:</a:t>
+            </a:r>
+          </a:p>
+          <a:p>
+            <a:pPr marL="139700" indent="0">
+              <a:spcBef>
+                <a:spcPts val="1000"/>
+              </a:spcBef>
+              <a:buClr>
+                <a:schemeClr val="dk1"/>
+              </a:buClr>
+              <a:buSzPts val="1400"/>
+              <a:buNone/>
+            </a:pPr>
+            <a:r>
+              <a:rPr lang="en-US" sz="1400" dirty="0"/>
+              <a:t>Automate sentiment classification of customer feedback for a food delivery platform using Generative AI and Prompt Engineering. Process customer reviews into Positive, Negative, or Neutral categories while ensuring factual consistency and interpretability. Map outputs with relevant tags (Delivery Time, Food Quality, Price, Packaging, Overall Experience) and suggested business actions.</a:t>
+            </a:r>
+            <a:endParaRPr lang="en-US" sz="1400" b="1" dirty="0"/>
+          </a:p>
+        </p:txBody>
+      </p:sp>
+    </p:spTree>
+  </p:cSld>
+  <p:clrMapOvr>
+    <a:masterClrMapping/>
+  </p:clrMapOvr>
+</p:sld>
+</file>
+
+<file path=ppt/slides/slide30.xml><?xml version="1.0" encoding="utf-8"?>
 <p:sld xmlns:a="http://schemas.openxmlformats.org/drawingml/2006/main" xmlns:r="http://schemas.openxmlformats.org/officeDocument/2006/relationships" xmlns:p="http://schemas.openxmlformats.org/presentationml/2006/main">
   <p:cSld>
     <p:spTree>
@@ -28855,368 +33827,7 @@
 </p:sld>
 </file>
 
-<file path=ppt/slides/slide2.xml><?xml version="1.0" encoding="utf-8"?>
-<p:sld xmlns:a="http://schemas.openxmlformats.org/drawingml/2006/main" xmlns:r="http://schemas.openxmlformats.org/officeDocument/2006/relationships" xmlns:p="http://schemas.openxmlformats.org/presentationml/2006/main">
-  <p:cSld>
-    <p:spTree>
-      <p:nvGrpSpPr>
-        <p:cNvPr id="1" name="Shape 156"/>
-        <p:cNvGrpSpPr/>
-        <p:nvPr/>
-      </p:nvGrpSpPr>
-      <p:grpSpPr>
-        <a:xfrm>
-          <a:off x="0" y="0"/>
-          <a:ext cx="0" cy="0"/>
-          <a:chOff x="0" y="0"/>
-          <a:chExt cx="0" cy="0"/>
-        </a:xfrm>
-      </p:grpSpPr>
-      <p:sp>
-        <p:nvSpPr>
-          <p:cNvPr id="157" name="Google Shape;157;p36"/>
-          <p:cNvSpPr txBox="1">
-            <a:spLocks noGrp="1"/>
-          </p:cNvSpPr>
-          <p:nvPr>
-            <p:ph type="title"/>
-          </p:nvPr>
-        </p:nvSpPr>
-        <p:spPr>
-          <a:xfrm>
-            <a:off x="202550" y="289279"/>
-            <a:ext cx="8520600" cy="572700"/>
-          </a:xfrm>
-          <a:prstGeom prst="rect">
-            <a:avLst/>
-          </a:prstGeom>
-          <a:noFill/>
-          <a:ln>
-            <a:noFill/>
-          </a:ln>
-        </p:spPr>
-        <p:txBody>
-          <a:bodyPr spcFirstLastPara="1" wrap="square" lIns="91425" tIns="91425" rIns="91425" bIns="91425" anchor="t" anchorCtr="0">
-            <a:noAutofit/>
-          </a:bodyPr>
-          <a:lstStyle/>
-          <a:p>
-            <a:pPr marL="0" lvl="0" indent="0" algn="l" rtl="0">
-              <a:lnSpc>
-                <a:spcPct val="100000"/>
-              </a:lnSpc>
-              <a:spcBef>
-                <a:spcPts val="0"/>
-              </a:spcBef>
-              <a:spcAft>
-                <a:spcPts val="0"/>
-              </a:spcAft>
-              <a:buSzPts val="2200"/>
-              <a:buNone/>
-            </a:pPr>
-            <a:r>
-              <a:rPr lang="en">
-                <a:solidFill>
-                  <a:schemeClr val="lt2"/>
-                </a:solidFill>
-                <a:latin typeface="Century Gothic"/>
-                <a:ea typeface="Century Gothic"/>
-                <a:cs typeface="Century Gothic"/>
-                <a:sym typeface="Century Gothic"/>
-              </a:rPr>
-              <a:t>Contents / Agenda</a:t>
-            </a:r>
-            <a:endParaRPr>
-              <a:solidFill>
-                <a:schemeClr val="lt2"/>
-              </a:solidFill>
-              <a:latin typeface="Century Gothic"/>
-              <a:ea typeface="Century Gothic"/>
-              <a:cs typeface="Century Gothic"/>
-              <a:sym typeface="Century Gothic"/>
-            </a:endParaRPr>
-          </a:p>
-        </p:txBody>
-      </p:sp>
-      <p:sp>
-        <p:nvSpPr>
-          <p:cNvPr id="158" name="Google Shape;158;p36"/>
-          <p:cNvSpPr txBox="1">
-            <a:spLocks noGrp="1"/>
-          </p:cNvSpPr>
-          <p:nvPr>
-            <p:ph type="body" idx="1"/>
-          </p:nvPr>
-        </p:nvSpPr>
-        <p:spPr>
-          <a:xfrm>
-            <a:off x="202550" y="861975"/>
-            <a:ext cx="8629800" cy="3706800"/>
-          </a:xfrm>
-          <a:prstGeom prst="rect">
-            <a:avLst/>
-          </a:prstGeom>
-          <a:noFill/>
-          <a:ln>
-            <a:noFill/>
-          </a:ln>
-        </p:spPr>
-        <p:txBody>
-          <a:bodyPr spcFirstLastPara="1" wrap="square" lIns="91425" tIns="91425" rIns="91425" bIns="91425" anchor="t" anchorCtr="0">
-            <a:noAutofit/>
-          </a:bodyPr>
-          <a:lstStyle/>
-          <a:p>
-            <a:pPr marL="457200" lvl="0" indent="-317500" algn="l" rtl="0">
-              <a:lnSpc>
-                <a:spcPct val="115000"/>
-              </a:lnSpc>
-              <a:spcBef>
-                <a:spcPts val="1000"/>
-              </a:spcBef>
-              <a:spcAft>
-                <a:spcPts val="0"/>
-              </a:spcAft>
-              <a:buClr>
-                <a:schemeClr val="dk1"/>
-              </a:buClr>
-              <a:buSzPts val="1400"/>
-              <a:buFont typeface="Century Gothic"/>
-              <a:buChar char="●"/>
-            </a:pPr>
-            <a:r>
-              <a:rPr lang="en" sz="1400">
-                <a:solidFill>
-                  <a:schemeClr val="dk1"/>
-                </a:solidFill>
-                <a:latin typeface="Century Gothic"/>
-                <a:ea typeface="Century Gothic"/>
-                <a:cs typeface="Century Gothic"/>
-                <a:sym typeface="Century Gothic"/>
-              </a:rPr>
-              <a:t>Business Context, Problem Overview and Solution Approach</a:t>
-            </a:r>
-            <a:endParaRPr sz="1400">
-              <a:solidFill>
-                <a:schemeClr val="dk1"/>
-              </a:solidFill>
-              <a:latin typeface="Century Gothic"/>
-              <a:ea typeface="Century Gothic"/>
-              <a:cs typeface="Century Gothic"/>
-              <a:sym typeface="Century Gothic"/>
-            </a:endParaRPr>
-          </a:p>
-          <a:p>
-            <a:pPr marL="457200" lvl="0" indent="-317500" algn="l" rtl="0">
-              <a:lnSpc>
-                <a:spcPct val="115000"/>
-              </a:lnSpc>
-              <a:spcBef>
-                <a:spcPts val="1000"/>
-              </a:spcBef>
-              <a:spcAft>
-                <a:spcPts val="0"/>
-              </a:spcAft>
-              <a:buClr>
-                <a:schemeClr val="dk1"/>
-              </a:buClr>
-              <a:buSzPts val="1400"/>
-              <a:buFont typeface="Century Gothic"/>
-              <a:buChar char="●"/>
-            </a:pPr>
-            <a:r>
-              <a:rPr lang="en" sz="1400">
-                <a:solidFill>
-                  <a:schemeClr val="dk1"/>
-                </a:solidFill>
-                <a:latin typeface="Century Gothic"/>
-                <a:ea typeface="Century Gothic"/>
-                <a:cs typeface="Century Gothic"/>
-                <a:sym typeface="Century Gothic"/>
-              </a:rPr>
-              <a:t>Exploring Different Prompting Techniques</a:t>
-            </a:r>
-            <a:endParaRPr sz="1400">
-              <a:solidFill>
-                <a:schemeClr val="dk1"/>
-              </a:solidFill>
-              <a:latin typeface="Century Gothic"/>
-              <a:ea typeface="Century Gothic"/>
-              <a:cs typeface="Century Gothic"/>
-              <a:sym typeface="Century Gothic"/>
-            </a:endParaRPr>
-          </a:p>
-          <a:p>
-            <a:pPr marL="457200" lvl="0" indent="-317500" algn="l" rtl="0">
-              <a:lnSpc>
-                <a:spcPct val="115000"/>
-              </a:lnSpc>
-              <a:spcBef>
-                <a:spcPts val="1000"/>
-              </a:spcBef>
-              <a:spcAft>
-                <a:spcPts val="0"/>
-              </a:spcAft>
-              <a:buClr>
-                <a:schemeClr val="dk1"/>
-              </a:buClr>
-              <a:buSzPts val="1400"/>
-              <a:buFont typeface="Century Gothic"/>
-              <a:buChar char="●"/>
-            </a:pPr>
-            <a:r>
-              <a:rPr lang="en" sz="1400">
-                <a:solidFill>
-                  <a:schemeClr val="dk1"/>
-                </a:solidFill>
-                <a:latin typeface="Century Gothic"/>
-                <a:ea typeface="Century Gothic"/>
-                <a:cs typeface="Century Gothic"/>
-                <a:sym typeface="Century Gothic"/>
-              </a:rPr>
-              <a:t>Prompts and the structure of the Prompts</a:t>
-            </a:r>
-            <a:endParaRPr sz="1400">
-              <a:solidFill>
-                <a:schemeClr val="dk1"/>
-              </a:solidFill>
-              <a:latin typeface="Century Gothic"/>
-              <a:ea typeface="Century Gothic"/>
-              <a:cs typeface="Century Gothic"/>
-              <a:sym typeface="Century Gothic"/>
-            </a:endParaRPr>
-          </a:p>
-          <a:p>
-            <a:pPr marL="457200" lvl="0" indent="-317500" algn="l" rtl="0">
-              <a:lnSpc>
-                <a:spcPct val="115000"/>
-              </a:lnSpc>
-              <a:spcBef>
-                <a:spcPts val="1000"/>
-              </a:spcBef>
-              <a:spcAft>
-                <a:spcPts val="0"/>
-              </a:spcAft>
-              <a:buClr>
-                <a:schemeClr val="dk1"/>
-              </a:buClr>
-              <a:buSzPts val="1400"/>
-              <a:buFont typeface="Century Gothic"/>
-              <a:buChar char="●"/>
-            </a:pPr>
-            <a:r>
-              <a:rPr lang="en" sz="1400">
-                <a:solidFill>
-                  <a:schemeClr val="dk1"/>
-                </a:solidFill>
-                <a:latin typeface="Century Gothic"/>
-                <a:ea typeface="Century Gothic"/>
-                <a:cs typeface="Century Gothic"/>
-                <a:sym typeface="Century Gothic"/>
-              </a:rPr>
-              <a:t>Output from the Prompts</a:t>
-            </a:r>
-            <a:endParaRPr sz="1400">
-              <a:solidFill>
-                <a:schemeClr val="dk1"/>
-              </a:solidFill>
-              <a:latin typeface="Century Gothic"/>
-              <a:ea typeface="Century Gothic"/>
-              <a:cs typeface="Century Gothic"/>
-              <a:sym typeface="Century Gothic"/>
-            </a:endParaRPr>
-          </a:p>
-          <a:p>
-            <a:pPr marL="457200" lvl="0" indent="-317500" algn="l" rtl="0">
-              <a:lnSpc>
-                <a:spcPct val="115000"/>
-              </a:lnSpc>
-              <a:spcBef>
-                <a:spcPts val="1000"/>
-              </a:spcBef>
-              <a:spcAft>
-                <a:spcPts val="0"/>
-              </a:spcAft>
-              <a:buClr>
-                <a:schemeClr val="dk1"/>
-              </a:buClr>
-              <a:buSzPts val="1400"/>
-              <a:buFont typeface="Century Gothic"/>
-              <a:buChar char="●"/>
-            </a:pPr>
-            <a:r>
-              <a:rPr lang="en" sz="1400">
-                <a:solidFill>
-                  <a:schemeClr val="dk1"/>
-                </a:solidFill>
-                <a:latin typeface="Century Gothic"/>
-                <a:ea typeface="Century Gothic"/>
-                <a:cs typeface="Century Gothic"/>
-                <a:sym typeface="Century Gothic"/>
-              </a:rPr>
-              <a:t>Observations/Insights and conclusions</a:t>
-            </a:r>
-            <a:endParaRPr sz="1400">
-              <a:solidFill>
-                <a:schemeClr val="dk1"/>
-              </a:solidFill>
-              <a:latin typeface="Century Gothic"/>
-              <a:ea typeface="Century Gothic"/>
-              <a:cs typeface="Century Gothic"/>
-              <a:sym typeface="Century Gothic"/>
-            </a:endParaRPr>
-          </a:p>
-          <a:p>
-            <a:pPr marL="457200" lvl="0" indent="-317500" algn="l" rtl="0">
-              <a:lnSpc>
-                <a:spcPct val="115000"/>
-              </a:lnSpc>
-              <a:spcBef>
-                <a:spcPts val="1000"/>
-              </a:spcBef>
-              <a:spcAft>
-                <a:spcPts val="1000"/>
-              </a:spcAft>
-              <a:buClr>
-                <a:schemeClr val="dk1"/>
-              </a:buClr>
-              <a:buSzPts val="1400"/>
-              <a:buFont typeface="Century Gothic"/>
-              <a:buChar char="●"/>
-            </a:pPr>
-            <a:r>
-              <a:rPr lang="en" sz="1400">
-                <a:solidFill>
-                  <a:schemeClr val="dk1"/>
-                </a:solidFill>
-                <a:latin typeface="Century Gothic"/>
-                <a:ea typeface="Century Gothic"/>
-                <a:cs typeface="Century Gothic"/>
-                <a:sym typeface="Century Gothic"/>
-              </a:rPr>
-              <a:t>Appendix</a:t>
-            </a:r>
-            <a:endParaRPr sz="1400">
-              <a:solidFill>
-                <a:schemeClr val="dk1"/>
-              </a:solidFill>
-              <a:latin typeface="Century Gothic"/>
-              <a:ea typeface="Century Gothic"/>
-              <a:cs typeface="Century Gothic"/>
-              <a:sym typeface="Century Gothic"/>
-            </a:endParaRPr>
-          </a:p>
-        </p:txBody>
-      </p:sp>
-    </p:spTree>
-  </p:cSld>
-  <p:clrMapOvr>
-    <a:masterClrMapping/>
-  </p:clrMapOvr>
-</p:sld>
-</file>
-
-<file path=ppt/slides/slide20.xml><?xml version="1.0" encoding="utf-8"?>
+<file path=ppt/slides/slide31.xml><?xml version="1.0" encoding="utf-8"?>
 <p:sld xmlns:a="http://schemas.openxmlformats.org/drawingml/2006/main" xmlns:r="http://schemas.openxmlformats.org/officeDocument/2006/relationships" xmlns:p="http://schemas.openxmlformats.org/presentationml/2006/main">
   <p:cSld>
     <p:spTree>
@@ -29512,7 +34123,7 @@
 </p:sld>
 </file>
 
-<file path=ppt/slides/slide21.xml><?xml version="1.0" encoding="utf-8"?>
+<file path=ppt/slides/slide32.xml><?xml version="1.0" encoding="utf-8"?>
 <p:sld xmlns:a="http://schemas.openxmlformats.org/drawingml/2006/main" xmlns:r="http://schemas.openxmlformats.org/officeDocument/2006/relationships" xmlns:p="http://schemas.openxmlformats.org/presentationml/2006/main">
   <p:cSld>
     <p:spTree>
@@ -29808,7 +34419,7 @@
 </p:sld>
 </file>
 
-<file path=ppt/slides/slide22.xml><?xml version="1.0" encoding="utf-8"?>
+<file path=ppt/slides/slide33.xml><?xml version="1.0" encoding="utf-8"?>
 <p:sld xmlns:a="http://schemas.openxmlformats.org/drawingml/2006/main" xmlns:r="http://schemas.openxmlformats.org/officeDocument/2006/relationships" xmlns:p="http://schemas.openxmlformats.org/presentationml/2006/main">
   <p:cSld>
     <p:spTree>
@@ -30183,7 +34794,7 @@
 </p:sld>
 </file>
 
-<file path=ppt/slides/slide23.xml><?xml version="1.0" encoding="utf-8"?>
+<file path=ppt/slides/slide34.xml><?xml version="1.0" encoding="utf-8"?>
 <p:sld xmlns:a="http://schemas.openxmlformats.org/drawingml/2006/main" xmlns:r="http://schemas.openxmlformats.org/officeDocument/2006/relationships" xmlns:p="http://schemas.openxmlformats.org/presentationml/2006/main">
   <p:cSld>
     <p:spTree>
@@ -30587,7 +35198,7 @@
 </p:sld>
 </file>
 
-<file path=ppt/slides/slide24.xml><?xml version="1.0" encoding="utf-8"?>
+<file path=ppt/slides/slide35.xml><?xml version="1.0" encoding="utf-8"?>
 <p:sld xmlns:a="http://schemas.openxmlformats.org/drawingml/2006/main" xmlns:r="http://schemas.openxmlformats.org/officeDocument/2006/relationships" xmlns:p="http://schemas.openxmlformats.org/presentationml/2006/main">
   <p:cSld>
     <p:spTree>
@@ -30991,7 +35602,7 @@
 </p:sld>
 </file>
 
-<file path=ppt/slides/slide25.xml><?xml version="1.0" encoding="utf-8"?>
+<file path=ppt/slides/slide36.xml><?xml version="1.0" encoding="utf-8"?>
 <p:sld xmlns:a="http://schemas.openxmlformats.org/drawingml/2006/main" xmlns:r="http://schemas.openxmlformats.org/officeDocument/2006/relationships" xmlns:p="http://schemas.openxmlformats.org/presentationml/2006/main">
   <p:cSld>
     <p:spTree>
@@ -31395,7 +36006,7 @@
 </p:sld>
 </file>
 
-<file path=ppt/slides/slide26.xml><?xml version="1.0" encoding="utf-8"?>
+<file path=ppt/slides/slide37.xml><?xml version="1.0" encoding="utf-8"?>
 <p:sld xmlns:a="http://schemas.openxmlformats.org/drawingml/2006/main" xmlns:r="http://schemas.openxmlformats.org/officeDocument/2006/relationships" xmlns:p="http://schemas.openxmlformats.org/presentationml/2006/main">
   <p:cSld>
     <p:spTree>
@@ -31746,7 +36357,7 @@
 </p:sld>
 </file>
 
-<file path=ppt/slides/slide27.xml><?xml version="1.0" encoding="utf-8"?>
+<file path=ppt/slides/slide38.xml><?xml version="1.0" encoding="utf-8"?>
 <p:sld xmlns:a="http://schemas.openxmlformats.org/drawingml/2006/main" xmlns:r="http://schemas.openxmlformats.org/officeDocument/2006/relationships" xmlns:p="http://schemas.openxmlformats.org/presentationml/2006/main">
   <p:cSld>
     <p:spTree>
@@ -31839,7 +36450,7 @@
 </p:sld>
 </file>
 
-<file path=ppt/slides/slide28.xml><?xml version="1.0" encoding="utf-8"?>
+<file path=ppt/slides/slide39.xml><?xml version="1.0" encoding="utf-8"?>
 <p:sld xmlns:a="http://schemas.openxmlformats.org/drawingml/2006/main" xmlns:r="http://schemas.openxmlformats.org/officeDocument/2006/relationships" xmlns:p="http://schemas.openxmlformats.org/presentationml/2006/main">
   <p:cSld>
     <p:spTree>
@@ -31989,488 +36600,6 @@
               <a:cs typeface="Century Gothic"/>
               <a:sym typeface="Century Gothic"/>
             </a:endParaRPr>
-          </a:p>
-        </p:txBody>
-      </p:sp>
-    </p:spTree>
-  </p:cSld>
-  <p:clrMapOvr>
-    <a:masterClrMapping/>
-  </p:clrMapOvr>
-</p:sld>
-</file>
-
-<file path=ppt/slides/slide29.xml><?xml version="1.0" encoding="utf-8"?>
-<p:sld xmlns:a="http://schemas.openxmlformats.org/drawingml/2006/main" xmlns:r="http://schemas.openxmlformats.org/officeDocument/2006/relationships" xmlns:p="http://schemas.openxmlformats.org/presentationml/2006/main">
-  <p:cSld>
-    <p:spTree>
-      <p:nvGrpSpPr>
-        <p:cNvPr id="1" name="Shape 205"/>
-        <p:cNvGrpSpPr/>
-        <p:nvPr/>
-      </p:nvGrpSpPr>
-      <p:grpSpPr>
-        <a:xfrm>
-          <a:off x="0" y="0"/>
-          <a:ext cx="0" cy="0"/>
-          <a:chOff x="0" y="0"/>
-          <a:chExt cx="0" cy="0"/>
-        </a:xfrm>
-      </p:grpSpPr>
-      <p:sp>
-        <p:nvSpPr>
-          <p:cNvPr id="206" name="Google Shape;206;p44"/>
-          <p:cNvSpPr txBox="1">
-            <a:spLocks noGrp="1"/>
-          </p:cNvSpPr>
-          <p:nvPr>
-            <p:ph type="title"/>
-          </p:nvPr>
-        </p:nvSpPr>
-        <p:spPr>
-          <a:xfrm>
-            <a:off x="202550" y="289279"/>
-            <a:ext cx="8520600" cy="572700"/>
-          </a:xfrm>
-          <a:prstGeom prst="rect">
-            <a:avLst/>
-          </a:prstGeom>
-          <a:noFill/>
-          <a:ln>
-            <a:noFill/>
-          </a:ln>
-        </p:spPr>
-        <p:txBody>
-          <a:bodyPr spcFirstLastPara="1" wrap="square" lIns="91425" tIns="91425" rIns="91425" bIns="91425" anchor="t" anchorCtr="0">
-            <a:noAutofit/>
-          </a:bodyPr>
-          <a:lstStyle/>
-          <a:p>
-            <a:pPr marL="0" lvl="0" indent="0" algn="l" rtl="0">
-              <a:lnSpc>
-                <a:spcPct val="100000"/>
-              </a:lnSpc>
-              <a:spcBef>
-                <a:spcPts val="0"/>
-              </a:spcBef>
-              <a:spcAft>
-                <a:spcPts val="0"/>
-              </a:spcAft>
-              <a:buSzPts val="2200"/>
-              <a:buNone/>
-            </a:pPr>
-            <a:r>
-              <a:rPr lang="en">
-                <a:solidFill>
-                  <a:schemeClr val="lt2"/>
-                </a:solidFill>
-                <a:latin typeface="Century Gothic"/>
-                <a:ea typeface="Century Gothic"/>
-                <a:cs typeface="Century Gothic"/>
-                <a:sym typeface="Century Gothic"/>
-              </a:rPr>
-              <a:t>Slide Header</a:t>
-            </a:r>
-            <a:endParaRPr>
-              <a:solidFill>
-                <a:schemeClr val="lt2"/>
-              </a:solidFill>
-              <a:latin typeface="Century Gothic"/>
-              <a:ea typeface="Century Gothic"/>
-              <a:cs typeface="Century Gothic"/>
-              <a:sym typeface="Century Gothic"/>
-            </a:endParaRPr>
-          </a:p>
-        </p:txBody>
-      </p:sp>
-      <p:sp>
-        <p:nvSpPr>
-          <p:cNvPr id="207" name="Google Shape;207;p44"/>
-          <p:cNvSpPr txBox="1">
-            <a:spLocks noGrp="1"/>
-          </p:cNvSpPr>
-          <p:nvPr>
-            <p:ph type="body" idx="1"/>
-          </p:nvPr>
-        </p:nvSpPr>
-        <p:spPr>
-          <a:xfrm>
-            <a:off x="202550" y="861975"/>
-            <a:ext cx="8629800" cy="3706800"/>
-          </a:xfrm>
-          <a:prstGeom prst="rect">
-            <a:avLst/>
-          </a:prstGeom>
-          <a:noFill/>
-          <a:ln>
-            <a:noFill/>
-          </a:ln>
-        </p:spPr>
-        <p:txBody>
-          <a:bodyPr spcFirstLastPara="1" wrap="square" lIns="91425" tIns="91425" rIns="91425" bIns="91425" anchor="t" anchorCtr="0">
-            <a:noAutofit/>
-          </a:bodyPr>
-          <a:lstStyle/>
-          <a:p>
-            <a:pPr marL="457200" lvl="0" indent="-317500" algn="l" rtl="0">
-              <a:lnSpc>
-                <a:spcPct val="115000"/>
-              </a:lnSpc>
-              <a:spcBef>
-                <a:spcPts val="1000"/>
-              </a:spcBef>
-              <a:spcAft>
-                <a:spcPts val="1000"/>
-              </a:spcAft>
-              <a:buClr>
-                <a:schemeClr val="dk1"/>
-              </a:buClr>
-              <a:buSzPts val="1400"/>
-              <a:buFont typeface="Century Gothic"/>
-              <a:buChar char="●"/>
-            </a:pPr>
-            <a:r>
-              <a:rPr lang="en" sz="1400">
-                <a:solidFill>
-                  <a:schemeClr val="dk1"/>
-                </a:solidFill>
-                <a:latin typeface="Century Gothic"/>
-                <a:ea typeface="Century Gothic"/>
-                <a:cs typeface="Century Gothic"/>
-                <a:sym typeface="Century Gothic"/>
-              </a:rPr>
-              <a:t>Please add any other pointers (if needed)</a:t>
-            </a:r>
-            <a:endParaRPr sz="1400">
-              <a:solidFill>
-                <a:schemeClr val="dk1"/>
-              </a:solidFill>
-              <a:latin typeface="Century Gothic"/>
-              <a:ea typeface="Century Gothic"/>
-              <a:cs typeface="Century Gothic"/>
-              <a:sym typeface="Century Gothic"/>
-            </a:endParaRPr>
-          </a:p>
-        </p:txBody>
-      </p:sp>
-    </p:spTree>
-  </p:cSld>
-  <p:clrMapOvr>
-    <a:masterClrMapping/>
-  </p:clrMapOvr>
-</p:sld>
-</file>
-
-<file path=ppt/slides/slide3.xml><?xml version="1.0" encoding="utf-8"?>
-<p:sld xmlns:a="http://schemas.openxmlformats.org/drawingml/2006/main" xmlns:r="http://schemas.openxmlformats.org/officeDocument/2006/relationships" xmlns:p="http://schemas.openxmlformats.org/presentationml/2006/main">
-  <p:cSld>
-    <p:spTree>
-      <p:nvGrpSpPr>
-        <p:cNvPr id="1" name="Shape 162"/>
-        <p:cNvGrpSpPr/>
-        <p:nvPr/>
-      </p:nvGrpSpPr>
-      <p:grpSpPr>
-        <a:xfrm>
-          <a:off x="0" y="0"/>
-          <a:ext cx="0" cy="0"/>
-          <a:chOff x="0" y="0"/>
-          <a:chExt cx="0" cy="0"/>
-        </a:xfrm>
-      </p:grpSpPr>
-      <p:sp>
-        <p:nvSpPr>
-          <p:cNvPr id="163" name="Google Shape;163;p37"/>
-          <p:cNvSpPr txBox="1">
-            <a:spLocks noGrp="1"/>
-          </p:cNvSpPr>
-          <p:nvPr>
-            <p:ph type="title"/>
-          </p:nvPr>
-        </p:nvSpPr>
-        <p:spPr>
-          <a:xfrm>
-            <a:off x="202550" y="289275"/>
-            <a:ext cx="7712700" cy="810900"/>
-          </a:xfrm>
-          <a:prstGeom prst="rect">
-            <a:avLst/>
-          </a:prstGeom>
-          <a:noFill/>
-          <a:ln>
-            <a:noFill/>
-          </a:ln>
-        </p:spPr>
-        <p:txBody>
-          <a:bodyPr spcFirstLastPara="1" wrap="square" lIns="91425" tIns="91425" rIns="91425" bIns="91425" anchor="t" anchorCtr="0">
-            <a:noAutofit/>
-          </a:bodyPr>
-          <a:lstStyle/>
-          <a:p>
-            <a:pPr marL="0" lvl="0" indent="0" algn="l" rtl="0">
-              <a:lnSpc>
-                <a:spcPct val="100000"/>
-              </a:lnSpc>
-              <a:spcBef>
-                <a:spcPts val="0"/>
-              </a:spcBef>
-              <a:spcAft>
-                <a:spcPts val="0"/>
-              </a:spcAft>
-              <a:buSzPts val="2200"/>
-              <a:buNone/>
-            </a:pPr>
-            <a:r>
-              <a:rPr lang="en" dirty="0">
-                <a:solidFill>
-                  <a:schemeClr val="lt2"/>
-                </a:solidFill>
-                <a:latin typeface="Century Gothic"/>
-                <a:ea typeface="Century Gothic"/>
-                <a:cs typeface="Century Gothic"/>
-                <a:sym typeface="Century Gothic"/>
-              </a:rPr>
-              <a:t>Project Goals And Objectives</a:t>
-            </a:r>
-            <a:endParaRPr dirty="0">
-              <a:solidFill>
-                <a:schemeClr val="lt2"/>
-              </a:solidFill>
-              <a:latin typeface="Century Gothic"/>
-              <a:ea typeface="Century Gothic"/>
-              <a:cs typeface="Century Gothic"/>
-              <a:sym typeface="Century Gothic"/>
-            </a:endParaRPr>
-          </a:p>
-        </p:txBody>
-      </p:sp>
-      <p:sp>
-        <p:nvSpPr>
-          <p:cNvPr id="164" name="Google Shape;164;p37"/>
-          <p:cNvSpPr txBox="1">
-            <a:spLocks noGrp="1"/>
-          </p:cNvSpPr>
-          <p:nvPr>
-            <p:ph type="body" idx="1"/>
-          </p:nvPr>
-        </p:nvSpPr>
-        <p:spPr>
-          <a:xfrm>
-            <a:off x="257100" y="906141"/>
-            <a:ext cx="8629800" cy="3810238"/>
-          </a:xfrm>
-          <a:prstGeom prst="rect">
-            <a:avLst/>
-          </a:prstGeom>
-          <a:noFill/>
-          <a:ln>
-            <a:noFill/>
-          </a:ln>
-        </p:spPr>
-        <p:txBody>
-          <a:bodyPr spcFirstLastPara="1" wrap="square" lIns="91425" tIns="91425" rIns="91425" bIns="91425" anchor="t" anchorCtr="0">
-            <a:noAutofit/>
-          </a:bodyPr>
-          <a:lstStyle/>
-          <a:p>
-            <a:pPr marL="139700" indent="0">
-              <a:spcBef>
-                <a:spcPts val="1000"/>
-              </a:spcBef>
-              <a:buClr>
-                <a:schemeClr val="dk1"/>
-              </a:buClr>
-              <a:buSzPts val="1400"/>
-              <a:buNone/>
-            </a:pPr>
-            <a:r>
-              <a:rPr lang="en-US" sz="1400" b="1" dirty="0"/>
-              <a:t>Background:</a:t>
-            </a:r>
-          </a:p>
-          <a:p>
-            <a:pPr marL="139700" indent="0">
-              <a:spcBef>
-                <a:spcPts val="1000"/>
-              </a:spcBef>
-              <a:buClr>
-                <a:schemeClr val="dk1"/>
-              </a:buClr>
-              <a:buSzPts val="1400"/>
-              <a:buNone/>
-            </a:pPr>
-            <a:r>
-              <a:rPr lang="en-US" sz="1400" dirty="0"/>
-              <a:t>In the food delivery industry, customer feedback drives service quality and brand loyalty. Companies like Uber Eats, DoorDash, and Grubhub rely on reviews to improve operational efficiency and customer satisfaction. With the high volume of reviews posted daily across multiple cities, manual analysis isn't feasible. Reviews in the form of unstructured text contain complaints, praise, and personal experience feedback. They require automated systems that can classify sentiment consistently and without bias.</a:t>
-            </a:r>
-            <a:endParaRPr lang="en-US" sz="1400" b="1" dirty="0"/>
-          </a:p>
-          <a:p>
-            <a:pPr marL="139700" indent="0">
-              <a:spcBef>
-                <a:spcPts val="1000"/>
-              </a:spcBef>
-              <a:buClr>
-                <a:schemeClr val="dk1"/>
-              </a:buClr>
-              <a:buSzPts val="1400"/>
-              <a:buNone/>
-            </a:pPr>
-            <a:endParaRPr lang="en-US" sz="800" b="1" dirty="0"/>
-          </a:p>
-          <a:p>
-            <a:pPr marL="139700" indent="0">
-              <a:spcBef>
-                <a:spcPts val="1000"/>
-              </a:spcBef>
-              <a:buClr>
-                <a:schemeClr val="dk1"/>
-              </a:buClr>
-              <a:buSzPts val="1400"/>
-              <a:buNone/>
-            </a:pPr>
-            <a:r>
-              <a:rPr lang="en-US" sz="1400" b="1" dirty="0"/>
-              <a:t>Goal:</a:t>
-            </a:r>
-          </a:p>
-          <a:p>
-            <a:pPr marL="139700" indent="0">
-              <a:spcBef>
-                <a:spcPts val="1000"/>
-              </a:spcBef>
-              <a:buClr>
-                <a:schemeClr val="dk1"/>
-              </a:buClr>
-              <a:buSzPts val="1400"/>
-              <a:buNone/>
-            </a:pPr>
-            <a:r>
-              <a:rPr lang="en-US" sz="1400" dirty="0"/>
-              <a:t>Automate sentiment classification of customer feedback for a food delivery platform using Generative AI and Prompt Engineering. Process customer reviews into Positive, Negative, or Neutral categories while ensuring factual consistency and interpretability. Map outputs with relevant tags (Delivery Time, Food Quality, Price, Packaging, Overall Experience) and suggested business actions.</a:t>
-            </a:r>
-            <a:endParaRPr lang="en-US" sz="1400" b="1" dirty="0"/>
-          </a:p>
-        </p:txBody>
-      </p:sp>
-    </p:spTree>
-  </p:cSld>
-  <p:clrMapOvr>
-    <a:masterClrMapping/>
-  </p:clrMapOvr>
-</p:sld>
-</file>
-
-<file path=ppt/slides/slide30.xml><?xml version="1.0" encoding="utf-8"?>
-<p:sld xmlns:a="http://schemas.openxmlformats.org/drawingml/2006/main" xmlns:r="http://schemas.openxmlformats.org/officeDocument/2006/relationships" xmlns:p="http://schemas.openxmlformats.org/presentationml/2006/main">
-  <p:cSld>
-    <p:spTree>
-      <p:nvGrpSpPr>
-        <p:cNvPr id="1" name="Shape 213"/>
-        <p:cNvGrpSpPr/>
-        <p:nvPr/>
-      </p:nvGrpSpPr>
-      <p:grpSpPr>
-        <a:xfrm>
-          <a:off x="0" y="0"/>
-          <a:ext cx="0" cy="0"/>
-          <a:chOff x="0" y="0"/>
-          <a:chExt cx="0" cy="0"/>
-        </a:xfrm>
-      </p:grpSpPr>
-      <p:sp>
-        <p:nvSpPr>
-          <p:cNvPr id="214" name="Google Shape;214;p45"/>
-          <p:cNvSpPr txBox="1">
-            <a:spLocks noGrp="1"/>
-          </p:cNvSpPr>
-          <p:nvPr>
-            <p:ph type="title"/>
-          </p:nvPr>
-        </p:nvSpPr>
-        <p:spPr>
-          <a:xfrm>
-            <a:off x="70129" y="6703219"/>
-            <a:ext cx="15008700" cy="697800"/>
-          </a:xfrm>
-          <a:prstGeom prst="rect">
-            <a:avLst/>
-          </a:prstGeom>
-          <a:noFill/>
-          <a:ln>
-            <a:noFill/>
-          </a:ln>
-        </p:spPr>
-        <p:txBody>
-          <a:bodyPr spcFirstLastPara="1" wrap="square" lIns="0" tIns="12850" rIns="0" bIns="0" anchor="t" anchorCtr="0">
-            <a:noAutofit/>
-          </a:bodyPr>
-          <a:lstStyle/>
-          <a:p>
-            <a:pPr marL="0" lvl="0" indent="0" algn="l" rtl="0">
-              <a:lnSpc>
-                <a:spcPct val="100000"/>
-              </a:lnSpc>
-              <a:spcBef>
-                <a:spcPts val="0"/>
-              </a:spcBef>
-              <a:spcAft>
-                <a:spcPts val="0"/>
-              </a:spcAft>
-              <a:buSzPts val="2200"/>
-              <a:buNone/>
-            </a:pPr>
-            <a:endParaRPr/>
-          </a:p>
-        </p:txBody>
-      </p:sp>
-      <p:sp>
-        <p:nvSpPr>
-          <p:cNvPr id="215" name="Google Shape;215;p45"/>
-          <p:cNvSpPr txBox="1">
-            <a:spLocks noGrp="1"/>
-          </p:cNvSpPr>
-          <p:nvPr>
-            <p:ph type="sldNum" idx="4294967295"/>
-          </p:nvPr>
-        </p:nvSpPr>
-        <p:spPr>
-          <a:xfrm>
-            <a:off x="8556784" y="4749851"/>
-            <a:ext cx="548700" cy="393600"/>
-          </a:xfrm>
-          <a:prstGeom prst="rect">
-            <a:avLst/>
-          </a:prstGeom>
-          <a:noFill/>
-          <a:ln>
-            <a:noFill/>
-          </a:ln>
-        </p:spPr>
-        <p:txBody>
-          <a:bodyPr spcFirstLastPara="1" wrap="square" lIns="91425" tIns="91425" rIns="91425" bIns="91425" anchor="ctr" anchorCtr="0">
-            <a:noAutofit/>
-          </a:bodyPr>
-          <a:lstStyle/>
-          <a:p>
-            <a:pPr marL="0" lvl="0" indent="0" algn="ctr" rtl="0">
-              <a:lnSpc>
-                <a:spcPct val="100000"/>
-              </a:lnSpc>
-              <a:spcBef>
-                <a:spcPts val="0"/>
-              </a:spcBef>
-              <a:spcAft>
-                <a:spcPts val="0"/>
-              </a:spcAft>
-              <a:buSzPts val="800"/>
-              <a:buNone/>
-            </a:pPr>
-            <a:fld id="{00000000-1234-1234-1234-123412341234}" type="slidenum">
-              <a:rPr lang="en"/>
-              <a:t>30</a:t>
-            </a:fld>
-            <a:endParaRPr/>
           </a:p>
         </p:txBody>
       </p:sp>
@@ -32815,6 +36944,288 @@
         <p14:creationId xmlns:p14="http://schemas.microsoft.com/office/powerpoint/2010/main" val="1683397148"/>
       </p:ext>
     </p:extLst>
+  </p:cSld>
+  <p:clrMapOvr>
+    <a:masterClrMapping/>
+  </p:clrMapOvr>
+</p:sld>
+</file>
+
+<file path=ppt/slides/slide40.xml><?xml version="1.0" encoding="utf-8"?>
+<p:sld xmlns:a="http://schemas.openxmlformats.org/drawingml/2006/main" xmlns:r="http://schemas.openxmlformats.org/officeDocument/2006/relationships" xmlns:p="http://schemas.openxmlformats.org/presentationml/2006/main">
+  <p:cSld>
+    <p:spTree>
+      <p:nvGrpSpPr>
+        <p:cNvPr id="1" name="Shape 205"/>
+        <p:cNvGrpSpPr/>
+        <p:nvPr/>
+      </p:nvGrpSpPr>
+      <p:grpSpPr>
+        <a:xfrm>
+          <a:off x="0" y="0"/>
+          <a:ext cx="0" cy="0"/>
+          <a:chOff x="0" y="0"/>
+          <a:chExt cx="0" cy="0"/>
+        </a:xfrm>
+      </p:grpSpPr>
+      <p:sp>
+        <p:nvSpPr>
+          <p:cNvPr id="206" name="Google Shape;206;p44"/>
+          <p:cNvSpPr txBox="1">
+            <a:spLocks noGrp="1"/>
+          </p:cNvSpPr>
+          <p:nvPr>
+            <p:ph type="title"/>
+          </p:nvPr>
+        </p:nvSpPr>
+        <p:spPr>
+          <a:xfrm>
+            <a:off x="202550" y="289279"/>
+            <a:ext cx="8520600" cy="572700"/>
+          </a:xfrm>
+          <a:prstGeom prst="rect">
+            <a:avLst/>
+          </a:prstGeom>
+          <a:noFill/>
+          <a:ln>
+            <a:noFill/>
+          </a:ln>
+        </p:spPr>
+        <p:txBody>
+          <a:bodyPr spcFirstLastPara="1" wrap="square" lIns="91425" tIns="91425" rIns="91425" bIns="91425" anchor="t" anchorCtr="0">
+            <a:noAutofit/>
+          </a:bodyPr>
+          <a:lstStyle/>
+          <a:p>
+            <a:pPr marL="0" lvl="0" indent="0" algn="l" rtl="0">
+              <a:lnSpc>
+                <a:spcPct val="100000"/>
+              </a:lnSpc>
+              <a:spcBef>
+                <a:spcPts val="0"/>
+              </a:spcBef>
+              <a:spcAft>
+                <a:spcPts val="0"/>
+              </a:spcAft>
+              <a:buSzPts val="2200"/>
+              <a:buNone/>
+            </a:pPr>
+            <a:r>
+              <a:rPr lang="en">
+                <a:solidFill>
+                  <a:schemeClr val="lt2"/>
+                </a:solidFill>
+                <a:latin typeface="Century Gothic"/>
+                <a:ea typeface="Century Gothic"/>
+                <a:cs typeface="Century Gothic"/>
+                <a:sym typeface="Century Gothic"/>
+              </a:rPr>
+              <a:t>Slide Header</a:t>
+            </a:r>
+            <a:endParaRPr>
+              <a:solidFill>
+                <a:schemeClr val="lt2"/>
+              </a:solidFill>
+              <a:latin typeface="Century Gothic"/>
+              <a:ea typeface="Century Gothic"/>
+              <a:cs typeface="Century Gothic"/>
+              <a:sym typeface="Century Gothic"/>
+            </a:endParaRPr>
+          </a:p>
+        </p:txBody>
+      </p:sp>
+      <p:sp>
+        <p:nvSpPr>
+          <p:cNvPr id="207" name="Google Shape;207;p44"/>
+          <p:cNvSpPr txBox="1">
+            <a:spLocks noGrp="1"/>
+          </p:cNvSpPr>
+          <p:nvPr>
+            <p:ph type="body" idx="1"/>
+          </p:nvPr>
+        </p:nvSpPr>
+        <p:spPr>
+          <a:xfrm>
+            <a:off x="202550" y="861975"/>
+            <a:ext cx="8629800" cy="3706800"/>
+          </a:xfrm>
+          <a:prstGeom prst="rect">
+            <a:avLst/>
+          </a:prstGeom>
+          <a:noFill/>
+          <a:ln>
+            <a:noFill/>
+          </a:ln>
+        </p:spPr>
+        <p:txBody>
+          <a:bodyPr spcFirstLastPara="1" wrap="square" lIns="91425" tIns="91425" rIns="91425" bIns="91425" anchor="t" anchorCtr="0">
+            <a:noAutofit/>
+          </a:bodyPr>
+          <a:lstStyle/>
+          <a:p>
+            <a:pPr marL="457200" lvl="0" indent="-317500" algn="l" rtl="0">
+              <a:lnSpc>
+                <a:spcPct val="115000"/>
+              </a:lnSpc>
+              <a:spcBef>
+                <a:spcPts val="1000"/>
+              </a:spcBef>
+              <a:spcAft>
+                <a:spcPts val="1000"/>
+              </a:spcAft>
+              <a:buClr>
+                <a:schemeClr val="dk1"/>
+              </a:buClr>
+              <a:buSzPts val="1400"/>
+              <a:buFont typeface="Century Gothic"/>
+              <a:buChar char="●"/>
+            </a:pPr>
+            <a:r>
+              <a:rPr lang="en" sz="1400">
+                <a:solidFill>
+                  <a:schemeClr val="dk1"/>
+                </a:solidFill>
+                <a:latin typeface="Century Gothic"/>
+                <a:ea typeface="Century Gothic"/>
+                <a:cs typeface="Century Gothic"/>
+                <a:sym typeface="Century Gothic"/>
+              </a:rPr>
+              <a:t>Please add any other pointers (if needed)</a:t>
+            </a:r>
+            <a:endParaRPr sz="1400">
+              <a:solidFill>
+                <a:schemeClr val="dk1"/>
+              </a:solidFill>
+              <a:latin typeface="Century Gothic"/>
+              <a:ea typeface="Century Gothic"/>
+              <a:cs typeface="Century Gothic"/>
+              <a:sym typeface="Century Gothic"/>
+            </a:endParaRPr>
+          </a:p>
+        </p:txBody>
+      </p:sp>
+    </p:spTree>
+  </p:cSld>
+  <p:clrMapOvr>
+    <a:masterClrMapping/>
+  </p:clrMapOvr>
+</p:sld>
+</file>
+
+<file path=ppt/slides/slide41.xml><?xml version="1.0" encoding="utf-8"?>
+<p:sld xmlns:a="http://schemas.openxmlformats.org/drawingml/2006/main" xmlns:r="http://schemas.openxmlformats.org/officeDocument/2006/relationships" xmlns:p="http://schemas.openxmlformats.org/presentationml/2006/main">
+  <p:cSld>
+    <p:spTree>
+      <p:nvGrpSpPr>
+        <p:cNvPr id="1" name="Shape 213"/>
+        <p:cNvGrpSpPr/>
+        <p:nvPr/>
+      </p:nvGrpSpPr>
+      <p:grpSpPr>
+        <a:xfrm>
+          <a:off x="0" y="0"/>
+          <a:ext cx="0" cy="0"/>
+          <a:chOff x="0" y="0"/>
+          <a:chExt cx="0" cy="0"/>
+        </a:xfrm>
+      </p:grpSpPr>
+      <p:sp>
+        <p:nvSpPr>
+          <p:cNvPr id="214" name="Google Shape;214;p45"/>
+          <p:cNvSpPr txBox="1">
+            <a:spLocks noGrp="1"/>
+          </p:cNvSpPr>
+          <p:nvPr>
+            <p:ph type="title"/>
+          </p:nvPr>
+        </p:nvSpPr>
+        <p:spPr>
+          <a:xfrm>
+            <a:off x="70129" y="6703219"/>
+            <a:ext cx="15008700" cy="697800"/>
+          </a:xfrm>
+          <a:prstGeom prst="rect">
+            <a:avLst/>
+          </a:prstGeom>
+          <a:noFill/>
+          <a:ln>
+            <a:noFill/>
+          </a:ln>
+        </p:spPr>
+        <p:txBody>
+          <a:bodyPr spcFirstLastPara="1" wrap="square" lIns="0" tIns="12850" rIns="0" bIns="0" anchor="t" anchorCtr="0">
+            <a:noAutofit/>
+          </a:bodyPr>
+          <a:lstStyle/>
+          <a:p>
+            <a:pPr marL="0" lvl="0" indent="0" algn="l" rtl="0">
+              <a:lnSpc>
+                <a:spcPct val="100000"/>
+              </a:lnSpc>
+              <a:spcBef>
+                <a:spcPts val="0"/>
+              </a:spcBef>
+              <a:spcAft>
+                <a:spcPts val="0"/>
+              </a:spcAft>
+              <a:buSzPts val="2200"/>
+              <a:buNone/>
+            </a:pPr>
+            <a:endParaRPr/>
+          </a:p>
+        </p:txBody>
+      </p:sp>
+      <p:sp>
+        <p:nvSpPr>
+          <p:cNvPr id="215" name="Google Shape;215;p45"/>
+          <p:cNvSpPr txBox="1">
+            <a:spLocks noGrp="1"/>
+          </p:cNvSpPr>
+          <p:nvPr>
+            <p:ph type="sldNum" idx="4294967295"/>
+          </p:nvPr>
+        </p:nvSpPr>
+        <p:spPr>
+          <a:xfrm>
+            <a:off x="8556784" y="4749851"/>
+            <a:ext cx="548700" cy="393600"/>
+          </a:xfrm>
+          <a:prstGeom prst="rect">
+            <a:avLst/>
+          </a:prstGeom>
+          <a:noFill/>
+          <a:ln>
+            <a:noFill/>
+          </a:ln>
+        </p:spPr>
+        <p:txBody>
+          <a:bodyPr spcFirstLastPara="1" wrap="square" lIns="91425" tIns="91425" rIns="91425" bIns="91425" anchor="ctr" anchorCtr="0">
+            <a:noAutofit/>
+          </a:bodyPr>
+          <a:lstStyle/>
+          <a:p>
+            <a:pPr marL="0" lvl="0" indent="0" algn="ctr" rtl="0">
+              <a:lnSpc>
+                <a:spcPct val="100000"/>
+              </a:lnSpc>
+              <a:spcBef>
+                <a:spcPts val="0"/>
+              </a:spcBef>
+              <a:spcAft>
+                <a:spcPts val="0"/>
+              </a:spcAft>
+              <a:buSzPts val="800"/>
+              <a:buNone/>
+            </a:pPr>
+            <a:fld id="{00000000-1234-1234-1234-123412341234}" type="slidenum">
+              <a:rPr lang="en"/>
+              <a:t>41</a:t>
+            </a:fld>
+            <a:endParaRPr/>
+          </a:p>
+        </p:txBody>
+      </p:sp>
+    </p:spTree>
   </p:cSld>
   <p:clrMapOvr>
     <a:masterClrMapping/>

--- a/GenAI-Powered Food Delivery Sentiment Analysis/Project Presentation - Business Applications of GenAI - John Buczkowski.pptx
+++ b/GenAI-Powered Food Delivery Sentiment Analysis/Project Presentation - Business Applications of GenAI - John Buczkowski.pptx
@@ -7,7 +7,7 @@
     <p:sldMasterId id="2147483681" r:id="rId3"/>
   </p:sldMasterIdLst>
   <p:notesMasterIdLst>
-    <p:notesMasterId r:id="rId60"/>
+    <p:notesMasterId r:id="rId65"/>
   </p:notesMasterIdLst>
   <p:sldIdLst>
     <p:sldId id="256" r:id="rId4"/>
@@ -48,53 +48,58 @@
     <p:sldId id="334" r:id="rId39"/>
     <p:sldId id="328" r:id="rId40"/>
     <p:sldId id="329" r:id="rId41"/>
-    <p:sldId id="330" r:id="rId42"/>
-    <p:sldId id="331" r:id="rId43"/>
-    <p:sldId id="332" r:id="rId44"/>
-    <p:sldId id="291" r:id="rId45"/>
-    <p:sldId id="295" r:id="rId46"/>
-    <p:sldId id="292" r:id="rId47"/>
-    <p:sldId id="296" r:id="rId48"/>
-    <p:sldId id="261" r:id="rId49"/>
-    <p:sldId id="297" r:id="rId50"/>
-    <p:sldId id="298" r:id="rId51"/>
-    <p:sldId id="289" r:id="rId52"/>
-    <p:sldId id="262" r:id="rId53"/>
-    <p:sldId id="263" r:id="rId54"/>
-    <p:sldId id="264" r:id="rId55"/>
-    <p:sldId id="336" r:id="rId56"/>
-    <p:sldId id="335" r:id="rId57"/>
-    <p:sldId id="265" r:id="rId58"/>
-    <p:sldId id="266" r:id="rId59"/>
+    <p:sldId id="331" r:id="rId42"/>
+    <p:sldId id="332" r:id="rId43"/>
+    <p:sldId id="337" r:id="rId44"/>
+    <p:sldId id="338" r:id="rId45"/>
+    <p:sldId id="339" r:id="rId46"/>
+    <p:sldId id="340" r:id="rId47"/>
+    <p:sldId id="344" r:id="rId48"/>
+    <p:sldId id="342" r:id="rId49"/>
+    <p:sldId id="343" r:id="rId50"/>
+    <p:sldId id="295" r:id="rId51"/>
+    <p:sldId id="292" r:id="rId52"/>
+    <p:sldId id="296" r:id="rId53"/>
+    <p:sldId id="261" r:id="rId54"/>
+    <p:sldId id="297" r:id="rId55"/>
+    <p:sldId id="298" r:id="rId56"/>
+    <p:sldId id="289" r:id="rId57"/>
+    <p:sldId id="262" r:id="rId58"/>
+    <p:sldId id="263" r:id="rId59"/>
+    <p:sldId id="264" r:id="rId60"/>
+    <p:sldId id="336" r:id="rId61"/>
+    <p:sldId id="335" r:id="rId62"/>
+    <p:sldId id="265" r:id="rId63"/>
+    <p:sldId id="266" r:id="rId64"/>
   </p:sldIdLst>
   <p:sldSz cx="9144000" cy="5143500" type="screen16x9"/>
   <p:notesSz cx="6858000" cy="9144000"/>
   <p:embeddedFontLst>
     <p:embeddedFont>
       <p:font typeface="Century Gothic" panose="020B0502020202020204" pitchFamily="34" charset="0"/>
-      <p:regular r:id="rId61"/>
-      <p:bold r:id="rId62"/>
-      <p:italic r:id="rId63"/>
-      <p:boldItalic r:id="rId64"/>
+      <p:regular r:id="rId66"/>
+      <p:bold r:id="rId67"/>
+      <p:italic r:id="rId68"/>
+      <p:boldItalic r:id="rId69"/>
     </p:embeddedFont>
     <p:embeddedFont>
       <p:font typeface="Nunito" pitchFamily="2" charset="0"/>
-      <p:regular r:id="rId65"/>
-      <p:bold r:id="rId66"/>
-      <p:italic r:id="rId67"/>
-      <p:boldItalic r:id="rId68"/>
+      <p:regular r:id="rId70"/>
+      <p:bold r:id="rId71"/>
+      <p:italic r:id="rId72"/>
+      <p:boldItalic r:id="rId73"/>
     </p:embeddedFont>
     <p:embeddedFont>
       <p:font typeface="Nunito ExtraBold" pitchFamily="2" charset="0"/>
-      <p:bold r:id="rId69"/>
-      <p:boldItalic r:id="rId70"/>
+      <p:bold r:id="rId74"/>
+      <p:boldItalic r:id="rId75"/>
     </p:embeddedFont>
     <p:embeddedFont>
       <p:font typeface="Nunito SemiBold" pitchFamily="2" charset="0"/>
-      <p:regular r:id="rId71"/>
-      <p:bold r:id="rId72"/>
-      <p:italic r:id="rId73"/>
-      <p:boldItalic r:id="rId74"/>
+      <p:regular r:id="rId76"/>
+      <p:bold r:id="rId77"/>
+      <p:italic r:id="rId78"/>
+      <p:boldItalic r:id="rId79"/>
     </p:embeddedFont>
   </p:embeddedFontLst>
   <p:defaultTextStyle>
@@ -4907,151 +4912,6 @@
         <p:cNvPr id="1" name="Shape 171">
           <a:extLst>
             <a:ext uri="{FF2B5EF4-FFF2-40B4-BE49-F238E27FC236}">
-              <a16:creationId xmlns:a16="http://schemas.microsoft.com/office/drawing/2014/main" id="{6F245550-9C85-7166-E9D1-92741F63AFAE}"/>
-            </a:ext>
-          </a:extLst>
-        </p:cNvPr>
-        <p:cNvGrpSpPr/>
-        <p:nvPr/>
-      </p:nvGrpSpPr>
-      <p:grpSpPr>
-        <a:xfrm>
-          <a:off x="0" y="0"/>
-          <a:ext cx="0" cy="0"/>
-          <a:chOff x="0" y="0"/>
-          <a:chExt cx="0" cy="0"/>
-        </a:xfrm>
-      </p:grpSpPr>
-      <p:sp>
-        <p:nvSpPr>
-          <p:cNvPr id="172" name="Google Shape;172;g2cd30dbf4aa_0_267:notes">
-            <a:extLst>
-              <a:ext uri="{FF2B5EF4-FFF2-40B4-BE49-F238E27FC236}">
-                <a16:creationId xmlns:a16="http://schemas.microsoft.com/office/drawing/2014/main" id="{A8479502-0F22-F1C9-BAFE-F06BBA27D568}"/>
-              </a:ext>
-            </a:extLst>
-          </p:cNvPr>
-          <p:cNvSpPr>
-            <a:spLocks noGrp="1" noRot="1" noChangeAspect="1"/>
-          </p:cNvSpPr>
-          <p:nvPr>
-            <p:ph type="sldImg" idx="2"/>
-          </p:nvPr>
-        </p:nvSpPr>
-        <p:spPr>
-          <a:xfrm>
-            <a:off x="381000" y="685800"/>
-            <a:ext cx="6096000" cy="3429000"/>
-          </a:xfrm>
-          <a:custGeom>
-            <a:avLst/>
-            <a:gdLst/>
-            <a:ahLst/>
-            <a:cxnLst/>
-            <a:rect l="l" t="t" r="r" b="b"/>
-            <a:pathLst>
-              <a:path w="120000" h="120000" extrusionOk="0">
-                <a:moveTo>
-                  <a:pt x="0" y="0"/>
-                </a:moveTo>
-                <a:lnTo>
-                  <a:pt x="120000" y="0"/>
-                </a:lnTo>
-                <a:lnTo>
-                  <a:pt x="120000" y="120000"/>
-                </a:lnTo>
-                <a:lnTo>
-                  <a:pt x="0" y="120000"/>
-                </a:lnTo>
-                <a:close/>
-              </a:path>
-            </a:pathLst>
-          </a:custGeom>
-          <a:noFill/>
-          <a:ln w="9525" cap="flat" cmpd="sng">
-            <a:solidFill>
-              <a:srgbClr val="000000"/>
-            </a:solidFill>
-            <a:prstDash val="solid"/>
-            <a:round/>
-            <a:headEnd type="none" w="sm" len="sm"/>
-            <a:tailEnd type="none" w="sm" len="sm"/>
-          </a:ln>
-        </p:spPr>
-      </p:sp>
-      <p:sp>
-        <p:nvSpPr>
-          <p:cNvPr id="173" name="Google Shape;173;g2cd30dbf4aa_0_267:notes">
-            <a:extLst>
-              <a:ext uri="{FF2B5EF4-FFF2-40B4-BE49-F238E27FC236}">
-                <a16:creationId xmlns:a16="http://schemas.microsoft.com/office/drawing/2014/main" id="{345F2CF6-CC85-74A8-863B-87CE07B997AE}"/>
-              </a:ext>
-            </a:extLst>
-          </p:cNvPr>
-          <p:cNvSpPr txBox="1">
-            <a:spLocks noGrp="1"/>
-          </p:cNvSpPr>
-          <p:nvPr>
-            <p:ph type="body" idx="1"/>
-          </p:nvPr>
-        </p:nvSpPr>
-        <p:spPr>
-          <a:xfrm>
-            <a:off x="685800" y="4343400"/>
-            <a:ext cx="5486400" cy="4114800"/>
-          </a:xfrm>
-          <a:prstGeom prst="rect">
-            <a:avLst/>
-          </a:prstGeom>
-          <a:noFill/>
-          <a:ln>
-            <a:noFill/>
-          </a:ln>
-        </p:spPr>
-        <p:txBody>
-          <a:bodyPr spcFirstLastPara="1" wrap="square" lIns="91425" tIns="91425" rIns="91425" bIns="91425" anchor="t" anchorCtr="0">
-            <a:noAutofit/>
-          </a:bodyPr>
-          <a:lstStyle/>
-          <a:p>
-            <a:pPr marL="0" lvl="0" indent="0" algn="l" rtl="0">
-              <a:lnSpc>
-                <a:spcPct val="100000"/>
-              </a:lnSpc>
-              <a:spcBef>
-                <a:spcPts val="0"/>
-              </a:spcBef>
-              <a:spcAft>
-                <a:spcPts val="0"/>
-              </a:spcAft>
-              <a:buSzPts val="1100"/>
-              <a:buNone/>
-            </a:pPr>
-            <a:endParaRPr/>
-          </a:p>
-        </p:txBody>
-      </p:sp>
-    </p:spTree>
-    <p:extLst>
-      <p:ext uri="{BB962C8B-B14F-4D97-AF65-F5344CB8AC3E}">
-        <p14:creationId xmlns:p14="http://schemas.microsoft.com/office/powerpoint/2010/main" val="673296250"/>
-      </p:ext>
-    </p:extLst>
-  </p:cSld>
-  <p:clrMapOvr>
-    <a:masterClrMapping/>
-  </p:clrMapOvr>
-</p:notes>
-</file>
-
-<file path=ppt/notesSlides/notesSlide37.xml><?xml version="1.0" encoding="utf-8"?>
-<p:notes xmlns:a="http://schemas.openxmlformats.org/drawingml/2006/main" xmlns:r="http://schemas.openxmlformats.org/officeDocument/2006/relationships" xmlns:p="http://schemas.openxmlformats.org/presentationml/2006/main" showMasterSp="0" showMasterPhAnim="0">
-  <p:cSld>
-    <p:spTree>
-      <p:nvGrpSpPr>
-        <p:cNvPr id="1" name="Shape 171">
-          <a:extLst>
-            <a:ext uri="{FF2B5EF4-FFF2-40B4-BE49-F238E27FC236}">
               <a16:creationId xmlns:a16="http://schemas.microsoft.com/office/drawing/2014/main" id="{D14650DF-D681-EBA4-1E61-5E541156E4C5}"/>
             </a:ext>
           </a:extLst>
@@ -5189,7 +5049,7 @@
 </p:notes>
 </file>
 
-<file path=ppt/notesSlides/notesSlide38.xml><?xml version="1.0" encoding="utf-8"?>
+<file path=ppt/notesSlides/notesSlide37.xml><?xml version="1.0" encoding="utf-8"?>
 <p:notes xmlns:a="http://schemas.openxmlformats.org/drawingml/2006/main" xmlns:r="http://schemas.openxmlformats.org/officeDocument/2006/relationships" xmlns:p="http://schemas.openxmlformats.org/presentationml/2006/main" showMasterSp="0" showMasterPhAnim="0">
   <p:cSld>
     <p:spTree>
@@ -5334,7 +5194,7 @@
 </p:notes>
 </file>
 
-<file path=ppt/notesSlides/notesSlide39.xml><?xml version="1.0" encoding="utf-8"?>
+<file path=ppt/notesSlides/notesSlide38.xml><?xml version="1.0" encoding="utf-8"?>
 <p:notes xmlns:a="http://schemas.openxmlformats.org/drawingml/2006/main" xmlns:r="http://schemas.openxmlformats.org/officeDocument/2006/relationships" xmlns:p="http://schemas.openxmlformats.org/presentationml/2006/main" showMasterSp="0" showMasterPhAnim="0">
   <p:cSld>
     <p:spTree>
@@ -5342,7 +5202,7 @@
         <p:cNvPr id="1" name="Shape 171">
           <a:extLst>
             <a:ext uri="{FF2B5EF4-FFF2-40B4-BE49-F238E27FC236}">
-              <a16:creationId xmlns:a16="http://schemas.microsoft.com/office/drawing/2014/main" id="{79A3AAF2-8064-A56D-30F2-7B0D42887A08}"/>
+              <a16:creationId xmlns:a16="http://schemas.microsoft.com/office/drawing/2014/main" id="{E9008234-BBB5-8E0B-5CBE-DF2F39BD943D}"/>
             </a:ext>
           </a:extLst>
         </p:cNvPr>
@@ -5362,7 +5222,7 @@
           <p:cNvPr id="172" name="Google Shape;172;g2cd30dbf4aa_0_267:notes">
             <a:extLst>
               <a:ext uri="{FF2B5EF4-FFF2-40B4-BE49-F238E27FC236}">
-                <a16:creationId xmlns:a16="http://schemas.microsoft.com/office/drawing/2014/main" id="{9217FC5D-3044-5F99-0618-C751FABC9E77}"/>
+                <a16:creationId xmlns:a16="http://schemas.microsoft.com/office/drawing/2014/main" id="{C9E9A996-9E83-9BFB-52AD-1C7231DFFB06}"/>
               </a:ext>
             </a:extLst>
           </p:cNvPr>
@@ -5419,7 +5279,7 @@
           <p:cNvPr id="173" name="Google Shape;173;g2cd30dbf4aa_0_267:notes">
             <a:extLst>
               <a:ext uri="{FF2B5EF4-FFF2-40B4-BE49-F238E27FC236}">
-                <a16:creationId xmlns:a16="http://schemas.microsoft.com/office/drawing/2014/main" id="{F3C006A3-4928-DAEE-6EA3-8948BF23B2AF}"/>
+                <a16:creationId xmlns:a16="http://schemas.microsoft.com/office/drawing/2014/main" id="{EAB66A4C-3557-6C62-4E7B-C2FEBD6B6541}"/>
               </a:ext>
             </a:extLst>
           </p:cNvPr>
@@ -5469,7 +5329,152 @@
     </p:spTree>
     <p:extLst>
       <p:ext uri="{BB962C8B-B14F-4D97-AF65-F5344CB8AC3E}">
-        <p14:creationId xmlns:p14="http://schemas.microsoft.com/office/powerpoint/2010/main" val="1924044501"/>
+        <p14:creationId xmlns:p14="http://schemas.microsoft.com/office/powerpoint/2010/main" val="2852060987"/>
+      </p:ext>
+    </p:extLst>
+  </p:cSld>
+  <p:clrMapOvr>
+    <a:masterClrMapping/>
+  </p:clrMapOvr>
+</p:notes>
+</file>
+
+<file path=ppt/notesSlides/notesSlide39.xml><?xml version="1.0" encoding="utf-8"?>
+<p:notes xmlns:a="http://schemas.openxmlformats.org/drawingml/2006/main" xmlns:r="http://schemas.openxmlformats.org/officeDocument/2006/relationships" xmlns:p="http://schemas.openxmlformats.org/presentationml/2006/main" showMasterSp="0" showMasterPhAnim="0">
+  <p:cSld>
+    <p:spTree>
+      <p:nvGrpSpPr>
+        <p:cNvPr id="1" name="Shape 171">
+          <a:extLst>
+            <a:ext uri="{FF2B5EF4-FFF2-40B4-BE49-F238E27FC236}">
+              <a16:creationId xmlns:a16="http://schemas.microsoft.com/office/drawing/2014/main" id="{CEF04AD2-192B-987F-6F5B-3D64150D870C}"/>
+            </a:ext>
+          </a:extLst>
+        </p:cNvPr>
+        <p:cNvGrpSpPr/>
+        <p:nvPr/>
+      </p:nvGrpSpPr>
+      <p:grpSpPr>
+        <a:xfrm>
+          <a:off x="0" y="0"/>
+          <a:ext cx="0" cy="0"/>
+          <a:chOff x="0" y="0"/>
+          <a:chExt cx="0" cy="0"/>
+        </a:xfrm>
+      </p:grpSpPr>
+      <p:sp>
+        <p:nvSpPr>
+          <p:cNvPr id="172" name="Google Shape;172;g2cd30dbf4aa_0_267:notes">
+            <a:extLst>
+              <a:ext uri="{FF2B5EF4-FFF2-40B4-BE49-F238E27FC236}">
+                <a16:creationId xmlns:a16="http://schemas.microsoft.com/office/drawing/2014/main" id="{2AFC55B5-E172-FB0D-54FC-053D3711A8C3}"/>
+              </a:ext>
+            </a:extLst>
+          </p:cNvPr>
+          <p:cNvSpPr>
+            <a:spLocks noGrp="1" noRot="1" noChangeAspect="1"/>
+          </p:cNvSpPr>
+          <p:nvPr>
+            <p:ph type="sldImg" idx="2"/>
+          </p:nvPr>
+        </p:nvSpPr>
+        <p:spPr>
+          <a:xfrm>
+            <a:off x="381000" y="685800"/>
+            <a:ext cx="6096000" cy="3429000"/>
+          </a:xfrm>
+          <a:custGeom>
+            <a:avLst/>
+            <a:gdLst/>
+            <a:ahLst/>
+            <a:cxnLst/>
+            <a:rect l="l" t="t" r="r" b="b"/>
+            <a:pathLst>
+              <a:path w="120000" h="120000" extrusionOk="0">
+                <a:moveTo>
+                  <a:pt x="0" y="0"/>
+                </a:moveTo>
+                <a:lnTo>
+                  <a:pt x="120000" y="0"/>
+                </a:lnTo>
+                <a:lnTo>
+                  <a:pt x="120000" y="120000"/>
+                </a:lnTo>
+                <a:lnTo>
+                  <a:pt x="0" y="120000"/>
+                </a:lnTo>
+                <a:close/>
+              </a:path>
+            </a:pathLst>
+          </a:custGeom>
+          <a:noFill/>
+          <a:ln w="9525" cap="flat" cmpd="sng">
+            <a:solidFill>
+              <a:srgbClr val="000000"/>
+            </a:solidFill>
+            <a:prstDash val="solid"/>
+            <a:round/>
+            <a:headEnd type="none" w="sm" len="sm"/>
+            <a:tailEnd type="none" w="sm" len="sm"/>
+          </a:ln>
+        </p:spPr>
+      </p:sp>
+      <p:sp>
+        <p:nvSpPr>
+          <p:cNvPr id="173" name="Google Shape;173;g2cd30dbf4aa_0_267:notes">
+            <a:extLst>
+              <a:ext uri="{FF2B5EF4-FFF2-40B4-BE49-F238E27FC236}">
+                <a16:creationId xmlns:a16="http://schemas.microsoft.com/office/drawing/2014/main" id="{7B0B0F1D-2257-CB05-E7A3-EE3F52A19D28}"/>
+              </a:ext>
+            </a:extLst>
+          </p:cNvPr>
+          <p:cNvSpPr txBox="1">
+            <a:spLocks noGrp="1"/>
+          </p:cNvSpPr>
+          <p:nvPr>
+            <p:ph type="body" idx="1"/>
+          </p:nvPr>
+        </p:nvSpPr>
+        <p:spPr>
+          <a:xfrm>
+            <a:off x="685800" y="4343400"/>
+            <a:ext cx="5486400" cy="4114800"/>
+          </a:xfrm>
+          <a:prstGeom prst="rect">
+            <a:avLst/>
+          </a:prstGeom>
+          <a:noFill/>
+          <a:ln>
+            <a:noFill/>
+          </a:ln>
+        </p:spPr>
+        <p:txBody>
+          <a:bodyPr spcFirstLastPara="1" wrap="square" lIns="91425" tIns="91425" rIns="91425" bIns="91425" anchor="t" anchorCtr="0">
+            <a:noAutofit/>
+          </a:bodyPr>
+          <a:lstStyle/>
+          <a:p>
+            <a:pPr marL="0" lvl="0" indent="0" algn="l" rtl="0">
+              <a:lnSpc>
+                <a:spcPct val="100000"/>
+              </a:lnSpc>
+              <a:spcBef>
+                <a:spcPts val="0"/>
+              </a:spcBef>
+              <a:spcAft>
+                <a:spcPts val="0"/>
+              </a:spcAft>
+              <a:buSzPts val="1100"/>
+              <a:buNone/>
+            </a:pPr>
+            <a:endParaRPr/>
+          </a:p>
+        </p:txBody>
+      </p:sp>
+    </p:spTree>
+    <p:extLst>
+      <p:ext uri="{BB962C8B-B14F-4D97-AF65-F5344CB8AC3E}">
+        <p14:creationId xmlns:p14="http://schemas.microsoft.com/office/powerpoint/2010/main" val="1342806666"/>
       </p:ext>
     </p:extLst>
   </p:cSld>
@@ -5632,6 +5637,731 @@
         <p:cNvPr id="1" name="Shape 171">
           <a:extLst>
             <a:ext uri="{FF2B5EF4-FFF2-40B4-BE49-F238E27FC236}">
+              <a16:creationId xmlns:a16="http://schemas.microsoft.com/office/drawing/2014/main" id="{68282D88-D086-33E3-9DDF-A17F00CE0712}"/>
+            </a:ext>
+          </a:extLst>
+        </p:cNvPr>
+        <p:cNvGrpSpPr/>
+        <p:nvPr/>
+      </p:nvGrpSpPr>
+      <p:grpSpPr>
+        <a:xfrm>
+          <a:off x="0" y="0"/>
+          <a:ext cx="0" cy="0"/>
+          <a:chOff x="0" y="0"/>
+          <a:chExt cx="0" cy="0"/>
+        </a:xfrm>
+      </p:grpSpPr>
+      <p:sp>
+        <p:nvSpPr>
+          <p:cNvPr id="172" name="Google Shape;172;g2cd30dbf4aa_0_267:notes">
+            <a:extLst>
+              <a:ext uri="{FF2B5EF4-FFF2-40B4-BE49-F238E27FC236}">
+                <a16:creationId xmlns:a16="http://schemas.microsoft.com/office/drawing/2014/main" id="{87B5352A-3B98-2C15-CEFA-70D23E1DDF84}"/>
+              </a:ext>
+            </a:extLst>
+          </p:cNvPr>
+          <p:cNvSpPr>
+            <a:spLocks noGrp="1" noRot="1" noChangeAspect="1"/>
+          </p:cNvSpPr>
+          <p:nvPr>
+            <p:ph type="sldImg" idx="2"/>
+          </p:nvPr>
+        </p:nvSpPr>
+        <p:spPr>
+          <a:xfrm>
+            <a:off x="381000" y="685800"/>
+            <a:ext cx="6096000" cy="3429000"/>
+          </a:xfrm>
+          <a:custGeom>
+            <a:avLst/>
+            <a:gdLst/>
+            <a:ahLst/>
+            <a:cxnLst/>
+            <a:rect l="l" t="t" r="r" b="b"/>
+            <a:pathLst>
+              <a:path w="120000" h="120000" extrusionOk="0">
+                <a:moveTo>
+                  <a:pt x="0" y="0"/>
+                </a:moveTo>
+                <a:lnTo>
+                  <a:pt x="120000" y="0"/>
+                </a:lnTo>
+                <a:lnTo>
+                  <a:pt x="120000" y="120000"/>
+                </a:lnTo>
+                <a:lnTo>
+                  <a:pt x="0" y="120000"/>
+                </a:lnTo>
+                <a:close/>
+              </a:path>
+            </a:pathLst>
+          </a:custGeom>
+          <a:noFill/>
+          <a:ln w="9525" cap="flat" cmpd="sng">
+            <a:solidFill>
+              <a:srgbClr val="000000"/>
+            </a:solidFill>
+            <a:prstDash val="solid"/>
+            <a:round/>
+            <a:headEnd type="none" w="sm" len="sm"/>
+            <a:tailEnd type="none" w="sm" len="sm"/>
+          </a:ln>
+        </p:spPr>
+      </p:sp>
+      <p:sp>
+        <p:nvSpPr>
+          <p:cNvPr id="173" name="Google Shape;173;g2cd30dbf4aa_0_267:notes">
+            <a:extLst>
+              <a:ext uri="{FF2B5EF4-FFF2-40B4-BE49-F238E27FC236}">
+                <a16:creationId xmlns:a16="http://schemas.microsoft.com/office/drawing/2014/main" id="{BAAD86D3-B4D1-2BC9-2FA0-A08FEE838ED1}"/>
+              </a:ext>
+            </a:extLst>
+          </p:cNvPr>
+          <p:cNvSpPr txBox="1">
+            <a:spLocks noGrp="1"/>
+          </p:cNvSpPr>
+          <p:nvPr>
+            <p:ph type="body" idx="1"/>
+          </p:nvPr>
+        </p:nvSpPr>
+        <p:spPr>
+          <a:xfrm>
+            <a:off x="685800" y="4343400"/>
+            <a:ext cx="5486400" cy="4114800"/>
+          </a:xfrm>
+          <a:prstGeom prst="rect">
+            <a:avLst/>
+          </a:prstGeom>
+          <a:noFill/>
+          <a:ln>
+            <a:noFill/>
+          </a:ln>
+        </p:spPr>
+        <p:txBody>
+          <a:bodyPr spcFirstLastPara="1" wrap="square" lIns="91425" tIns="91425" rIns="91425" bIns="91425" anchor="t" anchorCtr="0">
+            <a:noAutofit/>
+          </a:bodyPr>
+          <a:lstStyle/>
+          <a:p>
+            <a:pPr marL="0" lvl="0" indent="0" algn="l" rtl="0">
+              <a:lnSpc>
+                <a:spcPct val="100000"/>
+              </a:lnSpc>
+              <a:spcBef>
+                <a:spcPts val="0"/>
+              </a:spcBef>
+              <a:spcAft>
+                <a:spcPts val="0"/>
+              </a:spcAft>
+              <a:buSzPts val="1100"/>
+              <a:buNone/>
+            </a:pPr>
+            <a:endParaRPr/>
+          </a:p>
+        </p:txBody>
+      </p:sp>
+    </p:spTree>
+    <p:extLst>
+      <p:ext uri="{BB962C8B-B14F-4D97-AF65-F5344CB8AC3E}">
+        <p14:creationId xmlns:p14="http://schemas.microsoft.com/office/powerpoint/2010/main" val="1514864542"/>
+      </p:ext>
+    </p:extLst>
+  </p:cSld>
+  <p:clrMapOvr>
+    <a:masterClrMapping/>
+  </p:clrMapOvr>
+</p:notes>
+</file>
+
+<file path=ppt/notesSlides/notesSlide41.xml><?xml version="1.0" encoding="utf-8"?>
+<p:notes xmlns:a="http://schemas.openxmlformats.org/drawingml/2006/main" xmlns:r="http://schemas.openxmlformats.org/officeDocument/2006/relationships" xmlns:p="http://schemas.openxmlformats.org/presentationml/2006/main" showMasterSp="0" showMasterPhAnim="0">
+  <p:cSld>
+    <p:spTree>
+      <p:nvGrpSpPr>
+        <p:cNvPr id="1" name="Shape 171">
+          <a:extLst>
+            <a:ext uri="{FF2B5EF4-FFF2-40B4-BE49-F238E27FC236}">
+              <a16:creationId xmlns:a16="http://schemas.microsoft.com/office/drawing/2014/main" id="{4D2967B6-90A0-F053-3A13-811F4CF99FAC}"/>
+            </a:ext>
+          </a:extLst>
+        </p:cNvPr>
+        <p:cNvGrpSpPr/>
+        <p:nvPr/>
+      </p:nvGrpSpPr>
+      <p:grpSpPr>
+        <a:xfrm>
+          <a:off x="0" y="0"/>
+          <a:ext cx="0" cy="0"/>
+          <a:chOff x="0" y="0"/>
+          <a:chExt cx="0" cy="0"/>
+        </a:xfrm>
+      </p:grpSpPr>
+      <p:sp>
+        <p:nvSpPr>
+          <p:cNvPr id="172" name="Google Shape;172;g2cd30dbf4aa_0_267:notes">
+            <a:extLst>
+              <a:ext uri="{FF2B5EF4-FFF2-40B4-BE49-F238E27FC236}">
+                <a16:creationId xmlns:a16="http://schemas.microsoft.com/office/drawing/2014/main" id="{89F186EC-EC27-DCB7-AAE6-8D96965221D7}"/>
+              </a:ext>
+            </a:extLst>
+          </p:cNvPr>
+          <p:cNvSpPr>
+            <a:spLocks noGrp="1" noRot="1" noChangeAspect="1"/>
+          </p:cNvSpPr>
+          <p:nvPr>
+            <p:ph type="sldImg" idx="2"/>
+          </p:nvPr>
+        </p:nvSpPr>
+        <p:spPr>
+          <a:xfrm>
+            <a:off x="381000" y="685800"/>
+            <a:ext cx="6096000" cy="3429000"/>
+          </a:xfrm>
+          <a:custGeom>
+            <a:avLst/>
+            <a:gdLst/>
+            <a:ahLst/>
+            <a:cxnLst/>
+            <a:rect l="l" t="t" r="r" b="b"/>
+            <a:pathLst>
+              <a:path w="120000" h="120000" extrusionOk="0">
+                <a:moveTo>
+                  <a:pt x="0" y="0"/>
+                </a:moveTo>
+                <a:lnTo>
+                  <a:pt x="120000" y="0"/>
+                </a:lnTo>
+                <a:lnTo>
+                  <a:pt x="120000" y="120000"/>
+                </a:lnTo>
+                <a:lnTo>
+                  <a:pt x="0" y="120000"/>
+                </a:lnTo>
+                <a:close/>
+              </a:path>
+            </a:pathLst>
+          </a:custGeom>
+          <a:noFill/>
+          <a:ln w="9525" cap="flat" cmpd="sng">
+            <a:solidFill>
+              <a:srgbClr val="000000"/>
+            </a:solidFill>
+            <a:prstDash val="solid"/>
+            <a:round/>
+            <a:headEnd type="none" w="sm" len="sm"/>
+            <a:tailEnd type="none" w="sm" len="sm"/>
+          </a:ln>
+        </p:spPr>
+      </p:sp>
+      <p:sp>
+        <p:nvSpPr>
+          <p:cNvPr id="173" name="Google Shape;173;g2cd30dbf4aa_0_267:notes">
+            <a:extLst>
+              <a:ext uri="{FF2B5EF4-FFF2-40B4-BE49-F238E27FC236}">
+                <a16:creationId xmlns:a16="http://schemas.microsoft.com/office/drawing/2014/main" id="{30551005-8A0A-CB05-9929-917E4026D95F}"/>
+              </a:ext>
+            </a:extLst>
+          </p:cNvPr>
+          <p:cNvSpPr txBox="1">
+            <a:spLocks noGrp="1"/>
+          </p:cNvSpPr>
+          <p:nvPr>
+            <p:ph type="body" idx="1"/>
+          </p:nvPr>
+        </p:nvSpPr>
+        <p:spPr>
+          <a:xfrm>
+            <a:off x="685800" y="4343400"/>
+            <a:ext cx="5486400" cy="4114800"/>
+          </a:xfrm>
+          <a:prstGeom prst="rect">
+            <a:avLst/>
+          </a:prstGeom>
+          <a:noFill/>
+          <a:ln>
+            <a:noFill/>
+          </a:ln>
+        </p:spPr>
+        <p:txBody>
+          <a:bodyPr spcFirstLastPara="1" wrap="square" lIns="91425" tIns="91425" rIns="91425" bIns="91425" anchor="t" anchorCtr="0">
+            <a:noAutofit/>
+          </a:bodyPr>
+          <a:lstStyle/>
+          <a:p>
+            <a:pPr marL="0" lvl="0" indent="0" algn="l" rtl="0">
+              <a:lnSpc>
+                <a:spcPct val="100000"/>
+              </a:lnSpc>
+              <a:spcBef>
+                <a:spcPts val="0"/>
+              </a:spcBef>
+              <a:spcAft>
+                <a:spcPts val="0"/>
+              </a:spcAft>
+              <a:buSzPts val="1100"/>
+              <a:buNone/>
+            </a:pPr>
+            <a:endParaRPr/>
+          </a:p>
+        </p:txBody>
+      </p:sp>
+    </p:spTree>
+    <p:extLst>
+      <p:ext uri="{BB962C8B-B14F-4D97-AF65-F5344CB8AC3E}">
+        <p14:creationId xmlns:p14="http://schemas.microsoft.com/office/powerpoint/2010/main" val="3785105003"/>
+      </p:ext>
+    </p:extLst>
+  </p:cSld>
+  <p:clrMapOvr>
+    <a:masterClrMapping/>
+  </p:clrMapOvr>
+</p:notes>
+</file>
+
+<file path=ppt/notesSlides/notesSlide42.xml><?xml version="1.0" encoding="utf-8"?>
+<p:notes xmlns:a="http://schemas.openxmlformats.org/drawingml/2006/main" xmlns:r="http://schemas.openxmlformats.org/officeDocument/2006/relationships" xmlns:p="http://schemas.openxmlformats.org/presentationml/2006/main" showMasterSp="0" showMasterPhAnim="0">
+  <p:cSld>
+    <p:spTree>
+      <p:nvGrpSpPr>
+        <p:cNvPr id="1" name="Shape 171">
+          <a:extLst>
+            <a:ext uri="{FF2B5EF4-FFF2-40B4-BE49-F238E27FC236}">
+              <a16:creationId xmlns:a16="http://schemas.microsoft.com/office/drawing/2014/main" id="{91C88038-A0D6-9882-B421-591D342BED53}"/>
+            </a:ext>
+          </a:extLst>
+        </p:cNvPr>
+        <p:cNvGrpSpPr/>
+        <p:nvPr/>
+      </p:nvGrpSpPr>
+      <p:grpSpPr>
+        <a:xfrm>
+          <a:off x="0" y="0"/>
+          <a:ext cx="0" cy="0"/>
+          <a:chOff x="0" y="0"/>
+          <a:chExt cx="0" cy="0"/>
+        </a:xfrm>
+      </p:grpSpPr>
+      <p:sp>
+        <p:nvSpPr>
+          <p:cNvPr id="172" name="Google Shape;172;g2cd30dbf4aa_0_267:notes">
+            <a:extLst>
+              <a:ext uri="{FF2B5EF4-FFF2-40B4-BE49-F238E27FC236}">
+                <a16:creationId xmlns:a16="http://schemas.microsoft.com/office/drawing/2014/main" id="{163A5F55-2D1A-075A-EAB7-10539042EE17}"/>
+              </a:ext>
+            </a:extLst>
+          </p:cNvPr>
+          <p:cNvSpPr>
+            <a:spLocks noGrp="1" noRot="1" noChangeAspect="1"/>
+          </p:cNvSpPr>
+          <p:nvPr>
+            <p:ph type="sldImg" idx="2"/>
+          </p:nvPr>
+        </p:nvSpPr>
+        <p:spPr>
+          <a:xfrm>
+            <a:off x="381000" y="685800"/>
+            <a:ext cx="6096000" cy="3429000"/>
+          </a:xfrm>
+          <a:custGeom>
+            <a:avLst/>
+            <a:gdLst/>
+            <a:ahLst/>
+            <a:cxnLst/>
+            <a:rect l="l" t="t" r="r" b="b"/>
+            <a:pathLst>
+              <a:path w="120000" h="120000" extrusionOk="0">
+                <a:moveTo>
+                  <a:pt x="0" y="0"/>
+                </a:moveTo>
+                <a:lnTo>
+                  <a:pt x="120000" y="0"/>
+                </a:lnTo>
+                <a:lnTo>
+                  <a:pt x="120000" y="120000"/>
+                </a:lnTo>
+                <a:lnTo>
+                  <a:pt x="0" y="120000"/>
+                </a:lnTo>
+                <a:close/>
+              </a:path>
+            </a:pathLst>
+          </a:custGeom>
+          <a:noFill/>
+          <a:ln w="9525" cap="flat" cmpd="sng">
+            <a:solidFill>
+              <a:srgbClr val="000000"/>
+            </a:solidFill>
+            <a:prstDash val="solid"/>
+            <a:round/>
+            <a:headEnd type="none" w="sm" len="sm"/>
+            <a:tailEnd type="none" w="sm" len="sm"/>
+          </a:ln>
+        </p:spPr>
+      </p:sp>
+      <p:sp>
+        <p:nvSpPr>
+          <p:cNvPr id="173" name="Google Shape;173;g2cd30dbf4aa_0_267:notes">
+            <a:extLst>
+              <a:ext uri="{FF2B5EF4-FFF2-40B4-BE49-F238E27FC236}">
+                <a16:creationId xmlns:a16="http://schemas.microsoft.com/office/drawing/2014/main" id="{1C4D8B92-F4E3-88A9-CA39-DC6E517C2606}"/>
+              </a:ext>
+            </a:extLst>
+          </p:cNvPr>
+          <p:cNvSpPr txBox="1">
+            <a:spLocks noGrp="1"/>
+          </p:cNvSpPr>
+          <p:nvPr>
+            <p:ph type="body" idx="1"/>
+          </p:nvPr>
+        </p:nvSpPr>
+        <p:spPr>
+          <a:xfrm>
+            <a:off x="685800" y="4343400"/>
+            <a:ext cx="5486400" cy="4114800"/>
+          </a:xfrm>
+          <a:prstGeom prst="rect">
+            <a:avLst/>
+          </a:prstGeom>
+          <a:noFill/>
+          <a:ln>
+            <a:noFill/>
+          </a:ln>
+        </p:spPr>
+        <p:txBody>
+          <a:bodyPr spcFirstLastPara="1" wrap="square" lIns="91425" tIns="91425" rIns="91425" bIns="91425" anchor="t" anchorCtr="0">
+            <a:noAutofit/>
+          </a:bodyPr>
+          <a:lstStyle/>
+          <a:p>
+            <a:pPr marL="0" lvl="0" indent="0" algn="l" rtl="0">
+              <a:lnSpc>
+                <a:spcPct val="100000"/>
+              </a:lnSpc>
+              <a:spcBef>
+                <a:spcPts val="0"/>
+              </a:spcBef>
+              <a:spcAft>
+                <a:spcPts val="0"/>
+              </a:spcAft>
+              <a:buSzPts val="1100"/>
+              <a:buNone/>
+            </a:pPr>
+            <a:endParaRPr/>
+          </a:p>
+        </p:txBody>
+      </p:sp>
+    </p:spTree>
+    <p:extLst>
+      <p:ext uri="{BB962C8B-B14F-4D97-AF65-F5344CB8AC3E}">
+        <p14:creationId xmlns:p14="http://schemas.microsoft.com/office/powerpoint/2010/main" val="941049075"/>
+      </p:ext>
+    </p:extLst>
+  </p:cSld>
+  <p:clrMapOvr>
+    <a:masterClrMapping/>
+  </p:clrMapOvr>
+</p:notes>
+</file>
+
+<file path=ppt/notesSlides/notesSlide43.xml><?xml version="1.0" encoding="utf-8"?>
+<p:notes xmlns:a="http://schemas.openxmlformats.org/drawingml/2006/main" xmlns:r="http://schemas.openxmlformats.org/officeDocument/2006/relationships" xmlns:p="http://schemas.openxmlformats.org/presentationml/2006/main" showMasterSp="0" showMasterPhAnim="0">
+  <p:cSld>
+    <p:spTree>
+      <p:nvGrpSpPr>
+        <p:cNvPr id="1" name="Shape 171">
+          <a:extLst>
+            <a:ext uri="{FF2B5EF4-FFF2-40B4-BE49-F238E27FC236}">
+              <a16:creationId xmlns:a16="http://schemas.microsoft.com/office/drawing/2014/main" id="{48A10CED-C354-6A61-3EDA-5A65D76510C4}"/>
+            </a:ext>
+          </a:extLst>
+        </p:cNvPr>
+        <p:cNvGrpSpPr/>
+        <p:nvPr/>
+      </p:nvGrpSpPr>
+      <p:grpSpPr>
+        <a:xfrm>
+          <a:off x="0" y="0"/>
+          <a:ext cx="0" cy="0"/>
+          <a:chOff x="0" y="0"/>
+          <a:chExt cx="0" cy="0"/>
+        </a:xfrm>
+      </p:grpSpPr>
+      <p:sp>
+        <p:nvSpPr>
+          <p:cNvPr id="172" name="Google Shape;172;g2cd30dbf4aa_0_267:notes">
+            <a:extLst>
+              <a:ext uri="{FF2B5EF4-FFF2-40B4-BE49-F238E27FC236}">
+                <a16:creationId xmlns:a16="http://schemas.microsoft.com/office/drawing/2014/main" id="{F2543A3A-032D-B59D-3316-59703308686B}"/>
+              </a:ext>
+            </a:extLst>
+          </p:cNvPr>
+          <p:cNvSpPr>
+            <a:spLocks noGrp="1" noRot="1" noChangeAspect="1"/>
+          </p:cNvSpPr>
+          <p:nvPr>
+            <p:ph type="sldImg" idx="2"/>
+          </p:nvPr>
+        </p:nvSpPr>
+        <p:spPr>
+          <a:xfrm>
+            <a:off x="381000" y="685800"/>
+            <a:ext cx="6096000" cy="3429000"/>
+          </a:xfrm>
+          <a:custGeom>
+            <a:avLst/>
+            <a:gdLst/>
+            <a:ahLst/>
+            <a:cxnLst/>
+            <a:rect l="l" t="t" r="r" b="b"/>
+            <a:pathLst>
+              <a:path w="120000" h="120000" extrusionOk="0">
+                <a:moveTo>
+                  <a:pt x="0" y="0"/>
+                </a:moveTo>
+                <a:lnTo>
+                  <a:pt x="120000" y="0"/>
+                </a:lnTo>
+                <a:lnTo>
+                  <a:pt x="120000" y="120000"/>
+                </a:lnTo>
+                <a:lnTo>
+                  <a:pt x="0" y="120000"/>
+                </a:lnTo>
+                <a:close/>
+              </a:path>
+            </a:pathLst>
+          </a:custGeom>
+          <a:noFill/>
+          <a:ln w="9525" cap="flat" cmpd="sng">
+            <a:solidFill>
+              <a:srgbClr val="000000"/>
+            </a:solidFill>
+            <a:prstDash val="solid"/>
+            <a:round/>
+            <a:headEnd type="none" w="sm" len="sm"/>
+            <a:tailEnd type="none" w="sm" len="sm"/>
+          </a:ln>
+        </p:spPr>
+      </p:sp>
+      <p:sp>
+        <p:nvSpPr>
+          <p:cNvPr id="173" name="Google Shape;173;g2cd30dbf4aa_0_267:notes">
+            <a:extLst>
+              <a:ext uri="{FF2B5EF4-FFF2-40B4-BE49-F238E27FC236}">
+                <a16:creationId xmlns:a16="http://schemas.microsoft.com/office/drawing/2014/main" id="{CE349A92-A072-D70B-6AEB-4CF00908B6E3}"/>
+              </a:ext>
+            </a:extLst>
+          </p:cNvPr>
+          <p:cNvSpPr txBox="1">
+            <a:spLocks noGrp="1"/>
+          </p:cNvSpPr>
+          <p:nvPr>
+            <p:ph type="body" idx="1"/>
+          </p:nvPr>
+        </p:nvSpPr>
+        <p:spPr>
+          <a:xfrm>
+            <a:off x="685800" y="4343400"/>
+            <a:ext cx="5486400" cy="4114800"/>
+          </a:xfrm>
+          <a:prstGeom prst="rect">
+            <a:avLst/>
+          </a:prstGeom>
+          <a:noFill/>
+          <a:ln>
+            <a:noFill/>
+          </a:ln>
+        </p:spPr>
+        <p:txBody>
+          <a:bodyPr spcFirstLastPara="1" wrap="square" lIns="91425" tIns="91425" rIns="91425" bIns="91425" anchor="t" anchorCtr="0">
+            <a:noAutofit/>
+          </a:bodyPr>
+          <a:lstStyle/>
+          <a:p>
+            <a:pPr marL="0" lvl="0" indent="0" algn="l" rtl="0">
+              <a:lnSpc>
+                <a:spcPct val="100000"/>
+              </a:lnSpc>
+              <a:spcBef>
+                <a:spcPts val="0"/>
+              </a:spcBef>
+              <a:spcAft>
+                <a:spcPts val="0"/>
+              </a:spcAft>
+              <a:buSzPts val="1100"/>
+              <a:buNone/>
+            </a:pPr>
+            <a:endParaRPr/>
+          </a:p>
+        </p:txBody>
+      </p:sp>
+    </p:spTree>
+    <p:extLst>
+      <p:ext uri="{BB962C8B-B14F-4D97-AF65-F5344CB8AC3E}">
+        <p14:creationId xmlns:p14="http://schemas.microsoft.com/office/powerpoint/2010/main" val="4182021326"/>
+      </p:ext>
+    </p:extLst>
+  </p:cSld>
+  <p:clrMapOvr>
+    <a:masterClrMapping/>
+  </p:clrMapOvr>
+</p:notes>
+</file>
+
+<file path=ppt/notesSlides/notesSlide44.xml><?xml version="1.0" encoding="utf-8"?>
+<p:notes xmlns:a="http://schemas.openxmlformats.org/drawingml/2006/main" xmlns:r="http://schemas.openxmlformats.org/officeDocument/2006/relationships" xmlns:p="http://schemas.openxmlformats.org/presentationml/2006/main" showMasterSp="0" showMasterPhAnim="0">
+  <p:cSld>
+    <p:spTree>
+      <p:nvGrpSpPr>
+        <p:cNvPr id="1" name="Shape 171">
+          <a:extLst>
+            <a:ext uri="{FF2B5EF4-FFF2-40B4-BE49-F238E27FC236}">
+              <a16:creationId xmlns:a16="http://schemas.microsoft.com/office/drawing/2014/main" id="{4490D74C-DB39-C050-FD0D-B66284F15B1D}"/>
+            </a:ext>
+          </a:extLst>
+        </p:cNvPr>
+        <p:cNvGrpSpPr/>
+        <p:nvPr/>
+      </p:nvGrpSpPr>
+      <p:grpSpPr>
+        <a:xfrm>
+          <a:off x="0" y="0"/>
+          <a:ext cx="0" cy="0"/>
+          <a:chOff x="0" y="0"/>
+          <a:chExt cx="0" cy="0"/>
+        </a:xfrm>
+      </p:grpSpPr>
+      <p:sp>
+        <p:nvSpPr>
+          <p:cNvPr id="172" name="Google Shape;172;g2cd30dbf4aa_0_267:notes">
+            <a:extLst>
+              <a:ext uri="{FF2B5EF4-FFF2-40B4-BE49-F238E27FC236}">
+                <a16:creationId xmlns:a16="http://schemas.microsoft.com/office/drawing/2014/main" id="{0C8982DE-3515-A4ED-67A4-CC6472F3BE67}"/>
+              </a:ext>
+            </a:extLst>
+          </p:cNvPr>
+          <p:cNvSpPr>
+            <a:spLocks noGrp="1" noRot="1" noChangeAspect="1"/>
+          </p:cNvSpPr>
+          <p:nvPr>
+            <p:ph type="sldImg" idx="2"/>
+          </p:nvPr>
+        </p:nvSpPr>
+        <p:spPr>
+          <a:xfrm>
+            <a:off x="381000" y="685800"/>
+            <a:ext cx="6096000" cy="3429000"/>
+          </a:xfrm>
+          <a:custGeom>
+            <a:avLst/>
+            <a:gdLst/>
+            <a:ahLst/>
+            <a:cxnLst/>
+            <a:rect l="l" t="t" r="r" b="b"/>
+            <a:pathLst>
+              <a:path w="120000" h="120000" extrusionOk="0">
+                <a:moveTo>
+                  <a:pt x="0" y="0"/>
+                </a:moveTo>
+                <a:lnTo>
+                  <a:pt x="120000" y="0"/>
+                </a:lnTo>
+                <a:lnTo>
+                  <a:pt x="120000" y="120000"/>
+                </a:lnTo>
+                <a:lnTo>
+                  <a:pt x="0" y="120000"/>
+                </a:lnTo>
+                <a:close/>
+              </a:path>
+            </a:pathLst>
+          </a:custGeom>
+          <a:noFill/>
+          <a:ln w="9525" cap="flat" cmpd="sng">
+            <a:solidFill>
+              <a:srgbClr val="000000"/>
+            </a:solidFill>
+            <a:prstDash val="solid"/>
+            <a:round/>
+            <a:headEnd type="none" w="sm" len="sm"/>
+            <a:tailEnd type="none" w="sm" len="sm"/>
+          </a:ln>
+        </p:spPr>
+      </p:sp>
+      <p:sp>
+        <p:nvSpPr>
+          <p:cNvPr id="173" name="Google Shape;173;g2cd30dbf4aa_0_267:notes">
+            <a:extLst>
+              <a:ext uri="{FF2B5EF4-FFF2-40B4-BE49-F238E27FC236}">
+                <a16:creationId xmlns:a16="http://schemas.microsoft.com/office/drawing/2014/main" id="{0BFF6427-5080-6552-78C2-F2F9D84645D1}"/>
+              </a:ext>
+            </a:extLst>
+          </p:cNvPr>
+          <p:cNvSpPr txBox="1">
+            <a:spLocks noGrp="1"/>
+          </p:cNvSpPr>
+          <p:nvPr>
+            <p:ph type="body" idx="1"/>
+          </p:nvPr>
+        </p:nvSpPr>
+        <p:spPr>
+          <a:xfrm>
+            <a:off x="685800" y="4343400"/>
+            <a:ext cx="5486400" cy="4114800"/>
+          </a:xfrm>
+          <a:prstGeom prst="rect">
+            <a:avLst/>
+          </a:prstGeom>
+          <a:noFill/>
+          <a:ln>
+            <a:noFill/>
+          </a:ln>
+        </p:spPr>
+        <p:txBody>
+          <a:bodyPr spcFirstLastPara="1" wrap="square" lIns="91425" tIns="91425" rIns="91425" bIns="91425" anchor="t" anchorCtr="0">
+            <a:noAutofit/>
+          </a:bodyPr>
+          <a:lstStyle/>
+          <a:p>
+            <a:pPr marL="0" lvl="0" indent="0" algn="l" rtl="0">
+              <a:lnSpc>
+                <a:spcPct val="100000"/>
+              </a:lnSpc>
+              <a:spcBef>
+                <a:spcPts val="0"/>
+              </a:spcBef>
+              <a:spcAft>
+                <a:spcPts val="0"/>
+              </a:spcAft>
+              <a:buSzPts val="1100"/>
+              <a:buNone/>
+            </a:pPr>
+            <a:endParaRPr/>
+          </a:p>
+        </p:txBody>
+      </p:sp>
+    </p:spTree>
+    <p:extLst>
+      <p:ext uri="{BB962C8B-B14F-4D97-AF65-F5344CB8AC3E}">
+        <p14:creationId xmlns:p14="http://schemas.microsoft.com/office/powerpoint/2010/main" val="599090304"/>
+      </p:ext>
+    </p:extLst>
+  </p:cSld>
+  <p:clrMapOvr>
+    <a:masterClrMapping/>
+  </p:clrMapOvr>
+</p:notes>
+</file>
+
+<file path=ppt/notesSlides/notesSlide45.xml><?xml version="1.0" encoding="utf-8"?>
+<p:notes xmlns:a="http://schemas.openxmlformats.org/drawingml/2006/main" xmlns:r="http://schemas.openxmlformats.org/officeDocument/2006/relationships" xmlns:p="http://schemas.openxmlformats.org/presentationml/2006/main" showMasterSp="0" showMasterPhAnim="0">
+  <p:cSld>
+    <p:spTree>
+      <p:nvGrpSpPr>
+        <p:cNvPr id="1" name="Shape 171">
+          <a:extLst>
+            <a:ext uri="{FF2B5EF4-FFF2-40B4-BE49-F238E27FC236}">
               <a16:creationId xmlns:a16="http://schemas.microsoft.com/office/drawing/2014/main" id="{835F41C2-9450-E84D-7EB2-DEFD531056A8}"/>
             </a:ext>
           </a:extLst>
@@ -5769,7 +6499,7 @@
 </p:notes>
 </file>
 
-<file path=ppt/notesSlides/notesSlide41.xml><?xml version="1.0" encoding="utf-8"?>
+<file path=ppt/notesSlides/notesSlide46.xml><?xml version="1.0" encoding="utf-8"?>
 <p:notes xmlns:a="http://schemas.openxmlformats.org/drawingml/2006/main" xmlns:r="http://schemas.openxmlformats.org/officeDocument/2006/relationships" xmlns:p="http://schemas.openxmlformats.org/presentationml/2006/main" showMasterSp="0" showMasterPhAnim="0">
   <p:cSld>
     <p:spTree>
@@ -5914,7 +6644,7 @@
 </p:notes>
 </file>
 
-<file path=ppt/notesSlides/notesSlide42.xml><?xml version="1.0" encoding="utf-8"?>
+<file path=ppt/notesSlides/notesSlide47.xml><?xml version="1.0" encoding="utf-8"?>
 <p:notes xmlns:a="http://schemas.openxmlformats.org/drawingml/2006/main" xmlns:r="http://schemas.openxmlformats.org/officeDocument/2006/relationships" xmlns:p="http://schemas.openxmlformats.org/presentationml/2006/main" showMasterSp="0" showMasterPhAnim="0">
   <p:cSld>
     <p:spTree>
@@ -6059,7 +6789,7 @@
 </p:notes>
 </file>
 
-<file path=ppt/notesSlides/notesSlide43.xml><?xml version="1.0" encoding="utf-8"?>
+<file path=ppt/notesSlides/notesSlide48.xml><?xml version="1.0" encoding="utf-8"?>
 <p:notes xmlns:a="http://schemas.openxmlformats.org/drawingml/2006/main" xmlns:r="http://schemas.openxmlformats.org/officeDocument/2006/relationships" xmlns:p="http://schemas.openxmlformats.org/presentationml/2006/main" showMasterSp="0" showMasterPhAnim="0">
   <p:cSld>
     <p:spTree>
@@ -6181,7 +6911,7 @@
 </p:notes>
 </file>
 
-<file path=ppt/notesSlides/notesSlide44.xml><?xml version="1.0" encoding="utf-8"?>
+<file path=ppt/notesSlides/notesSlide49.xml><?xml version="1.0" encoding="utf-8"?>
 <p:notes xmlns:a="http://schemas.openxmlformats.org/drawingml/2006/main" xmlns:r="http://schemas.openxmlformats.org/officeDocument/2006/relationships" xmlns:p="http://schemas.openxmlformats.org/presentationml/2006/main" showMasterSp="0" showMasterPhAnim="0">
   <p:cSld>
     <p:spTree>
@@ -6319,662 +7049,6 @@
         <p14:creationId xmlns:p14="http://schemas.microsoft.com/office/powerpoint/2010/main" val="976130594"/>
       </p:ext>
     </p:extLst>
-  </p:cSld>
-  <p:clrMapOvr>
-    <a:masterClrMapping/>
-  </p:clrMapOvr>
-</p:notes>
-</file>
-
-<file path=ppt/notesSlides/notesSlide45.xml><?xml version="1.0" encoding="utf-8"?>
-<p:notes xmlns:a="http://schemas.openxmlformats.org/drawingml/2006/main" xmlns:r="http://schemas.openxmlformats.org/officeDocument/2006/relationships" xmlns:p="http://schemas.openxmlformats.org/presentationml/2006/main" showMasterSp="0" showMasterPhAnim="0">
-  <p:cSld>
-    <p:spTree>
-      <p:nvGrpSpPr>
-        <p:cNvPr id="1" name="Shape 177">
-          <a:extLst>
-            <a:ext uri="{FF2B5EF4-FFF2-40B4-BE49-F238E27FC236}">
-              <a16:creationId xmlns:a16="http://schemas.microsoft.com/office/drawing/2014/main" id="{9257497F-A233-DDDD-06F5-7FEA4946FDEF}"/>
-            </a:ext>
-          </a:extLst>
-        </p:cNvPr>
-        <p:cNvGrpSpPr/>
-        <p:nvPr/>
-      </p:nvGrpSpPr>
-      <p:grpSpPr>
-        <a:xfrm>
-          <a:off x="0" y="0"/>
-          <a:ext cx="0" cy="0"/>
-          <a:chOff x="0" y="0"/>
-          <a:chExt cx="0" cy="0"/>
-        </a:xfrm>
-      </p:grpSpPr>
-      <p:sp>
-        <p:nvSpPr>
-          <p:cNvPr id="178" name="Google Shape;178;g2cd30dbf4aa_0_277:notes">
-            <a:extLst>
-              <a:ext uri="{FF2B5EF4-FFF2-40B4-BE49-F238E27FC236}">
-                <a16:creationId xmlns:a16="http://schemas.microsoft.com/office/drawing/2014/main" id="{E03CFE37-F3E6-3594-70DF-170B659150E5}"/>
-              </a:ext>
-            </a:extLst>
-          </p:cNvPr>
-          <p:cNvSpPr>
-            <a:spLocks noGrp="1" noRot="1" noChangeAspect="1"/>
-          </p:cNvSpPr>
-          <p:nvPr>
-            <p:ph type="sldImg" idx="2"/>
-          </p:nvPr>
-        </p:nvSpPr>
-        <p:spPr>
-          <a:xfrm>
-            <a:off x="381000" y="685800"/>
-            <a:ext cx="6096000" cy="3429000"/>
-          </a:xfrm>
-          <a:custGeom>
-            <a:avLst/>
-            <a:gdLst/>
-            <a:ahLst/>
-            <a:cxnLst/>
-            <a:rect l="l" t="t" r="r" b="b"/>
-            <a:pathLst>
-              <a:path w="120000" h="120000" extrusionOk="0">
-                <a:moveTo>
-                  <a:pt x="0" y="0"/>
-                </a:moveTo>
-                <a:lnTo>
-                  <a:pt x="120000" y="0"/>
-                </a:lnTo>
-                <a:lnTo>
-                  <a:pt x="120000" y="120000"/>
-                </a:lnTo>
-                <a:lnTo>
-                  <a:pt x="0" y="120000"/>
-                </a:lnTo>
-                <a:close/>
-              </a:path>
-            </a:pathLst>
-          </a:custGeom>
-          <a:noFill/>
-          <a:ln w="9525" cap="flat" cmpd="sng">
-            <a:solidFill>
-              <a:srgbClr val="000000"/>
-            </a:solidFill>
-            <a:prstDash val="solid"/>
-            <a:round/>
-            <a:headEnd type="none" w="sm" len="sm"/>
-            <a:tailEnd type="none" w="sm" len="sm"/>
-          </a:ln>
-        </p:spPr>
-      </p:sp>
-      <p:sp>
-        <p:nvSpPr>
-          <p:cNvPr id="179" name="Google Shape;179;g2cd30dbf4aa_0_277:notes">
-            <a:extLst>
-              <a:ext uri="{FF2B5EF4-FFF2-40B4-BE49-F238E27FC236}">
-                <a16:creationId xmlns:a16="http://schemas.microsoft.com/office/drawing/2014/main" id="{EDB84BDC-E3E0-AF58-BBBD-5EB302ED25C7}"/>
-              </a:ext>
-            </a:extLst>
-          </p:cNvPr>
-          <p:cNvSpPr txBox="1">
-            <a:spLocks noGrp="1"/>
-          </p:cNvSpPr>
-          <p:nvPr>
-            <p:ph type="body" idx="1"/>
-          </p:nvPr>
-        </p:nvSpPr>
-        <p:spPr>
-          <a:xfrm>
-            <a:off x="685800" y="4343400"/>
-            <a:ext cx="5486400" cy="4114800"/>
-          </a:xfrm>
-          <a:prstGeom prst="rect">
-            <a:avLst/>
-          </a:prstGeom>
-          <a:noFill/>
-          <a:ln>
-            <a:noFill/>
-          </a:ln>
-        </p:spPr>
-        <p:txBody>
-          <a:bodyPr spcFirstLastPara="1" wrap="square" lIns="91425" tIns="91425" rIns="91425" bIns="91425" anchor="t" anchorCtr="0">
-            <a:noAutofit/>
-          </a:bodyPr>
-          <a:lstStyle/>
-          <a:p>
-            <a:pPr marL="0" lvl="0" indent="0" algn="l" rtl="0">
-              <a:lnSpc>
-                <a:spcPct val="100000"/>
-              </a:lnSpc>
-              <a:spcBef>
-                <a:spcPts val="0"/>
-              </a:spcBef>
-              <a:spcAft>
-                <a:spcPts val="0"/>
-              </a:spcAft>
-              <a:buSzPts val="1100"/>
-              <a:buNone/>
-            </a:pPr>
-            <a:endParaRPr/>
-          </a:p>
-        </p:txBody>
-      </p:sp>
-    </p:spTree>
-    <p:extLst>
-      <p:ext uri="{BB962C8B-B14F-4D97-AF65-F5344CB8AC3E}">
-        <p14:creationId xmlns:p14="http://schemas.microsoft.com/office/powerpoint/2010/main" val="4075304300"/>
-      </p:ext>
-    </p:extLst>
-  </p:cSld>
-  <p:clrMapOvr>
-    <a:masterClrMapping/>
-  </p:clrMapOvr>
-</p:notes>
-</file>
-
-<file path=ppt/notesSlides/notesSlide46.xml><?xml version="1.0" encoding="utf-8"?>
-<p:notes xmlns:a="http://schemas.openxmlformats.org/drawingml/2006/main" xmlns:r="http://schemas.openxmlformats.org/officeDocument/2006/relationships" xmlns:p="http://schemas.openxmlformats.org/presentationml/2006/main" showMasterSp="0" showMasterPhAnim="0">
-  <p:cSld>
-    <p:spTree>
-      <p:nvGrpSpPr>
-        <p:cNvPr id="1" name="Shape 177">
-          <a:extLst>
-            <a:ext uri="{FF2B5EF4-FFF2-40B4-BE49-F238E27FC236}">
-              <a16:creationId xmlns:a16="http://schemas.microsoft.com/office/drawing/2014/main" id="{235A7D3A-D1F5-C628-FD67-5451F58ABECC}"/>
-            </a:ext>
-          </a:extLst>
-        </p:cNvPr>
-        <p:cNvGrpSpPr/>
-        <p:nvPr/>
-      </p:nvGrpSpPr>
-      <p:grpSpPr>
-        <a:xfrm>
-          <a:off x="0" y="0"/>
-          <a:ext cx="0" cy="0"/>
-          <a:chOff x="0" y="0"/>
-          <a:chExt cx="0" cy="0"/>
-        </a:xfrm>
-      </p:grpSpPr>
-      <p:sp>
-        <p:nvSpPr>
-          <p:cNvPr id="178" name="Google Shape;178;g2cd30dbf4aa_0_277:notes">
-            <a:extLst>
-              <a:ext uri="{FF2B5EF4-FFF2-40B4-BE49-F238E27FC236}">
-                <a16:creationId xmlns:a16="http://schemas.microsoft.com/office/drawing/2014/main" id="{58E23625-B3DB-65F6-0F3E-605087E72D76}"/>
-              </a:ext>
-            </a:extLst>
-          </p:cNvPr>
-          <p:cNvSpPr>
-            <a:spLocks noGrp="1" noRot="1" noChangeAspect="1"/>
-          </p:cNvSpPr>
-          <p:nvPr>
-            <p:ph type="sldImg" idx="2"/>
-          </p:nvPr>
-        </p:nvSpPr>
-        <p:spPr>
-          <a:xfrm>
-            <a:off x="381000" y="685800"/>
-            <a:ext cx="6096000" cy="3429000"/>
-          </a:xfrm>
-          <a:custGeom>
-            <a:avLst/>
-            <a:gdLst/>
-            <a:ahLst/>
-            <a:cxnLst/>
-            <a:rect l="l" t="t" r="r" b="b"/>
-            <a:pathLst>
-              <a:path w="120000" h="120000" extrusionOk="0">
-                <a:moveTo>
-                  <a:pt x="0" y="0"/>
-                </a:moveTo>
-                <a:lnTo>
-                  <a:pt x="120000" y="0"/>
-                </a:lnTo>
-                <a:lnTo>
-                  <a:pt x="120000" y="120000"/>
-                </a:lnTo>
-                <a:lnTo>
-                  <a:pt x="0" y="120000"/>
-                </a:lnTo>
-                <a:close/>
-              </a:path>
-            </a:pathLst>
-          </a:custGeom>
-          <a:noFill/>
-          <a:ln w="9525" cap="flat" cmpd="sng">
-            <a:solidFill>
-              <a:srgbClr val="000000"/>
-            </a:solidFill>
-            <a:prstDash val="solid"/>
-            <a:round/>
-            <a:headEnd type="none" w="sm" len="sm"/>
-            <a:tailEnd type="none" w="sm" len="sm"/>
-          </a:ln>
-        </p:spPr>
-      </p:sp>
-      <p:sp>
-        <p:nvSpPr>
-          <p:cNvPr id="179" name="Google Shape;179;g2cd30dbf4aa_0_277:notes">
-            <a:extLst>
-              <a:ext uri="{FF2B5EF4-FFF2-40B4-BE49-F238E27FC236}">
-                <a16:creationId xmlns:a16="http://schemas.microsoft.com/office/drawing/2014/main" id="{C7D631C7-B29A-8D6F-FE99-376500D35E70}"/>
-              </a:ext>
-            </a:extLst>
-          </p:cNvPr>
-          <p:cNvSpPr txBox="1">
-            <a:spLocks noGrp="1"/>
-          </p:cNvSpPr>
-          <p:nvPr>
-            <p:ph type="body" idx="1"/>
-          </p:nvPr>
-        </p:nvSpPr>
-        <p:spPr>
-          <a:xfrm>
-            <a:off x="685800" y="4343400"/>
-            <a:ext cx="5486400" cy="4114800"/>
-          </a:xfrm>
-          <a:prstGeom prst="rect">
-            <a:avLst/>
-          </a:prstGeom>
-          <a:noFill/>
-          <a:ln>
-            <a:noFill/>
-          </a:ln>
-        </p:spPr>
-        <p:txBody>
-          <a:bodyPr spcFirstLastPara="1" wrap="square" lIns="91425" tIns="91425" rIns="91425" bIns="91425" anchor="t" anchorCtr="0">
-            <a:noAutofit/>
-          </a:bodyPr>
-          <a:lstStyle/>
-          <a:p>
-            <a:pPr marL="0" lvl="0" indent="0" algn="l" rtl="0">
-              <a:lnSpc>
-                <a:spcPct val="100000"/>
-              </a:lnSpc>
-              <a:spcBef>
-                <a:spcPts val="0"/>
-              </a:spcBef>
-              <a:spcAft>
-                <a:spcPts val="0"/>
-              </a:spcAft>
-              <a:buSzPts val="1100"/>
-              <a:buNone/>
-            </a:pPr>
-            <a:endParaRPr/>
-          </a:p>
-        </p:txBody>
-      </p:sp>
-    </p:spTree>
-    <p:extLst>
-      <p:ext uri="{BB962C8B-B14F-4D97-AF65-F5344CB8AC3E}">
-        <p14:creationId xmlns:p14="http://schemas.microsoft.com/office/powerpoint/2010/main" val="112392624"/>
-      </p:ext>
-    </p:extLst>
-  </p:cSld>
-  <p:clrMapOvr>
-    <a:masterClrMapping/>
-  </p:clrMapOvr>
-</p:notes>
-</file>
-
-<file path=ppt/notesSlides/notesSlide47.xml><?xml version="1.0" encoding="utf-8"?>
-<p:notes xmlns:a="http://schemas.openxmlformats.org/drawingml/2006/main" xmlns:r="http://schemas.openxmlformats.org/officeDocument/2006/relationships" xmlns:p="http://schemas.openxmlformats.org/presentationml/2006/main" showMasterSp="0" showMasterPhAnim="0">
-  <p:cSld>
-    <p:spTree>
-      <p:nvGrpSpPr>
-        <p:cNvPr id="1" name="Shape 184"/>
-        <p:cNvGrpSpPr/>
-        <p:nvPr/>
-      </p:nvGrpSpPr>
-      <p:grpSpPr>
-        <a:xfrm>
-          <a:off x="0" y="0"/>
-          <a:ext cx="0" cy="0"/>
-          <a:chOff x="0" y="0"/>
-          <a:chExt cx="0" cy="0"/>
-        </a:xfrm>
-      </p:grpSpPr>
-      <p:sp>
-        <p:nvSpPr>
-          <p:cNvPr id="185" name="Google Shape;185;g2cd30dbf4aa_0_283:notes"/>
-          <p:cNvSpPr>
-            <a:spLocks noGrp="1" noRot="1" noChangeAspect="1"/>
-          </p:cNvSpPr>
-          <p:nvPr>
-            <p:ph type="sldImg" idx="2"/>
-          </p:nvPr>
-        </p:nvSpPr>
-        <p:spPr>
-          <a:xfrm>
-            <a:off x="381000" y="685800"/>
-            <a:ext cx="6096000" cy="3429000"/>
-          </a:xfrm>
-          <a:custGeom>
-            <a:avLst/>
-            <a:gdLst/>
-            <a:ahLst/>
-            <a:cxnLst/>
-            <a:rect l="l" t="t" r="r" b="b"/>
-            <a:pathLst>
-              <a:path w="120000" h="120000" extrusionOk="0">
-                <a:moveTo>
-                  <a:pt x="0" y="0"/>
-                </a:moveTo>
-                <a:lnTo>
-                  <a:pt x="120000" y="0"/>
-                </a:lnTo>
-                <a:lnTo>
-                  <a:pt x="120000" y="120000"/>
-                </a:lnTo>
-                <a:lnTo>
-                  <a:pt x="0" y="120000"/>
-                </a:lnTo>
-                <a:close/>
-              </a:path>
-            </a:pathLst>
-          </a:custGeom>
-          <a:noFill/>
-          <a:ln w="9525" cap="flat" cmpd="sng">
-            <a:solidFill>
-              <a:srgbClr val="000000"/>
-            </a:solidFill>
-            <a:prstDash val="solid"/>
-            <a:round/>
-            <a:headEnd type="none" w="sm" len="sm"/>
-            <a:tailEnd type="none" w="sm" len="sm"/>
-          </a:ln>
-        </p:spPr>
-      </p:sp>
-      <p:sp>
-        <p:nvSpPr>
-          <p:cNvPr id="186" name="Google Shape;186;g2cd30dbf4aa_0_283:notes"/>
-          <p:cNvSpPr txBox="1">
-            <a:spLocks noGrp="1"/>
-          </p:cNvSpPr>
-          <p:nvPr>
-            <p:ph type="body" idx="1"/>
-          </p:nvPr>
-        </p:nvSpPr>
-        <p:spPr>
-          <a:xfrm>
-            <a:off x="685800" y="4343400"/>
-            <a:ext cx="5486400" cy="4114800"/>
-          </a:xfrm>
-          <a:prstGeom prst="rect">
-            <a:avLst/>
-          </a:prstGeom>
-          <a:noFill/>
-          <a:ln>
-            <a:noFill/>
-          </a:ln>
-        </p:spPr>
-        <p:txBody>
-          <a:bodyPr spcFirstLastPara="1" wrap="square" lIns="91425" tIns="91425" rIns="91425" bIns="91425" anchor="t" anchorCtr="0">
-            <a:noAutofit/>
-          </a:bodyPr>
-          <a:lstStyle/>
-          <a:p>
-            <a:pPr marL="0" lvl="0" indent="0" algn="l" rtl="0">
-              <a:lnSpc>
-                <a:spcPct val="100000"/>
-              </a:lnSpc>
-              <a:spcBef>
-                <a:spcPts val="0"/>
-              </a:spcBef>
-              <a:spcAft>
-                <a:spcPts val="0"/>
-              </a:spcAft>
-              <a:buSzPts val="1100"/>
-              <a:buNone/>
-            </a:pPr>
-            <a:endParaRPr/>
-          </a:p>
-        </p:txBody>
-      </p:sp>
-    </p:spTree>
-  </p:cSld>
-  <p:clrMapOvr>
-    <a:masterClrMapping/>
-  </p:clrMapOvr>
-</p:notes>
-</file>
-
-<file path=ppt/notesSlides/notesSlide48.xml><?xml version="1.0" encoding="utf-8"?>
-<p:notes xmlns:a="http://schemas.openxmlformats.org/drawingml/2006/main" xmlns:r="http://schemas.openxmlformats.org/officeDocument/2006/relationships" xmlns:p="http://schemas.openxmlformats.org/presentationml/2006/main" showMasterSp="0" showMasterPhAnim="0">
-  <p:cSld>
-    <p:spTree>
-      <p:nvGrpSpPr>
-        <p:cNvPr id="1" name="Shape 191"/>
-        <p:cNvGrpSpPr/>
-        <p:nvPr/>
-      </p:nvGrpSpPr>
-      <p:grpSpPr>
-        <a:xfrm>
-          <a:off x="0" y="0"/>
-          <a:ext cx="0" cy="0"/>
-          <a:chOff x="0" y="0"/>
-          <a:chExt cx="0" cy="0"/>
-        </a:xfrm>
-      </p:grpSpPr>
-      <p:sp>
-        <p:nvSpPr>
-          <p:cNvPr id="192" name="Google Shape;192;g2cd30dbf4aa_0_289:notes"/>
-          <p:cNvSpPr>
-            <a:spLocks noGrp="1" noRot="1" noChangeAspect="1"/>
-          </p:cNvSpPr>
-          <p:nvPr>
-            <p:ph type="sldImg" idx="2"/>
-          </p:nvPr>
-        </p:nvSpPr>
-        <p:spPr>
-          <a:xfrm>
-            <a:off x="381300" y="685800"/>
-            <a:ext cx="6096000" cy="3429000"/>
-          </a:xfrm>
-          <a:custGeom>
-            <a:avLst/>
-            <a:gdLst/>
-            <a:ahLst/>
-            <a:cxnLst/>
-            <a:rect l="l" t="t" r="r" b="b"/>
-            <a:pathLst>
-              <a:path w="120000" h="120000" extrusionOk="0">
-                <a:moveTo>
-                  <a:pt x="0" y="0"/>
-                </a:moveTo>
-                <a:lnTo>
-                  <a:pt x="120000" y="0"/>
-                </a:lnTo>
-                <a:lnTo>
-                  <a:pt x="120000" y="120000"/>
-                </a:lnTo>
-                <a:lnTo>
-                  <a:pt x="0" y="120000"/>
-                </a:lnTo>
-                <a:close/>
-              </a:path>
-            </a:pathLst>
-          </a:custGeom>
-          <a:noFill/>
-          <a:ln w="9525" cap="flat" cmpd="sng">
-            <a:solidFill>
-              <a:srgbClr val="000000"/>
-            </a:solidFill>
-            <a:prstDash val="solid"/>
-            <a:round/>
-            <a:headEnd type="none" w="sm" len="sm"/>
-            <a:tailEnd type="none" w="sm" len="sm"/>
-          </a:ln>
-        </p:spPr>
-      </p:sp>
-      <p:sp>
-        <p:nvSpPr>
-          <p:cNvPr id="193" name="Google Shape;193;g2cd30dbf4aa_0_289:notes"/>
-          <p:cNvSpPr txBox="1">
-            <a:spLocks noGrp="1"/>
-          </p:cNvSpPr>
-          <p:nvPr>
-            <p:ph type="body" idx="1"/>
-          </p:nvPr>
-        </p:nvSpPr>
-        <p:spPr>
-          <a:xfrm>
-            <a:off x="685800" y="4343400"/>
-            <a:ext cx="5486400" cy="4114800"/>
-          </a:xfrm>
-          <a:prstGeom prst="rect">
-            <a:avLst/>
-          </a:prstGeom>
-          <a:noFill/>
-          <a:ln>
-            <a:noFill/>
-          </a:ln>
-        </p:spPr>
-        <p:txBody>
-          <a:bodyPr spcFirstLastPara="1" wrap="square" lIns="91425" tIns="91425" rIns="91425" bIns="91425" anchor="t" anchorCtr="0">
-            <a:noAutofit/>
-          </a:bodyPr>
-          <a:lstStyle/>
-          <a:p>
-            <a:pPr marL="0" lvl="0" indent="0" algn="l" rtl="0">
-              <a:lnSpc>
-                <a:spcPct val="100000"/>
-              </a:lnSpc>
-              <a:spcBef>
-                <a:spcPts val="0"/>
-              </a:spcBef>
-              <a:spcAft>
-                <a:spcPts val="0"/>
-              </a:spcAft>
-              <a:buSzPts val="1100"/>
-              <a:buNone/>
-            </a:pPr>
-            <a:endParaRPr/>
-          </a:p>
-        </p:txBody>
-      </p:sp>
-    </p:spTree>
-  </p:cSld>
-  <p:clrMapOvr>
-    <a:masterClrMapping/>
-  </p:clrMapOvr>
-</p:notes>
-</file>
-
-<file path=ppt/notesSlides/notesSlide49.xml><?xml version="1.0" encoding="utf-8"?>
-<p:notes xmlns:a="http://schemas.openxmlformats.org/drawingml/2006/main" xmlns:r="http://schemas.openxmlformats.org/officeDocument/2006/relationships" xmlns:p="http://schemas.openxmlformats.org/presentationml/2006/main" showMasterSp="0" showMasterPhAnim="0">
-  <p:cSld>
-    <p:spTree>
-      <p:nvGrpSpPr>
-        <p:cNvPr id="1" name="Shape 196"/>
-        <p:cNvGrpSpPr/>
-        <p:nvPr/>
-      </p:nvGrpSpPr>
-      <p:grpSpPr>
-        <a:xfrm>
-          <a:off x="0" y="0"/>
-          <a:ext cx="0" cy="0"/>
-          <a:chOff x="0" y="0"/>
-          <a:chExt cx="0" cy="0"/>
-        </a:xfrm>
-      </p:grpSpPr>
-      <p:sp>
-        <p:nvSpPr>
-          <p:cNvPr id="197" name="Google Shape;197;g2cd30dbf4aa_0_293:notes"/>
-          <p:cNvSpPr>
-            <a:spLocks noGrp="1" noRot="1" noChangeAspect="1"/>
-          </p:cNvSpPr>
-          <p:nvPr>
-            <p:ph type="sldImg" idx="2"/>
-          </p:nvPr>
-        </p:nvSpPr>
-        <p:spPr>
-          <a:xfrm>
-            <a:off x="381000" y="685800"/>
-            <a:ext cx="6096000" cy="3429000"/>
-          </a:xfrm>
-          <a:custGeom>
-            <a:avLst/>
-            <a:gdLst/>
-            <a:ahLst/>
-            <a:cxnLst/>
-            <a:rect l="l" t="t" r="r" b="b"/>
-            <a:pathLst>
-              <a:path w="120000" h="120000" extrusionOk="0">
-                <a:moveTo>
-                  <a:pt x="0" y="0"/>
-                </a:moveTo>
-                <a:lnTo>
-                  <a:pt x="120000" y="0"/>
-                </a:lnTo>
-                <a:lnTo>
-                  <a:pt x="120000" y="120000"/>
-                </a:lnTo>
-                <a:lnTo>
-                  <a:pt x="0" y="120000"/>
-                </a:lnTo>
-                <a:close/>
-              </a:path>
-            </a:pathLst>
-          </a:custGeom>
-          <a:noFill/>
-          <a:ln w="9525" cap="flat" cmpd="sng">
-            <a:solidFill>
-              <a:srgbClr val="000000"/>
-            </a:solidFill>
-            <a:prstDash val="solid"/>
-            <a:round/>
-            <a:headEnd type="none" w="sm" len="sm"/>
-            <a:tailEnd type="none" w="sm" len="sm"/>
-          </a:ln>
-        </p:spPr>
-      </p:sp>
-      <p:sp>
-        <p:nvSpPr>
-          <p:cNvPr id="198" name="Google Shape;198;g2cd30dbf4aa_0_293:notes"/>
-          <p:cNvSpPr txBox="1">
-            <a:spLocks noGrp="1"/>
-          </p:cNvSpPr>
-          <p:nvPr>
-            <p:ph type="body" idx="1"/>
-          </p:nvPr>
-        </p:nvSpPr>
-        <p:spPr>
-          <a:xfrm>
-            <a:off x="685800" y="4343400"/>
-            <a:ext cx="5486400" cy="4114800"/>
-          </a:xfrm>
-          <a:prstGeom prst="rect">
-            <a:avLst/>
-          </a:prstGeom>
-          <a:noFill/>
-          <a:ln>
-            <a:noFill/>
-          </a:ln>
-        </p:spPr>
-        <p:txBody>
-          <a:bodyPr spcFirstLastPara="1" wrap="square" lIns="91425" tIns="91425" rIns="91425" bIns="91425" anchor="t" anchorCtr="0">
-            <a:noAutofit/>
-          </a:bodyPr>
-          <a:lstStyle/>
-          <a:p>
-            <a:pPr marL="0" lvl="0" indent="0" algn="l" rtl="0">
-              <a:lnSpc>
-                <a:spcPct val="100000"/>
-              </a:lnSpc>
-              <a:spcBef>
-                <a:spcPts val="0"/>
-              </a:spcBef>
-              <a:spcAft>
-                <a:spcPts val="0"/>
-              </a:spcAft>
-              <a:buSzPts val="1100"/>
-              <a:buNone/>
-            </a:pPr>
-            <a:endParaRPr/>
-          </a:p>
-        </p:txBody>
-      </p:sp>
-    </p:spTree>
   </p:cSld>
   <p:clrMapOvr>
     <a:masterClrMapping/>
@@ -7132,6 +7206,662 @@
   <p:cSld>
     <p:spTree>
       <p:nvGrpSpPr>
+        <p:cNvPr id="1" name="Shape 177">
+          <a:extLst>
+            <a:ext uri="{FF2B5EF4-FFF2-40B4-BE49-F238E27FC236}">
+              <a16:creationId xmlns:a16="http://schemas.microsoft.com/office/drawing/2014/main" id="{9257497F-A233-DDDD-06F5-7FEA4946FDEF}"/>
+            </a:ext>
+          </a:extLst>
+        </p:cNvPr>
+        <p:cNvGrpSpPr/>
+        <p:nvPr/>
+      </p:nvGrpSpPr>
+      <p:grpSpPr>
+        <a:xfrm>
+          <a:off x="0" y="0"/>
+          <a:ext cx="0" cy="0"/>
+          <a:chOff x="0" y="0"/>
+          <a:chExt cx="0" cy="0"/>
+        </a:xfrm>
+      </p:grpSpPr>
+      <p:sp>
+        <p:nvSpPr>
+          <p:cNvPr id="178" name="Google Shape;178;g2cd30dbf4aa_0_277:notes">
+            <a:extLst>
+              <a:ext uri="{FF2B5EF4-FFF2-40B4-BE49-F238E27FC236}">
+                <a16:creationId xmlns:a16="http://schemas.microsoft.com/office/drawing/2014/main" id="{E03CFE37-F3E6-3594-70DF-170B659150E5}"/>
+              </a:ext>
+            </a:extLst>
+          </p:cNvPr>
+          <p:cNvSpPr>
+            <a:spLocks noGrp="1" noRot="1" noChangeAspect="1"/>
+          </p:cNvSpPr>
+          <p:nvPr>
+            <p:ph type="sldImg" idx="2"/>
+          </p:nvPr>
+        </p:nvSpPr>
+        <p:spPr>
+          <a:xfrm>
+            <a:off x="381000" y="685800"/>
+            <a:ext cx="6096000" cy="3429000"/>
+          </a:xfrm>
+          <a:custGeom>
+            <a:avLst/>
+            <a:gdLst/>
+            <a:ahLst/>
+            <a:cxnLst/>
+            <a:rect l="l" t="t" r="r" b="b"/>
+            <a:pathLst>
+              <a:path w="120000" h="120000" extrusionOk="0">
+                <a:moveTo>
+                  <a:pt x="0" y="0"/>
+                </a:moveTo>
+                <a:lnTo>
+                  <a:pt x="120000" y="0"/>
+                </a:lnTo>
+                <a:lnTo>
+                  <a:pt x="120000" y="120000"/>
+                </a:lnTo>
+                <a:lnTo>
+                  <a:pt x="0" y="120000"/>
+                </a:lnTo>
+                <a:close/>
+              </a:path>
+            </a:pathLst>
+          </a:custGeom>
+          <a:noFill/>
+          <a:ln w="9525" cap="flat" cmpd="sng">
+            <a:solidFill>
+              <a:srgbClr val="000000"/>
+            </a:solidFill>
+            <a:prstDash val="solid"/>
+            <a:round/>
+            <a:headEnd type="none" w="sm" len="sm"/>
+            <a:tailEnd type="none" w="sm" len="sm"/>
+          </a:ln>
+        </p:spPr>
+      </p:sp>
+      <p:sp>
+        <p:nvSpPr>
+          <p:cNvPr id="179" name="Google Shape;179;g2cd30dbf4aa_0_277:notes">
+            <a:extLst>
+              <a:ext uri="{FF2B5EF4-FFF2-40B4-BE49-F238E27FC236}">
+                <a16:creationId xmlns:a16="http://schemas.microsoft.com/office/drawing/2014/main" id="{EDB84BDC-E3E0-AF58-BBBD-5EB302ED25C7}"/>
+              </a:ext>
+            </a:extLst>
+          </p:cNvPr>
+          <p:cNvSpPr txBox="1">
+            <a:spLocks noGrp="1"/>
+          </p:cNvSpPr>
+          <p:nvPr>
+            <p:ph type="body" idx="1"/>
+          </p:nvPr>
+        </p:nvSpPr>
+        <p:spPr>
+          <a:xfrm>
+            <a:off x="685800" y="4343400"/>
+            <a:ext cx="5486400" cy="4114800"/>
+          </a:xfrm>
+          <a:prstGeom prst="rect">
+            <a:avLst/>
+          </a:prstGeom>
+          <a:noFill/>
+          <a:ln>
+            <a:noFill/>
+          </a:ln>
+        </p:spPr>
+        <p:txBody>
+          <a:bodyPr spcFirstLastPara="1" wrap="square" lIns="91425" tIns="91425" rIns="91425" bIns="91425" anchor="t" anchorCtr="0">
+            <a:noAutofit/>
+          </a:bodyPr>
+          <a:lstStyle/>
+          <a:p>
+            <a:pPr marL="0" lvl="0" indent="0" algn="l" rtl="0">
+              <a:lnSpc>
+                <a:spcPct val="100000"/>
+              </a:lnSpc>
+              <a:spcBef>
+                <a:spcPts val="0"/>
+              </a:spcBef>
+              <a:spcAft>
+                <a:spcPts val="0"/>
+              </a:spcAft>
+              <a:buSzPts val="1100"/>
+              <a:buNone/>
+            </a:pPr>
+            <a:endParaRPr/>
+          </a:p>
+        </p:txBody>
+      </p:sp>
+    </p:spTree>
+    <p:extLst>
+      <p:ext uri="{BB962C8B-B14F-4D97-AF65-F5344CB8AC3E}">
+        <p14:creationId xmlns:p14="http://schemas.microsoft.com/office/powerpoint/2010/main" val="4075304300"/>
+      </p:ext>
+    </p:extLst>
+  </p:cSld>
+  <p:clrMapOvr>
+    <a:masterClrMapping/>
+  </p:clrMapOvr>
+</p:notes>
+</file>
+
+<file path=ppt/notesSlides/notesSlide51.xml><?xml version="1.0" encoding="utf-8"?>
+<p:notes xmlns:a="http://schemas.openxmlformats.org/drawingml/2006/main" xmlns:r="http://schemas.openxmlformats.org/officeDocument/2006/relationships" xmlns:p="http://schemas.openxmlformats.org/presentationml/2006/main" showMasterSp="0" showMasterPhAnim="0">
+  <p:cSld>
+    <p:spTree>
+      <p:nvGrpSpPr>
+        <p:cNvPr id="1" name="Shape 177">
+          <a:extLst>
+            <a:ext uri="{FF2B5EF4-FFF2-40B4-BE49-F238E27FC236}">
+              <a16:creationId xmlns:a16="http://schemas.microsoft.com/office/drawing/2014/main" id="{235A7D3A-D1F5-C628-FD67-5451F58ABECC}"/>
+            </a:ext>
+          </a:extLst>
+        </p:cNvPr>
+        <p:cNvGrpSpPr/>
+        <p:nvPr/>
+      </p:nvGrpSpPr>
+      <p:grpSpPr>
+        <a:xfrm>
+          <a:off x="0" y="0"/>
+          <a:ext cx="0" cy="0"/>
+          <a:chOff x="0" y="0"/>
+          <a:chExt cx="0" cy="0"/>
+        </a:xfrm>
+      </p:grpSpPr>
+      <p:sp>
+        <p:nvSpPr>
+          <p:cNvPr id="178" name="Google Shape;178;g2cd30dbf4aa_0_277:notes">
+            <a:extLst>
+              <a:ext uri="{FF2B5EF4-FFF2-40B4-BE49-F238E27FC236}">
+                <a16:creationId xmlns:a16="http://schemas.microsoft.com/office/drawing/2014/main" id="{58E23625-B3DB-65F6-0F3E-605087E72D76}"/>
+              </a:ext>
+            </a:extLst>
+          </p:cNvPr>
+          <p:cNvSpPr>
+            <a:spLocks noGrp="1" noRot="1" noChangeAspect="1"/>
+          </p:cNvSpPr>
+          <p:nvPr>
+            <p:ph type="sldImg" idx="2"/>
+          </p:nvPr>
+        </p:nvSpPr>
+        <p:spPr>
+          <a:xfrm>
+            <a:off x="381000" y="685800"/>
+            <a:ext cx="6096000" cy="3429000"/>
+          </a:xfrm>
+          <a:custGeom>
+            <a:avLst/>
+            <a:gdLst/>
+            <a:ahLst/>
+            <a:cxnLst/>
+            <a:rect l="l" t="t" r="r" b="b"/>
+            <a:pathLst>
+              <a:path w="120000" h="120000" extrusionOk="0">
+                <a:moveTo>
+                  <a:pt x="0" y="0"/>
+                </a:moveTo>
+                <a:lnTo>
+                  <a:pt x="120000" y="0"/>
+                </a:lnTo>
+                <a:lnTo>
+                  <a:pt x="120000" y="120000"/>
+                </a:lnTo>
+                <a:lnTo>
+                  <a:pt x="0" y="120000"/>
+                </a:lnTo>
+                <a:close/>
+              </a:path>
+            </a:pathLst>
+          </a:custGeom>
+          <a:noFill/>
+          <a:ln w="9525" cap="flat" cmpd="sng">
+            <a:solidFill>
+              <a:srgbClr val="000000"/>
+            </a:solidFill>
+            <a:prstDash val="solid"/>
+            <a:round/>
+            <a:headEnd type="none" w="sm" len="sm"/>
+            <a:tailEnd type="none" w="sm" len="sm"/>
+          </a:ln>
+        </p:spPr>
+      </p:sp>
+      <p:sp>
+        <p:nvSpPr>
+          <p:cNvPr id="179" name="Google Shape;179;g2cd30dbf4aa_0_277:notes">
+            <a:extLst>
+              <a:ext uri="{FF2B5EF4-FFF2-40B4-BE49-F238E27FC236}">
+                <a16:creationId xmlns:a16="http://schemas.microsoft.com/office/drawing/2014/main" id="{C7D631C7-B29A-8D6F-FE99-376500D35E70}"/>
+              </a:ext>
+            </a:extLst>
+          </p:cNvPr>
+          <p:cNvSpPr txBox="1">
+            <a:spLocks noGrp="1"/>
+          </p:cNvSpPr>
+          <p:nvPr>
+            <p:ph type="body" idx="1"/>
+          </p:nvPr>
+        </p:nvSpPr>
+        <p:spPr>
+          <a:xfrm>
+            <a:off x="685800" y="4343400"/>
+            <a:ext cx="5486400" cy="4114800"/>
+          </a:xfrm>
+          <a:prstGeom prst="rect">
+            <a:avLst/>
+          </a:prstGeom>
+          <a:noFill/>
+          <a:ln>
+            <a:noFill/>
+          </a:ln>
+        </p:spPr>
+        <p:txBody>
+          <a:bodyPr spcFirstLastPara="1" wrap="square" lIns="91425" tIns="91425" rIns="91425" bIns="91425" anchor="t" anchorCtr="0">
+            <a:noAutofit/>
+          </a:bodyPr>
+          <a:lstStyle/>
+          <a:p>
+            <a:pPr marL="0" lvl="0" indent="0" algn="l" rtl="0">
+              <a:lnSpc>
+                <a:spcPct val="100000"/>
+              </a:lnSpc>
+              <a:spcBef>
+                <a:spcPts val="0"/>
+              </a:spcBef>
+              <a:spcAft>
+                <a:spcPts val="0"/>
+              </a:spcAft>
+              <a:buSzPts val="1100"/>
+              <a:buNone/>
+            </a:pPr>
+            <a:endParaRPr/>
+          </a:p>
+        </p:txBody>
+      </p:sp>
+    </p:spTree>
+    <p:extLst>
+      <p:ext uri="{BB962C8B-B14F-4D97-AF65-F5344CB8AC3E}">
+        <p14:creationId xmlns:p14="http://schemas.microsoft.com/office/powerpoint/2010/main" val="112392624"/>
+      </p:ext>
+    </p:extLst>
+  </p:cSld>
+  <p:clrMapOvr>
+    <a:masterClrMapping/>
+  </p:clrMapOvr>
+</p:notes>
+</file>
+
+<file path=ppt/notesSlides/notesSlide52.xml><?xml version="1.0" encoding="utf-8"?>
+<p:notes xmlns:a="http://schemas.openxmlformats.org/drawingml/2006/main" xmlns:r="http://schemas.openxmlformats.org/officeDocument/2006/relationships" xmlns:p="http://schemas.openxmlformats.org/presentationml/2006/main" showMasterSp="0" showMasterPhAnim="0">
+  <p:cSld>
+    <p:spTree>
+      <p:nvGrpSpPr>
+        <p:cNvPr id="1" name="Shape 184"/>
+        <p:cNvGrpSpPr/>
+        <p:nvPr/>
+      </p:nvGrpSpPr>
+      <p:grpSpPr>
+        <a:xfrm>
+          <a:off x="0" y="0"/>
+          <a:ext cx="0" cy="0"/>
+          <a:chOff x="0" y="0"/>
+          <a:chExt cx="0" cy="0"/>
+        </a:xfrm>
+      </p:grpSpPr>
+      <p:sp>
+        <p:nvSpPr>
+          <p:cNvPr id="185" name="Google Shape;185;g2cd30dbf4aa_0_283:notes"/>
+          <p:cNvSpPr>
+            <a:spLocks noGrp="1" noRot="1" noChangeAspect="1"/>
+          </p:cNvSpPr>
+          <p:nvPr>
+            <p:ph type="sldImg" idx="2"/>
+          </p:nvPr>
+        </p:nvSpPr>
+        <p:spPr>
+          <a:xfrm>
+            <a:off x="381000" y="685800"/>
+            <a:ext cx="6096000" cy="3429000"/>
+          </a:xfrm>
+          <a:custGeom>
+            <a:avLst/>
+            <a:gdLst/>
+            <a:ahLst/>
+            <a:cxnLst/>
+            <a:rect l="l" t="t" r="r" b="b"/>
+            <a:pathLst>
+              <a:path w="120000" h="120000" extrusionOk="0">
+                <a:moveTo>
+                  <a:pt x="0" y="0"/>
+                </a:moveTo>
+                <a:lnTo>
+                  <a:pt x="120000" y="0"/>
+                </a:lnTo>
+                <a:lnTo>
+                  <a:pt x="120000" y="120000"/>
+                </a:lnTo>
+                <a:lnTo>
+                  <a:pt x="0" y="120000"/>
+                </a:lnTo>
+                <a:close/>
+              </a:path>
+            </a:pathLst>
+          </a:custGeom>
+          <a:noFill/>
+          <a:ln w="9525" cap="flat" cmpd="sng">
+            <a:solidFill>
+              <a:srgbClr val="000000"/>
+            </a:solidFill>
+            <a:prstDash val="solid"/>
+            <a:round/>
+            <a:headEnd type="none" w="sm" len="sm"/>
+            <a:tailEnd type="none" w="sm" len="sm"/>
+          </a:ln>
+        </p:spPr>
+      </p:sp>
+      <p:sp>
+        <p:nvSpPr>
+          <p:cNvPr id="186" name="Google Shape;186;g2cd30dbf4aa_0_283:notes"/>
+          <p:cNvSpPr txBox="1">
+            <a:spLocks noGrp="1"/>
+          </p:cNvSpPr>
+          <p:nvPr>
+            <p:ph type="body" idx="1"/>
+          </p:nvPr>
+        </p:nvSpPr>
+        <p:spPr>
+          <a:xfrm>
+            <a:off x="685800" y="4343400"/>
+            <a:ext cx="5486400" cy="4114800"/>
+          </a:xfrm>
+          <a:prstGeom prst="rect">
+            <a:avLst/>
+          </a:prstGeom>
+          <a:noFill/>
+          <a:ln>
+            <a:noFill/>
+          </a:ln>
+        </p:spPr>
+        <p:txBody>
+          <a:bodyPr spcFirstLastPara="1" wrap="square" lIns="91425" tIns="91425" rIns="91425" bIns="91425" anchor="t" anchorCtr="0">
+            <a:noAutofit/>
+          </a:bodyPr>
+          <a:lstStyle/>
+          <a:p>
+            <a:pPr marL="0" lvl="0" indent="0" algn="l" rtl="0">
+              <a:lnSpc>
+                <a:spcPct val="100000"/>
+              </a:lnSpc>
+              <a:spcBef>
+                <a:spcPts val="0"/>
+              </a:spcBef>
+              <a:spcAft>
+                <a:spcPts val="0"/>
+              </a:spcAft>
+              <a:buSzPts val="1100"/>
+              <a:buNone/>
+            </a:pPr>
+            <a:endParaRPr/>
+          </a:p>
+        </p:txBody>
+      </p:sp>
+    </p:spTree>
+  </p:cSld>
+  <p:clrMapOvr>
+    <a:masterClrMapping/>
+  </p:clrMapOvr>
+</p:notes>
+</file>
+
+<file path=ppt/notesSlides/notesSlide53.xml><?xml version="1.0" encoding="utf-8"?>
+<p:notes xmlns:a="http://schemas.openxmlformats.org/drawingml/2006/main" xmlns:r="http://schemas.openxmlformats.org/officeDocument/2006/relationships" xmlns:p="http://schemas.openxmlformats.org/presentationml/2006/main" showMasterSp="0" showMasterPhAnim="0">
+  <p:cSld>
+    <p:spTree>
+      <p:nvGrpSpPr>
+        <p:cNvPr id="1" name="Shape 191"/>
+        <p:cNvGrpSpPr/>
+        <p:nvPr/>
+      </p:nvGrpSpPr>
+      <p:grpSpPr>
+        <a:xfrm>
+          <a:off x="0" y="0"/>
+          <a:ext cx="0" cy="0"/>
+          <a:chOff x="0" y="0"/>
+          <a:chExt cx="0" cy="0"/>
+        </a:xfrm>
+      </p:grpSpPr>
+      <p:sp>
+        <p:nvSpPr>
+          <p:cNvPr id="192" name="Google Shape;192;g2cd30dbf4aa_0_289:notes"/>
+          <p:cNvSpPr>
+            <a:spLocks noGrp="1" noRot="1" noChangeAspect="1"/>
+          </p:cNvSpPr>
+          <p:nvPr>
+            <p:ph type="sldImg" idx="2"/>
+          </p:nvPr>
+        </p:nvSpPr>
+        <p:spPr>
+          <a:xfrm>
+            <a:off x="381300" y="685800"/>
+            <a:ext cx="6096000" cy="3429000"/>
+          </a:xfrm>
+          <a:custGeom>
+            <a:avLst/>
+            <a:gdLst/>
+            <a:ahLst/>
+            <a:cxnLst/>
+            <a:rect l="l" t="t" r="r" b="b"/>
+            <a:pathLst>
+              <a:path w="120000" h="120000" extrusionOk="0">
+                <a:moveTo>
+                  <a:pt x="0" y="0"/>
+                </a:moveTo>
+                <a:lnTo>
+                  <a:pt x="120000" y="0"/>
+                </a:lnTo>
+                <a:lnTo>
+                  <a:pt x="120000" y="120000"/>
+                </a:lnTo>
+                <a:lnTo>
+                  <a:pt x="0" y="120000"/>
+                </a:lnTo>
+                <a:close/>
+              </a:path>
+            </a:pathLst>
+          </a:custGeom>
+          <a:noFill/>
+          <a:ln w="9525" cap="flat" cmpd="sng">
+            <a:solidFill>
+              <a:srgbClr val="000000"/>
+            </a:solidFill>
+            <a:prstDash val="solid"/>
+            <a:round/>
+            <a:headEnd type="none" w="sm" len="sm"/>
+            <a:tailEnd type="none" w="sm" len="sm"/>
+          </a:ln>
+        </p:spPr>
+      </p:sp>
+      <p:sp>
+        <p:nvSpPr>
+          <p:cNvPr id="193" name="Google Shape;193;g2cd30dbf4aa_0_289:notes"/>
+          <p:cNvSpPr txBox="1">
+            <a:spLocks noGrp="1"/>
+          </p:cNvSpPr>
+          <p:nvPr>
+            <p:ph type="body" idx="1"/>
+          </p:nvPr>
+        </p:nvSpPr>
+        <p:spPr>
+          <a:xfrm>
+            <a:off x="685800" y="4343400"/>
+            <a:ext cx="5486400" cy="4114800"/>
+          </a:xfrm>
+          <a:prstGeom prst="rect">
+            <a:avLst/>
+          </a:prstGeom>
+          <a:noFill/>
+          <a:ln>
+            <a:noFill/>
+          </a:ln>
+        </p:spPr>
+        <p:txBody>
+          <a:bodyPr spcFirstLastPara="1" wrap="square" lIns="91425" tIns="91425" rIns="91425" bIns="91425" anchor="t" anchorCtr="0">
+            <a:noAutofit/>
+          </a:bodyPr>
+          <a:lstStyle/>
+          <a:p>
+            <a:pPr marL="0" lvl="0" indent="0" algn="l" rtl="0">
+              <a:lnSpc>
+                <a:spcPct val="100000"/>
+              </a:lnSpc>
+              <a:spcBef>
+                <a:spcPts val="0"/>
+              </a:spcBef>
+              <a:spcAft>
+                <a:spcPts val="0"/>
+              </a:spcAft>
+              <a:buSzPts val="1100"/>
+              <a:buNone/>
+            </a:pPr>
+            <a:endParaRPr/>
+          </a:p>
+        </p:txBody>
+      </p:sp>
+    </p:spTree>
+  </p:cSld>
+  <p:clrMapOvr>
+    <a:masterClrMapping/>
+  </p:clrMapOvr>
+</p:notes>
+</file>
+
+<file path=ppt/notesSlides/notesSlide54.xml><?xml version="1.0" encoding="utf-8"?>
+<p:notes xmlns:a="http://schemas.openxmlformats.org/drawingml/2006/main" xmlns:r="http://schemas.openxmlformats.org/officeDocument/2006/relationships" xmlns:p="http://schemas.openxmlformats.org/presentationml/2006/main" showMasterSp="0" showMasterPhAnim="0">
+  <p:cSld>
+    <p:spTree>
+      <p:nvGrpSpPr>
+        <p:cNvPr id="1" name="Shape 196"/>
+        <p:cNvGrpSpPr/>
+        <p:nvPr/>
+      </p:nvGrpSpPr>
+      <p:grpSpPr>
+        <a:xfrm>
+          <a:off x="0" y="0"/>
+          <a:ext cx="0" cy="0"/>
+          <a:chOff x="0" y="0"/>
+          <a:chExt cx="0" cy="0"/>
+        </a:xfrm>
+      </p:grpSpPr>
+      <p:sp>
+        <p:nvSpPr>
+          <p:cNvPr id="197" name="Google Shape;197;g2cd30dbf4aa_0_293:notes"/>
+          <p:cNvSpPr>
+            <a:spLocks noGrp="1" noRot="1" noChangeAspect="1"/>
+          </p:cNvSpPr>
+          <p:nvPr>
+            <p:ph type="sldImg" idx="2"/>
+          </p:nvPr>
+        </p:nvSpPr>
+        <p:spPr>
+          <a:xfrm>
+            <a:off x="381000" y="685800"/>
+            <a:ext cx="6096000" cy="3429000"/>
+          </a:xfrm>
+          <a:custGeom>
+            <a:avLst/>
+            <a:gdLst/>
+            <a:ahLst/>
+            <a:cxnLst/>
+            <a:rect l="l" t="t" r="r" b="b"/>
+            <a:pathLst>
+              <a:path w="120000" h="120000" extrusionOk="0">
+                <a:moveTo>
+                  <a:pt x="0" y="0"/>
+                </a:moveTo>
+                <a:lnTo>
+                  <a:pt x="120000" y="0"/>
+                </a:lnTo>
+                <a:lnTo>
+                  <a:pt x="120000" y="120000"/>
+                </a:lnTo>
+                <a:lnTo>
+                  <a:pt x="0" y="120000"/>
+                </a:lnTo>
+                <a:close/>
+              </a:path>
+            </a:pathLst>
+          </a:custGeom>
+          <a:noFill/>
+          <a:ln w="9525" cap="flat" cmpd="sng">
+            <a:solidFill>
+              <a:srgbClr val="000000"/>
+            </a:solidFill>
+            <a:prstDash val="solid"/>
+            <a:round/>
+            <a:headEnd type="none" w="sm" len="sm"/>
+            <a:tailEnd type="none" w="sm" len="sm"/>
+          </a:ln>
+        </p:spPr>
+      </p:sp>
+      <p:sp>
+        <p:nvSpPr>
+          <p:cNvPr id="198" name="Google Shape;198;g2cd30dbf4aa_0_293:notes"/>
+          <p:cNvSpPr txBox="1">
+            <a:spLocks noGrp="1"/>
+          </p:cNvSpPr>
+          <p:nvPr>
+            <p:ph type="body" idx="1"/>
+          </p:nvPr>
+        </p:nvSpPr>
+        <p:spPr>
+          <a:xfrm>
+            <a:off x="685800" y="4343400"/>
+            <a:ext cx="5486400" cy="4114800"/>
+          </a:xfrm>
+          <a:prstGeom prst="rect">
+            <a:avLst/>
+          </a:prstGeom>
+          <a:noFill/>
+          <a:ln>
+            <a:noFill/>
+          </a:ln>
+        </p:spPr>
+        <p:txBody>
+          <a:bodyPr spcFirstLastPara="1" wrap="square" lIns="91425" tIns="91425" rIns="91425" bIns="91425" anchor="t" anchorCtr="0">
+            <a:noAutofit/>
+          </a:bodyPr>
+          <a:lstStyle/>
+          <a:p>
+            <a:pPr marL="0" lvl="0" indent="0" algn="l" rtl="0">
+              <a:lnSpc>
+                <a:spcPct val="100000"/>
+              </a:lnSpc>
+              <a:spcBef>
+                <a:spcPts val="0"/>
+              </a:spcBef>
+              <a:spcAft>
+                <a:spcPts val="0"/>
+              </a:spcAft>
+              <a:buSzPts val="1100"/>
+              <a:buNone/>
+            </a:pPr>
+            <a:endParaRPr/>
+          </a:p>
+        </p:txBody>
+      </p:sp>
+    </p:spTree>
+  </p:cSld>
+  <p:clrMapOvr>
+    <a:masterClrMapping/>
+  </p:clrMapOvr>
+</p:notes>
+</file>
+
+<file path=ppt/notesSlides/notesSlide55.xml><?xml version="1.0" encoding="utf-8"?>
+<p:notes xmlns:a="http://schemas.openxmlformats.org/drawingml/2006/main" xmlns:r="http://schemas.openxmlformats.org/officeDocument/2006/relationships" xmlns:p="http://schemas.openxmlformats.org/presentationml/2006/main" showMasterSp="0" showMasterPhAnim="0">
+  <p:cSld>
+    <p:spTree>
+      <p:nvGrpSpPr>
         <p:cNvPr id="1" name="Shape 196">
           <a:extLst>
             <a:ext uri="{FF2B5EF4-FFF2-40B4-BE49-F238E27FC236}">
@@ -7272,7 +8002,7 @@
 </p:notes>
 </file>
 
-<file path=ppt/notesSlides/notesSlide51.xml><?xml version="1.0" encoding="utf-8"?>
+<file path=ppt/notesSlides/notesSlide56.xml><?xml version="1.0" encoding="utf-8"?>
 <p:notes xmlns:a="http://schemas.openxmlformats.org/drawingml/2006/main" xmlns:r="http://schemas.openxmlformats.org/officeDocument/2006/relationships" xmlns:p="http://schemas.openxmlformats.org/presentationml/2006/main" showMasterSp="0" showMasterPhAnim="0">
   <p:cSld>
     <p:spTree>
@@ -7417,7 +8147,7 @@
 </p:notes>
 </file>
 
-<file path=ppt/notesSlides/notesSlide52.xml><?xml version="1.0" encoding="utf-8"?>
+<file path=ppt/notesSlides/notesSlide57.xml><?xml version="1.0" encoding="utf-8"?>
 <p:notes xmlns:a="http://schemas.openxmlformats.org/drawingml/2006/main" xmlns:r="http://schemas.openxmlformats.org/officeDocument/2006/relationships" xmlns:p="http://schemas.openxmlformats.org/presentationml/2006/main" showMasterSp="0" showMasterPhAnim="0">
   <p:cSld>
     <p:spTree>
@@ -7539,7 +8269,7 @@
 </p:notes>
 </file>
 
-<file path=ppt/notesSlides/notesSlide53.xml><?xml version="1.0" encoding="utf-8"?>
+<file path=ppt/notesSlides/notesSlide58.xml><?xml version="1.0" encoding="utf-8"?>
 <p:notes xmlns:a="http://schemas.openxmlformats.org/drawingml/2006/main" xmlns:r="http://schemas.openxmlformats.org/officeDocument/2006/relationships" xmlns:p="http://schemas.openxmlformats.org/presentationml/2006/main" showMasterSp="0" showMasterPhAnim="0">
   <p:cSld>
     <p:spTree>
@@ -7709,7 +8439,7 @@
                 <a:cs typeface="Calibri"/>
                 <a:sym typeface="Calibri"/>
               </a:rPr>
-              <a:t>56</a:t>
+              <a:t>61</a:t>
             </a:fld>
             <a:endParaRPr sz="1200" b="0" i="0" u="none" strike="noStrike" cap="none">
               <a:solidFill>
@@ -37947,13 +38677,8 @@
             </a:r>
             <a:r>
               <a:rPr lang="en-US" sz="1000" dirty="0"/>
-              <a:t>” when the model is run against the entire dataset. Results will have be reviewed (spot checked) by hand for </a:t>
-            </a:r>
-            <a:r>
-              <a:rPr lang="en-US" sz="1000"/>
-              <a:t>classification accuracy.</a:t>
-            </a:r>
-            <a:endParaRPr lang="en-US" sz="1000" dirty="0"/>
+              <a:t>” when the model is run against the entire dataset. Results will have be reviewed (spot checked) by hand for classification accuracy.</a:t>
+            </a:r>
           </a:p>
         </p:txBody>
       </p:sp>
@@ -37978,7 +38703,7 @@
         <p:cNvPr id="1" name="Shape 174">
           <a:extLst>
             <a:ext uri="{FF2B5EF4-FFF2-40B4-BE49-F238E27FC236}">
-              <a16:creationId xmlns:a16="http://schemas.microsoft.com/office/drawing/2014/main" id="{B4CBEA1D-19AD-CA5A-1600-89D1592867B7}"/>
+              <a16:creationId xmlns:a16="http://schemas.microsoft.com/office/drawing/2014/main" id="{925FE532-7004-380C-D49B-3CAB321EF522}"/>
             </a:ext>
           </a:extLst>
         </p:cNvPr>
@@ -37998,7 +38723,7 @@
           <p:cNvPr id="175" name="Google Shape;175;p39">
             <a:extLst>
               <a:ext uri="{FF2B5EF4-FFF2-40B4-BE49-F238E27FC236}">
-                <a16:creationId xmlns:a16="http://schemas.microsoft.com/office/drawing/2014/main" id="{2F61FB4C-74A6-B537-3C8D-DA9EE653EB4A}"/>
+                <a16:creationId xmlns:a16="http://schemas.microsoft.com/office/drawing/2014/main" id="{48CCE6CD-6AD8-3E7F-9FAD-6AECC3D13ED0}"/>
               </a:ext>
             </a:extLst>
           </p:cNvPr>
@@ -38011,7 +38736,7 @@
         </p:nvSpPr>
         <p:spPr>
           <a:xfrm>
-            <a:off x="257100" y="190616"/>
+            <a:off x="202550" y="69272"/>
             <a:ext cx="8520600" cy="572700"/>
           </a:xfrm>
           <a:prstGeom prst="rect">
@@ -38039,7 +38764,7 @@
                 <a:cs typeface="Century Gothic"/>
                 <a:sym typeface="Century Gothic"/>
               </a:rPr>
-              <a:t>Original Few-Shot Prompt Results</a:t>
+              <a:t>Updated Few-Shot Prompt Results</a:t>
             </a:r>
             <a:endParaRPr dirty="0">
               <a:solidFill>
@@ -38055,14 +38780,14 @@
       </p:sp>
       <p:sp>
         <p:nvSpPr>
-          <p:cNvPr id="176" name="Google Shape;176;p39">
+          <p:cNvPr id="3" name="Text Placeholder 2">
             <a:extLst>
               <a:ext uri="{FF2B5EF4-FFF2-40B4-BE49-F238E27FC236}">
-                <a16:creationId xmlns:a16="http://schemas.microsoft.com/office/drawing/2014/main" id="{3048C71A-4CD6-79DE-37C1-049C5968450F}"/>
+                <a16:creationId xmlns:a16="http://schemas.microsoft.com/office/drawing/2014/main" id="{BCCEAAB2-7614-5F39-AE7C-C08CC0E8CAEB}"/>
               </a:ext>
             </a:extLst>
           </p:cNvPr>
-          <p:cNvSpPr txBox="1">
+          <p:cNvSpPr>
             <a:spLocks noGrp="1"/>
           </p:cNvSpPr>
           <p:nvPr>
@@ -38071,144 +38796,59 @@
         </p:nvSpPr>
         <p:spPr>
           <a:xfrm>
-            <a:off x="257100" y="855101"/>
-            <a:ext cx="8629800" cy="3249385"/>
+            <a:off x="202550" y="4161080"/>
+            <a:ext cx="8629800" cy="572700"/>
+          </a:xfrm>
+        </p:spPr>
+        <p:txBody>
+          <a:bodyPr/>
+          <a:lstStyle/>
+          <a:p>
+            <a:r>
+              <a:rPr lang="en-US" dirty="0"/>
+              <a:t>Plot illustrating distribution of </a:t>
+            </a:r>
+            <a:r>
+              <a:rPr lang="en-US" b="1" dirty="0"/>
+              <a:t>Categories</a:t>
+            </a:r>
+          </a:p>
+        </p:txBody>
+      </p:sp>
+      <p:pic>
+        <p:nvPicPr>
+          <p:cNvPr id="5" name="Picture 4">
+            <a:extLst>
+              <a:ext uri="{FF2B5EF4-FFF2-40B4-BE49-F238E27FC236}">
+                <a16:creationId xmlns:a16="http://schemas.microsoft.com/office/drawing/2014/main" id="{8D383DF6-D1F6-27A6-D249-62DEDD5ACBF8}"/>
+              </a:ext>
+            </a:extLst>
+          </p:cNvPr>
+          <p:cNvPicPr>
+            <a:picLocks noChangeAspect="1"/>
+          </p:cNvPicPr>
+          <p:nvPr/>
+        </p:nvPicPr>
+        <p:blipFill>
+          <a:blip r:embed="rId3"/>
+          <a:stretch>
+            <a:fillRect/>
+          </a:stretch>
+        </p:blipFill>
+        <p:spPr>
+          <a:xfrm>
+            <a:off x="1998595" y="641972"/>
+            <a:ext cx="4244074" cy="3429905"/>
           </a:xfrm>
           <a:prstGeom prst="rect">
             <a:avLst/>
           </a:prstGeom>
-          <a:noFill/>
-          <a:ln>
-            <a:noFill/>
-          </a:ln>
         </p:spPr>
-        <p:txBody>
-          <a:bodyPr spcFirstLastPara="1" wrap="square" lIns="91425" tIns="91425" rIns="91425" bIns="91425" anchor="t" anchorCtr="0">
-            <a:noAutofit/>
-          </a:bodyPr>
-          <a:lstStyle/>
-          <a:p>
-            <a:pPr marL="133350" indent="0">
-              <a:buNone/>
-            </a:pPr>
-            <a:endParaRPr lang="en-US" sz="1000" dirty="0"/>
-          </a:p>
-          <a:p>
-            <a:endParaRPr lang="en-US" sz="1000" b="1" dirty="0"/>
-          </a:p>
-          <a:p>
-            <a:pPr marL="133350" indent="0">
-              <a:buNone/>
-            </a:pPr>
-            <a:r>
-              <a:rPr lang="en-US" sz="1200" b="1" dirty="0"/>
-              <a:t>Conclusion:</a:t>
-            </a:r>
-          </a:p>
-          <a:p>
-            <a:pPr marL="133350" indent="0">
-              <a:buNone/>
-            </a:pPr>
-            <a:endParaRPr lang="en-US" sz="1200" dirty="0"/>
-          </a:p>
-          <a:p>
-            <a:r>
-              <a:rPr lang="en-US" sz="1000" b="1" dirty="0"/>
-              <a:t>Few-Shot prompt with the original, </a:t>
-            </a:r>
-            <a:r>
-              <a:rPr lang="en-US" sz="1000" dirty="0"/>
-              <a:t>performed identically at temperatures = (0, 0.2, and 1).</a:t>
-            </a:r>
-          </a:p>
-          <a:p>
-            <a:r>
-              <a:rPr lang="en-US" sz="1000" b="1" dirty="0"/>
-              <a:t>Category alignment: 0 </a:t>
-            </a:r>
-            <a:r>
-              <a:rPr lang="en-US" sz="1000" dirty="0"/>
-              <a:t>discrepancies</a:t>
-            </a:r>
-            <a:r>
-              <a:rPr lang="en-US" sz="1000" b="1" dirty="0"/>
-              <a:t>.</a:t>
-            </a:r>
-            <a:endParaRPr lang="en-US" sz="1000" dirty="0"/>
-          </a:p>
-          <a:p>
-            <a:r>
-              <a:rPr lang="en-US" sz="1000" b="1" dirty="0"/>
-              <a:t>Tag alignment: 10 </a:t>
-            </a:r>
-            <a:r>
-              <a:rPr lang="en-US" sz="1000" dirty="0"/>
-              <a:t>discrepancies</a:t>
-            </a:r>
-            <a:r>
-              <a:rPr lang="en-US" sz="1000" b="1" dirty="0"/>
-              <a:t>.</a:t>
-            </a:r>
-            <a:endParaRPr lang="en-US" sz="1000" dirty="0"/>
-          </a:p>
-          <a:p>
-            <a:r>
-              <a:rPr lang="en-US" sz="1000" b="1" dirty="0"/>
-              <a:t>Total rows with differences: 8.</a:t>
-            </a:r>
-          </a:p>
-          <a:p>
-            <a:r>
-              <a:rPr lang="en-US" sz="1000" dirty="0"/>
-              <a:t>The 5 custom examples are highly effective in teaching the model the interpretation for </a:t>
-            </a:r>
-            <a:r>
-              <a:rPr lang="en-US" sz="1000" b="1" dirty="0"/>
-              <a:t>Category </a:t>
-            </a:r>
-            <a:r>
-              <a:rPr lang="en-US" sz="1000" dirty="0"/>
-              <a:t>classification, achieving perfect alignment.   This consistent performance across various temperatures for the Few-Shot prompt (without examples) strongly confirms that the model's interpretation of these specific, stricter textual guidelines is the sole determinant of its output in this scenario. The </a:t>
-            </a:r>
-            <a:r>
-              <a:rPr lang="en-US" sz="1000" b="1" dirty="0"/>
-              <a:t>Tag </a:t>
-            </a:r>
-            <a:r>
-              <a:rPr lang="en-US" sz="1000" dirty="0"/>
-              <a:t>discrepancies are entirely rooted in the prompt's instructions themselves, not in any randomness or variability controlled by temperature.</a:t>
-            </a:r>
-          </a:p>
-          <a:p>
-            <a:pPr marL="133350" indent="0">
-              <a:buNone/>
-            </a:pPr>
-            <a:endParaRPr lang="en-US" sz="1000" dirty="0"/>
-          </a:p>
-          <a:p>
-            <a:pPr marL="133350" indent="0">
-              <a:buNone/>
-            </a:pPr>
-            <a:endParaRPr lang="en-US" sz="1000" dirty="0"/>
-          </a:p>
-          <a:p>
-            <a:pPr marL="133350" indent="0">
-              <a:buNone/>
-            </a:pPr>
-            <a:endParaRPr lang="en-US" sz="1000" dirty="0"/>
-          </a:p>
-          <a:p>
-            <a:pPr marL="133350" indent="0">
-              <a:buNone/>
-            </a:pPr>
-            <a:endParaRPr lang="en-US" sz="1000" dirty="0"/>
-          </a:p>
-        </p:txBody>
-      </p:sp>
+      </p:pic>
     </p:spTree>
     <p:extLst>
       <p:ext uri="{BB962C8B-B14F-4D97-AF65-F5344CB8AC3E}">
-        <p14:creationId xmlns:p14="http://schemas.microsoft.com/office/powerpoint/2010/main" val="802566012"/>
+        <p14:creationId xmlns:p14="http://schemas.microsoft.com/office/powerpoint/2010/main" val="2843359380"/>
       </p:ext>
     </p:extLst>
   </p:cSld>
@@ -38566,169 +39206,6 @@
         <p:cNvPr id="1" name="Shape 174">
           <a:extLst>
             <a:ext uri="{FF2B5EF4-FFF2-40B4-BE49-F238E27FC236}">
-              <a16:creationId xmlns:a16="http://schemas.microsoft.com/office/drawing/2014/main" id="{925FE532-7004-380C-D49B-3CAB321EF522}"/>
-            </a:ext>
-          </a:extLst>
-        </p:cNvPr>
-        <p:cNvGrpSpPr/>
-        <p:nvPr/>
-      </p:nvGrpSpPr>
-      <p:grpSpPr>
-        <a:xfrm>
-          <a:off x="0" y="0"/>
-          <a:ext cx="0" cy="0"/>
-          <a:chOff x="0" y="0"/>
-          <a:chExt cx="0" cy="0"/>
-        </a:xfrm>
-      </p:grpSpPr>
-      <p:sp>
-        <p:nvSpPr>
-          <p:cNvPr id="175" name="Google Shape;175;p39">
-            <a:extLst>
-              <a:ext uri="{FF2B5EF4-FFF2-40B4-BE49-F238E27FC236}">
-                <a16:creationId xmlns:a16="http://schemas.microsoft.com/office/drawing/2014/main" id="{48CCE6CD-6AD8-3E7F-9FAD-6AECC3D13ED0}"/>
-              </a:ext>
-            </a:extLst>
-          </p:cNvPr>
-          <p:cNvSpPr txBox="1">
-            <a:spLocks noGrp="1"/>
-          </p:cNvSpPr>
-          <p:nvPr>
-            <p:ph type="title"/>
-          </p:nvPr>
-        </p:nvSpPr>
-        <p:spPr>
-          <a:xfrm>
-            <a:off x="202550" y="69272"/>
-            <a:ext cx="8520600" cy="572700"/>
-          </a:xfrm>
-          <a:prstGeom prst="rect">
-            <a:avLst/>
-          </a:prstGeom>
-          <a:noFill/>
-          <a:ln>
-            <a:noFill/>
-          </a:ln>
-        </p:spPr>
-        <p:txBody>
-          <a:bodyPr spcFirstLastPara="1" wrap="square" lIns="91425" tIns="91425" rIns="91425" bIns="91425" anchor="t" anchorCtr="0">
-            <a:noAutofit/>
-          </a:bodyPr>
-          <a:lstStyle/>
-          <a:p>
-            <a:pPr lvl="0"/>
-            <a:r>
-              <a:rPr lang="en" dirty="0">
-                <a:solidFill>
-                  <a:schemeClr val="lt2"/>
-                </a:solidFill>
-                <a:latin typeface="Century Gothic"/>
-                <a:ea typeface="Century Gothic"/>
-                <a:cs typeface="Century Gothic"/>
-                <a:sym typeface="Century Gothic"/>
-              </a:rPr>
-              <a:t>Original Few-Shot Prompt Results</a:t>
-            </a:r>
-            <a:endParaRPr dirty="0">
-              <a:solidFill>
-                <a:schemeClr val="lt2"/>
-              </a:solidFill>
-              <a:latin typeface="Century Gothic"/>
-              <a:ea typeface="Century Gothic"/>
-              <a:cs typeface="Century Gothic"/>
-              <a:sym typeface="Century Gothic"/>
-            </a:endParaRPr>
-          </a:p>
-        </p:txBody>
-      </p:sp>
-      <p:sp>
-        <p:nvSpPr>
-          <p:cNvPr id="3" name="Text Placeholder 2">
-            <a:extLst>
-              <a:ext uri="{FF2B5EF4-FFF2-40B4-BE49-F238E27FC236}">
-                <a16:creationId xmlns:a16="http://schemas.microsoft.com/office/drawing/2014/main" id="{BCCEAAB2-7614-5F39-AE7C-C08CC0E8CAEB}"/>
-              </a:ext>
-            </a:extLst>
-          </p:cNvPr>
-          <p:cNvSpPr>
-            <a:spLocks noGrp="1"/>
-          </p:cNvSpPr>
-          <p:nvPr>
-            <p:ph type="body" idx="1"/>
-          </p:nvPr>
-        </p:nvSpPr>
-        <p:spPr>
-          <a:xfrm>
-            <a:off x="202550" y="4161080"/>
-            <a:ext cx="8629800" cy="572700"/>
-          </a:xfrm>
-        </p:spPr>
-        <p:txBody>
-          <a:bodyPr/>
-          <a:lstStyle/>
-          <a:p>
-            <a:r>
-              <a:rPr lang="en-US" dirty="0"/>
-              <a:t>Plot illustrating distribution of </a:t>
-            </a:r>
-            <a:r>
-              <a:rPr lang="en-US" b="1" dirty="0"/>
-              <a:t>Categories</a:t>
-            </a:r>
-          </a:p>
-        </p:txBody>
-      </p:sp>
-      <p:pic>
-        <p:nvPicPr>
-          <p:cNvPr id="5" name="Picture 4">
-            <a:extLst>
-              <a:ext uri="{FF2B5EF4-FFF2-40B4-BE49-F238E27FC236}">
-                <a16:creationId xmlns:a16="http://schemas.microsoft.com/office/drawing/2014/main" id="{8D383DF6-D1F6-27A6-D249-62DEDD5ACBF8}"/>
-              </a:ext>
-            </a:extLst>
-          </p:cNvPr>
-          <p:cNvPicPr>
-            <a:picLocks noChangeAspect="1"/>
-          </p:cNvPicPr>
-          <p:nvPr/>
-        </p:nvPicPr>
-        <p:blipFill>
-          <a:blip r:embed="rId3"/>
-          <a:stretch>
-            <a:fillRect/>
-          </a:stretch>
-        </p:blipFill>
-        <p:spPr>
-          <a:xfrm>
-            <a:off x="1998595" y="641972"/>
-            <a:ext cx="4244074" cy="3429905"/>
-          </a:xfrm>
-          <a:prstGeom prst="rect">
-            <a:avLst/>
-          </a:prstGeom>
-        </p:spPr>
-      </p:pic>
-    </p:spTree>
-    <p:extLst>
-      <p:ext uri="{BB962C8B-B14F-4D97-AF65-F5344CB8AC3E}">
-        <p14:creationId xmlns:p14="http://schemas.microsoft.com/office/powerpoint/2010/main" val="2843359380"/>
-      </p:ext>
-    </p:extLst>
-  </p:cSld>
-  <p:clrMapOvr>
-    <a:masterClrMapping/>
-  </p:clrMapOvr>
-</p:sld>
-</file>
-
-<file path=ppt/slides/slide41.xml><?xml version="1.0" encoding="utf-8"?>
-<p:sld xmlns:a="http://schemas.openxmlformats.org/drawingml/2006/main" xmlns:r="http://schemas.openxmlformats.org/officeDocument/2006/relationships" xmlns:p="http://schemas.openxmlformats.org/presentationml/2006/main">
-  <p:cSld>
-    <p:spTree>
-      <p:nvGrpSpPr>
-        <p:cNvPr id="1" name="Shape 174">
-          <a:extLst>
-            <a:ext uri="{FF2B5EF4-FFF2-40B4-BE49-F238E27FC236}">
               <a16:creationId xmlns:a16="http://schemas.microsoft.com/office/drawing/2014/main" id="{4593C971-1859-2971-A3D5-14CAE3B9D7C2}"/>
             </a:ext>
           </a:extLst>
@@ -38884,7 +39361,7 @@
 </p:sld>
 </file>
 
-<file path=ppt/slides/slide42.xml><?xml version="1.0" encoding="utf-8"?>
+<file path=ppt/slides/slide41.xml><?xml version="1.0" encoding="utf-8"?>
 <p:sld xmlns:a="http://schemas.openxmlformats.org/drawingml/2006/main" xmlns:r="http://schemas.openxmlformats.org/officeDocument/2006/relationships" xmlns:p="http://schemas.openxmlformats.org/presentationml/2006/main">
   <p:cSld>
     <p:spTree>
@@ -38892,7 +39369,7 @@
         <p:cNvPr id="1" name="Shape 174">
           <a:extLst>
             <a:ext uri="{FF2B5EF4-FFF2-40B4-BE49-F238E27FC236}">
-              <a16:creationId xmlns:a16="http://schemas.microsoft.com/office/drawing/2014/main" id="{EA75C341-2291-42C0-DE61-55817F115B4E}"/>
+              <a16:creationId xmlns:a16="http://schemas.microsoft.com/office/drawing/2014/main" id="{DB690AE0-5ADE-6E0C-1FB7-970ADB6992DD}"/>
             </a:ext>
           </a:extLst>
         </p:cNvPr>
@@ -38912,7 +39389,7 @@
           <p:cNvPr id="175" name="Google Shape;175;p39">
             <a:extLst>
               <a:ext uri="{FF2B5EF4-FFF2-40B4-BE49-F238E27FC236}">
-                <a16:creationId xmlns:a16="http://schemas.microsoft.com/office/drawing/2014/main" id="{10FFE483-5FCE-AB20-DA7F-45AD5475F0F1}"/>
+                <a16:creationId xmlns:a16="http://schemas.microsoft.com/office/drawing/2014/main" id="{5CF0AD5E-451D-322A-A702-7EDB10EF31DE}"/>
               </a:ext>
             </a:extLst>
           </p:cNvPr>
@@ -38925,7 +39402,7 @@
         </p:nvSpPr>
         <p:spPr>
           <a:xfrm>
-            <a:off x="202550" y="289279"/>
+            <a:off x="202550" y="-20108"/>
             <a:ext cx="8520600" cy="572700"/>
           </a:xfrm>
           <a:prstGeom prst="rect">
@@ -38965,7 +39442,7 @@
                 <a:cs typeface="Century Gothic"/>
                 <a:sym typeface="Century Gothic"/>
               </a:rPr>
-              <a:t>Chain of Thought (CoT) Prompt – Zero-Shot</a:t>
+              <a:t>Original Zero-Shot Chain of Thought (CoT) Prompt</a:t>
             </a:r>
             <a:endParaRPr dirty="0">
               <a:solidFill>
@@ -38984,7 +39461,7 @@
           <p:cNvPr id="176" name="Google Shape;176;p39">
             <a:extLst>
               <a:ext uri="{FF2B5EF4-FFF2-40B4-BE49-F238E27FC236}">
-                <a16:creationId xmlns:a16="http://schemas.microsoft.com/office/drawing/2014/main" id="{C502FD56-E56A-D5BB-3797-1E9B6B605CDD}"/>
+                <a16:creationId xmlns:a16="http://schemas.microsoft.com/office/drawing/2014/main" id="{44B8F2BC-6AEF-9AB3-DD4B-61E23E779081}"/>
               </a:ext>
             </a:extLst>
           </p:cNvPr>
@@ -38997,8 +39474,8 @@
         </p:nvSpPr>
         <p:spPr>
           <a:xfrm>
-            <a:off x="202550" y="861975"/>
-            <a:ext cx="8629800" cy="3706800"/>
+            <a:off x="257100" y="676344"/>
+            <a:ext cx="8629800" cy="4040034"/>
           </a:xfrm>
           <a:prstGeom prst="rect">
             <a:avLst/>
@@ -39014,38 +39491,334 @@
           </a:bodyPr>
           <a:lstStyle/>
           <a:p>
-            <a:pPr marL="457200" lvl="0" indent="-317500" algn="l" rtl="0">
-              <a:lnSpc>
-                <a:spcPct val="115000"/>
-              </a:lnSpc>
-              <a:spcBef>
-                <a:spcPts val="0"/>
-              </a:spcBef>
-              <a:spcAft>
-                <a:spcPts val="0"/>
-              </a:spcAft>
-              <a:buClr>
-                <a:schemeClr val="dk1"/>
-              </a:buClr>
-              <a:buSzPts val="1400"/>
-              <a:buFont typeface="Century Gothic"/>
-              <a:buChar char="●"/>
-            </a:pPr>
-            <a:r>
-              <a:rPr lang="en" sz="1400" dirty="0">
+            <a:pPr marL="133350" indent="0">
+              <a:buNone/>
+            </a:pPr>
+            <a:r>
+              <a:rPr lang="en-US" sz="1200" b="1" dirty="0"/>
+              <a:t>Original Zero-Shot </a:t>
+            </a:r>
+            <a:r>
+              <a:rPr lang="en-US" sz="1200" b="1" dirty="0" err="1"/>
+              <a:t>CoT</a:t>
+            </a:r>
+            <a:r>
+              <a:rPr lang="en-US" sz="1200" b="1" dirty="0"/>
+              <a:t> Prompt Template:</a:t>
+            </a:r>
+            <a:endParaRPr lang="en-US" sz="1200" dirty="0"/>
+          </a:p>
+          <a:p>
+            <a:pPr marL="133350" indent="0">
+              <a:buNone/>
+            </a:pPr>
+            <a:r>
+              <a:rPr lang="en-US" sz="1000" b="1" dirty="0"/>
+              <a:t>ROLE: </a:t>
+            </a:r>
+            <a:r>
+              <a:rPr lang="en-US" sz="1000" dirty="0"/>
+              <a:t>You are a customer feedback analyst for a food delivery service.</a:t>
+            </a:r>
+          </a:p>
+          <a:p>
+            <a:pPr marL="133350" indent="0">
+              <a:buNone/>
+            </a:pPr>
+            <a:r>
+              <a:rPr lang="en-US" sz="1000" b="1" dirty="0"/>
+              <a:t>TASK</a:t>
+            </a:r>
+            <a:r>
+              <a:rPr lang="en-US" sz="1000" dirty="0"/>
+              <a:t>: Analyze the uploaded customer reviews and provide structured sentiment analysis.</a:t>
+            </a:r>
+          </a:p>
+          <a:p>
+            <a:pPr marL="133350" indent="0">
+              <a:buNone/>
+            </a:pPr>
+            <a:r>
+              <a:rPr lang="en-US" sz="1000" b="1" dirty="0"/>
+              <a:t>Use Temperature</a:t>
+            </a:r>
+            <a:r>
+              <a:rPr lang="en-US" sz="1000" dirty="0"/>
+              <a:t>=0.2</a:t>
+            </a:r>
+          </a:p>
+          <a:p>
+            <a:pPr marL="133350" indent="0">
+              <a:buNone/>
+            </a:pPr>
+            <a:r>
+              <a:rPr lang="en-US" sz="1000" b="1" dirty="0"/>
+              <a:t>REASONING STEPS (follow for each review):</a:t>
+            </a:r>
+          </a:p>
+          <a:p>
+            <a:pPr marL="133350" indent="0">
+              <a:buNone/>
+            </a:pPr>
+            <a:r>
+              <a:rPr lang="en-US" sz="1000" b="1" dirty="0"/>
+              <a:t>     1.</a:t>
+            </a:r>
+            <a:r>
+              <a:rPr lang="en-US" sz="1000" dirty="0"/>
+              <a:t> Identify positive aspects mentioned</a:t>
+            </a:r>
+          </a:p>
+          <a:p>
+            <a:pPr marL="133350" indent="0">
+              <a:buNone/>
+            </a:pPr>
+            <a:r>
+              <a:rPr lang="en-US" sz="1000" b="1" dirty="0"/>
+              <a:t>     2.</a:t>
+            </a:r>
+            <a:r>
+              <a:rPr lang="en-US" sz="1000" dirty="0"/>
+              <a:t> Identify negative aspects mentioned</a:t>
+            </a:r>
+          </a:p>
+          <a:p>
+            <a:pPr marL="133350" indent="0">
+              <a:buNone/>
+            </a:pPr>
+            <a:r>
+              <a:rPr lang="en-US" sz="1000" b="1" dirty="0"/>
+              <a:t>     3.</a:t>
+            </a:r>
+            <a:r>
+              <a:rPr lang="en-US" sz="1000" dirty="0"/>
+              <a:t> Determine which dominates or if balanced</a:t>
+            </a:r>
+          </a:p>
+          <a:p>
+            <a:pPr marL="133350" indent="0">
+              <a:buNone/>
+            </a:pPr>
+            <a:r>
+              <a:rPr lang="en-US" sz="1000" b="1" dirty="0"/>
+              <a:t>     4.</a:t>
+            </a:r>
+            <a:r>
+              <a:rPr lang="en-US" sz="1000" dirty="0"/>
+              <a:t> Select applicable tags</a:t>
+            </a:r>
+          </a:p>
+          <a:p>
+            <a:pPr marL="133350" indent="0">
+              <a:buNone/>
+            </a:pPr>
+            <a:r>
+              <a:rPr lang="en-US" sz="1000" b="1" dirty="0"/>
+              <a:t>     5.</a:t>
+            </a:r>
+            <a:r>
+              <a:rPr lang="en-US" sz="1000" dirty="0"/>
+              <a:t> Provide classification and output</a:t>
+            </a:r>
+          </a:p>
+          <a:p>
+            <a:pPr marL="133350" indent="0">
+              <a:buNone/>
+            </a:pPr>
+            <a:r>
+              <a:rPr lang="en-US" sz="1000" b="1" dirty="0"/>
+              <a:t>CLASSIFICATION GUIDELINES:</a:t>
+            </a:r>
+            <a:endParaRPr lang="en-US" sz="1000" dirty="0"/>
+          </a:p>
+          <a:p>
+            <a:pPr marL="133350" lvl="0" indent="0">
+              <a:buNone/>
+            </a:pPr>
+            <a:r>
+              <a:rPr lang="en-US" sz="1000" b="1" dirty="0"/>
+              <a:t>Positive</a:t>
+            </a:r>
+            <a:r>
+              <a:rPr lang="en-US" sz="1000" dirty="0"/>
+              <a:t>: Customer expresses satisfaction, praise, or intent to return</a:t>
+            </a:r>
+          </a:p>
+          <a:p>
+            <a:pPr marL="133350" lvl="0" indent="0">
+              <a:buNone/>
+            </a:pPr>
+            <a:r>
+              <a:rPr lang="en-US" sz="1000" b="1" dirty="0"/>
+              <a:t>Negative</a:t>
+            </a:r>
+            <a:r>
+              <a:rPr lang="en-US" sz="1000" dirty="0"/>
+              <a:t>: Customer expresses dissatisfaction, complaints, or intent to not return</a:t>
+            </a:r>
+          </a:p>
+          <a:p>
+            <a:pPr marL="133350" lvl="0" indent="0">
+              <a:buNone/>
+            </a:pPr>
+            <a:r>
+              <a:rPr lang="en-US" sz="1000" b="1" dirty="0"/>
+              <a:t>Neutral</a:t>
+            </a:r>
+            <a:r>
+              <a:rPr lang="en-US" sz="1000" dirty="0"/>
+              <a:t>: Mixed feedback or neither clearly positive nor negative</a:t>
+            </a:r>
+          </a:p>
+          <a:p>
+            <a:pPr marL="133350" indent="0">
+              <a:buNone/>
+            </a:pPr>
+            <a:r>
+              <a:rPr lang="en-US" sz="1000" b="1" dirty="0"/>
+              <a:t>TAGS (select ALL applicable from this list ONLY):</a:t>
+            </a:r>
+            <a:endParaRPr lang="en-US" sz="1000" dirty="0"/>
+          </a:p>
+          <a:p>
+            <a:pPr lvl="0"/>
+            <a:r>
+              <a:rPr lang="en-US" sz="1000" dirty="0"/>
+              <a:t>Delivery Time</a:t>
+            </a:r>
+          </a:p>
+          <a:p>
+            <a:pPr lvl="0"/>
+            <a:r>
+              <a:rPr lang="en-US" sz="1000" dirty="0"/>
+              <a:t>Food Quality</a:t>
+            </a:r>
+          </a:p>
+          <a:p>
+            <a:pPr lvl="0"/>
+            <a:r>
+              <a:rPr lang="en-US" sz="1000" dirty="0"/>
+              <a:t>Price</a:t>
+            </a:r>
+          </a:p>
+          <a:p>
+            <a:pPr lvl="0"/>
+            <a:r>
+              <a:rPr lang="en-US" sz="1000" dirty="0"/>
+              <a:t>Packaging</a:t>
+            </a:r>
+          </a:p>
+          <a:p>
+            <a:pPr lvl="0"/>
+            <a:r>
+              <a:rPr lang="en-US" sz="1000" dirty="0"/>
+              <a:t>Overall Experience: only when customer states "experience," "service," or uses general rating language</a:t>
+            </a:r>
+          </a:p>
+          <a:p>
+            <a:endParaRPr lang="en-US" sz="400" dirty="0"/>
+          </a:p>
+        </p:txBody>
+      </p:sp>
+    </p:spTree>
+    <p:extLst>
+      <p:ext uri="{BB962C8B-B14F-4D97-AF65-F5344CB8AC3E}">
+        <p14:creationId xmlns:p14="http://schemas.microsoft.com/office/powerpoint/2010/main" val="3682619484"/>
+      </p:ext>
+    </p:extLst>
+  </p:cSld>
+  <p:clrMapOvr>
+    <a:masterClrMapping/>
+  </p:clrMapOvr>
+</p:sld>
+</file>
+
+<file path=ppt/slides/slide42.xml><?xml version="1.0" encoding="utf-8"?>
+<p:sld xmlns:a="http://schemas.openxmlformats.org/drawingml/2006/main" xmlns:r="http://schemas.openxmlformats.org/officeDocument/2006/relationships" xmlns:p="http://schemas.openxmlformats.org/presentationml/2006/main">
+  <p:cSld>
+    <p:spTree>
+      <p:nvGrpSpPr>
+        <p:cNvPr id="1" name="Shape 174">
+          <a:extLst>
+            <a:ext uri="{FF2B5EF4-FFF2-40B4-BE49-F238E27FC236}">
+              <a16:creationId xmlns:a16="http://schemas.microsoft.com/office/drawing/2014/main" id="{3AE5D45B-3819-64B0-A4B1-D57A37D0477D}"/>
+            </a:ext>
+          </a:extLst>
+        </p:cNvPr>
+        <p:cNvGrpSpPr/>
+        <p:nvPr/>
+      </p:nvGrpSpPr>
+      <p:grpSpPr>
+        <a:xfrm>
+          <a:off x="0" y="0"/>
+          <a:ext cx="0" cy="0"/>
+          <a:chOff x="0" y="0"/>
+          <a:chExt cx="0" cy="0"/>
+        </a:xfrm>
+      </p:grpSpPr>
+      <p:sp>
+        <p:nvSpPr>
+          <p:cNvPr id="175" name="Google Shape;175;p39">
+            <a:extLst>
+              <a:ext uri="{FF2B5EF4-FFF2-40B4-BE49-F238E27FC236}">
+                <a16:creationId xmlns:a16="http://schemas.microsoft.com/office/drawing/2014/main" id="{E00578B4-D7E7-FBC3-E691-CCEB19ECEE7C}"/>
+              </a:ext>
+            </a:extLst>
+          </p:cNvPr>
+          <p:cNvSpPr txBox="1">
+            <a:spLocks noGrp="1"/>
+          </p:cNvSpPr>
+          <p:nvPr>
+            <p:ph type="title"/>
+          </p:nvPr>
+        </p:nvSpPr>
+        <p:spPr>
+          <a:xfrm>
+            <a:off x="202550" y="-20108"/>
+            <a:ext cx="8520600" cy="572700"/>
+          </a:xfrm>
+          <a:prstGeom prst="rect">
+            <a:avLst/>
+          </a:prstGeom>
+          <a:noFill/>
+          <a:ln>
+            <a:noFill/>
+          </a:ln>
+        </p:spPr>
+        <p:txBody>
+          <a:bodyPr spcFirstLastPara="1" wrap="square" lIns="91425" tIns="91425" rIns="91425" bIns="91425" anchor="t" anchorCtr="0">
+            <a:noAutofit/>
+          </a:bodyPr>
+          <a:lstStyle/>
+          <a:p>
+            <a:pPr marL="0" lvl="0" indent="0" algn="l" rtl="0">
+              <a:lnSpc>
+                <a:spcPct val="100000"/>
+              </a:lnSpc>
+              <a:spcBef>
+                <a:spcPts val="0"/>
+              </a:spcBef>
+              <a:spcAft>
+                <a:spcPts val="0"/>
+              </a:spcAft>
+              <a:buSzPts val="2200"/>
+              <a:buNone/>
+            </a:pPr>
+            <a:r>
+              <a:rPr lang="en" dirty="0">
                 <a:solidFill>
-                  <a:schemeClr val="dk1"/>
+                  <a:schemeClr val="lt2"/>
                 </a:solidFill>
                 <a:latin typeface="Century Gothic"/>
                 <a:ea typeface="Century Gothic"/>
                 <a:cs typeface="Century Gothic"/>
                 <a:sym typeface="Century Gothic"/>
               </a:rPr>
-              <a:t>Please add the Prompt</a:t>
-            </a:r>
-            <a:endParaRPr sz="1400" dirty="0">
+              <a:t>Original Zero-Shot Chain of Thought (CoT) Prompt</a:t>
+            </a:r>
+            <a:endParaRPr dirty="0">
               <a:solidFill>
-                <a:schemeClr val="dk1"/>
+                <a:schemeClr val="lt2"/>
               </a:solidFill>
               <a:latin typeface="Century Gothic"/>
               <a:ea typeface="Century Gothic"/>
@@ -39053,124 +39826,237 @@
               <a:sym typeface="Century Gothic"/>
             </a:endParaRPr>
           </a:p>
-          <a:p>
-            <a:pPr marL="457200" lvl="0" indent="-317500" algn="l" rtl="0">
-              <a:lnSpc>
-                <a:spcPct val="115000"/>
-              </a:lnSpc>
-              <a:spcBef>
-                <a:spcPts val="1000"/>
-              </a:spcBef>
-              <a:spcAft>
-                <a:spcPts val="0"/>
-              </a:spcAft>
-              <a:buClr>
-                <a:schemeClr val="dk1"/>
-              </a:buClr>
-              <a:buSzPts val="1400"/>
-              <a:buFont typeface="Century Gothic"/>
-              <a:buChar char="●"/>
-            </a:pPr>
-            <a:r>
-              <a:rPr lang="en" sz="1400" dirty="0">
-                <a:solidFill>
-                  <a:schemeClr val="dk1"/>
-                </a:solidFill>
-                <a:latin typeface="Century Gothic"/>
-                <a:ea typeface="Century Gothic"/>
-                <a:cs typeface="Century Gothic"/>
-                <a:sym typeface="Century Gothic"/>
-              </a:rPr>
-              <a:t>Please add the details on the structure of the Prompt</a:t>
-            </a:r>
-            <a:endParaRPr sz="1400" dirty="0">
-              <a:solidFill>
-                <a:schemeClr val="dk1"/>
-              </a:solidFill>
-              <a:latin typeface="Century Gothic"/>
-              <a:ea typeface="Century Gothic"/>
-              <a:cs typeface="Century Gothic"/>
-              <a:sym typeface="Century Gothic"/>
-            </a:endParaRPr>
-          </a:p>
-          <a:p>
-            <a:pPr marL="0" lvl="0" indent="0" algn="l" rtl="0">
-              <a:lnSpc>
-                <a:spcPct val="115000"/>
-              </a:lnSpc>
-              <a:spcBef>
-                <a:spcPts val="1000"/>
-              </a:spcBef>
-              <a:spcAft>
-                <a:spcPts val="0"/>
-              </a:spcAft>
-              <a:buSzPts val="1500"/>
-              <a:buNone/>
-            </a:pPr>
-            <a:endParaRPr sz="1400" dirty="0">
-              <a:solidFill>
-                <a:schemeClr val="dk1"/>
-              </a:solidFill>
-              <a:latin typeface="Century Gothic"/>
-              <a:ea typeface="Century Gothic"/>
-              <a:cs typeface="Century Gothic"/>
-              <a:sym typeface="Century Gothic"/>
-            </a:endParaRPr>
-          </a:p>
-          <a:p>
-            <a:pPr marL="0" lvl="0" indent="0" algn="l" rtl="0">
-              <a:lnSpc>
-                <a:spcPct val="115000"/>
-              </a:lnSpc>
-              <a:spcBef>
-                <a:spcPts val="1000"/>
-              </a:spcBef>
-              <a:spcAft>
-                <a:spcPts val="1000"/>
-              </a:spcAft>
-              <a:buSzPts val="1500"/>
-              <a:buNone/>
-            </a:pPr>
-            <a:r>
-              <a:rPr lang="en" sz="1200" b="1" i="1" dirty="0">
-                <a:solidFill>
-                  <a:schemeClr val="dk1"/>
-                </a:solidFill>
-                <a:latin typeface="Century Gothic"/>
-                <a:ea typeface="Century Gothic"/>
-                <a:cs typeface="Century Gothic"/>
-                <a:sym typeface="Century Gothic"/>
-              </a:rPr>
-              <a:t>Note</a:t>
-            </a:r>
-            <a:r>
-              <a:rPr lang="en" sz="1200" i="1" dirty="0">
-                <a:solidFill>
-                  <a:schemeClr val="dk1"/>
-                </a:solidFill>
-                <a:latin typeface="Century Gothic"/>
-                <a:ea typeface="Century Gothic"/>
-                <a:cs typeface="Century Gothic"/>
-                <a:sym typeface="Century Gothic"/>
-              </a:rPr>
-              <a:t>: You can use more than one slide if needed </a:t>
-            </a:r>
-            <a:endParaRPr sz="1200" i="1" dirty="0">
-              <a:solidFill>
-                <a:schemeClr val="dk1"/>
-              </a:solidFill>
-              <a:latin typeface="Century Gothic"/>
-              <a:ea typeface="Century Gothic"/>
-              <a:cs typeface="Century Gothic"/>
-              <a:sym typeface="Century Gothic"/>
-            </a:endParaRPr>
+        </p:txBody>
+      </p:sp>
+      <p:sp>
+        <p:nvSpPr>
+          <p:cNvPr id="176" name="Google Shape;176;p39">
+            <a:extLst>
+              <a:ext uri="{FF2B5EF4-FFF2-40B4-BE49-F238E27FC236}">
+                <a16:creationId xmlns:a16="http://schemas.microsoft.com/office/drawing/2014/main" id="{1FDA6C63-2FF8-14AC-425A-A2C97380A8A6}"/>
+              </a:ext>
+            </a:extLst>
+          </p:cNvPr>
+          <p:cNvSpPr txBox="1">
+            <a:spLocks noGrp="1"/>
+          </p:cNvSpPr>
+          <p:nvPr>
+            <p:ph type="body" idx="1"/>
+          </p:nvPr>
+        </p:nvSpPr>
+        <p:spPr>
+          <a:xfrm>
+            <a:off x="257100" y="919555"/>
+            <a:ext cx="8629800" cy="3304389"/>
+          </a:xfrm>
+          <a:prstGeom prst="rect">
+            <a:avLst/>
+          </a:prstGeom>
+          <a:noFill/>
+          <a:ln>
+            <a:noFill/>
+          </a:ln>
+        </p:spPr>
+        <p:txBody>
+          <a:bodyPr spcFirstLastPara="1" wrap="square" lIns="91425" tIns="91425" rIns="91425" bIns="91425" anchor="t" anchorCtr="0">
+            <a:noAutofit/>
+          </a:bodyPr>
+          <a:lstStyle/>
+          <a:p>
+            <a:pPr marL="133350" indent="0">
+              <a:buNone/>
+            </a:pPr>
+            <a:r>
+              <a:rPr lang="en-US" sz="1000" b="1" dirty="0"/>
+              <a:t>OUTPUT REQUIREMENTS:</a:t>
+            </a:r>
+            <a:endParaRPr lang="en-US" sz="1000" dirty="0"/>
+          </a:p>
+          <a:p>
+            <a:pPr marL="133350" lvl="0" indent="0">
+              <a:buNone/>
+            </a:pPr>
+            <a:r>
+              <a:rPr lang="en-US" sz="1000" b="1" dirty="0"/>
+              <a:t>   1.</a:t>
+            </a:r>
+            <a:r>
+              <a:rPr lang="en-US" sz="1000" dirty="0"/>
+              <a:t> Category: Classify as exactly one of: Positive, Negative, or Neutral</a:t>
+            </a:r>
+          </a:p>
+          <a:p>
+            <a:pPr marL="133350" lvl="0" indent="0">
+              <a:buNone/>
+            </a:pPr>
+            <a:r>
+              <a:rPr lang="en-US" sz="1000" b="1" dirty="0"/>
+              <a:t>   2.</a:t>
+            </a:r>
+            <a:r>
+              <a:rPr lang="en-US" sz="1000" dirty="0"/>
+              <a:t> Tags: Select ALL applicable tags from the list above.</a:t>
+            </a:r>
+          </a:p>
+          <a:p>
+            <a:pPr marL="133350" lvl="0" indent="0">
+              <a:buNone/>
+            </a:pPr>
+            <a:r>
+              <a:rPr lang="en-US" sz="1000" b="1" dirty="0"/>
+              <a:t>   3.</a:t>
+            </a:r>
+            <a:r>
+              <a:rPr lang="en-US" sz="1000" dirty="0"/>
+              <a:t> </a:t>
+            </a:r>
+            <a:r>
+              <a:rPr lang="en-US" sz="1000" dirty="0" err="1"/>
+              <a:t>Suggested_Action</a:t>
+            </a:r>
+            <a:r>
+              <a:rPr lang="en-US" sz="1000" dirty="0"/>
+              <a:t>: Provide ONE specific, actionable business recommendation (10 words max)</a:t>
+            </a:r>
+          </a:p>
+          <a:p>
+            <a:pPr marL="133350" lvl="0" indent="0">
+              <a:buNone/>
+            </a:pPr>
+            <a:r>
+              <a:rPr lang="en-US" sz="1000" b="1" dirty="0"/>
+              <a:t>   4.</a:t>
+            </a:r>
+            <a:r>
+              <a:rPr lang="en-US" sz="1000" dirty="0"/>
+              <a:t> Confidence: High / Medium / Low</a:t>
+            </a:r>
+          </a:p>
+          <a:p>
+            <a:pPr marL="133350" indent="0">
+              <a:buNone/>
+            </a:pPr>
+            <a:r>
+              <a:rPr lang="en-US" sz="1000" b="1" dirty="0"/>
+              <a:t>OUTPUT FORMAT:</a:t>
+            </a:r>
+            <a:br>
+              <a:rPr lang="en-US" sz="1000" dirty="0"/>
+            </a:br>
+            <a:r>
+              <a:rPr lang="en-US" sz="1000" dirty="0"/>
+              <a:t>Return results as CSV format only. No explanations, no extra text.</a:t>
+            </a:r>
+            <a:br>
+              <a:rPr lang="en-US" sz="1000" dirty="0"/>
+            </a:br>
+            <a:r>
+              <a:rPr lang="en-US" sz="1000" dirty="0"/>
+              <a:t>Use these exact headers: </a:t>
+            </a:r>
+            <a:r>
+              <a:rPr lang="en-US" sz="1000" dirty="0" err="1"/>
+              <a:t>Customer_ID</a:t>
+            </a:r>
+            <a:r>
+              <a:rPr lang="en-US" sz="1000" dirty="0"/>
+              <a:t>, Category, Tags, </a:t>
+            </a:r>
+            <a:r>
+              <a:rPr lang="en-US" sz="1000" dirty="0" err="1"/>
+              <a:t>Suggested_Action</a:t>
+            </a:r>
+            <a:r>
+              <a:rPr lang="en-US" sz="1000" dirty="0"/>
+              <a:t>, Confidence</a:t>
+            </a:r>
+          </a:p>
+          <a:p>
+            <a:pPr marL="133350" indent="0">
+              <a:buNone/>
+            </a:pPr>
+            <a:r>
+              <a:rPr lang="en-US" sz="1000" b="1" dirty="0"/>
+              <a:t>Rules:</a:t>
+            </a:r>
+            <a:endParaRPr lang="en-US" sz="1000" dirty="0"/>
+          </a:p>
+          <a:p>
+            <a:pPr lvl="0"/>
+            <a:r>
+              <a:rPr lang="en-US" sz="1000" dirty="0"/>
+              <a:t>Wrap Tags in quotes if multiple: "Delivery Time, Food Quality"</a:t>
+            </a:r>
+          </a:p>
+          <a:p>
+            <a:pPr lvl="0"/>
+            <a:r>
+              <a:rPr lang="en-US" sz="1000" dirty="0"/>
+              <a:t>Wrap </a:t>
+            </a:r>
+            <a:r>
+              <a:rPr lang="en-US" sz="1000" dirty="0" err="1"/>
+              <a:t>Suggested_Action</a:t>
+            </a:r>
+            <a:r>
+              <a:rPr lang="en-US" sz="1000" dirty="0"/>
+              <a:t> in quotes</a:t>
+            </a:r>
+          </a:p>
+          <a:p>
+            <a:pPr lvl="0"/>
+            <a:r>
+              <a:rPr lang="en-US" sz="1000" dirty="0" err="1"/>
+              <a:t>Suggested_Action</a:t>
+            </a:r>
+            <a:r>
+              <a:rPr lang="en-US" sz="1000" dirty="0"/>
+              <a:t>: 10 words max, no commas</a:t>
+            </a:r>
+          </a:p>
+          <a:p>
+            <a:pPr lvl="0"/>
+            <a:r>
+              <a:rPr lang="en-US" sz="1000" dirty="0"/>
+              <a:t>One row per customer</a:t>
+            </a:r>
+          </a:p>
+          <a:p>
+            <a:endParaRPr lang="en-US" sz="1000" dirty="0"/>
+          </a:p>
+          <a:p>
+            <a:pPr marL="133350" indent="0">
+              <a:buNone/>
+            </a:pPr>
+            <a:r>
+              <a:rPr lang="en-US" sz="1000" dirty="0"/>
+              <a:t>Run above Zero-Shot </a:t>
+            </a:r>
+            <a:r>
+              <a:rPr lang="en-US" sz="1000" dirty="0" err="1"/>
+              <a:t>CoT</a:t>
+            </a:r>
+            <a:r>
+              <a:rPr lang="en-US" sz="1000" dirty="0"/>
+              <a:t> Prompt</a:t>
+            </a:r>
+            <a:br>
+              <a:rPr lang="en-US" sz="1000" dirty="0"/>
+            </a:br>
+            <a:r>
+              <a:rPr lang="en-US" sz="1000" dirty="0"/>
+              <a:t>Run numeric comparison against Ground Truth Results</a:t>
+            </a:r>
+          </a:p>
+          <a:p>
+            <a:endParaRPr lang="en-US" sz="400" dirty="0"/>
           </a:p>
         </p:txBody>
       </p:sp>
     </p:spTree>
     <p:extLst>
       <p:ext uri="{BB962C8B-B14F-4D97-AF65-F5344CB8AC3E}">
-        <p14:creationId xmlns:p14="http://schemas.microsoft.com/office/powerpoint/2010/main" val="1802627961"/>
+        <p14:creationId xmlns:p14="http://schemas.microsoft.com/office/powerpoint/2010/main" val="3282455604"/>
       </p:ext>
     </p:extLst>
   </p:cSld>
@@ -39181,6 +40067,1148 @@
 </file>
 
 <file path=ppt/slides/slide43.xml><?xml version="1.0" encoding="utf-8"?>
+<p:sld xmlns:a="http://schemas.openxmlformats.org/drawingml/2006/main" xmlns:r="http://schemas.openxmlformats.org/officeDocument/2006/relationships" xmlns:p="http://schemas.openxmlformats.org/presentationml/2006/main">
+  <p:cSld>
+    <p:spTree>
+      <p:nvGrpSpPr>
+        <p:cNvPr id="1" name="Shape 174">
+          <a:extLst>
+            <a:ext uri="{FF2B5EF4-FFF2-40B4-BE49-F238E27FC236}">
+              <a16:creationId xmlns:a16="http://schemas.microsoft.com/office/drawing/2014/main" id="{CB244DBC-52D1-5986-AE4D-D40CD9FA3DEC}"/>
+            </a:ext>
+          </a:extLst>
+        </p:cNvPr>
+        <p:cNvGrpSpPr/>
+        <p:nvPr/>
+      </p:nvGrpSpPr>
+      <p:grpSpPr>
+        <a:xfrm>
+          <a:off x="0" y="0"/>
+          <a:ext cx="0" cy="0"/>
+          <a:chOff x="0" y="0"/>
+          <a:chExt cx="0" cy="0"/>
+        </a:xfrm>
+      </p:grpSpPr>
+      <p:sp>
+        <p:nvSpPr>
+          <p:cNvPr id="175" name="Google Shape;175;p39">
+            <a:extLst>
+              <a:ext uri="{FF2B5EF4-FFF2-40B4-BE49-F238E27FC236}">
+                <a16:creationId xmlns:a16="http://schemas.microsoft.com/office/drawing/2014/main" id="{E46FA331-F69F-5993-4F32-F8282EF8F07C}"/>
+              </a:ext>
+            </a:extLst>
+          </p:cNvPr>
+          <p:cNvSpPr txBox="1">
+            <a:spLocks noGrp="1"/>
+          </p:cNvSpPr>
+          <p:nvPr>
+            <p:ph type="title"/>
+          </p:nvPr>
+        </p:nvSpPr>
+        <p:spPr>
+          <a:xfrm>
+            <a:off x="202550" y="-20108"/>
+            <a:ext cx="8520600" cy="572700"/>
+          </a:xfrm>
+          <a:prstGeom prst="rect">
+            <a:avLst/>
+          </a:prstGeom>
+          <a:noFill/>
+          <a:ln>
+            <a:noFill/>
+          </a:ln>
+        </p:spPr>
+        <p:txBody>
+          <a:bodyPr spcFirstLastPara="1" wrap="square" lIns="91425" tIns="91425" rIns="91425" bIns="91425" anchor="t" anchorCtr="0">
+            <a:noAutofit/>
+          </a:bodyPr>
+          <a:lstStyle/>
+          <a:p>
+            <a:pPr lvl="0"/>
+            <a:r>
+              <a:rPr lang="en" dirty="0">
+                <a:solidFill>
+                  <a:schemeClr val="lt2"/>
+                </a:solidFill>
+                <a:latin typeface="Century Gothic"/>
+                <a:ea typeface="Century Gothic"/>
+                <a:cs typeface="Century Gothic"/>
+                <a:sym typeface="Century Gothic"/>
+              </a:rPr>
+              <a:t>Original Zero-Shot CoT Prompt Results</a:t>
+            </a:r>
+            <a:endParaRPr dirty="0">
+              <a:solidFill>
+                <a:schemeClr val="lt2"/>
+              </a:solidFill>
+              <a:latin typeface="Century Gothic"/>
+              <a:ea typeface="Century Gothic"/>
+              <a:cs typeface="Century Gothic"/>
+              <a:sym typeface="Century Gothic"/>
+            </a:endParaRPr>
+          </a:p>
+        </p:txBody>
+      </p:sp>
+      <p:pic>
+        <p:nvPicPr>
+          <p:cNvPr id="4" name="Picture 3">
+            <a:extLst>
+              <a:ext uri="{FF2B5EF4-FFF2-40B4-BE49-F238E27FC236}">
+                <a16:creationId xmlns:a16="http://schemas.microsoft.com/office/drawing/2014/main" id="{CE40A683-FD52-415B-55F2-2BEE207371C4}"/>
+              </a:ext>
+            </a:extLst>
+          </p:cNvPr>
+          <p:cNvPicPr>
+            <a:picLocks noChangeAspect="1"/>
+          </p:cNvPicPr>
+          <p:nvPr/>
+        </p:nvPicPr>
+        <p:blipFill>
+          <a:blip r:embed="rId3"/>
+          <a:stretch>
+            <a:fillRect/>
+          </a:stretch>
+        </p:blipFill>
+        <p:spPr>
+          <a:xfrm>
+            <a:off x="858933" y="552593"/>
+            <a:ext cx="6834401" cy="4363352"/>
+          </a:xfrm>
+          <a:prstGeom prst="rect">
+            <a:avLst/>
+          </a:prstGeom>
+        </p:spPr>
+      </p:pic>
+    </p:spTree>
+    <p:extLst>
+      <p:ext uri="{BB962C8B-B14F-4D97-AF65-F5344CB8AC3E}">
+        <p14:creationId xmlns:p14="http://schemas.microsoft.com/office/powerpoint/2010/main" val="3530105439"/>
+      </p:ext>
+    </p:extLst>
+  </p:cSld>
+  <p:clrMapOvr>
+    <a:masterClrMapping/>
+  </p:clrMapOvr>
+</p:sld>
+</file>
+
+<file path=ppt/slides/slide44.xml><?xml version="1.0" encoding="utf-8"?>
+<p:sld xmlns:a="http://schemas.openxmlformats.org/drawingml/2006/main" xmlns:r="http://schemas.openxmlformats.org/officeDocument/2006/relationships" xmlns:p="http://schemas.openxmlformats.org/presentationml/2006/main">
+  <p:cSld>
+    <p:spTree>
+      <p:nvGrpSpPr>
+        <p:cNvPr id="1" name="Shape 174">
+          <a:extLst>
+            <a:ext uri="{FF2B5EF4-FFF2-40B4-BE49-F238E27FC236}">
+              <a16:creationId xmlns:a16="http://schemas.microsoft.com/office/drawing/2014/main" id="{FA26B847-6EEB-9042-E560-A8E40A55F5B5}"/>
+            </a:ext>
+          </a:extLst>
+        </p:cNvPr>
+        <p:cNvGrpSpPr/>
+        <p:nvPr/>
+      </p:nvGrpSpPr>
+      <p:grpSpPr>
+        <a:xfrm>
+          <a:off x="0" y="0"/>
+          <a:ext cx="0" cy="0"/>
+          <a:chOff x="0" y="0"/>
+          <a:chExt cx="0" cy="0"/>
+        </a:xfrm>
+      </p:grpSpPr>
+      <p:sp>
+        <p:nvSpPr>
+          <p:cNvPr id="175" name="Google Shape;175;p39">
+            <a:extLst>
+              <a:ext uri="{FF2B5EF4-FFF2-40B4-BE49-F238E27FC236}">
+                <a16:creationId xmlns:a16="http://schemas.microsoft.com/office/drawing/2014/main" id="{9198283D-BF10-59C6-2430-7BBCFDBA9BDC}"/>
+              </a:ext>
+            </a:extLst>
+          </p:cNvPr>
+          <p:cNvSpPr txBox="1">
+            <a:spLocks noGrp="1"/>
+          </p:cNvSpPr>
+          <p:nvPr>
+            <p:ph type="title"/>
+          </p:nvPr>
+        </p:nvSpPr>
+        <p:spPr>
+          <a:xfrm>
+            <a:off x="202550" y="48646"/>
+            <a:ext cx="8520600" cy="572700"/>
+          </a:xfrm>
+          <a:prstGeom prst="rect">
+            <a:avLst/>
+          </a:prstGeom>
+          <a:noFill/>
+          <a:ln>
+            <a:noFill/>
+          </a:ln>
+        </p:spPr>
+        <p:txBody>
+          <a:bodyPr spcFirstLastPara="1" wrap="square" lIns="91425" tIns="91425" rIns="91425" bIns="91425" anchor="t" anchorCtr="0">
+            <a:noAutofit/>
+          </a:bodyPr>
+          <a:lstStyle/>
+          <a:p>
+            <a:pPr lvl="0"/>
+            <a:r>
+              <a:rPr lang="en" dirty="0">
+                <a:solidFill>
+                  <a:schemeClr val="lt2"/>
+                </a:solidFill>
+                <a:latin typeface="Century Gothic"/>
+                <a:ea typeface="Century Gothic"/>
+                <a:cs typeface="Century Gothic"/>
+                <a:sym typeface="Century Gothic"/>
+              </a:rPr>
+              <a:t>Original Zero-Shot CoT Prompt Results</a:t>
+            </a:r>
+            <a:endParaRPr dirty="0">
+              <a:solidFill>
+                <a:schemeClr val="lt2"/>
+              </a:solidFill>
+              <a:latin typeface="Century Gothic"/>
+              <a:ea typeface="Century Gothic"/>
+              <a:cs typeface="Century Gothic"/>
+              <a:sym typeface="Century Gothic"/>
+            </a:endParaRPr>
+          </a:p>
+        </p:txBody>
+      </p:sp>
+      <p:sp>
+        <p:nvSpPr>
+          <p:cNvPr id="176" name="Google Shape;176;p39">
+            <a:extLst>
+              <a:ext uri="{FF2B5EF4-FFF2-40B4-BE49-F238E27FC236}">
+                <a16:creationId xmlns:a16="http://schemas.microsoft.com/office/drawing/2014/main" id="{A81DC57B-0528-F2A6-E4AC-1FC0C04C1D93}"/>
+              </a:ext>
+            </a:extLst>
+          </p:cNvPr>
+          <p:cNvSpPr txBox="1">
+            <a:spLocks noGrp="1"/>
+          </p:cNvSpPr>
+          <p:nvPr>
+            <p:ph type="body" idx="1"/>
+          </p:nvPr>
+        </p:nvSpPr>
+        <p:spPr>
+          <a:xfrm>
+            <a:off x="202550" y="621346"/>
+            <a:ext cx="8520600" cy="4205036"/>
+          </a:xfrm>
+          <a:prstGeom prst="rect">
+            <a:avLst/>
+          </a:prstGeom>
+          <a:noFill/>
+          <a:ln>
+            <a:noFill/>
+          </a:ln>
+        </p:spPr>
+        <p:txBody>
+          <a:bodyPr spcFirstLastPara="1" wrap="square" lIns="91425" tIns="91425" rIns="91425" bIns="91425" anchor="t" anchorCtr="0">
+            <a:noAutofit/>
+          </a:bodyPr>
+          <a:lstStyle/>
+          <a:p>
+            <a:pPr marL="133350" indent="0">
+              <a:buNone/>
+            </a:pPr>
+            <a:r>
+              <a:rPr lang="en-US" sz="1200" b="1" dirty="0"/>
+              <a:t>Numerical Comparison Summary (Updated Few-Shot Prompt, Original Tags, T=0.2 vs. Ground Truth):</a:t>
+            </a:r>
+          </a:p>
+          <a:p>
+            <a:pPr marL="133350" indent="0">
+              <a:spcBef>
+                <a:spcPts val="300"/>
+              </a:spcBef>
+              <a:buNone/>
+            </a:pPr>
+            <a:r>
+              <a:rPr lang="en-US" sz="1000" b="1" dirty="0"/>
+              <a:t>1. Category Differences (vs. Ground Truth):</a:t>
+            </a:r>
+          </a:p>
+          <a:p>
+            <a:pPr marL="133350" indent="0">
+              <a:buNone/>
+            </a:pPr>
+            <a:r>
+              <a:rPr lang="en-US" sz="1000" b="1" dirty="0"/>
+              <a:t>              Total Category Differences: 0</a:t>
+            </a:r>
+          </a:p>
+          <a:p>
+            <a:pPr marL="133350" indent="0">
+              <a:spcBef>
+                <a:spcPts val="400"/>
+              </a:spcBef>
+              <a:buNone/>
+            </a:pPr>
+            <a:r>
+              <a:rPr lang="en-US" sz="1000" b="1" dirty="0"/>
+              <a:t>2. Tags Differences (vs. Ground Truth):</a:t>
+            </a:r>
+          </a:p>
+          <a:p>
+            <a:pPr lvl="1">
+              <a:spcBef>
+                <a:spcPts val="200"/>
+              </a:spcBef>
+            </a:pPr>
+            <a:r>
+              <a:rPr lang="en-US" sz="800" b="1" dirty="0"/>
+              <a:t>C002:</a:t>
+            </a:r>
+            <a:r>
+              <a:rPr lang="en-US" sz="800" dirty="0"/>
+              <a:t> My (Delivery Time, Packaging, Food Quality, Overall Experience) vs. GT (Delivery Time, Packaging, Overall Experience) - 1 difference (My output has an extra "Food Quality" tag)</a:t>
+            </a:r>
+          </a:p>
+          <a:p>
+            <a:pPr lvl="1">
+              <a:spcBef>
+                <a:spcPts val="200"/>
+              </a:spcBef>
+            </a:pPr>
+            <a:r>
+              <a:rPr lang="en-US" sz="800" b="1" dirty="0"/>
+              <a:t>C006:</a:t>
+            </a:r>
+            <a:r>
+              <a:rPr lang="en-US" sz="800" dirty="0"/>
+              <a:t> My (Delivery Time, Food Quality, Price, Overall Experience) vs. GT (Delivery Time, Food Quality, Price, Overall Experience) - Match</a:t>
+            </a:r>
+          </a:p>
+          <a:p>
+            <a:pPr lvl="1">
+              <a:spcBef>
+                <a:spcPts val="200"/>
+              </a:spcBef>
+            </a:pPr>
+            <a:r>
+              <a:rPr lang="en-US" sz="800" b="1" dirty="0"/>
+              <a:t>C007:</a:t>
+            </a:r>
+            <a:r>
+              <a:rPr lang="en-US" sz="800" dirty="0"/>
+              <a:t> My (Delivery Time, Food Quality, Overall Experience) vs. GT (Delivery Time, Food Quality, Overall Experience) - Match</a:t>
+            </a:r>
+          </a:p>
+          <a:p>
+            <a:pPr lvl="1">
+              <a:spcBef>
+                <a:spcPts val="200"/>
+              </a:spcBef>
+            </a:pPr>
+            <a:r>
+              <a:rPr lang="en-US" sz="800" b="1" dirty="0"/>
+              <a:t>C008:</a:t>
+            </a:r>
+            <a:r>
+              <a:rPr lang="en-US" sz="800" dirty="0"/>
+              <a:t> My (Delivery Time, Food Quality, Overall Experience) vs. GT (Food Quality, Overall Experience) - 1 difference (My output has an extra "Delivery Time" tag)</a:t>
+            </a:r>
+          </a:p>
+          <a:p>
+            <a:pPr lvl="1">
+              <a:spcBef>
+                <a:spcPts val="200"/>
+              </a:spcBef>
+            </a:pPr>
+            <a:r>
+              <a:rPr lang="en-US" sz="800" b="1" dirty="0"/>
+              <a:t>C009:</a:t>
+            </a:r>
+            <a:r>
+              <a:rPr lang="en-US" sz="800" dirty="0"/>
+              <a:t> My (Delivery Time, Overall Experience) vs. GT (Delivery Time, Overall Experience) - Match</a:t>
+            </a:r>
+          </a:p>
+          <a:p>
+            <a:pPr lvl="1">
+              <a:spcBef>
+                <a:spcPts val="200"/>
+              </a:spcBef>
+            </a:pPr>
+            <a:r>
+              <a:rPr lang="en-US" sz="800" b="1" dirty="0"/>
+              <a:t>C011:</a:t>
+            </a:r>
+            <a:r>
+              <a:rPr lang="en-US" sz="800" dirty="0"/>
+              <a:t> My (Delivery Time, Food Quality, Overall Experience) vs. GT (Food Quality, Overall Experience) - 1 difference (My output has an extra "Delivery Time" tag)</a:t>
+            </a:r>
+          </a:p>
+          <a:p>
+            <a:pPr lvl="1">
+              <a:spcBef>
+                <a:spcPts val="200"/>
+              </a:spcBef>
+            </a:pPr>
+            <a:r>
+              <a:rPr lang="en-US" sz="800" b="1" dirty="0"/>
+              <a:t>C013:</a:t>
+            </a:r>
+            <a:r>
+              <a:rPr lang="en-US" sz="800" dirty="0"/>
+              <a:t> My (Delivery Time, Food Quality, Overall Experience) vs. GT (Delivery Time, Food Quality, Overall Experience) - Match</a:t>
+            </a:r>
+          </a:p>
+          <a:p>
+            <a:pPr lvl="1">
+              <a:spcBef>
+                <a:spcPts val="200"/>
+              </a:spcBef>
+            </a:pPr>
+            <a:r>
+              <a:rPr lang="en-US" sz="800" b="1" dirty="0"/>
+              <a:t>C016:</a:t>
+            </a:r>
+            <a:r>
+              <a:rPr lang="en-US" sz="800" dirty="0"/>
+              <a:t> My (Delivery Time, Packaging, Overall Experience) vs. GT (Delivery Time, Packaging, Overall Experience) - Match</a:t>
+            </a:r>
+          </a:p>
+          <a:p>
+            <a:pPr lvl="1">
+              <a:spcBef>
+                <a:spcPts val="200"/>
+              </a:spcBef>
+            </a:pPr>
+            <a:r>
+              <a:rPr lang="en-US" sz="800" b="1" dirty="0"/>
+              <a:t>C018:</a:t>
+            </a:r>
+            <a:r>
+              <a:rPr lang="en-US" sz="800" dirty="0"/>
+              <a:t> My (Delivery Time, Food Quality, Overall Experience) vs. GT (Food Quality, Overall Experience) - 1 difference (My output has an extra "Delivery Time" tag)</a:t>
+            </a:r>
+          </a:p>
+          <a:p>
+            <a:pPr lvl="1">
+              <a:spcBef>
+                <a:spcPts val="200"/>
+              </a:spcBef>
+            </a:pPr>
+            <a:r>
+              <a:rPr lang="en-US" sz="800" b="1" dirty="0"/>
+              <a:t>C024:</a:t>
+            </a:r>
+            <a:r>
+              <a:rPr lang="en-US" sz="800" dirty="0"/>
+              <a:t> My (Delivery Time, Food Quality, Overall Experience) vs. GT (Delivery Time, Food Quality, Overall Experience) - Match</a:t>
+            </a:r>
+          </a:p>
+          <a:p>
+            <a:pPr lvl="1">
+              <a:spcBef>
+                <a:spcPts val="200"/>
+              </a:spcBef>
+            </a:pPr>
+            <a:r>
+              <a:rPr lang="en-US" sz="800" b="1" dirty="0"/>
+              <a:t>C026:</a:t>
+            </a:r>
+            <a:r>
+              <a:rPr lang="en-US" sz="800" dirty="0"/>
+              <a:t> My (Delivery Time, Packaging, Food Quality, Overall Experience) vs. GT (Delivery Time, Packaging, Overall Experience) - 1 difference (My output has an extra "Food Quality" tag)</a:t>
+            </a:r>
+          </a:p>
+          <a:p>
+            <a:pPr lvl="1">
+              <a:spcBef>
+                <a:spcPts val="200"/>
+              </a:spcBef>
+            </a:pPr>
+            <a:r>
+              <a:rPr lang="en-US" sz="800" b="1" dirty="0"/>
+              <a:t>C027:</a:t>
+            </a:r>
+            <a:r>
+              <a:rPr lang="en-US" sz="800" dirty="0"/>
+              <a:t> My (Delivery Time, Overall Experience) vs. GT (Overall Experience) - 1 difference (My output has an extra "Delivery Time" tag)</a:t>
+            </a:r>
+          </a:p>
+          <a:p>
+            <a:pPr lvl="1">
+              <a:spcBef>
+                <a:spcPts val="200"/>
+              </a:spcBef>
+            </a:pPr>
+            <a:r>
+              <a:rPr lang="en-US" sz="800" b="1" dirty="0"/>
+              <a:t>C031:</a:t>
+            </a:r>
+            <a:r>
+              <a:rPr lang="en-US" sz="800" dirty="0"/>
+              <a:t> My (Delivery Time, Food Quality, Overall Experience) vs. GT (Food Quality, Overall Experience) - 1 difference (My output has an extra "Delivery Time" tag)</a:t>
+            </a:r>
+          </a:p>
+          <a:p>
+            <a:pPr lvl="1">
+              <a:spcBef>
+                <a:spcPts val="200"/>
+              </a:spcBef>
+            </a:pPr>
+            <a:r>
+              <a:rPr lang="en-US" sz="800" b="1" dirty="0"/>
+              <a:t>C033:</a:t>
+            </a:r>
+            <a:r>
+              <a:rPr lang="en-US" sz="800" dirty="0"/>
+              <a:t> My (Delivery Time, Food Quality, Overall Experience) vs. GT (Food Quality, Overall Experience) - 1 difference (My output has an extra "Delivery Time" tag)</a:t>
+            </a:r>
+          </a:p>
+          <a:p>
+            <a:pPr lvl="1">
+              <a:spcBef>
+                <a:spcPts val="200"/>
+              </a:spcBef>
+            </a:pPr>
+            <a:r>
+              <a:rPr lang="en-US" sz="800" b="1" dirty="0"/>
+              <a:t>C036:</a:t>
+            </a:r>
+            <a:r>
+              <a:rPr lang="en-US" sz="800" dirty="0"/>
+              <a:t> My (Delivery Time, Food Quality, Overall Experience) vs. GT (Delivery Time, Food Quality) - 1 difference (My output has an extra "Overall Experience" tag)</a:t>
+            </a:r>
+          </a:p>
+          <a:p>
+            <a:pPr marL="603250" lvl="1" indent="0">
+              <a:spcBef>
+                <a:spcPts val="200"/>
+              </a:spcBef>
+              <a:buNone/>
+            </a:pPr>
+            <a:r>
+              <a:rPr lang="en-US" sz="1000" b="1" dirty="0"/>
+              <a:t>Total Tags Differences: 10</a:t>
+            </a:r>
+          </a:p>
+          <a:p>
+            <a:pPr marL="133350" indent="0">
+              <a:spcBef>
+                <a:spcPts val="400"/>
+              </a:spcBef>
+              <a:buNone/>
+            </a:pPr>
+            <a:r>
+              <a:rPr lang="en-US" sz="1000" b="1" dirty="0"/>
+              <a:t>3. Total Rows with at least one difference (Category or Tags):</a:t>
+            </a:r>
+            <a:r>
+              <a:rPr lang="en-US" sz="1000" dirty="0"/>
+              <a:t> </a:t>
+            </a:r>
+            <a:r>
+              <a:rPr lang="en-US" sz="1000" b="1" dirty="0"/>
+              <a:t>8</a:t>
+            </a:r>
+            <a:r>
+              <a:rPr lang="en-US" sz="1000" dirty="0"/>
+              <a:t> out of </a:t>
+            </a:r>
+            <a:r>
+              <a:rPr lang="en-US" sz="1000" b="1" dirty="0"/>
+              <a:t>36</a:t>
+            </a:r>
+            <a:r>
+              <a:rPr lang="en-US" sz="1000" dirty="0"/>
+              <a:t> rows.</a:t>
+            </a:r>
+          </a:p>
+        </p:txBody>
+      </p:sp>
+    </p:spTree>
+    <p:extLst>
+      <p:ext uri="{BB962C8B-B14F-4D97-AF65-F5344CB8AC3E}">
+        <p14:creationId xmlns:p14="http://schemas.microsoft.com/office/powerpoint/2010/main" val="3739471643"/>
+      </p:ext>
+    </p:extLst>
+  </p:cSld>
+  <p:clrMapOvr>
+    <a:masterClrMapping/>
+  </p:clrMapOvr>
+</p:sld>
+</file>
+
+<file path=ppt/slides/slide45.xml><?xml version="1.0" encoding="utf-8"?>
+<p:sld xmlns:a="http://schemas.openxmlformats.org/drawingml/2006/main" xmlns:r="http://schemas.openxmlformats.org/officeDocument/2006/relationships" xmlns:p="http://schemas.openxmlformats.org/presentationml/2006/main">
+  <p:cSld>
+    <p:spTree>
+      <p:nvGrpSpPr>
+        <p:cNvPr id="1" name="Shape 174">
+          <a:extLst>
+            <a:ext uri="{FF2B5EF4-FFF2-40B4-BE49-F238E27FC236}">
+              <a16:creationId xmlns:a16="http://schemas.microsoft.com/office/drawing/2014/main" id="{E276F895-EEB2-7CB6-7C03-2B2553575A21}"/>
+            </a:ext>
+          </a:extLst>
+        </p:cNvPr>
+        <p:cNvGrpSpPr/>
+        <p:nvPr/>
+      </p:nvGrpSpPr>
+      <p:grpSpPr>
+        <a:xfrm>
+          <a:off x="0" y="0"/>
+          <a:ext cx="0" cy="0"/>
+          <a:chOff x="0" y="0"/>
+          <a:chExt cx="0" cy="0"/>
+        </a:xfrm>
+      </p:grpSpPr>
+      <p:sp>
+        <p:nvSpPr>
+          <p:cNvPr id="175" name="Google Shape;175;p39">
+            <a:extLst>
+              <a:ext uri="{FF2B5EF4-FFF2-40B4-BE49-F238E27FC236}">
+                <a16:creationId xmlns:a16="http://schemas.microsoft.com/office/drawing/2014/main" id="{276E7E76-5F8D-E13C-EF72-4B97146C9E33}"/>
+              </a:ext>
+            </a:extLst>
+          </p:cNvPr>
+          <p:cNvSpPr txBox="1">
+            <a:spLocks noGrp="1"/>
+          </p:cNvSpPr>
+          <p:nvPr>
+            <p:ph type="title"/>
+          </p:nvPr>
+        </p:nvSpPr>
+        <p:spPr>
+          <a:xfrm>
+            <a:off x="202550" y="48646"/>
+            <a:ext cx="8520600" cy="572700"/>
+          </a:xfrm>
+          <a:prstGeom prst="rect">
+            <a:avLst/>
+          </a:prstGeom>
+          <a:noFill/>
+          <a:ln>
+            <a:noFill/>
+          </a:ln>
+        </p:spPr>
+        <p:txBody>
+          <a:bodyPr spcFirstLastPara="1" wrap="square" lIns="91425" tIns="91425" rIns="91425" bIns="91425" anchor="t" anchorCtr="0">
+            <a:noAutofit/>
+          </a:bodyPr>
+          <a:lstStyle/>
+          <a:p>
+            <a:pPr lvl="0"/>
+            <a:r>
+              <a:rPr lang="en" dirty="0">
+                <a:solidFill>
+                  <a:schemeClr val="lt2"/>
+                </a:solidFill>
+                <a:latin typeface="Century Gothic"/>
+                <a:ea typeface="Century Gothic"/>
+                <a:cs typeface="Century Gothic"/>
+                <a:sym typeface="Century Gothic"/>
+              </a:rPr>
+              <a:t>Original Zero-Shot CoT Prompt Results</a:t>
+            </a:r>
+            <a:endParaRPr dirty="0">
+              <a:solidFill>
+                <a:schemeClr val="lt2"/>
+              </a:solidFill>
+              <a:latin typeface="Century Gothic"/>
+              <a:ea typeface="Century Gothic"/>
+              <a:cs typeface="Century Gothic"/>
+              <a:sym typeface="Century Gothic"/>
+            </a:endParaRPr>
+          </a:p>
+        </p:txBody>
+      </p:sp>
+      <p:sp>
+        <p:nvSpPr>
+          <p:cNvPr id="176" name="Google Shape;176;p39">
+            <a:extLst>
+              <a:ext uri="{FF2B5EF4-FFF2-40B4-BE49-F238E27FC236}">
+                <a16:creationId xmlns:a16="http://schemas.microsoft.com/office/drawing/2014/main" id="{B73D8B36-69E5-1A0B-A3DA-6E693DDCCE30}"/>
+              </a:ext>
+            </a:extLst>
+          </p:cNvPr>
+          <p:cNvSpPr txBox="1">
+            <a:spLocks noGrp="1"/>
+          </p:cNvSpPr>
+          <p:nvPr>
+            <p:ph type="body" idx="1"/>
+          </p:nvPr>
+        </p:nvSpPr>
+        <p:spPr>
+          <a:xfrm>
+            <a:off x="202550" y="621346"/>
+            <a:ext cx="8520600" cy="4205036"/>
+          </a:xfrm>
+          <a:prstGeom prst="rect">
+            <a:avLst/>
+          </a:prstGeom>
+          <a:noFill/>
+          <a:ln>
+            <a:noFill/>
+          </a:ln>
+        </p:spPr>
+        <p:txBody>
+          <a:bodyPr spcFirstLastPara="1" wrap="square" lIns="91425" tIns="91425" rIns="91425" bIns="91425" anchor="t" anchorCtr="0">
+            <a:noAutofit/>
+          </a:bodyPr>
+          <a:lstStyle/>
+          <a:p>
+            <a:pPr marL="133350" indent="0">
+              <a:buNone/>
+            </a:pPr>
+            <a:r>
+              <a:rPr lang="en-US" sz="1800" b="1" dirty="0"/>
+              <a:t>Conclusion:</a:t>
+            </a:r>
+          </a:p>
+          <a:p>
+            <a:pPr marL="133350" indent="0">
+              <a:buNone/>
+            </a:pPr>
+            <a:endParaRPr lang="en-US" sz="1800" dirty="0"/>
+          </a:p>
+          <a:p>
+            <a:r>
+              <a:rPr lang="en-US" sz="1200" b="1" dirty="0" err="1"/>
+              <a:t>CoT</a:t>
+            </a:r>
+            <a:r>
+              <a:rPr lang="en-US" sz="1200" b="1" dirty="0"/>
+              <a:t> prompt with the original, </a:t>
+            </a:r>
+            <a:r>
+              <a:rPr lang="en-US" sz="1200" dirty="0"/>
+              <a:t>performed identically at temperatures = (0, 0.2, and 1).</a:t>
+            </a:r>
+          </a:p>
+          <a:p>
+            <a:r>
+              <a:rPr lang="en-US" sz="1200" b="1" dirty="0"/>
+              <a:t>Category alignment: 0 </a:t>
+            </a:r>
+            <a:r>
+              <a:rPr lang="en-US" sz="1200" dirty="0"/>
+              <a:t>discrepancies</a:t>
+            </a:r>
+            <a:r>
+              <a:rPr lang="en-US" sz="1200" b="1" dirty="0"/>
+              <a:t>.</a:t>
+            </a:r>
+            <a:endParaRPr lang="en-US" sz="1200" dirty="0"/>
+          </a:p>
+          <a:p>
+            <a:r>
+              <a:rPr lang="en-US" sz="1200" b="1" dirty="0"/>
+              <a:t>Tag alignment: 10 </a:t>
+            </a:r>
+            <a:r>
+              <a:rPr lang="en-US" sz="1200" dirty="0"/>
+              <a:t>discrepancies</a:t>
+            </a:r>
+            <a:r>
+              <a:rPr lang="en-US" sz="1200" b="1" dirty="0"/>
+              <a:t>.</a:t>
+            </a:r>
+            <a:endParaRPr lang="en-US" sz="1200" dirty="0"/>
+          </a:p>
+          <a:p>
+            <a:r>
+              <a:rPr lang="en-US" sz="1200" b="1" dirty="0"/>
+              <a:t>Total rows with differences: 8.</a:t>
+            </a:r>
+          </a:p>
+          <a:p>
+            <a:r>
+              <a:rPr lang="en-US" sz="1200" dirty="0"/>
+              <a:t>The 5 custom examples are highly effective in teaching the model the interpretation for </a:t>
+            </a:r>
+            <a:r>
+              <a:rPr lang="en-US" sz="1200" b="1" dirty="0"/>
+              <a:t>Category </a:t>
+            </a:r>
+            <a:r>
+              <a:rPr lang="en-US" sz="1200" dirty="0"/>
+              <a:t>classification, achieving perfect alignment.   This consistent performance across various temperatures for the Few-Shot prompt (without examples) strongly confirms that the model's interpretation of these specific, stricter textual guidelines is the sole determinant of its output in this scenario. The </a:t>
+            </a:r>
+            <a:r>
+              <a:rPr lang="en-US" sz="1200" b="1" dirty="0"/>
+              <a:t>Tag </a:t>
+            </a:r>
+            <a:r>
+              <a:rPr lang="en-US" sz="1200" dirty="0"/>
+              <a:t>discrepancies are entirely rooted in the prompt's instructions themselves, not in any randomness or variability controlled by temperature.</a:t>
+            </a:r>
+          </a:p>
+          <a:p>
+            <a:r>
+              <a:rPr lang="en-US" sz="1200" dirty="0"/>
+              <a:t>This </a:t>
+            </a:r>
+            <a:r>
+              <a:rPr lang="en-US" sz="1200" dirty="0" err="1"/>
+              <a:t>CoT</a:t>
+            </a:r>
+            <a:r>
+              <a:rPr lang="en-US" sz="1200"/>
+              <a:t> has </a:t>
+            </a:r>
+            <a:r>
+              <a:rPr lang="en-US" sz="1200" dirty="0"/>
+              <a:t>identical results to the </a:t>
+            </a:r>
+            <a:r>
+              <a:rPr lang="en-US" sz="1200" b="1" dirty="0"/>
+              <a:t>Original Few-Shot Prompt</a:t>
+            </a:r>
+          </a:p>
+          <a:p>
+            <a:pPr marL="133350" indent="0">
+              <a:buNone/>
+            </a:pPr>
+            <a:endParaRPr lang="en-US" sz="1000" b="1" dirty="0"/>
+          </a:p>
+        </p:txBody>
+      </p:sp>
+    </p:spTree>
+    <p:extLst>
+      <p:ext uri="{BB962C8B-B14F-4D97-AF65-F5344CB8AC3E}">
+        <p14:creationId xmlns:p14="http://schemas.microsoft.com/office/powerpoint/2010/main" val="94482672"/>
+      </p:ext>
+    </p:extLst>
+  </p:cSld>
+  <p:clrMapOvr>
+    <a:masterClrMapping/>
+  </p:clrMapOvr>
+</p:sld>
+</file>
+
+<file path=ppt/slides/slide46.xml><?xml version="1.0" encoding="utf-8"?>
+<p:sld xmlns:a="http://schemas.openxmlformats.org/drawingml/2006/main" xmlns:r="http://schemas.openxmlformats.org/officeDocument/2006/relationships" xmlns:p="http://schemas.openxmlformats.org/presentationml/2006/main">
+  <p:cSld>
+    <p:spTree>
+      <p:nvGrpSpPr>
+        <p:cNvPr id="1" name="Shape 174">
+          <a:extLst>
+            <a:ext uri="{FF2B5EF4-FFF2-40B4-BE49-F238E27FC236}">
+              <a16:creationId xmlns:a16="http://schemas.microsoft.com/office/drawing/2014/main" id="{C9C0F1AC-F093-8D6B-BE5A-918857D08DBB}"/>
+            </a:ext>
+          </a:extLst>
+        </p:cNvPr>
+        <p:cNvGrpSpPr/>
+        <p:nvPr/>
+      </p:nvGrpSpPr>
+      <p:grpSpPr>
+        <a:xfrm>
+          <a:off x="0" y="0"/>
+          <a:ext cx="0" cy="0"/>
+          <a:chOff x="0" y="0"/>
+          <a:chExt cx="0" cy="0"/>
+        </a:xfrm>
+      </p:grpSpPr>
+      <p:sp>
+        <p:nvSpPr>
+          <p:cNvPr id="175" name="Google Shape;175;p39">
+            <a:extLst>
+              <a:ext uri="{FF2B5EF4-FFF2-40B4-BE49-F238E27FC236}">
+                <a16:creationId xmlns:a16="http://schemas.microsoft.com/office/drawing/2014/main" id="{D69C421C-0FDC-4FD6-5F40-677AE2E48627}"/>
+              </a:ext>
+            </a:extLst>
+          </p:cNvPr>
+          <p:cNvSpPr txBox="1">
+            <a:spLocks noGrp="1"/>
+          </p:cNvSpPr>
+          <p:nvPr>
+            <p:ph type="title"/>
+          </p:nvPr>
+        </p:nvSpPr>
+        <p:spPr>
+          <a:xfrm>
+            <a:off x="202550" y="69272"/>
+            <a:ext cx="8520600" cy="572700"/>
+          </a:xfrm>
+          <a:prstGeom prst="rect">
+            <a:avLst/>
+          </a:prstGeom>
+          <a:noFill/>
+          <a:ln>
+            <a:noFill/>
+          </a:ln>
+        </p:spPr>
+        <p:txBody>
+          <a:bodyPr spcFirstLastPara="1" wrap="square" lIns="91425" tIns="91425" rIns="91425" bIns="91425" anchor="t" anchorCtr="0">
+            <a:noAutofit/>
+          </a:bodyPr>
+          <a:lstStyle/>
+          <a:p>
+            <a:pPr lvl="0"/>
+            <a:r>
+              <a:rPr lang="en" dirty="0">
+                <a:solidFill>
+                  <a:schemeClr val="lt2"/>
+                </a:solidFill>
+                <a:latin typeface="Century Gothic"/>
+                <a:ea typeface="Century Gothic"/>
+                <a:cs typeface="Century Gothic"/>
+                <a:sym typeface="Century Gothic"/>
+              </a:rPr>
+              <a:t>Original Zero-Shot CoT Prompt Results</a:t>
+            </a:r>
+            <a:endParaRPr dirty="0">
+              <a:solidFill>
+                <a:schemeClr val="lt2"/>
+              </a:solidFill>
+              <a:latin typeface="Century Gothic"/>
+              <a:ea typeface="Century Gothic"/>
+              <a:cs typeface="Century Gothic"/>
+              <a:sym typeface="Century Gothic"/>
+            </a:endParaRPr>
+          </a:p>
+        </p:txBody>
+      </p:sp>
+      <p:sp>
+        <p:nvSpPr>
+          <p:cNvPr id="3" name="Text Placeholder 2">
+            <a:extLst>
+              <a:ext uri="{FF2B5EF4-FFF2-40B4-BE49-F238E27FC236}">
+                <a16:creationId xmlns:a16="http://schemas.microsoft.com/office/drawing/2014/main" id="{36D0069D-3667-8E4E-30CA-C626C6E01981}"/>
+              </a:ext>
+            </a:extLst>
+          </p:cNvPr>
+          <p:cNvSpPr>
+            <a:spLocks noGrp="1"/>
+          </p:cNvSpPr>
+          <p:nvPr>
+            <p:ph type="body" idx="1"/>
+          </p:nvPr>
+        </p:nvSpPr>
+        <p:spPr>
+          <a:xfrm>
+            <a:off x="202550" y="4161080"/>
+            <a:ext cx="8629800" cy="572700"/>
+          </a:xfrm>
+        </p:spPr>
+        <p:txBody>
+          <a:bodyPr/>
+          <a:lstStyle/>
+          <a:p>
+            <a:r>
+              <a:rPr lang="en-US" dirty="0"/>
+              <a:t>Plot illustrating distribution of </a:t>
+            </a:r>
+            <a:r>
+              <a:rPr lang="en-US" b="1" dirty="0"/>
+              <a:t>Categories</a:t>
+            </a:r>
+          </a:p>
+        </p:txBody>
+      </p:sp>
+      <p:pic>
+        <p:nvPicPr>
+          <p:cNvPr id="7" name="Picture 6">
+            <a:extLst>
+              <a:ext uri="{FF2B5EF4-FFF2-40B4-BE49-F238E27FC236}">
+                <a16:creationId xmlns:a16="http://schemas.microsoft.com/office/drawing/2014/main" id="{C17775DE-034F-7DF7-FBAD-7F417CCEE150}"/>
+              </a:ext>
+            </a:extLst>
+          </p:cNvPr>
+          <p:cNvPicPr>
+            <a:picLocks noChangeAspect="1"/>
+          </p:cNvPicPr>
+          <p:nvPr/>
+        </p:nvPicPr>
+        <p:blipFill>
+          <a:blip r:embed="rId3"/>
+          <a:stretch>
+            <a:fillRect/>
+          </a:stretch>
+        </p:blipFill>
+        <p:spPr>
+          <a:xfrm>
+            <a:off x="1916093" y="849084"/>
+            <a:ext cx="4017515" cy="3246808"/>
+          </a:xfrm>
+          <a:prstGeom prst="rect">
+            <a:avLst/>
+          </a:prstGeom>
+        </p:spPr>
+      </p:pic>
+    </p:spTree>
+    <p:extLst>
+      <p:ext uri="{BB962C8B-B14F-4D97-AF65-F5344CB8AC3E}">
+        <p14:creationId xmlns:p14="http://schemas.microsoft.com/office/powerpoint/2010/main" val="4093668933"/>
+      </p:ext>
+    </p:extLst>
+  </p:cSld>
+  <p:clrMapOvr>
+    <a:masterClrMapping/>
+  </p:clrMapOvr>
+</p:sld>
+</file>
+
+<file path=ppt/slides/slide47.xml><?xml version="1.0" encoding="utf-8"?>
+<p:sld xmlns:a="http://schemas.openxmlformats.org/drawingml/2006/main" xmlns:r="http://schemas.openxmlformats.org/officeDocument/2006/relationships" xmlns:p="http://schemas.openxmlformats.org/presentationml/2006/main">
+  <p:cSld>
+    <p:spTree>
+      <p:nvGrpSpPr>
+        <p:cNvPr id="1" name="Shape 174">
+          <a:extLst>
+            <a:ext uri="{FF2B5EF4-FFF2-40B4-BE49-F238E27FC236}">
+              <a16:creationId xmlns:a16="http://schemas.microsoft.com/office/drawing/2014/main" id="{2C3B5869-B701-0C7F-BAA9-BECB874EC10A}"/>
+            </a:ext>
+          </a:extLst>
+        </p:cNvPr>
+        <p:cNvGrpSpPr/>
+        <p:nvPr/>
+      </p:nvGrpSpPr>
+      <p:grpSpPr>
+        <a:xfrm>
+          <a:off x="0" y="0"/>
+          <a:ext cx="0" cy="0"/>
+          <a:chOff x="0" y="0"/>
+          <a:chExt cx="0" cy="0"/>
+        </a:xfrm>
+      </p:grpSpPr>
+      <p:sp>
+        <p:nvSpPr>
+          <p:cNvPr id="175" name="Google Shape;175;p39">
+            <a:extLst>
+              <a:ext uri="{FF2B5EF4-FFF2-40B4-BE49-F238E27FC236}">
+                <a16:creationId xmlns:a16="http://schemas.microsoft.com/office/drawing/2014/main" id="{E9B52EDB-47FC-7AA9-D6A6-A3A7A9573B4D}"/>
+              </a:ext>
+            </a:extLst>
+          </p:cNvPr>
+          <p:cNvSpPr txBox="1">
+            <a:spLocks noGrp="1"/>
+          </p:cNvSpPr>
+          <p:nvPr>
+            <p:ph type="title"/>
+          </p:nvPr>
+        </p:nvSpPr>
+        <p:spPr>
+          <a:xfrm>
+            <a:off x="202550" y="22283"/>
+            <a:ext cx="8520600" cy="572700"/>
+          </a:xfrm>
+          <a:prstGeom prst="rect">
+            <a:avLst/>
+          </a:prstGeom>
+          <a:noFill/>
+          <a:ln>
+            <a:noFill/>
+          </a:ln>
+        </p:spPr>
+        <p:txBody>
+          <a:bodyPr spcFirstLastPara="1" wrap="square" lIns="91425" tIns="91425" rIns="91425" bIns="91425" anchor="t" anchorCtr="0">
+            <a:noAutofit/>
+          </a:bodyPr>
+          <a:lstStyle/>
+          <a:p>
+            <a:pPr lvl="0"/>
+            <a:r>
+              <a:rPr lang="en" dirty="0">
+                <a:solidFill>
+                  <a:schemeClr val="lt2"/>
+                </a:solidFill>
+                <a:latin typeface="Century Gothic"/>
+                <a:ea typeface="Century Gothic"/>
+                <a:cs typeface="Century Gothic"/>
+                <a:sym typeface="Century Gothic"/>
+              </a:rPr>
+              <a:t>Original Zero-Shot CoT Prompt Results</a:t>
+            </a:r>
+            <a:endParaRPr dirty="0">
+              <a:solidFill>
+                <a:schemeClr val="lt2"/>
+              </a:solidFill>
+              <a:latin typeface="Century Gothic"/>
+              <a:ea typeface="Century Gothic"/>
+              <a:cs typeface="Century Gothic"/>
+              <a:sym typeface="Century Gothic"/>
+            </a:endParaRPr>
+          </a:p>
+        </p:txBody>
+      </p:sp>
+      <p:sp>
+        <p:nvSpPr>
+          <p:cNvPr id="3" name="Text Placeholder 2">
+            <a:extLst>
+              <a:ext uri="{FF2B5EF4-FFF2-40B4-BE49-F238E27FC236}">
+                <a16:creationId xmlns:a16="http://schemas.microsoft.com/office/drawing/2014/main" id="{466AB79F-3540-0213-58EC-90334798053B}"/>
+              </a:ext>
+            </a:extLst>
+          </p:cNvPr>
+          <p:cNvSpPr>
+            <a:spLocks noGrp="1"/>
+          </p:cNvSpPr>
+          <p:nvPr>
+            <p:ph type="body" idx="1"/>
+          </p:nvPr>
+        </p:nvSpPr>
+        <p:spPr>
+          <a:xfrm>
+            <a:off x="202550" y="4403388"/>
+            <a:ext cx="8629800" cy="572700"/>
+          </a:xfrm>
+        </p:spPr>
+        <p:txBody>
+          <a:bodyPr/>
+          <a:lstStyle/>
+          <a:p>
+            <a:r>
+              <a:rPr lang="en-US" dirty="0"/>
+              <a:t>Plot illustrating distribution of </a:t>
+            </a:r>
+            <a:r>
+              <a:rPr lang="en-US" b="1" dirty="0"/>
+              <a:t>Tags</a:t>
+            </a:r>
+          </a:p>
+        </p:txBody>
+      </p:sp>
+      <p:pic>
+        <p:nvPicPr>
+          <p:cNvPr id="4" name="Picture 3">
+            <a:extLst>
+              <a:ext uri="{FF2B5EF4-FFF2-40B4-BE49-F238E27FC236}">
+                <a16:creationId xmlns:a16="http://schemas.microsoft.com/office/drawing/2014/main" id="{8B5D37A3-DC12-4A24-B4C5-8F9976E8CC58}"/>
+              </a:ext>
+            </a:extLst>
+          </p:cNvPr>
+          <p:cNvPicPr>
+            <a:picLocks noChangeAspect="1"/>
+          </p:cNvPicPr>
+          <p:nvPr/>
+        </p:nvPicPr>
+        <p:blipFill>
+          <a:blip r:embed="rId3"/>
+          <a:stretch>
+            <a:fillRect/>
+          </a:stretch>
+        </p:blipFill>
+        <p:spPr>
+          <a:xfrm>
+            <a:off x="925462" y="733486"/>
+            <a:ext cx="6162857" cy="3676528"/>
+          </a:xfrm>
+          <a:prstGeom prst="rect">
+            <a:avLst/>
+          </a:prstGeom>
+        </p:spPr>
+      </p:pic>
+    </p:spTree>
+    <p:extLst>
+      <p:ext uri="{BB962C8B-B14F-4D97-AF65-F5344CB8AC3E}">
+        <p14:creationId xmlns:p14="http://schemas.microsoft.com/office/powerpoint/2010/main" val="2923479183"/>
+      </p:ext>
+    </p:extLst>
+  </p:cSld>
+  <p:clrMapOvr>
+    <a:masterClrMapping/>
+  </p:clrMapOvr>
+</p:sld>
+</file>
+
+<file path=ppt/slides/slide48.xml><?xml version="1.0" encoding="utf-8"?>
 <p:sld xmlns:a="http://schemas.openxmlformats.org/drawingml/2006/main" xmlns:r="http://schemas.openxmlformats.org/officeDocument/2006/relationships" xmlns:p="http://schemas.openxmlformats.org/presentationml/2006/main">
   <p:cSld>
     <p:spTree>
@@ -39476,7 +41504,7 @@
 </p:sld>
 </file>
 
-<file path=ppt/slides/slide44.xml><?xml version="1.0" encoding="utf-8"?>
+<file path=ppt/slides/slide49.xml><?xml version="1.0" encoding="utf-8"?>
 <p:sld xmlns:a="http://schemas.openxmlformats.org/drawingml/2006/main" xmlns:r="http://schemas.openxmlformats.org/officeDocument/2006/relationships" xmlns:p="http://schemas.openxmlformats.org/presentationml/2006/main">
   <p:cSld>
     <p:spTree>
@@ -39763,1889 +41791,6 @@
     <p:extLst>
       <p:ext uri="{BB962C8B-B14F-4D97-AF65-F5344CB8AC3E}">
         <p14:creationId xmlns:p14="http://schemas.microsoft.com/office/powerpoint/2010/main" val="865824313"/>
-      </p:ext>
-    </p:extLst>
-  </p:cSld>
-  <p:clrMapOvr>
-    <a:masterClrMapping/>
-  </p:clrMapOvr>
-</p:sld>
-</file>
-
-<file path=ppt/slides/slide45.xml><?xml version="1.0" encoding="utf-8"?>
-<p:sld xmlns:a="http://schemas.openxmlformats.org/drawingml/2006/main" xmlns:r="http://schemas.openxmlformats.org/officeDocument/2006/relationships" xmlns:p="http://schemas.openxmlformats.org/presentationml/2006/main">
-  <p:cSld>
-    <p:spTree>
-      <p:nvGrpSpPr>
-        <p:cNvPr id="1" name="Shape 174">
-          <a:extLst>
-            <a:ext uri="{FF2B5EF4-FFF2-40B4-BE49-F238E27FC236}">
-              <a16:creationId xmlns:a16="http://schemas.microsoft.com/office/drawing/2014/main" id="{DD1CA60B-D472-A2EA-ADC3-0FD0D22DF708}"/>
-            </a:ext>
-          </a:extLst>
-        </p:cNvPr>
-        <p:cNvGrpSpPr/>
-        <p:nvPr/>
-      </p:nvGrpSpPr>
-      <p:grpSpPr>
-        <a:xfrm>
-          <a:off x="0" y="0"/>
-          <a:ext cx="0" cy="0"/>
-          <a:chOff x="0" y="0"/>
-          <a:chExt cx="0" cy="0"/>
-        </a:xfrm>
-      </p:grpSpPr>
-      <p:sp>
-        <p:nvSpPr>
-          <p:cNvPr id="175" name="Google Shape;175;p39">
-            <a:extLst>
-              <a:ext uri="{FF2B5EF4-FFF2-40B4-BE49-F238E27FC236}">
-                <a16:creationId xmlns:a16="http://schemas.microsoft.com/office/drawing/2014/main" id="{5F1F36B5-19E5-CA80-5A7F-72103099A795}"/>
-              </a:ext>
-            </a:extLst>
-          </p:cNvPr>
-          <p:cNvSpPr txBox="1">
-            <a:spLocks noGrp="1"/>
-          </p:cNvSpPr>
-          <p:nvPr>
-            <p:ph type="title"/>
-          </p:nvPr>
-        </p:nvSpPr>
-        <p:spPr>
-          <a:xfrm>
-            <a:off x="202550" y="289279"/>
-            <a:ext cx="8520600" cy="572700"/>
-          </a:xfrm>
-          <a:prstGeom prst="rect">
-            <a:avLst/>
-          </a:prstGeom>
-          <a:noFill/>
-          <a:ln>
-            <a:noFill/>
-          </a:ln>
-        </p:spPr>
-        <p:txBody>
-          <a:bodyPr spcFirstLastPara="1" wrap="square" lIns="91425" tIns="91425" rIns="91425" bIns="91425" anchor="t" anchorCtr="0">
-            <a:noAutofit/>
-          </a:bodyPr>
-          <a:lstStyle/>
-          <a:p>
-            <a:pPr marL="0" lvl="0" indent="0" algn="l" rtl="0">
-              <a:lnSpc>
-                <a:spcPct val="100000"/>
-              </a:lnSpc>
-              <a:spcBef>
-                <a:spcPts val="0"/>
-              </a:spcBef>
-              <a:spcAft>
-                <a:spcPts val="0"/>
-              </a:spcAft>
-              <a:buSzPts val="2200"/>
-              <a:buNone/>
-            </a:pPr>
-            <a:r>
-              <a:rPr lang="en" dirty="0">
-                <a:solidFill>
-                  <a:schemeClr val="lt2"/>
-                </a:solidFill>
-                <a:latin typeface="Century Gothic"/>
-                <a:ea typeface="Century Gothic"/>
-                <a:cs typeface="Century Gothic"/>
-                <a:sym typeface="Century Gothic"/>
-              </a:rPr>
-              <a:t>CoT Prompt – Few-Shot - Results</a:t>
-            </a:r>
-            <a:endParaRPr dirty="0">
-              <a:solidFill>
-                <a:schemeClr val="lt2"/>
-              </a:solidFill>
-              <a:latin typeface="Century Gothic"/>
-              <a:ea typeface="Century Gothic"/>
-              <a:cs typeface="Century Gothic"/>
-              <a:sym typeface="Century Gothic"/>
-            </a:endParaRPr>
-          </a:p>
-        </p:txBody>
-      </p:sp>
-      <p:sp>
-        <p:nvSpPr>
-          <p:cNvPr id="176" name="Google Shape;176;p39">
-            <a:extLst>
-              <a:ext uri="{FF2B5EF4-FFF2-40B4-BE49-F238E27FC236}">
-                <a16:creationId xmlns:a16="http://schemas.microsoft.com/office/drawing/2014/main" id="{81C781D4-0044-3464-B3D3-2ED6A7531260}"/>
-              </a:ext>
-            </a:extLst>
-          </p:cNvPr>
-          <p:cNvSpPr txBox="1">
-            <a:spLocks noGrp="1"/>
-          </p:cNvSpPr>
-          <p:nvPr>
-            <p:ph type="body" idx="1"/>
-          </p:nvPr>
-        </p:nvSpPr>
-        <p:spPr>
-          <a:xfrm>
-            <a:off x="202550" y="861975"/>
-            <a:ext cx="8629800" cy="3706800"/>
-          </a:xfrm>
-          <a:prstGeom prst="rect">
-            <a:avLst/>
-          </a:prstGeom>
-          <a:noFill/>
-          <a:ln>
-            <a:noFill/>
-          </a:ln>
-        </p:spPr>
-        <p:txBody>
-          <a:bodyPr spcFirstLastPara="1" wrap="square" lIns="91425" tIns="91425" rIns="91425" bIns="91425" anchor="t" anchorCtr="0">
-            <a:noAutofit/>
-          </a:bodyPr>
-          <a:lstStyle/>
-          <a:p>
-            <a:pPr marL="457200" lvl="0" indent="-317500" algn="l" rtl="0">
-              <a:lnSpc>
-                <a:spcPct val="115000"/>
-              </a:lnSpc>
-              <a:spcBef>
-                <a:spcPts val="0"/>
-              </a:spcBef>
-              <a:spcAft>
-                <a:spcPts val="0"/>
-              </a:spcAft>
-              <a:buClr>
-                <a:schemeClr val="dk1"/>
-              </a:buClr>
-              <a:buSzPts val="1400"/>
-              <a:buFont typeface="Century Gothic"/>
-              <a:buChar char="●"/>
-            </a:pPr>
-            <a:r>
-              <a:rPr lang="en" sz="1400" dirty="0">
-                <a:solidFill>
-                  <a:schemeClr val="dk1"/>
-                </a:solidFill>
-                <a:latin typeface="Century Gothic"/>
-                <a:ea typeface="Century Gothic"/>
-                <a:cs typeface="Century Gothic"/>
-                <a:sym typeface="Century Gothic"/>
-              </a:rPr>
-              <a:t>Please add the Prompt</a:t>
-            </a:r>
-            <a:endParaRPr sz="1400" dirty="0">
-              <a:solidFill>
-                <a:schemeClr val="dk1"/>
-              </a:solidFill>
-              <a:latin typeface="Century Gothic"/>
-              <a:ea typeface="Century Gothic"/>
-              <a:cs typeface="Century Gothic"/>
-              <a:sym typeface="Century Gothic"/>
-            </a:endParaRPr>
-          </a:p>
-          <a:p>
-            <a:pPr marL="457200" lvl="0" indent="-317500" algn="l" rtl="0">
-              <a:lnSpc>
-                <a:spcPct val="115000"/>
-              </a:lnSpc>
-              <a:spcBef>
-                <a:spcPts val="1000"/>
-              </a:spcBef>
-              <a:spcAft>
-                <a:spcPts val="0"/>
-              </a:spcAft>
-              <a:buClr>
-                <a:schemeClr val="dk1"/>
-              </a:buClr>
-              <a:buSzPts val="1400"/>
-              <a:buFont typeface="Century Gothic"/>
-              <a:buChar char="●"/>
-            </a:pPr>
-            <a:r>
-              <a:rPr lang="en" sz="1400" dirty="0">
-                <a:solidFill>
-                  <a:schemeClr val="dk1"/>
-                </a:solidFill>
-                <a:latin typeface="Century Gothic"/>
-                <a:ea typeface="Century Gothic"/>
-                <a:cs typeface="Century Gothic"/>
-                <a:sym typeface="Century Gothic"/>
-              </a:rPr>
-              <a:t>Please add the details on the structure of the Prompt</a:t>
-            </a:r>
-            <a:endParaRPr sz="1400" dirty="0">
-              <a:solidFill>
-                <a:schemeClr val="dk1"/>
-              </a:solidFill>
-              <a:latin typeface="Century Gothic"/>
-              <a:ea typeface="Century Gothic"/>
-              <a:cs typeface="Century Gothic"/>
-              <a:sym typeface="Century Gothic"/>
-            </a:endParaRPr>
-          </a:p>
-          <a:p>
-            <a:pPr marL="0" lvl="0" indent="0" algn="l" rtl="0">
-              <a:lnSpc>
-                <a:spcPct val="115000"/>
-              </a:lnSpc>
-              <a:spcBef>
-                <a:spcPts val="1000"/>
-              </a:spcBef>
-              <a:spcAft>
-                <a:spcPts val="0"/>
-              </a:spcAft>
-              <a:buSzPts val="1500"/>
-              <a:buNone/>
-            </a:pPr>
-            <a:endParaRPr sz="1400" dirty="0">
-              <a:solidFill>
-                <a:schemeClr val="dk1"/>
-              </a:solidFill>
-              <a:latin typeface="Century Gothic"/>
-              <a:ea typeface="Century Gothic"/>
-              <a:cs typeface="Century Gothic"/>
-              <a:sym typeface="Century Gothic"/>
-            </a:endParaRPr>
-          </a:p>
-          <a:p>
-            <a:pPr marL="0" lvl="0" indent="0" algn="l" rtl="0">
-              <a:lnSpc>
-                <a:spcPct val="115000"/>
-              </a:lnSpc>
-              <a:spcBef>
-                <a:spcPts val="1000"/>
-              </a:spcBef>
-              <a:spcAft>
-                <a:spcPts val="1000"/>
-              </a:spcAft>
-              <a:buSzPts val="1500"/>
-              <a:buNone/>
-            </a:pPr>
-            <a:r>
-              <a:rPr lang="en" sz="1200" b="1" i="1" dirty="0">
-                <a:solidFill>
-                  <a:schemeClr val="dk1"/>
-                </a:solidFill>
-                <a:latin typeface="Century Gothic"/>
-                <a:ea typeface="Century Gothic"/>
-                <a:cs typeface="Century Gothic"/>
-                <a:sym typeface="Century Gothic"/>
-              </a:rPr>
-              <a:t>Note</a:t>
-            </a:r>
-            <a:r>
-              <a:rPr lang="en" sz="1200" i="1" dirty="0">
-                <a:solidFill>
-                  <a:schemeClr val="dk1"/>
-                </a:solidFill>
-                <a:latin typeface="Century Gothic"/>
-                <a:ea typeface="Century Gothic"/>
-                <a:cs typeface="Century Gothic"/>
-                <a:sym typeface="Century Gothic"/>
-              </a:rPr>
-              <a:t>: You can use more than one slide if needed </a:t>
-            </a:r>
-            <a:endParaRPr sz="1200" i="1" dirty="0">
-              <a:solidFill>
-                <a:schemeClr val="dk1"/>
-              </a:solidFill>
-              <a:latin typeface="Century Gothic"/>
-              <a:ea typeface="Century Gothic"/>
-              <a:cs typeface="Century Gothic"/>
-              <a:sym typeface="Century Gothic"/>
-            </a:endParaRPr>
-          </a:p>
-        </p:txBody>
-      </p:sp>
-    </p:spTree>
-    <p:extLst>
-      <p:ext uri="{BB962C8B-B14F-4D97-AF65-F5344CB8AC3E}">
-        <p14:creationId xmlns:p14="http://schemas.microsoft.com/office/powerpoint/2010/main" val="3650395816"/>
-      </p:ext>
-    </p:extLst>
-  </p:cSld>
-  <p:clrMapOvr>
-    <a:masterClrMapping/>
-  </p:clrMapOvr>
-</p:sld>
-</file>
-
-<file path=ppt/slides/slide46.xml><?xml version="1.0" encoding="utf-8"?>
-<p:sld xmlns:a="http://schemas.openxmlformats.org/drawingml/2006/main" xmlns:r="http://schemas.openxmlformats.org/officeDocument/2006/relationships" xmlns:p="http://schemas.openxmlformats.org/presentationml/2006/main">
-  <p:cSld>
-    <p:spTree>
-      <p:nvGrpSpPr>
-        <p:cNvPr id="1" name="Shape 180"/>
-        <p:cNvGrpSpPr/>
-        <p:nvPr/>
-      </p:nvGrpSpPr>
-      <p:grpSpPr>
-        <a:xfrm>
-          <a:off x="0" y="0"/>
-          <a:ext cx="0" cy="0"/>
-          <a:chOff x="0" y="0"/>
-          <a:chExt cx="0" cy="0"/>
-        </a:xfrm>
-      </p:grpSpPr>
-      <p:sp>
-        <p:nvSpPr>
-          <p:cNvPr id="181" name="Google Shape;181;p40"/>
-          <p:cNvSpPr txBox="1">
-            <a:spLocks noGrp="1"/>
-          </p:cNvSpPr>
-          <p:nvPr>
-            <p:ph type="title"/>
-          </p:nvPr>
-        </p:nvSpPr>
-        <p:spPr>
-          <a:xfrm>
-            <a:off x="202550" y="289279"/>
-            <a:ext cx="8520600" cy="572700"/>
-          </a:xfrm>
-          <a:prstGeom prst="rect">
-            <a:avLst/>
-          </a:prstGeom>
-          <a:noFill/>
-          <a:ln>
-            <a:noFill/>
-          </a:ln>
-        </p:spPr>
-        <p:txBody>
-          <a:bodyPr spcFirstLastPara="1" wrap="square" lIns="91425" tIns="91425" rIns="91425" bIns="91425" anchor="t" anchorCtr="0">
-            <a:noAutofit/>
-          </a:bodyPr>
-          <a:lstStyle/>
-          <a:p>
-            <a:pPr marL="0" lvl="0" indent="0" algn="l" rtl="0">
-              <a:lnSpc>
-                <a:spcPct val="100000"/>
-              </a:lnSpc>
-              <a:spcBef>
-                <a:spcPts val="0"/>
-              </a:spcBef>
-              <a:spcAft>
-                <a:spcPts val="0"/>
-              </a:spcAft>
-              <a:buSzPts val="2200"/>
-              <a:buNone/>
-            </a:pPr>
-            <a:r>
-              <a:rPr lang="en" dirty="0">
-                <a:solidFill>
-                  <a:schemeClr val="lt2"/>
-                </a:solidFill>
-                <a:latin typeface="Century Gothic"/>
-                <a:ea typeface="Century Gothic"/>
-                <a:cs typeface="Century Gothic"/>
-                <a:sym typeface="Century Gothic"/>
-              </a:rPr>
-              <a:t>Ground Truth Testing Results Comparison Analysis</a:t>
-            </a:r>
-            <a:endParaRPr dirty="0">
-              <a:solidFill>
-                <a:schemeClr val="lt2"/>
-              </a:solidFill>
-              <a:latin typeface="Century Gothic"/>
-              <a:ea typeface="Century Gothic"/>
-              <a:cs typeface="Century Gothic"/>
-              <a:sym typeface="Century Gothic"/>
-            </a:endParaRPr>
-          </a:p>
-        </p:txBody>
-      </p:sp>
-      <p:sp>
-        <p:nvSpPr>
-          <p:cNvPr id="182" name="Google Shape;182;p40"/>
-          <p:cNvSpPr txBox="1">
-            <a:spLocks noGrp="1"/>
-          </p:cNvSpPr>
-          <p:nvPr>
-            <p:ph type="body" idx="1"/>
-          </p:nvPr>
-        </p:nvSpPr>
-        <p:spPr>
-          <a:xfrm>
-            <a:off x="202550" y="861975"/>
-            <a:ext cx="8629800" cy="3706800"/>
-          </a:xfrm>
-          <a:prstGeom prst="rect">
-            <a:avLst/>
-          </a:prstGeom>
-          <a:noFill/>
-          <a:ln>
-            <a:noFill/>
-          </a:ln>
-        </p:spPr>
-        <p:txBody>
-          <a:bodyPr spcFirstLastPara="1" wrap="square" lIns="91425" tIns="91425" rIns="91425" bIns="91425" anchor="t" anchorCtr="0">
-            <a:noAutofit/>
-          </a:bodyPr>
-          <a:lstStyle/>
-          <a:p>
-            <a:pPr marL="457200" lvl="0" indent="-317500" algn="l" rtl="0">
-              <a:lnSpc>
-                <a:spcPct val="115000"/>
-              </a:lnSpc>
-              <a:spcBef>
-                <a:spcPts val="0"/>
-              </a:spcBef>
-              <a:spcAft>
-                <a:spcPts val="0"/>
-              </a:spcAft>
-              <a:buClr>
-                <a:schemeClr val="dk1"/>
-              </a:buClr>
-              <a:buSzPts val="1400"/>
-              <a:buFont typeface="Century Gothic"/>
-              <a:buChar char="●"/>
-            </a:pPr>
-            <a:r>
-              <a:rPr lang="en" sz="1400">
-                <a:solidFill>
-                  <a:schemeClr val="dk1"/>
-                </a:solidFill>
-                <a:latin typeface="Century Gothic"/>
-                <a:ea typeface="Century Gothic"/>
-                <a:cs typeface="Century Gothic"/>
-                <a:sym typeface="Century Gothic"/>
-              </a:rPr>
-              <a:t>Overview of the actual output</a:t>
-            </a:r>
-            <a:endParaRPr sz="1400">
-              <a:solidFill>
-                <a:schemeClr val="dk1"/>
-              </a:solidFill>
-              <a:latin typeface="Century Gothic"/>
-              <a:ea typeface="Century Gothic"/>
-              <a:cs typeface="Century Gothic"/>
-              <a:sym typeface="Century Gothic"/>
-            </a:endParaRPr>
-          </a:p>
-          <a:p>
-            <a:pPr marL="457200" lvl="0" indent="-317500" algn="l" rtl="0">
-              <a:lnSpc>
-                <a:spcPct val="115000"/>
-              </a:lnSpc>
-              <a:spcBef>
-                <a:spcPts val="0"/>
-              </a:spcBef>
-              <a:spcAft>
-                <a:spcPts val="0"/>
-              </a:spcAft>
-              <a:buClr>
-                <a:schemeClr val="dk1"/>
-              </a:buClr>
-              <a:buSzPts val="1400"/>
-              <a:buFont typeface="Century Gothic"/>
-              <a:buChar char="●"/>
-            </a:pPr>
-            <a:r>
-              <a:rPr lang="en" sz="1400">
-                <a:solidFill>
-                  <a:schemeClr val="dk1"/>
-                </a:solidFill>
-                <a:latin typeface="Century Gothic"/>
-                <a:ea typeface="Century Gothic"/>
-                <a:cs typeface="Century Gothic"/>
-                <a:sym typeface="Century Gothic"/>
-              </a:rPr>
-              <a:t>Explain the structured fields of the output</a:t>
-            </a:r>
-            <a:endParaRPr sz="1400">
-              <a:solidFill>
-                <a:schemeClr val="dk1"/>
-              </a:solidFill>
-              <a:latin typeface="Century Gothic"/>
-              <a:ea typeface="Century Gothic"/>
-              <a:cs typeface="Century Gothic"/>
-              <a:sym typeface="Century Gothic"/>
-            </a:endParaRPr>
-          </a:p>
-          <a:p>
-            <a:pPr marL="0" lvl="0" indent="0" algn="l" rtl="0">
-              <a:lnSpc>
-                <a:spcPct val="115000"/>
-              </a:lnSpc>
-              <a:spcBef>
-                <a:spcPts val="1000"/>
-              </a:spcBef>
-              <a:spcAft>
-                <a:spcPts val="0"/>
-              </a:spcAft>
-              <a:buSzPts val="1500"/>
-              <a:buNone/>
-            </a:pPr>
-            <a:endParaRPr sz="1400">
-              <a:solidFill>
-                <a:schemeClr val="dk1"/>
-              </a:solidFill>
-              <a:latin typeface="Century Gothic"/>
-              <a:ea typeface="Century Gothic"/>
-              <a:cs typeface="Century Gothic"/>
-              <a:sym typeface="Century Gothic"/>
-            </a:endParaRPr>
-          </a:p>
-          <a:p>
-            <a:pPr marL="0" lvl="0" indent="0" algn="l" rtl="0">
-              <a:lnSpc>
-                <a:spcPct val="115000"/>
-              </a:lnSpc>
-              <a:spcBef>
-                <a:spcPts val="1000"/>
-              </a:spcBef>
-              <a:spcAft>
-                <a:spcPts val="0"/>
-              </a:spcAft>
-              <a:buSzPts val="1500"/>
-              <a:buNone/>
-            </a:pPr>
-            <a:endParaRPr sz="1400">
-              <a:solidFill>
-                <a:schemeClr val="dk1"/>
-              </a:solidFill>
-              <a:latin typeface="Century Gothic"/>
-              <a:ea typeface="Century Gothic"/>
-              <a:cs typeface="Century Gothic"/>
-              <a:sym typeface="Century Gothic"/>
-            </a:endParaRPr>
-          </a:p>
-          <a:p>
-            <a:pPr marL="0" lvl="0" indent="0" algn="l" rtl="0">
-              <a:lnSpc>
-                <a:spcPct val="115000"/>
-              </a:lnSpc>
-              <a:spcBef>
-                <a:spcPts val="1000"/>
-              </a:spcBef>
-              <a:spcAft>
-                <a:spcPts val="0"/>
-              </a:spcAft>
-              <a:buSzPts val="1500"/>
-              <a:buNone/>
-            </a:pPr>
-            <a:r>
-              <a:rPr lang="en" sz="1200" b="1" i="1">
-                <a:solidFill>
-                  <a:schemeClr val="dk1"/>
-                </a:solidFill>
-                <a:latin typeface="Century Gothic"/>
-                <a:ea typeface="Century Gothic"/>
-                <a:cs typeface="Century Gothic"/>
-                <a:sym typeface="Century Gothic"/>
-              </a:rPr>
-              <a:t>Note</a:t>
-            </a:r>
-            <a:r>
-              <a:rPr lang="en" sz="1200" i="1">
-                <a:solidFill>
-                  <a:schemeClr val="dk1"/>
-                </a:solidFill>
-                <a:latin typeface="Century Gothic"/>
-                <a:ea typeface="Century Gothic"/>
-                <a:cs typeface="Century Gothic"/>
-                <a:sym typeface="Century Gothic"/>
-              </a:rPr>
-              <a:t>: You can use more than one slide if needed </a:t>
-            </a:r>
-            <a:endParaRPr sz="1300" i="1">
-              <a:solidFill>
-                <a:schemeClr val="dk1"/>
-              </a:solidFill>
-              <a:latin typeface="Century Gothic"/>
-              <a:ea typeface="Century Gothic"/>
-              <a:cs typeface="Century Gothic"/>
-              <a:sym typeface="Century Gothic"/>
-            </a:endParaRPr>
-          </a:p>
-          <a:p>
-            <a:pPr marL="0" lvl="0" indent="0" algn="l" rtl="0">
-              <a:lnSpc>
-                <a:spcPct val="115000"/>
-              </a:lnSpc>
-              <a:spcBef>
-                <a:spcPts val="1000"/>
-              </a:spcBef>
-              <a:spcAft>
-                <a:spcPts val="1000"/>
-              </a:spcAft>
-              <a:buSzPts val="1500"/>
-              <a:buNone/>
-            </a:pPr>
-            <a:endParaRPr sz="1400">
-              <a:solidFill>
-                <a:schemeClr val="dk1"/>
-              </a:solidFill>
-              <a:latin typeface="Century Gothic"/>
-              <a:ea typeface="Century Gothic"/>
-              <a:cs typeface="Century Gothic"/>
-              <a:sym typeface="Century Gothic"/>
-            </a:endParaRPr>
-          </a:p>
-        </p:txBody>
-      </p:sp>
-      <p:sp>
-        <p:nvSpPr>
-          <p:cNvPr id="183" name="Google Shape;183;p40"/>
-          <p:cNvSpPr txBox="1"/>
-          <p:nvPr/>
-        </p:nvSpPr>
-        <p:spPr>
-          <a:xfrm>
-            <a:off x="4077350" y="4568775"/>
-            <a:ext cx="5010600" cy="369300"/>
-          </a:xfrm>
-          <a:prstGeom prst="rect">
-            <a:avLst/>
-          </a:prstGeom>
-          <a:noFill/>
-          <a:ln>
-            <a:noFill/>
-          </a:ln>
-        </p:spPr>
-        <p:txBody>
-          <a:bodyPr spcFirstLastPara="1" wrap="square" lIns="91425" tIns="91425" rIns="91425" bIns="91425" anchor="t" anchorCtr="0">
-            <a:spAutoFit/>
-          </a:bodyPr>
-          <a:lstStyle/>
-          <a:p>
-            <a:pPr marL="0" marR="0" lvl="0" indent="0" algn="r" rtl="0">
-              <a:lnSpc>
-                <a:spcPct val="100000"/>
-              </a:lnSpc>
-              <a:spcBef>
-                <a:spcPts val="0"/>
-              </a:spcBef>
-              <a:spcAft>
-                <a:spcPts val="0"/>
-              </a:spcAft>
-              <a:buClr>
-                <a:srgbClr val="000000"/>
-              </a:buClr>
-              <a:buSzPts val="1200"/>
-              <a:buFont typeface="Arial"/>
-              <a:buNone/>
-            </a:pPr>
-            <a:endParaRPr sz="1200" b="0" i="1" u="none" strike="noStrike" cap="none">
-              <a:solidFill>
-                <a:srgbClr val="666666"/>
-              </a:solidFill>
-              <a:latin typeface="Nunito"/>
-              <a:ea typeface="Nunito"/>
-              <a:cs typeface="Nunito"/>
-              <a:sym typeface="Nunito"/>
-            </a:endParaRPr>
-          </a:p>
-        </p:txBody>
-      </p:sp>
-    </p:spTree>
-  </p:cSld>
-  <p:clrMapOvr>
-    <a:masterClrMapping/>
-  </p:clrMapOvr>
-</p:sld>
-</file>
-
-<file path=ppt/slides/slide47.xml><?xml version="1.0" encoding="utf-8"?>
-<p:sld xmlns:a="http://schemas.openxmlformats.org/drawingml/2006/main" xmlns:r="http://schemas.openxmlformats.org/officeDocument/2006/relationships" xmlns:p="http://schemas.openxmlformats.org/presentationml/2006/main">
-  <p:cSld>
-    <p:spTree>
-      <p:nvGrpSpPr>
-        <p:cNvPr id="1" name="Shape 180">
-          <a:extLst>
-            <a:ext uri="{FF2B5EF4-FFF2-40B4-BE49-F238E27FC236}">
-              <a16:creationId xmlns:a16="http://schemas.microsoft.com/office/drawing/2014/main" id="{B1BDCEA3-319E-203F-0792-93DA08114F5A}"/>
-            </a:ext>
-          </a:extLst>
-        </p:cNvPr>
-        <p:cNvGrpSpPr/>
-        <p:nvPr/>
-      </p:nvGrpSpPr>
-      <p:grpSpPr>
-        <a:xfrm>
-          <a:off x="0" y="0"/>
-          <a:ext cx="0" cy="0"/>
-          <a:chOff x="0" y="0"/>
-          <a:chExt cx="0" cy="0"/>
-        </a:xfrm>
-      </p:grpSpPr>
-      <p:sp>
-        <p:nvSpPr>
-          <p:cNvPr id="181" name="Google Shape;181;p40">
-            <a:extLst>
-              <a:ext uri="{FF2B5EF4-FFF2-40B4-BE49-F238E27FC236}">
-                <a16:creationId xmlns:a16="http://schemas.microsoft.com/office/drawing/2014/main" id="{19803881-D807-14DD-D17B-DBCE722295CF}"/>
-              </a:ext>
-            </a:extLst>
-          </p:cNvPr>
-          <p:cNvSpPr txBox="1">
-            <a:spLocks noGrp="1"/>
-          </p:cNvSpPr>
-          <p:nvPr>
-            <p:ph type="title"/>
-          </p:nvPr>
-        </p:nvSpPr>
-        <p:spPr>
-          <a:xfrm>
-            <a:off x="202550" y="289279"/>
-            <a:ext cx="8520600" cy="572700"/>
-          </a:xfrm>
-          <a:prstGeom prst="rect">
-            <a:avLst/>
-          </a:prstGeom>
-          <a:noFill/>
-          <a:ln>
-            <a:noFill/>
-          </a:ln>
-        </p:spPr>
-        <p:txBody>
-          <a:bodyPr spcFirstLastPara="1" wrap="square" lIns="91425" tIns="91425" rIns="91425" bIns="91425" anchor="t" anchorCtr="0">
-            <a:noAutofit/>
-          </a:bodyPr>
-          <a:lstStyle/>
-          <a:p>
-            <a:pPr marL="0" lvl="0" indent="0" algn="l" rtl="0">
-              <a:lnSpc>
-                <a:spcPct val="100000"/>
-              </a:lnSpc>
-              <a:spcBef>
-                <a:spcPts val="0"/>
-              </a:spcBef>
-              <a:spcAft>
-                <a:spcPts val="0"/>
-              </a:spcAft>
-              <a:buSzPts val="2200"/>
-              <a:buNone/>
-            </a:pPr>
-            <a:r>
-              <a:rPr lang="en" dirty="0">
-                <a:solidFill>
-                  <a:schemeClr val="lt2"/>
-                </a:solidFill>
-                <a:latin typeface="Century Gothic"/>
-                <a:ea typeface="Century Gothic"/>
-                <a:cs typeface="Century Gothic"/>
-                <a:sym typeface="Century Gothic"/>
-              </a:rPr>
-              <a:t>Best Performing Models</a:t>
-            </a:r>
-            <a:endParaRPr dirty="0">
-              <a:solidFill>
-                <a:schemeClr val="lt2"/>
-              </a:solidFill>
-              <a:latin typeface="Century Gothic"/>
-              <a:ea typeface="Century Gothic"/>
-              <a:cs typeface="Century Gothic"/>
-              <a:sym typeface="Century Gothic"/>
-            </a:endParaRPr>
-          </a:p>
-        </p:txBody>
-      </p:sp>
-      <p:sp>
-        <p:nvSpPr>
-          <p:cNvPr id="182" name="Google Shape;182;p40">
-            <a:extLst>
-              <a:ext uri="{FF2B5EF4-FFF2-40B4-BE49-F238E27FC236}">
-                <a16:creationId xmlns:a16="http://schemas.microsoft.com/office/drawing/2014/main" id="{D6B2DC45-4894-AFCE-4A4C-729A0DE9A42D}"/>
-              </a:ext>
-            </a:extLst>
-          </p:cNvPr>
-          <p:cNvSpPr txBox="1">
-            <a:spLocks noGrp="1"/>
-          </p:cNvSpPr>
-          <p:nvPr>
-            <p:ph type="body" idx="1"/>
-          </p:nvPr>
-        </p:nvSpPr>
-        <p:spPr>
-          <a:xfrm>
-            <a:off x="202550" y="861975"/>
-            <a:ext cx="8629800" cy="3706800"/>
-          </a:xfrm>
-          <a:prstGeom prst="rect">
-            <a:avLst/>
-          </a:prstGeom>
-          <a:noFill/>
-          <a:ln>
-            <a:noFill/>
-          </a:ln>
-        </p:spPr>
-        <p:txBody>
-          <a:bodyPr spcFirstLastPara="1" wrap="square" lIns="91425" tIns="91425" rIns="91425" bIns="91425" anchor="t" anchorCtr="0">
-            <a:noAutofit/>
-          </a:bodyPr>
-          <a:lstStyle/>
-          <a:p>
-            <a:pPr marL="457200" lvl="0" indent="-317500" algn="l" rtl="0">
-              <a:lnSpc>
-                <a:spcPct val="115000"/>
-              </a:lnSpc>
-              <a:spcBef>
-                <a:spcPts val="0"/>
-              </a:spcBef>
-              <a:spcAft>
-                <a:spcPts val="0"/>
-              </a:spcAft>
-              <a:buClr>
-                <a:schemeClr val="dk1"/>
-              </a:buClr>
-              <a:buSzPts val="1400"/>
-              <a:buFont typeface="Century Gothic"/>
-              <a:buChar char="●"/>
-            </a:pPr>
-            <a:r>
-              <a:rPr lang="en" sz="1400">
-                <a:solidFill>
-                  <a:schemeClr val="dk1"/>
-                </a:solidFill>
-                <a:latin typeface="Century Gothic"/>
-                <a:ea typeface="Century Gothic"/>
-                <a:cs typeface="Century Gothic"/>
-                <a:sym typeface="Century Gothic"/>
-              </a:rPr>
-              <a:t>Overview of the actual output</a:t>
-            </a:r>
-            <a:endParaRPr sz="1400">
-              <a:solidFill>
-                <a:schemeClr val="dk1"/>
-              </a:solidFill>
-              <a:latin typeface="Century Gothic"/>
-              <a:ea typeface="Century Gothic"/>
-              <a:cs typeface="Century Gothic"/>
-              <a:sym typeface="Century Gothic"/>
-            </a:endParaRPr>
-          </a:p>
-          <a:p>
-            <a:pPr marL="457200" lvl="0" indent="-317500" algn="l" rtl="0">
-              <a:lnSpc>
-                <a:spcPct val="115000"/>
-              </a:lnSpc>
-              <a:spcBef>
-                <a:spcPts val="0"/>
-              </a:spcBef>
-              <a:spcAft>
-                <a:spcPts val="0"/>
-              </a:spcAft>
-              <a:buClr>
-                <a:schemeClr val="dk1"/>
-              </a:buClr>
-              <a:buSzPts val="1400"/>
-              <a:buFont typeface="Century Gothic"/>
-              <a:buChar char="●"/>
-            </a:pPr>
-            <a:r>
-              <a:rPr lang="en" sz="1400">
-                <a:solidFill>
-                  <a:schemeClr val="dk1"/>
-                </a:solidFill>
-                <a:latin typeface="Century Gothic"/>
-                <a:ea typeface="Century Gothic"/>
-                <a:cs typeface="Century Gothic"/>
-                <a:sym typeface="Century Gothic"/>
-              </a:rPr>
-              <a:t>Explain the structured fields of the output</a:t>
-            </a:r>
-            <a:endParaRPr sz="1400">
-              <a:solidFill>
-                <a:schemeClr val="dk1"/>
-              </a:solidFill>
-              <a:latin typeface="Century Gothic"/>
-              <a:ea typeface="Century Gothic"/>
-              <a:cs typeface="Century Gothic"/>
-              <a:sym typeface="Century Gothic"/>
-            </a:endParaRPr>
-          </a:p>
-          <a:p>
-            <a:pPr marL="0" lvl="0" indent="0" algn="l" rtl="0">
-              <a:lnSpc>
-                <a:spcPct val="115000"/>
-              </a:lnSpc>
-              <a:spcBef>
-                <a:spcPts val="1000"/>
-              </a:spcBef>
-              <a:spcAft>
-                <a:spcPts val="0"/>
-              </a:spcAft>
-              <a:buSzPts val="1500"/>
-              <a:buNone/>
-            </a:pPr>
-            <a:endParaRPr sz="1400">
-              <a:solidFill>
-                <a:schemeClr val="dk1"/>
-              </a:solidFill>
-              <a:latin typeface="Century Gothic"/>
-              <a:ea typeface="Century Gothic"/>
-              <a:cs typeface="Century Gothic"/>
-              <a:sym typeface="Century Gothic"/>
-            </a:endParaRPr>
-          </a:p>
-          <a:p>
-            <a:pPr marL="0" lvl="0" indent="0" algn="l" rtl="0">
-              <a:lnSpc>
-                <a:spcPct val="115000"/>
-              </a:lnSpc>
-              <a:spcBef>
-                <a:spcPts val="1000"/>
-              </a:spcBef>
-              <a:spcAft>
-                <a:spcPts val="0"/>
-              </a:spcAft>
-              <a:buSzPts val="1500"/>
-              <a:buNone/>
-            </a:pPr>
-            <a:endParaRPr sz="1400">
-              <a:solidFill>
-                <a:schemeClr val="dk1"/>
-              </a:solidFill>
-              <a:latin typeface="Century Gothic"/>
-              <a:ea typeface="Century Gothic"/>
-              <a:cs typeface="Century Gothic"/>
-              <a:sym typeface="Century Gothic"/>
-            </a:endParaRPr>
-          </a:p>
-          <a:p>
-            <a:pPr marL="0" lvl="0" indent="0" algn="l" rtl="0">
-              <a:lnSpc>
-                <a:spcPct val="115000"/>
-              </a:lnSpc>
-              <a:spcBef>
-                <a:spcPts val="1000"/>
-              </a:spcBef>
-              <a:spcAft>
-                <a:spcPts val="0"/>
-              </a:spcAft>
-              <a:buSzPts val="1500"/>
-              <a:buNone/>
-            </a:pPr>
-            <a:r>
-              <a:rPr lang="en" sz="1200" b="1" i="1">
-                <a:solidFill>
-                  <a:schemeClr val="dk1"/>
-                </a:solidFill>
-                <a:latin typeface="Century Gothic"/>
-                <a:ea typeface="Century Gothic"/>
-                <a:cs typeface="Century Gothic"/>
-                <a:sym typeface="Century Gothic"/>
-              </a:rPr>
-              <a:t>Note</a:t>
-            </a:r>
-            <a:r>
-              <a:rPr lang="en" sz="1200" i="1">
-                <a:solidFill>
-                  <a:schemeClr val="dk1"/>
-                </a:solidFill>
-                <a:latin typeface="Century Gothic"/>
-                <a:ea typeface="Century Gothic"/>
-                <a:cs typeface="Century Gothic"/>
-                <a:sym typeface="Century Gothic"/>
-              </a:rPr>
-              <a:t>: You can use more than one slide if needed </a:t>
-            </a:r>
-            <a:endParaRPr sz="1300" i="1">
-              <a:solidFill>
-                <a:schemeClr val="dk1"/>
-              </a:solidFill>
-              <a:latin typeface="Century Gothic"/>
-              <a:ea typeface="Century Gothic"/>
-              <a:cs typeface="Century Gothic"/>
-              <a:sym typeface="Century Gothic"/>
-            </a:endParaRPr>
-          </a:p>
-          <a:p>
-            <a:pPr marL="0" lvl="0" indent="0" algn="l" rtl="0">
-              <a:lnSpc>
-                <a:spcPct val="115000"/>
-              </a:lnSpc>
-              <a:spcBef>
-                <a:spcPts val="1000"/>
-              </a:spcBef>
-              <a:spcAft>
-                <a:spcPts val="1000"/>
-              </a:spcAft>
-              <a:buSzPts val="1500"/>
-              <a:buNone/>
-            </a:pPr>
-            <a:endParaRPr sz="1400">
-              <a:solidFill>
-                <a:schemeClr val="dk1"/>
-              </a:solidFill>
-              <a:latin typeface="Century Gothic"/>
-              <a:ea typeface="Century Gothic"/>
-              <a:cs typeface="Century Gothic"/>
-              <a:sym typeface="Century Gothic"/>
-            </a:endParaRPr>
-          </a:p>
-        </p:txBody>
-      </p:sp>
-      <p:sp>
-        <p:nvSpPr>
-          <p:cNvPr id="183" name="Google Shape;183;p40">
-            <a:extLst>
-              <a:ext uri="{FF2B5EF4-FFF2-40B4-BE49-F238E27FC236}">
-                <a16:creationId xmlns:a16="http://schemas.microsoft.com/office/drawing/2014/main" id="{4F35F4F7-4719-AEC0-FD2C-D58CCA7E6ECA}"/>
-              </a:ext>
-            </a:extLst>
-          </p:cNvPr>
-          <p:cNvSpPr txBox="1"/>
-          <p:nvPr/>
-        </p:nvSpPr>
-        <p:spPr>
-          <a:xfrm>
-            <a:off x="4077350" y="4568775"/>
-            <a:ext cx="5010600" cy="369300"/>
-          </a:xfrm>
-          <a:prstGeom prst="rect">
-            <a:avLst/>
-          </a:prstGeom>
-          <a:noFill/>
-          <a:ln>
-            <a:noFill/>
-          </a:ln>
-        </p:spPr>
-        <p:txBody>
-          <a:bodyPr spcFirstLastPara="1" wrap="square" lIns="91425" tIns="91425" rIns="91425" bIns="91425" anchor="t" anchorCtr="0">
-            <a:spAutoFit/>
-          </a:bodyPr>
-          <a:lstStyle/>
-          <a:p>
-            <a:pPr marL="0" marR="0" lvl="0" indent="0" algn="r" rtl="0">
-              <a:lnSpc>
-                <a:spcPct val="100000"/>
-              </a:lnSpc>
-              <a:spcBef>
-                <a:spcPts val="0"/>
-              </a:spcBef>
-              <a:spcAft>
-                <a:spcPts val="0"/>
-              </a:spcAft>
-              <a:buClr>
-                <a:srgbClr val="000000"/>
-              </a:buClr>
-              <a:buSzPts val="1200"/>
-              <a:buFont typeface="Arial"/>
-              <a:buNone/>
-            </a:pPr>
-            <a:endParaRPr sz="1200" b="0" i="1" u="none" strike="noStrike" cap="none">
-              <a:solidFill>
-                <a:srgbClr val="666666"/>
-              </a:solidFill>
-              <a:latin typeface="Nunito"/>
-              <a:ea typeface="Nunito"/>
-              <a:cs typeface="Nunito"/>
-              <a:sym typeface="Nunito"/>
-            </a:endParaRPr>
-          </a:p>
-        </p:txBody>
-      </p:sp>
-    </p:spTree>
-    <p:extLst>
-      <p:ext uri="{BB962C8B-B14F-4D97-AF65-F5344CB8AC3E}">
-        <p14:creationId xmlns:p14="http://schemas.microsoft.com/office/powerpoint/2010/main" val="3363624449"/>
-      </p:ext>
-    </p:extLst>
-  </p:cSld>
-  <p:clrMapOvr>
-    <a:masterClrMapping/>
-  </p:clrMapOvr>
-</p:sld>
-</file>
-
-<file path=ppt/slides/slide48.xml><?xml version="1.0" encoding="utf-8"?>
-<p:sld xmlns:a="http://schemas.openxmlformats.org/drawingml/2006/main" xmlns:r="http://schemas.openxmlformats.org/officeDocument/2006/relationships" xmlns:p="http://schemas.openxmlformats.org/presentationml/2006/main">
-  <p:cSld>
-    <p:spTree>
-      <p:nvGrpSpPr>
-        <p:cNvPr id="1" name="Shape 180">
-          <a:extLst>
-            <a:ext uri="{FF2B5EF4-FFF2-40B4-BE49-F238E27FC236}">
-              <a16:creationId xmlns:a16="http://schemas.microsoft.com/office/drawing/2014/main" id="{71B6E868-FBB6-A003-0601-74D06F71DA71}"/>
-            </a:ext>
-          </a:extLst>
-        </p:cNvPr>
-        <p:cNvGrpSpPr/>
-        <p:nvPr/>
-      </p:nvGrpSpPr>
-      <p:grpSpPr>
-        <a:xfrm>
-          <a:off x="0" y="0"/>
-          <a:ext cx="0" cy="0"/>
-          <a:chOff x="0" y="0"/>
-          <a:chExt cx="0" cy="0"/>
-        </a:xfrm>
-      </p:grpSpPr>
-      <p:sp>
-        <p:nvSpPr>
-          <p:cNvPr id="181" name="Google Shape;181;p40">
-            <a:extLst>
-              <a:ext uri="{FF2B5EF4-FFF2-40B4-BE49-F238E27FC236}">
-                <a16:creationId xmlns:a16="http://schemas.microsoft.com/office/drawing/2014/main" id="{6822A9A0-3D5C-0DAE-8723-EC04E8ADA586}"/>
-              </a:ext>
-            </a:extLst>
-          </p:cNvPr>
-          <p:cNvSpPr txBox="1">
-            <a:spLocks noGrp="1"/>
-          </p:cNvSpPr>
-          <p:nvPr>
-            <p:ph type="title"/>
-          </p:nvPr>
-        </p:nvSpPr>
-        <p:spPr>
-          <a:xfrm>
-            <a:off x="202550" y="289279"/>
-            <a:ext cx="8520600" cy="572700"/>
-          </a:xfrm>
-          <a:prstGeom prst="rect">
-            <a:avLst/>
-          </a:prstGeom>
-          <a:noFill/>
-          <a:ln>
-            <a:noFill/>
-          </a:ln>
-        </p:spPr>
-        <p:txBody>
-          <a:bodyPr spcFirstLastPara="1" wrap="square" lIns="91425" tIns="91425" rIns="91425" bIns="91425" anchor="t" anchorCtr="0">
-            <a:noAutofit/>
-          </a:bodyPr>
-          <a:lstStyle/>
-          <a:p>
-            <a:pPr marL="0" lvl="0" indent="0" algn="l" rtl="0">
-              <a:lnSpc>
-                <a:spcPct val="100000"/>
-              </a:lnSpc>
-              <a:spcBef>
-                <a:spcPts val="0"/>
-              </a:spcBef>
-              <a:spcAft>
-                <a:spcPts val="0"/>
-              </a:spcAft>
-              <a:buSzPts val="2200"/>
-              <a:buNone/>
-            </a:pPr>
-            <a:r>
-              <a:rPr lang="en" dirty="0">
-                <a:solidFill>
-                  <a:schemeClr val="lt2"/>
-                </a:solidFill>
-                <a:latin typeface="Century Gothic"/>
-                <a:ea typeface="Century Gothic"/>
-                <a:cs typeface="Century Gothic"/>
-                <a:sym typeface="Century Gothic"/>
-              </a:rPr>
-              <a:t>Classification Results of Full Dataset</a:t>
-            </a:r>
-            <a:endParaRPr dirty="0">
-              <a:solidFill>
-                <a:schemeClr val="lt2"/>
-              </a:solidFill>
-              <a:latin typeface="Century Gothic"/>
-              <a:ea typeface="Century Gothic"/>
-              <a:cs typeface="Century Gothic"/>
-              <a:sym typeface="Century Gothic"/>
-            </a:endParaRPr>
-          </a:p>
-        </p:txBody>
-      </p:sp>
-      <p:sp>
-        <p:nvSpPr>
-          <p:cNvPr id="182" name="Google Shape;182;p40">
-            <a:extLst>
-              <a:ext uri="{FF2B5EF4-FFF2-40B4-BE49-F238E27FC236}">
-                <a16:creationId xmlns:a16="http://schemas.microsoft.com/office/drawing/2014/main" id="{C7A3DAA6-0994-2CC5-5118-97A54BDFE025}"/>
-              </a:ext>
-            </a:extLst>
-          </p:cNvPr>
-          <p:cNvSpPr txBox="1">
-            <a:spLocks noGrp="1"/>
-          </p:cNvSpPr>
-          <p:nvPr>
-            <p:ph type="body" idx="1"/>
-          </p:nvPr>
-        </p:nvSpPr>
-        <p:spPr>
-          <a:xfrm>
-            <a:off x="202550" y="861975"/>
-            <a:ext cx="8629800" cy="3706800"/>
-          </a:xfrm>
-          <a:prstGeom prst="rect">
-            <a:avLst/>
-          </a:prstGeom>
-          <a:noFill/>
-          <a:ln>
-            <a:noFill/>
-          </a:ln>
-        </p:spPr>
-        <p:txBody>
-          <a:bodyPr spcFirstLastPara="1" wrap="square" lIns="91425" tIns="91425" rIns="91425" bIns="91425" anchor="t" anchorCtr="0">
-            <a:noAutofit/>
-          </a:bodyPr>
-          <a:lstStyle/>
-          <a:p>
-            <a:pPr marL="457200" lvl="0" indent="-317500" algn="l" rtl="0">
-              <a:lnSpc>
-                <a:spcPct val="115000"/>
-              </a:lnSpc>
-              <a:spcBef>
-                <a:spcPts val="0"/>
-              </a:spcBef>
-              <a:spcAft>
-                <a:spcPts val="0"/>
-              </a:spcAft>
-              <a:buClr>
-                <a:schemeClr val="dk1"/>
-              </a:buClr>
-              <a:buSzPts val="1400"/>
-              <a:buFont typeface="Century Gothic"/>
-              <a:buChar char="●"/>
-            </a:pPr>
-            <a:r>
-              <a:rPr lang="en" sz="1400">
-                <a:solidFill>
-                  <a:schemeClr val="dk1"/>
-                </a:solidFill>
-                <a:latin typeface="Century Gothic"/>
-                <a:ea typeface="Century Gothic"/>
-                <a:cs typeface="Century Gothic"/>
-                <a:sym typeface="Century Gothic"/>
-              </a:rPr>
-              <a:t>Overview of the actual output</a:t>
-            </a:r>
-            <a:endParaRPr sz="1400">
-              <a:solidFill>
-                <a:schemeClr val="dk1"/>
-              </a:solidFill>
-              <a:latin typeface="Century Gothic"/>
-              <a:ea typeface="Century Gothic"/>
-              <a:cs typeface="Century Gothic"/>
-              <a:sym typeface="Century Gothic"/>
-            </a:endParaRPr>
-          </a:p>
-          <a:p>
-            <a:pPr marL="457200" lvl="0" indent="-317500" algn="l" rtl="0">
-              <a:lnSpc>
-                <a:spcPct val="115000"/>
-              </a:lnSpc>
-              <a:spcBef>
-                <a:spcPts val="0"/>
-              </a:spcBef>
-              <a:spcAft>
-                <a:spcPts val="0"/>
-              </a:spcAft>
-              <a:buClr>
-                <a:schemeClr val="dk1"/>
-              </a:buClr>
-              <a:buSzPts val="1400"/>
-              <a:buFont typeface="Century Gothic"/>
-              <a:buChar char="●"/>
-            </a:pPr>
-            <a:r>
-              <a:rPr lang="en" sz="1400">
-                <a:solidFill>
-                  <a:schemeClr val="dk1"/>
-                </a:solidFill>
-                <a:latin typeface="Century Gothic"/>
-                <a:ea typeface="Century Gothic"/>
-                <a:cs typeface="Century Gothic"/>
-                <a:sym typeface="Century Gothic"/>
-              </a:rPr>
-              <a:t>Explain the structured fields of the output</a:t>
-            </a:r>
-            <a:endParaRPr sz="1400">
-              <a:solidFill>
-                <a:schemeClr val="dk1"/>
-              </a:solidFill>
-              <a:latin typeface="Century Gothic"/>
-              <a:ea typeface="Century Gothic"/>
-              <a:cs typeface="Century Gothic"/>
-              <a:sym typeface="Century Gothic"/>
-            </a:endParaRPr>
-          </a:p>
-          <a:p>
-            <a:pPr marL="0" lvl="0" indent="0" algn="l" rtl="0">
-              <a:lnSpc>
-                <a:spcPct val="115000"/>
-              </a:lnSpc>
-              <a:spcBef>
-                <a:spcPts val="1000"/>
-              </a:spcBef>
-              <a:spcAft>
-                <a:spcPts val="0"/>
-              </a:spcAft>
-              <a:buSzPts val="1500"/>
-              <a:buNone/>
-            </a:pPr>
-            <a:endParaRPr sz="1400">
-              <a:solidFill>
-                <a:schemeClr val="dk1"/>
-              </a:solidFill>
-              <a:latin typeface="Century Gothic"/>
-              <a:ea typeface="Century Gothic"/>
-              <a:cs typeface="Century Gothic"/>
-              <a:sym typeface="Century Gothic"/>
-            </a:endParaRPr>
-          </a:p>
-          <a:p>
-            <a:pPr marL="0" lvl="0" indent="0" algn="l" rtl="0">
-              <a:lnSpc>
-                <a:spcPct val="115000"/>
-              </a:lnSpc>
-              <a:spcBef>
-                <a:spcPts val="1000"/>
-              </a:spcBef>
-              <a:spcAft>
-                <a:spcPts val="0"/>
-              </a:spcAft>
-              <a:buSzPts val="1500"/>
-              <a:buNone/>
-            </a:pPr>
-            <a:endParaRPr sz="1400">
-              <a:solidFill>
-                <a:schemeClr val="dk1"/>
-              </a:solidFill>
-              <a:latin typeface="Century Gothic"/>
-              <a:ea typeface="Century Gothic"/>
-              <a:cs typeface="Century Gothic"/>
-              <a:sym typeface="Century Gothic"/>
-            </a:endParaRPr>
-          </a:p>
-          <a:p>
-            <a:pPr marL="0" lvl="0" indent="0" algn="l" rtl="0">
-              <a:lnSpc>
-                <a:spcPct val="115000"/>
-              </a:lnSpc>
-              <a:spcBef>
-                <a:spcPts val="1000"/>
-              </a:spcBef>
-              <a:spcAft>
-                <a:spcPts val="0"/>
-              </a:spcAft>
-              <a:buSzPts val="1500"/>
-              <a:buNone/>
-            </a:pPr>
-            <a:r>
-              <a:rPr lang="en" sz="1200" b="1" i="1">
-                <a:solidFill>
-                  <a:schemeClr val="dk1"/>
-                </a:solidFill>
-                <a:latin typeface="Century Gothic"/>
-                <a:ea typeface="Century Gothic"/>
-                <a:cs typeface="Century Gothic"/>
-                <a:sym typeface="Century Gothic"/>
-              </a:rPr>
-              <a:t>Note</a:t>
-            </a:r>
-            <a:r>
-              <a:rPr lang="en" sz="1200" i="1">
-                <a:solidFill>
-                  <a:schemeClr val="dk1"/>
-                </a:solidFill>
-                <a:latin typeface="Century Gothic"/>
-                <a:ea typeface="Century Gothic"/>
-                <a:cs typeface="Century Gothic"/>
-                <a:sym typeface="Century Gothic"/>
-              </a:rPr>
-              <a:t>: You can use more than one slide if needed </a:t>
-            </a:r>
-            <a:endParaRPr sz="1300" i="1">
-              <a:solidFill>
-                <a:schemeClr val="dk1"/>
-              </a:solidFill>
-              <a:latin typeface="Century Gothic"/>
-              <a:ea typeface="Century Gothic"/>
-              <a:cs typeface="Century Gothic"/>
-              <a:sym typeface="Century Gothic"/>
-            </a:endParaRPr>
-          </a:p>
-          <a:p>
-            <a:pPr marL="0" lvl="0" indent="0" algn="l" rtl="0">
-              <a:lnSpc>
-                <a:spcPct val="115000"/>
-              </a:lnSpc>
-              <a:spcBef>
-                <a:spcPts val="1000"/>
-              </a:spcBef>
-              <a:spcAft>
-                <a:spcPts val="1000"/>
-              </a:spcAft>
-              <a:buSzPts val="1500"/>
-              <a:buNone/>
-            </a:pPr>
-            <a:endParaRPr sz="1400">
-              <a:solidFill>
-                <a:schemeClr val="dk1"/>
-              </a:solidFill>
-              <a:latin typeface="Century Gothic"/>
-              <a:ea typeface="Century Gothic"/>
-              <a:cs typeface="Century Gothic"/>
-              <a:sym typeface="Century Gothic"/>
-            </a:endParaRPr>
-          </a:p>
-        </p:txBody>
-      </p:sp>
-      <p:sp>
-        <p:nvSpPr>
-          <p:cNvPr id="183" name="Google Shape;183;p40">
-            <a:extLst>
-              <a:ext uri="{FF2B5EF4-FFF2-40B4-BE49-F238E27FC236}">
-                <a16:creationId xmlns:a16="http://schemas.microsoft.com/office/drawing/2014/main" id="{F649C90F-DC2B-4473-2DB4-8C8148FE85CD}"/>
-              </a:ext>
-            </a:extLst>
-          </p:cNvPr>
-          <p:cNvSpPr txBox="1"/>
-          <p:nvPr/>
-        </p:nvSpPr>
-        <p:spPr>
-          <a:xfrm>
-            <a:off x="4077350" y="4568775"/>
-            <a:ext cx="5010600" cy="369300"/>
-          </a:xfrm>
-          <a:prstGeom prst="rect">
-            <a:avLst/>
-          </a:prstGeom>
-          <a:noFill/>
-          <a:ln>
-            <a:noFill/>
-          </a:ln>
-        </p:spPr>
-        <p:txBody>
-          <a:bodyPr spcFirstLastPara="1" wrap="square" lIns="91425" tIns="91425" rIns="91425" bIns="91425" anchor="t" anchorCtr="0">
-            <a:spAutoFit/>
-          </a:bodyPr>
-          <a:lstStyle/>
-          <a:p>
-            <a:pPr marL="0" marR="0" lvl="0" indent="0" algn="r" rtl="0">
-              <a:lnSpc>
-                <a:spcPct val="100000"/>
-              </a:lnSpc>
-              <a:spcBef>
-                <a:spcPts val="0"/>
-              </a:spcBef>
-              <a:spcAft>
-                <a:spcPts val="0"/>
-              </a:spcAft>
-              <a:buClr>
-                <a:srgbClr val="000000"/>
-              </a:buClr>
-              <a:buSzPts val="1200"/>
-              <a:buFont typeface="Arial"/>
-              <a:buNone/>
-            </a:pPr>
-            <a:endParaRPr sz="1200" b="0" i="1" u="none" strike="noStrike" cap="none">
-              <a:solidFill>
-                <a:srgbClr val="666666"/>
-              </a:solidFill>
-              <a:latin typeface="Nunito"/>
-              <a:ea typeface="Nunito"/>
-              <a:cs typeface="Nunito"/>
-              <a:sym typeface="Nunito"/>
-            </a:endParaRPr>
-          </a:p>
-        </p:txBody>
-      </p:sp>
-    </p:spTree>
-    <p:extLst>
-      <p:ext uri="{BB962C8B-B14F-4D97-AF65-F5344CB8AC3E}">
-        <p14:creationId xmlns:p14="http://schemas.microsoft.com/office/powerpoint/2010/main" val="3883528173"/>
-      </p:ext>
-    </p:extLst>
-  </p:cSld>
-  <p:clrMapOvr>
-    <a:masterClrMapping/>
-  </p:clrMapOvr>
-</p:sld>
-</file>
-
-<file path=ppt/slides/slide49.xml><?xml version="1.0" encoding="utf-8"?>
-<p:sld xmlns:a="http://schemas.openxmlformats.org/drawingml/2006/main" xmlns:r="http://schemas.openxmlformats.org/officeDocument/2006/relationships" xmlns:p="http://schemas.openxmlformats.org/presentationml/2006/main">
-  <p:cSld>
-    <p:spTree>
-      <p:nvGrpSpPr>
-        <p:cNvPr id="1" name="Shape 180">
-          <a:extLst>
-            <a:ext uri="{FF2B5EF4-FFF2-40B4-BE49-F238E27FC236}">
-              <a16:creationId xmlns:a16="http://schemas.microsoft.com/office/drawing/2014/main" id="{C033B36F-314C-5C4D-411D-9355CCEC139C}"/>
-            </a:ext>
-          </a:extLst>
-        </p:cNvPr>
-        <p:cNvGrpSpPr/>
-        <p:nvPr/>
-      </p:nvGrpSpPr>
-      <p:grpSpPr>
-        <a:xfrm>
-          <a:off x="0" y="0"/>
-          <a:ext cx="0" cy="0"/>
-          <a:chOff x="0" y="0"/>
-          <a:chExt cx="0" cy="0"/>
-        </a:xfrm>
-      </p:grpSpPr>
-      <p:sp>
-        <p:nvSpPr>
-          <p:cNvPr id="181" name="Google Shape;181;p40">
-            <a:extLst>
-              <a:ext uri="{FF2B5EF4-FFF2-40B4-BE49-F238E27FC236}">
-                <a16:creationId xmlns:a16="http://schemas.microsoft.com/office/drawing/2014/main" id="{AFD471D7-661B-6372-D2C7-CDF0221650BE}"/>
-              </a:ext>
-            </a:extLst>
-          </p:cNvPr>
-          <p:cNvSpPr txBox="1">
-            <a:spLocks noGrp="1"/>
-          </p:cNvSpPr>
-          <p:nvPr>
-            <p:ph type="title"/>
-          </p:nvPr>
-        </p:nvSpPr>
-        <p:spPr>
-          <a:xfrm>
-            <a:off x="202550" y="289279"/>
-            <a:ext cx="8520600" cy="572700"/>
-          </a:xfrm>
-          <a:prstGeom prst="rect">
-            <a:avLst/>
-          </a:prstGeom>
-          <a:noFill/>
-          <a:ln>
-            <a:noFill/>
-          </a:ln>
-        </p:spPr>
-        <p:txBody>
-          <a:bodyPr spcFirstLastPara="1" wrap="square" lIns="91425" tIns="91425" rIns="91425" bIns="91425" anchor="t" anchorCtr="0">
-            <a:noAutofit/>
-          </a:bodyPr>
-          <a:lstStyle/>
-          <a:p>
-            <a:pPr marL="0" lvl="0" indent="0" algn="l" rtl="0">
-              <a:lnSpc>
-                <a:spcPct val="100000"/>
-              </a:lnSpc>
-              <a:spcBef>
-                <a:spcPts val="0"/>
-              </a:spcBef>
-              <a:spcAft>
-                <a:spcPts val="0"/>
-              </a:spcAft>
-              <a:buSzPts val="2200"/>
-              <a:buNone/>
-            </a:pPr>
-            <a:r>
-              <a:rPr lang="en" dirty="0">
-                <a:solidFill>
-                  <a:schemeClr val="lt2"/>
-                </a:solidFill>
-                <a:latin typeface="Century Gothic"/>
-                <a:ea typeface="Century Gothic"/>
-                <a:cs typeface="Century Gothic"/>
-                <a:sym typeface="Century Gothic"/>
-              </a:rPr>
-              <a:t>Output from the Prompt</a:t>
-            </a:r>
-            <a:endParaRPr dirty="0">
-              <a:solidFill>
-                <a:schemeClr val="lt2"/>
-              </a:solidFill>
-              <a:latin typeface="Century Gothic"/>
-              <a:ea typeface="Century Gothic"/>
-              <a:cs typeface="Century Gothic"/>
-              <a:sym typeface="Century Gothic"/>
-            </a:endParaRPr>
-          </a:p>
-        </p:txBody>
-      </p:sp>
-      <p:sp>
-        <p:nvSpPr>
-          <p:cNvPr id="182" name="Google Shape;182;p40">
-            <a:extLst>
-              <a:ext uri="{FF2B5EF4-FFF2-40B4-BE49-F238E27FC236}">
-                <a16:creationId xmlns:a16="http://schemas.microsoft.com/office/drawing/2014/main" id="{33D16129-D9DE-5DD7-F9D7-90B7F78D280F}"/>
-              </a:ext>
-            </a:extLst>
-          </p:cNvPr>
-          <p:cNvSpPr txBox="1">
-            <a:spLocks noGrp="1"/>
-          </p:cNvSpPr>
-          <p:nvPr>
-            <p:ph type="body" idx="1"/>
-          </p:nvPr>
-        </p:nvSpPr>
-        <p:spPr>
-          <a:xfrm>
-            <a:off x="202550" y="861975"/>
-            <a:ext cx="8629800" cy="3706800"/>
-          </a:xfrm>
-          <a:prstGeom prst="rect">
-            <a:avLst/>
-          </a:prstGeom>
-          <a:noFill/>
-          <a:ln>
-            <a:noFill/>
-          </a:ln>
-        </p:spPr>
-        <p:txBody>
-          <a:bodyPr spcFirstLastPara="1" wrap="square" lIns="91425" tIns="91425" rIns="91425" bIns="91425" anchor="t" anchorCtr="0">
-            <a:noAutofit/>
-          </a:bodyPr>
-          <a:lstStyle/>
-          <a:p>
-            <a:pPr marL="457200" lvl="0" indent="-317500" algn="l" rtl="0">
-              <a:lnSpc>
-                <a:spcPct val="115000"/>
-              </a:lnSpc>
-              <a:spcBef>
-                <a:spcPts val="0"/>
-              </a:spcBef>
-              <a:spcAft>
-                <a:spcPts val="0"/>
-              </a:spcAft>
-              <a:buClr>
-                <a:schemeClr val="dk1"/>
-              </a:buClr>
-              <a:buSzPts val="1400"/>
-              <a:buFont typeface="Century Gothic"/>
-              <a:buChar char="●"/>
-            </a:pPr>
-            <a:r>
-              <a:rPr lang="en" sz="1400">
-                <a:solidFill>
-                  <a:schemeClr val="dk1"/>
-                </a:solidFill>
-                <a:latin typeface="Century Gothic"/>
-                <a:ea typeface="Century Gothic"/>
-                <a:cs typeface="Century Gothic"/>
-                <a:sym typeface="Century Gothic"/>
-              </a:rPr>
-              <a:t>Overview of the actual output</a:t>
-            </a:r>
-            <a:endParaRPr sz="1400">
-              <a:solidFill>
-                <a:schemeClr val="dk1"/>
-              </a:solidFill>
-              <a:latin typeface="Century Gothic"/>
-              <a:ea typeface="Century Gothic"/>
-              <a:cs typeface="Century Gothic"/>
-              <a:sym typeface="Century Gothic"/>
-            </a:endParaRPr>
-          </a:p>
-          <a:p>
-            <a:pPr marL="457200" lvl="0" indent="-317500" algn="l" rtl="0">
-              <a:lnSpc>
-                <a:spcPct val="115000"/>
-              </a:lnSpc>
-              <a:spcBef>
-                <a:spcPts val="0"/>
-              </a:spcBef>
-              <a:spcAft>
-                <a:spcPts val="0"/>
-              </a:spcAft>
-              <a:buClr>
-                <a:schemeClr val="dk1"/>
-              </a:buClr>
-              <a:buSzPts val="1400"/>
-              <a:buFont typeface="Century Gothic"/>
-              <a:buChar char="●"/>
-            </a:pPr>
-            <a:r>
-              <a:rPr lang="en" sz="1400">
-                <a:solidFill>
-                  <a:schemeClr val="dk1"/>
-                </a:solidFill>
-                <a:latin typeface="Century Gothic"/>
-                <a:ea typeface="Century Gothic"/>
-                <a:cs typeface="Century Gothic"/>
-                <a:sym typeface="Century Gothic"/>
-              </a:rPr>
-              <a:t>Explain the structured fields of the output</a:t>
-            </a:r>
-            <a:endParaRPr sz="1400">
-              <a:solidFill>
-                <a:schemeClr val="dk1"/>
-              </a:solidFill>
-              <a:latin typeface="Century Gothic"/>
-              <a:ea typeface="Century Gothic"/>
-              <a:cs typeface="Century Gothic"/>
-              <a:sym typeface="Century Gothic"/>
-            </a:endParaRPr>
-          </a:p>
-          <a:p>
-            <a:pPr marL="0" lvl="0" indent="0" algn="l" rtl="0">
-              <a:lnSpc>
-                <a:spcPct val="115000"/>
-              </a:lnSpc>
-              <a:spcBef>
-                <a:spcPts val="1000"/>
-              </a:spcBef>
-              <a:spcAft>
-                <a:spcPts val="0"/>
-              </a:spcAft>
-              <a:buSzPts val="1500"/>
-              <a:buNone/>
-            </a:pPr>
-            <a:endParaRPr sz="1400">
-              <a:solidFill>
-                <a:schemeClr val="dk1"/>
-              </a:solidFill>
-              <a:latin typeface="Century Gothic"/>
-              <a:ea typeface="Century Gothic"/>
-              <a:cs typeface="Century Gothic"/>
-              <a:sym typeface="Century Gothic"/>
-            </a:endParaRPr>
-          </a:p>
-          <a:p>
-            <a:pPr marL="0" lvl="0" indent="0" algn="l" rtl="0">
-              <a:lnSpc>
-                <a:spcPct val="115000"/>
-              </a:lnSpc>
-              <a:spcBef>
-                <a:spcPts val="1000"/>
-              </a:spcBef>
-              <a:spcAft>
-                <a:spcPts val="0"/>
-              </a:spcAft>
-              <a:buSzPts val="1500"/>
-              <a:buNone/>
-            </a:pPr>
-            <a:endParaRPr sz="1400">
-              <a:solidFill>
-                <a:schemeClr val="dk1"/>
-              </a:solidFill>
-              <a:latin typeface="Century Gothic"/>
-              <a:ea typeface="Century Gothic"/>
-              <a:cs typeface="Century Gothic"/>
-              <a:sym typeface="Century Gothic"/>
-            </a:endParaRPr>
-          </a:p>
-          <a:p>
-            <a:pPr marL="0" lvl="0" indent="0" algn="l" rtl="0">
-              <a:lnSpc>
-                <a:spcPct val="115000"/>
-              </a:lnSpc>
-              <a:spcBef>
-                <a:spcPts val="1000"/>
-              </a:spcBef>
-              <a:spcAft>
-                <a:spcPts val="0"/>
-              </a:spcAft>
-              <a:buSzPts val="1500"/>
-              <a:buNone/>
-            </a:pPr>
-            <a:r>
-              <a:rPr lang="en" sz="1200" b="1" i="1">
-                <a:solidFill>
-                  <a:schemeClr val="dk1"/>
-                </a:solidFill>
-                <a:latin typeface="Century Gothic"/>
-                <a:ea typeface="Century Gothic"/>
-                <a:cs typeface="Century Gothic"/>
-                <a:sym typeface="Century Gothic"/>
-              </a:rPr>
-              <a:t>Note</a:t>
-            </a:r>
-            <a:r>
-              <a:rPr lang="en" sz="1200" i="1">
-                <a:solidFill>
-                  <a:schemeClr val="dk1"/>
-                </a:solidFill>
-                <a:latin typeface="Century Gothic"/>
-                <a:ea typeface="Century Gothic"/>
-                <a:cs typeface="Century Gothic"/>
-                <a:sym typeface="Century Gothic"/>
-              </a:rPr>
-              <a:t>: You can use more than one slide if needed </a:t>
-            </a:r>
-            <a:endParaRPr sz="1300" i="1">
-              <a:solidFill>
-                <a:schemeClr val="dk1"/>
-              </a:solidFill>
-              <a:latin typeface="Century Gothic"/>
-              <a:ea typeface="Century Gothic"/>
-              <a:cs typeface="Century Gothic"/>
-              <a:sym typeface="Century Gothic"/>
-            </a:endParaRPr>
-          </a:p>
-          <a:p>
-            <a:pPr marL="0" lvl="0" indent="0" algn="l" rtl="0">
-              <a:lnSpc>
-                <a:spcPct val="115000"/>
-              </a:lnSpc>
-              <a:spcBef>
-                <a:spcPts val="1000"/>
-              </a:spcBef>
-              <a:spcAft>
-                <a:spcPts val="1000"/>
-              </a:spcAft>
-              <a:buSzPts val="1500"/>
-              <a:buNone/>
-            </a:pPr>
-            <a:endParaRPr sz="1400">
-              <a:solidFill>
-                <a:schemeClr val="dk1"/>
-              </a:solidFill>
-              <a:latin typeface="Century Gothic"/>
-              <a:ea typeface="Century Gothic"/>
-              <a:cs typeface="Century Gothic"/>
-              <a:sym typeface="Century Gothic"/>
-            </a:endParaRPr>
-          </a:p>
-        </p:txBody>
-      </p:sp>
-      <p:sp>
-        <p:nvSpPr>
-          <p:cNvPr id="183" name="Google Shape;183;p40">
-            <a:extLst>
-              <a:ext uri="{FF2B5EF4-FFF2-40B4-BE49-F238E27FC236}">
-                <a16:creationId xmlns:a16="http://schemas.microsoft.com/office/drawing/2014/main" id="{B9D687A5-10CF-5CB1-AAA1-5C5F11B2A9BF}"/>
-              </a:ext>
-            </a:extLst>
-          </p:cNvPr>
-          <p:cNvSpPr txBox="1"/>
-          <p:nvPr/>
-        </p:nvSpPr>
-        <p:spPr>
-          <a:xfrm>
-            <a:off x="4077350" y="4568775"/>
-            <a:ext cx="5010600" cy="369300"/>
-          </a:xfrm>
-          <a:prstGeom prst="rect">
-            <a:avLst/>
-          </a:prstGeom>
-          <a:noFill/>
-          <a:ln>
-            <a:noFill/>
-          </a:ln>
-        </p:spPr>
-        <p:txBody>
-          <a:bodyPr spcFirstLastPara="1" wrap="square" lIns="91425" tIns="91425" rIns="91425" bIns="91425" anchor="t" anchorCtr="0">
-            <a:spAutoFit/>
-          </a:bodyPr>
-          <a:lstStyle/>
-          <a:p>
-            <a:pPr marL="0" marR="0" lvl="0" indent="0" algn="r" rtl="0">
-              <a:lnSpc>
-                <a:spcPct val="100000"/>
-              </a:lnSpc>
-              <a:spcBef>
-                <a:spcPts val="0"/>
-              </a:spcBef>
-              <a:spcAft>
-                <a:spcPts val="0"/>
-              </a:spcAft>
-              <a:buClr>
-                <a:srgbClr val="000000"/>
-              </a:buClr>
-              <a:buSzPts val="1200"/>
-              <a:buFont typeface="Arial"/>
-              <a:buNone/>
-            </a:pPr>
-            <a:endParaRPr sz="1200" b="0" i="1" u="none" strike="noStrike" cap="none">
-              <a:solidFill>
-                <a:srgbClr val="666666"/>
-              </a:solidFill>
-              <a:latin typeface="Nunito"/>
-              <a:ea typeface="Nunito"/>
-              <a:cs typeface="Nunito"/>
-              <a:sym typeface="Nunito"/>
-            </a:endParaRPr>
-          </a:p>
-        </p:txBody>
-      </p:sp>
-    </p:spTree>
-    <p:extLst>
-      <p:ext uri="{BB962C8B-B14F-4D97-AF65-F5344CB8AC3E}">
-        <p14:creationId xmlns:p14="http://schemas.microsoft.com/office/powerpoint/2010/main" val="2169973419"/>
       </p:ext>
     </p:extLst>
   </p:cSld>
@@ -42046,6 +42191,1889 @@
   <p:cSld>
     <p:spTree>
       <p:nvGrpSpPr>
+        <p:cNvPr id="1" name="Shape 174">
+          <a:extLst>
+            <a:ext uri="{FF2B5EF4-FFF2-40B4-BE49-F238E27FC236}">
+              <a16:creationId xmlns:a16="http://schemas.microsoft.com/office/drawing/2014/main" id="{DD1CA60B-D472-A2EA-ADC3-0FD0D22DF708}"/>
+            </a:ext>
+          </a:extLst>
+        </p:cNvPr>
+        <p:cNvGrpSpPr/>
+        <p:nvPr/>
+      </p:nvGrpSpPr>
+      <p:grpSpPr>
+        <a:xfrm>
+          <a:off x="0" y="0"/>
+          <a:ext cx="0" cy="0"/>
+          <a:chOff x="0" y="0"/>
+          <a:chExt cx="0" cy="0"/>
+        </a:xfrm>
+      </p:grpSpPr>
+      <p:sp>
+        <p:nvSpPr>
+          <p:cNvPr id="175" name="Google Shape;175;p39">
+            <a:extLst>
+              <a:ext uri="{FF2B5EF4-FFF2-40B4-BE49-F238E27FC236}">
+                <a16:creationId xmlns:a16="http://schemas.microsoft.com/office/drawing/2014/main" id="{5F1F36B5-19E5-CA80-5A7F-72103099A795}"/>
+              </a:ext>
+            </a:extLst>
+          </p:cNvPr>
+          <p:cNvSpPr txBox="1">
+            <a:spLocks noGrp="1"/>
+          </p:cNvSpPr>
+          <p:nvPr>
+            <p:ph type="title"/>
+          </p:nvPr>
+        </p:nvSpPr>
+        <p:spPr>
+          <a:xfrm>
+            <a:off x="202550" y="289279"/>
+            <a:ext cx="8520600" cy="572700"/>
+          </a:xfrm>
+          <a:prstGeom prst="rect">
+            <a:avLst/>
+          </a:prstGeom>
+          <a:noFill/>
+          <a:ln>
+            <a:noFill/>
+          </a:ln>
+        </p:spPr>
+        <p:txBody>
+          <a:bodyPr spcFirstLastPara="1" wrap="square" lIns="91425" tIns="91425" rIns="91425" bIns="91425" anchor="t" anchorCtr="0">
+            <a:noAutofit/>
+          </a:bodyPr>
+          <a:lstStyle/>
+          <a:p>
+            <a:pPr marL="0" lvl="0" indent="0" algn="l" rtl="0">
+              <a:lnSpc>
+                <a:spcPct val="100000"/>
+              </a:lnSpc>
+              <a:spcBef>
+                <a:spcPts val="0"/>
+              </a:spcBef>
+              <a:spcAft>
+                <a:spcPts val="0"/>
+              </a:spcAft>
+              <a:buSzPts val="2200"/>
+              <a:buNone/>
+            </a:pPr>
+            <a:r>
+              <a:rPr lang="en" dirty="0">
+                <a:solidFill>
+                  <a:schemeClr val="lt2"/>
+                </a:solidFill>
+                <a:latin typeface="Century Gothic"/>
+                <a:ea typeface="Century Gothic"/>
+                <a:cs typeface="Century Gothic"/>
+                <a:sym typeface="Century Gothic"/>
+              </a:rPr>
+              <a:t>CoT Prompt – Few-Shot - Results</a:t>
+            </a:r>
+            <a:endParaRPr dirty="0">
+              <a:solidFill>
+                <a:schemeClr val="lt2"/>
+              </a:solidFill>
+              <a:latin typeface="Century Gothic"/>
+              <a:ea typeface="Century Gothic"/>
+              <a:cs typeface="Century Gothic"/>
+              <a:sym typeface="Century Gothic"/>
+            </a:endParaRPr>
+          </a:p>
+        </p:txBody>
+      </p:sp>
+      <p:sp>
+        <p:nvSpPr>
+          <p:cNvPr id="176" name="Google Shape;176;p39">
+            <a:extLst>
+              <a:ext uri="{FF2B5EF4-FFF2-40B4-BE49-F238E27FC236}">
+                <a16:creationId xmlns:a16="http://schemas.microsoft.com/office/drawing/2014/main" id="{81C781D4-0044-3464-B3D3-2ED6A7531260}"/>
+              </a:ext>
+            </a:extLst>
+          </p:cNvPr>
+          <p:cNvSpPr txBox="1">
+            <a:spLocks noGrp="1"/>
+          </p:cNvSpPr>
+          <p:nvPr>
+            <p:ph type="body" idx="1"/>
+          </p:nvPr>
+        </p:nvSpPr>
+        <p:spPr>
+          <a:xfrm>
+            <a:off x="202550" y="861975"/>
+            <a:ext cx="8629800" cy="3706800"/>
+          </a:xfrm>
+          <a:prstGeom prst="rect">
+            <a:avLst/>
+          </a:prstGeom>
+          <a:noFill/>
+          <a:ln>
+            <a:noFill/>
+          </a:ln>
+        </p:spPr>
+        <p:txBody>
+          <a:bodyPr spcFirstLastPara="1" wrap="square" lIns="91425" tIns="91425" rIns="91425" bIns="91425" anchor="t" anchorCtr="0">
+            <a:noAutofit/>
+          </a:bodyPr>
+          <a:lstStyle/>
+          <a:p>
+            <a:pPr marL="457200" lvl="0" indent="-317500" algn="l" rtl="0">
+              <a:lnSpc>
+                <a:spcPct val="115000"/>
+              </a:lnSpc>
+              <a:spcBef>
+                <a:spcPts val="0"/>
+              </a:spcBef>
+              <a:spcAft>
+                <a:spcPts val="0"/>
+              </a:spcAft>
+              <a:buClr>
+                <a:schemeClr val="dk1"/>
+              </a:buClr>
+              <a:buSzPts val="1400"/>
+              <a:buFont typeface="Century Gothic"/>
+              <a:buChar char="●"/>
+            </a:pPr>
+            <a:r>
+              <a:rPr lang="en" sz="1400" dirty="0">
+                <a:solidFill>
+                  <a:schemeClr val="dk1"/>
+                </a:solidFill>
+                <a:latin typeface="Century Gothic"/>
+                <a:ea typeface="Century Gothic"/>
+                <a:cs typeface="Century Gothic"/>
+                <a:sym typeface="Century Gothic"/>
+              </a:rPr>
+              <a:t>Please add the Prompt</a:t>
+            </a:r>
+            <a:endParaRPr sz="1400" dirty="0">
+              <a:solidFill>
+                <a:schemeClr val="dk1"/>
+              </a:solidFill>
+              <a:latin typeface="Century Gothic"/>
+              <a:ea typeface="Century Gothic"/>
+              <a:cs typeface="Century Gothic"/>
+              <a:sym typeface="Century Gothic"/>
+            </a:endParaRPr>
+          </a:p>
+          <a:p>
+            <a:pPr marL="457200" lvl="0" indent="-317500" algn="l" rtl="0">
+              <a:lnSpc>
+                <a:spcPct val="115000"/>
+              </a:lnSpc>
+              <a:spcBef>
+                <a:spcPts val="1000"/>
+              </a:spcBef>
+              <a:spcAft>
+                <a:spcPts val="0"/>
+              </a:spcAft>
+              <a:buClr>
+                <a:schemeClr val="dk1"/>
+              </a:buClr>
+              <a:buSzPts val="1400"/>
+              <a:buFont typeface="Century Gothic"/>
+              <a:buChar char="●"/>
+            </a:pPr>
+            <a:r>
+              <a:rPr lang="en" sz="1400" dirty="0">
+                <a:solidFill>
+                  <a:schemeClr val="dk1"/>
+                </a:solidFill>
+                <a:latin typeface="Century Gothic"/>
+                <a:ea typeface="Century Gothic"/>
+                <a:cs typeface="Century Gothic"/>
+                <a:sym typeface="Century Gothic"/>
+              </a:rPr>
+              <a:t>Please add the details on the structure of the Prompt</a:t>
+            </a:r>
+            <a:endParaRPr sz="1400" dirty="0">
+              <a:solidFill>
+                <a:schemeClr val="dk1"/>
+              </a:solidFill>
+              <a:latin typeface="Century Gothic"/>
+              <a:ea typeface="Century Gothic"/>
+              <a:cs typeface="Century Gothic"/>
+              <a:sym typeface="Century Gothic"/>
+            </a:endParaRPr>
+          </a:p>
+          <a:p>
+            <a:pPr marL="0" lvl="0" indent="0" algn="l" rtl="0">
+              <a:lnSpc>
+                <a:spcPct val="115000"/>
+              </a:lnSpc>
+              <a:spcBef>
+                <a:spcPts val="1000"/>
+              </a:spcBef>
+              <a:spcAft>
+                <a:spcPts val="0"/>
+              </a:spcAft>
+              <a:buSzPts val="1500"/>
+              <a:buNone/>
+            </a:pPr>
+            <a:endParaRPr sz="1400" dirty="0">
+              <a:solidFill>
+                <a:schemeClr val="dk1"/>
+              </a:solidFill>
+              <a:latin typeface="Century Gothic"/>
+              <a:ea typeface="Century Gothic"/>
+              <a:cs typeface="Century Gothic"/>
+              <a:sym typeface="Century Gothic"/>
+            </a:endParaRPr>
+          </a:p>
+          <a:p>
+            <a:pPr marL="0" lvl="0" indent="0" algn="l" rtl="0">
+              <a:lnSpc>
+                <a:spcPct val="115000"/>
+              </a:lnSpc>
+              <a:spcBef>
+                <a:spcPts val="1000"/>
+              </a:spcBef>
+              <a:spcAft>
+                <a:spcPts val="1000"/>
+              </a:spcAft>
+              <a:buSzPts val="1500"/>
+              <a:buNone/>
+            </a:pPr>
+            <a:r>
+              <a:rPr lang="en" sz="1200" b="1" i="1" dirty="0">
+                <a:solidFill>
+                  <a:schemeClr val="dk1"/>
+                </a:solidFill>
+                <a:latin typeface="Century Gothic"/>
+                <a:ea typeface="Century Gothic"/>
+                <a:cs typeface="Century Gothic"/>
+                <a:sym typeface="Century Gothic"/>
+              </a:rPr>
+              <a:t>Note</a:t>
+            </a:r>
+            <a:r>
+              <a:rPr lang="en" sz="1200" i="1" dirty="0">
+                <a:solidFill>
+                  <a:schemeClr val="dk1"/>
+                </a:solidFill>
+                <a:latin typeface="Century Gothic"/>
+                <a:ea typeface="Century Gothic"/>
+                <a:cs typeface="Century Gothic"/>
+                <a:sym typeface="Century Gothic"/>
+              </a:rPr>
+              <a:t>: You can use more than one slide if needed </a:t>
+            </a:r>
+            <a:endParaRPr sz="1200" i="1" dirty="0">
+              <a:solidFill>
+                <a:schemeClr val="dk1"/>
+              </a:solidFill>
+              <a:latin typeface="Century Gothic"/>
+              <a:ea typeface="Century Gothic"/>
+              <a:cs typeface="Century Gothic"/>
+              <a:sym typeface="Century Gothic"/>
+            </a:endParaRPr>
+          </a:p>
+        </p:txBody>
+      </p:sp>
+    </p:spTree>
+    <p:extLst>
+      <p:ext uri="{BB962C8B-B14F-4D97-AF65-F5344CB8AC3E}">
+        <p14:creationId xmlns:p14="http://schemas.microsoft.com/office/powerpoint/2010/main" val="3650395816"/>
+      </p:ext>
+    </p:extLst>
+  </p:cSld>
+  <p:clrMapOvr>
+    <a:masterClrMapping/>
+  </p:clrMapOvr>
+</p:sld>
+</file>
+
+<file path=ppt/slides/slide51.xml><?xml version="1.0" encoding="utf-8"?>
+<p:sld xmlns:a="http://schemas.openxmlformats.org/drawingml/2006/main" xmlns:r="http://schemas.openxmlformats.org/officeDocument/2006/relationships" xmlns:p="http://schemas.openxmlformats.org/presentationml/2006/main">
+  <p:cSld>
+    <p:spTree>
+      <p:nvGrpSpPr>
+        <p:cNvPr id="1" name="Shape 180"/>
+        <p:cNvGrpSpPr/>
+        <p:nvPr/>
+      </p:nvGrpSpPr>
+      <p:grpSpPr>
+        <a:xfrm>
+          <a:off x="0" y="0"/>
+          <a:ext cx="0" cy="0"/>
+          <a:chOff x="0" y="0"/>
+          <a:chExt cx="0" cy="0"/>
+        </a:xfrm>
+      </p:grpSpPr>
+      <p:sp>
+        <p:nvSpPr>
+          <p:cNvPr id="181" name="Google Shape;181;p40"/>
+          <p:cNvSpPr txBox="1">
+            <a:spLocks noGrp="1"/>
+          </p:cNvSpPr>
+          <p:nvPr>
+            <p:ph type="title"/>
+          </p:nvPr>
+        </p:nvSpPr>
+        <p:spPr>
+          <a:xfrm>
+            <a:off x="202550" y="289279"/>
+            <a:ext cx="8520600" cy="572700"/>
+          </a:xfrm>
+          <a:prstGeom prst="rect">
+            <a:avLst/>
+          </a:prstGeom>
+          <a:noFill/>
+          <a:ln>
+            <a:noFill/>
+          </a:ln>
+        </p:spPr>
+        <p:txBody>
+          <a:bodyPr spcFirstLastPara="1" wrap="square" lIns="91425" tIns="91425" rIns="91425" bIns="91425" anchor="t" anchorCtr="0">
+            <a:noAutofit/>
+          </a:bodyPr>
+          <a:lstStyle/>
+          <a:p>
+            <a:pPr marL="0" lvl="0" indent="0" algn="l" rtl="0">
+              <a:lnSpc>
+                <a:spcPct val="100000"/>
+              </a:lnSpc>
+              <a:spcBef>
+                <a:spcPts val="0"/>
+              </a:spcBef>
+              <a:spcAft>
+                <a:spcPts val="0"/>
+              </a:spcAft>
+              <a:buSzPts val="2200"/>
+              <a:buNone/>
+            </a:pPr>
+            <a:r>
+              <a:rPr lang="en" dirty="0">
+                <a:solidFill>
+                  <a:schemeClr val="lt2"/>
+                </a:solidFill>
+                <a:latin typeface="Century Gothic"/>
+                <a:ea typeface="Century Gothic"/>
+                <a:cs typeface="Century Gothic"/>
+                <a:sym typeface="Century Gothic"/>
+              </a:rPr>
+              <a:t>Ground Truth Testing Results Comparison Analysis</a:t>
+            </a:r>
+            <a:endParaRPr dirty="0">
+              <a:solidFill>
+                <a:schemeClr val="lt2"/>
+              </a:solidFill>
+              <a:latin typeface="Century Gothic"/>
+              <a:ea typeface="Century Gothic"/>
+              <a:cs typeface="Century Gothic"/>
+              <a:sym typeface="Century Gothic"/>
+            </a:endParaRPr>
+          </a:p>
+        </p:txBody>
+      </p:sp>
+      <p:sp>
+        <p:nvSpPr>
+          <p:cNvPr id="182" name="Google Shape;182;p40"/>
+          <p:cNvSpPr txBox="1">
+            <a:spLocks noGrp="1"/>
+          </p:cNvSpPr>
+          <p:nvPr>
+            <p:ph type="body" idx="1"/>
+          </p:nvPr>
+        </p:nvSpPr>
+        <p:spPr>
+          <a:xfrm>
+            <a:off x="202550" y="861975"/>
+            <a:ext cx="8629800" cy="3706800"/>
+          </a:xfrm>
+          <a:prstGeom prst="rect">
+            <a:avLst/>
+          </a:prstGeom>
+          <a:noFill/>
+          <a:ln>
+            <a:noFill/>
+          </a:ln>
+        </p:spPr>
+        <p:txBody>
+          <a:bodyPr spcFirstLastPara="1" wrap="square" lIns="91425" tIns="91425" rIns="91425" bIns="91425" anchor="t" anchorCtr="0">
+            <a:noAutofit/>
+          </a:bodyPr>
+          <a:lstStyle/>
+          <a:p>
+            <a:pPr marL="457200" lvl="0" indent="-317500" algn="l" rtl="0">
+              <a:lnSpc>
+                <a:spcPct val="115000"/>
+              </a:lnSpc>
+              <a:spcBef>
+                <a:spcPts val="0"/>
+              </a:spcBef>
+              <a:spcAft>
+                <a:spcPts val="0"/>
+              </a:spcAft>
+              <a:buClr>
+                <a:schemeClr val="dk1"/>
+              </a:buClr>
+              <a:buSzPts val="1400"/>
+              <a:buFont typeface="Century Gothic"/>
+              <a:buChar char="●"/>
+            </a:pPr>
+            <a:r>
+              <a:rPr lang="en" sz="1400">
+                <a:solidFill>
+                  <a:schemeClr val="dk1"/>
+                </a:solidFill>
+                <a:latin typeface="Century Gothic"/>
+                <a:ea typeface="Century Gothic"/>
+                <a:cs typeface="Century Gothic"/>
+                <a:sym typeface="Century Gothic"/>
+              </a:rPr>
+              <a:t>Overview of the actual output</a:t>
+            </a:r>
+            <a:endParaRPr sz="1400">
+              <a:solidFill>
+                <a:schemeClr val="dk1"/>
+              </a:solidFill>
+              <a:latin typeface="Century Gothic"/>
+              <a:ea typeface="Century Gothic"/>
+              <a:cs typeface="Century Gothic"/>
+              <a:sym typeface="Century Gothic"/>
+            </a:endParaRPr>
+          </a:p>
+          <a:p>
+            <a:pPr marL="457200" lvl="0" indent="-317500" algn="l" rtl="0">
+              <a:lnSpc>
+                <a:spcPct val="115000"/>
+              </a:lnSpc>
+              <a:spcBef>
+                <a:spcPts val="0"/>
+              </a:spcBef>
+              <a:spcAft>
+                <a:spcPts val="0"/>
+              </a:spcAft>
+              <a:buClr>
+                <a:schemeClr val="dk1"/>
+              </a:buClr>
+              <a:buSzPts val="1400"/>
+              <a:buFont typeface="Century Gothic"/>
+              <a:buChar char="●"/>
+            </a:pPr>
+            <a:r>
+              <a:rPr lang="en" sz="1400">
+                <a:solidFill>
+                  <a:schemeClr val="dk1"/>
+                </a:solidFill>
+                <a:latin typeface="Century Gothic"/>
+                <a:ea typeface="Century Gothic"/>
+                <a:cs typeface="Century Gothic"/>
+                <a:sym typeface="Century Gothic"/>
+              </a:rPr>
+              <a:t>Explain the structured fields of the output</a:t>
+            </a:r>
+            <a:endParaRPr sz="1400">
+              <a:solidFill>
+                <a:schemeClr val="dk1"/>
+              </a:solidFill>
+              <a:latin typeface="Century Gothic"/>
+              <a:ea typeface="Century Gothic"/>
+              <a:cs typeface="Century Gothic"/>
+              <a:sym typeface="Century Gothic"/>
+            </a:endParaRPr>
+          </a:p>
+          <a:p>
+            <a:pPr marL="0" lvl="0" indent="0" algn="l" rtl="0">
+              <a:lnSpc>
+                <a:spcPct val="115000"/>
+              </a:lnSpc>
+              <a:spcBef>
+                <a:spcPts val="1000"/>
+              </a:spcBef>
+              <a:spcAft>
+                <a:spcPts val="0"/>
+              </a:spcAft>
+              <a:buSzPts val="1500"/>
+              <a:buNone/>
+            </a:pPr>
+            <a:endParaRPr sz="1400">
+              <a:solidFill>
+                <a:schemeClr val="dk1"/>
+              </a:solidFill>
+              <a:latin typeface="Century Gothic"/>
+              <a:ea typeface="Century Gothic"/>
+              <a:cs typeface="Century Gothic"/>
+              <a:sym typeface="Century Gothic"/>
+            </a:endParaRPr>
+          </a:p>
+          <a:p>
+            <a:pPr marL="0" lvl="0" indent="0" algn="l" rtl="0">
+              <a:lnSpc>
+                <a:spcPct val="115000"/>
+              </a:lnSpc>
+              <a:spcBef>
+                <a:spcPts val="1000"/>
+              </a:spcBef>
+              <a:spcAft>
+                <a:spcPts val="0"/>
+              </a:spcAft>
+              <a:buSzPts val="1500"/>
+              <a:buNone/>
+            </a:pPr>
+            <a:endParaRPr sz="1400">
+              <a:solidFill>
+                <a:schemeClr val="dk1"/>
+              </a:solidFill>
+              <a:latin typeface="Century Gothic"/>
+              <a:ea typeface="Century Gothic"/>
+              <a:cs typeface="Century Gothic"/>
+              <a:sym typeface="Century Gothic"/>
+            </a:endParaRPr>
+          </a:p>
+          <a:p>
+            <a:pPr marL="0" lvl="0" indent="0" algn="l" rtl="0">
+              <a:lnSpc>
+                <a:spcPct val="115000"/>
+              </a:lnSpc>
+              <a:spcBef>
+                <a:spcPts val="1000"/>
+              </a:spcBef>
+              <a:spcAft>
+                <a:spcPts val="0"/>
+              </a:spcAft>
+              <a:buSzPts val="1500"/>
+              <a:buNone/>
+            </a:pPr>
+            <a:r>
+              <a:rPr lang="en" sz="1200" b="1" i="1">
+                <a:solidFill>
+                  <a:schemeClr val="dk1"/>
+                </a:solidFill>
+                <a:latin typeface="Century Gothic"/>
+                <a:ea typeface="Century Gothic"/>
+                <a:cs typeface="Century Gothic"/>
+                <a:sym typeface="Century Gothic"/>
+              </a:rPr>
+              <a:t>Note</a:t>
+            </a:r>
+            <a:r>
+              <a:rPr lang="en" sz="1200" i="1">
+                <a:solidFill>
+                  <a:schemeClr val="dk1"/>
+                </a:solidFill>
+                <a:latin typeface="Century Gothic"/>
+                <a:ea typeface="Century Gothic"/>
+                <a:cs typeface="Century Gothic"/>
+                <a:sym typeface="Century Gothic"/>
+              </a:rPr>
+              <a:t>: You can use more than one slide if needed </a:t>
+            </a:r>
+            <a:endParaRPr sz="1300" i="1">
+              <a:solidFill>
+                <a:schemeClr val="dk1"/>
+              </a:solidFill>
+              <a:latin typeface="Century Gothic"/>
+              <a:ea typeface="Century Gothic"/>
+              <a:cs typeface="Century Gothic"/>
+              <a:sym typeface="Century Gothic"/>
+            </a:endParaRPr>
+          </a:p>
+          <a:p>
+            <a:pPr marL="0" lvl="0" indent="0" algn="l" rtl="0">
+              <a:lnSpc>
+                <a:spcPct val="115000"/>
+              </a:lnSpc>
+              <a:spcBef>
+                <a:spcPts val="1000"/>
+              </a:spcBef>
+              <a:spcAft>
+                <a:spcPts val="1000"/>
+              </a:spcAft>
+              <a:buSzPts val="1500"/>
+              <a:buNone/>
+            </a:pPr>
+            <a:endParaRPr sz="1400">
+              <a:solidFill>
+                <a:schemeClr val="dk1"/>
+              </a:solidFill>
+              <a:latin typeface="Century Gothic"/>
+              <a:ea typeface="Century Gothic"/>
+              <a:cs typeface="Century Gothic"/>
+              <a:sym typeface="Century Gothic"/>
+            </a:endParaRPr>
+          </a:p>
+        </p:txBody>
+      </p:sp>
+      <p:sp>
+        <p:nvSpPr>
+          <p:cNvPr id="183" name="Google Shape;183;p40"/>
+          <p:cNvSpPr txBox="1"/>
+          <p:nvPr/>
+        </p:nvSpPr>
+        <p:spPr>
+          <a:xfrm>
+            <a:off x="4077350" y="4568775"/>
+            <a:ext cx="5010600" cy="369300"/>
+          </a:xfrm>
+          <a:prstGeom prst="rect">
+            <a:avLst/>
+          </a:prstGeom>
+          <a:noFill/>
+          <a:ln>
+            <a:noFill/>
+          </a:ln>
+        </p:spPr>
+        <p:txBody>
+          <a:bodyPr spcFirstLastPara="1" wrap="square" lIns="91425" tIns="91425" rIns="91425" bIns="91425" anchor="t" anchorCtr="0">
+            <a:spAutoFit/>
+          </a:bodyPr>
+          <a:lstStyle/>
+          <a:p>
+            <a:pPr marL="0" marR="0" lvl="0" indent="0" algn="r" rtl="0">
+              <a:lnSpc>
+                <a:spcPct val="100000"/>
+              </a:lnSpc>
+              <a:spcBef>
+                <a:spcPts val="0"/>
+              </a:spcBef>
+              <a:spcAft>
+                <a:spcPts val="0"/>
+              </a:spcAft>
+              <a:buClr>
+                <a:srgbClr val="000000"/>
+              </a:buClr>
+              <a:buSzPts val="1200"/>
+              <a:buFont typeface="Arial"/>
+              <a:buNone/>
+            </a:pPr>
+            <a:endParaRPr sz="1200" b="0" i="1" u="none" strike="noStrike" cap="none">
+              <a:solidFill>
+                <a:srgbClr val="666666"/>
+              </a:solidFill>
+              <a:latin typeface="Nunito"/>
+              <a:ea typeface="Nunito"/>
+              <a:cs typeface="Nunito"/>
+              <a:sym typeface="Nunito"/>
+            </a:endParaRPr>
+          </a:p>
+        </p:txBody>
+      </p:sp>
+    </p:spTree>
+  </p:cSld>
+  <p:clrMapOvr>
+    <a:masterClrMapping/>
+  </p:clrMapOvr>
+</p:sld>
+</file>
+
+<file path=ppt/slides/slide52.xml><?xml version="1.0" encoding="utf-8"?>
+<p:sld xmlns:a="http://schemas.openxmlformats.org/drawingml/2006/main" xmlns:r="http://schemas.openxmlformats.org/officeDocument/2006/relationships" xmlns:p="http://schemas.openxmlformats.org/presentationml/2006/main">
+  <p:cSld>
+    <p:spTree>
+      <p:nvGrpSpPr>
+        <p:cNvPr id="1" name="Shape 180">
+          <a:extLst>
+            <a:ext uri="{FF2B5EF4-FFF2-40B4-BE49-F238E27FC236}">
+              <a16:creationId xmlns:a16="http://schemas.microsoft.com/office/drawing/2014/main" id="{B1BDCEA3-319E-203F-0792-93DA08114F5A}"/>
+            </a:ext>
+          </a:extLst>
+        </p:cNvPr>
+        <p:cNvGrpSpPr/>
+        <p:nvPr/>
+      </p:nvGrpSpPr>
+      <p:grpSpPr>
+        <a:xfrm>
+          <a:off x="0" y="0"/>
+          <a:ext cx="0" cy="0"/>
+          <a:chOff x="0" y="0"/>
+          <a:chExt cx="0" cy="0"/>
+        </a:xfrm>
+      </p:grpSpPr>
+      <p:sp>
+        <p:nvSpPr>
+          <p:cNvPr id="181" name="Google Shape;181;p40">
+            <a:extLst>
+              <a:ext uri="{FF2B5EF4-FFF2-40B4-BE49-F238E27FC236}">
+                <a16:creationId xmlns:a16="http://schemas.microsoft.com/office/drawing/2014/main" id="{19803881-D807-14DD-D17B-DBCE722295CF}"/>
+              </a:ext>
+            </a:extLst>
+          </p:cNvPr>
+          <p:cNvSpPr txBox="1">
+            <a:spLocks noGrp="1"/>
+          </p:cNvSpPr>
+          <p:nvPr>
+            <p:ph type="title"/>
+          </p:nvPr>
+        </p:nvSpPr>
+        <p:spPr>
+          <a:xfrm>
+            <a:off x="202550" y="289279"/>
+            <a:ext cx="8520600" cy="572700"/>
+          </a:xfrm>
+          <a:prstGeom prst="rect">
+            <a:avLst/>
+          </a:prstGeom>
+          <a:noFill/>
+          <a:ln>
+            <a:noFill/>
+          </a:ln>
+        </p:spPr>
+        <p:txBody>
+          <a:bodyPr spcFirstLastPara="1" wrap="square" lIns="91425" tIns="91425" rIns="91425" bIns="91425" anchor="t" anchorCtr="0">
+            <a:noAutofit/>
+          </a:bodyPr>
+          <a:lstStyle/>
+          <a:p>
+            <a:pPr marL="0" lvl="0" indent="0" algn="l" rtl="0">
+              <a:lnSpc>
+                <a:spcPct val="100000"/>
+              </a:lnSpc>
+              <a:spcBef>
+                <a:spcPts val="0"/>
+              </a:spcBef>
+              <a:spcAft>
+                <a:spcPts val="0"/>
+              </a:spcAft>
+              <a:buSzPts val="2200"/>
+              <a:buNone/>
+            </a:pPr>
+            <a:r>
+              <a:rPr lang="en" dirty="0">
+                <a:solidFill>
+                  <a:schemeClr val="lt2"/>
+                </a:solidFill>
+                <a:latin typeface="Century Gothic"/>
+                <a:ea typeface="Century Gothic"/>
+                <a:cs typeface="Century Gothic"/>
+                <a:sym typeface="Century Gothic"/>
+              </a:rPr>
+              <a:t>Best Performing Models</a:t>
+            </a:r>
+            <a:endParaRPr dirty="0">
+              <a:solidFill>
+                <a:schemeClr val="lt2"/>
+              </a:solidFill>
+              <a:latin typeface="Century Gothic"/>
+              <a:ea typeface="Century Gothic"/>
+              <a:cs typeface="Century Gothic"/>
+              <a:sym typeface="Century Gothic"/>
+            </a:endParaRPr>
+          </a:p>
+        </p:txBody>
+      </p:sp>
+      <p:sp>
+        <p:nvSpPr>
+          <p:cNvPr id="182" name="Google Shape;182;p40">
+            <a:extLst>
+              <a:ext uri="{FF2B5EF4-FFF2-40B4-BE49-F238E27FC236}">
+                <a16:creationId xmlns:a16="http://schemas.microsoft.com/office/drawing/2014/main" id="{D6B2DC45-4894-AFCE-4A4C-729A0DE9A42D}"/>
+              </a:ext>
+            </a:extLst>
+          </p:cNvPr>
+          <p:cNvSpPr txBox="1">
+            <a:spLocks noGrp="1"/>
+          </p:cNvSpPr>
+          <p:nvPr>
+            <p:ph type="body" idx="1"/>
+          </p:nvPr>
+        </p:nvSpPr>
+        <p:spPr>
+          <a:xfrm>
+            <a:off x="202550" y="861975"/>
+            <a:ext cx="8629800" cy="3706800"/>
+          </a:xfrm>
+          <a:prstGeom prst="rect">
+            <a:avLst/>
+          </a:prstGeom>
+          <a:noFill/>
+          <a:ln>
+            <a:noFill/>
+          </a:ln>
+        </p:spPr>
+        <p:txBody>
+          <a:bodyPr spcFirstLastPara="1" wrap="square" lIns="91425" tIns="91425" rIns="91425" bIns="91425" anchor="t" anchorCtr="0">
+            <a:noAutofit/>
+          </a:bodyPr>
+          <a:lstStyle/>
+          <a:p>
+            <a:pPr marL="457200" lvl="0" indent="-317500" algn="l" rtl="0">
+              <a:lnSpc>
+                <a:spcPct val="115000"/>
+              </a:lnSpc>
+              <a:spcBef>
+                <a:spcPts val="0"/>
+              </a:spcBef>
+              <a:spcAft>
+                <a:spcPts val="0"/>
+              </a:spcAft>
+              <a:buClr>
+                <a:schemeClr val="dk1"/>
+              </a:buClr>
+              <a:buSzPts val="1400"/>
+              <a:buFont typeface="Century Gothic"/>
+              <a:buChar char="●"/>
+            </a:pPr>
+            <a:r>
+              <a:rPr lang="en" sz="1400">
+                <a:solidFill>
+                  <a:schemeClr val="dk1"/>
+                </a:solidFill>
+                <a:latin typeface="Century Gothic"/>
+                <a:ea typeface="Century Gothic"/>
+                <a:cs typeface="Century Gothic"/>
+                <a:sym typeface="Century Gothic"/>
+              </a:rPr>
+              <a:t>Overview of the actual output</a:t>
+            </a:r>
+            <a:endParaRPr sz="1400">
+              <a:solidFill>
+                <a:schemeClr val="dk1"/>
+              </a:solidFill>
+              <a:latin typeface="Century Gothic"/>
+              <a:ea typeface="Century Gothic"/>
+              <a:cs typeface="Century Gothic"/>
+              <a:sym typeface="Century Gothic"/>
+            </a:endParaRPr>
+          </a:p>
+          <a:p>
+            <a:pPr marL="457200" lvl="0" indent="-317500" algn="l" rtl="0">
+              <a:lnSpc>
+                <a:spcPct val="115000"/>
+              </a:lnSpc>
+              <a:spcBef>
+                <a:spcPts val="0"/>
+              </a:spcBef>
+              <a:spcAft>
+                <a:spcPts val="0"/>
+              </a:spcAft>
+              <a:buClr>
+                <a:schemeClr val="dk1"/>
+              </a:buClr>
+              <a:buSzPts val="1400"/>
+              <a:buFont typeface="Century Gothic"/>
+              <a:buChar char="●"/>
+            </a:pPr>
+            <a:r>
+              <a:rPr lang="en" sz="1400">
+                <a:solidFill>
+                  <a:schemeClr val="dk1"/>
+                </a:solidFill>
+                <a:latin typeface="Century Gothic"/>
+                <a:ea typeface="Century Gothic"/>
+                <a:cs typeface="Century Gothic"/>
+                <a:sym typeface="Century Gothic"/>
+              </a:rPr>
+              <a:t>Explain the structured fields of the output</a:t>
+            </a:r>
+            <a:endParaRPr sz="1400">
+              <a:solidFill>
+                <a:schemeClr val="dk1"/>
+              </a:solidFill>
+              <a:latin typeface="Century Gothic"/>
+              <a:ea typeface="Century Gothic"/>
+              <a:cs typeface="Century Gothic"/>
+              <a:sym typeface="Century Gothic"/>
+            </a:endParaRPr>
+          </a:p>
+          <a:p>
+            <a:pPr marL="0" lvl="0" indent="0" algn="l" rtl="0">
+              <a:lnSpc>
+                <a:spcPct val="115000"/>
+              </a:lnSpc>
+              <a:spcBef>
+                <a:spcPts val="1000"/>
+              </a:spcBef>
+              <a:spcAft>
+                <a:spcPts val="0"/>
+              </a:spcAft>
+              <a:buSzPts val="1500"/>
+              <a:buNone/>
+            </a:pPr>
+            <a:endParaRPr sz="1400">
+              <a:solidFill>
+                <a:schemeClr val="dk1"/>
+              </a:solidFill>
+              <a:latin typeface="Century Gothic"/>
+              <a:ea typeface="Century Gothic"/>
+              <a:cs typeface="Century Gothic"/>
+              <a:sym typeface="Century Gothic"/>
+            </a:endParaRPr>
+          </a:p>
+          <a:p>
+            <a:pPr marL="0" lvl="0" indent="0" algn="l" rtl="0">
+              <a:lnSpc>
+                <a:spcPct val="115000"/>
+              </a:lnSpc>
+              <a:spcBef>
+                <a:spcPts val="1000"/>
+              </a:spcBef>
+              <a:spcAft>
+                <a:spcPts val="0"/>
+              </a:spcAft>
+              <a:buSzPts val="1500"/>
+              <a:buNone/>
+            </a:pPr>
+            <a:endParaRPr sz="1400">
+              <a:solidFill>
+                <a:schemeClr val="dk1"/>
+              </a:solidFill>
+              <a:latin typeface="Century Gothic"/>
+              <a:ea typeface="Century Gothic"/>
+              <a:cs typeface="Century Gothic"/>
+              <a:sym typeface="Century Gothic"/>
+            </a:endParaRPr>
+          </a:p>
+          <a:p>
+            <a:pPr marL="0" lvl="0" indent="0" algn="l" rtl="0">
+              <a:lnSpc>
+                <a:spcPct val="115000"/>
+              </a:lnSpc>
+              <a:spcBef>
+                <a:spcPts val="1000"/>
+              </a:spcBef>
+              <a:spcAft>
+                <a:spcPts val="0"/>
+              </a:spcAft>
+              <a:buSzPts val="1500"/>
+              <a:buNone/>
+            </a:pPr>
+            <a:r>
+              <a:rPr lang="en" sz="1200" b="1" i="1">
+                <a:solidFill>
+                  <a:schemeClr val="dk1"/>
+                </a:solidFill>
+                <a:latin typeface="Century Gothic"/>
+                <a:ea typeface="Century Gothic"/>
+                <a:cs typeface="Century Gothic"/>
+                <a:sym typeface="Century Gothic"/>
+              </a:rPr>
+              <a:t>Note</a:t>
+            </a:r>
+            <a:r>
+              <a:rPr lang="en" sz="1200" i="1">
+                <a:solidFill>
+                  <a:schemeClr val="dk1"/>
+                </a:solidFill>
+                <a:latin typeface="Century Gothic"/>
+                <a:ea typeface="Century Gothic"/>
+                <a:cs typeface="Century Gothic"/>
+                <a:sym typeface="Century Gothic"/>
+              </a:rPr>
+              <a:t>: You can use more than one slide if needed </a:t>
+            </a:r>
+            <a:endParaRPr sz="1300" i="1">
+              <a:solidFill>
+                <a:schemeClr val="dk1"/>
+              </a:solidFill>
+              <a:latin typeface="Century Gothic"/>
+              <a:ea typeface="Century Gothic"/>
+              <a:cs typeface="Century Gothic"/>
+              <a:sym typeface="Century Gothic"/>
+            </a:endParaRPr>
+          </a:p>
+          <a:p>
+            <a:pPr marL="0" lvl="0" indent="0" algn="l" rtl="0">
+              <a:lnSpc>
+                <a:spcPct val="115000"/>
+              </a:lnSpc>
+              <a:spcBef>
+                <a:spcPts val="1000"/>
+              </a:spcBef>
+              <a:spcAft>
+                <a:spcPts val="1000"/>
+              </a:spcAft>
+              <a:buSzPts val="1500"/>
+              <a:buNone/>
+            </a:pPr>
+            <a:endParaRPr sz="1400">
+              <a:solidFill>
+                <a:schemeClr val="dk1"/>
+              </a:solidFill>
+              <a:latin typeface="Century Gothic"/>
+              <a:ea typeface="Century Gothic"/>
+              <a:cs typeface="Century Gothic"/>
+              <a:sym typeface="Century Gothic"/>
+            </a:endParaRPr>
+          </a:p>
+        </p:txBody>
+      </p:sp>
+      <p:sp>
+        <p:nvSpPr>
+          <p:cNvPr id="183" name="Google Shape;183;p40">
+            <a:extLst>
+              <a:ext uri="{FF2B5EF4-FFF2-40B4-BE49-F238E27FC236}">
+                <a16:creationId xmlns:a16="http://schemas.microsoft.com/office/drawing/2014/main" id="{4F35F4F7-4719-AEC0-FD2C-D58CCA7E6ECA}"/>
+              </a:ext>
+            </a:extLst>
+          </p:cNvPr>
+          <p:cNvSpPr txBox="1"/>
+          <p:nvPr/>
+        </p:nvSpPr>
+        <p:spPr>
+          <a:xfrm>
+            <a:off x="4077350" y="4568775"/>
+            <a:ext cx="5010600" cy="369300"/>
+          </a:xfrm>
+          <a:prstGeom prst="rect">
+            <a:avLst/>
+          </a:prstGeom>
+          <a:noFill/>
+          <a:ln>
+            <a:noFill/>
+          </a:ln>
+        </p:spPr>
+        <p:txBody>
+          <a:bodyPr spcFirstLastPara="1" wrap="square" lIns="91425" tIns="91425" rIns="91425" bIns="91425" anchor="t" anchorCtr="0">
+            <a:spAutoFit/>
+          </a:bodyPr>
+          <a:lstStyle/>
+          <a:p>
+            <a:pPr marL="0" marR="0" lvl="0" indent="0" algn="r" rtl="0">
+              <a:lnSpc>
+                <a:spcPct val="100000"/>
+              </a:lnSpc>
+              <a:spcBef>
+                <a:spcPts val="0"/>
+              </a:spcBef>
+              <a:spcAft>
+                <a:spcPts val="0"/>
+              </a:spcAft>
+              <a:buClr>
+                <a:srgbClr val="000000"/>
+              </a:buClr>
+              <a:buSzPts val="1200"/>
+              <a:buFont typeface="Arial"/>
+              <a:buNone/>
+            </a:pPr>
+            <a:endParaRPr sz="1200" b="0" i="1" u="none" strike="noStrike" cap="none">
+              <a:solidFill>
+                <a:srgbClr val="666666"/>
+              </a:solidFill>
+              <a:latin typeface="Nunito"/>
+              <a:ea typeface="Nunito"/>
+              <a:cs typeface="Nunito"/>
+              <a:sym typeface="Nunito"/>
+            </a:endParaRPr>
+          </a:p>
+        </p:txBody>
+      </p:sp>
+    </p:spTree>
+    <p:extLst>
+      <p:ext uri="{BB962C8B-B14F-4D97-AF65-F5344CB8AC3E}">
+        <p14:creationId xmlns:p14="http://schemas.microsoft.com/office/powerpoint/2010/main" val="3363624449"/>
+      </p:ext>
+    </p:extLst>
+  </p:cSld>
+  <p:clrMapOvr>
+    <a:masterClrMapping/>
+  </p:clrMapOvr>
+</p:sld>
+</file>
+
+<file path=ppt/slides/slide53.xml><?xml version="1.0" encoding="utf-8"?>
+<p:sld xmlns:a="http://schemas.openxmlformats.org/drawingml/2006/main" xmlns:r="http://schemas.openxmlformats.org/officeDocument/2006/relationships" xmlns:p="http://schemas.openxmlformats.org/presentationml/2006/main">
+  <p:cSld>
+    <p:spTree>
+      <p:nvGrpSpPr>
+        <p:cNvPr id="1" name="Shape 180">
+          <a:extLst>
+            <a:ext uri="{FF2B5EF4-FFF2-40B4-BE49-F238E27FC236}">
+              <a16:creationId xmlns:a16="http://schemas.microsoft.com/office/drawing/2014/main" id="{71B6E868-FBB6-A003-0601-74D06F71DA71}"/>
+            </a:ext>
+          </a:extLst>
+        </p:cNvPr>
+        <p:cNvGrpSpPr/>
+        <p:nvPr/>
+      </p:nvGrpSpPr>
+      <p:grpSpPr>
+        <a:xfrm>
+          <a:off x="0" y="0"/>
+          <a:ext cx="0" cy="0"/>
+          <a:chOff x="0" y="0"/>
+          <a:chExt cx="0" cy="0"/>
+        </a:xfrm>
+      </p:grpSpPr>
+      <p:sp>
+        <p:nvSpPr>
+          <p:cNvPr id="181" name="Google Shape;181;p40">
+            <a:extLst>
+              <a:ext uri="{FF2B5EF4-FFF2-40B4-BE49-F238E27FC236}">
+                <a16:creationId xmlns:a16="http://schemas.microsoft.com/office/drawing/2014/main" id="{6822A9A0-3D5C-0DAE-8723-EC04E8ADA586}"/>
+              </a:ext>
+            </a:extLst>
+          </p:cNvPr>
+          <p:cNvSpPr txBox="1">
+            <a:spLocks noGrp="1"/>
+          </p:cNvSpPr>
+          <p:nvPr>
+            <p:ph type="title"/>
+          </p:nvPr>
+        </p:nvSpPr>
+        <p:spPr>
+          <a:xfrm>
+            <a:off x="202550" y="289279"/>
+            <a:ext cx="8520600" cy="572700"/>
+          </a:xfrm>
+          <a:prstGeom prst="rect">
+            <a:avLst/>
+          </a:prstGeom>
+          <a:noFill/>
+          <a:ln>
+            <a:noFill/>
+          </a:ln>
+        </p:spPr>
+        <p:txBody>
+          <a:bodyPr spcFirstLastPara="1" wrap="square" lIns="91425" tIns="91425" rIns="91425" bIns="91425" anchor="t" anchorCtr="0">
+            <a:noAutofit/>
+          </a:bodyPr>
+          <a:lstStyle/>
+          <a:p>
+            <a:pPr marL="0" lvl="0" indent="0" algn="l" rtl="0">
+              <a:lnSpc>
+                <a:spcPct val="100000"/>
+              </a:lnSpc>
+              <a:spcBef>
+                <a:spcPts val="0"/>
+              </a:spcBef>
+              <a:spcAft>
+                <a:spcPts val="0"/>
+              </a:spcAft>
+              <a:buSzPts val="2200"/>
+              <a:buNone/>
+            </a:pPr>
+            <a:r>
+              <a:rPr lang="en" dirty="0">
+                <a:solidFill>
+                  <a:schemeClr val="lt2"/>
+                </a:solidFill>
+                <a:latin typeface="Century Gothic"/>
+                <a:ea typeface="Century Gothic"/>
+                <a:cs typeface="Century Gothic"/>
+                <a:sym typeface="Century Gothic"/>
+              </a:rPr>
+              <a:t>Classification Results of Full Dataset</a:t>
+            </a:r>
+            <a:endParaRPr dirty="0">
+              <a:solidFill>
+                <a:schemeClr val="lt2"/>
+              </a:solidFill>
+              <a:latin typeface="Century Gothic"/>
+              <a:ea typeface="Century Gothic"/>
+              <a:cs typeface="Century Gothic"/>
+              <a:sym typeface="Century Gothic"/>
+            </a:endParaRPr>
+          </a:p>
+        </p:txBody>
+      </p:sp>
+      <p:sp>
+        <p:nvSpPr>
+          <p:cNvPr id="182" name="Google Shape;182;p40">
+            <a:extLst>
+              <a:ext uri="{FF2B5EF4-FFF2-40B4-BE49-F238E27FC236}">
+                <a16:creationId xmlns:a16="http://schemas.microsoft.com/office/drawing/2014/main" id="{C7A3DAA6-0994-2CC5-5118-97A54BDFE025}"/>
+              </a:ext>
+            </a:extLst>
+          </p:cNvPr>
+          <p:cNvSpPr txBox="1">
+            <a:spLocks noGrp="1"/>
+          </p:cNvSpPr>
+          <p:nvPr>
+            <p:ph type="body" idx="1"/>
+          </p:nvPr>
+        </p:nvSpPr>
+        <p:spPr>
+          <a:xfrm>
+            <a:off x="202550" y="861975"/>
+            <a:ext cx="8629800" cy="3706800"/>
+          </a:xfrm>
+          <a:prstGeom prst="rect">
+            <a:avLst/>
+          </a:prstGeom>
+          <a:noFill/>
+          <a:ln>
+            <a:noFill/>
+          </a:ln>
+        </p:spPr>
+        <p:txBody>
+          <a:bodyPr spcFirstLastPara="1" wrap="square" lIns="91425" tIns="91425" rIns="91425" bIns="91425" anchor="t" anchorCtr="0">
+            <a:noAutofit/>
+          </a:bodyPr>
+          <a:lstStyle/>
+          <a:p>
+            <a:pPr marL="457200" lvl="0" indent="-317500" algn="l" rtl="0">
+              <a:lnSpc>
+                <a:spcPct val="115000"/>
+              </a:lnSpc>
+              <a:spcBef>
+                <a:spcPts val="0"/>
+              </a:spcBef>
+              <a:spcAft>
+                <a:spcPts val="0"/>
+              </a:spcAft>
+              <a:buClr>
+                <a:schemeClr val="dk1"/>
+              </a:buClr>
+              <a:buSzPts val="1400"/>
+              <a:buFont typeface="Century Gothic"/>
+              <a:buChar char="●"/>
+            </a:pPr>
+            <a:r>
+              <a:rPr lang="en" sz="1400">
+                <a:solidFill>
+                  <a:schemeClr val="dk1"/>
+                </a:solidFill>
+                <a:latin typeface="Century Gothic"/>
+                <a:ea typeface="Century Gothic"/>
+                <a:cs typeface="Century Gothic"/>
+                <a:sym typeface="Century Gothic"/>
+              </a:rPr>
+              <a:t>Overview of the actual output</a:t>
+            </a:r>
+            <a:endParaRPr sz="1400">
+              <a:solidFill>
+                <a:schemeClr val="dk1"/>
+              </a:solidFill>
+              <a:latin typeface="Century Gothic"/>
+              <a:ea typeface="Century Gothic"/>
+              <a:cs typeface="Century Gothic"/>
+              <a:sym typeface="Century Gothic"/>
+            </a:endParaRPr>
+          </a:p>
+          <a:p>
+            <a:pPr marL="457200" lvl="0" indent="-317500" algn="l" rtl="0">
+              <a:lnSpc>
+                <a:spcPct val="115000"/>
+              </a:lnSpc>
+              <a:spcBef>
+                <a:spcPts val="0"/>
+              </a:spcBef>
+              <a:spcAft>
+                <a:spcPts val="0"/>
+              </a:spcAft>
+              <a:buClr>
+                <a:schemeClr val="dk1"/>
+              </a:buClr>
+              <a:buSzPts val="1400"/>
+              <a:buFont typeface="Century Gothic"/>
+              <a:buChar char="●"/>
+            </a:pPr>
+            <a:r>
+              <a:rPr lang="en" sz="1400">
+                <a:solidFill>
+                  <a:schemeClr val="dk1"/>
+                </a:solidFill>
+                <a:latin typeface="Century Gothic"/>
+                <a:ea typeface="Century Gothic"/>
+                <a:cs typeface="Century Gothic"/>
+                <a:sym typeface="Century Gothic"/>
+              </a:rPr>
+              <a:t>Explain the structured fields of the output</a:t>
+            </a:r>
+            <a:endParaRPr sz="1400">
+              <a:solidFill>
+                <a:schemeClr val="dk1"/>
+              </a:solidFill>
+              <a:latin typeface="Century Gothic"/>
+              <a:ea typeface="Century Gothic"/>
+              <a:cs typeface="Century Gothic"/>
+              <a:sym typeface="Century Gothic"/>
+            </a:endParaRPr>
+          </a:p>
+          <a:p>
+            <a:pPr marL="0" lvl="0" indent="0" algn="l" rtl="0">
+              <a:lnSpc>
+                <a:spcPct val="115000"/>
+              </a:lnSpc>
+              <a:spcBef>
+                <a:spcPts val="1000"/>
+              </a:spcBef>
+              <a:spcAft>
+                <a:spcPts val="0"/>
+              </a:spcAft>
+              <a:buSzPts val="1500"/>
+              <a:buNone/>
+            </a:pPr>
+            <a:endParaRPr sz="1400">
+              <a:solidFill>
+                <a:schemeClr val="dk1"/>
+              </a:solidFill>
+              <a:latin typeface="Century Gothic"/>
+              <a:ea typeface="Century Gothic"/>
+              <a:cs typeface="Century Gothic"/>
+              <a:sym typeface="Century Gothic"/>
+            </a:endParaRPr>
+          </a:p>
+          <a:p>
+            <a:pPr marL="0" lvl="0" indent="0" algn="l" rtl="0">
+              <a:lnSpc>
+                <a:spcPct val="115000"/>
+              </a:lnSpc>
+              <a:spcBef>
+                <a:spcPts val="1000"/>
+              </a:spcBef>
+              <a:spcAft>
+                <a:spcPts val="0"/>
+              </a:spcAft>
+              <a:buSzPts val="1500"/>
+              <a:buNone/>
+            </a:pPr>
+            <a:endParaRPr sz="1400">
+              <a:solidFill>
+                <a:schemeClr val="dk1"/>
+              </a:solidFill>
+              <a:latin typeface="Century Gothic"/>
+              <a:ea typeface="Century Gothic"/>
+              <a:cs typeface="Century Gothic"/>
+              <a:sym typeface="Century Gothic"/>
+            </a:endParaRPr>
+          </a:p>
+          <a:p>
+            <a:pPr marL="0" lvl="0" indent="0" algn="l" rtl="0">
+              <a:lnSpc>
+                <a:spcPct val="115000"/>
+              </a:lnSpc>
+              <a:spcBef>
+                <a:spcPts val="1000"/>
+              </a:spcBef>
+              <a:spcAft>
+                <a:spcPts val="0"/>
+              </a:spcAft>
+              <a:buSzPts val="1500"/>
+              <a:buNone/>
+            </a:pPr>
+            <a:r>
+              <a:rPr lang="en" sz="1200" b="1" i="1">
+                <a:solidFill>
+                  <a:schemeClr val="dk1"/>
+                </a:solidFill>
+                <a:latin typeface="Century Gothic"/>
+                <a:ea typeface="Century Gothic"/>
+                <a:cs typeface="Century Gothic"/>
+                <a:sym typeface="Century Gothic"/>
+              </a:rPr>
+              <a:t>Note</a:t>
+            </a:r>
+            <a:r>
+              <a:rPr lang="en" sz="1200" i="1">
+                <a:solidFill>
+                  <a:schemeClr val="dk1"/>
+                </a:solidFill>
+                <a:latin typeface="Century Gothic"/>
+                <a:ea typeface="Century Gothic"/>
+                <a:cs typeface="Century Gothic"/>
+                <a:sym typeface="Century Gothic"/>
+              </a:rPr>
+              <a:t>: You can use more than one slide if needed </a:t>
+            </a:r>
+            <a:endParaRPr sz="1300" i="1">
+              <a:solidFill>
+                <a:schemeClr val="dk1"/>
+              </a:solidFill>
+              <a:latin typeface="Century Gothic"/>
+              <a:ea typeface="Century Gothic"/>
+              <a:cs typeface="Century Gothic"/>
+              <a:sym typeface="Century Gothic"/>
+            </a:endParaRPr>
+          </a:p>
+          <a:p>
+            <a:pPr marL="0" lvl="0" indent="0" algn="l" rtl="0">
+              <a:lnSpc>
+                <a:spcPct val="115000"/>
+              </a:lnSpc>
+              <a:spcBef>
+                <a:spcPts val="1000"/>
+              </a:spcBef>
+              <a:spcAft>
+                <a:spcPts val="1000"/>
+              </a:spcAft>
+              <a:buSzPts val="1500"/>
+              <a:buNone/>
+            </a:pPr>
+            <a:endParaRPr sz="1400">
+              <a:solidFill>
+                <a:schemeClr val="dk1"/>
+              </a:solidFill>
+              <a:latin typeface="Century Gothic"/>
+              <a:ea typeface="Century Gothic"/>
+              <a:cs typeface="Century Gothic"/>
+              <a:sym typeface="Century Gothic"/>
+            </a:endParaRPr>
+          </a:p>
+        </p:txBody>
+      </p:sp>
+      <p:sp>
+        <p:nvSpPr>
+          <p:cNvPr id="183" name="Google Shape;183;p40">
+            <a:extLst>
+              <a:ext uri="{FF2B5EF4-FFF2-40B4-BE49-F238E27FC236}">
+                <a16:creationId xmlns:a16="http://schemas.microsoft.com/office/drawing/2014/main" id="{F649C90F-DC2B-4473-2DB4-8C8148FE85CD}"/>
+              </a:ext>
+            </a:extLst>
+          </p:cNvPr>
+          <p:cNvSpPr txBox="1"/>
+          <p:nvPr/>
+        </p:nvSpPr>
+        <p:spPr>
+          <a:xfrm>
+            <a:off x="4077350" y="4568775"/>
+            <a:ext cx="5010600" cy="369300"/>
+          </a:xfrm>
+          <a:prstGeom prst="rect">
+            <a:avLst/>
+          </a:prstGeom>
+          <a:noFill/>
+          <a:ln>
+            <a:noFill/>
+          </a:ln>
+        </p:spPr>
+        <p:txBody>
+          <a:bodyPr spcFirstLastPara="1" wrap="square" lIns="91425" tIns="91425" rIns="91425" bIns="91425" anchor="t" anchorCtr="0">
+            <a:spAutoFit/>
+          </a:bodyPr>
+          <a:lstStyle/>
+          <a:p>
+            <a:pPr marL="0" marR="0" lvl="0" indent="0" algn="r" rtl="0">
+              <a:lnSpc>
+                <a:spcPct val="100000"/>
+              </a:lnSpc>
+              <a:spcBef>
+                <a:spcPts val="0"/>
+              </a:spcBef>
+              <a:spcAft>
+                <a:spcPts val="0"/>
+              </a:spcAft>
+              <a:buClr>
+                <a:srgbClr val="000000"/>
+              </a:buClr>
+              <a:buSzPts val="1200"/>
+              <a:buFont typeface="Arial"/>
+              <a:buNone/>
+            </a:pPr>
+            <a:endParaRPr sz="1200" b="0" i="1" u="none" strike="noStrike" cap="none">
+              <a:solidFill>
+                <a:srgbClr val="666666"/>
+              </a:solidFill>
+              <a:latin typeface="Nunito"/>
+              <a:ea typeface="Nunito"/>
+              <a:cs typeface="Nunito"/>
+              <a:sym typeface="Nunito"/>
+            </a:endParaRPr>
+          </a:p>
+        </p:txBody>
+      </p:sp>
+    </p:spTree>
+    <p:extLst>
+      <p:ext uri="{BB962C8B-B14F-4D97-AF65-F5344CB8AC3E}">
+        <p14:creationId xmlns:p14="http://schemas.microsoft.com/office/powerpoint/2010/main" val="3883528173"/>
+      </p:ext>
+    </p:extLst>
+  </p:cSld>
+  <p:clrMapOvr>
+    <a:masterClrMapping/>
+  </p:clrMapOvr>
+</p:sld>
+</file>
+
+<file path=ppt/slides/slide54.xml><?xml version="1.0" encoding="utf-8"?>
+<p:sld xmlns:a="http://schemas.openxmlformats.org/drawingml/2006/main" xmlns:r="http://schemas.openxmlformats.org/officeDocument/2006/relationships" xmlns:p="http://schemas.openxmlformats.org/presentationml/2006/main">
+  <p:cSld>
+    <p:spTree>
+      <p:nvGrpSpPr>
+        <p:cNvPr id="1" name="Shape 180">
+          <a:extLst>
+            <a:ext uri="{FF2B5EF4-FFF2-40B4-BE49-F238E27FC236}">
+              <a16:creationId xmlns:a16="http://schemas.microsoft.com/office/drawing/2014/main" id="{C033B36F-314C-5C4D-411D-9355CCEC139C}"/>
+            </a:ext>
+          </a:extLst>
+        </p:cNvPr>
+        <p:cNvGrpSpPr/>
+        <p:nvPr/>
+      </p:nvGrpSpPr>
+      <p:grpSpPr>
+        <a:xfrm>
+          <a:off x="0" y="0"/>
+          <a:ext cx="0" cy="0"/>
+          <a:chOff x="0" y="0"/>
+          <a:chExt cx="0" cy="0"/>
+        </a:xfrm>
+      </p:grpSpPr>
+      <p:sp>
+        <p:nvSpPr>
+          <p:cNvPr id="181" name="Google Shape;181;p40">
+            <a:extLst>
+              <a:ext uri="{FF2B5EF4-FFF2-40B4-BE49-F238E27FC236}">
+                <a16:creationId xmlns:a16="http://schemas.microsoft.com/office/drawing/2014/main" id="{AFD471D7-661B-6372-D2C7-CDF0221650BE}"/>
+              </a:ext>
+            </a:extLst>
+          </p:cNvPr>
+          <p:cNvSpPr txBox="1">
+            <a:spLocks noGrp="1"/>
+          </p:cNvSpPr>
+          <p:nvPr>
+            <p:ph type="title"/>
+          </p:nvPr>
+        </p:nvSpPr>
+        <p:spPr>
+          <a:xfrm>
+            <a:off x="202550" y="289279"/>
+            <a:ext cx="8520600" cy="572700"/>
+          </a:xfrm>
+          <a:prstGeom prst="rect">
+            <a:avLst/>
+          </a:prstGeom>
+          <a:noFill/>
+          <a:ln>
+            <a:noFill/>
+          </a:ln>
+        </p:spPr>
+        <p:txBody>
+          <a:bodyPr spcFirstLastPara="1" wrap="square" lIns="91425" tIns="91425" rIns="91425" bIns="91425" anchor="t" anchorCtr="0">
+            <a:noAutofit/>
+          </a:bodyPr>
+          <a:lstStyle/>
+          <a:p>
+            <a:pPr marL="0" lvl="0" indent="0" algn="l" rtl="0">
+              <a:lnSpc>
+                <a:spcPct val="100000"/>
+              </a:lnSpc>
+              <a:spcBef>
+                <a:spcPts val="0"/>
+              </a:spcBef>
+              <a:spcAft>
+                <a:spcPts val="0"/>
+              </a:spcAft>
+              <a:buSzPts val="2200"/>
+              <a:buNone/>
+            </a:pPr>
+            <a:r>
+              <a:rPr lang="en" dirty="0">
+                <a:solidFill>
+                  <a:schemeClr val="lt2"/>
+                </a:solidFill>
+                <a:latin typeface="Century Gothic"/>
+                <a:ea typeface="Century Gothic"/>
+                <a:cs typeface="Century Gothic"/>
+                <a:sym typeface="Century Gothic"/>
+              </a:rPr>
+              <a:t>Output from the Prompt</a:t>
+            </a:r>
+            <a:endParaRPr dirty="0">
+              <a:solidFill>
+                <a:schemeClr val="lt2"/>
+              </a:solidFill>
+              <a:latin typeface="Century Gothic"/>
+              <a:ea typeface="Century Gothic"/>
+              <a:cs typeface="Century Gothic"/>
+              <a:sym typeface="Century Gothic"/>
+            </a:endParaRPr>
+          </a:p>
+        </p:txBody>
+      </p:sp>
+      <p:sp>
+        <p:nvSpPr>
+          <p:cNvPr id="182" name="Google Shape;182;p40">
+            <a:extLst>
+              <a:ext uri="{FF2B5EF4-FFF2-40B4-BE49-F238E27FC236}">
+                <a16:creationId xmlns:a16="http://schemas.microsoft.com/office/drawing/2014/main" id="{33D16129-D9DE-5DD7-F9D7-90B7F78D280F}"/>
+              </a:ext>
+            </a:extLst>
+          </p:cNvPr>
+          <p:cNvSpPr txBox="1">
+            <a:spLocks noGrp="1"/>
+          </p:cNvSpPr>
+          <p:nvPr>
+            <p:ph type="body" idx="1"/>
+          </p:nvPr>
+        </p:nvSpPr>
+        <p:spPr>
+          <a:xfrm>
+            <a:off x="202550" y="861975"/>
+            <a:ext cx="8629800" cy="3706800"/>
+          </a:xfrm>
+          <a:prstGeom prst="rect">
+            <a:avLst/>
+          </a:prstGeom>
+          <a:noFill/>
+          <a:ln>
+            <a:noFill/>
+          </a:ln>
+        </p:spPr>
+        <p:txBody>
+          <a:bodyPr spcFirstLastPara="1" wrap="square" lIns="91425" tIns="91425" rIns="91425" bIns="91425" anchor="t" anchorCtr="0">
+            <a:noAutofit/>
+          </a:bodyPr>
+          <a:lstStyle/>
+          <a:p>
+            <a:pPr marL="457200" lvl="0" indent="-317500" algn="l" rtl="0">
+              <a:lnSpc>
+                <a:spcPct val="115000"/>
+              </a:lnSpc>
+              <a:spcBef>
+                <a:spcPts val="0"/>
+              </a:spcBef>
+              <a:spcAft>
+                <a:spcPts val="0"/>
+              </a:spcAft>
+              <a:buClr>
+                <a:schemeClr val="dk1"/>
+              </a:buClr>
+              <a:buSzPts val="1400"/>
+              <a:buFont typeface="Century Gothic"/>
+              <a:buChar char="●"/>
+            </a:pPr>
+            <a:r>
+              <a:rPr lang="en" sz="1400">
+                <a:solidFill>
+                  <a:schemeClr val="dk1"/>
+                </a:solidFill>
+                <a:latin typeface="Century Gothic"/>
+                <a:ea typeface="Century Gothic"/>
+                <a:cs typeface="Century Gothic"/>
+                <a:sym typeface="Century Gothic"/>
+              </a:rPr>
+              <a:t>Overview of the actual output</a:t>
+            </a:r>
+            <a:endParaRPr sz="1400">
+              <a:solidFill>
+                <a:schemeClr val="dk1"/>
+              </a:solidFill>
+              <a:latin typeface="Century Gothic"/>
+              <a:ea typeface="Century Gothic"/>
+              <a:cs typeface="Century Gothic"/>
+              <a:sym typeface="Century Gothic"/>
+            </a:endParaRPr>
+          </a:p>
+          <a:p>
+            <a:pPr marL="457200" lvl="0" indent="-317500" algn="l" rtl="0">
+              <a:lnSpc>
+                <a:spcPct val="115000"/>
+              </a:lnSpc>
+              <a:spcBef>
+                <a:spcPts val="0"/>
+              </a:spcBef>
+              <a:spcAft>
+                <a:spcPts val="0"/>
+              </a:spcAft>
+              <a:buClr>
+                <a:schemeClr val="dk1"/>
+              </a:buClr>
+              <a:buSzPts val="1400"/>
+              <a:buFont typeface="Century Gothic"/>
+              <a:buChar char="●"/>
+            </a:pPr>
+            <a:r>
+              <a:rPr lang="en" sz="1400">
+                <a:solidFill>
+                  <a:schemeClr val="dk1"/>
+                </a:solidFill>
+                <a:latin typeface="Century Gothic"/>
+                <a:ea typeface="Century Gothic"/>
+                <a:cs typeface="Century Gothic"/>
+                <a:sym typeface="Century Gothic"/>
+              </a:rPr>
+              <a:t>Explain the structured fields of the output</a:t>
+            </a:r>
+            <a:endParaRPr sz="1400">
+              <a:solidFill>
+                <a:schemeClr val="dk1"/>
+              </a:solidFill>
+              <a:latin typeface="Century Gothic"/>
+              <a:ea typeface="Century Gothic"/>
+              <a:cs typeface="Century Gothic"/>
+              <a:sym typeface="Century Gothic"/>
+            </a:endParaRPr>
+          </a:p>
+          <a:p>
+            <a:pPr marL="0" lvl="0" indent="0" algn="l" rtl="0">
+              <a:lnSpc>
+                <a:spcPct val="115000"/>
+              </a:lnSpc>
+              <a:spcBef>
+                <a:spcPts val="1000"/>
+              </a:spcBef>
+              <a:spcAft>
+                <a:spcPts val="0"/>
+              </a:spcAft>
+              <a:buSzPts val="1500"/>
+              <a:buNone/>
+            </a:pPr>
+            <a:endParaRPr sz="1400">
+              <a:solidFill>
+                <a:schemeClr val="dk1"/>
+              </a:solidFill>
+              <a:latin typeface="Century Gothic"/>
+              <a:ea typeface="Century Gothic"/>
+              <a:cs typeface="Century Gothic"/>
+              <a:sym typeface="Century Gothic"/>
+            </a:endParaRPr>
+          </a:p>
+          <a:p>
+            <a:pPr marL="0" lvl="0" indent="0" algn="l" rtl="0">
+              <a:lnSpc>
+                <a:spcPct val="115000"/>
+              </a:lnSpc>
+              <a:spcBef>
+                <a:spcPts val="1000"/>
+              </a:spcBef>
+              <a:spcAft>
+                <a:spcPts val="0"/>
+              </a:spcAft>
+              <a:buSzPts val="1500"/>
+              <a:buNone/>
+            </a:pPr>
+            <a:endParaRPr sz="1400">
+              <a:solidFill>
+                <a:schemeClr val="dk1"/>
+              </a:solidFill>
+              <a:latin typeface="Century Gothic"/>
+              <a:ea typeface="Century Gothic"/>
+              <a:cs typeface="Century Gothic"/>
+              <a:sym typeface="Century Gothic"/>
+            </a:endParaRPr>
+          </a:p>
+          <a:p>
+            <a:pPr marL="0" lvl="0" indent="0" algn="l" rtl="0">
+              <a:lnSpc>
+                <a:spcPct val="115000"/>
+              </a:lnSpc>
+              <a:spcBef>
+                <a:spcPts val="1000"/>
+              </a:spcBef>
+              <a:spcAft>
+                <a:spcPts val="0"/>
+              </a:spcAft>
+              <a:buSzPts val="1500"/>
+              <a:buNone/>
+            </a:pPr>
+            <a:r>
+              <a:rPr lang="en" sz="1200" b="1" i="1">
+                <a:solidFill>
+                  <a:schemeClr val="dk1"/>
+                </a:solidFill>
+                <a:latin typeface="Century Gothic"/>
+                <a:ea typeface="Century Gothic"/>
+                <a:cs typeface="Century Gothic"/>
+                <a:sym typeface="Century Gothic"/>
+              </a:rPr>
+              <a:t>Note</a:t>
+            </a:r>
+            <a:r>
+              <a:rPr lang="en" sz="1200" i="1">
+                <a:solidFill>
+                  <a:schemeClr val="dk1"/>
+                </a:solidFill>
+                <a:latin typeface="Century Gothic"/>
+                <a:ea typeface="Century Gothic"/>
+                <a:cs typeface="Century Gothic"/>
+                <a:sym typeface="Century Gothic"/>
+              </a:rPr>
+              <a:t>: You can use more than one slide if needed </a:t>
+            </a:r>
+            <a:endParaRPr sz="1300" i="1">
+              <a:solidFill>
+                <a:schemeClr val="dk1"/>
+              </a:solidFill>
+              <a:latin typeface="Century Gothic"/>
+              <a:ea typeface="Century Gothic"/>
+              <a:cs typeface="Century Gothic"/>
+              <a:sym typeface="Century Gothic"/>
+            </a:endParaRPr>
+          </a:p>
+          <a:p>
+            <a:pPr marL="0" lvl="0" indent="0" algn="l" rtl="0">
+              <a:lnSpc>
+                <a:spcPct val="115000"/>
+              </a:lnSpc>
+              <a:spcBef>
+                <a:spcPts val="1000"/>
+              </a:spcBef>
+              <a:spcAft>
+                <a:spcPts val="1000"/>
+              </a:spcAft>
+              <a:buSzPts val="1500"/>
+              <a:buNone/>
+            </a:pPr>
+            <a:endParaRPr sz="1400">
+              <a:solidFill>
+                <a:schemeClr val="dk1"/>
+              </a:solidFill>
+              <a:latin typeface="Century Gothic"/>
+              <a:ea typeface="Century Gothic"/>
+              <a:cs typeface="Century Gothic"/>
+              <a:sym typeface="Century Gothic"/>
+            </a:endParaRPr>
+          </a:p>
+        </p:txBody>
+      </p:sp>
+      <p:sp>
+        <p:nvSpPr>
+          <p:cNvPr id="183" name="Google Shape;183;p40">
+            <a:extLst>
+              <a:ext uri="{FF2B5EF4-FFF2-40B4-BE49-F238E27FC236}">
+                <a16:creationId xmlns:a16="http://schemas.microsoft.com/office/drawing/2014/main" id="{B9D687A5-10CF-5CB1-AAA1-5C5F11B2A9BF}"/>
+              </a:ext>
+            </a:extLst>
+          </p:cNvPr>
+          <p:cNvSpPr txBox="1"/>
+          <p:nvPr/>
+        </p:nvSpPr>
+        <p:spPr>
+          <a:xfrm>
+            <a:off x="4077350" y="4568775"/>
+            <a:ext cx="5010600" cy="369300"/>
+          </a:xfrm>
+          <a:prstGeom prst="rect">
+            <a:avLst/>
+          </a:prstGeom>
+          <a:noFill/>
+          <a:ln>
+            <a:noFill/>
+          </a:ln>
+        </p:spPr>
+        <p:txBody>
+          <a:bodyPr spcFirstLastPara="1" wrap="square" lIns="91425" tIns="91425" rIns="91425" bIns="91425" anchor="t" anchorCtr="0">
+            <a:spAutoFit/>
+          </a:bodyPr>
+          <a:lstStyle/>
+          <a:p>
+            <a:pPr marL="0" marR="0" lvl="0" indent="0" algn="r" rtl="0">
+              <a:lnSpc>
+                <a:spcPct val="100000"/>
+              </a:lnSpc>
+              <a:spcBef>
+                <a:spcPts val="0"/>
+              </a:spcBef>
+              <a:spcAft>
+                <a:spcPts val="0"/>
+              </a:spcAft>
+              <a:buClr>
+                <a:srgbClr val="000000"/>
+              </a:buClr>
+              <a:buSzPts val="1200"/>
+              <a:buFont typeface="Arial"/>
+              <a:buNone/>
+            </a:pPr>
+            <a:endParaRPr sz="1200" b="0" i="1" u="none" strike="noStrike" cap="none">
+              <a:solidFill>
+                <a:srgbClr val="666666"/>
+              </a:solidFill>
+              <a:latin typeface="Nunito"/>
+              <a:ea typeface="Nunito"/>
+              <a:cs typeface="Nunito"/>
+              <a:sym typeface="Nunito"/>
+            </a:endParaRPr>
+          </a:p>
+        </p:txBody>
+      </p:sp>
+    </p:spTree>
+    <p:extLst>
+      <p:ext uri="{BB962C8B-B14F-4D97-AF65-F5344CB8AC3E}">
+        <p14:creationId xmlns:p14="http://schemas.microsoft.com/office/powerpoint/2010/main" val="2169973419"/>
+      </p:ext>
+    </p:extLst>
+  </p:cSld>
+  <p:clrMapOvr>
+    <a:masterClrMapping/>
+  </p:clrMapOvr>
+</p:sld>
+</file>
+
+<file path=ppt/slides/slide55.xml><?xml version="1.0" encoding="utf-8"?>
+<p:sld xmlns:a="http://schemas.openxmlformats.org/drawingml/2006/main" xmlns:r="http://schemas.openxmlformats.org/officeDocument/2006/relationships" xmlns:p="http://schemas.openxmlformats.org/presentationml/2006/main">
+  <p:cSld>
+    <p:spTree>
+      <p:nvGrpSpPr>
         <p:cNvPr id="1" name="Shape 187"/>
         <p:cNvGrpSpPr/>
         <p:nvPr/>
@@ -42392,7 +44420,7 @@
 </p:sld>
 </file>
 
-<file path=ppt/slides/slide51.xml><?xml version="1.0" encoding="utf-8"?>
+<file path=ppt/slides/slide56.xml><?xml version="1.0" encoding="utf-8"?>
 <p:sld xmlns:a="http://schemas.openxmlformats.org/drawingml/2006/main" xmlns:r="http://schemas.openxmlformats.org/officeDocument/2006/relationships" xmlns:p="http://schemas.openxmlformats.org/presentationml/2006/main">
   <p:cSld>
     <p:spTree>
@@ -42485,7 +44513,7 @@
 </p:sld>
 </file>
 
-<file path=ppt/slides/slide52.xml><?xml version="1.0" encoding="utf-8"?>
+<file path=ppt/slides/slide57.xml><?xml version="1.0" encoding="utf-8"?>
 <p:sld xmlns:a="http://schemas.openxmlformats.org/drawingml/2006/main" xmlns:r="http://schemas.openxmlformats.org/officeDocument/2006/relationships" xmlns:p="http://schemas.openxmlformats.org/presentationml/2006/main">
   <p:cSld>
     <p:spTree>
@@ -42758,7 +44786,7 @@
 </p:sld>
 </file>
 
-<file path=ppt/slides/slide53.xml><?xml version="1.0" encoding="utf-8"?>
+<file path=ppt/slides/slide58.xml><?xml version="1.0" encoding="utf-8"?>
 <p:sld xmlns:a="http://schemas.openxmlformats.org/drawingml/2006/main" xmlns:r="http://schemas.openxmlformats.org/officeDocument/2006/relationships" xmlns:p="http://schemas.openxmlformats.org/presentationml/2006/main">
   <p:cSld>
     <p:spTree>
@@ -43053,7 +45081,7 @@
 </p:sld>
 </file>
 
-<file path=ppt/slides/slide54.xml><?xml version="1.0" encoding="utf-8"?>
+<file path=ppt/slides/slide59.xml><?xml version="1.0" encoding="utf-8"?>
 <p:sld xmlns:a="http://schemas.openxmlformats.org/drawingml/2006/main" xmlns:r="http://schemas.openxmlformats.org/officeDocument/2006/relationships" xmlns:p="http://schemas.openxmlformats.org/presentationml/2006/main">
   <p:cSld>
     <p:spTree>
@@ -43416,7 +45444,326 @@
 </p:sld>
 </file>
 
-<file path=ppt/slides/slide55.xml><?xml version="1.0" encoding="utf-8"?>
+<file path=ppt/slides/slide6.xml><?xml version="1.0" encoding="utf-8"?>
+<p:sld xmlns:a="http://schemas.openxmlformats.org/drawingml/2006/main" xmlns:r="http://schemas.openxmlformats.org/officeDocument/2006/relationships" xmlns:p="http://schemas.openxmlformats.org/presentationml/2006/main">
+  <p:cSld>
+    <p:spTree>
+      <p:nvGrpSpPr>
+        <p:cNvPr id="1" name=""/>
+        <p:cNvGrpSpPr/>
+        <p:nvPr/>
+      </p:nvGrpSpPr>
+      <p:grpSpPr>
+        <a:xfrm>
+          <a:off x="0" y="0"/>
+          <a:ext cx="0" cy="0"/>
+          <a:chOff x="0" y="0"/>
+          <a:chExt cx="0" cy="0"/>
+        </a:xfrm>
+      </p:grpSpPr>
+      <p:sp>
+        <p:nvSpPr>
+          <p:cNvPr id="2" name="Title 1">
+            <a:extLst>
+              <a:ext uri="{FF2B5EF4-FFF2-40B4-BE49-F238E27FC236}">
+                <a16:creationId xmlns:a16="http://schemas.microsoft.com/office/drawing/2014/main" id="{6061AC7F-EAFB-724B-5A24-394B8868E06D}"/>
+              </a:ext>
+            </a:extLst>
+          </p:cNvPr>
+          <p:cNvSpPr>
+            <a:spLocks noGrp="1"/>
+          </p:cNvSpPr>
+          <p:nvPr>
+            <p:ph type="title"/>
+          </p:nvPr>
+        </p:nvSpPr>
+        <p:spPr>
+          <a:xfrm>
+            <a:off x="202550" y="84147"/>
+            <a:ext cx="8520600" cy="572700"/>
+          </a:xfrm>
+        </p:spPr>
+        <p:txBody>
+          <a:bodyPr/>
+          <a:lstStyle/>
+          <a:p>
+            <a:r>
+              <a:rPr lang="en-US" dirty="0">
+                <a:solidFill>
+                  <a:schemeClr val="lt2"/>
+                </a:solidFill>
+                <a:latin typeface="Century Gothic"/>
+                <a:ea typeface="Century Gothic"/>
+                <a:cs typeface="Century Gothic"/>
+                <a:sym typeface="Century Gothic"/>
+              </a:rPr>
+              <a:t>Solution Approach</a:t>
+            </a:r>
+            <a:br>
+              <a:rPr lang="en-US" dirty="0">
+                <a:solidFill>
+                  <a:schemeClr val="lt2"/>
+                </a:solidFill>
+                <a:latin typeface="Century Gothic"/>
+                <a:ea typeface="Century Gothic"/>
+                <a:cs typeface="Century Gothic"/>
+                <a:sym typeface="Century Gothic"/>
+              </a:rPr>
+            </a:br>
+            <a:endParaRPr lang="en-US" dirty="0"/>
+          </a:p>
+        </p:txBody>
+      </p:sp>
+      <p:sp>
+        <p:nvSpPr>
+          <p:cNvPr id="3" name="Text Placeholder 2">
+            <a:extLst>
+              <a:ext uri="{FF2B5EF4-FFF2-40B4-BE49-F238E27FC236}">
+                <a16:creationId xmlns:a16="http://schemas.microsoft.com/office/drawing/2014/main" id="{8EEF664F-FE4B-F917-1F60-158FDC5B15C6}"/>
+              </a:ext>
+            </a:extLst>
+          </p:cNvPr>
+          <p:cNvSpPr>
+            <a:spLocks noGrp="1"/>
+          </p:cNvSpPr>
+          <p:nvPr>
+            <p:ph type="body" idx="1"/>
+          </p:nvPr>
+        </p:nvSpPr>
+        <p:spPr>
+          <a:xfrm>
+            <a:off x="202550" y="656848"/>
+            <a:ext cx="8629800" cy="4155784"/>
+          </a:xfrm>
+        </p:spPr>
+        <p:txBody>
+          <a:bodyPr/>
+          <a:lstStyle/>
+          <a:p>
+            <a:pPr marL="133350" indent="0">
+              <a:buNone/>
+            </a:pPr>
+            <a:r>
+              <a:rPr lang="en-US" b="1" dirty="0"/>
+              <a:t>1. Exploratory Data Analysis (EDA)</a:t>
+            </a:r>
+            <a:endParaRPr lang="en-US" dirty="0"/>
+          </a:p>
+          <a:p>
+            <a:pPr lvl="1">
+              <a:spcBef>
+                <a:spcPts val="400"/>
+              </a:spcBef>
+            </a:pPr>
+            <a:r>
+              <a:rPr lang="en-US" dirty="0"/>
+              <a:t>Understand dataset structure and review content</a:t>
+            </a:r>
+          </a:p>
+          <a:p>
+            <a:pPr marL="133350" indent="0">
+              <a:spcBef>
+                <a:spcPts val="600"/>
+              </a:spcBef>
+              <a:buNone/>
+            </a:pPr>
+            <a:r>
+              <a:rPr lang="en-US" b="1" dirty="0"/>
+              <a:t>2. Create Ground Truth</a:t>
+            </a:r>
+            <a:endParaRPr lang="en-US" dirty="0"/>
+          </a:p>
+          <a:p>
+            <a:pPr lvl="1">
+              <a:spcBef>
+                <a:spcPts val="400"/>
+              </a:spcBef>
+            </a:pPr>
+            <a:r>
+              <a:rPr lang="en-US" dirty="0"/>
+              <a:t>Manually classify 25-36 reviews as benchmark for accuracy measurement</a:t>
+            </a:r>
+          </a:p>
+          <a:p>
+            <a:pPr marL="133350" indent="0">
+              <a:spcBef>
+                <a:spcPts val="600"/>
+              </a:spcBef>
+              <a:buNone/>
+            </a:pPr>
+            <a:r>
+              <a:rPr lang="en-US" b="1" dirty="0"/>
+              <a:t>3. Develop Prompt Templates</a:t>
+            </a:r>
+            <a:endParaRPr lang="en-US" dirty="0"/>
+          </a:p>
+          <a:p>
+            <a:pPr lvl="1">
+              <a:spcBef>
+                <a:spcPts val="400"/>
+              </a:spcBef>
+            </a:pPr>
+            <a:r>
+              <a:rPr lang="en-US" dirty="0"/>
+              <a:t>Zero-Shot</a:t>
+            </a:r>
+          </a:p>
+          <a:p>
+            <a:pPr lvl="1">
+              <a:spcBef>
+                <a:spcPts val="400"/>
+              </a:spcBef>
+            </a:pPr>
+            <a:r>
+              <a:rPr lang="en-US" dirty="0"/>
+              <a:t>Few-Shot</a:t>
+            </a:r>
+          </a:p>
+          <a:p>
+            <a:pPr lvl="1">
+              <a:spcBef>
+                <a:spcPts val="400"/>
+              </a:spcBef>
+            </a:pPr>
+            <a:r>
+              <a:rPr lang="en-US" dirty="0"/>
+              <a:t>Zero-Shot </a:t>
+            </a:r>
+            <a:r>
+              <a:rPr lang="en-US" dirty="0" err="1"/>
+              <a:t>CoT</a:t>
+            </a:r>
+            <a:endParaRPr lang="en-US" dirty="0"/>
+          </a:p>
+          <a:p>
+            <a:pPr lvl="1">
+              <a:spcBef>
+                <a:spcPts val="400"/>
+              </a:spcBef>
+            </a:pPr>
+            <a:r>
+              <a:rPr lang="en-US" dirty="0"/>
+              <a:t>Few-Shot </a:t>
+            </a:r>
+            <a:r>
+              <a:rPr lang="en-US" dirty="0" err="1"/>
+              <a:t>CoT</a:t>
+            </a:r>
+            <a:endParaRPr lang="en-US" dirty="0"/>
+          </a:p>
+          <a:p>
+            <a:pPr marL="133350" indent="0">
+              <a:spcBef>
+                <a:spcPts val="600"/>
+              </a:spcBef>
+              <a:buNone/>
+            </a:pPr>
+            <a:r>
+              <a:rPr lang="en-US" b="1" dirty="0"/>
+              <a:t>4. Tune Each Prompt Type</a:t>
+            </a:r>
+            <a:endParaRPr lang="en-US" dirty="0"/>
+          </a:p>
+          <a:p>
+            <a:pPr lvl="1">
+              <a:spcBef>
+                <a:spcPts val="400"/>
+              </a:spcBef>
+            </a:pPr>
+            <a:r>
+              <a:rPr lang="en-US" dirty="0"/>
+              <a:t>Test variations (temperature, examples, reasoning detail)</a:t>
+            </a:r>
+          </a:p>
+          <a:p>
+            <a:pPr lvl="1">
+              <a:spcBef>
+                <a:spcPts val="400"/>
+              </a:spcBef>
+            </a:pPr>
+            <a:r>
+              <a:rPr lang="en-US" dirty="0"/>
+              <a:t>Compare results against Ground Truth</a:t>
+            </a:r>
+          </a:p>
+          <a:p>
+            <a:pPr lvl="1">
+              <a:spcBef>
+                <a:spcPts val="400"/>
+              </a:spcBef>
+            </a:pPr>
+            <a:r>
+              <a:rPr lang="en-US" dirty="0"/>
+              <a:t>Select best-performing version of each type</a:t>
+            </a:r>
+            <a:endParaRPr lang="en-US" b="1" dirty="0"/>
+          </a:p>
+          <a:p>
+            <a:endParaRPr lang="en-US" sz="1100" b="1" dirty="0"/>
+          </a:p>
+          <a:p>
+            <a:endParaRPr lang="en-US" sz="1100" b="1" dirty="0"/>
+          </a:p>
+          <a:p>
+            <a:pPr marL="133350" indent="0">
+              <a:buNone/>
+            </a:pPr>
+            <a:endParaRPr lang="en-US" dirty="0"/>
+          </a:p>
+        </p:txBody>
+      </p:sp>
+      <p:sp>
+        <p:nvSpPr>
+          <p:cNvPr id="4" name="Slide Number Placeholder 3">
+            <a:extLst>
+              <a:ext uri="{FF2B5EF4-FFF2-40B4-BE49-F238E27FC236}">
+                <a16:creationId xmlns:a16="http://schemas.microsoft.com/office/drawing/2014/main" id="{8A7BBDE3-278D-35FB-7473-C3CF6999A37D}"/>
+              </a:ext>
+            </a:extLst>
+          </p:cNvPr>
+          <p:cNvSpPr>
+            <a:spLocks noGrp="1"/>
+          </p:cNvSpPr>
+          <p:nvPr>
+            <p:ph type="sldNum" idx="12"/>
+          </p:nvPr>
+        </p:nvSpPr>
+        <p:spPr/>
+        <p:txBody>
+          <a:bodyPr/>
+          <a:lstStyle/>
+          <a:p>
+            <a:pPr marL="0" lvl="0" indent="0" algn="ctr" rtl="0">
+              <a:spcBef>
+                <a:spcPts val="0"/>
+              </a:spcBef>
+              <a:spcAft>
+                <a:spcPts val="0"/>
+              </a:spcAft>
+              <a:buNone/>
+            </a:pPr>
+            <a:fld id="{00000000-1234-1234-1234-123412341234}" type="slidenum">
+              <a:rPr lang="en" smtClean="0"/>
+              <a:t>6</a:t>
+            </a:fld>
+            <a:endParaRPr lang="en"/>
+          </a:p>
+        </p:txBody>
+      </p:sp>
+    </p:spTree>
+    <p:extLst>
+      <p:ext uri="{BB962C8B-B14F-4D97-AF65-F5344CB8AC3E}">
+        <p14:creationId xmlns:p14="http://schemas.microsoft.com/office/powerpoint/2010/main" val="3936730231"/>
+      </p:ext>
+    </p:extLst>
+  </p:cSld>
+  <p:clrMapOvr>
+    <a:masterClrMapping/>
+  </p:clrMapOvr>
+</p:sld>
+</file>
+
+<file path=ppt/slides/slide60.xml><?xml version="1.0" encoding="utf-8"?>
 <p:sld xmlns:a="http://schemas.openxmlformats.org/drawingml/2006/main" xmlns:r="http://schemas.openxmlformats.org/officeDocument/2006/relationships" xmlns:p="http://schemas.openxmlformats.org/presentationml/2006/main">
   <p:cSld>
     <p:spTree>
@@ -43577,7 +45924,7 @@
 </p:sld>
 </file>
 
-<file path=ppt/slides/slide56.xml><?xml version="1.0" encoding="utf-8"?>
+<file path=ppt/slides/slide61.xml><?xml version="1.0" encoding="utf-8"?>
 <p:sld xmlns:a="http://schemas.openxmlformats.org/drawingml/2006/main" xmlns:r="http://schemas.openxmlformats.org/officeDocument/2006/relationships" xmlns:p="http://schemas.openxmlformats.org/presentationml/2006/main">
   <p:cSld>
     <p:spTree>
@@ -43684,332 +46031,13 @@
             </a:pPr>
             <a:fld id="{00000000-1234-1234-1234-123412341234}" type="slidenum">
               <a:rPr lang="en"/>
-              <a:t>56</a:t>
+              <a:t>61</a:t>
             </a:fld>
             <a:endParaRPr/>
           </a:p>
         </p:txBody>
       </p:sp>
     </p:spTree>
-  </p:cSld>
-  <p:clrMapOvr>
-    <a:masterClrMapping/>
-  </p:clrMapOvr>
-</p:sld>
-</file>
-
-<file path=ppt/slides/slide6.xml><?xml version="1.0" encoding="utf-8"?>
-<p:sld xmlns:a="http://schemas.openxmlformats.org/drawingml/2006/main" xmlns:r="http://schemas.openxmlformats.org/officeDocument/2006/relationships" xmlns:p="http://schemas.openxmlformats.org/presentationml/2006/main">
-  <p:cSld>
-    <p:spTree>
-      <p:nvGrpSpPr>
-        <p:cNvPr id="1" name=""/>
-        <p:cNvGrpSpPr/>
-        <p:nvPr/>
-      </p:nvGrpSpPr>
-      <p:grpSpPr>
-        <a:xfrm>
-          <a:off x="0" y="0"/>
-          <a:ext cx="0" cy="0"/>
-          <a:chOff x="0" y="0"/>
-          <a:chExt cx="0" cy="0"/>
-        </a:xfrm>
-      </p:grpSpPr>
-      <p:sp>
-        <p:nvSpPr>
-          <p:cNvPr id="2" name="Title 1">
-            <a:extLst>
-              <a:ext uri="{FF2B5EF4-FFF2-40B4-BE49-F238E27FC236}">
-                <a16:creationId xmlns:a16="http://schemas.microsoft.com/office/drawing/2014/main" id="{6061AC7F-EAFB-724B-5A24-394B8868E06D}"/>
-              </a:ext>
-            </a:extLst>
-          </p:cNvPr>
-          <p:cNvSpPr>
-            <a:spLocks noGrp="1"/>
-          </p:cNvSpPr>
-          <p:nvPr>
-            <p:ph type="title"/>
-          </p:nvPr>
-        </p:nvSpPr>
-        <p:spPr>
-          <a:xfrm>
-            <a:off x="202550" y="84147"/>
-            <a:ext cx="8520600" cy="572700"/>
-          </a:xfrm>
-        </p:spPr>
-        <p:txBody>
-          <a:bodyPr/>
-          <a:lstStyle/>
-          <a:p>
-            <a:r>
-              <a:rPr lang="en-US" dirty="0">
-                <a:solidFill>
-                  <a:schemeClr val="lt2"/>
-                </a:solidFill>
-                <a:latin typeface="Century Gothic"/>
-                <a:ea typeface="Century Gothic"/>
-                <a:cs typeface="Century Gothic"/>
-                <a:sym typeface="Century Gothic"/>
-              </a:rPr>
-              <a:t>Solution Approach</a:t>
-            </a:r>
-            <a:br>
-              <a:rPr lang="en-US" dirty="0">
-                <a:solidFill>
-                  <a:schemeClr val="lt2"/>
-                </a:solidFill>
-                <a:latin typeface="Century Gothic"/>
-                <a:ea typeface="Century Gothic"/>
-                <a:cs typeface="Century Gothic"/>
-                <a:sym typeface="Century Gothic"/>
-              </a:rPr>
-            </a:br>
-            <a:endParaRPr lang="en-US" dirty="0"/>
-          </a:p>
-        </p:txBody>
-      </p:sp>
-      <p:sp>
-        <p:nvSpPr>
-          <p:cNvPr id="3" name="Text Placeholder 2">
-            <a:extLst>
-              <a:ext uri="{FF2B5EF4-FFF2-40B4-BE49-F238E27FC236}">
-                <a16:creationId xmlns:a16="http://schemas.microsoft.com/office/drawing/2014/main" id="{8EEF664F-FE4B-F917-1F60-158FDC5B15C6}"/>
-              </a:ext>
-            </a:extLst>
-          </p:cNvPr>
-          <p:cNvSpPr>
-            <a:spLocks noGrp="1"/>
-          </p:cNvSpPr>
-          <p:nvPr>
-            <p:ph type="body" idx="1"/>
-          </p:nvPr>
-        </p:nvSpPr>
-        <p:spPr>
-          <a:xfrm>
-            <a:off x="202550" y="656848"/>
-            <a:ext cx="8629800" cy="4155784"/>
-          </a:xfrm>
-        </p:spPr>
-        <p:txBody>
-          <a:bodyPr/>
-          <a:lstStyle/>
-          <a:p>
-            <a:pPr marL="133350" indent="0">
-              <a:buNone/>
-            </a:pPr>
-            <a:r>
-              <a:rPr lang="en-US" b="1" dirty="0"/>
-              <a:t>1. Exploratory Data Analysis (EDA)</a:t>
-            </a:r>
-            <a:endParaRPr lang="en-US" dirty="0"/>
-          </a:p>
-          <a:p>
-            <a:pPr lvl="1">
-              <a:spcBef>
-                <a:spcPts val="400"/>
-              </a:spcBef>
-            </a:pPr>
-            <a:r>
-              <a:rPr lang="en-US" dirty="0"/>
-              <a:t>Understand dataset structure and review content</a:t>
-            </a:r>
-          </a:p>
-          <a:p>
-            <a:pPr marL="133350" indent="0">
-              <a:spcBef>
-                <a:spcPts val="600"/>
-              </a:spcBef>
-              <a:buNone/>
-            </a:pPr>
-            <a:r>
-              <a:rPr lang="en-US" b="1" dirty="0"/>
-              <a:t>2. Create Ground Truth</a:t>
-            </a:r>
-            <a:endParaRPr lang="en-US" dirty="0"/>
-          </a:p>
-          <a:p>
-            <a:pPr lvl="1">
-              <a:spcBef>
-                <a:spcPts val="400"/>
-              </a:spcBef>
-            </a:pPr>
-            <a:r>
-              <a:rPr lang="en-US" dirty="0"/>
-              <a:t>Manually classify 25-36 reviews as benchmark for accuracy measurement</a:t>
-            </a:r>
-          </a:p>
-          <a:p>
-            <a:pPr marL="133350" indent="0">
-              <a:spcBef>
-                <a:spcPts val="600"/>
-              </a:spcBef>
-              <a:buNone/>
-            </a:pPr>
-            <a:r>
-              <a:rPr lang="en-US" b="1" dirty="0"/>
-              <a:t>3. Develop Prompt Templates</a:t>
-            </a:r>
-            <a:endParaRPr lang="en-US" dirty="0"/>
-          </a:p>
-          <a:p>
-            <a:pPr lvl="1">
-              <a:spcBef>
-                <a:spcPts val="400"/>
-              </a:spcBef>
-            </a:pPr>
-            <a:r>
-              <a:rPr lang="en-US" dirty="0"/>
-              <a:t>Zero-Shot</a:t>
-            </a:r>
-          </a:p>
-          <a:p>
-            <a:pPr lvl="1">
-              <a:spcBef>
-                <a:spcPts val="400"/>
-              </a:spcBef>
-            </a:pPr>
-            <a:r>
-              <a:rPr lang="en-US" dirty="0"/>
-              <a:t>Few-Shot</a:t>
-            </a:r>
-          </a:p>
-          <a:p>
-            <a:pPr lvl="1">
-              <a:spcBef>
-                <a:spcPts val="400"/>
-              </a:spcBef>
-            </a:pPr>
-            <a:r>
-              <a:rPr lang="en-US" dirty="0"/>
-              <a:t>Zero-Shot </a:t>
-            </a:r>
-            <a:r>
-              <a:rPr lang="en-US" dirty="0" err="1"/>
-              <a:t>CoT</a:t>
-            </a:r>
-            <a:endParaRPr lang="en-US" dirty="0"/>
-          </a:p>
-          <a:p>
-            <a:pPr lvl="1">
-              <a:spcBef>
-                <a:spcPts val="400"/>
-              </a:spcBef>
-            </a:pPr>
-            <a:r>
-              <a:rPr lang="en-US" dirty="0"/>
-              <a:t>Few-Shot </a:t>
-            </a:r>
-            <a:r>
-              <a:rPr lang="en-US" dirty="0" err="1"/>
-              <a:t>CoT</a:t>
-            </a:r>
-            <a:endParaRPr lang="en-US" dirty="0"/>
-          </a:p>
-          <a:p>
-            <a:pPr marL="133350" indent="0">
-              <a:spcBef>
-                <a:spcPts val="600"/>
-              </a:spcBef>
-              <a:buNone/>
-            </a:pPr>
-            <a:r>
-              <a:rPr lang="en-US" b="1" dirty="0"/>
-              <a:t>4. Tune Each Prompt Type</a:t>
-            </a:r>
-            <a:endParaRPr lang="en-US" dirty="0"/>
-          </a:p>
-          <a:p>
-            <a:pPr lvl="1">
-              <a:spcBef>
-                <a:spcPts val="400"/>
-              </a:spcBef>
-            </a:pPr>
-            <a:r>
-              <a:rPr lang="en-US" dirty="0"/>
-              <a:t>Test variations (temperature, examples, reasoning detail)</a:t>
-            </a:r>
-          </a:p>
-          <a:p>
-            <a:pPr lvl="1">
-              <a:spcBef>
-                <a:spcPts val="400"/>
-              </a:spcBef>
-            </a:pPr>
-            <a:r>
-              <a:rPr lang="en-US" dirty="0"/>
-              <a:t>Compare results against Ground Truth</a:t>
-            </a:r>
-          </a:p>
-          <a:p>
-            <a:pPr lvl="1">
-              <a:spcBef>
-                <a:spcPts val="400"/>
-              </a:spcBef>
-            </a:pPr>
-            <a:r>
-              <a:rPr lang="en-US" dirty="0"/>
-              <a:t>Select best-performing version of each type</a:t>
-            </a:r>
-            <a:endParaRPr lang="en-US" b="1" dirty="0"/>
-          </a:p>
-          <a:p>
-            <a:endParaRPr lang="en-US" sz="1100" b="1" dirty="0"/>
-          </a:p>
-          <a:p>
-            <a:endParaRPr lang="en-US" sz="1100" b="1" dirty="0"/>
-          </a:p>
-          <a:p>
-            <a:pPr marL="133350" indent="0">
-              <a:buNone/>
-            </a:pPr>
-            <a:endParaRPr lang="en-US" dirty="0"/>
-          </a:p>
-        </p:txBody>
-      </p:sp>
-      <p:sp>
-        <p:nvSpPr>
-          <p:cNvPr id="4" name="Slide Number Placeholder 3">
-            <a:extLst>
-              <a:ext uri="{FF2B5EF4-FFF2-40B4-BE49-F238E27FC236}">
-                <a16:creationId xmlns:a16="http://schemas.microsoft.com/office/drawing/2014/main" id="{8A7BBDE3-278D-35FB-7473-C3CF6999A37D}"/>
-              </a:ext>
-            </a:extLst>
-          </p:cNvPr>
-          <p:cNvSpPr>
-            <a:spLocks noGrp="1"/>
-          </p:cNvSpPr>
-          <p:nvPr>
-            <p:ph type="sldNum" idx="12"/>
-          </p:nvPr>
-        </p:nvSpPr>
-        <p:spPr/>
-        <p:txBody>
-          <a:bodyPr/>
-          <a:lstStyle/>
-          <a:p>
-            <a:pPr marL="0" lvl="0" indent="0" algn="ctr" rtl="0">
-              <a:spcBef>
-                <a:spcPts val="0"/>
-              </a:spcBef>
-              <a:spcAft>
-                <a:spcPts val="0"/>
-              </a:spcAft>
-              <a:buNone/>
-            </a:pPr>
-            <a:fld id="{00000000-1234-1234-1234-123412341234}" type="slidenum">
-              <a:rPr lang="en" smtClean="0"/>
-              <a:t>6</a:t>
-            </a:fld>
-            <a:endParaRPr lang="en"/>
-          </a:p>
-        </p:txBody>
-      </p:sp>
-    </p:spTree>
-    <p:extLst>
-      <p:ext uri="{BB962C8B-B14F-4D97-AF65-F5344CB8AC3E}">
-        <p14:creationId xmlns:p14="http://schemas.microsoft.com/office/powerpoint/2010/main" val="3936730231"/>
-      </p:ext>
-    </p:extLst>
   </p:cSld>
   <p:clrMapOvr>
     <a:masterClrMapping/>
